--- a/course/Progressive Web Apps.pptx
+++ b/course/Progressive Web Apps.pptx
@@ -33,12 +33,34 @@
     <p:sldId id="272" r:id="rId27"/>
     <p:sldId id="268" r:id="rId28"/>
     <p:sldId id="284" r:id="rId29"/>
-    <p:sldId id="285" r:id="rId30"/>
-    <p:sldId id="287" r:id="rId31"/>
-    <p:sldId id="288" r:id="rId32"/>
-    <p:sldId id="289" r:id="rId33"/>
-    <p:sldId id="286" r:id="rId34"/>
-    <p:sldId id="265" r:id="rId35"/>
+    <p:sldId id="310" r:id="rId30"/>
+    <p:sldId id="292" r:id="rId31"/>
+    <p:sldId id="294" r:id="rId32"/>
+    <p:sldId id="295" r:id="rId33"/>
+    <p:sldId id="298" r:id="rId34"/>
+    <p:sldId id="299" r:id="rId35"/>
+    <p:sldId id="300" r:id="rId36"/>
+    <p:sldId id="301" r:id="rId37"/>
+    <p:sldId id="302" r:id="rId38"/>
+    <p:sldId id="303" r:id="rId39"/>
+    <p:sldId id="304" r:id="rId40"/>
+    <p:sldId id="305" r:id="rId41"/>
+    <p:sldId id="309" r:id="rId42"/>
+    <p:sldId id="293" r:id="rId43"/>
+    <p:sldId id="306" r:id="rId44"/>
+    <p:sldId id="307" r:id="rId45"/>
+    <p:sldId id="311" r:id="rId46"/>
+    <p:sldId id="312" r:id="rId47"/>
+    <p:sldId id="313" r:id="rId48"/>
+    <p:sldId id="315" r:id="rId49"/>
+    <p:sldId id="314" r:id="rId50"/>
+    <p:sldId id="308" r:id="rId51"/>
+    <p:sldId id="285" r:id="rId52"/>
+    <p:sldId id="287" r:id="rId53"/>
+    <p:sldId id="288" r:id="rId54"/>
+    <p:sldId id="289" r:id="rId55"/>
+    <p:sldId id="286" r:id="rId56"/>
+    <p:sldId id="265" r:id="rId57"/>
   </p:sldIdLst>
   <p:sldSz cx="12192000" cy="6858000"/>
   <p:notesSz cx="6858000" cy="9144000"/>
@@ -178,6 +200,28 @@
         <p14:section name="Abschnitt ohne Titel" id="{7746E771-46B0-4EE8-ABD9-74FF20705A16}">
           <p14:sldIdLst>
             <p14:sldId id="284"/>
+            <p14:sldId id="310"/>
+            <p14:sldId id="292"/>
+            <p14:sldId id="294"/>
+            <p14:sldId id="295"/>
+            <p14:sldId id="298"/>
+            <p14:sldId id="299"/>
+            <p14:sldId id="300"/>
+            <p14:sldId id="301"/>
+            <p14:sldId id="302"/>
+            <p14:sldId id="303"/>
+            <p14:sldId id="304"/>
+            <p14:sldId id="305"/>
+            <p14:sldId id="309"/>
+            <p14:sldId id="293"/>
+            <p14:sldId id="306"/>
+            <p14:sldId id="307"/>
+            <p14:sldId id="311"/>
+            <p14:sldId id="312"/>
+            <p14:sldId id="313"/>
+            <p14:sldId id="315"/>
+            <p14:sldId id="314"/>
+            <p14:sldId id="308"/>
             <p14:sldId id="285"/>
             <p14:sldId id="287"/>
             <p14:sldId id="288"/>
@@ -196,7 +240,7 @@
 </file>
 
 <file path=ppt/charts/chart1.xml><?xml version="1.0" encoding="utf-8"?>
-<c:chartSpace xmlns:c="http://schemas.openxmlformats.org/drawingml/2006/chart" xmlns:a="http://schemas.openxmlformats.org/drawingml/2006/main" xmlns:r="http://schemas.openxmlformats.org/officeDocument/2006/relationships" xmlns:c16r2="http://schemas.microsoft.com/office/drawing/2015/06/chart">
+<c:chartSpace xmlns:c="http://schemas.openxmlformats.org/drawingml/2006/chart" xmlns:a="http://schemas.openxmlformats.org/drawingml/2006/main" xmlns:r="http://schemas.openxmlformats.org/officeDocument/2006/relationships">
   <c:date1904 val="0"/>
   <c:lang val="de-DE"/>
   <c:roundedCorners val="0"/>
@@ -235,7 +279,7 @@
               <a:cs typeface="+mn-cs"/>
             </a:defRPr>
           </a:pPr>
-          <a:endParaRPr lang="en-US"/>
+          <a:endParaRPr lang="de-DE"/>
         </a:p>
       </c:txPr>
     </c:title>
@@ -272,7 +316,7 @@
               </a:ln>
               <a:effectLst/>
             </c:spPr>
-            <c:extLst>
+            <c:extLst xmlns:c16r2="http://schemas.microsoft.com/office/drawing/2015/06/chart">
               <c:ext xmlns:c16="http://schemas.microsoft.com/office/drawing/2014/chart" uri="{C3380CC4-5D6E-409C-BE32-E72D297353CC}">
                 <c16:uniqueId val="{00000001-F955-4013-9B79-A1A044C95A44}"/>
               </c:ext>
@@ -292,7 +336,7 @@
               </a:ln>
               <a:effectLst/>
             </c:spPr>
-            <c:extLst>
+            <c:extLst xmlns:c16r2="http://schemas.microsoft.com/office/drawing/2015/06/chart">
               <c:ext xmlns:c16="http://schemas.microsoft.com/office/drawing/2014/chart" uri="{C3380CC4-5D6E-409C-BE32-E72D297353CC}">
                 <c16:uniqueId val="{00000003-F955-4013-9B79-A1A044C95A44}"/>
               </c:ext>
@@ -327,7 +371,7 @@
               </c:numCache>
             </c:numRef>
           </c:val>
-          <c:extLst>
+          <c:extLst xmlns:c16r2="http://schemas.microsoft.com/office/drawing/2015/06/chart">
             <c:ext xmlns:c16="http://schemas.microsoft.com/office/drawing/2014/chart" uri="{C3380CC4-5D6E-409C-BE32-E72D297353CC}">
               <c16:uniqueId val="{00000004-F955-4013-9B79-A1A044C95A44}"/>
             </c:ext>
@@ -380,7 +424,7 @@
               <a:cs typeface="+mn-cs"/>
             </a:defRPr>
           </a:pPr>
-          <a:endParaRPr lang="en-US"/>
+          <a:endParaRPr lang="de-DE"/>
         </a:p>
       </c:txPr>
     </c:legend>
@@ -402,7 +446,7 @@
       <a:pPr>
         <a:defRPr/>
       </a:pPr>
-      <a:endParaRPr lang="en-US"/>
+      <a:endParaRPr lang="de-DE"/>
     </a:p>
   </c:txPr>
   <c:externalData r:id="rId3">
@@ -1862,6 +1906,13 @@
         </dgm:presLayoutVars>
       </dgm:prSet>
       <dgm:spPr/>
+      <dgm:t>
+        <a:bodyPr/>
+        <a:lstStyle/>
+        <a:p>
+          <a:endParaRPr lang="de-AT"/>
+        </a:p>
+      </dgm:t>
     </dgm:pt>
     <dgm:pt modelId="{18403EAF-0848-461B-BD71-392FF353DC3E}" type="pres">
       <dgm:prSet presAssocID="{E0D95C9E-F43A-4D08-83F4-D847C05A4855}" presName="composite" presStyleCnt="0"/>
@@ -1880,6 +1931,13 @@
         </dgm:presLayoutVars>
       </dgm:prSet>
       <dgm:spPr/>
+      <dgm:t>
+        <a:bodyPr/>
+        <a:lstStyle/>
+        <a:p>
+          <a:endParaRPr lang="de-AT"/>
+        </a:p>
+      </dgm:t>
     </dgm:pt>
     <dgm:pt modelId="{6A6ACCDD-686C-43A5-89E6-3975E7714D21}" type="pres">
       <dgm:prSet presAssocID="{E0D95C9E-F43A-4D08-83F4-D847C05A4855}" presName="ChildText" presStyleLbl="revTx" presStyleIdx="0" presStyleCnt="2">
@@ -1912,6 +1970,13 @@
         </dgm:presLayoutVars>
       </dgm:prSet>
       <dgm:spPr/>
+      <dgm:t>
+        <a:bodyPr/>
+        <a:lstStyle/>
+        <a:p>
+          <a:endParaRPr lang="de-AT"/>
+        </a:p>
+      </dgm:t>
     </dgm:pt>
     <dgm:pt modelId="{2B6C91EA-B683-432A-88A0-469660F0E154}" type="pres">
       <dgm:prSet presAssocID="{DFF98910-C5C1-4783-8AAE-1EC1E9DDF3DD}" presName="ChildText" presStyleLbl="revTx" presStyleIdx="1" presStyleCnt="2">
@@ -1940,16 +2005,23 @@
         </dgm:presLayoutVars>
       </dgm:prSet>
       <dgm:spPr/>
+      <dgm:t>
+        <a:bodyPr/>
+        <a:lstStyle/>
+        <a:p>
+          <a:endParaRPr lang="de-AT"/>
+        </a:p>
+      </dgm:t>
     </dgm:pt>
   </dgm:ptLst>
   <dgm:cxnLst>
+    <dgm:cxn modelId="{9584C924-652C-413D-A1E2-A7AE2A927E97}" type="presOf" srcId="{CF61B1A9-7D70-448F-96AB-81E6CF7BF48B}" destId="{B75AA954-4C5B-4B32-896F-659690E05F01}" srcOrd="0" destOrd="0" presId="urn:microsoft.com/office/officeart/2005/8/layout/StepDownProcess"/>
+    <dgm:cxn modelId="{80C1AE57-A15B-46EC-897D-88C94869B031}" srcId="{4FB53A65-B854-41B3-B709-EAA9AB603D87}" destId="{DFF98910-C5C1-4783-8AAE-1EC1E9DDF3DD}" srcOrd="1" destOrd="0" parTransId="{17F477BD-0484-4BFA-B88B-1B7364046258}" sibTransId="{1BCF588C-0A1E-42FB-8816-224091594A45}"/>
+    <dgm:cxn modelId="{E5D5FDCD-5AE2-48BA-8ECB-9BB2F12249F4}" type="presOf" srcId="{4FB53A65-B854-41B3-B709-EAA9AB603D87}" destId="{7673DE3B-A9C1-417D-9FD4-46522B94B69B}" srcOrd="0" destOrd="0" presId="urn:microsoft.com/office/officeart/2005/8/layout/StepDownProcess"/>
     <dgm:cxn modelId="{266E6900-A36D-467D-BADB-974A992509C9}" type="presOf" srcId="{E0D95C9E-F43A-4D08-83F4-D847C05A4855}" destId="{636CEEFB-541C-4697-BC6E-0711637CD418}" srcOrd="0" destOrd="0" presId="urn:microsoft.com/office/officeart/2005/8/layout/StepDownProcess"/>
     <dgm:cxn modelId="{69BBBA06-1610-4C24-A748-B7E5CA5A6B59}" type="presOf" srcId="{DFF98910-C5C1-4783-8AAE-1EC1E9DDF3DD}" destId="{736E38AD-6292-438C-9543-C29ABA922F7F}" srcOrd="0" destOrd="0" presId="urn:microsoft.com/office/officeart/2005/8/layout/StepDownProcess"/>
     <dgm:cxn modelId="{790E360E-1671-4C24-8AF1-A36FE3D9737F}" srcId="{4FB53A65-B854-41B3-B709-EAA9AB603D87}" destId="{CF61B1A9-7D70-448F-96AB-81E6CF7BF48B}" srcOrd="2" destOrd="0" parTransId="{440FDDF5-DBDF-4055-A19B-6C6338267868}" sibTransId="{E04C51E7-A530-452E-AE15-C5B36DF590F9}"/>
-    <dgm:cxn modelId="{9584C924-652C-413D-A1E2-A7AE2A927E97}" type="presOf" srcId="{CF61B1A9-7D70-448F-96AB-81E6CF7BF48B}" destId="{B75AA954-4C5B-4B32-896F-659690E05F01}" srcOrd="0" destOrd="0" presId="urn:microsoft.com/office/officeart/2005/8/layout/StepDownProcess"/>
     <dgm:cxn modelId="{33F54C57-5A92-4E90-BB50-913923443992}" srcId="{4FB53A65-B854-41B3-B709-EAA9AB603D87}" destId="{E0D95C9E-F43A-4D08-83F4-D847C05A4855}" srcOrd="0" destOrd="0" parTransId="{A9EDF386-1666-446A-A8AD-22C8FA69F8D2}" sibTransId="{A9E7BC5C-7808-48D3-8C95-CF1BC6EFA22A}"/>
-    <dgm:cxn modelId="{80C1AE57-A15B-46EC-897D-88C94869B031}" srcId="{4FB53A65-B854-41B3-B709-EAA9AB603D87}" destId="{DFF98910-C5C1-4783-8AAE-1EC1E9DDF3DD}" srcOrd="1" destOrd="0" parTransId="{17F477BD-0484-4BFA-B88B-1B7364046258}" sibTransId="{1BCF588C-0A1E-42FB-8816-224091594A45}"/>
-    <dgm:cxn modelId="{E5D5FDCD-5AE2-48BA-8ECB-9BB2F12249F4}" type="presOf" srcId="{4FB53A65-B854-41B3-B709-EAA9AB603D87}" destId="{7673DE3B-A9C1-417D-9FD4-46522B94B69B}" srcOrd="0" destOrd="0" presId="urn:microsoft.com/office/officeart/2005/8/layout/StepDownProcess"/>
     <dgm:cxn modelId="{9F486A14-5652-437B-A5A2-B08664D102D8}" type="presParOf" srcId="{7673DE3B-A9C1-417D-9FD4-46522B94B69B}" destId="{18403EAF-0848-461B-BD71-392FF353DC3E}" srcOrd="0" destOrd="0" presId="urn:microsoft.com/office/officeart/2005/8/layout/StepDownProcess"/>
     <dgm:cxn modelId="{0780A4C9-7761-4C72-9D26-3C359B591849}" type="presParOf" srcId="{18403EAF-0848-461B-BD71-392FF353DC3E}" destId="{2DBAD7F1-2AF4-41F2-9566-0591A6AAB51A}" srcOrd="0" destOrd="0" presId="urn:microsoft.com/office/officeart/2005/8/layout/StepDownProcess"/>
     <dgm:cxn modelId="{FD4987CE-4174-4D62-B91F-AF0763DB66A5}" type="presParOf" srcId="{18403EAF-0848-461B-BD71-392FF353DC3E}" destId="{636CEEFB-541C-4697-BC6E-0711637CD418}" srcOrd="1" destOrd="0" presId="urn:microsoft.com/office/officeart/2005/8/layout/StepDownProcess"/>
@@ -1981,425 +2053,6 @@
       <dsp:cNvGrpSpPr/>
     </dsp:nvGrpSpPr>
     <dsp:grpSpPr/>
-    <dsp:sp modelId="{2DBAD7F1-2AF4-41F2-9566-0591A6AAB51A}">
-      <dsp:nvSpPr>
-        <dsp:cNvPr id="0" name=""/>
-        <dsp:cNvSpPr/>
-      </dsp:nvSpPr>
-      <dsp:spPr>
-        <a:xfrm rot="5400000">
-          <a:off x="3039970" y="1271326"/>
-          <a:ext cx="1124378" cy="1280065"/>
-        </a:xfrm>
-        <a:prstGeom prst="bentUpArrow">
-          <a:avLst>
-            <a:gd name="adj1" fmla="val 32840"/>
-            <a:gd name="adj2" fmla="val 25000"/>
-            <a:gd name="adj3" fmla="val 35780"/>
-          </a:avLst>
-        </a:prstGeom>
-        <a:solidFill>
-          <a:schemeClr val="accent1">
-            <a:tint val="50000"/>
-            <a:hueOff val="0"/>
-            <a:satOff val="0"/>
-            <a:lumOff val="0"/>
-            <a:alphaOff val="0"/>
-          </a:schemeClr>
-        </a:solidFill>
-        <a:ln w="12700" cap="flat" cmpd="sng" algn="ctr">
-          <a:solidFill>
-            <a:schemeClr val="lt1">
-              <a:hueOff val="0"/>
-              <a:satOff val="0"/>
-              <a:lumOff val="0"/>
-              <a:alphaOff val="0"/>
-            </a:schemeClr>
-          </a:solidFill>
-          <a:prstDash val="solid"/>
-          <a:miter lim="800000"/>
-        </a:ln>
-        <a:effectLst/>
-      </dsp:spPr>
-      <dsp:style>
-        <a:lnRef idx="2">
-          <a:scrgbClr r="0" g="0" b="0"/>
-        </a:lnRef>
-        <a:fillRef idx="1">
-          <a:scrgbClr r="0" g="0" b="0"/>
-        </a:fillRef>
-        <a:effectRef idx="0">
-          <a:scrgbClr r="0" g="0" b="0"/>
-        </a:effectRef>
-        <a:fontRef idx="minor"/>
-      </dsp:style>
-    </dsp:sp>
-    <dsp:sp modelId="{636CEEFB-541C-4697-BC6E-0711637CD418}">
-      <dsp:nvSpPr>
-        <dsp:cNvPr id="0" name=""/>
-        <dsp:cNvSpPr/>
-      </dsp:nvSpPr>
-      <dsp:spPr>
-        <a:xfrm>
-          <a:off x="2742077" y="24930"/>
-          <a:ext cx="1892792" cy="1324893"/>
-        </a:xfrm>
-        <a:prstGeom prst="roundRect">
-          <a:avLst>
-            <a:gd name="adj" fmla="val 16670"/>
-          </a:avLst>
-        </a:prstGeom>
-        <a:solidFill>
-          <a:schemeClr val="accent1">
-            <a:hueOff val="0"/>
-            <a:satOff val="0"/>
-            <a:lumOff val="0"/>
-            <a:alphaOff val="0"/>
-          </a:schemeClr>
-        </a:solidFill>
-        <a:ln w="12700" cap="flat" cmpd="sng" algn="ctr">
-          <a:solidFill>
-            <a:schemeClr val="lt1">
-              <a:hueOff val="0"/>
-              <a:satOff val="0"/>
-              <a:lumOff val="0"/>
-              <a:alphaOff val="0"/>
-            </a:schemeClr>
-          </a:solidFill>
-          <a:prstDash val="solid"/>
-          <a:miter lim="800000"/>
-        </a:ln>
-        <a:effectLst/>
-      </dsp:spPr>
-      <dsp:style>
-        <a:lnRef idx="2">
-          <a:scrgbClr r="0" g="0" b="0"/>
-        </a:lnRef>
-        <a:fillRef idx="1">
-          <a:scrgbClr r="0" g="0" b="0"/>
-        </a:fillRef>
-        <a:effectRef idx="0">
-          <a:scrgbClr r="0" g="0" b="0"/>
-        </a:effectRef>
-        <a:fontRef idx="minor">
-          <a:schemeClr val="lt1"/>
-        </a:fontRef>
-      </dsp:style>
-      <dsp:txBody>
-        <a:bodyPr spcFirstLastPara="0" vert="horz" wrap="square" lIns="106680" tIns="106680" rIns="106680" bIns="106680" numCol="1" spcCol="1270" anchor="ctr" anchorCtr="0">
-          <a:noAutofit/>
-        </a:bodyPr>
-        <a:lstStyle/>
-        <a:p>
-          <a:pPr marL="0" lvl="0" indent="0" algn="ctr" defTabSz="1244600" rtl="0">
-            <a:lnSpc>
-              <a:spcPct val="90000"/>
-            </a:lnSpc>
-            <a:spcBef>
-              <a:spcPct val="0"/>
-            </a:spcBef>
-            <a:spcAft>
-              <a:spcPct val="35000"/>
-            </a:spcAft>
-            <a:buNone/>
-          </a:pPr>
-          <a:r>
-            <a:rPr lang="de-AT" sz="2800" kern="1200" dirty="0"/>
-            <a:t>index.html</a:t>
-          </a:r>
-        </a:p>
-      </dsp:txBody>
-      <dsp:txXfrm>
-        <a:off x="2806765" y="89618"/>
-        <a:ext cx="1763416" cy="1195517"/>
-      </dsp:txXfrm>
-    </dsp:sp>
-    <dsp:sp modelId="{6A6ACCDD-686C-43A5-89E6-3975E7714D21}">
-      <dsp:nvSpPr>
-        <dsp:cNvPr id="0" name=""/>
-        <dsp:cNvSpPr/>
-      </dsp:nvSpPr>
-      <dsp:spPr>
-        <a:xfrm>
-          <a:off x="4634870" y="151288"/>
-          <a:ext cx="1376636" cy="1070837"/>
-        </a:xfrm>
-        <a:prstGeom prst="rect">
-          <a:avLst/>
-        </a:prstGeom>
-        <a:noFill/>
-        <a:ln>
-          <a:noFill/>
-        </a:ln>
-        <a:effectLst/>
-      </dsp:spPr>
-      <dsp:style>
-        <a:lnRef idx="0">
-          <a:scrgbClr r="0" g="0" b="0"/>
-        </a:lnRef>
-        <a:fillRef idx="0">
-          <a:scrgbClr r="0" g="0" b="0"/>
-        </a:fillRef>
-        <a:effectRef idx="0">
-          <a:scrgbClr r="0" g="0" b="0"/>
-        </a:effectRef>
-        <a:fontRef idx="minor"/>
-      </dsp:style>
-    </dsp:sp>
-    <dsp:sp modelId="{8BFDEF99-000F-44FE-AC7C-C1F72624F2B4}">
-      <dsp:nvSpPr>
-        <dsp:cNvPr id="0" name=""/>
-        <dsp:cNvSpPr/>
-      </dsp:nvSpPr>
-      <dsp:spPr>
-        <a:xfrm rot="5400000">
-          <a:off x="4609296" y="2759619"/>
-          <a:ext cx="1124378" cy="1280065"/>
-        </a:xfrm>
-        <a:prstGeom prst="bentUpArrow">
-          <a:avLst>
-            <a:gd name="adj1" fmla="val 32840"/>
-            <a:gd name="adj2" fmla="val 25000"/>
-            <a:gd name="adj3" fmla="val 35780"/>
-          </a:avLst>
-        </a:prstGeom>
-        <a:solidFill>
-          <a:schemeClr val="accent1">
-            <a:tint val="50000"/>
-            <a:hueOff val="0"/>
-            <a:satOff val="0"/>
-            <a:lumOff val="0"/>
-            <a:alphaOff val="0"/>
-          </a:schemeClr>
-        </a:solidFill>
-        <a:ln w="12700" cap="flat" cmpd="sng" algn="ctr">
-          <a:solidFill>
-            <a:schemeClr val="lt1">
-              <a:hueOff val="0"/>
-              <a:satOff val="0"/>
-              <a:lumOff val="0"/>
-              <a:alphaOff val="0"/>
-            </a:schemeClr>
-          </a:solidFill>
-          <a:prstDash val="solid"/>
-          <a:miter lim="800000"/>
-        </a:ln>
-        <a:effectLst/>
-      </dsp:spPr>
-      <dsp:style>
-        <a:lnRef idx="2">
-          <a:scrgbClr r="0" g="0" b="0"/>
-        </a:lnRef>
-        <a:fillRef idx="1">
-          <a:scrgbClr r="0" g="0" b="0"/>
-        </a:fillRef>
-        <a:effectRef idx="0">
-          <a:scrgbClr r="0" g="0" b="0"/>
-        </a:effectRef>
-        <a:fontRef idx="minor"/>
-      </dsp:style>
-    </dsp:sp>
-    <dsp:sp modelId="{736E38AD-6292-438C-9543-C29ABA922F7F}">
-      <dsp:nvSpPr>
-        <dsp:cNvPr id="0" name=""/>
-        <dsp:cNvSpPr/>
-      </dsp:nvSpPr>
-      <dsp:spPr>
-        <a:xfrm>
-          <a:off x="4311403" y="1513222"/>
-          <a:ext cx="1892792" cy="1324893"/>
-        </a:xfrm>
-        <a:prstGeom prst="roundRect">
-          <a:avLst>
-            <a:gd name="adj" fmla="val 16670"/>
-          </a:avLst>
-        </a:prstGeom>
-        <a:solidFill>
-          <a:schemeClr val="accent1">
-            <a:hueOff val="0"/>
-            <a:satOff val="0"/>
-            <a:lumOff val="0"/>
-            <a:alphaOff val="0"/>
-          </a:schemeClr>
-        </a:solidFill>
-        <a:ln w="12700" cap="flat" cmpd="sng" algn="ctr">
-          <a:solidFill>
-            <a:schemeClr val="lt1">
-              <a:hueOff val="0"/>
-              <a:satOff val="0"/>
-              <a:lumOff val="0"/>
-              <a:alphaOff val="0"/>
-            </a:schemeClr>
-          </a:solidFill>
-          <a:prstDash val="solid"/>
-          <a:miter lim="800000"/>
-        </a:ln>
-        <a:effectLst/>
-      </dsp:spPr>
-      <dsp:style>
-        <a:lnRef idx="2">
-          <a:scrgbClr r="0" g="0" b="0"/>
-        </a:lnRef>
-        <a:fillRef idx="1">
-          <a:scrgbClr r="0" g="0" b="0"/>
-        </a:fillRef>
-        <a:effectRef idx="0">
-          <a:scrgbClr r="0" g="0" b="0"/>
-        </a:effectRef>
-        <a:fontRef idx="minor">
-          <a:schemeClr val="lt1"/>
-        </a:fontRef>
-      </dsp:style>
-      <dsp:txBody>
-        <a:bodyPr spcFirstLastPara="0" vert="horz" wrap="square" lIns="106680" tIns="106680" rIns="106680" bIns="106680" numCol="1" spcCol="1270" anchor="ctr" anchorCtr="0">
-          <a:noAutofit/>
-        </a:bodyPr>
-        <a:lstStyle/>
-        <a:p>
-          <a:pPr marL="0" lvl="0" indent="0" algn="ctr" defTabSz="1244600" rtl="0">
-            <a:lnSpc>
-              <a:spcPct val="90000"/>
-            </a:lnSpc>
-            <a:spcBef>
-              <a:spcPct val="0"/>
-            </a:spcBef>
-            <a:spcAft>
-              <a:spcPct val="35000"/>
-            </a:spcAft>
-            <a:buNone/>
-          </a:pPr>
-          <a:r>
-            <a:rPr lang="de-AT" sz="2800" kern="1200" dirty="0"/>
-            <a:t>app.js</a:t>
-          </a:r>
-        </a:p>
-      </dsp:txBody>
-      <dsp:txXfrm>
-        <a:off x="4376091" y="1577910"/>
-        <a:ext cx="1763416" cy="1195517"/>
-      </dsp:txXfrm>
-    </dsp:sp>
-    <dsp:sp modelId="{2B6C91EA-B683-432A-88A0-469660F0E154}">
-      <dsp:nvSpPr>
-        <dsp:cNvPr id="0" name=""/>
-        <dsp:cNvSpPr/>
-      </dsp:nvSpPr>
-      <dsp:spPr>
-        <a:xfrm>
-          <a:off x="6204196" y="1639581"/>
-          <a:ext cx="1376636" cy="1070837"/>
-        </a:xfrm>
-        <a:prstGeom prst="rect">
-          <a:avLst/>
-        </a:prstGeom>
-        <a:noFill/>
-        <a:ln>
-          <a:noFill/>
-        </a:ln>
-        <a:effectLst/>
-      </dsp:spPr>
-      <dsp:style>
-        <a:lnRef idx="0">
-          <a:scrgbClr r="0" g="0" b="0"/>
-        </a:lnRef>
-        <a:fillRef idx="0">
-          <a:scrgbClr r="0" g="0" b="0"/>
-        </a:fillRef>
-        <a:effectRef idx="0">
-          <a:scrgbClr r="0" g="0" b="0"/>
-        </a:effectRef>
-        <a:fontRef idx="minor"/>
-      </dsp:style>
-    </dsp:sp>
-    <dsp:sp modelId="{B75AA954-4C5B-4B32-896F-659690E05F01}">
-      <dsp:nvSpPr>
-        <dsp:cNvPr id="0" name=""/>
-        <dsp:cNvSpPr/>
-      </dsp:nvSpPr>
-      <dsp:spPr>
-        <a:xfrm>
-          <a:off x="5880729" y="3001514"/>
-          <a:ext cx="1892792" cy="1324893"/>
-        </a:xfrm>
-        <a:prstGeom prst="roundRect">
-          <a:avLst>
-            <a:gd name="adj" fmla="val 16670"/>
-          </a:avLst>
-        </a:prstGeom>
-        <a:solidFill>
-          <a:schemeClr val="accent1">
-            <a:hueOff val="0"/>
-            <a:satOff val="0"/>
-            <a:lumOff val="0"/>
-            <a:alphaOff val="0"/>
-          </a:schemeClr>
-        </a:solidFill>
-        <a:ln w="12700" cap="flat" cmpd="sng" algn="ctr">
-          <a:solidFill>
-            <a:schemeClr val="lt1">
-              <a:hueOff val="0"/>
-              <a:satOff val="0"/>
-              <a:lumOff val="0"/>
-              <a:alphaOff val="0"/>
-            </a:schemeClr>
-          </a:solidFill>
-          <a:prstDash val="solid"/>
-          <a:miter lim="800000"/>
-        </a:ln>
-        <a:effectLst/>
-      </dsp:spPr>
-      <dsp:style>
-        <a:lnRef idx="2">
-          <a:scrgbClr r="0" g="0" b="0"/>
-        </a:lnRef>
-        <a:fillRef idx="1">
-          <a:scrgbClr r="0" g="0" b="0"/>
-        </a:fillRef>
-        <a:effectRef idx="0">
-          <a:scrgbClr r="0" g="0" b="0"/>
-        </a:effectRef>
-        <a:fontRef idx="minor">
-          <a:schemeClr val="lt1"/>
-        </a:fontRef>
-      </dsp:style>
-      <dsp:txBody>
-        <a:bodyPr spcFirstLastPara="0" vert="horz" wrap="square" lIns="106680" tIns="106680" rIns="106680" bIns="106680" numCol="1" spcCol="1270" anchor="ctr" anchorCtr="0">
-          <a:noAutofit/>
-        </a:bodyPr>
-        <a:lstStyle/>
-        <a:p>
-          <a:pPr marL="0" lvl="0" indent="0" algn="ctr" defTabSz="1244600" rtl="0">
-            <a:lnSpc>
-              <a:spcPct val="90000"/>
-            </a:lnSpc>
-            <a:spcBef>
-              <a:spcPct val="0"/>
-            </a:spcBef>
-            <a:spcAft>
-              <a:spcPct val="35000"/>
-            </a:spcAft>
-            <a:buNone/>
-          </a:pPr>
-          <a:r>
-            <a:rPr lang="de-AT" sz="2800" kern="1200" dirty="0" err="1"/>
-            <a:t>service</a:t>
-          </a:r>
-          <a:r>
-            <a:rPr lang="de-AT" sz="2800" kern="1200" dirty="0"/>
-            <a:t> </a:t>
-          </a:r>
-          <a:r>
-            <a:rPr lang="de-AT" sz="2800" kern="1200" dirty="0" err="1"/>
-            <a:t>worker</a:t>
-          </a:r>
-          <a:endParaRPr lang="de-AT" sz="2800" kern="1200" dirty="0"/>
-        </a:p>
-      </dsp:txBody>
-      <dsp:txXfrm>
-        <a:off x="5945417" y="3066202"/>
-        <a:ext cx="1763416" cy="1195517"/>
-      </dsp:txXfrm>
-    </dsp:sp>
   </dsp:spTree>
 </dsp:drawing>
 </file>
@@ -4290,7 +3943,7 @@
           <a:p>
             <a:fld id="{79699155-1715-4116-AA3E-91126DDAD825}" type="datetimeFigureOut">
               <a:rPr lang="de-AT" smtClean="0"/>
-              <a:t>19.04.2022</a:t>
+              <a:t>21.04.2022</a:t>
             </a:fld>
             <a:endParaRPr lang="de-AT"/>
           </a:p>
@@ -4460,7 +4113,7 @@
           <a:p>
             <a:fld id="{79699155-1715-4116-AA3E-91126DDAD825}" type="datetimeFigureOut">
               <a:rPr lang="de-AT" smtClean="0"/>
-              <a:t>19.04.2022</a:t>
+              <a:t>21.04.2022</a:t>
             </a:fld>
             <a:endParaRPr lang="de-AT"/>
           </a:p>
@@ -4640,7 +4293,7 @@
           <a:p>
             <a:fld id="{79699155-1715-4116-AA3E-91126DDAD825}" type="datetimeFigureOut">
               <a:rPr lang="de-AT" smtClean="0"/>
-              <a:t>19.04.2022</a:t>
+              <a:t>21.04.2022</a:t>
             </a:fld>
             <a:endParaRPr lang="de-AT"/>
           </a:p>
@@ -4810,7 +4463,7 @@
           <a:p>
             <a:fld id="{79699155-1715-4116-AA3E-91126DDAD825}" type="datetimeFigureOut">
               <a:rPr lang="de-AT" smtClean="0"/>
-              <a:t>19.04.2022</a:t>
+              <a:t>21.04.2022</a:t>
             </a:fld>
             <a:endParaRPr lang="de-AT"/>
           </a:p>
@@ -5056,7 +4709,7 @@
           <a:p>
             <a:fld id="{79699155-1715-4116-AA3E-91126DDAD825}" type="datetimeFigureOut">
               <a:rPr lang="de-AT" smtClean="0"/>
-              <a:t>19.04.2022</a:t>
+              <a:t>21.04.2022</a:t>
             </a:fld>
             <a:endParaRPr lang="de-AT"/>
           </a:p>
@@ -5288,7 +4941,7 @@
           <a:p>
             <a:fld id="{79699155-1715-4116-AA3E-91126DDAD825}" type="datetimeFigureOut">
               <a:rPr lang="de-AT" smtClean="0"/>
-              <a:t>19.04.2022</a:t>
+              <a:t>21.04.2022</a:t>
             </a:fld>
             <a:endParaRPr lang="de-AT"/>
           </a:p>
@@ -5655,7 +5308,7 @@
           <a:p>
             <a:fld id="{79699155-1715-4116-AA3E-91126DDAD825}" type="datetimeFigureOut">
               <a:rPr lang="de-AT" smtClean="0"/>
-              <a:t>19.04.2022</a:t>
+              <a:t>21.04.2022</a:t>
             </a:fld>
             <a:endParaRPr lang="de-AT"/>
           </a:p>
@@ -5773,7 +5426,7 @@
           <a:p>
             <a:fld id="{79699155-1715-4116-AA3E-91126DDAD825}" type="datetimeFigureOut">
               <a:rPr lang="de-AT" smtClean="0"/>
-              <a:t>19.04.2022</a:t>
+              <a:t>21.04.2022</a:t>
             </a:fld>
             <a:endParaRPr lang="de-AT"/>
           </a:p>
@@ -5868,7 +5521,7 @@
           <a:p>
             <a:fld id="{79699155-1715-4116-AA3E-91126DDAD825}" type="datetimeFigureOut">
               <a:rPr lang="de-AT" smtClean="0"/>
-              <a:t>19.04.2022</a:t>
+              <a:t>21.04.2022</a:t>
             </a:fld>
             <a:endParaRPr lang="de-AT"/>
           </a:p>
@@ -6145,7 +5798,7 @@
           <a:p>
             <a:fld id="{79699155-1715-4116-AA3E-91126DDAD825}" type="datetimeFigureOut">
               <a:rPr lang="de-AT" smtClean="0"/>
-              <a:t>19.04.2022</a:t>
+              <a:t>21.04.2022</a:t>
             </a:fld>
             <a:endParaRPr lang="de-AT"/>
           </a:p>
@@ -6398,7 +6051,7 @@
           <a:p>
             <a:fld id="{79699155-1715-4116-AA3E-91126DDAD825}" type="datetimeFigureOut">
               <a:rPr lang="de-AT" smtClean="0"/>
-              <a:t>19.04.2022</a:t>
+              <a:t>21.04.2022</a:t>
             </a:fld>
             <a:endParaRPr lang="de-AT"/>
           </a:p>
@@ -6611,7 +6264,7 @@
           <a:p>
             <a:fld id="{79699155-1715-4116-AA3E-91126DDAD825}" type="datetimeFigureOut">
               <a:rPr lang="de-AT" smtClean="0"/>
-              <a:t>19.04.2022</a:t>
+              <a:t>21.04.2022</a:t>
             </a:fld>
             <a:endParaRPr lang="de-AT"/>
           </a:p>
@@ -7138,21 +6791,21 @@
                 <a:gridCol w="1804416">
                   <a:extLst>
                     <a:ext uri="{9D8B030D-6E8A-4147-A177-3AD203B41FA5}">
-                      <a16:colId xmlns:a16="http://schemas.microsoft.com/office/drawing/2014/main" val="20000"/>
+                      <a16:colId xmlns:a16="http://schemas.microsoft.com/office/drawing/2014/main" xmlns="" val="20000"/>
                     </a:ext>
                   </a:extLst>
                 </a:gridCol>
                 <a:gridCol w="3936492">
                   <a:extLst>
                     <a:ext uri="{9D8B030D-6E8A-4147-A177-3AD203B41FA5}">
-                      <a16:colId xmlns:a16="http://schemas.microsoft.com/office/drawing/2014/main" val="20001"/>
+                      <a16:colId xmlns:a16="http://schemas.microsoft.com/office/drawing/2014/main" xmlns="" val="20001"/>
                     </a:ext>
                   </a:extLst>
                 </a:gridCol>
                 <a:gridCol w="4774692">
                   <a:extLst>
                     <a:ext uri="{9D8B030D-6E8A-4147-A177-3AD203B41FA5}">
-                      <a16:colId xmlns:a16="http://schemas.microsoft.com/office/drawing/2014/main" val="20002"/>
+                      <a16:colId xmlns:a16="http://schemas.microsoft.com/office/drawing/2014/main" xmlns="" val="20002"/>
                     </a:ext>
                   </a:extLst>
                 </a:gridCol>
@@ -7290,7 +6943,7 @@
                 </a:tc>
                 <a:extLst>
                   <a:ext uri="{0D108BD9-81ED-4DB2-BD59-A6C34878D82A}">
-                    <a16:rowId xmlns:a16="http://schemas.microsoft.com/office/drawing/2014/main" val="10000"/>
+                    <a16:rowId xmlns:a16="http://schemas.microsoft.com/office/drawing/2014/main" xmlns="" val="10000"/>
                   </a:ext>
                 </a:extLst>
               </a:tr>
@@ -7429,7 +7082,7 @@
                 </a:tc>
                 <a:extLst>
                   <a:ext uri="{0D108BD9-81ED-4DB2-BD59-A6C34878D82A}">
-                    <a16:rowId xmlns:a16="http://schemas.microsoft.com/office/drawing/2014/main" val="10001"/>
+                    <a16:rowId xmlns:a16="http://schemas.microsoft.com/office/drawing/2014/main" xmlns="" val="10001"/>
                   </a:ext>
                 </a:extLst>
               </a:tr>
@@ -7573,7 +7226,7 @@
                 </a:tc>
                 <a:extLst>
                   <a:ext uri="{0D108BD9-81ED-4DB2-BD59-A6C34878D82A}">
-                    <a16:rowId xmlns:a16="http://schemas.microsoft.com/office/drawing/2014/main" val="10002"/>
+                    <a16:rowId xmlns:a16="http://schemas.microsoft.com/office/drawing/2014/main" xmlns="" val="10002"/>
                   </a:ext>
                 </a:extLst>
               </a:tr>
@@ -7723,7 +7376,7 @@
                 </a:tc>
                 <a:extLst>
                   <a:ext uri="{0D108BD9-81ED-4DB2-BD59-A6C34878D82A}">
-                    <a16:rowId xmlns:a16="http://schemas.microsoft.com/office/drawing/2014/main" val="10003"/>
+                    <a16:rowId xmlns:a16="http://schemas.microsoft.com/office/drawing/2014/main" xmlns="" val="10003"/>
                   </a:ext>
                 </a:extLst>
               </a:tr>
@@ -12422,6 +12075,14 @@
   <p:clrMapOvr>
     <a:masterClrMapping/>
   </p:clrMapOvr>
+  <mc:AlternateContent xmlns:mc="http://schemas.openxmlformats.org/markup-compatibility/2006">
+    <mc:Choice xmlns:p14="http://schemas.microsoft.com/office/powerpoint/2010/main" Requires="p14">
+      <p:transition spd="slow" p14:dur="2000"/>
+    </mc:Choice>
+    <mc:Fallback>
+      <p:transition spd="slow"/>
+    </mc:Fallback>
+  </mc:AlternateContent>
 </p:sld>
 </file>
 
@@ -13432,14 +13093,14 @@
                 <a:gridCol w="3101961">
                   <a:extLst>
                     <a:ext uri="{9D8B030D-6E8A-4147-A177-3AD203B41FA5}">
-                      <a16:colId xmlns:a16="http://schemas.microsoft.com/office/drawing/2014/main" val="20000"/>
+                      <a16:colId xmlns:a16="http://schemas.microsoft.com/office/drawing/2014/main" xmlns="" val="20000"/>
                     </a:ext>
                   </a:extLst>
                 </a:gridCol>
                 <a:gridCol w="7413639">
                   <a:extLst>
                     <a:ext uri="{9D8B030D-6E8A-4147-A177-3AD203B41FA5}">
-                      <a16:colId xmlns:a16="http://schemas.microsoft.com/office/drawing/2014/main" val="20001"/>
+                      <a16:colId xmlns:a16="http://schemas.microsoft.com/office/drawing/2014/main" xmlns="" val="20001"/>
                     </a:ext>
                   </a:extLst>
                 </a:gridCol>
@@ -13473,7 +13134,7 @@
                 </a:tc>
                 <a:extLst>
                   <a:ext uri="{0D108BD9-81ED-4DB2-BD59-A6C34878D82A}">
-                    <a16:rowId xmlns:a16="http://schemas.microsoft.com/office/drawing/2014/main" val="10000"/>
+                    <a16:rowId xmlns:a16="http://schemas.microsoft.com/office/drawing/2014/main" xmlns="" val="10000"/>
                   </a:ext>
                 </a:extLst>
               </a:tr>
@@ -13559,7 +13220,7 @@
                 </a:tc>
                 <a:extLst>
                   <a:ext uri="{0D108BD9-81ED-4DB2-BD59-A6C34878D82A}">
-                    <a16:rowId xmlns:a16="http://schemas.microsoft.com/office/drawing/2014/main" val="10001"/>
+                    <a16:rowId xmlns:a16="http://schemas.microsoft.com/office/drawing/2014/main" xmlns="" val="10001"/>
                   </a:ext>
                 </a:extLst>
               </a:tr>
@@ -13617,7 +13278,7 @@
                 </a:tc>
                 <a:extLst>
                   <a:ext uri="{0D108BD9-81ED-4DB2-BD59-A6C34878D82A}">
-                    <a16:rowId xmlns:a16="http://schemas.microsoft.com/office/drawing/2014/main" val="10002"/>
+                    <a16:rowId xmlns:a16="http://schemas.microsoft.com/office/drawing/2014/main" xmlns="" val="10002"/>
                   </a:ext>
                 </a:extLst>
               </a:tr>
@@ -13684,7 +13345,7 @@
                 </a:tc>
                 <a:extLst>
                   <a:ext uri="{0D108BD9-81ED-4DB2-BD59-A6C34878D82A}">
-                    <a16:rowId xmlns:a16="http://schemas.microsoft.com/office/drawing/2014/main" val="10003"/>
+                    <a16:rowId xmlns:a16="http://schemas.microsoft.com/office/drawing/2014/main" xmlns="" val="10003"/>
                   </a:ext>
                 </a:extLst>
               </a:tr>
@@ -13775,7 +13436,7 @@
                 </a:tc>
                 <a:extLst>
                   <a:ext uri="{0D108BD9-81ED-4DB2-BD59-A6C34878D82A}">
-                    <a16:rowId xmlns:a16="http://schemas.microsoft.com/office/drawing/2014/main" val="10004"/>
+                    <a16:rowId xmlns:a16="http://schemas.microsoft.com/office/drawing/2014/main" xmlns="" val="10004"/>
                   </a:ext>
                 </a:extLst>
               </a:tr>
@@ -13805,7 +13466,7 @@
                 </a:tc>
                 <a:extLst>
                   <a:ext uri="{0D108BD9-81ED-4DB2-BD59-A6C34878D82A}">
-                    <a16:rowId xmlns:a16="http://schemas.microsoft.com/office/drawing/2014/main" val="10005"/>
+                    <a16:rowId xmlns:a16="http://schemas.microsoft.com/office/drawing/2014/main" xmlns="" val="10005"/>
                   </a:ext>
                 </a:extLst>
               </a:tr>
@@ -14839,9 +14500,22 @@
           <a:lstStyle/>
           <a:p>
             <a:r>
-              <a:rPr lang="de-AT" dirty="0"/>
-              <a:t>Outline</a:t>
-            </a:r>
+              <a:rPr lang="de-AT" dirty="0" smtClean="0"/>
+              <a:t>WIFI – CODE - </a:t>
+            </a:r>
+            <a:r>
+              <a:rPr lang="de-AT" dirty="0" smtClean="0">
+                <a:solidFill>
+                  <a:srgbClr val="00B050"/>
+                </a:solidFill>
+              </a:rPr>
+              <a:t>REPEAT</a:t>
+            </a:r>
+            <a:endParaRPr lang="de-AT" dirty="0">
+              <a:solidFill>
+                <a:srgbClr val="00B050"/>
+              </a:solidFill>
+            </a:endParaRPr>
           </a:p>
         </p:txBody>
       </p:sp>
@@ -14857,333 +14531,8 @@
         </p:nvSpPr>
         <p:spPr/>
         <p:txBody>
-          <a:bodyPr>
-            <a:normAutofit lnSpcReduction="10000"/>
-          </a:bodyPr>
+          <a:bodyPr/>
           <a:lstStyle/>
-          <a:p>
-            <a:pPr marL="514350" indent="-514350">
-              <a:buFont typeface="+mj-lt"/>
-              <a:buAutoNum type="arabicPeriod"/>
-            </a:pPr>
-            <a:r>
-              <a:rPr lang="de-AT" dirty="0">
-                <a:solidFill>
-                  <a:schemeClr val="accent6">
-                    <a:lumMod val="60000"/>
-                    <a:lumOff val="40000"/>
-                  </a:schemeClr>
-                </a:solidFill>
-              </a:rPr>
-              <a:t>Basics</a:t>
-            </a:r>
-          </a:p>
-          <a:p>
-            <a:pPr marL="971550" lvl="1" indent="-514350">
-              <a:buFont typeface="+mj-lt"/>
-              <a:buAutoNum type="arabicPeriod"/>
-            </a:pPr>
-            <a:r>
-              <a:rPr lang="de-AT" dirty="0">
-                <a:solidFill>
-                  <a:schemeClr val="accent6">
-                    <a:lumMod val="60000"/>
-                    <a:lumOff val="40000"/>
-                  </a:schemeClr>
-                </a:solidFill>
-              </a:rPr>
-              <a:t>App Manifest </a:t>
-            </a:r>
-          </a:p>
-          <a:p>
-            <a:pPr marL="971550" lvl="1" indent="-514350">
-              <a:buFont typeface="+mj-lt"/>
-              <a:buAutoNum type="arabicPeriod"/>
-            </a:pPr>
-            <a:r>
-              <a:rPr lang="de-AT" dirty="0">
-                <a:solidFill>
-                  <a:schemeClr val="accent6">
-                    <a:lumMod val="60000"/>
-                    <a:lumOff val="40000"/>
-                  </a:schemeClr>
-                </a:solidFill>
-              </a:rPr>
-              <a:t>Service </a:t>
-            </a:r>
-            <a:r>
-              <a:rPr lang="de-AT" dirty="0" err="1">
-                <a:solidFill>
-                  <a:schemeClr val="accent6">
-                    <a:lumMod val="60000"/>
-                    <a:lumOff val="40000"/>
-                  </a:schemeClr>
-                </a:solidFill>
-              </a:rPr>
-              <a:t>Workers</a:t>
-            </a:r>
-            <a:endParaRPr lang="de-AT" dirty="0">
-              <a:solidFill>
-                <a:schemeClr val="accent6">
-                  <a:lumMod val="60000"/>
-                  <a:lumOff val="40000"/>
-                </a:schemeClr>
-              </a:solidFill>
-            </a:endParaRPr>
-          </a:p>
-          <a:p>
-            <a:pPr marL="971550" lvl="1" indent="-514350">
-              <a:buFont typeface="+mj-lt"/>
-              <a:buAutoNum type="arabicPeriod"/>
-            </a:pPr>
-            <a:r>
-              <a:rPr lang="de-AT" dirty="0">
-                <a:solidFill>
-                  <a:schemeClr val="accent6">
-                    <a:lumMod val="60000"/>
-                    <a:lumOff val="40000"/>
-                  </a:schemeClr>
-                </a:solidFill>
-              </a:rPr>
-              <a:t>Installation</a:t>
-            </a:r>
-          </a:p>
-          <a:p>
-            <a:pPr marL="514350" indent="-514350">
-              <a:buFont typeface="+mj-lt"/>
-              <a:buAutoNum type="arabicPeriod"/>
-            </a:pPr>
-            <a:r>
-              <a:rPr lang="de-AT" dirty="0" err="1">
-                <a:solidFill>
-                  <a:schemeClr val="accent6">
-                    <a:lumMod val="60000"/>
-                    <a:lumOff val="40000"/>
-                  </a:schemeClr>
-                </a:solidFill>
-              </a:rPr>
-              <a:t>Promise</a:t>
-            </a:r>
-            <a:r>
-              <a:rPr lang="de-AT" dirty="0">
-                <a:solidFill>
-                  <a:schemeClr val="accent6">
-                    <a:lumMod val="60000"/>
-                    <a:lumOff val="40000"/>
-                  </a:schemeClr>
-                </a:solidFill>
-              </a:rPr>
-              <a:t> </a:t>
-            </a:r>
-            <a:r>
-              <a:rPr lang="de-AT" dirty="0" err="1">
-                <a:solidFill>
-                  <a:schemeClr val="accent6">
-                    <a:lumMod val="60000"/>
-                    <a:lumOff val="40000"/>
-                  </a:schemeClr>
-                </a:solidFill>
-              </a:rPr>
-              <a:t>and</a:t>
-            </a:r>
-            <a:r>
-              <a:rPr lang="de-AT" dirty="0">
-                <a:solidFill>
-                  <a:schemeClr val="accent6">
-                    <a:lumMod val="60000"/>
-                    <a:lumOff val="40000"/>
-                  </a:schemeClr>
-                </a:solidFill>
-              </a:rPr>
-              <a:t> </a:t>
-            </a:r>
-            <a:r>
-              <a:rPr lang="de-AT" dirty="0" err="1">
-                <a:solidFill>
-                  <a:schemeClr val="accent6">
-                    <a:lumMod val="60000"/>
-                    <a:lumOff val="40000"/>
-                  </a:schemeClr>
-                </a:solidFill>
-              </a:rPr>
-              <a:t>Fetch</a:t>
-            </a:r>
-            <a:r>
-              <a:rPr lang="de-AT" dirty="0">
-                <a:solidFill>
-                  <a:schemeClr val="accent6">
-                    <a:lumMod val="60000"/>
-                    <a:lumOff val="40000"/>
-                  </a:schemeClr>
-                </a:solidFill>
-              </a:rPr>
-              <a:t>, Service Worker Caching</a:t>
-            </a:r>
-          </a:p>
-          <a:p>
-            <a:pPr marL="514350" indent="-514350">
-              <a:buFont typeface="+mj-lt"/>
-              <a:buAutoNum type="arabicPeriod"/>
-            </a:pPr>
-            <a:r>
-              <a:rPr lang="de-AT" dirty="0" err="1"/>
-              <a:t>Advanced</a:t>
-            </a:r>
-            <a:r>
-              <a:rPr lang="de-AT" dirty="0"/>
-              <a:t> Caching, </a:t>
-            </a:r>
-            <a:r>
-              <a:rPr lang="de-AT" dirty="0" err="1"/>
-              <a:t>Indexed</a:t>
-            </a:r>
-            <a:r>
-              <a:rPr lang="de-AT" dirty="0"/>
-              <a:t> DB </a:t>
-            </a:r>
-            <a:r>
-              <a:rPr lang="de-AT" dirty="0" err="1"/>
-              <a:t>and</a:t>
-            </a:r>
-            <a:r>
-              <a:rPr lang="de-AT" dirty="0"/>
-              <a:t> Dynamic Data</a:t>
-            </a:r>
-          </a:p>
-          <a:p>
-            <a:pPr marL="514350" indent="-514350">
-              <a:buFont typeface="+mj-lt"/>
-              <a:buAutoNum type="arabicPeriod"/>
-            </a:pPr>
-            <a:r>
-              <a:rPr lang="de-AT" dirty="0" err="1">
-                <a:solidFill>
-                  <a:schemeClr val="bg1">
-                    <a:lumMod val="85000"/>
-                  </a:schemeClr>
-                </a:solidFill>
-              </a:rPr>
-              <a:t>Responsive</a:t>
-            </a:r>
-            <a:r>
-              <a:rPr lang="de-AT" dirty="0">
-                <a:solidFill>
-                  <a:schemeClr val="bg1">
-                    <a:lumMod val="85000"/>
-                  </a:schemeClr>
-                </a:solidFill>
-              </a:rPr>
-              <a:t> UI, Background </a:t>
-            </a:r>
-            <a:r>
-              <a:rPr lang="de-AT" dirty="0" err="1">
-                <a:solidFill>
-                  <a:schemeClr val="bg1">
-                    <a:lumMod val="85000"/>
-                  </a:schemeClr>
-                </a:solidFill>
-              </a:rPr>
-              <a:t>Sync</a:t>
-            </a:r>
-            <a:r>
-              <a:rPr lang="de-AT" dirty="0">
-                <a:solidFill>
-                  <a:schemeClr val="bg1">
-                    <a:lumMod val="85000"/>
-                  </a:schemeClr>
-                </a:solidFill>
-              </a:rPr>
-              <a:t> </a:t>
-            </a:r>
-          </a:p>
-          <a:p>
-            <a:pPr marL="514350" indent="-514350">
-              <a:buFont typeface="+mj-lt"/>
-              <a:buAutoNum type="arabicPeriod"/>
-            </a:pPr>
-            <a:r>
-              <a:rPr lang="de-AT" dirty="0">
-                <a:solidFill>
-                  <a:schemeClr val="bg1">
-                    <a:lumMod val="85000"/>
-                  </a:schemeClr>
-                </a:solidFill>
-              </a:rPr>
-              <a:t>Web Push </a:t>
-            </a:r>
-            <a:r>
-              <a:rPr lang="de-AT" dirty="0" err="1">
-                <a:solidFill>
-                  <a:schemeClr val="bg1">
-                    <a:lumMod val="85000"/>
-                  </a:schemeClr>
-                </a:solidFill>
-              </a:rPr>
-              <a:t>Notifications</a:t>
-            </a:r>
-            <a:r>
-              <a:rPr lang="de-AT" dirty="0">
-                <a:solidFill>
-                  <a:schemeClr val="bg1">
-                    <a:lumMod val="85000"/>
-                  </a:schemeClr>
-                </a:solidFill>
-              </a:rPr>
-              <a:t> </a:t>
-            </a:r>
-          </a:p>
-          <a:p>
-            <a:pPr marL="514350" indent="-514350">
-              <a:buFont typeface="+mj-lt"/>
-              <a:buAutoNum type="arabicPeriod"/>
-            </a:pPr>
-            <a:r>
-              <a:rPr lang="de-AT" dirty="0">
-                <a:solidFill>
-                  <a:schemeClr val="bg1">
-                    <a:lumMod val="85000"/>
-                  </a:schemeClr>
-                </a:solidFill>
-              </a:rPr>
-              <a:t>Native Device Features</a:t>
-            </a:r>
-          </a:p>
-          <a:p>
-            <a:pPr marL="514350" indent="-514350">
-              <a:buFont typeface="+mj-lt"/>
-              <a:buAutoNum type="arabicPeriod"/>
-            </a:pPr>
-            <a:r>
-              <a:rPr lang="de-AT" dirty="0">
-                <a:solidFill>
-                  <a:schemeClr val="bg1">
-                    <a:lumMod val="85000"/>
-                  </a:schemeClr>
-                </a:solidFill>
-              </a:rPr>
-              <a:t>Round </a:t>
-            </a:r>
-            <a:r>
-              <a:rPr lang="de-AT" dirty="0" err="1">
-                <a:solidFill>
-                  <a:schemeClr val="bg1">
-                    <a:lumMod val="85000"/>
-                  </a:schemeClr>
-                </a:solidFill>
-              </a:rPr>
-              <a:t>Up</a:t>
-            </a:r>
-            <a:r>
-              <a:rPr lang="de-AT" dirty="0">
-                <a:solidFill>
-                  <a:schemeClr val="bg1">
-                    <a:lumMod val="85000"/>
-                  </a:schemeClr>
-                </a:solidFill>
-              </a:rPr>
-              <a:t> &amp; Quiz</a:t>
-            </a:r>
-          </a:p>
           <a:p>
             <a:endParaRPr lang="de-AT" dirty="0"/>
           </a:p>
@@ -15192,7 +14541,7 @@
     </p:spTree>
     <p:extLst>
       <p:ext uri="{BB962C8B-B14F-4D97-AF65-F5344CB8AC3E}">
-        <p14:creationId xmlns:p14="http://schemas.microsoft.com/office/powerpoint/2010/main" val="314153285"/>
+        <p14:creationId xmlns:p14="http://schemas.microsoft.com/office/powerpoint/2010/main" val="4147033030"/>
       </p:ext>
     </p:extLst>
   </p:cSld>
@@ -16129,9 +15478,26 @@
           <a:lstStyle/>
           <a:p>
             <a:r>
-              <a:rPr lang="de-AT" dirty="0"/>
-              <a:t>Outline</a:t>
-            </a:r>
+              <a:rPr lang="de-AT" dirty="0" err="1" smtClean="0"/>
+              <a:t>Promise</a:t>
+            </a:r>
+            <a:r>
+              <a:rPr lang="de-AT" dirty="0" smtClean="0"/>
+              <a:t> </a:t>
+            </a:r>
+            <a:r>
+              <a:rPr lang="de-AT" dirty="0" err="1" smtClean="0"/>
+              <a:t>and</a:t>
+            </a:r>
+            <a:r>
+              <a:rPr lang="de-AT" dirty="0" smtClean="0"/>
+              <a:t> </a:t>
+            </a:r>
+            <a:r>
+              <a:rPr lang="de-AT" dirty="0" err="1" smtClean="0"/>
+              <a:t>Fetch</a:t>
+            </a:r>
+            <a:endParaRPr lang="de-AT" dirty="0"/>
           </a:p>
         </p:txBody>
       </p:sp>
@@ -16147,360 +15513,17 @@
         </p:nvSpPr>
         <p:spPr/>
         <p:txBody>
-          <a:bodyPr>
-            <a:normAutofit lnSpcReduction="10000"/>
-          </a:bodyPr>
+          <a:bodyPr/>
           <a:lstStyle/>
           <a:p>
-            <a:pPr marL="514350" indent="-514350">
-              <a:buFont typeface="+mj-lt"/>
-              <a:buAutoNum type="arabicPeriod"/>
-            </a:pPr>
-            <a:r>
-              <a:rPr lang="de-AT" dirty="0">
-                <a:solidFill>
-                  <a:schemeClr val="accent6">
-                    <a:lumMod val="60000"/>
-                    <a:lumOff val="40000"/>
-                  </a:schemeClr>
-                </a:solidFill>
-              </a:rPr>
-              <a:t>Basics</a:t>
-            </a:r>
-          </a:p>
-          <a:p>
-            <a:pPr marL="971550" lvl="1" indent="-514350">
-              <a:buFont typeface="+mj-lt"/>
-              <a:buAutoNum type="arabicPeriod"/>
-            </a:pPr>
-            <a:r>
-              <a:rPr lang="de-AT" dirty="0">
-                <a:solidFill>
-                  <a:schemeClr val="accent6">
-                    <a:lumMod val="60000"/>
-                    <a:lumOff val="40000"/>
-                  </a:schemeClr>
-                </a:solidFill>
-              </a:rPr>
-              <a:t>App Manifest </a:t>
-            </a:r>
-          </a:p>
-          <a:p>
-            <a:pPr marL="971550" lvl="1" indent="-514350">
-              <a:buFont typeface="+mj-lt"/>
-              <a:buAutoNum type="arabicPeriod"/>
-            </a:pPr>
-            <a:r>
-              <a:rPr lang="de-AT" dirty="0">
-                <a:solidFill>
-                  <a:schemeClr val="accent6">
-                    <a:lumMod val="60000"/>
-                    <a:lumOff val="40000"/>
-                  </a:schemeClr>
-                </a:solidFill>
-              </a:rPr>
-              <a:t>Service </a:t>
-            </a:r>
-            <a:r>
-              <a:rPr lang="de-AT" dirty="0" err="1">
-                <a:solidFill>
-                  <a:schemeClr val="accent6">
-                    <a:lumMod val="60000"/>
-                    <a:lumOff val="40000"/>
-                  </a:schemeClr>
-                </a:solidFill>
-              </a:rPr>
-              <a:t>Workers</a:t>
-            </a:r>
-            <a:endParaRPr lang="de-AT" dirty="0">
-              <a:solidFill>
-                <a:schemeClr val="accent6">
-                  <a:lumMod val="60000"/>
-                  <a:lumOff val="40000"/>
-                </a:schemeClr>
-              </a:solidFill>
-            </a:endParaRPr>
-          </a:p>
-          <a:p>
-            <a:pPr marL="971550" lvl="1" indent="-514350">
-              <a:buFont typeface="+mj-lt"/>
-              <a:buAutoNum type="arabicPeriod"/>
-            </a:pPr>
-            <a:r>
-              <a:rPr lang="de-AT" dirty="0">
-                <a:solidFill>
-                  <a:schemeClr val="accent6">
-                    <a:lumMod val="60000"/>
-                    <a:lumOff val="40000"/>
-                  </a:schemeClr>
-                </a:solidFill>
-              </a:rPr>
-              <a:t>Installation</a:t>
-            </a:r>
-          </a:p>
-          <a:p>
-            <a:pPr marL="514350" indent="-514350">
-              <a:buFont typeface="+mj-lt"/>
-              <a:buAutoNum type="arabicPeriod"/>
-            </a:pPr>
-            <a:r>
-              <a:rPr lang="de-AT" dirty="0" err="1">
-                <a:solidFill>
-                  <a:schemeClr val="accent6">
-                    <a:lumMod val="60000"/>
-                    <a:lumOff val="40000"/>
-                  </a:schemeClr>
-                </a:solidFill>
-              </a:rPr>
-              <a:t>Promise</a:t>
-            </a:r>
-            <a:r>
-              <a:rPr lang="de-AT" dirty="0">
-                <a:solidFill>
-                  <a:schemeClr val="accent6">
-                    <a:lumMod val="60000"/>
-                    <a:lumOff val="40000"/>
-                  </a:schemeClr>
-                </a:solidFill>
-              </a:rPr>
-              <a:t> </a:t>
-            </a:r>
-            <a:r>
-              <a:rPr lang="de-AT" dirty="0" err="1">
-                <a:solidFill>
-                  <a:schemeClr val="accent6">
-                    <a:lumMod val="60000"/>
-                    <a:lumOff val="40000"/>
-                  </a:schemeClr>
-                </a:solidFill>
-              </a:rPr>
-              <a:t>and</a:t>
-            </a:r>
-            <a:r>
-              <a:rPr lang="de-AT" dirty="0">
-                <a:solidFill>
-                  <a:schemeClr val="accent6">
-                    <a:lumMod val="60000"/>
-                    <a:lumOff val="40000"/>
-                  </a:schemeClr>
-                </a:solidFill>
-              </a:rPr>
-              <a:t> </a:t>
-            </a:r>
-            <a:r>
-              <a:rPr lang="de-AT" dirty="0" err="1">
-                <a:solidFill>
-                  <a:schemeClr val="accent6">
-                    <a:lumMod val="60000"/>
-                    <a:lumOff val="40000"/>
-                  </a:schemeClr>
-                </a:solidFill>
-              </a:rPr>
-              <a:t>Fetch</a:t>
-            </a:r>
-            <a:r>
-              <a:rPr lang="de-AT" dirty="0">
-                <a:solidFill>
-                  <a:schemeClr val="accent6">
-                    <a:lumMod val="60000"/>
-                    <a:lumOff val="40000"/>
-                  </a:schemeClr>
-                </a:solidFill>
-              </a:rPr>
-              <a:t>, Service Worker Caching</a:t>
-            </a:r>
-          </a:p>
-          <a:p>
-            <a:pPr marL="514350" indent="-514350">
-              <a:buFont typeface="+mj-lt"/>
-              <a:buAutoNum type="arabicPeriod"/>
-            </a:pPr>
-            <a:r>
-              <a:rPr lang="de-AT" dirty="0" err="1">
-                <a:solidFill>
-                  <a:schemeClr val="accent6">
-                    <a:lumMod val="60000"/>
-                    <a:lumOff val="40000"/>
-                  </a:schemeClr>
-                </a:solidFill>
-              </a:rPr>
-              <a:t>Advanced</a:t>
-            </a:r>
-            <a:r>
-              <a:rPr lang="de-AT" dirty="0">
-                <a:solidFill>
-                  <a:schemeClr val="accent6">
-                    <a:lumMod val="60000"/>
-                    <a:lumOff val="40000"/>
-                  </a:schemeClr>
-                </a:solidFill>
-              </a:rPr>
-              <a:t> Caching, </a:t>
-            </a:r>
-            <a:r>
-              <a:rPr lang="de-AT" dirty="0" err="1">
-                <a:solidFill>
-                  <a:schemeClr val="accent6">
-                    <a:lumMod val="60000"/>
-                    <a:lumOff val="40000"/>
-                  </a:schemeClr>
-                </a:solidFill>
-              </a:rPr>
-              <a:t>Indexed</a:t>
-            </a:r>
-            <a:r>
-              <a:rPr lang="de-AT" dirty="0">
-                <a:solidFill>
-                  <a:schemeClr val="accent6">
-                    <a:lumMod val="60000"/>
-                    <a:lumOff val="40000"/>
-                  </a:schemeClr>
-                </a:solidFill>
-              </a:rPr>
-              <a:t> DB </a:t>
-            </a:r>
-            <a:r>
-              <a:rPr lang="de-AT" dirty="0" err="1">
-                <a:solidFill>
-                  <a:schemeClr val="accent6">
-                    <a:lumMod val="60000"/>
-                    <a:lumOff val="40000"/>
-                  </a:schemeClr>
-                </a:solidFill>
-              </a:rPr>
-              <a:t>and</a:t>
-            </a:r>
-            <a:r>
-              <a:rPr lang="de-AT" dirty="0">
-                <a:solidFill>
-                  <a:schemeClr val="accent6">
-                    <a:lumMod val="60000"/>
-                    <a:lumOff val="40000"/>
-                  </a:schemeClr>
-                </a:solidFill>
-              </a:rPr>
-              <a:t> Dynamic Data</a:t>
-            </a:r>
-          </a:p>
-          <a:p>
-            <a:pPr marL="514350" indent="-514350">
-              <a:buFont typeface="+mj-lt"/>
-              <a:buAutoNum type="arabicPeriod"/>
-            </a:pPr>
-            <a:r>
-              <a:rPr lang="de-AT" dirty="0" err="1"/>
-              <a:t>Responsive</a:t>
-            </a:r>
-            <a:r>
-              <a:rPr lang="de-AT" dirty="0"/>
-              <a:t> UI, Background </a:t>
-            </a:r>
-            <a:r>
-              <a:rPr lang="de-AT" dirty="0" err="1"/>
-              <a:t>Sync</a:t>
-            </a:r>
-            <a:r>
-              <a:rPr lang="de-AT" dirty="0"/>
-              <a:t> </a:t>
-            </a:r>
-          </a:p>
-          <a:p>
-            <a:pPr marL="514350" indent="-514350">
-              <a:buFont typeface="+mj-lt"/>
-              <a:buAutoNum type="arabicPeriod"/>
-            </a:pPr>
-            <a:r>
-              <a:rPr lang="de-AT" dirty="0">
-                <a:solidFill>
-                  <a:schemeClr val="bg1">
-                    <a:lumMod val="85000"/>
-                  </a:schemeClr>
-                </a:solidFill>
-              </a:rPr>
-              <a:t>Web Push </a:t>
-            </a:r>
-            <a:r>
-              <a:rPr lang="de-AT" dirty="0" err="1">
-                <a:solidFill>
-                  <a:schemeClr val="bg1">
-                    <a:lumMod val="85000"/>
-                  </a:schemeClr>
-                </a:solidFill>
-              </a:rPr>
-              <a:t>Notifications</a:t>
-            </a:r>
-            <a:r>
-              <a:rPr lang="de-AT" dirty="0">
-                <a:solidFill>
-                  <a:schemeClr val="bg1">
-                    <a:lumMod val="85000"/>
-                  </a:schemeClr>
-                </a:solidFill>
-              </a:rPr>
-              <a:t> </a:t>
-            </a:r>
-          </a:p>
-          <a:p>
-            <a:pPr marL="514350" indent="-514350">
-              <a:buFont typeface="+mj-lt"/>
-              <a:buAutoNum type="arabicPeriod"/>
-            </a:pPr>
-            <a:r>
-              <a:rPr lang="de-AT" dirty="0">
-                <a:solidFill>
-                  <a:schemeClr val="bg1">
-                    <a:lumMod val="85000"/>
-                  </a:schemeClr>
-                </a:solidFill>
-              </a:rPr>
-              <a:t>Native Device Features</a:t>
-            </a:r>
-          </a:p>
-          <a:p>
-            <a:pPr marL="514350" indent="-514350">
-              <a:buFont typeface="+mj-lt"/>
-              <a:buAutoNum type="arabicPeriod"/>
-            </a:pPr>
-            <a:r>
-              <a:rPr lang="de-AT" dirty="0">
-                <a:solidFill>
-                  <a:schemeClr val="bg1">
-                    <a:lumMod val="85000"/>
-                  </a:schemeClr>
-                </a:solidFill>
-              </a:rPr>
-              <a:t>Round </a:t>
-            </a:r>
-            <a:r>
-              <a:rPr lang="de-AT" dirty="0" err="1">
-                <a:solidFill>
-                  <a:schemeClr val="bg1">
-                    <a:lumMod val="85000"/>
-                  </a:schemeClr>
-                </a:solidFill>
-              </a:rPr>
-              <a:t>Up</a:t>
-            </a:r>
-            <a:r>
-              <a:rPr lang="de-AT" dirty="0">
-                <a:solidFill>
-                  <a:schemeClr val="bg1">
-                    <a:lumMod val="85000"/>
-                  </a:schemeClr>
-                </a:solidFill>
-              </a:rPr>
-              <a:t> &amp; Quiz</a:t>
-            </a:r>
-          </a:p>
-          <a:p>
-            <a:endParaRPr lang="de-AT" dirty="0"/>
+            <a:endParaRPr lang="de-AT"/>
           </a:p>
         </p:txBody>
       </p:sp>
     </p:spTree>
     <p:extLst>
       <p:ext uri="{BB962C8B-B14F-4D97-AF65-F5344CB8AC3E}">
-        <p14:creationId xmlns:p14="http://schemas.microsoft.com/office/powerpoint/2010/main" val="1801515692"/>
+        <p14:creationId xmlns:p14="http://schemas.microsoft.com/office/powerpoint/2010/main" val="3460678003"/>
       </p:ext>
     </p:extLst>
   </p:cSld>
@@ -16529,6 +15552,70 @@
       </p:grpSpPr>
       <p:sp>
         <p:nvSpPr>
+          <p:cNvPr id="6" name="Rechteck 5"/>
+          <p:cNvSpPr/>
+          <p:nvPr/>
+        </p:nvSpPr>
+        <p:spPr>
+          <a:xfrm>
+            <a:off x="3201770" y="2042343"/>
+            <a:ext cx="1806442" cy="936301"/>
+          </a:xfrm>
+          <a:prstGeom prst="rect">
+            <a:avLst/>
+          </a:prstGeom>
+        </p:spPr>
+        <p:style>
+          <a:lnRef idx="2">
+            <a:schemeClr val="accent6">
+              <a:shade val="50000"/>
+            </a:schemeClr>
+          </a:lnRef>
+          <a:fillRef idx="1">
+            <a:schemeClr val="accent6"/>
+          </a:fillRef>
+          <a:effectRef idx="0">
+            <a:schemeClr val="accent6"/>
+          </a:effectRef>
+          <a:fontRef idx="minor">
+            <a:schemeClr val="lt1"/>
+          </a:fontRef>
+        </p:style>
+        <p:txBody>
+          <a:bodyPr rtlCol="0" anchor="ctr"/>
+          <a:lstStyle/>
+          <a:p>
+            <a:pPr algn="ctr"/>
+            <a:r>
+              <a:rPr lang="de-AT" dirty="0" smtClean="0"/>
+              <a:t>Other </a:t>
+            </a:r>
+            <a:r>
+              <a:rPr lang="de-AT" dirty="0" err="1" smtClean="0"/>
+              <a:t>long</a:t>
+            </a:r>
+            <a:r>
+              <a:rPr lang="de-AT" dirty="0" smtClean="0"/>
+              <a:t> </a:t>
+            </a:r>
+            <a:r>
+              <a:rPr lang="de-AT" dirty="0" err="1" smtClean="0"/>
+              <a:t>running</a:t>
+            </a:r>
+            <a:r>
+              <a:rPr lang="de-AT" dirty="0" smtClean="0"/>
+              <a:t> </a:t>
+            </a:r>
+            <a:r>
+              <a:rPr lang="de-AT" dirty="0" err="1" smtClean="0"/>
+              <a:t>operation</a:t>
+            </a:r>
+            <a:endParaRPr lang="de-AT" dirty="0"/>
+          </a:p>
+        </p:txBody>
+      </p:sp>
+      <p:sp>
+        <p:nvSpPr>
           <p:cNvPr id="2" name="Titel 1"/>
           <p:cNvSpPr>
             <a:spLocks noGrp="1"/>
@@ -16543,380 +15630,345 @@
           <a:lstStyle/>
           <a:p>
             <a:r>
-              <a:rPr lang="de-AT" dirty="0"/>
-              <a:t>Outline</a:t>
-            </a:r>
+              <a:rPr lang="de-AT" dirty="0" err="1" smtClean="0"/>
+              <a:t>Javascript</a:t>
+            </a:r>
+            <a:r>
+              <a:rPr lang="de-AT" dirty="0" smtClean="0"/>
+              <a:t> = SINGLE </a:t>
+            </a:r>
+            <a:r>
+              <a:rPr lang="de-AT" dirty="0" err="1" smtClean="0"/>
+              <a:t>Threaded</a:t>
+            </a:r>
+            <a:endParaRPr lang="de-AT" dirty="0"/>
           </a:p>
         </p:txBody>
       </p:sp>
       <p:sp>
         <p:nvSpPr>
-          <p:cNvPr id="3" name="Inhaltsplatzhalter 2"/>
-          <p:cNvSpPr>
-            <a:spLocks noGrp="1"/>
+          <p:cNvPr id="4" name="Rechteck 3"/>
+          <p:cNvSpPr/>
+          <p:nvPr/>
+        </p:nvSpPr>
+        <p:spPr>
+          <a:xfrm>
+            <a:off x="838200" y="2042343"/>
+            <a:ext cx="1806442" cy="936301"/>
+          </a:xfrm>
+          <a:prstGeom prst="rect">
+            <a:avLst/>
+          </a:prstGeom>
+        </p:spPr>
+        <p:style>
+          <a:lnRef idx="2">
+            <a:schemeClr val="accent1">
+              <a:shade val="50000"/>
+            </a:schemeClr>
+          </a:lnRef>
+          <a:fillRef idx="1">
+            <a:schemeClr val="accent1"/>
+          </a:fillRef>
+          <a:effectRef idx="0">
+            <a:schemeClr val="accent1"/>
+          </a:effectRef>
+          <a:fontRef idx="minor">
+            <a:schemeClr val="lt1"/>
+          </a:fontRef>
+        </p:style>
+        <p:txBody>
+          <a:bodyPr rtlCol="0" anchor="ctr"/>
+          <a:lstStyle/>
+          <a:p>
+            <a:pPr algn="ctr"/>
+            <a:r>
+              <a:rPr lang="de-AT" dirty="0" smtClean="0"/>
+              <a:t>Data </a:t>
+            </a:r>
+            <a:r>
+              <a:rPr lang="de-AT" dirty="0" err="1" smtClean="0"/>
+              <a:t>from</a:t>
+            </a:r>
+            <a:r>
+              <a:rPr lang="de-AT" dirty="0" smtClean="0"/>
+              <a:t> Server</a:t>
+            </a:r>
+            <a:endParaRPr lang="de-AT" dirty="0"/>
+          </a:p>
+        </p:txBody>
+      </p:sp>
+      <p:sp>
+        <p:nvSpPr>
+          <p:cNvPr id="5" name="Rechteck 4"/>
+          <p:cNvSpPr/>
+          <p:nvPr/>
+        </p:nvSpPr>
+        <p:spPr>
+          <a:xfrm>
+            <a:off x="2019985" y="2693009"/>
+            <a:ext cx="1806442" cy="936301"/>
+          </a:xfrm>
+          <a:prstGeom prst="rect">
+            <a:avLst/>
+          </a:prstGeom>
+        </p:spPr>
+        <p:style>
+          <a:lnRef idx="2">
+            <a:schemeClr val="accent4">
+              <a:shade val="50000"/>
+            </a:schemeClr>
+          </a:lnRef>
+          <a:fillRef idx="1">
+            <a:schemeClr val="accent4"/>
+          </a:fillRef>
+          <a:effectRef idx="0">
+            <a:schemeClr val="accent4"/>
+          </a:effectRef>
+          <a:fontRef idx="minor">
+            <a:schemeClr val="lt1"/>
+          </a:fontRef>
+        </p:style>
+        <p:txBody>
+          <a:bodyPr rtlCol="0" anchor="ctr"/>
+          <a:lstStyle/>
+          <a:p>
+            <a:pPr algn="ctr"/>
+            <a:r>
+              <a:rPr lang="de-AT" dirty="0" err="1" smtClean="0"/>
+              <a:t>Wait</a:t>
+            </a:r>
+            <a:r>
+              <a:rPr lang="de-AT" dirty="0" smtClean="0"/>
+              <a:t> </a:t>
+            </a:r>
+          </a:p>
+          <a:p>
+            <a:pPr algn="ctr"/>
+            <a:r>
+              <a:rPr lang="de-AT" dirty="0" smtClean="0"/>
+              <a:t>2 </a:t>
+            </a:r>
+            <a:r>
+              <a:rPr lang="de-AT" dirty="0" err="1" smtClean="0"/>
+              <a:t>seconds</a:t>
+            </a:r>
+            <a:endParaRPr lang="de-AT" dirty="0"/>
+          </a:p>
+        </p:txBody>
+      </p:sp>
+      <p:sp>
+        <p:nvSpPr>
+          <p:cNvPr id="7" name="Pfeil nach links 6"/>
+          <p:cNvSpPr/>
+          <p:nvPr/>
+        </p:nvSpPr>
+        <p:spPr>
+          <a:xfrm rot="10800000">
+            <a:off x="838199" y="3920419"/>
+            <a:ext cx="6263458" cy="1226501"/>
+          </a:xfrm>
+          <a:prstGeom prst="leftArrow">
+            <a:avLst/>
+          </a:prstGeom>
+        </p:spPr>
+        <p:style>
+          <a:lnRef idx="2">
+            <a:schemeClr val="accent3">
+              <a:shade val="50000"/>
+            </a:schemeClr>
+          </a:lnRef>
+          <a:fillRef idx="1">
+            <a:schemeClr val="accent3"/>
+          </a:fillRef>
+          <a:effectRef idx="0">
+            <a:schemeClr val="accent3"/>
+          </a:effectRef>
+          <a:fontRef idx="minor">
+            <a:schemeClr val="lt1"/>
+          </a:fontRef>
+        </p:style>
+        <p:txBody>
+          <a:bodyPr rtlCol="0" anchor="ctr"/>
+          <a:lstStyle/>
+          <a:p>
+            <a:pPr algn="ctr"/>
+            <a:endParaRPr lang="de-AT"/>
+          </a:p>
+        </p:txBody>
+      </p:sp>
+      <p:sp>
+        <p:nvSpPr>
+          <p:cNvPr id="8" name="Rechteck 7"/>
+          <p:cNvSpPr/>
+          <p:nvPr/>
+        </p:nvSpPr>
+        <p:spPr>
+          <a:xfrm>
+            <a:off x="941321" y="4279977"/>
+            <a:ext cx="1806442" cy="489140"/>
+          </a:xfrm>
+          <a:prstGeom prst="rect">
+            <a:avLst/>
+          </a:prstGeom>
+        </p:spPr>
+        <p:style>
+          <a:lnRef idx="2">
+            <a:schemeClr val="accent1">
+              <a:shade val="50000"/>
+            </a:schemeClr>
+          </a:lnRef>
+          <a:fillRef idx="1">
+            <a:schemeClr val="accent1"/>
+          </a:fillRef>
+          <a:effectRef idx="0">
+            <a:schemeClr val="accent1"/>
+          </a:effectRef>
+          <a:fontRef idx="minor">
+            <a:schemeClr val="lt1"/>
+          </a:fontRef>
+        </p:style>
+        <p:txBody>
+          <a:bodyPr rtlCol="0" anchor="ctr"/>
+          <a:lstStyle/>
+          <a:p>
+            <a:pPr algn="ctr"/>
+            <a:endParaRPr lang="de-AT" dirty="0"/>
+          </a:p>
+        </p:txBody>
+      </p:sp>
+      <p:sp>
+        <p:nvSpPr>
+          <p:cNvPr id="9" name="Rechteck 8"/>
+          <p:cNvSpPr/>
+          <p:nvPr/>
+        </p:nvSpPr>
+        <p:spPr>
+          <a:xfrm>
+            <a:off x="2817120" y="4272076"/>
+            <a:ext cx="1806442" cy="497042"/>
+          </a:xfrm>
+          <a:prstGeom prst="rect">
+            <a:avLst/>
+          </a:prstGeom>
+        </p:spPr>
+        <p:style>
+          <a:lnRef idx="2">
+            <a:schemeClr val="accent4">
+              <a:shade val="50000"/>
+            </a:schemeClr>
+          </a:lnRef>
+          <a:fillRef idx="1">
+            <a:schemeClr val="accent4"/>
+          </a:fillRef>
+          <a:effectRef idx="0">
+            <a:schemeClr val="accent4"/>
+          </a:effectRef>
+          <a:fontRef idx="minor">
+            <a:schemeClr val="lt1"/>
+          </a:fontRef>
+        </p:style>
+        <p:txBody>
+          <a:bodyPr rtlCol="0" anchor="ctr"/>
+          <a:lstStyle/>
+          <a:p>
+            <a:pPr algn="ctr"/>
+            <a:endParaRPr lang="de-AT" dirty="0"/>
+          </a:p>
+        </p:txBody>
+      </p:sp>
+      <p:sp>
+        <p:nvSpPr>
+          <p:cNvPr id="10" name="Rechteck 9"/>
+          <p:cNvSpPr/>
+          <p:nvPr/>
+        </p:nvSpPr>
+        <p:spPr>
+          <a:xfrm>
+            <a:off x="4692919" y="4272076"/>
+            <a:ext cx="1806442" cy="497042"/>
+          </a:xfrm>
+          <a:prstGeom prst="rect">
+            <a:avLst/>
+          </a:prstGeom>
+        </p:spPr>
+        <p:style>
+          <a:lnRef idx="2">
+            <a:schemeClr val="accent6">
+              <a:shade val="50000"/>
+            </a:schemeClr>
+          </a:lnRef>
+          <a:fillRef idx="1">
+            <a:schemeClr val="accent6"/>
+          </a:fillRef>
+          <a:effectRef idx="0">
+            <a:schemeClr val="accent6"/>
+          </a:effectRef>
+          <a:fontRef idx="minor">
+            <a:schemeClr val="lt1"/>
+          </a:fontRef>
+        </p:style>
+        <p:txBody>
+          <a:bodyPr rtlCol="0" anchor="ctr"/>
+          <a:lstStyle/>
+          <a:p>
+            <a:pPr algn="ctr"/>
+            <a:endParaRPr lang="de-AT" dirty="0"/>
+          </a:p>
+        </p:txBody>
+      </p:sp>
+      <p:sp>
+        <p:nvSpPr>
+          <p:cNvPr id="11" name="Titel 1"/>
+          <p:cNvSpPr txBox="1">
+            <a:spLocks/>
           </p:cNvSpPr>
-          <p:nvPr>
-            <p:ph idx="1"/>
-          </p:nvPr>
+          <p:nvPr/>
         </p:nvSpPr>
-        <p:spPr/>
+        <p:spPr>
+          <a:xfrm>
+            <a:off x="798959" y="5330445"/>
+            <a:ext cx="10515600" cy="1325563"/>
+          </a:xfrm>
+          <a:prstGeom prst="rect">
+            <a:avLst/>
+          </a:prstGeom>
+        </p:spPr>
         <p:txBody>
-          <a:bodyPr>
-            <a:normAutofit lnSpcReduction="10000"/>
+          <a:bodyPr vert="horz" lIns="91440" tIns="45720" rIns="91440" bIns="45720" rtlCol="0" anchor="ctr">
+            <a:normAutofit/>
           </a:bodyPr>
-          <a:lstStyle/>
-          <a:p>
-            <a:pPr marL="514350" indent="-514350">
-              <a:buFont typeface="+mj-lt"/>
-              <a:buAutoNum type="arabicPeriod"/>
-            </a:pPr>
-            <a:r>
-              <a:rPr lang="de-AT" dirty="0">
-                <a:solidFill>
-                  <a:schemeClr val="accent6">
-                    <a:lumMod val="60000"/>
-                    <a:lumOff val="40000"/>
-                  </a:schemeClr>
-                </a:solidFill>
-              </a:rPr>
-              <a:t>Basics</a:t>
-            </a:r>
-          </a:p>
-          <a:p>
-            <a:pPr marL="971550" lvl="1" indent="-514350">
-              <a:buFont typeface="+mj-lt"/>
-              <a:buAutoNum type="arabicPeriod"/>
-            </a:pPr>
-            <a:r>
-              <a:rPr lang="de-AT" dirty="0">
-                <a:solidFill>
-                  <a:schemeClr val="accent6">
-                    <a:lumMod val="60000"/>
-                    <a:lumOff val="40000"/>
-                  </a:schemeClr>
-                </a:solidFill>
-              </a:rPr>
-              <a:t>App Manifest </a:t>
-            </a:r>
-          </a:p>
-          <a:p>
-            <a:pPr marL="971550" lvl="1" indent="-514350">
-              <a:buFont typeface="+mj-lt"/>
-              <a:buAutoNum type="arabicPeriod"/>
-            </a:pPr>
-            <a:r>
-              <a:rPr lang="de-AT" dirty="0">
-                <a:solidFill>
-                  <a:schemeClr val="accent6">
-                    <a:lumMod val="60000"/>
-                    <a:lumOff val="40000"/>
-                  </a:schemeClr>
-                </a:solidFill>
-              </a:rPr>
-              <a:t>Service </a:t>
-            </a:r>
-            <a:r>
-              <a:rPr lang="de-AT" dirty="0" err="1">
-                <a:solidFill>
-                  <a:schemeClr val="accent6">
-                    <a:lumMod val="60000"/>
-                    <a:lumOff val="40000"/>
-                  </a:schemeClr>
-                </a:solidFill>
-              </a:rPr>
-              <a:t>Workers</a:t>
-            </a:r>
-            <a:endParaRPr lang="de-AT" dirty="0">
-              <a:solidFill>
-                <a:schemeClr val="accent6">
-                  <a:lumMod val="60000"/>
-                  <a:lumOff val="40000"/>
-                </a:schemeClr>
-              </a:solidFill>
-            </a:endParaRPr>
-          </a:p>
-          <a:p>
-            <a:pPr marL="971550" lvl="1" indent="-514350">
-              <a:buFont typeface="+mj-lt"/>
-              <a:buAutoNum type="arabicPeriod"/>
-            </a:pPr>
-            <a:r>
-              <a:rPr lang="de-AT" dirty="0">
-                <a:solidFill>
-                  <a:schemeClr val="accent6">
-                    <a:lumMod val="60000"/>
-                    <a:lumOff val="40000"/>
-                  </a:schemeClr>
-                </a:solidFill>
-              </a:rPr>
-              <a:t>Installation</a:t>
-            </a:r>
-          </a:p>
-          <a:p>
-            <a:pPr marL="514350" indent="-514350">
-              <a:buFont typeface="+mj-lt"/>
-              <a:buAutoNum type="arabicPeriod"/>
-            </a:pPr>
-            <a:r>
-              <a:rPr lang="de-AT" dirty="0" err="1">
-                <a:solidFill>
-                  <a:schemeClr val="accent6">
-                    <a:lumMod val="60000"/>
-                    <a:lumOff val="40000"/>
-                  </a:schemeClr>
-                </a:solidFill>
-              </a:rPr>
-              <a:t>Promise</a:t>
-            </a:r>
-            <a:r>
-              <a:rPr lang="de-AT" dirty="0">
-                <a:solidFill>
-                  <a:schemeClr val="accent6">
-                    <a:lumMod val="60000"/>
-                    <a:lumOff val="40000"/>
-                  </a:schemeClr>
-                </a:solidFill>
-              </a:rPr>
-              <a:t> </a:t>
-            </a:r>
-            <a:r>
-              <a:rPr lang="de-AT" dirty="0" err="1">
-                <a:solidFill>
-                  <a:schemeClr val="accent6">
-                    <a:lumMod val="60000"/>
-                    <a:lumOff val="40000"/>
-                  </a:schemeClr>
-                </a:solidFill>
-              </a:rPr>
-              <a:t>and</a:t>
-            </a:r>
-            <a:r>
-              <a:rPr lang="de-AT" dirty="0">
-                <a:solidFill>
-                  <a:schemeClr val="accent6">
-                    <a:lumMod val="60000"/>
-                    <a:lumOff val="40000"/>
-                  </a:schemeClr>
-                </a:solidFill>
-              </a:rPr>
-              <a:t> </a:t>
-            </a:r>
-            <a:r>
-              <a:rPr lang="de-AT" dirty="0" err="1">
-                <a:solidFill>
-                  <a:schemeClr val="accent6">
-                    <a:lumMod val="60000"/>
-                    <a:lumOff val="40000"/>
-                  </a:schemeClr>
-                </a:solidFill>
-              </a:rPr>
-              <a:t>Fetch</a:t>
-            </a:r>
-            <a:r>
-              <a:rPr lang="de-AT" dirty="0">
-                <a:solidFill>
-                  <a:schemeClr val="accent6">
-                    <a:lumMod val="60000"/>
-                    <a:lumOff val="40000"/>
-                  </a:schemeClr>
-                </a:solidFill>
-              </a:rPr>
-              <a:t>, Service Worker Caching</a:t>
-            </a:r>
-          </a:p>
-          <a:p>
-            <a:pPr marL="514350" indent="-514350">
-              <a:buFont typeface="+mj-lt"/>
-              <a:buAutoNum type="arabicPeriod"/>
-            </a:pPr>
-            <a:r>
-              <a:rPr lang="de-AT" dirty="0" err="1">
-                <a:solidFill>
-                  <a:schemeClr val="accent6">
-                    <a:lumMod val="60000"/>
-                    <a:lumOff val="40000"/>
-                  </a:schemeClr>
-                </a:solidFill>
-              </a:rPr>
-              <a:t>Advanced</a:t>
-            </a:r>
-            <a:r>
-              <a:rPr lang="de-AT" dirty="0">
-                <a:solidFill>
-                  <a:schemeClr val="accent6">
-                    <a:lumMod val="60000"/>
-                    <a:lumOff val="40000"/>
-                  </a:schemeClr>
-                </a:solidFill>
-              </a:rPr>
-              <a:t> Caching, </a:t>
-            </a:r>
-            <a:r>
-              <a:rPr lang="de-AT" dirty="0" err="1">
-                <a:solidFill>
-                  <a:schemeClr val="accent6">
-                    <a:lumMod val="60000"/>
-                    <a:lumOff val="40000"/>
-                  </a:schemeClr>
-                </a:solidFill>
-              </a:rPr>
-              <a:t>Indexed</a:t>
-            </a:r>
-            <a:r>
-              <a:rPr lang="de-AT" dirty="0">
-                <a:solidFill>
-                  <a:schemeClr val="accent6">
-                    <a:lumMod val="60000"/>
-                    <a:lumOff val="40000"/>
-                  </a:schemeClr>
-                </a:solidFill>
-              </a:rPr>
-              <a:t> DB </a:t>
-            </a:r>
-            <a:r>
-              <a:rPr lang="de-AT" dirty="0" err="1">
-                <a:solidFill>
-                  <a:schemeClr val="accent6">
-                    <a:lumMod val="60000"/>
-                    <a:lumOff val="40000"/>
-                  </a:schemeClr>
-                </a:solidFill>
-              </a:rPr>
-              <a:t>and</a:t>
-            </a:r>
-            <a:r>
-              <a:rPr lang="de-AT" dirty="0">
-                <a:solidFill>
-                  <a:schemeClr val="accent6">
-                    <a:lumMod val="60000"/>
-                    <a:lumOff val="40000"/>
-                  </a:schemeClr>
-                </a:solidFill>
-              </a:rPr>
-              <a:t> Dynamic Data</a:t>
-            </a:r>
-          </a:p>
-          <a:p>
-            <a:pPr marL="514350" indent="-514350">
-              <a:buFont typeface="+mj-lt"/>
-              <a:buAutoNum type="arabicPeriod"/>
-            </a:pPr>
-            <a:r>
-              <a:rPr lang="de-AT" dirty="0" err="1">
-                <a:solidFill>
-                  <a:schemeClr val="accent6">
-                    <a:lumMod val="60000"/>
-                    <a:lumOff val="40000"/>
-                  </a:schemeClr>
-                </a:solidFill>
-              </a:rPr>
-              <a:t>Responsive</a:t>
-            </a:r>
-            <a:r>
-              <a:rPr lang="de-AT" dirty="0">
-                <a:solidFill>
-                  <a:schemeClr val="accent6">
-                    <a:lumMod val="60000"/>
-                    <a:lumOff val="40000"/>
-                  </a:schemeClr>
-                </a:solidFill>
-              </a:rPr>
-              <a:t> UI, Background </a:t>
-            </a:r>
-            <a:r>
-              <a:rPr lang="de-AT" dirty="0" err="1">
-                <a:solidFill>
-                  <a:schemeClr val="accent6">
-                    <a:lumMod val="60000"/>
-                    <a:lumOff val="40000"/>
-                  </a:schemeClr>
-                </a:solidFill>
-              </a:rPr>
-              <a:t>Sync</a:t>
-            </a:r>
-            <a:r>
-              <a:rPr lang="de-AT" dirty="0">
-                <a:solidFill>
-                  <a:schemeClr val="accent6">
-                    <a:lumMod val="60000"/>
-                    <a:lumOff val="40000"/>
-                  </a:schemeClr>
-                </a:solidFill>
-              </a:rPr>
-              <a:t> </a:t>
-            </a:r>
-          </a:p>
-          <a:p>
-            <a:pPr marL="514350" indent="-514350">
-              <a:buFont typeface="+mj-lt"/>
-              <a:buAutoNum type="arabicPeriod"/>
-            </a:pPr>
-            <a:r>
-              <a:rPr lang="de-AT" dirty="0"/>
-              <a:t>Web Push </a:t>
-            </a:r>
-            <a:r>
-              <a:rPr lang="de-AT" dirty="0" err="1"/>
-              <a:t>Notifications</a:t>
-            </a:r>
-            <a:r>
-              <a:rPr lang="de-AT" dirty="0"/>
-              <a:t> </a:t>
-            </a:r>
-          </a:p>
-          <a:p>
-            <a:pPr marL="514350" indent="-514350">
-              <a:buFont typeface="+mj-lt"/>
-              <a:buAutoNum type="arabicPeriod"/>
-            </a:pPr>
-            <a:r>
-              <a:rPr lang="de-AT" dirty="0">
-                <a:solidFill>
-                  <a:schemeClr val="bg1">
-                    <a:lumMod val="85000"/>
-                  </a:schemeClr>
-                </a:solidFill>
-              </a:rPr>
-              <a:t>Native Device Features</a:t>
-            </a:r>
-          </a:p>
-          <a:p>
-            <a:pPr marL="514350" indent="-514350">
-              <a:buFont typeface="+mj-lt"/>
-              <a:buAutoNum type="arabicPeriod"/>
-            </a:pPr>
-            <a:r>
-              <a:rPr lang="de-AT" dirty="0">
-                <a:solidFill>
-                  <a:schemeClr val="bg1">
-                    <a:lumMod val="85000"/>
-                  </a:schemeClr>
-                </a:solidFill>
-              </a:rPr>
-              <a:t>Round </a:t>
-            </a:r>
-            <a:r>
-              <a:rPr lang="de-AT" dirty="0" err="1">
-                <a:solidFill>
-                  <a:schemeClr val="bg1">
-                    <a:lumMod val="85000"/>
-                  </a:schemeClr>
-                </a:solidFill>
-              </a:rPr>
-              <a:t>Up</a:t>
-            </a:r>
-            <a:r>
-              <a:rPr lang="de-AT" dirty="0">
-                <a:solidFill>
-                  <a:schemeClr val="bg1">
-                    <a:lumMod val="85000"/>
-                  </a:schemeClr>
-                </a:solidFill>
-              </a:rPr>
-              <a:t> &amp; Quiz</a:t>
-            </a:r>
-          </a:p>
-          <a:p>
+          <a:lstStyle>
+            <a:lvl1pPr algn="l" defTabSz="914400" rtl="0" eaLnBrk="1" latinLnBrk="0" hangingPunct="1">
+              <a:lnSpc>
+                <a:spcPct val="90000"/>
+              </a:lnSpc>
+              <a:spcBef>
+                <a:spcPct val="0"/>
+              </a:spcBef>
+              <a:buNone/>
+              <a:defRPr sz="4400" kern="1200">
+                <a:solidFill>
+                  <a:schemeClr val="tx1"/>
+                </a:solidFill>
+                <a:latin typeface="+mj-lt"/>
+                <a:ea typeface="+mj-ea"/>
+                <a:cs typeface="+mj-cs"/>
+              </a:defRPr>
+            </a:lvl1pPr>
+          </a:lstStyle>
+          <a:p>
+            <a:r>
+              <a:rPr lang="de-AT" dirty="0" smtClean="0"/>
+              <a:t>Es könnte so einfach sein, </a:t>
+            </a:r>
+            <a:r>
+              <a:rPr lang="de-AT" dirty="0" err="1" smtClean="0"/>
+              <a:t>isses</a:t>
+            </a:r>
+            <a:r>
+              <a:rPr lang="de-AT" dirty="0" smtClean="0"/>
+              <a:t> aber nicht…</a:t>
+            </a:r>
             <a:endParaRPr lang="de-AT" dirty="0"/>
           </a:p>
         </p:txBody>
@@ -16924,7 +15976,7 @@
     </p:spTree>
     <p:extLst>
       <p:ext uri="{BB962C8B-B14F-4D97-AF65-F5344CB8AC3E}">
-        <p14:creationId xmlns:p14="http://schemas.microsoft.com/office/powerpoint/2010/main" val="2621541282"/>
+        <p14:creationId xmlns:p14="http://schemas.microsoft.com/office/powerpoint/2010/main" val="1323762920"/>
       </p:ext>
     </p:extLst>
   </p:cSld>
@@ -16953,6 +16005,70 @@
       </p:grpSpPr>
       <p:sp>
         <p:nvSpPr>
+          <p:cNvPr id="6" name="Rechteck 5"/>
+          <p:cNvSpPr/>
+          <p:nvPr/>
+        </p:nvSpPr>
+        <p:spPr>
+          <a:xfrm>
+            <a:off x="3201770" y="2042343"/>
+            <a:ext cx="1806442" cy="936301"/>
+          </a:xfrm>
+          <a:prstGeom prst="rect">
+            <a:avLst/>
+          </a:prstGeom>
+        </p:spPr>
+        <p:style>
+          <a:lnRef idx="2">
+            <a:schemeClr val="accent6">
+              <a:shade val="50000"/>
+            </a:schemeClr>
+          </a:lnRef>
+          <a:fillRef idx="1">
+            <a:schemeClr val="accent6"/>
+          </a:fillRef>
+          <a:effectRef idx="0">
+            <a:schemeClr val="accent6"/>
+          </a:effectRef>
+          <a:fontRef idx="minor">
+            <a:schemeClr val="lt1"/>
+          </a:fontRef>
+        </p:style>
+        <p:txBody>
+          <a:bodyPr rtlCol="0" anchor="ctr"/>
+          <a:lstStyle/>
+          <a:p>
+            <a:pPr algn="ctr"/>
+            <a:r>
+              <a:rPr lang="de-AT" dirty="0" smtClean="0"/>
+              <a:t>Other </a:t>
+            </a:r>
+            <a:r>
+              <a:rPr lang="de-AT" dirty="0" err="1" smtClean="0"/>
+              <a:t>long</a:t>
+            </a:r>
+            <a:r>
+              <a:rPr lang="de-AT" dirty="0" smtClean="0"/>
+              <a:t> </a:t>
+            </a:r>
+            <a:r>
+              <a:rPr lang="de-AT" dirty="0" err="1" smtClean="0"/>
+              <a:t>running</a:t>
+            </a:r>
+            <a:r>
+              <a:rPr lang="de-AT" dirty="0" smtClean="0"/>
+              <a:t> </a:t>
+            </a:r>
+            <a:r>
+              <a:rPr lang="de-AT" dirty="0" err="1" smtClean="0"/>
+              <a:t>operation</a:t>
+            </a:r>
+            <a:endParaRPr lang="de-AT" dirty="0"/>
+          </a:p>
+        </p:txBody>
+      </p:sp>
+      <p:sp>
+        <p:nvSpPr>
           <p:cNvPr id="2" name="Titel 1"/>
           <p:cNvSpPr>
             <a:spLocks noGrp="1"/>
@@ -16967,395 +16083,567 @@
           <a:lstStyle/>
           <a:p>
             <a:r>
-              <a:rPr lang="de-AT" dirty="0"/>
-              <a:t>Outline</a:t>
-            </a:r>
+              <a:rPr lang="de-AT" dirty="0" err="1" smtClean="0"/>
+              <a:t>Javascript</a:t>
+            </a:r>
+            <a:r>
+              <a:rPr lang="de-AT" dirty="0" smtClean="0"/>
+              <a:t> = SINGLE </a:t>
+            </a:r>
+            <a:r>
+              <a:rPr lang="de-AT" dirty="0" err="1" smtClean="0"/>
+              <a:t>Threaded</a:t>
+            </a:r>
+            <a:endParaRPr lang="de-AT" dirty="0"/>
           </a:p>
         </p:txBody>
       </p:sp>
       <p:sp>
         <p:nvSpPr>
-          <p:cNvPr id="3" name="Inhaltsplatzhalter 2"/>
-          <p:cNvSpPr>
-            <a:spLocks noGrp="1"/>
+          <p:cNvPr id="4" name="Rechteck 3"/>
+          <p:cNvSpPr/>
+          <p:nvPr/>
+        </p:nvSpPr>
+        <p:spPr>
+          <a:xfrm>
+            <a:off x="838200" y="2042343"/>
+            <a:ext cx="1806442" cy="936301"/>
+          </a:xfrm>
+          <a:prstGeom prst="rect">
+            <a:avLst/>
+          </a:prstGeom>
+        </p:spPr>
+        <p:style>
+          <a:lnRef idx="2">
+            <a:schemeClr val="accent1">
+              <a:shade val="50000"/>
+            </a:schemeClr>
+          </a:lnRef>
+          <a:fillRef idx="1">
+            <a:schemeClr val="accent1"/>
+          </a:fillRef>
+          <a:effectRef idx="0">
+            <a:schemeClr val="accent1"/>
+          </a:effectRef>
+          <a:fontRef idx="minor">
+            <a:schemeClr val="lt1"/>
+          </a:fontRef>
+        </p:style>
+        <p:txBody>
+          <a:bodyPr rtlCol="0" anchor="ctr"/>
+          <a:lstStyle/>
+          <a:p>
+            <a:pPr algn="ctr"/>
+            <a:r>
+              <a:rPr lang="de-AT" dirty="0" smtClean="0"/>
+              <a:t>Data </a:t>
+            </a:r>
+            <a:r>
+              <a:rPr lang="de-AT" dirty="0" err="1" smtClean="0"/>
+              <a:t>from</a:t>
+            </a:r>
+            <a:r>
+              <a:rPr lang="de-AT" dirty="0" smtClean="0"/>
+              <a:t> Server</a:t>
+            </a:r>
+            <a:endParaRPr lang="de-AT" dirty="0"/>
+          </a:p>
+        </p:txBody>
+      </p:sp>
+      <p:sp>
+        <p:nvSpPr>
+          <p:cNvPr id="5" name="Rechteck 4"/>
+          <p:cNvSpPr/>
+          <p:nvPr/>
+        </p:nvSpPr>
+        <p:spPr>
+          <a:xfrm>
+            <a:off x="2019985" y="2693009"/>
+            <a:ext cx="1806442" cy="936301"/>
+          </a:xfrm>
+          <a:prstGeom prst="rect">
+            <a:avLst/>
+          </a:prstGeom>
+        </p:spPr>
+        <p:style>
+          <a:lnRef idx="2">
+            <a:schemeClr val="accent4">
+              <a:shade val="50000"/>
+            </a:schemeClr>
+          </a:lnRef>
+          <a:fillRef idx="1">
+            <a:schemeClr val="accent4"/>
+          </a:fillRef>
+          <a:effectRef idx="0">
+            <a:schemeClr val="accent4"/>
+          </a:effectRef>
+          <a:fontRef idx="minor">
+            <a:schemeClr val="lt1"/>
+          </a:fontRef>
+        </p:style>
+        <p:txBody>
+          <a:bodyPr rtlCol="0" anchor="ctr"/>
+          <a:lstStyle/>
+          <a:p>
+            <a:pPr algn="ctr"/>
+            <a:r>
+              <a:rPr lang="de-AT" dirty="0" err="1" smtClean="0"/>
+              <a:t>Wait</a:t>
+            </a:r>
+            <a:r>
+              <a:rPr lang="de-AT" dirty="0" smtClean="0"/>
+              <a:t> </a:t>
+            </a:r>
+          </a:p>
+          <a:p>
+            <a:pPr algn="ctr"/>
+            <a:r>
+              <a:rPr lang="de-AT" dirty="0" smtClean="0"/>
+              <a:t>2 </a:t>
+            </a:r>
+            <a:r>
+              <a:rPr lang="de-AT" dirty="0" err="1" smtClean="0"/>
+              <a:t>seconds</a:t>
+            </a:r>
+            <a:endParaRPr lang="de-AT" dirty="0"/>
+          </a:p>
+        </p:txBody>
+      </p:sp>
+      <p:sp>
+        <p:nvSpPr>
+          <p:cNvPr id="7" name="Pfeil nach links 6"/>
+          <p:cNvSpPr/>
+          <p:nvPr/>
+        </p:nvSpPr>
+        <p:spPr>
+          <a:xfrm rot="10800000">
+            <a:off x="838199" y="3920419"/>
+            <a:ext cx="6263458" cy="1226501"/>
+          </a:xfrm>
+          <a:prstGeom prst="leftArrow">
+            <a:avLst/>
+          </a:prstGeom>
+        </p:spPr>
+        <p:style>
+          <a:lnRef idx="2">
+            <a:schemeClr val="accent3">
+              <a:shade val="50000"/>
+            </a:schemeClr>
+          </a:lnRef>
+          <a:fillRef idx="1">
+            <a:schemeClr val="accent3"/>
+          </a:fillRef>
+          <a:effectRef idx="0">
+            <a:schemeClr val="accent3"/>
+          </a:effectRef>
+          <a:fontRef idx="minor">
+            <a:schemeClr val="lt1"/>
+          </a:fontRef>
+        </p:style>
+        <p:txBody>
+          <a:bodyPr rtlCol="0" anchor="ctr"/>
+          <a:lstStyle/>
+          <a:p>
+            <a:pPr algn="ctr"/>
+            <a:endParaRPr lang="de-AT"/>
+          </a:p>
+        </p:txBody>
+      </p:sp>
+      <p:sp>
+        <p:nvSpPr>
+          <p:cNvPr id="8" name="Rechteck 7"/>
+          <p:cNvSpPr/>
+          <p:nvPr/>
+        </p:nvSpPr>
+        <p:spPr>
+          <a:xfrm>
+            <a:off x="941321" y="4279977"/>
+            <a:ext cx="301606" cy="489140"/>
+          </a:xfrm>
+          <a:prstGeom prst="rect">
+            <a:avLst/>
+          </a:prstGeom>
+        </p:spPr>
+        <p:style>
+          <a:lnRef idx="2">
+            <a:schemeClr val="accent1">
+              <a:shade val="50000"/>
+            </a:schemeClr>
+          </a:lnRef>
+          <a:fillRef idx="1">
+            <a:schemeClr val="accent1"/>
+          </a:fillRef>
+          <a:effectRef idx="0">
+            <a:schemeClr val="accent1"/>
+          </a:effectRef>
+          <a:fontRef idx="minor">
+            <a:schemeClr val="lt1"/>
+          </a:fontRef>
+        </p:style>
+        <p:txBody>
+          <a:bodyPr rtlCol="0" anchor="ctr"/>
+          <a:lstStyle/>
+          <a:p>
+            <a:pPr algn="ctr"/>
+            <a:endParaRPr lang="de-AT" dirty="0"/>
+          </a:p>
+        </p:txBody>
+      </p:sp>
+      <p:sp>
+        <p:nvSpPr>
+          <p:cNvPr id="9" name="Rechteck 8"/>
+          <p:cNvSpPr/>
+          <p:nvPr/>
+        </p:nvSpPr>
+        <p:spPr>
+          <a:xfrm>
+            <a:off x="1305896" y="4272075"/>
+            <a:ext cx="314837" cy="497042"/>
+          </a:xfrm>
+          <a:prstGeom prst="rect">
+            <a:avLst/>
+          </a:prstGeom>
+        </p:spPr>
+        <p:style>
+          <a:lnRef idx="2">
+            <a:schemeClr val="accent4">
+              <a:shade val="50000"/>
+            </a:schemeClr>
+          </a:lnRef>
+          <a:fillRef idx="1">
+            <a:schemeClr val="accent4"/>
+          </a:fillRef>
+          <a:effectRef idx="0">
+            <a:schemeClr val="accent4"/>
+          </a:effectRef>
+          <a:fontRef idx="minor">
+            <a:schemeClr val="lt1"/>
+          </a:fontRef>
+        </p:style>
+        <p:txBody>
+          <a:bodyPr rtlCol="0" anchor="ctr"/>
+          <a:lstStyle/>
+          <a:p>
+            <a:pPr algn="ctr"/>
+            <a:endParaRPr lang="de-AT" dirty="0"/>
+          </a:p>
+        </p:txBody>
+      </p:sp>
+      <p:sp>
+        <p:nvSpPr>
+          <p:cNvPr id="10" name="Rechteck 9"/>
+          <p:cNvSpPr/>
+          <p:nvPr/>
+        </p:nvSpPr>
+        <p:spPr>
+          <a:xfrm>
+            <a:off x="1683702" y="4285149"/>
+            <a:ext cx="336283" cy="497042"/>
+          </a:xfrm>
+          <a:prstGeom prst="rect">
+            <a:avLst/>
+          </a:prstGeom>
+        </p:spPr>
+        <p:style>
+          <a:lnRef idx="2">
+            <a:schemeClr val="accent6">
+              <a:shade val="50000"/>
+            </a:schemeClr>
+          </a:lnRef>
+          <a:fillRef idx="1">
+            <a:schemeClr val="accent6"/>
+          </a:fillRef>
+          <a:effectRef idx="0">
+            <a:schemeClr val="accent6"/>
+          </a:effectRef>
+          <a:fontRef idx="minor">
+            <a:schemeClr val="lt1"/>
+          </a:fontRef>
+        </p:style>
+        <p:txBody>
+          <a:bodyPr rtlCol="0" anchor="ctr"/>
+          <a:lstStyle/>
+          <a:p>
+            <a:pPr algn="ctr"/>
+            <a:endParaRPr lang="de-AT" dirty="0"/>
+          </a:p>
+        </p:txBody>
+      </p:sp>
+      <p:sp>
+        <p:nvSpPr>
+          <p:cNvPr id="11" name="Titel 1"/>
+          <p:cNvSpPr txBox="1">
+            <a:spLocks/>
           </p:cNvSpPr>
-          <p:nvPr>
-            <p:ph idx="1"/>
-          </p:nvPr>
+          <p:nvPr/>
         </p:nvSpPr>
-        <p:spPr/>
+        <p:spPr>
+          <a:xfrm>
+            <a:off x="798959" y="5330445"/>
+            <a:ext cx="10515600" cy="1325563"/>
+          </a:xfrm>
+          <a:prstGeom prst="rect">
+            <a:avLst/>
+          </a:prstGeom>
+        </p:spPr>
         <p:txBody>
-          <a:bodyPr>
-            <a:normAutofit lnSpcReduction="10000"/>
+          <a:bodyPr vert="horz" lIns="91440" tIns="45720" rIns="91440" bIns="45720" rtlCol="0" anchor="ctr">
+            <a:normAutofit/>
           </a:bodyPr>
+          <a:lstStyle>
+            <a:lvl1pPr algn="l" defTabSz="914400" rtl="0" eaLnBrk="1" latinLnBrk="0" hangingPunct="1">
+              <a:lnSpc>
+                <a:spcPct val="90000"/>
+              </a:lnSpc>
+              <a:spcBef>
+                <a:spcPct val="0"/>
+              </a:spcBef>
+              <a:buNone/>
+              <a:defRPr sz="4400" kern="1200">
+                <a:solidFill>
+                  <a:schemeClr val="tx1"/>
+                </a:solidFill>
+                <a:latin typeface="+mj-lt"/>
+                <a:ea typeface="+mj-ea"/>
+                <a:cs typeface="+mj-cs"/>
+              </a:defRPr>
+            </a:lvl1pPr>
+          </a:lstStyle>
+          <a:p>
+            <a:endParaRPr lang="de-AT" dirty="0"/>
+          </a:p>
+        </p:txBody>
+      </p:sp>
+      <p:sp>
+        <p:nvSpPr>
+          <p:cNvPr id="12" name="Rechteck 11"/>
+          <p:cNvSpPr/>
+          <p:nvPr/>
+        </p:nvSpPr>
+        <p:spPr>
+          <a:xfrm>
+            <a:off x="3524821" y="4279976"/>
+            <a:ext cx="301606" cy="489140"/>
+          </a:xfrm>
+          <a:prstGeom prst="rect">
+            <a:avLst/>
+          </a:prstGeom>
+        </p:spPr>
+        <p:style>
+          <a:lnRef idx="2">
+            <a:schemeClr val="accent1">
+              <a:shade val="50000"/>
+            </a:schemeClr>
+          </a:lnRef>
+          <a:fillRef idx="1">
+            <a:schemeClr val="accent1"/>
+          </a:fillRef>
+          <a:effectRef idx="0">
+            <a:schemeClr val="accent1"/>
+          </a:effectRef>
+          <a:fontRef idx="minor">
+            <a:schemeClr val="lt1"/>
+          </a:fontRef>
+        </p:style>
+        <p:txBody>
+          <a:bodyPr rtlCol="0" anchor="ctr"/>
           <a:lstStyle/>
           <a:p>
-            <a:pPr marL="514350" indent="-514350">
-              <a:buFont typeface="+mj-lt"/>
-              <a:buAutoNum type="arabicPeriod"/>
-            </a:pPr>
-            <a:r>
-              <a:rPr lang="de-AT" dirty="0">
-                <a:solidFill>
-                  <a:schemeClr val="accent6">
-                    <a:lumMod val="60000"/>
-                    <a:lumOff val="40000"/>
-                  </a:schemeClr>
-                </a:solidFill>
-              </a:rPr>
-              <a:t>Basics</a:t>
-            </a:r>
-          </a:p>
-          <a:p>
-            <a:pPr marL="971550" lvl="1" indent="-514350">
-              <a:buFont typeface="+mj-lt"/>
-              <a:buAutoNum type="arabicPeriod"/>
-            </a:pPr>
-            <a:r>
-              <a:rPr lang="de-AT" dirty="0">
-                <a:solidFill>
-                  <a:schemeClr val="accent6">
-                    <a:lumMod val="60000"/>
-                    <a:lumOff val="40000"/>
-                  </a:schemeClr>
-                </a:solidFill>
-              </a:rPr>
-              <a:t>App Manifest </a:t>
-            </a:r>
-          </a:p>
-          <a:p>
-            <a:pPr marL="971550" lvl="1" indent="-514350">
-              <a:buFont typeface="+mj-lt"/>
-              <a:buAutoNum type="arabicPeriod"/>
-            </a:pPr>
-            <a:r>
-              <a:rPr lang="de-AT" dirty="0">
-                <a:solidFill>
-                  <a:schemeClr val="accent6">
-                    <a:lumMod val="60000"/>
-                    <a:lumOff val="40000"/>
-                  </a:schemeClr>
-                </a:solidFill>
-              </a:rPr>
-              <a:t>Service </a:t>
-            </a:r>
-            <a:r>
-              <a:rPr lang="de-AT" dirty="0" err="1">
-                <a:solidFill>
-                  <a:schemeClr val="accent6">
-                    <a:lumMod val="60000"/>
-                    <a:lumOff val="40000"/>
-                  </a:schemeClr>
-                </a:solidFill>
-              </a:rPr>
-              <a:t>Workers</a:t>
-            </a:r>
-            <a:endParaRPr lang="de-AT" dirty="0">
-              <a:solidFill>
-                <a:schemeClr val="accent6">
-                  <a:lumMod val="60000"/>
-                  <a:lumOff val="40000"/>
-                </a:schemeClr>
-              </a:solidFill>
-            </a:endParaRPr>
-          </a:p>
-          <a:p>
-            <a:pPr marL="971550" lvl="1" indent="-514350">
-              <a:buFont typeface="+mj-lt"/>
-              <a:buAutoNum type="arabicPeriod"/>
-            </a:pPr>
-            <a:r>
-              <a:rPr lang="de-AT" dirty="0">
-                <a:solidFill>
-                  <a:schemeClr val="accent6">
-                    <a:lumMod val="60000"/>
-                    <a:lumOff val="40000"/>
-                  </a:schemeClr>
-                </a:solidFill>
-              </a:rPr>
-              <a:t>Installation</a:t>
-            </a:r>
-          </a:p>
-          <a:p>
-            <a:pPr marL="514350" indent="-514350">
-              <a:buFont typeface="+mj-lt"/>
-              <a:buAutoNum type="arabicPeriod"/>
-            </a:pPr>
-            <a:r>
-              <a:rPr lang="de-AT" dirty="0" err="1">
-                <a:solidFill>
-                  <a:schemeClr val="accent6">
-                    <a:lumMod val="60000"/>
-                    <a:lumOff val="40000"/>
-                  </a:schemeClr>
-                </a:solidFill>
-              </a:rPr>
-              <a:t>Promise</a:t>
-            </a:r>
-            <a:r>
-              <a:rPr lang="de-AT" dirty="0">
-                <a:solidFill>
-                  <a:schemeClr val="accent6">
-                    <a:lumMod val="60000"/>
-                    <a:lumOff val="40000"/>
-                  </a:schemeClr>
-                </a:solidFill>
-              </a:rPr>
-              <a:t> </a:t>
-            </a:r>
-            <a:r>
-              <a:rPr lang="de-AT" dirty="0" err="1">
-                <a:solidFill>
-                  <a:schemeClr val="accent6">
-                    <a:lumMod val="60000"/>
-                    <a:lumOff val="40000"/>
-                  </a:schemeClr>
-                </a:solidFill>
-              </a:rPr>
-              <a:t>and</a:t>
-            </a:r>
-            <a:r>
-              <a:rPr lang="de-AT" dirty="0">
-                <a:solidFill>
-                  <a:schemeClr val="accent6">
-                    <a:lumMod val="60000"/>
-                    <a:lumOff val="40000"/>
-                  </a:schemeClr>
-                </a:solidFill>
-              </a:rPr>
-              <a:t> </a:t>
-            </a:r>
-            <a:r>
-              <a:rPr lang="de-AT" dirty="0" err="1">
-                <a:solidFill>
-                  <a:schemeClr val="accent6">
-                    <a:lumMod val="60000"/>
-                    <a:lumOff val="40000"/>
-                  </a:schemeClr>
-                </a:solidFill>
-              </a:rPr>
-              <a:t>Fetch</a:t>
-            </a:r>
-            <a:r>
-              <a:rPr lang="de-AT" dirty="0">
-                <a:solidFill>
-                  <a:schemeClr val="accent6">
-                    <a:lumMod val="60000"/>
-                    <a:lumOff val="40000"/>
-                  </a:schemeClr>
-                </a:solidFill>
-              </a:rPr>
-              <a:t>, Service Worker Caching</a:t>
-            </a:r>
-          </a:p>
-          <a:p>
-            <a:pPr marL="514350" indent="-514350">
-              <a:buFont typeface="+mj-lt"/>
-              <a:buAutoNum type="arabicPeriod"/>
-            </a:pPr>
-            <a:r>
-              <a:rPr lang="de-AT" dirty="0" err="1">
-                <a:solidFill>
-                  <a:schemeClr val="accent6">
-                    <a:lumMod val="60000"/>
-                    <a:lumOff val="40000"/>
-                  </a:schemeClr>
-                </a:solidFill>
-              </a:rPr>
-              <a:t>Advanced</a:t>
-            </a:r>
-            <a:r>
-              <a:rPr lang="de-AT" dirty="0">
-                <a:solidFill>
-                  <a:schemeClr val="accent6">
-                    <a:lumMod val="60000"/>
-                    <a:lumOff val="40000"/>
-                  </a:schemeClr>
-                </a:solidFill>
-              </a:rPr>
-              <a:t> Caching, </a:t>
-            </a:r>
-            <a:r>
-              <a:rPr lang="de-AT" dirty="0" err="1">
-                <a:solidFill>
-                  <a:schemeClr val="accent6">
-                    <a:lumMod val="60000"/>
-                    <a:lumOff val="40000"/>
-                  </a:schemeClr>
-                </a:solidFill>
-              </a:rPr>
-              <a:t>Indexed</a:t>
-            </a:r>
-            <a:r>
-              <a:rPr lang="de-AT" dirty="0">
-                <a:solidFill>
-                  <a:schemeClr val="accent6">
-                    <a:lumMod val="60000"/>
-                    <a:lumOff val="40000"/>
-                  </a:schemeClr>
-                </a:solidFill>
-              </a:rPr>
-              <a:t> DB </a:t>
-            </a:r>
-            <a:r>
-              <a:rPr lang="de-AT" dirty="0" err="1">
-                <a:solidFill>
-                  <a:schemeClr val="accent6">
-                    <a:lumMod val="60000"/>
-                    <a:lumOff val="40000"/>
-                  </a:schemeClr>
-                </a:solidFill>
-              </a:rPr>
-              <a:t>and</a:t>
-            </a:r>
-            <a:r>
-              <a:rPr lang="de-AT" dirty="0">
-                <a:solidFill>
-                  <a:schemeClr val="accent6">
-                    <a:lumMod val="60000"/>
-                    <a:lumOff val="40000"/>
-                  </a:schemeClr>
-                </a:solidFill>
-              </a:rPr>
-              <a:t> Dynamic Data</a:t>
-            </a:r>
-          </a:p>
-          <a:p>
-            <a:pPr marL="514350" indent="-514350">
-              <a:buFont typeface="+mj-lt"/>
-              <a:buAutoNum type="arabicPeriod"/>
-            </a:pPr>
-            <a:r>
-              <a:rPr lang="de-AT" dirty="0" err="1">
-                <a:solidFill>
-                  <a:schemeClr val="accent6">
-                    <a:lumMod val="60000"/>
-                    <a:lumOff val="40000"/>
-                  </a:schemeClr>
-                </a:solidFill>
-              </a:rPr>
-              <a:t>Responsive</a:t>
-            </a:r>
-            <a:r>
-              <a:rPr lang="de-AT" dirty="0">
-                <a:solidFill>
-                  <a:schemeClr val="accent6">
-                    <a:lumMod val="60000"/>
-                    <a:lumOff val="40000"/>
-                  </a:schemeClr>
-                </a:solidFill>
-              </a:rPr>
-              <a:t> UI, Background </a:t>
-            </a:r>
-            <a:r>
-              <a:rPr lang="de-AT" dirty="0" err="1">
-                <a:solidFill>
-                  <a:schemeClr val="accent6">
-                    <a:lumMod val="60000"/>
-                    <a:lumOff val="40000"/>
-                  </a:schemeClr>
-                </a:solidFill>
-              </a:rPr>
-              <a:t>Sync</a:t>
-            </a:r>
-            <a:r>
-              <a:rPr lang="de-AT" dirty="0">
-                <a:solidFill>
-                  <a:schemeClr val="accent6">
-                    <a:lumMod val="60000"/>
-                    <a:lumOff val="40000"/>
-                  </a:schemeClr>
-                </a:solidFill>
-              </a:rPr>
-              <a:t> </a:t>
-            </a:r>
-          </a:p>
-          <a:p>
-            <a:pPr marL="514350" indent="-514350">
-              <a:buFont typeface="+mj-lt"/>
-              <a:buAutoNum type="arabicPeriod"/>
-            </a:pPr>
-            <a:r>
-              <a:rPr lang="de-AT" dirty="0">
-                <a:solidFill>
-                  <a:schemeClr val="accent6">
-                    <a:lumMod val="60000"/>
-                    <a:lumOff val="40000"/>
-                  </a:schemeClr>
-                </a:solidFill>
-              </a:rPr>
-              <a:t>Web Push </a:t>
-            </a:r>
-            <a:r>
-              <a:rPr lang="de-AT" dirty="0" err="1">
-                <a:solidFill>
-                  <a:schemeClr val="accent6">
-                    <a:lumMod val="60000"/>
-                    <a:lumOff val="40000"/>
-                  </a:schemeClr>
-                </a:solidFill>
-              </a:rPr>
-              <a:t>Notifications</a:t>
-            </a:r>
-            <a:r>
-              <a:rPr lang="de-AT" dirty="0">
-                <a:solidFill>
-                  <a:schemeClr val="accent6">
-                    <a:lumMod val="60000"/>
-                    <a:lumOff val="40000"/>
-                  </a:schemeClr>
-                </a:solidFill>
-              </a:rPr>
-              <a:t> </a:t>
-            </a:r>
-          </a:p>
-          <a:p>
-            <a:pPr marL="514350" indent="-514350">
-              <a:buFont typeface="+mj-lt"/>
-              <a:buAutoNum type="arabicPeriod"/>
-            </a:pPr>
-            <a:r>
-              <a:rPr lang="de-AT" dirty="0"/>
-              <a:t>Native Device Features</a:t>
-            </a:r>
-          </a:p>
-          <a:p>
-            <a:pPr marL="514350" indent="-514350">
-              <a:buFont typeface="+mj-lt"/>
-              <a:buAutoNum type="arabicPeriod"/>
-            </a:pPr>
-            <a:r>
-              <a:rPr lang="de-AT" dirty="0">
-                <a:solidFill>
-                  <a:schemeClr val="bg1">
-                    <a:lumMod val="85000"/>
-                  </a:schemeClr>
-                </a:solidFill>
-              </a:rPr>
-              <a:t>Round </a:t>
-            </a:r>
-            <a:r>
-              <a:rPr lang="de-AT" dirty="0" err="1">
-                <a:solidFill>
-                  <a:schemeClr val="bg1">
-                    <a:lumMod val="85000"/>
-                  </a:schemeClr>
-                </a:solidFill>
-              </a:rPr>
-              <a:t>Up</a:t>
-            </a:r>
-            <a:r>
-              <a:rPr lang="de-AT" dirty="0">
-                <a:solidFill>
-                  <a:schemeClr val="bg1">
-                    <a:lumMod val="85000"/>
-                  </a:schemeClr>
-                </a:solidFill>
-              </a:rPr>
-              <a:t> &amp; Quiz</a:t>
-            </a:r>
-          </a:p>
-          <a:p>
+            <a:pPr algn="ctr"/>
+            <a:endParaRPr lang="de-AT" dirty="0"/>
+          </a:p>
+        </p:txBody>
+      </p:sp>
+      <p:sp>
+        <p:nvSpPr>
+          <p:cNvPr id="13" name="Rechteck 12"/>
+          <p:cNvSpPr/>
+          <p:nvPr/>
+        </p:nvSpPr>
+        <p:spPr>
+          <a:xfrm>
+            <a:off x="4146741" y="4272074"/>
+            <a:ext cx="314837" cy="497042"/>
+          </a:xfrm>
+          <a:prstGeom prst="rect">
+            <a:avLst/>
+          </a:prstGeom>
+        </p:spPr>
+        <p:style>
+          <a:lnRef idx="2">
+            <a:schemeClr val="accent4">
+              <a:shade val="50000"/>
+            </a:schemeClr>
+          </a:lnRef>
+          <a:fillRef idx="1">
+            <a:schemeClr val="accent4"/>
+          </a:fillRef>
+          <a:effectRef idx="0">
+            <a:schemeClr val="accent4"/>
+          </a:effectRef>
+          <a:fontRef idx="minor">
+            <a:schemeClr val="lt1"/>
+          </a:fontRef>
+        </p:style>
+        <p:txBody>
+          <a:bodyPr rtlCol="0" anchor="ctr"/>
+          <a:lstStyle/>
+          <a:p>
+            <a:pPr algn="ctr"/>
+            <a:endParaRPr lang="de-AT" dirty="0"/>
+          </a:p>
+        </p:txBody>
+      </p:sp>
+      <p:sp>
+        <p:nvSpPr>
+          <p:cNvPr id="14" name="Rechteck 13"/>
+          <p:cNvSpPr/>
+          <p:nvPr/>
+        </p:nvSpPr>
+        <p:spPr>
+          <a:xfrm>
+            <a:off x="6064746" y="4285149"/>
+            <a:ext cx="336283" cy="497042"/>
+          </a:xfrm>
+          <a:prstGeom prst="rect">
+            <a:avLst/>
+          </a:prstGeom>
+        </p:spPr>
+        <p:style>
+          <a:lnRef idx="2">
+            <a:schemeClr val="accent6">
+              <a:shade val="50000"/>
+            </a:schemeClr>
+          </a:lnRef>
+          <a:fillRef idx="1">
+            <a:schemeClr val="accent6"/>
+          </a:fillRef>
+          <a:effectRef idx="0">
+            <a:schemeClr val="accent6"/>
+          </a:effectRef>
+          <a:fontRef idx="minor">
+            <a:schemeClr val="lt1"/>
+          </a:fontRef>
+        </p:style>
+        <p:txBody>
+          <a:bodyPr rtlCol="0" anchor="ctr"/>
+          <a:lstStyle/>
+          <a:p>
+            <a:pPr algn="ctr"/>
+            <a:endParaRPr lang="de-AT" dirty="0"/>
+          </a:p>
+        </p:txBody>
+      </p:sp>
+      <p:sp>
+        <p:nvSpPr>
+          <p:cNvPr id="15" name="Rechteck 14"/>
+          <p:cNvSpPr/>
+          <p:nvPr/>
+        </p:nvSpPr>
+        <p:spPr>
+          <a:xfrm>
+            <a:off x="2058542" y="4272074"/>
+            <a:ext cx="1422704" cy="497042"/>
+          </a:xfrm>
+          <a:prstGeom prst="rect">
+            <a:avLst/>
+          </a:prstGeom>
+        </p:spPr>
+        <p:style>
+          <a:lnRef idx="2">
+            <a:schemeClr val="accent3"/>
+          </a:lnRef>
+          <a:fillRef idx="1">
+            <a:schemeClr val="lt1"/>
+          </a:fillRef>
+          <a:effectRef idx="0">
+            <a:schemeClr val="accent3"/>
+          </a:effectRef>
+          <a:fontRef idx="minor">
+            <a:schemeClr val="dk1"/>
+          </a:fontRef>
+        </p:style>
+        <p:txBody>
+          <a:bodyPr rtlCol="0" anchor="ctr"/>
+          <a:lstStyle/>
+          <a:p>
+            <a:pPr algn="ctr"/>
+            <a:endParaRPr lang="de-AT" dirty="0"/>
+          </a:p>
+        </p:txBody>
+      </p:sp>
+      <p:sp>
+        <p:nvSpPr>
+          <p:cNvPr id="16" name="Rechteck 15"/>
+          <p:cNvSpPr/>
+          <p:nvPr/>
+        </p:nvSpPr>
+        <p:spPr>
+          <a:xfrm>
+            <a:off x="4491921" y="4272074"/>
+            <a:ext cx="1525597" cy="497042"/>
+          </a:xfrm>
+          <a:prstGeom prst="rect">
+            <a:avLst/>
+          </a:prstGeom>
+        </p:spPr>
+        <p:style>
+          <a:lnRef idx="2">
+            <a:schemeClr val="accent3"/>
+          </a:lnRef>
+          <a:fillRef idx="1">
+            <a:schemeClr val="lt1"/>
+          </a:fillRef>
+          <a:effectRef idx="0">
+            <a:schemeClr val="accent3"/>
+          </a:effectRef>
+          <a:fontRef idx="minor">
+            <a:schemeClr val="dk1"/>
+          </a:fontRef>
+        </p:style>
+        <p:txBody>
+          <a:bodyPr rtlCol="0" anchor="ctr"/>
+          <a:lstStyle/>
+          <a:p>
+            <a:pPr algn="ctr"/>
+            <a:endParaRPr lang="de-AT" dirty="0"/>
+          </a:p>
+        </p:txBody>
+      </p:sp>
+      <p:sp>
+        <p:nvSpPr>
+          <p:cNvPr id="17" name="Rechteck 16"/>
+          <p:cNvSpPr/>
+          <p:nvPr/>
+        </p:nvSpPr>
+        <p:spPr>
+          <a:xfrm>
+            <a:off x="3870002" y="4272074"/>
+            <a:ext cx="229511" cy="497042"/>
+          </a:xfrm>
+          <a:prstGeom prst="rect">
+            <a:avLst/>
+          </a:prstGeom>
+        </p:spPr>
+        <p:style>
+          <a:lnRef idx="2">
+            <a:schemeClr val="accent3"/>
+          </a:lnRef>
+          <a:fillRef idx="1">
+            <a:schemeClr val="lt1"/>
+          </a:fillRef>
+          <a:effectRef idx="0">
+            <a:schemeClr val="accent3"/>
+          </a:effectRef>
+          <a:fontRef idx="minor">
+            <a:schemeClr val="dk1"/>
+          </a:fontRef>
+        </p:style>
+        <p:txBody>
+          <a:bodyPr rtlCol="0" anchor="ctr"/>
+          <a:lstStyle/>
+          <a:p>
+            <a:pPr algn="ctr"/>
             <a:endParaRPr lang="de-AT" dirty="0"/>
           </a:p>
         </p:txBody>
@@ -17363,7 +16651,7 @@
     </p:spTree>
     <p:extLst>
       <p:ext uri="{BB962C8B-B14F-4D97-AF65-F5344CB8AC3E}">
-        <p14:creationId xmlns:p14="http://schemas.microsoft.com/office/powerpoint/2010/main" val="1796238282"/>
+        <p14:creationId xmlns:p14="http://schemas.microsoft.com/office/powerpoint/2010/main" val="2259206661"/>
       </p:ext>
     </p:extLst>
   </p:cSld>
@@ -17406,392 +16694,190 @@
           <a:lstStyle/>
           <a:p>
             <a:r>
-              <a:rPr lang="de-AT" dirty="0"/>
-              <a:t>Outline</a:t>
-            </a:r>
+              <a:rPr lang="de-AT" dirty="0" smtClean="0"/>
+              <a:t>Callback Demo</a:t>
+            </a:r>
+            <a:endParaRPr lang="de-AT" dirty="0"/>
           </a:p>
         </p:txBody>
       </p:sp>
       <p:sp>
         <p:nvSpPr>
-          <p:cNvPr id="3" name="Inhaltsplatzhalter 2"/>
-          <p:cNvSpPr>
-            <a:spLocks noGrp="1"/>
-          </p:cNvSpPr>
-          <p:nvPr>
-            <p:ph idx="1"/>
-          </p:nvPr>
+          <p:cNvPr id="6" name="Textfeld 5"/>
+          <p:cNvSpPr txBox="1"/>
+          <p:nvPr/>
         </p:nvSpPr>
-        <p:spPr/>
+        <p:spPr>
+          <a:xfrm>
+            <a:off x="838200" y="1610741"/>
+            <a:ext cx="10515600" cy="2308324"/>
+          </a:xfrm>
+          <a:prstGeom prst="rect">
+            <a:avLst/>
+          </a:prstGeom>
+          <a:solidFill>
+            <a:schemeClr val="tx1"/>
+          </a:solidFill>
+        </p:spPr>
         <p:txBody>
-          <a:bodyPr>
-            <a:normAutofit lnSpcReduction="10000"/>
+          <a:bodyPr wrap="square" rtlCol="0">
+            <a:spAutoFit/>
           </a:bodyPr>
           <a:lstStyle/>
           <a:p>
-            <a:pPr marL="514350" indent="-514350">
-              <a:buFont typeface="+mj-lt"/>
-              <a:buAutoNum type="arabicPeriod"/>
-            </a:pPr>
-            <a:r>
-              <a:rPr lang="de-AT" dirty="0">
-                <a:solidFill>
-                  <a:schemeClr val="accent6">
-                    <a:lumMod val="60000"/>
-                    <a:lumOff val="40000"/>
-                  </a:schemeClr>
-                </a:solidFill>
-              </a:rPr>
-              <a:t>Basics</a:t>
-            </a:r>
-          </a:p>
-          <a:p>
-            <a:pPr marL="971550" lvl="1" indent="-514350">
-              <a:buFont typeface="+mj-lt"/>
-              <a:buAutoNum type="arabicPeriod"/>
-            </a:pPr>
-            <a:r>
-              <a:rPr lang="de-AT" dirty="0">
-                <a:solidFill>
-                  <a:schemeClr val="accent6">
-                    <a:lumMod val="60000"/>
-                    <a:lumOff val="40000"/>
-                  </a:schemeClr>
-                </a:solidFill>
-              </a:rPr>
-              <a:t>App Manifest </a:t>
-            </a:r>
-          </a:p>
-          <a:p>
-            <a:pPr marL="971550" lvl="1" indent="-514350">
-              <a:buFont typeface="+mj-lt"/>
-              <a:buAutoNum type="arabicPeriod"/>
-            </a:pPr>
-            <a:r>
-              <a:rPr lang="de-AT" dirty="0">
-                <a:solidFill>
-                  <a:schemeClr val="accent6">
-                    <a:lumMod val="60000"/>
-                    <a:lumOff val="40000"/>
-                  </a:schemeClr>
-                </a:solidFill>
-              </a:rPr>
-              <a:t>Service </a:t>
-            </a:r>
-            <a:r>
-              <a:rPr lang="de-AT" dirty="0" err="1">
-                <a:solidFill>
-                  <a:schemeClr val="accent6">
-                    <a:lumMod val="60000"/>
-                    <a:lumOff val="40000"/>
-                  </a:schemeClr>
-                </a:solidFill>
-              </a:rPr>
-              <a:t>Workers</a:t>
+            <a:r>
+              <a:rPr lang="de-AT" dirty="0">
+                <a:solidFill>
+                  <a:schemeClr val="bg1"/>
+                </a:solidFill>
+              </a:rPr>
+              <a:t>console.log("BEFORE TIMEOUT!")</a:t>
+            </a:r>
+          </a:p>
+          <a:p>
+            <a:r>
+              <a:rPr lang="de-AT" dirty="0">
+                <a:solidFill>
+                  <a:schemeClr val="bg1"/>
+                </a:solidFill>
+              </a:rPr>
+              <a:t/>
+            </a:r>
+            <a:br>
+              <a:rPr lang="de-AT" dirty="0">
+                <a:solidFill>
+                  <a:schemeClr val="bg1"/>
+                </a:solidFill>
+              </a:rPr>
+            </a:br>
+            <a:r>
+              <a:rPr lang="de-AT" dirty="0" err="1" smtClean="0">
+                <a:solidFill>
+                  <a:schemeClr val="bg1"/>
+                </a:solidFill>
+              </a:rPr>
+              <a:t>setTimeout</a:t>
+            </a:r>
+            <a:r>
+              <a:rPr lang="de-AT" dirty="0" smtClean="0">
+                <a:solidFill>
+                  <a:schemeClr val="bg1"/>
+                </a:solidFill>
+              </a:rPr>
+              <a:t>(</a:t>
+            </a:r>
+            <a:r>
+              <a:rPr lang="de-AT" dirty="0" err="1" smtClean="0">
+                <a:solidFill>
+                  <a:schemeClr val="bg1"/>
+                </a:solidFill>
+              </a:rPr>
+              <a:t>function</a:t>
+            </a:r>
+            <a:r>
+              <a:rPr lang="de-AT" dirty="0">
+                <a:solidFill>
+                  <a:schemeClr val="bg1"/>
+                </a:solidFill>
+              </a:rPr>
+              <a:t>() {</a:t>
+            </a:r>
+          </a:p>
+          <a:p>
+            <a:r>
+              <a:rPr lang="de-AT" dirty="0">
+                <a:solidFill>
+                  <a:schemeClr val="bg1"/>
+                </a:solidFill>
+              </a:rPr>
+              <a:t>        </a:t>
+            </a:r>
+            <a:r>
+              <a:rPr lang="de-AT" dirty="0" smtClean="0">
+                <a:solidFill>
+                  <a:schemeClr val="bg1"/>
+                </a:solidFill>
+              </a:rPr>
+              <a:t>console.log("</a:t>
+            </a:r>
+            <a:r>
+              <a:rPr lang="de-AT" dirty="0">
+                <a:solidFill>
+                  <a:schemeClr val="bg1"/>
+                </a:solidFill>
+              </a:rPr>
+              <a:t>TIMEOUT COMPLETE")</a:t>
+            </a:r>
+          </a:p>
+          <a:p>
+            <a:r>
+              <a:rPr lang="de-AT" dirty="0" smtClean="0">
+                <a:solidFill>
+                  <a:schemeClr val="bg1"/>
+                </a:solidFill>
+              </a:rPr>
+              <a:t>}, </a:t>
+            </a:r>
+            <a:r>
+              <a:rPr lang="de-AT" dirty="0">
+                <a:solidFill>
+                  <a:schemeClr val="bg1"/>
+                </a:solidFill>
+              </a:rPr>
+              <a:t>3000</a:t>
+            </a:r>
+            <a:r>
+              <a:rPr lang="de-AT" dirty="0" smtClean="0">
+                <a:solidFill>
+                  <a:schemeClr val="bg1"/>
+                </a:solidFill>
+              </a:rPr>
+              <a:t>);</a:t>
             </a:r>
             <a:endParaRPr lang="de-AT" dirty="0">
               <a:solidFill>
-                <a:schemeClr val="accent6">
-                  <a:lumMod val="60000"/>
-                  <a:lumOff val="40000"/>
-                </a:schemeClr>
+                <a:schemeClr val="bg1"/>
               </a:solidFill>
             </a:endParaRPr>
           </a:p>
           <a:p>
-            <a:pPr marL="971550" lvl="1" indent="-514350">
-              <a:buFont typeface="+mj-lt"/>
-              <a:buAutoNum type="arabicPeriod"/>
-            </a:pPr>
-            <a:r>
-              <a:rPr lang="de-AT" dirty="0">
-                <a:solidFill>
-                  <a:schemeClr val="accent6">
-                    <a:lumMod val="60000"/>
-                    <a:lumOff val="40000"/>
-                  </a:schemeClr>
-                </a:solidFill>
-              </a:rPr>
-              <a:t>Installation</a:t>
-            </a:r>
-          </a:p>
-          <a:p>
-            <a:pPr marL="514350" indent="-514350">
-              <a:buFont typeface="+mj-lt"/>
-              <a:buAutoNum type="arabicPeriod"/>
-            </a:pPr>
-            <a:r>
-              <a:rPr lang="de-AT" dirty="0" err="1">
-                <a:solidFill>
-                  <a:schemeClr val="accent6">
-                    <a:lumMod val="60000"/>
-                    <a:lumOff val="40000"/>
-                  </a:schemeClr>
-                </a:solidFill>
-              </a:rPr>
-              <a:t>Promise</a:t>
-            </a:r>
-            <a:r>
-              <a:rPr lang="de-AT" dirty="0">
-                <a:solidFill>
-                  <a:schemeClr val="accent6">
-                    <a:lumMod val="60000"/>
-                    <a:lumOff val="40000"/>
-                  </a:schemeClr>
-                </a:solidFill>
-              </a:rPr>
-              <a:t> </a:t>
-            </a:r>
-            <a:r>
-              <a:rPr lang="de-AT" dirty="0" err="1">
-                <a:solidFill>
-                  <a:schemeClr val="accent6">
-                    <a:lumMod val="60000"/>
-                    <a:lumOff val="40000"/>
-                  </a:schemeClr>
-                </a:solidFill>
-              </a:rPr>
-              <a:t>and</a:t>
-            </a:r>
-            <a:r>
-              <a:rPr lang="de-AT" dirty="0">
-                <a:solidFill>
-                  <a:schemeClr val="accent6">
-                    <a:lumMod val="60000"/>
-                    <a:lumOff val="40000"/>
-                  </a:schemeClr>
-                </a:solidFill>
-              </a:rPr>
-              <a:t> </a:t>
-            </a:r>
-            <a:r>
-              <a:rPr lang="de-AT" dirty="0" err="1">
-                <a:solidFill>
-                  <a:schemeClr val="accent6">
-                    <a:lumMod val="60000"/>
-                    <a:lumOff val="40000"/>
-                  </a:schemeClr>
-                </a:solidFill>
-              </a:rPr>
-              <a:t>Fetch</a:t>
-            </a:r>
-            <a:r>
-              <a:rPr lang="de-AT" dirty="0">
-                <a:solidFill>
-                  <a:schemeClr val="accent6">
-                    <a:lumMod val="60000"/>
-                    <a:lumOff val="40000"/>
-                  </a:schemeClr>
-                </a:solidFill>
-              </a:rPr>
-              <a:t>, Service Worker Caching</a:t>
-            </a:r>
-          </a:p>
-          <a:p>
-            <a:pPr marL="514350" indent="-514350">
-              <a:buFont typeface="+mj-lt"/>
-              <a:buAutoNum type="arabicPeriod"/>
-            </a:pPr>
-            <a:r>
-              <a:rPr lang="de-AT" dirty="0" err="1">
-                <a:solidFill>
-                  <a:schemeClr val="accent6">
-                    <a:lumMod val="60000"/>
-                    <a:lumOff val="40000"/>
-                  </a:schemeClr>
-                </a:solidFill>
-              </a:rPr>
-              <a:t>Advanced</a:t>
-            </a:r>
-            <a:r>
-              <a:rPr lang="de-AT" dirty="0">
-                <a:solidFill>
-                  <a:schemeClr val="accent6">
-                    <a:lumMod val="60000"/>
-                    <a:lumOff val="40000"/>
-                  </a:schemeClr>
-                </a:solidFill>
-              </a:rPr>
-              <a:t> Caching, </a:t>
-            </a:r>
-            <a:r>
-              <a:rPr lang="de-AT" dirty="0" err="1">
-                <a:solidFill>
-                  <a:schemeClr val="accent6">
-                    <a:lumMod val="60000"/>
-                    <a:lumOff val="40000"/>
-                  </a:schemeClr>
-                </a:solidFill>
-              </a:rPr>
-              <a:t>Indexed</a:t>
-            </a:r>
-            <a:r>
-              <a:rPr lang="de-AT" dirty="0">
-                <a:solidFill>
-                  <a:schemeClr val="accent6">
-                    <a:lumMod val="60000"/>
-                    <a:lumOff val="40000"/>
-                  </a:schemeClr>
-                </a:solidFill>
-              </a:rPr>
-              <a:t> DB </a:t>
-            </a:r>
-            <a:r>
-              <a:rPr lang="de-AT" dirty="0" err="1">
-                <a:solidFill>
-                  <a:schemeClr val="accent6">
-                    <a:lumMod val="60000"/>
-                    <a:lumOff val="40000"/>
-                  </a:schemeClr>
-                </a:solidFill>
-              </a:rPr>
-              <a:t>and</a:t>
-            </a:r>
-            <a:r>
-              <a:rPr lang="de-AT" dirty="0">
-                <a:solidFill>
-                  <a:schemeClr val="accent6">
-                    <a:lumMod val="60000"/>
-                    <a:lumOff val="40000"/>
-                  </a:schemeClr>
-                </a:solidFill>
-              </a:rPr>
-              <a:t> Dynamic Data</a:t>
-            </a:r>
-          </a:p>
-          <a:p>
-            <a:pPr marL="514350" indent="-514350">
-              <a:buFont typeface="+mj-lt"/>
-              <a:buAutoNum type="arabicPeriod"/>
-            </a:pPr>
-            <a:r>
-              <a:rPr lang="de-AT" dirty="0" err="1">
-                <a:solidFill>
-                  <a:schemeClr val="accent6">
-                    <a:lumMod val="60000"/>
-                    <a:lumOff val="40000"/>
-                  </a:schemeClr>
-                </a:solidFill>
-              </a:rPr>
-              <a:t>Responsive</a:t>
-            </a:r>
-            <a:r>
-              <a:rPr lang="de-AT" dirty="0">
-                <a:solidFill>
-                  <a:schemeClr val="accent6">
-                    <a:lumMod val="60000"/>
-                    <a:lumOff val="40000"/>
-                  </a:schemeClr>
-                </a:solidFill>
-              </a:rPr>
-              <a:t> UI, Background </a:t>
-            </a:r>
-            <a:r>
-              <a:rPr lang="de-AT" dirty="0" err="1">
-                <a:solidFill>
-                  <a:schemeClr val="accent6">
-                    <a:lumMod val="60000"/>
-                    <a:lumOff val="40000"/>
-                  </a:schemeClr>
-                </a:solidFill>
-              </a:rPr>
-              <a:t>Sync</a:t>
-            </a:r>
-            <a:r>
-              <a:rPr lang="de-AT" dirty="0">
-                <a:solidFill>
-                  <a:schemeClr val="accent6">
-                    <a:lumMod val="60000"/>
-                    <a:lumOff val="40000"/>
-                  </a:schemeClr>
-                </a:solidFill>
-              </a:rPr>
-              <a:t> </a:t>
-            </a:r>
-          </a:p>
-          <a:p>
-            <a:pPr marL="514350" indent="-514350">
-              <a:buFont typeface="+mj-lt"/>
-              <a:buAutoNum type="arabicPeriod"/>
-            </a:pPr>
-            <a:r>
-              <a:rPr lang="de-AT" dirty="0">
-                <a:solidFill>
-                  <a:schemeClr val="accent6">
-                    <a:lumMod val="60000"/>
-                    <a:lumOff val="40000"/>
-                  </a:schemeClr>
-                </a:solidFill>
-              </a:rPr>
-              <a:t>Web Push </a:t>
-            </a:r>
-            <a:r>
-              <a:rPr lang="de-AT" dirty="0" err="1">
-                <a:solidFill>
-                  <a:schemeClr val="accent6">
-                    <a:lumMod val="60000"/>
-                    <a:lumOff val="40000"/>
-                  </a:schemeClr>
-                </a:solidFill>
-              </a:rPr>
-              <a:t>Notifications</a:t>
-            </a:r>
-            <a:r>
-              <a:rPr lang="de-AT" dirty="0">
-                <a:solidFill>
-                  <a:schemeClr val="accent6">
-                    <a:lumMod val="60000"/>
-                    <a:lumOff val="40000"/>
-                  </a:schemeClr>
-                </a:solidFill>
-              </a:rPr>
-              <a:t> </a:t>
-            </a:r>
-          </a:p>
-          <a:p>
-            <a:pPr marL="514350" indent="-514350">
-              <a:buFont typeface="+mj-lt"/>
-              <a:buAutoNum type="arabicPeriod"/>
-            </a:pPr>
-            <a:r>
-              <a:rPr lang="de-AT" dirty="0">
-                <a:solidFill>
-                  <a:schemeClr val="accent6">
-                    <a:lumMod val="60000"/>
-                    <a:lumOff val="40000"/>
-                  </a:schemeClr>
-                </a:solidFill>
-              </a:rPr>
-              <a:t>Native Device Features</a:t>
-            </a:r>
-          </a:p>
-          <a:p>
-            <a:pPr marL="514350" indent="-514350">
-              <a:buFont typeface="+mj-lt"/>
-              <a:buAutoNum type="arabicPeriod"/>
-            </a:pPr>
-            <a:r>
-              <a:rPr lang="de-AT" dirty="0"/>
-              <a:t>Round </a:t>
-            </a:r>
-            <a:r>
-              <a:rPr lang="de-AT" dirty="0" err="1"/>
-              <a:t>Up</a:t>
-            </a:r>
-            <a:r>
-              <a:rPr lang="de-AT" dirty="0"/>
-              <a:t> &amp; Quiz</a:t>
-            </a:r>
-          </a:p>
-          <a:p>
-            <a:endParaRPr lang="de-AT" dirty="0"/>
+            <a:r>
+              <a:rPr lang="de-AT" dirty="0">
+                <a:solidFill>
+                  <a:schemeClr val="bg1"/>
+                </a:solidFill>
+              </a:rPr>
+              <a:t/>
+            </a:r>
+            <a:br>
+              <a:rPr lang="de-AT" dirty="0">
+                <a:solidFill>
+                  <a:schemeClr val="bg1"/>
+                </a:solidFill>
+              </a:rPr>
+            </a:br>
+            <a:r>
+              <a:rPr lang="de-AT" dirty="0">
+                <a:solidFill>
+                  <a:schemeClr val="bg1"/>
+                </a:solidFill>
+              </a:rPr>
+              <a:t>console.log("AFTER TIMEOUT!")</a:t>
+            </a:r>
+          </a:p>
+          <a:p>
+            <a:endParaRPr lang="de-AT" dirty="0">
+              <a:solidFill>
+                <a:schemeClr val="bg1"/>
+              </a:solidFill>
+            </a:endParaRPr>
           </a:p>
         </p:txBody>
       </p:sp>
     </p:spTree>
     <p:extLst>
       <p:ext uri="{BB962C8B-B14F-4D97-AF65-F5344CB8AC3E}">
-        <p14:creationId xmlns:p14="http://schemas.microsoft.com/office/powerpoint/2010/main" val="2022339406"/>
+        <p14:creationId xmlns:p14="http://schemas.microsoft.com/office/powerpoint/2010/main" val="2490258542"/>
       </p:ext>
     </p:extLst>
   </p:cSld>
@@ -17834,9 +16920,517 @@
           <a:lstStyle/>
           <a:p>
             <a:r>
-              <a:rPr lang="de-AT" dirty="0"/>
-              <a:t>Backend</a:t>
-            </a:r>
+              <a:rPr lang="de-AT" dirty="0" err="1" smtClean="0"/>
+              <a:t>Promise</a:t>
+            </a:r>
+            <a:r>
+              <a:rPr lang="de-AT" dirty="0" smtClean="0"/>
+              <a:t> Demo</a:t>
+            </a:r>
+            <a:endParaRPr lang="de-AT" dirty="0"/>
+          </a:p>
+        </p:txBody>
+      </p:sp>
+      <p:sp>
+        <p:nvSpPr>
+          <p:cNvPr id="6" name="Textfeld 5"/>
+          <p:cNvSpPr txBox="1"/>
+          <p:nvPr/>
+        </p:nvSpPr>
+        <p:spPr>
+          <a:xfrm>
+            <a:off x="838200" y="1610741"/>
+            <a:ext cx="10515600" cy="3970318"/>
+          </a:xfrm>
+          <a:prstGeom prst="rect">
+            <a:avLst/>
+          </a:prstGeom>
+          <a:solidFill>
+            <a:schemeClr val="tx1"/>
+          </a:solidFill>
+        </p:spPr>
+        <p:txBody>
+          <a:bodyPr wrap="square" rtlCol="0">
+            <a:spAutoFit/>
+          </a:bodyPr>
+          <a:lstStyle/>
+          <a:p>
+            <a:r>
+              <a:rPr lang="de-AT" dirty="0">
+                <a:solidFill>
+                  <a:schemeClr val="bg1"/>
+                </a:solidFill>
+              </a:rPr>
+              <a:t>console.log('BEFORE TIMEOUT!')</a:t>
+            </a:r>
+          </a:p>
+          <a:p>
+            <a:r>
+              <a:rPr lang="de-AT" dirty="0">
+                <a:solidFill>
+                  <a:schemeClr val="bg1"/>
+                </a:solidFill>
+              </a:rPr>
+              <a:t/>
+            </a:r>
+            <a:br>
+              <a:rPr lang="de-AT" dirty="0">
+                <a:solidFill>
+                  <a:schemeClr val="bg1"/>
+                </a:solidFill>
+              </a:rPr>
+            </a:br>
+            <a:r>
+              <a:rPr lang="de-AT" dirty="0" err="1">
+                <a:solidFill>
+                  <a:schemeClr val="bg1"/>
+                </a:solidFill>
+              </a:rPr>
+              <a:t>var</a:t>
+            </a:r>
+            <a:r>
+              <a:rPr lang="de-AT" dirty="0">
+                <a:solidFill>
+                  <a:schemeClr val="bg1"/>
+                </a:solidFill>
+              </a:rPr>
+              <a:t> </a:t>
+            </a:r>
+            <a:r>
+              <a:rPr lang="de-AT" dirty="0" err="1">
+                <a:solidFill>
+                  <a:schemeClr val="bg1"/>
+                </a:solidFill>
+              </a:rPr>
+              <a:t>promise</a:t>
+            </a:r>
+            <a:r>
+              <a:rPr lang="de-AT" dirty="0">
+                <a:solidFill>
+                  <a:schemeClr val="bg1"/>
+                </a:solidFill>
+              </a:rPr>
+              <a:t> = </a:t>
+            </a:r>
+            <a:r>
+              <a:rPr lang="de-AT" dirty="0" err="1">
+                <a:solidFill>
+                  <a:schemeClr val="bg1"/>
+                </a:solidFill>
+              </a:rPr>
+              <a:t>new</a:t>
+            </a:r>
+            <a:r>
+              <a:rPr lang="de-AT" dirty="0">
+                <a:solidFill>
+                  <a:schemeClr val="bg1"/>
+                </a:solidFill>
+              </a:rPr>
+              <a:t> </a:t>
+            </a:r>
+            <a:r>
+              <a:rPr lang="de-AT" dirty="0" err="1">
+                <a:solidFill>
+                  <a:schemeClr val="bg1"/>
+                </a:solidFill>
+              </a:rPr>
+              <a:t>Promise</a:t>
+            </a:r>
+            <a:r>
+              <a:rPr lang="de-AT" dirty="0">
+                <a:solidFill>
+                  <a:schemeClr val="bg1"/>
+                </a:solidFill>
+              </a:rPr>
+              <a:t>(</a:t>
+            </a:r>
+            <a:r>
+              <a:rPr lang="de-AT" dirty="0" err="1">
+                <a:solidFill>
+                  <a:schemeClr val="bg1"/>
+                </a:solidFill>
+              </a:rPr>
+              <a:t>function</a:t>
+            </a:r>
+            <a:r>
+              <a:rPr lang="de-AT" dirty="0">
+                <a:solidFill>
+                  <a:schemeClr val="bg1"/>
+                </a:solidFill>
+              </a:rPr>
+              <a:t>(</a:t>
+            </a:r>
+            <a:r>
+              <a:rPr lang="de-AT" dirty="0" err="1">
+                <a:solidFill>
+                  <a:schemeClr val="bg1"/>
+                </a:solidFill>
+              </a:rPr>
+              <a:t>resolve</a:t>
+            </a:r>
+            <a:r>
+              <a:rPr lang="de-AT" dirty="0">
+                <a:solidFill>
+                  <a:schemeClr val="bg1"/>
+                </a:solidFill>
+              </a:rPr>
+              <a:t>, </a:t>
+            </a:r>
+            <a:r>
+              <a:rPr lang="de-AT" dirty="0" err="1">
+                <a:solidFill>
+                  <a:schemeClr val="bg1"/>
+                </a:solidFill>
+              </a:rPr>
+              <a:t>reject</a:t>
+            </a:r>
+            <a:r>
+              <a:rPr lang="de-AT" dirty="0">
+                <a:solidFill>
+                  <a:schemeClr val="bg1"/>
+                </a:solidFill>
+              </a:rPr>
+              <a:t>) {</a:t>
+            </a:r>
+          </a:p>
+          <a:p>
+            <a:r>
+              <a:rPr lang="de-AT" dirty="0">
+                <a:solidFill>
+                  <a:schemeClr val="bg1"/>
+                </a:solidFill>
+              </a:rPr>
+              <a:t>    </a:t>
+            </a:r>
+            <a:r>
+              <a:rPr lang="de-AT" dirty="0" err="1">
+                <a:solidFill>
+                  <a:schemeClr val="bg1"/>
+                </a:solidFill>
+              </a:rPr>
+              <a:t>setTimeout</a:t>
+            </a:r>
+            <a:r>
+              <a:rPr lang="de-AT" dirty="0">
+                <a:solidFill>
+                  <a:schemeClr val="bg1"/>
+                </a:solidFill>
+              </a:rPr>
+              <a:t>(</a:t>
+            </a:r>
+            <a:r>
+              <a:rPr lang="de-AT" dirty="0" err="1">
+                <a:solidFill>
+                  <a:schemeClr val="bg1"/>
+                </a:solidFill>
+              </a:rPr>
+              <a:t>function</a:t>
+            </a:r>
+            <a:r>
+              <a:rPr lang="de-AT" dirty="0">
+                <a:solidFill>
+                  <a:schemeClr val="bg1"/>
+                </a:solidFill>
+              </a:rPr>
+              <a:t>() {</a:t>
+            </a:r>
+          </a:p>
+          <a:p>
+            <a:r>
+              <a:rPr lang="de-AT" dirty="0">
+                <a:solidFill>
+                  <a:schemeClr val="bg1"/>
+                </a:solidFill>
+              </a:rPr>
+              <a:t>        </a:t>
+            </a:r>
+            <a:r>
+              <a:rPr lang="de-AT" dirty="0" err="1">
+                <a:solidFill>
+                  <a:schemeClr val="bg1"/>
+                </a:solidFill>
+              </a:rPr>
+              <a:t>resolve</a:t>
+            </a:r>
+            <a:r>
+              <a:rPr lang="de-AT" dirty="0">
+                <a:solidFill>
+                  <a:schemeClr val="bg1"/>
+                </a:solidFill>
+              </a:rPr>
+              <a:t>('TIMEOUT COMPLETE')</a:t>
+            </a:r>
+          </a:p>
+          <a:p>
+            <a:r>
+              <a:rPr lang="de-AT" dirty="0">
+                <a:solidFill>
+                  <a:schemeClr val="bg1"/>
+                </a:solidFill>
+              </a:rPr>
+              <a:t>    }, 3000);    </a:t>
+            </a:r>
+          </a:p>
+          <a:p>
+            <a:r>
+              <a:rPr lang="de-AT" dirty="0">
+                <a:solidFill>
+                  <a:schemeClr val="bg1"/>
+                </a:solidFill>
+              </a:rPr>
+              <a:t>});</a:t>
+            </a:r>
+          </a:p>
+          <a:p>
+            <a:r>
+              <a:rPr lang="de-AT" dirty="0">
+                <a:solidFill>
+                  <a:schemeClr val="bg1"/>
+                </a:solidFill>
+              </a:rPr>
+              <a:t/>
+            </a:r>
+            <a:br>
+              <a:rPr lang="de-AT" dirty="0">
+                <a:solidFill>
+                  <a:schemeClr val="bg1"/>
+                </a:solidFill>
+              </a:rPr>
+            </a:br>
+            <a:r>
+              <a:rPr lang="de-AT" dirty="0" err="1">
+                <a:solidFill>
+                  <a:schemeClr val="bg1"/>
+                </a:solidFill>
+              </a:rPr>
+              <a:t>promise.then</a:t>
+            </a:r>
+            <a:r>
+              <a:rPr lang="de-AT" dirty="0">
+                <a:solidFill>
+                  <a:schemeClr val="bg1"/>
+                </a:solidFill>
+              </a:rPr>
+              <a:t>(</a:t>
+            </a:r>
+            <a:r>
+              <a:rPr lang="de-AT" dirty="0" err="1">
+                <a:solidFill>
+                  <a:schemeClr val="bg1"/>
+                </a:solidFill>
+              </a:rPr>
+              <a:t>function</a:t>
+            </a:r>
+            <a:r>
+              <a:rPr lang="de-AT" dirty="0">
+                <a:solidFill>
+                  <a:schemeClr val="bg1"/>
+                </a:solidFill>
+              </a:rPr>
+              <a:t>(</a:t>
+            </a:r>
+            <a:r>
+              <a:rPr lang="de-AT" dirty="0" err="1">
+                <a:solidFill>
+                  <a:schemeClr val="bg1"/>
+                </a:solidFill>
+              </a:rPr>
+              <a:t>text</a:t>
+            </a:r>
+            <a:r>
+              <a:rPr lang="de-AT" dirty="0">
+                <a:solidFill>
+                  <a:schemeClr val="bg1"/>
+                </a:solidFill>
+              </a:rPr>
+              <a:t>) {</a:t>
+            </a:r>
+          </a:p>
+          <a:p>
+            <a:r>
+              <a:rPr lang="de-AT" dirty="0">
+                <a:solidFill>
+                  <a:schemeClr val="bg1"/>
+                </a:solidFill>
+              </a:rPr>
+              <a:t>    console.log(</a:t>
+            </a:r>
+            <a:r>
+              <a:rPr lang="de-AT" dirty="0" err="1">
+                <a:solidFill>
+                  <a:schemeClr val="bg1"/>
+                </a:solidFill>
+              </a:rPr>
+              <a:t>text</a:t>
+            </a:r>
+            <a:r>
+              <a:rPr lang="de-AT" dirty="0">
+                <a:solidFill>
+                  <a:schemeClr val="bg1"/>
+                </a:solidFill>
+              </a:rPr>
+              <a:t>);</a:t>
+            </a:r>
+          </a:p>
+          <a:p>
+            <a:r>
+              <a:rPr lang="de-AT" dirty="0">
+                <a:solidFill>
+                  <a:schemeClr val="bg1"/>
+                </a:solidFill>
+              </a:rPr>
+              <a:t>});</a:t>
+            </a:r>
+          </a:p>
+          <a:p>
+            <a:r>
+              <a:rPr lang="de-AT" dirty="0">
+                <a:solidFill>
+                  <a:schemeClr val="bg1"/>
+                </a:solidFill>
+              </a:rPr>
+              <a:t/>
+            </a:r>
+            <a:br>
+              <a:rPr lang="de-AT" dirty="0">
+                <a:solidFill>
+                  <a:schemeClr val="bg1"/>
+                </a:solidFill>
+              </a:rPr>
+            </a:br>
+            <a:r>
+              <a:rPr lang="de-AT" dirty="0">
+                <a:solidFill>
+                  <a:schemeClr val="bg1"/>
+                </a:solidFill>
+              </a:rPr>
+              <a:t>console.log('AFTER TIMEOUT!')</a:t>
+            </a:r>
+          </a:p>
+          <a:p>
+            <a:endParaRPr lang="de-AT" dirty="0">
+              <a:solidFill>
+                <a:schemeClr val="bg1"/>
+              </a:solidFill>
+            </a:endParaRPr>
+          </a:p>
+        </p:txBody>
+      </p:sp>
+    </p:spTree>
+    <p:extLst>
+      <p:ext uri="{BB962C8B-B14F-4D97-AF65-F5344CB8AC3E}">
+        <p14:creationId xmlns:p14="http://schemas.microsoft.com/office/powerpoint/2010/main" val="357944830"/>
+      </p:ext>
+    </p:extLst>
+  </p:cSld>
+  <p:clrMapOvr>
+    <a:masterClrMapping/>
+  </p:clrMapOvr>
+</p:sld>
+</file>
+
+<file path=ppt/slides/slide35.xml><?xml version="1.0" encoding="utf-8"?>
+<p:sld xmlns:a="http://schemas.openxmlformats.org/drawingml/2006/main" xmlns:r="http://schemas.openxmlformats.org/officeDocument/2006/relationships" xmlns:p="http://schemas.openxmlformats.org/presentationml/2006/main">
+  <p:cSld>
+    <p:spTree>
+      <p:nvGrpSpPr>
+        <p:cNvPr id="1" name=""/>
+        <p:cNvGrpSpPr/>
+        <p:nvPr/>
+      </p:nvGrpSpPr>
+      <p:grpSpPr>
+        <a:xfrm>
+          <a:off x="0" y="0"/>
+          <a:ext cx="0" cy="0"/>
+          <a:chOff x="0" y="0"/>
+          <a:chExt cx="0" cy="0"/>
+        </a:xfrm>
+      </p:grpSpPr>
+      <p:sp>
+        <p:nvSpPr>
+          <p:cNvPr id="2" name="Titel 1"/>
+          <p:cNvSpPr>
+            <a:spLocks noGrp="1"/>
+          </p:cNvSpPr>
+          <p:nvPr>
+            <p:ph type="title"/>
+          </p:nvPr>
+        </p:nvSpPr>
+        <p:spPr/>
+        <p:txBody>
+          <a:bodyPr/>
+          <a:lstStyle/>
+          <a:p>
+            <a:r>
+              <a:rPr lang="de-AT" dirty="0" err="1" smtClean="0"/>
+              <a:t>Rejecting</a:t>
+            </a:r>
+            <a:r>
+              <a:rPr lang="de-AT" dirty="0" smtClean="0"/>
+              <a:t> </a:t>
+            </a:r>
+            <a:r>
+              <a:rPr lang="de-AT" dirty="0" err="1" smtClean="0"/>
+              <a:t>Promises</a:t>
+            </a:r>
+            <a:endParaRPr lang="de-AT" dirty="0"/>
+          </a:p>
+        </p:txBody>
+      </p:sp>
+    </p:spTree>
+    <p:extLst>
+      <p:ext uri="{BB962C8B-B14F-4D97-AF65-F5344CB8AC3E}">
+        <p14:creationId xmlns:p14="http://schemas.microsoft.com/office/powerpoint/2010/main" val="611465491"/>
+      </p:ext>
+    </p:extLst>
+  </p:cSld>
+  <p:clrMapOvr>
+    <a:masterClrMapping/>
+  </p:clrMapOvr>
+</p:sld>
+</file>
+
+<file path=ppt/slides/slide36.xml><?xml version="1.0" encoding="utf-8"?>
+<p:sld xmlns:a="http://schemas.openxmlformats.org/drawingml/2006/main" xmlns:r="http://schemas.openxmlformats.org/officeDocument/2006/relationships" xmlns:p="http://schemas.openxmlformats.org/presentationml/2006/main">
+  <p:cSld>
+    <p:spTree>
+      <p:nvGrpSpPr>
+        <p:cNvPr id="1" name=""/>
+        <p:cNvGrpSpPr/>
+        <p:nvPr/>
+      </p:nvGrpSpPr>
+      <p:grpSpPr>
+        <a:xfrm>
+          <a:off x="0" y="0"/>
+          <a:ext cx="0" cy="0"/>
+          <a:chOff x="0" y="0"/>
+          <a:chExt cx="0" cy="0"/>
+        </a:xfrm>
+      </p:grpSpPr>
+      <p:sp>
+        <p:nvSpPr>
+          <p:cNvPr id="2" name="Titel 1"/>
+          <p:cNvSpPr>
+            <a:spLocks noGrp="1"/>
+          </p:cNvSpPr>
+          <p:nvPr>
+            <p:ph type="title"/>
+          </p:nvPr>
+        </p:nvSpPr>
+        <p:spPr/>
+        <p:txBody>
+          <a:bodyPr/>
+          <a:lstStyle/>
+          <a:p>
+            <a:r>
+              <a:rPr lang="de-AT" dirty="0" err="1" smtClean="0"/>
+              <a:t>Then</a:t>
+            </a:r>
+            <a:r>
+              <a:rPr lang="de-AT" dirty="0" smtClean="0"/>
+              <a:t>…Catch…</a:t>
+            </a:r>
+            <a:endParaRPr lang="de-AT" dirty="0"/>
           </a:p>
         </p:txBody>
       </p:sp>
@@ -17855,107 +17449,343 @@
           <a:bodyPr/>
           <a:lstStyle/>
           <a:p>
-            <a:r>
-              <a:rPr lang="de-AT" dirty="0"/>
-              <a:t>Google </a:t>
-            </a:r>
-            <a:r>
-              <a:rPr lang="de-AT" dirty="0" err="1"/>
-              <a:t>Firebase</a:t>
-            </a:r>
-            <a:endParaRPr lang="de-AT" dirty="0"/>
-          </a:p>
-          <a:p>
-            <a:r>
-              <a:rPr lang="de-AT" dirty="0"/>
-              <a:t>Realtime Database</a:t>
-            </a:r>
-          </a:p>
-          <a:p>
-            <a:r>
-              <a:rPr lang="de-AT" dirty="0" err="1">
-                <a:solidFill>
-                  <a:srgbClr val="FF0000"/>
-                </a:solidFill>
-              </a:rPr>
-              <a:t>No</a:t>
-            </a:r>
-            <a:r>
-              <a:rPr lang="de-AT" dirty="0">
-                <a:solidFill>
-                  <a:srgbClr val="FF0000"/>
-                </a:solidFill>
-              </a:rPr>
-              <a:t> </a:t>
-            </a:r>
-            <a:r>
-              <a:rPr lang="de-AT" dirty="0" err="1">
-                <a:solidFill>
-                  <a:srgbClr val="FF0000"/>
-                </a:solidFill>
-              </a:rPr>
-              <a:t>authentication</a:t>
-            </a:r>
-            <a:r>
-              <a:rPr lang="de-AT" dirty="0">
-                <a:solidFill>
-                  <a:srgbClr val="FF0000"/>
-                </a:solidFill>
-              </a:rPr>
-              <a:t> </a:t>
-            </a:r>
-            <a:r>
-              <a:rPr lang="de-AT" dirty="0" err="1">
-                <a:solidFill>
-                  <a:srgbClr val="FF0000"/>
-                </a:solidFill>
-              </a:rPr>
-              <a:t>for</a:t>
-            </a:r>
-            <a:r>
-              <a:rPr lang="de-AT" dirty="0">
-                <a:solidFill>
-                  <a:srgbClr val="FF0000"/>
-                </a:solidFill>
-              </a:rPr>
-              <a:t> </a:t>
-            </a:r>
-            <a:r>
-              <a:rPr lang="de-AT" dirty="0" err="1">
-                <a:solidFill>
-                  <a:srgbClr val="FF0000"/>
-                </a:solidFill>
-              </a:rPr>
-              <a:t>this</a:t>
-            </a:r>
-            <a:r>
-              <a:rPr lang="de-AT" dirty="0">
-                <a:solidFill>
-                  <a:srgbClr val="FF0000"/>
-                </a:solidFill>
-              </a:rPr>
-              <a:t> </a:t>
-            </a:r>
-            <a:r>
-              <a:rPr lang="de-AT" dirty="0" err="1">
-                <a:solidFill>
-                  <a:srgbClr val="FF0000"/>
-                </a:solidFill>
-              </a:rPr>
-              <a:t>purpose</a:t>
-            </a:r>
-            <a:endParaRPr lang="de-AT" dirty="0">
-              <a:solidFill>
-                <a:srgbClr val="FF0000"/>
-              </a:solidFill>
-            </a:endParaRPr>
+            <a:endParaRPr lang="de-AT"/>
           </a:p>
         </p:txBody>
       </p:sp>
     </p:spTree>
     <p:extLst>
       <p:ext uri="{BB962C8B-B14F-4D97-AF65-F5344CB8AC3E}">
-        <p14:creationId xmlns:p14="http://schemas.microsoft.com/office/powerpoint/2010/main" val="753469658"/>
+        <p14:creationId xmlns:p14="http://schemas.microsoft.com/office/powerpoint/2010/main" val="1190121802"/>
+      </p:ext>
+    </p:extLst>
+  </p:cSld>
+  <p:clrMapOvr>
+    <a:masterClrMapping/>
+  </p:clrMapOvr>
+</p:sld>
+</file>
+
+<file path=ppt/slides/slide37.xml><?xml version="1.0" encoding="utf-8"?>
+<p:sld xmlns:a="http://schemas.openxmlformats.org/drawingml/2006/main" xmlns:r="http://schemas.openxmlformats.org/officeDocument/2006/relationships" xmlns:p="http://schemas.openxmlformats.org/presentationml/2006/main">
+  <p:cSld>
+    <p:spTree>
+      <p:nvGrpSpPr>
+        <p:cNvPr id="1" name=""/>
+        <p:cNvGrpSpPr/>
+        <p:nvPr/>
+      </p:nvGrpSpPr>
+      <p:grpSpPr>
+        <a:xfrm>
+          <a:off x="0" y="0"/>
+          <a:ext cx="0" cy="0"/>
+          <a:chOff x="0" y="0"/>
+          <a:chExt cx="0" cy="0"/>
+        </a:xfrm>
+      </p:grpSpPr>
+      <p:sp>
+        <p:nvSpPr>
+          <p:cNvPr id="2" name="Titel 1"/>
+          <p:cNvSpPr>
+            <a:spLocks noGrp="1"/>
+          </p:cNvSpPr>
+          <p:nvPr>
+            <p:ph type="title"/>
+          </p:nvPr>
+        </p:nvSpPr>
+        <p:spPr/>
+        <p:txBody>
+          <a:bodyPr/>
+          <a:lstStyle/>
+          <a:p>
+            <a:r>
+              <a:rPr lang="de-AT" dirty="0" err="1" smtClean="0"/>
+              <a:t>Where</a:t>
+            </a:r>
+            <a:r>
+              <a:rPr lang="de-AT" dirty="0" smtClean="0"/>
+              <a:t> do </a:t>
+            </a:r>
+            <a:r>
+              <a:rPr lang="de-AT" dirty="0" err="1" smtClean="0"/>
+              <a:t>we</a:t>
+            </a:r>
+            <a:r>
+              <a:rPr lang="de-AT" dirty="0" smtClean="0"/>
+              <a:t> </a:t>
+            </a:r>
+            <a:r>
+              <a:rPr lang="de-AT" dirty="0" err="1" smtClean="0"/>
+              <a:t>use</a:t>
+            </a:r>
+            <a:r>
+              <a:rPr lang="de-AT" dirty="0" smtClean="0"/>
+              <a:t> </a:t>
+            </a:r>
+            <a:r>
+              <a:rPr lang="de-AT" dirty="0" err="1" smtClean="0"/>
+              <a:t>promises</a:t>
+            </a:r>
+            <a:r>
+              <a:rPr lang="de-AT" dirty="0" smtClean="0"/>
+              <a:t> in </a:t>
+            </a:r>
+            <a:r>
+              <a:rPr lang="de-AT" dirty="0" err="1" smtClean="0"/>
+              <a:t>our</a:t>
+            </a:r>
+            <a:r>
+              <a:rPr lang="de-AT" dirty="0" smtClean="0"/>
+              <a:t> </a:t>
+            </a:r>
+            <a:r>
+              <a:rPr lang="de-AT" dirty="0" err="1" smtClean="0"/>
+              <a:t>code</a:t>
+            </a:r>
+            <a:r>
+              <a:rPr lang="de-AT" dirty="0" smtClean="0"/>
+              <a:t>?</a:t>
+            </a:r>
+            <a:endParaRPr lang="de-AT" dirty="0"/>
+          </a:p>
+        </p:txBody>
+      </p:sp>
+      <p:sp>
+        <p:nvSpPr>
+          <p:cNvPr id="3" name="Inhaltsplatzhalter 2"/>
+          <p:cNvSpPr>
+            <a:spLocks noGrp="1"/>
+          </p:cNvSpPr>
+          <p:nvPr>
+            <p:ph idx="1"/>
+          </p:nvPr>
+        </p:nvSpPr>
+        <p:spPr/>
+        <p:txBody>
+          <a:bodyPr/>
+          <a:lstStyle/>
+          <a:p>
+            <a:r>
+              <a:rPr lang="de-AT" dirty="0"/>
+              <a:t>a</a:t>
+            </a:r>
+            <a:r>
+              <a:rPr lang="de-AT" dirty="0" smtClean="0"/>
+              <a:t>pp.js</a:t>
+            </a:r>
+          </a:p>
+          <a:p>
+            <a:r>
+              <a:rPr lang="de-AT" dirty="0" smtClean="0"/>
+              <a:t>sw.js</a:t>
+            </a:r>
+            <a:endParaRPr lang="de-AT" dirty="0"/>
+          </a:p>
+        </p:txBody>
+      </p:sp>
+    </p:spTree>
+    <p:extLst>
+      <p:ext uri="{BB962C8B-B14F-4D97-AF65-F5344CB8AC3E}">
+        <p14:creationId xmlns:p14="http://schemas.microsoft.com/office/powerpoint/2010/main" val="4034901228"/>
+      </p:ext>
+    </p:extLst>
+  </p:cSld>
+  <p:clrMapOvr>
+    <a:masterClrMapping/>
+  </p:clrMapOvr>
+</p:sld>
+</file>
+
+<file path=ppt/slides/slide38.xml><?xml version="1.0" encoding="utf-8"?>
+<p:sld xmlns:a="http://schemas.openxmlformats.org/drawingml/2006/main" xmlns:r="http://schemas.openxmlformats.org/officeDocument/2006/relationships" xmlns:p="http://schemas.openxmlformats.org/presentationml/2006/main">
+  <p:cSld>
+    <p:spTree>
+      <p:nvGrpSpPr>
+        <p:cNvPr id="1" name=""/>
+        <p:cNvGrpSpPr/>
+        <p:nvPr/>
+      </p:nvGrpSpPr>
+      <p:grpSpPr>
+        <a:xfrm>
+          <a:off x="0" y="0"/>
+          <a:ext cx="0" cy="0"/>
+          <a:chOff x="0" y="0"/>
+          <a:chExt cx="0" cy="0"/>
+        </a:xfrm>
+      </p:grpSpPr>
+      <p:sp>
+        <p:nvSpPr>
+          <p:cNvPr id="2" name="Titel 1"/>
+          <p:cNvSpPr>
+            <a:spLocks noGrp="1"/>
+          </p:cNvSpPr>
+          <p:nvPr>
+            <p:ph type="title"/>
+          </p:nvPr>
+        </p:nvSpPr>
+        <p:spPr/>
+        <p:txBody>
+          <a:bodyPr/>
+          <a:lstStyle/>
+          <a:p>
+            <a:r>
+              <a:rPr lang="de-AT" dirty="0" err="1" smtClean="0"/>
+              <a:t>Fetch</a:t>
+            </a:r>
+            <a:endParaRPr lang="de-AT" dirty="0"/>
+          </a:p>
+        </p:txBody>
+      </p:sp>
+      <p:sp>
+        <p:nvSpPr>
+          <p:cNvPr id="3" name="Inhaltsplatzhalter 2"/>
+          <p:cNvSpPr>
+            <a:spLocks noGrp="1"/>
+          </p:cNvSpPr>
+          <p:nvPr>
+            <p:ph idx="1"/>
+          </p:nvPr>
+        </p:nvSpPr>
+        <p:spPr/>
+        <p:txBody>
+          <a:bodyPr/>
+          <a:lstStyle/>
+          <a:p>
+            <a:r>
+              <a:rPr lang="de-AT" dirty="0" smtClean="0"/>
+              <a:t>httpbin.org/</a:t>
+            </a:r>
+            <a:r>
+              <a:rPr lang="de-AT" dirty="0" err="1" smtClean="0"/>
+              <a:t>ip</a:t>
+            </a:r>
+            <a:endParaRPr lang="de-AT" dirty="0" smtClean="0"/>
+          </a:p>
+          <a:p>
+            <a:r>
+              <a:rPr lang="de-AT" dirty="0" smtClean="0"/>
+              <a:t>httpbin.org/</a:t>
+            </a:r>
+            <a:r>
+              <a:rPr lang="de-AT" dirty="0" err="1" smtClean="0"/>
+              <a:t>post</a:t>
+            </a:r>
+            <a:endParaRPr lang="de-AT" dirty="0"/>
+          </a:p>
+        </p:txBody>
+      </p:sp>
+    </p:spTree>
+    <p:extLst>
+      <p:ext uri="{BB962C8B-B14F-4D97-AF65-F5344CB8AC3E}">
+        <p14:creationId xmlns:p14="http://schemas.microsoft.com/office/powerpoint/2010/main" val="4212014201"/>
+      </p:ext>
+    </p:extLst>
+  </p:cSld>
+  <p:clrMapOvr>
+    <a:masterClrMapping/>
+  </p:clrMapOvr>
+</p:sld>
+</file>
+
+<file path=ppt/slides/slide39.xml><?xml version="1.0" encoding="utf-8"?>
+<p:sld xmlns:a="http://schemas.openxmlformats.org/drawingml/2006/main" xmlns:r="http://schemas.openxmlformats.org/officeDocument/2006/relationships" xmlns:p="http://schemas.openxmlformats.org/presentationml/2006/main">
+  <p:cSld>
+    <p:spTree>
+      <p:nvGrpSpPr>
+        <p:cNvPr id="1" name=""/>
+        <p:cNvGrpSpPr/>
+        <p:nvPr/>
+      </p:nvGrpSpPr>
+      <p:grpSpPr>
+        <a:xfrm>
+          <a:off x="0" y="0"/>
+          <a:ext cx="0" cy="0"/>
+          <a:chOff x="0" y="0"/>
+          <a:chExt cx="0" cy="0"/>
+        </a:xfrm>
+      </p:grpSpPr>
+      <p:sp>
+        <p:nvSpPr>
+          <p:cNvPr id="2" name="Titel 1"/>
+          <p:cNvSpPr>
+            <a:spLocks noGrp="1"/>
+          </p:cNvSpPr>
+          <p:nvPr>
+            <p:ph type="title"/>
+          </p:nvPr>
+        </p:nvSpPr>
+        <p:spPr/>
+        <p:txBody>
+          <a:bodyPr/>
+          <a:lstStyle/>
+          <a:p>
+            <a:r>
+              <a:rPr lang="de-AT" dirty="0" err="1" smtClean="0"/>
+              <a:t>Polyfills</a:t>
+            </a:r>
+            <a:endParaRPr lang="de-AT" dirty="0"/>
+          </a:p>
+        </p:txBody>
+      </p:sp>
+      <p:sp>
+        <p:nvSpPr>
+          <p:cNvPr id="3" name="Inhaltsplatzhalter 2"/>
+          <p:cNvSpPr>
+            <a:spLocks noGrp="1"/>
+          </p:cNvSpPr>
+          <p:nvPr>
+            <p:ph idx="1"/>
+          </p:nvPr>
+        </p:nvSpPr>
+        <p:spPr/>
+        <p:txBody>
+          <a:bodyPr/>
+          <a:lstStyle/>
+          <a:p>
+            <a:r>
+              <a:rPr lang="de-AT" dirty="0" err="1" smtClean="0"/>
+              <a:t>Use</a:t>
+            </a:r>
+            <a:r>
+              <a:rPr lang="de-AT" dirty="0" smtClean="0"/>
+              <a:t> </a:t>
+            </a:r>
+            <a:r>
+              <a:rPr lang="de-AT" dirty="0" err="1" smtClean="0"/>
+              <a:t>promises</a:t>
+            </a:r>
+            <a:r>
+              <a:rPr lang="de-AT" dirty="0" smtClean="0"/>
+              <a:t> &amp; </a:t>
+            </a:r>
+            <a:r>
+              <a:rPr lang="de-AT" dirty="0" err="1" smtClean="0"/>
+              <a:t>fetch</a:t>
+            </a:r>
+            <a:r>
+              <a:rPr lang="de-AT" dirty="0" smtClean="0"/>
+              <a:t> on </a:t>
+            </a:r>
+            <a:r>
+              <a:rPr lang="de-AT" dirty="0" err="1" smtClean="0"/>
+              <a:t>older</a:t>
+            </a:r>
+            <a:r>
+              <a:rPr lang="de-AT" dirty="0" smtClean="0"/>
+              <a:t> </a:t>
+            </a:r>
+            <a:r>
+              <a:rPr lang="de-AT" dirty="0" err="1" smtClean="0"/>
+              <a:t>browsers</a:t>
+            </a:r>
+            <a:endParaRPr lang="de-AT" dirty="0"/>
+          </a:p>
+        </p:txBody>
+      </p:sp>
+    </p:spTree>
+    <p:extLst>
+      <p:ext uri="{BB962C8B-B14F-4D97-AF65-F5344CB8AC3E}">
+        <p14:creationId xmlns:p14="http://schemas.microsoft.com/office/powerpoint/2010/main" val="4259341364"/>
       </p:ext>
     </p:extLst>
   </p:cSld>
@@ -17987,7 +17817,7 @@
           <p:cNvPr id="2" name="Titel 1">
             <a:extLst>
               <a:ext uri="{FF2B5EF4-FFF2-40B4-BE49-F238E27FC236}">
-                <a16:creationId xmlns:a16="http://schemas.microsoft.com/office/drawing/2014/main" id="{7C74C4CE-CEBC-4725-9C59-28B4B7B750F9}"/>
+                <a16:creationId xmlns:a16="http://schemas.microsoft.com/office/drawing/2014/main" xmlns="" id="{7C74C4CE-CEBC-4725-9C59-28B4B7B750F9}"/>
               </a:ext>
             </a:extLst>
           </p:cNvPr>
@@ -18016,7 +17846,7 @@
           <p:cNvPr id="3" name="Inhaltsplatzhalter 2">
             <a:extLst>
               <a:ext uri="{FF2B5EF4-FFF2-40B4-BE49-F238E27FC236}">
-                <a16:creationId xmlns:a16="http://schemas.microsoft.com/office/drawing/2014/main" id="{8433872D-38EC-42CA-9561-0492F1E3670E}"/>
+                <a16:creationId xmlns:a16="http://schemas.microsoft.com/office/drawing/2014/main" xmlns="" id="{8433872D-38EC-42CA-9561-0492F1E3670E}"/>
               </a:ext>
             </a:extLst>
           </p:cNvPr>
@@ -18072,6 +17902,1564 @@
     <p:extLst>
       <p:ext uri="{BB962C8B-B14F-4D97-AF65-F5344CB8AC3E}">
         <p14:creationId xmlns:p14="http://schemas.microsoft.com/office/powerpoint/2010/main" val="4281902701"/>
+      </p:ext>
+    </p:extLst>
+  </p:cSld>
+  <p:clrMapOvr>
+    <a:masterClrMapping/>
+  </p:clrMapOvr>
+</p:sld>
+</file>
+
+<file path=ppt/slides/slide40.xml><?xml version="1.0" encoding="utf-8"?>
+<p:sld xmlns:a="http://schemas.openxmlformats.org/drawingml/2006/main" xmlns:r="http://schemas.openxmlformats.org/officeDocument/2006/relationships" xmlns:p="http://schemas.openxmlformats.org/presentationml/2006/main">
+  <p:cSld>
+    <p:spTree>
+      <p:nvGrpSpPr>
+        <p:cNvPr id="1" name=""/>
+        <p:cNvGrpSpPr/>
+        <p:nvPr/>
+      </p:nvGrpSpPr>
+      <p:grpSpPr>
+        <a:xfrm>
+          <a:off x="0" y="0"/>
+          <a:ext cx="0" cy="0"/>
+          <a:chOff x="0" y="0"/>
+          <a:chExt cx="0" cy="0"/>
+        </a:xfrm>
+      </p:grpSpPr>
+      <p:sp>
+        <p:nvSpPr>
+          <p:cNvPr id="2" name="Titel 1"/>
+          <p:cNvSpPr>
+            <a:spLocks noGrp="1"/>
+          </p:cNvSpPr>
+          <p:nvPr>
+            <p:ph type="title"/>
+          </p:nvPr>
+        </p:nvSpPr>
+        <p:spPr/>
+        <p:txBody>
+          <a:bodyPr/>
+          <a:lstStyle/>
+          <a:p>
+            <a:r>
+              <a:rPr lang="de-AT" dirty="0" smtClean="0"/>
+              <a:t>Links</a:t>
+            </a:r>
+            <a:endParaRPr lang="de-AT" dirty="0"/>
+          </a:p>
+        </p:txBody>
+      </p:sp>
+      <p:sp>
+        <p:nvSpPr>
+          <p:cNvPr id="3" name="Inhaltsplatzhalter 2"/>
+          <p:cNvSpPr>
+            <a:spLocks noGrp="1"/>
+          </p:cNvSpPr>
+          <p:nvPr>
+            <p:ph idx="1"/>
+          </p:nvPr>
+        </p:nvSpPr>
+        <p:spPr/>
+        <p:txBody>
+          <a:bodyPr/>
+          <a:lstStyle/>
+          <a:p>
+            <a:r>
+              <a:rPr lang="en-US" dirty="0"/>
+              <a:t>Introduction to Promises (MDN): </a:t>
+            </a:r>
+            <a:r>
+              <a:rPr lang="en-US" dirty="0">
+                <a:hlinkClick r:id="rId2"/>
+              </a:rPr>
+              <a:t>https://developer.mozilla.org/en-US/docs/Web/JavaScript/Reference/Global_Objects/Promise</a:t>
+            </a:r>
+            <a:endParaRPr lang="en-US" dirty="0"/>
+          </a:p>
+          <a:p>
+            <a:r>
+              <a:rPr lang="en-US" dirty="0"/>
+              <a:t>Introduction to Promises (Google): </a:t>
+            </a:r>
+            <a:r>
+              <a:rPr lang="en-US" dirty="0">
+                <a:hlinkClick r:id="rId3"/>
+              </a:rPr>
+              <a:t>https://developers.google.com/web/fundamentals/getting-started/primers/promises</a:t>
+            </a:r>
+            <a:endParaRPr lang="en-US" dirty="0"/>
+          </a:p>
+          <a:p>
+            <a:endParaRPr lang="de-AT" dirty="0"/>
+          </a:p>
+        </p:txBody>
+      </p:sp>
+    </p:spTree>
+    <p:extLst>
+      <p:ext uri="{BB962C8B-B14F-4D97-AF65-F5344CB8AC3E}">
+        <p14:creationId xmlns:p14="http://schemas.microsoft.com/office/powerpoint/2010/main" val="3911619106"/>
+      </p:ext>
+    </p:extLst>
+  </p:cSld>
+  <p:clrMapOvr>
+    <a:masterClrMapping/>
+  </p:clrMapOvr>
+</p:sld>
+</file>
+
+<file path=ppt/slides/slide41.xml><?xml version="1.0" encoding="utf-8"?>
+<p:sld xmlns:a="http://schemas.openxmlformats.org/drawingml/2006/main" xmlns:r="http://schemas.openxmlformats.org/officeDocument/2006/relationships" xmlns:p="http://schemas.openxmlformats.org/presentationml/2006/main">
+  <p:cSld>
+    <p:spTree>
+      <p:nvGrpSpPr>
+        <p:cNvPr id="1" name=""/>
+        <p:cNvGrpSpPr/>
+        <p:nvPr/>
+      </p:nvGrpSpPr>
+      <p:grpSpPr>
+        <a:xfrm>
+          <a:off x="0" y="0"/>
+          <a:ext cx="0" cy="0"/>
+          <a:chOff x="0" y="0"/>
+          <a:chExt cx="0" cy="0"/>
+        </a:xfrm>
+      </p:grpSpPr>
+      <p:sp>
+        <p:nvSpPr>
+          <p:cNvPr id="2" name="Titel 1"/>
+          <p:cNvSpPr>
+            <a:spLocks noGrp="1"/>
+          </p:cNvSpPr>
+          <p:nvPr>
+            <p:ph type="title"/>
+          </p:nvPr>
+        </p:nvSpPr>
+        <p:spPr/>
+        <p:txBody>
+          <a:bodyPr/>
+          <a:lstStyle/>
+          <a:p>
+            <a:r>
+              <a:rPr lang="de-AT" dirty="0" err="1" smtClean="0"/>
+              <a:t>Before</a:t>
+            </a:r>
+            <a:r>
+              <a:rPr lang="de-AT" dirty="0" smtClean="0"/>
+              <a:t> </a:t>
+            </a:r>
+            <a:r>
+              <a:rPr lang="de-AT" dirty="0" err="1" smtClean="0"/>
+              <a:t>caching</a:t>
+            </a:r>
+            <a:r>
+              <a:rPr lang="de-AT" dirty="0" smtClean="0"/>
+              <a:t> </a:t>
+            </a:r>
+            <a:r>
+              <a:rPr lang="de-AT" dirty="0" err="1" smtClean="0"/>
+              <a:t>items</a:t>
+            </a:r>
+            <a:endParaRPr lang="de-AT" dirty="0"/>
+          </a:p>
+        </p:txBody>
+      </p:sp>
+      <p:sp>
+        <p:nvSpPr>
+          <p:cNvPr id="3" name="Inhaltsplatzhalter 2"/>
+          <p:cNvSpPr>
+            <a:spLocks noGrp="1"/>
+          </p:cNvSpPr>
+          <p:nvPr>
+            <p:ph idx="1"/>
+          </p:nvPr>
+        </p:nvSpPr>
+        <p:spPr/>
+        <p:txBody>
+          <a:bodyPr/>
+          <a:lstStyle/>
+          <a:p>
+            <a:r>
+              <a:rPr lang="de-AT" dirty="0" err="1" smtClean="0"/>
+              <a:t>Which</a:t>
+            </a:r>
+            <a:r>
+              <a:rPr lang="de-AT" dirty="0" smtClean="0"/>
+              <a:t> </a:t>
+            </a:r>
+            <a:r>
+              <a:rPr lang="de-AT" dirty="0" err="1" smtClean="0"/>
+              <a:t>application</a:t>
+            </a:r>
+            <a:endParaRPr lang="de-AT" dirty="0" smtClean="0"/>
+          </a:p>
+          <a:p>
+            <a:r>
+              <a:rPr lang="de-AT" dirty="0" smtClean="0"/>
+              <a:t>Basic </a:t>
+            </a:r>
+            <a:r>
+              <a:rPr lang="de-AT" dirty="0" err="1" smtClean="0"/>
+              <a:t>layouting</a:t>
+            </a:r>
+            <a:endParaRPr lang="de-AT" dirty="0" smtClean="0"/>
+          </a:p>
+          <a:p>
+            <a:endParaRPr lang="de-AT" dirty="0"/>
+          </a:p>
+        </p:txBody>
+      </p:sp>
+    </p:spTree>
+    <p:extLst>
+      <p:ext uri="{BB962C8B-B14F-4D97-AF65-F5344CB8AC3E}">
+        <p14:creationId xmlns:p14="http://schemas.microsoft.com/office/powerpoint/2010/main" val="2990324854"/>
+      </p:ext>
+    </p:extLst>
+  </p:cSld>
+  <p:clrMapOvr>
+    <a:masterClrMapping/>
+  </p:clrMapOvr>
+</p:sld>
+</file>
+
+<file path=ppt/slides/slide42.xml><?xml version="1.0" encoding="utf-8"?>
+<p:sld xmlns:a="http://schemas.openxmlformats.org/drawingml/2006/main" xmlns:r="http://schemas.openxmlformats.org/officeDocument/2006/relationships" xmlns:p="http://schemas.openxmlformats.org/presentationml/2006/main">
+  <p:cSld>
+    <p:spTree>
+      <p:nvGrpSpPr>
+        <p:cNvPr id="1" name=""/>
+        <p:cNvGrpSpPr/>
+        <p:nvPr/>
+      </p:nvGrpSpPr>
+      <p:grpSpPr>
+        <a:xfrm>
+          <a:off x="0" y="0"/>
+          <a:ext cx="0" cy="0"/>
+          <a:chOff x="0" y="0"/>
+          <a:chExt cx="0" cy="0"/>
+        </a:xfrm>
+      </p:grpSpPr>
+      <p:sp>
+        <p:nvSpPr>
+          <p:cNvPr id="2" name="Titel 1"/>
+          <p:cNvSpPr>
+            <a:spLocks noGrp="1"/>
+          </p:cNvSpPr>
+          <p:nvPr>
+            <p:ph type="title"/>
+          </p:nvPr>
+        </p:nvSpPr>
+        <p:spPr/>
+        <p:txBody>
+          <a:bodyPr/>
+          <a:lstStyle/>
+          <a:p>
+            <a:r>
+              <a:rPr lang="de-AT" dirty="0" smtClean="0"/>
+              <a:t>Service Worker Caching (Basic)</a:t>
+            </a:r>
+            <a:endParaRPr lang="de-AT" dirty="0"/>
+          </a:p>
+        </p:txBody>
+      </p:sp>
+      <p:sp>
+        <p:nvSpPr>
+          <p:cNvPr id="3" name="Inhaltsplatzhalter 2"/>
+          <p:cNvSpPr>
+            <a:spLocks noGrp="1"/>
+          </p:cNvSpPr>
+          <p:nvPr>
+            <p:ph idx="1"/>
+          </p:nvPr>
+        </p:nvSpPr>
+        <p:spPr/>
+        <p:txBody>
+          <a:bodyPr/>
+          <a:lstStyle/>
+          <a:p>
+            <a:endParaRPr lang="de-AT" dirty="0"/>
+          </a:p>
+        </p:txBody>
+      </p:sp>
+    </p:spTree>
+    <p:extLst>
+      <p:ext uri="{BB962C8B-B14F-4D97-AF65-F5344CB8AC3E}">
+        <p14:creationId xmlns:p14="http://schemas.microsoft.com/office/powerpoint/2010/main" val="995897455"/>
+      </p:ext>
+    </p:extLst>
+  </p:cSld>
+  <p:clrMapOvr>
+    <a:masterClrMapping/>
+  </p:clrMapOvr>
+</p:sld>
+</file>
+
+<file path=ppt/slides/slide43.xml><?xml version="1.0" encoding="utf-8"?>
+<p:sld xmlns:a="http://schemas.openxmlformats.org/drawingml/2006/main" xmlns:r="http://schemas.openxmlformats.org/officeDocument/2006/relationships" xmlns:p="http://schemas.openxmlformats.org/presentationml/2006/main">
+  <p:cSld>
+    <p:spTree>
+      <p:nvGrpSpPr>
+        <p:cNvPr id="1" name=""/>
+        <p:cNvGrpSpPr/>
+        <p:nvPr/>
+      </p:nvGrpSpPr>
+      <p:grpSpPr>
+        <a:xfrm>
+          <a:off x="0" y="0"/>
+          <a:ext cx="0" cy="0"/>
+          <a:chOff x="0" y="0"/>
+          <a:chExt cx="0" cy="0"/>
+        </a:xfrm>
+      </p:grpSpPr>
+      <p:sp>
+        <p:nvSpPr>
+          <p:cNvPr id="2" name="Titel 1"/>
+          <p:cNvSpPr>
+            <a:spLocks noGrp="1"/>
+          </p:cNvSpPr>
+          <p:nvPr>
+            <p:ph type="title"/>
+          </p:nvPr>
+        </p:nvSpPr>
+        <p:spPr/>
+        <p:txBody>
+          <a:bodyPr/>
+          <a:lstStyle/>
+          <a:p>
+            <a:r>
+              <a:rPr lang="de-AT" dirty="0" err="1" smtClean="0"/>
+              <a:t>Why</a:t>
+            </a:r>
+            <a:r>
+              <a:rPr lang="de-AT" dirty="0" smtClean="0"/>
+              <a:t>?</a:t>
+            </a:r>
+            <a:endParaRPr lang="de-AT" dirty="0"/>
+          </a:p>
+        </p:txBody>
+      </p:sp>
+      <p:sp>
+        <p:nvSpPr>
+          <p:cNvPr id="3" name="Inhaltsplatzhalter 2"/>
+          <p:cNvSpPr>
+            <a:spLocks noGrp="1"/>
+          </p:cNvSpPr>
+          <p:nvPr>
+            <p:ph idx="1"/>
+          </p:nvPr>
+        </p:nvSpPr>
+        <p:spPr/>
+        <p:txBody>
+          <a:bodyPr/>
+          <a:lstStyle/>
+          <a:p>
+            <a:r>
+              <a:rPr lang="de-AT" dirty="0" smtClean="0"/>
+              <a:t>Offline </a:t>
+            </a:r>
+            <a:r>
+              <a:rPr lang="de-AT" dirty="0" err="1" smtClean="0"/>
+              <a:t>access</a:t>
+            </a:r>
+            <a:endParaRPr lang="de-AT" dirty="0" smtClean="0"/>
+          </a:p>
+          <a:p>
+            <a:pPr lvl="1"/>
+            <a:r>
+              <a:rPr lang="de-AT" dirty="0" smtClean="0"/>
+              <a:t>Poor </a:t>
+            </a:r>
+            <a:r>
+              <a:rPr lang="de-AT" dirty="0" err="1" smtClean="0"/>
+              <a:t>connection</a:t>
+            </a:r>
+            <a:endParaRPr lang="de-AT" dirty="0" smtClean="0"/>
+          </a:p>
+          <a:p>
+            <a:pPr lvl="1"/>
+            <a:r>
+              <a:rPr lang="de-AT" dirty="0" err="1" smtClean="0"/>
+              <a:t>No</a:t>
+            </a:r>
+            <a:r>
+              <a:rPr lang="de-AT" dirty="0" smtClean="0"/>
+              <a:t> </a:t>
+            </a:r>
+            <a:r>
+              <a:rPr lang="de-AT" dirty="0" err="1" smtClean="0"/>
+              <a:t>connection</a:t>
+            </a:r>
+            <a:endParaRPr lang="de-AT" dirty="0" smtClean="0"/>
+          </a:p>
+          <a:p>
+            <a:pPr lvl="1"/>
+            <a:r>
+              <a:rPr lang="de-AT" dirty="0" err="1" smtClean="0"/>
+              <a:t>Lie-Fie</a:t>
+            </a:r>
+            <a:r>
+              <a:rPr lang="de-AT" dirty="0" smtClean="0"/>
+              <a:t>!</a:t>
+            </a:r>
+            <a:endParaRPr lang="de-AT" dirty="0"/>
+          </a:p>
+        </p:txBody>
+      </p:sp>
+    </p:spTree>
+    <p:extLst>
+      <p:ext uri="{BB962C8B-B14F-4D97-AF65-F5344CB8AC3E}">
+        <p14:creationId xmlns:p14="http://schemas.microsoft.com/office/powerpoint/2010/main" val="2537753544"/>
+      </p:ext>
+    </p:extLst>
+  </p:cSld>
+  <p:clrMapOvr>
+    <a:masterClrMapping/>
+  </p:clrMapOvr>
+</p:sld>
+</file>
+
+<file path=ppt/slides/slide44.xml><?xml version="1.0" encoding="utf-8"?>
+<p:sld xmlns:a="http://schemas.openxmlformats.org/drawingml/2006/main" xmlns:r="http://schemas.openxmlformats.org/officeDocument/2006/relationships" xmlns:p="http://schemas.openxmlformats.org/presentationml/2006/main">
+  <p:cSld>
+    <p:spTree>
+      <p:nvGrpSpPr>
+        <p:cNvPr id="1" name=""/>
+        <p:cNvGrpSpPr/>
+        <p:nvPr/>
+      </p:nvGrpSpPr>
+      <p:grpSpPr>
+        <a:xfrm>
+          <a:off x="0" y="0"/>
+          <a:ext cx="0" cy="0"/>
+          <a:chOff x="0" y="0"/>
+          <a:chExt cx="0" cy="0"/>
+        </a:xfrm>
+      </p:grpSpPr>
+      <p:sp>
+        <p:nvSpPr>
+          <p:cNvPr id="2" name="Titel 1"/>
+          <p:cNvSpPr>
+            <a:spLocks noGrp="1"/>
+          </p:cNvSpPr>
+          <p:nvPr>
+            <p:ph type="title"/>
+          </p:nvPr>
+        </p:nvSpPr>
+        <p:spPr/>
+        <p:txBody>
+          <a:bodyPr/>
+          <a:lstStyle/>
+          <a:p>
+            <a:pPr algn="ctr"/>
+            <a:r>
+              <a:rPr lang="de-AT" dirty="0" smtClean="0"/>
+              <a:t>Cache API</a:t>
+            </a:r>
+            <a:endParaRPr lang="de-AT" dirty="0"/>
+          </a:p>
+        </p:txBody>
+      </p:sp>
+      <p:sp>
+        <p:nvSpPr>
+          <p:cNvPr id="4" name="Rechteck 3"/>
+          <p:cNvSpPr/>
+          <p:nvPr/>
+        </p:nvSpPr>
+        <p:spPr>
+          <a:xfrm>
+            <a:off x="3998903" y="2053292"/>
+            <a:ext cx="4194194" cy="1248403"/>
+          </a:xfrm>
+          <a:prstGeom prst="rect">
+            <a:avLst/>
+          </a:prstGeom>
+        </p:spPr>
+        <p:style>
+          <a:lnRef idx="2">
+            <a:schemeClr val="accent6">
+              <a:shade val="50000"/>
+            </a:schemeClr>
+          </a:lnRef>
+          <a:fillRef idx="1">
+            <a:schemeClr val="accent6"/>
+          </a:fillRef>
+          <a:effectRef idx="0">
+            <a:schemeClr val="accent6"/>
+          </a:effectRef>
+          <a:fontRef idx="minor">
+            <a:schemeClr val="lt1"/>
+          </a:fontRef>
+        </p:style>
+        <p:txBody>
+          <a:bodyPr rtlCol="0" anchor="ctr"/>
+          <a:lstStyle/>
+          <a:p>
+            <a:pPr algn="ctr"/>
+            <a:r>
+              <a:rPr lang="de-AT" dirty="0" smtClean="0"/>
+              <a:t>Cache</a:t>
+            </a:r>
+            <a:endParaRPr lang="de-AT" dirty="0"/>
+          </a:p>
+        </p:txBody>
+      </p:sp>
+      <p:sp>
+        <p:nvSpPr>
+          <p:cNvPr id="5" name="Rechteck 4"/>
+          <p:cNvSpPr/>
+          <p:nvPr/>
+        </p:nvSpPr>
+        <p:spPr>
+          <a:xfrm>
+            <a:off x="838200" y="2053293"/>
+            <a:ext cx="1664080" cy="1248403"/>
+          </a:xfrm>
+          <a:prstGeom prst="rect">
+            <a:avLst/>
+          </a:prstGeom>
+        </p:spPr>
+        <p:style>
+          <a:lnRef idx="2">
+            <a:schemeClr val="accent5">
+              <a:shade val="50000"/>
+            </a:schemeClr>
+          </a:lnRef>
+          <a:fillRef idx="1">
+            <a:schemeClr val="accent5"/>
+          </a:fillRef>
+          <a:effectRef idx="0">
+            <a:schemeClr val="accent5"/>
+          </a:effectRef>
+          <a:fontRef idx="minor">
+            <a:schemeClr val="lt1"/>
+          </a:fontRef>
+        </p:style>
+        <p:txBody>
+          <a:bodyPr rtlCol="0" anchor="ctr"/>
+          <a:lstStyle/>
+          <a:p>
+            <a:pPr algn="ctr"/>
+            <a:r>
+              <a:rPr lang="de-AT" dirty="0" smtClean="0"/>
+              <a:t>Service Worker</a:t>
+            </a:r>
+            <a:endParaRPr lang="de-AT" dirty="0"/>
+          </a:p>
+        </p:txBody>
+      </p:sp>
+      <p:sp>
+        <p:nvSpPr>
+          <p:cNvPr id="6" name="Rechteck 5"/>
+          <p:cNvSpPr/>
+          <p:nvPr/>
+        </p:nvSpPr>
+        <p:spPr>
+          <a:xfrm>
+            <a:off x="9689720" y="2053292"/>
+            <a:ext cx="1664080" cy="1248403"/>
+          </a:xfrm>
+          <a:prstGeom prst="rect">
+            <a:avLst/>
+          </a:prstGeom>
+        </p:spPr>
+        <p:style>
+          <a:lnRef idx="2">
+            <a:schemeClr val="accent5">
+              <a:shade val="50000"/>
+            </a:schemeClr>
+          </a:lnRef>
+          <a:fillRef idx="1">
+            <a:schemeClr val="accent5"/>
+          </a:fillRef>
+          <a:effectRef idx="0">
+            <a:schemeClr val="accent5"/>
+          </a:effectRef>
+          <a:fontRef idx="minor">
+            <a:schemeClr val="lt1"/>
+          </a:fontRef>
+        </p:style>
+        <p:txBody>
+          <a:bodyPr rtlCol="0" anchor="ctr"/>
+          <a:lstStyle/>
+          <a:p>
+            <a:pPr algn="ctr"/>
+            <a:r>
+              <a:rPr lang="de-AT" dirty="0" smtClean="0"/>
+              <a:t>JavaScript</a:t>
+            </a:r>
+          </a:p>
+          <a:p>
+            <a:pPr algn="ctr"/>
+            <a:r>
+              <a:rPr lang="de-AT" dirty="0" smtClean="0"/>
+              <a:t>on Pages</a:t>
+            </a:r>
+            <a:endParaRPr lang="de-AT" dirty="0"/>
+          </a:p>
+        </p:txBody>
+      </p:sp>
+      <p:sp>
+        <p:nvSpPr>
+          <p:cNvPr id="7" name="Pfeil nach links 6"/>
+          <p:cNvSpPr/>
+          <p:nvPr/>
+        </p:nvSpPr>
+        <p:spPr>
+          <a:xfrm rot="10800000">
+            <a:off x="2798867" y="2400982"/>
+            <a:ext cx="903449" cy="553021"/>
+          </a:xfrm>
+          <a:prstGeom prst="leftArrow">
+            <a:avLst/>
+          </a:prstGeom>
+        </p:spPr>
+        <p:style>
+          <a:lnRef idx="2">
+            <a:schemeClr val="accent1">
+              <a:shade val="50000"/>
+            </a:schemeClr>
+          </a:lnRef>
+          <a:fillRef idx="1">
+            <a:schemeClr val="accent1"/>
+          </a:fillRef>
+          <a:effectRef idx="0">
+            <a:schemeClr val="accent1"/>
+          </a:effectRef>
+          <a:fontRef idx="minor">
+            <a:schemeClr val="lt1"/>
+          </a:fontRef>
+        </p:style>
+        <p:txBody>
+          <a:bodyPr rtlCol="0" anchor="ctr"/>
+          <a:lstStyle/>
+          <a:p>
+            <a:pPr algn="ctr"/>
+            <a:endParaRPr lang="de-AT"/>
+          </a:p>
+        </p:txBody>
+      </p:sp>
+      <p:sp>
+        <p:nvSpPr>
+          <p:cNvPr id="8" name="Pfeil nach links 7"/>
+          <p:cNvSpPr/>
+          <p:nvPr/>
+        </p:nvSpPr>
+        <p:spPr>
+          <a:xfrm>
+            <a:off x="8489684" y="2400982"/>
+            <a:ext cx="903449" cy="553021"/>
+          </a:xfrm>
+          <a:prstGeom prst="leftArrow">
+            <a:avLst/>
+          </a:prstGeom>
+        </p:spPr>
+        <p:style>
+          <a:lnRef idx="2">
+            <a:schemeClr val="accent1">
+              <a:shade val="50000"/>
+            </a:schemeClr>
+          </a:lnRef>
+          <a:fillRef idx="1">
+            <a:schemeClr val="accent1"/>
+          </a:fillRef>
+          <a:effectRef idx="0">
+            <a:schemeClr val="accent1"/>
+          </a:effectRef>
+          <a:fontRef idx="minor">
+            <a:schemeClr val="lt1"/>
+          </a:fontRef>
+        </p:style>
+        <p:txBody>
+          <a:bodyPr rtlCol="0" anchor="ctr"/>
+          <a:lstStyle/>
+          <a:p>
+            <a:pPr algn="ctr"/>
+            <a:endParaRPr lang="de-AT"/>
+          </a:p>
+        </p:txBody>
+      </p:sp>
+      <p:sp>
+        <p:nvSpPr>
+          <p:cNvPr id="9" name="Rechteck 8"/>
+          <p:cNvSpPr/>
+          <p:nvPr/>
+        </p:nvSpPr>
+        <p:spPr>
+          <a:xfrm>
+            <a:off x="3998903" y="3459570"/>
+            <a:ext cx="1881729" cy="1248403"/>
+          </a:xfrm>
+          <a:prstGeom prst="rect">
+            <a:avLst/>
+          </a:prstGeom>
+        </p:spPr>
+        <p:style>
+          <a:lnRef idx="2">
+            <a:schemeClr val="accent2">
+              <a:shade val="50000"/>
+            </a:schemeClr>
+          </a:lnRef>
+          <a:fillRef idx="1">
+            <a:schemeClr val="accent2"/>
+          </a:fillRef>
+          <a:effectRef idx="0">
+            <a:schemeClr val="accent2"/>
+          </a:effectRef>
+          <a:fontRef idx="minor">
+            <a:schemeClr val="lt1"/>
+          </a:fontRef>
+        </p:style>
+        <p:txBody>
+          <a:bodyPr rtlCol="0" anchor="ctr"/>
+          <a:lstStyle/>
+          <a:p>
+            <a:pPr algn="ctr"/>
+            <a:r>
+              <a:rPr lang="de-AT" dirty="0" smtClean="0"/>
+              <a:t>Key: Request</a:t>
+            </a:r>
+            <a:endParaRPr lang="de-AT" dirty="0"/>
+          </a:p>
+        </p:txBody>
+      </p:sp>
+      <p:sp>
+        <p:nvSpPr>
+          <p:cNvPr id="10" name="Rechteck 9"/>
+          <p:cNvSpPr/>
+          <p:nvPr/>
+        </p:nvSpPr>
+        <p:spPr>
+          <a:xfrm>
+            <a:off x="6311368" y="3459570"/>
+            <a:ext cx="1881729" cy="1248403"/>
+          </a:xfrm>
+          <a:prstGeom prst="rect">
+            <a:avLst/>
+          </a:prstGeom>
+        </p:spPr>
+        <p:style>
+          <a:lnRef idx="2">
+            <a:schemeClr val="accent2">
+              <a:shade val="50000"/>
+            </a:schemeClr>
+          </a:lnRef>
+          <a:fillRef idx="1">
+            <a:schemeClr val="accent2"/>
+          </a:fillRef>
+          <a:effectRef idx="0">
+            <a:schemeClr val="accent2"/>
+          </a:effectRef>
+          <a:fontRef idx="minor">
+            <a:schemeClr val="lt1"/>
+          </a:fontRef>
+        </p:style>
+        <p:txBody>
+          <a:bodyPr rtlCol="0" anchor="ctr"/>
+          <a:lstStyle/>
+          <a:p>
+            <a:pPr algn="ctr"/>
+            <a:r>
+              <a:rPr lang="de-AT" dirty="0" smtClean="0"/>
+              <a:t>Value: Response</a:t>
+            </a:r>
+            <a:endParaRPr lang="de-AT" dirty="0"/>
+          </a:p>
+        </p:txBody>
+      </p:sp>
+      <p:sp>
+        <p:nvSpPr>
+          <p:cNvPr id="11" name="Gleichschenkliges Dreieck 10"/>
+          <p:cNvSpPr/>
+          <p:nvPr/>
+        </p:nvSpPr>
+        <p:spPr>
+          <a:xfrm rot="10800000">
+            <a:off x="3998903" y="4916953"/>
+            <a:ext cx="4194194" cy="563972"/>
+          </a:xfrm>
+          <a:prstGeom prst="triangle">
+            <a:avLst/>
+          </a:prstGeom>
+        </p:spPr>
+        <p:style>
+          <a:lnRef idx="2">
+            <a:schemeClr val="accent2">
+              <a:shade val="50000"/>
+            </a:schemeClr>
+          </a:lnRef>
+          <a:fillRef idx="1">
+            <a:schemeClr val="accent2"/>
+          </a:fillRef>
+          <a:effectRef idx="0">
+            <a:schemeClr val="accent2"/>
+          </a:effectRef>
+          <a:fontRef idx="minor">
+            <a:schemeClr val="lt1"/>
+          </a:fontRef>
+        </p:style>
+        <p:txBody>
+          <a:bodyPr rtlCol="0" anchor="ctr"/>
+          <a:lstStyle/>
+          <a:p>
+            <a:pPr algn="ctr"/>
+            <a:endParaRPr lang="de-AT"/>
+          </a:p>
+        </p:txBody>
+      </p:sp>
+      <p:sp>
+        <p:nvSpPr>
+          <p:cNvPr id="12" name="Textfeld 11"/>
+          <p:cNvSpPr txBox="1"/>
+          <p:nvPr/>
+        </p:nvSpPr>
+        <p:spPr>
+          <a:xfrm>
+            <a:off x="2999446" y="5707247"/>
+            <a:ext cx="6193106" cy="369332"/>
+          </a:xfrm>
+          <a:prstGeom prst="rect">
+            <a:avLst/>
+          </a:prstGeom>
+          <a:noFill/>
+        </p:spPr>
+        <p:txBody>
+          <a:bodyPr wrap="none" rtlCol="0">
+            <a:spAutoFit/>
+          </a:bodyPr>
+          <a:lstStyle/>
+          <a:p>
+            <a:r>
+              <a:rPr lang="de-AT" dirty="0" smtClean="0">
+                <a:solidFill>
+                  <a:srgbClr val="00B050"/>
+                </a:solidFill>
+              </a:rPr>
+              <a:t>Cache Data </a:t>
+            </a:r>
+            <a:r>
+              <a:rPr lang="de-AT" dirty="0" err="1" smtClean="0">
+                <a:solidFill>
+                  <a:srgbClr val="00B050"/>
+                </a:solidFill>
+              </a:rPr>
+              <a:t>can</a:t>
+            </a:r>
+            <a:r>
+              <a:rPr lang="de-AT" dirty="0" smtClean="0">
+                <a:solidFill>
+                  <a:srgbClr val="00B050"/>
+                </a:solidFill>
+              </a:rPr>
+              <a:t> </a:t>
+            </a:r>
+            <a:r>
+              <a:rPr lang="de-AT" dirty="0" err="1" smtClean="0">
+                <a:solidFill>
+                  <a:srgbClr val="00B050"/>
+                </a:solidFill>
+              </a:rPr>
+              <a:t>be</a:t>
+            </a:r>
+            <a:r>
+              <a:rPr lang="de-AT" dirty="0" smtClean="0">
+                <a:solidFill>
+                  <a:srgbClr val="00B050"/>
+                </a:solidFill>
+              </a:rPr>
+              <a:t> </a:t>
+            </a:r>
+            <a:r>
+              <a:rPr lang="de-AT" dirty="0" err="1" smtClean="0">
+                <a:solidFill>
+                  <a:srgbClr val="00B050"/>
+                </a:solidFill>
+              </a:rPr>
+              <a:t>retrieved</a:t>
+            </a:r>
+            <a:r>
+              <a:rPr lang="de-AT" dirty="0" smtClean="0">
+                <a:solidFill>
+                  <a:srgbClr val="00B050"/>
+                </a:solidFill>
+              </a:rPr>
+              <a:t> </a:t>
+            </a:r>
+            <a:r>
+              <a:rPr lang="de-AT" dirty="0" err="1" smtClean="0">
+                <a:solidFill>
+                  <a:srgbClr val="00B050"/>
+                </a:solidFill>
+              </a:rPr>
+              <a:t>instead</a:t>
+            </a:r>
+            <a:r>
+              <a:rPr lang="de-AT" dirty="0" smtClean="0">
+                <a:solidFill>
+                  <a:srgbClr val="00B050"/>
+                </a:solidFill>
+              </a:rPr>
+              <a:t> of </a:t>
+            </a:r>
+            <a:r>
+              <a:rPr lang="de-AT" dirty="0" err="1" smtClean="0">
+                <a:solidFill>
+                  <a:srgbClr val="00B050"/>
+                </a:solidFill>
+              </a:rPr>
+              <a:t>sending</a:t>
+            </a:r>
+            <a:r>
+              <a:rPr lang="de-AT" dirty="0">
+                <a:solidFill>
+                  <a:srgbClr val="00B050"/>
+                </a:solidFill>
+              </a:rPr>
+              <a:t> </a:t>
+            </a:r>
+            <a:r>
+              <a:rPr lang="de-AT" dirty="0" err="1" smtClean="0">
+                <a:solidFill>
+                  <a:srgbClr val="00B050"/>
+                </a:solidFill>
+              </a:rPr>
+              <a:t>network</a:t>
+            </a:r>
+            <a:r>
+              <a:rPr lang="de-AT" dirty="0" smtClean="0">
+                <a:solidFill>
+                  <a:srgbClr val="00B050"/>
+                </a:solidFill>
+              </a:rPr>
+              <a:t> </a:t>
+            </a:r>
+            <a:r>
+              <a:rPr lang="de-AT" dirty="0" err="1" smtClean="0">
+                <a:solidFill>
+                  <a:srgbClr val="00B050"/>
+                </a:solidFill>
+              </a:rPr>
+              <a:t>request</a:t>
+            </a:r>
+            <a:endParaRPr lang="de-AT" dirty="0">
+              <a:solidFill>
+                <a:srgbClr val="00B050"/>
+              </a:solidFill>
+            </a:endParaRPr>
+          </a:p>
+        </p:txBody>
+      </p:sp>
+    </p:spTree>
+    <p:extLst>
+      <p:ext uri="{BB962C8B-B14F-4D97-AF65-F5344CB8AC3E}">
+        <p14:creationId xmlns:p14="http://schemas.microsoft.com/office/powerpoint/2010/main" val="1745830806"/>
+      </p:ext>
+    </p:extLst>
+  </p:cSld>
+  <p:clrMapOvr>
+    <a:masterClrMapping/>
+  </p:clrMapOvr>
+</p:sld>
+</file>
+
+<file path=ppt/slides/slide45.xml><?xml version="1.0" encoding="utf-8"?>
+<p:sld xmlns:a="http://schemas.openxmlformats.org/drawingml/2006/main" xmlns:r="http://schemas.openxmlformats.org/officeDocument/2006/relationships" xmlns:p="http://schemas.openxmlformats.org/presentationml/2006/main">
+  <p:cSld>
+    <p:spTree>
+      <p:nvGrpSpPr>
+        <p:cNvPr id="1" name=""/>
+        <p:cNvGrpSpPr/>
+        <p:nvPr/>
+      </p:nvGrpSpPr>
+      <p:grpSpPr>
+        <a:xfrm>
+          <a:off x="0" y="0"/>
+          <a:ext cx="0" cy="0"/>
+          <a:chOff x="0" y="0"/>
+          <a:chExt cx="0" cy="0"/>
+        </a:xfrm>
+      </p:grpSpPr>
+      <p:sp>
+        <p:nvSpPr>
+          <p:cNvPr id="2" name="Titel 1"/>
+          <p:cNvSpPr>
+            <a:spLocks noGrp="1"/>
+          </p:cNvSpPr>
+          <p:nvPr>
+            <p:ph type="title"/>
+          </p:nvPr>
+        </p:nvSpPr>
+        <p:spPr/>
+        <p:txBody>
+          <a:bodyPr/>
+          <a:lstStyle/>
+          <a:p>
+            <a:r>
+              <a:rPr lang="de-AT" dirty="0" err="1" smtClean="0"/>
+              <a:t>Identify</a:t>
+            </a:r>
+            <a:r>
+              <a:rPr lang="de-AT" dirty="0" smtClean="0"/>
+              <a:t> </a:t>
+            </a:r>
+            <a:r>
+              <a:rPr lang="de-AT" dirty="0" err="1" smtClean="0"/>
+              <a:t>the</a:t>
+            </a:r>
+            <a:r>
+              <a:rPr lang="de-AT" dirty="0" smtClean="0"/>
+              <a:t> </a:t>
+            </a:r>
+            <a:r>
+              <a:rPr lang="de-AT" dirty="0" err="1" smtClean="0"/>
+              <a:t>app</a:t>
+            </a:r>
+            <a:r>
+              <a:rPr lang="de-AT" dirty="0" smtClean="0"/>
+              <a:t> </a:t>
+            </a:r>
+            <a:r>
+              <a:rPr lang="de-AT" dirty="0" err="1" smtClean="0"/>
+              <a:t>shell</a:t>
+            </a:r>
+            <a:endParaRPr lang="de-AT" dirty="0"/>
+          </a:p>
+        </p:txBody>
+      </p:sp>
+      <p:sp>
+        <p:nvSpPr>
+          <p:cNvPr id="3" name="Inhaltsplatzhalter 2"/>
+          <p:cNvSpPr>
+            <a:spLocks noGrp="1"/>
+          </p:cNvSpPr>
+          <p:nvPr>
+            <p:ph idx="1"/>
+          </p:nvPr>
+        </p:nvSpPr>
+        <p:spPr/>
+        <p:txBody>
+          <a:bodyPr/>
+          <a:lstStyle/>
+          <a:p>
+            <a:r>
+              <a:rPr lang="de-AT" dirty="0" err="1" smtClean="0">
+                <a:solidFill>
+                  <a:srgbClr val="00B050"/>
+                </a:solidFill>
+              </a:rPr>
+              <a:t>Static</a:t>
+            </a:r>
+            <a:r>
+              <a:rPr lang="de-AT" dirty="0" smtClean="0">
+                <a:solidFill>
+                  <a:srgbClr val="00B050"/>
+                </a:solidFill>
+              </a:rPr>
+              <a:t> </a:t>
+            </a:r>
+            <a:r>
+              <a:rPr lang="de-AT" dirty="0" err="1" smtClean="0"/>
+              <a:t>content</a:t>
+            </a:r>
+            <a:r>
+              <a:rPr lang="de-AT" dirty="0" smtClean="0"/>
+              <a:t> </a:t>
+            </a:r>
+            <a:r>
+              <a:rPr lang="de-AT" dirty="0" err="1" smtClean="0"/>
+              <a:t>that</a:t>
+            </a:r>
+            <a:r>
+              <a:rPr lang="de-AT" dirty="0" smtClean="0"/>
+              <a:t> </a:t>
+            </a:r>
+            <a:r>
+              <a:rPr lang="de-AT" dirty="0" err="1" smtClean="0"/>
+              <a:t>is</a:t>
+            </a:r>
+            <a:r>
+              <a:rPr lang="de-AT" dirty="0" smtClean="0"/>
+              <a:t> </a:t>
+            </a:r>
+            <a:r>
+              <a:rPr lang="de-AT" dirty="0" err="1" smtClean="0"/>
+              <a:t>basic</a:t>
+            </a:r>
+            <a:r>
+              <a:rPr lang="de-AT" dirty="0" smtClean="0"/>
+              <a:t> </a:t>
+            </a:r>
+            <a:r>
+              <a:rPr lang="de-AT" dirty="0" err="1" smtClean="0"/>
+              <a:t>for</a:t>
+            </a:r>
+            <a:r>
+              <a:rPr lang="de-AT" dirty="0" smtClean="0"/>
+              <a:t> </a:t>
+            </a:r>
+            <a:r>
+              <a:rPr lang="de-AT" dirty="0" err="1" smtClean="0"/>
+              <a:t>our</a:t>
+            </a:r>
+            <a:r>
+              <a:rPr lang="de-AT" dirty="0" smtClean="0"/>
+              <a:t> </a:t>
+            </a:r>
+            <a:r>
+              <a:rPr lang="de-AT" dirty="0" err="1" smtClean="0"/>
+              <a:t>app</a:t>
+            </a:r>
+            <a:endParaRPr lang="de-AT" dirty="0" smtClean="0"/>
+          </a:p>
+          <a:p>
+            <a:r>
+              <a:rPr lang="de-AT" dirty="0" smtClean="0"/>
+              <a:t>Cache </a:t>
+            </a:r>
+            <a:r>
+              <a:rPr lang="de-AT" dirty="0" err="1" smtClean="0"/>
+              <a:t>the</a:t>
+            </a:r>
+            <a:r>
+              <a:rPr lang="de-AT" dirty="0" smtClean="0"/>
+              <a:t> </a:t>
+            </a:r>
+            <a:r>
+              <a:rPr lang="de-AT" dirty="0" err="1" smtClean="0"/>
+              <a:t>identified</a:t>
+            </a:r>
+            <a:r>
+              <a:rPr lang="de-AT" dirty="0" smtClean="0"/>
+              <a:t> </a:t>
+            </a:r>
+            <a:r>
+              <a:rPr lang="de-AT" dirty="0" err="1" smtClean="0"/>
+              <a:t>content</a:t>
+            </a:r>
+            <a:r>
+              <a:rPr lang="de-AT" dirty="0" smtClean="0"/>
+              <a:t> in </a:t>
+            </a:r>
+            <a:r>
+              <a:rPr lang="de-AT" dirty="0" err="1" smtClean="0"/>
+              <a:t>the</a:t>
+            </a:r>
+            <a:r>
+              <a:rPr lang="de-AT" dirty="0" smtClean="0"/>
+              <a:t> </a:t>
+            </a:r>
+            <a:r>
+              <a:rPr lang="de-AT" dirty="0" err="1" smtClean="0">
+                <a:solidFill>
+                  <a:srgbClr val="00B050"/>
+                </a:solidFill>
+              </a:rPr>
+              <a:t>install</a:t>
+            </a:r>
+            <a:r>
+              <a:rPr lang="de-AT" dirty="0" smtClean="0">
+                <a:solidFill>
+                  <a:srgbClr val="00B050"/>
+                </a:solidFill>
+              </a:rPr>
+              <a:t> </a:t>
+            </a:r>
+            <a:r>
+              <a:rPr lang="de-AT" dirty="0" err="1" smtClean="0"/>
+              <a:t>event</a:t>
+            </a:r>
+            <a:r>
+              <a:rPr lang="de-AT" dirty="0" smtClean="0"/>
+              <a:t> of </a:t>
+            </a:r>
+            <a:r>
+              <a:rPr lang="de-AT" dirty="0" err="1" smtClean="0"/>
+              <a:t>the</a:t>
+            </a:r>
+            <a:r>
+              <a:rPr lang="de-AT" dirty="0" smtClean="0"/>
+              <a:t> </a:t>
+            </a:r>
+            <a:r>
+              <a:rPr lang="de-AT" dirty="0" err="1" smtClean="0"/>
+              <a:t>service</a:t>
+            </a:r>
+            <a:r>
+              <a:rPr lang="de-AT" dirty="0" smtClean="0"/>
+              <a:t> </a:t>
+            </a:r>
+            <a:r>
+              <a:rPr lang="de-AT" dirty="0" err="1" smtClean="0"/>
+              <a:t>worker</a:t>
+            </a:r>
+            <a:endParaRPr lang="de-AT" dirty="0"/>
+          </a:p>
+        </p:txBody>
+      </p:sp>
+    </p:spTree>
+    <p:extLst>
+      <p:ext uri="{BB962C8B-B14F-4D97-AF65-F5344CB8AC3E}">
+        <p14:creationId xmlns:p14="http://schemas.microsoft.com/office/powerpoint/2010/main" val="1769048314"/>
+      </p:ext>
+    </p:extLst>
+  </p:cSld>
+  <p:clrMapOvr>
+    <a:masterClrMapping/>
+  </p:clrMapOvr>
+</p:sld>
+</file>
+
+<file path=ppt/slides/slide46.xml><?xml version="1.0" encoding="utf-8"?>
+<p:sld xmlns:a="http://schemas.openxmlformats.org/drawingml/2006/main" xmlns:r="http://schemas.openxmlformats.org/officeDocument/2006/relationships" xmlns:p="http://schemas.openxmlformats.org/presentationml/2006/main">
+  <p:cSld>
+    <p:spTree>
+      <p:nvGrpSpPr>
+        <p:cNvPr id="1" name=""/>
+        <p:cNvGrpSpPr/>
+        <p:nvPr/>
+      </p:nvGrpSpPr>
+      <p:grpSpPr>
+        <a:xfrm>
+          <a:off x="0" y="0"/>
+          <a:ext cx="0" cy="0"/>
+          <a:chOff x="0" y="0"/>
+          <a:chExt cx="0" cy="0"/>
+        </a:xfrm>
+      </p:grpSpPr>
+      <p:sp>
+        <p:nvSpPr>
+          <p:cNvPr id="2" name="Titel 1"/>
+          <p:cNvSpPr>
+            <a:spLocks noGrp="1"/>
+          </p:cNvSpPr>
+          <p:nvPr>
+            <p:ph type="title"/>
+          </p:nvPr>
+        </p:nvSpPr>
+        <p:spPr/>
+        <p:txBody>
+          <a:bodyPr/>
+          <a:lstStyle/>
+          <a:p>
+            <a:r>
+              <a:rPr lang="de-AT" dirty="0" smtClean="0"/>
+              <a:t>Demo STATIC </a:t>
+            </a:r>
+            <a:r>
+              <a:rPr lang="de-AT" dirty="0" err="1" smtClean="0"/>
+              <a:t>caching</a:t>
+            </a:r>
+            <a:endParaRPr lang="de-AT" dirty="0"/>
+          </a:p>
+        </p:txBody>
+      </p:sp>
+      <p:sp>
+        <p:nvSpPr>
+          <p:cNvPr id="3" name="Inhaltsplatzhalter 2"/>
+          <p:cNvSpPr>
+            <a:spLocks noGrp="1"/>
+          </p:cNvSpPr>
+          <p:nvPr>
+            <p:ph idx="1"/>
+          </p:nvPr>
+        </p:nvSpPr>
+        <p:spPr/>
+        <p:txBody>
+          <a:bodyPr/>
+          <a:lstStyle/>
+          <a:p>
+            <a:endParaRPr lang="de-AT"/>
+          </a:p>
+        </p:txBody>
+      </p:sp>
+    </p:spTree>
+    <p:extLst>
+      <p:ext uri="{BB962C8B-B14F-4D97-AF65-F5344CB8AC3E}">
+        <p14:creationId xmlns:p14="http://schemas.microsoft.com/office/powerpoint/2010/main" val="3882188858"/>
+      </p:ext>
+    </p:extLst>
+  </p:cSld>
+  <p:clrMapOvr>
+    <a:masterClrMapping/>
+  </p:clrMapOvr>
+</p:sld>
+</file>
+
+<file path=ppt/slides/slide47.xml><?xml version="1.0" encoding="utf-8"?>
+<p:sld xmlns:a="http://schemas.openxmlformats.org/drawingml/2006/main" xmlns:r="http://schemas.openxmlformats.org/officeDocument/2006/relationships" xmlns:p="http://schemas.openxmlformats.org/presentationml/2006/main">
+  <p:cSld>
+    <p:spTree>
+      <p:nvGrpSpPr>
+        <p:cNvPr id="1" name=""/>
+        <p:cNvGrpSpPr/>
+        <p:nvPr/>
+      </p:nvGrpSpPr>
+      <p:grpSpPr>
+        <a:xfrm>
+          <a:off x="0" y="0"/>
+          <a:ext cx="0" cy="0"/>
+          <a:chOff x="0" y="0"/>
+          <a:chExt cx="0" cy="0"/>
+        </a:xfrm>
+      </p:grpSpPr>
+      <p:sp>
+        <p:nvSpPr>
+          <p:cNvPr id="2" name="Titel 1"/>
+          <p:cNvSpPr>
+            <a:spLocks noGrp="1"/>
+          </p:cNvSpPr>
+          <p:nvPr>
+            <p:ph type="title"/>
+          </p:nvPr>
+        </p:nvSpPr>
+        <p:spPr/>
+        <p:txBody>
+          <a:bodyPr/>
+          <a:lstStyle/>
+          <a:p>
+            <a:r>
+              <a:rPr lang="de-AT" dirty="0" smtClean="0">
+                <a:solidFill>
+                  <a:srgbClr val="00B050"/>
+                </a:solidFill>
+              </a:rPr>
+              <a:t>Dynamic</a:t>
+            </a:r>
+            <a:r>
+              <a:rPr lang="de-AT" dirty="0" smtClean="0"/>
+              <a:t> </a:t>
+            </a:r>
+            <a:r>
+              <a:rPr lang="de-AT" dirty="0" err="1" smtClean="0"/>
+              <a:t>caching</a:t>
+            </a:r>
+            <a:endParaRPr lang="de-AT" dirty="0"/>
+          </a:p>
+        </p:txBody>
+      </p:sp>
+      <p:sp>
+        <p:nvSpPr>
+          <p:cNvPr id="3" name="Inhaltsplatzhalter 2"/>
+          <p:cNvSpPr>
+            <a:spLocks noGrp="1"/>
+          </p:cNvSpPr>
+          <p:nvPr>
+            <p:ph idx="1"/>
+          </p:nvPr>
+        </p:nvSpPr>
+        <p:spPr/>
+        <p:txBody>
+          <a:bodyPr/>
+          <a:lstStyle/>
+          <a:p>
+            <a:r>
+              <a:rPr lang="de-AT" dirty="0" smtClean="0"/>
+              <a:t>Cache </a:t>
+            </a:r>
+            <a:r>
+              <a:rPr lang="de-AT" dirty="0" err="1" smtClean="0"/>
+              <a:t>new</a:t>
+            </a:r>
+            <a:r>
+              <a:rPr lang="de-AT" dirty="0" smtClean="0"/>
+              <a:t> </a:t>
+            </a:r>
+            <a:r>
+              <a:rPr lang="de-AT" dirty="0" err="1" smtClean="0"/>
+              <a:t>requests</a:t>
+            </a:r>
+            <a:r>
+              <a:rPr lang="de-AT" dirty="0" smtClean="0"/>
+              <a:t> in </a:t>
+            </a:r>
+            <a:r>
+              <a:rPr lang="de-AT" dirty="0" err="1" smtClean="0"/>
+              <a:t>the</a:t>
+            </a:r>
+            <a:r>
+              <a:rPr lang="de-AT" dirty="0" smtClean="0"/>
+              <a:t> </a:t>
+            </a:r>
+            <a:r>
+              <a:rPr lang="de-AT" dirty="0" err="1" smtClean="0"/>
+              <a:t>fetch</a:t>
+            </a:r>
+            <a:r>
+              <a:rPr lang="de-AT" dirty="0" smtClean="0"/>
+              <a:t> </a:t>
+            </a:r>
+            <a:r>
+              <a:rPr lang="de-AT" dirty="0" err="1" smtClean="0"/>
+              <a:t>event</a:t>
+            </a:r>
+            <a:r>
+              <a:rPr lang="de-AT" dirty="0" smtClean="0"/>
+              <a:t> </a:t>
+            </a:r>
+            <a:r>
+              <a:rPr lang="de-AT" dirty="0" err="1" smtClean="0"/>
+              <a:t>dynamically</a:t>
+            </a:r>
+            <a:endParaRPr lang="de-AT" dirty="0"/>
+          </a:p>
+        </p:txBody>
+      </p:sp>
+    </p:spTree>
+    <p:extLst>
+      <p:ext uri="{BB962C8B-B14F-4D97-AF65-F5344CB8AC3E}">
+        <p14:creationId xmlns:p14="http://schemas.microsoft.com/office/powerpoint/2010/main" val="255725777"/>
+      </p:ext>
+    </p:extLst>
+  </p:cSld>
+  <p:clrMapOvr>
+    <a:masterClrMapping/>
+  </p:clrMapOvr>
+</p:sld>
+</file>
+
+<file path=ppt/slides/slide48.xml><?xml version="1.0" encoding="utf-8"?>
+<p:sld xmlns:a="http://schemas.openxmlformats.org/drawingml/2006/main" xmlns:r="http://schemas.openxmlformats.org/officeDocument/2006/relationships" xmlns:p="http://schemas.openxmlformats.org/presentationml/2006/main">
+  <p:cSld>
+    <p:spTree>
+      <p:nvGrpSpPr>
+        <p:cNvPr id="1" name=""/>
+        <p:cNvGrpSpPr/>
+        <p:nvPr/>
+      </p:nvGrpSpPr>
+      <p:grpSpPr>
+        <a:xfrm>
+          <a:off x="0" y="0"/>
+          <a:ext cx="0" cy="0"/>
+          <a:chOff x="0" y="0"/>
+          <a:chExt cx="0" cy="0"/>
+        </a:xfrm>
+      </p:grpSpPr>
+      <p:sp>
+        <p:nvSpPr>
+          <p:cNvPr id="2" name="Titel 1"/>
+          <p:cNvSpPr>
+            <a:spLocks noGrp="1"/>
+          </p:cNvSpPr>
+          <p:nvPr>
+            <p:ph type="title"/>
+          </p:nvPr>
+        </p:nvSpPr>
+        <p:spPr/>
+        <p:txBody>
+          <a:bodyPr/>
+          <a:lstStyle/>
+          <a:p>
+            <a:r>
+              <a:rPr lang="de-AT" dirty="0" smtClean="0"/>
+              <a:t>Demo DYNAMIC </a:t>
+            </a:r>
+            <a:r>
+              <a:rPr lang="de-AT" smtClean="0"/>
+              <a:t>caching</a:t>
+            </a:r>
+            <a:endParaRPr lang="de-AT"/>
+          </a:p>
+        </p:txBody>
+      </p:sp>
+      <p:sp>
+        <p:nvSpPr>
+          <p:cNvPr id="3" name="Inhaltsplatzhalter 2"/>
+          <p:cNvSpPr>
+            <a:spLocks noGrp="1"/>
+          </p:cNvSpPr>
+          <p:nvPr>
+            <p:ph idx="1"/>
+          </p:nvPr>
+        </p:nvSpPr>
+        <p:spPr/>
+        <p:txBody>
+          <a:bodyPr/>
+          <a:lstStyle/>
+          <a:p>
+            <a:endParaRPr lang="de-AT"/>
+          </a:p>
+        </p:txBody>
+      </p:sp>
+    </p:spTree>
+    <p:extLst>
+      <p:ext uri="{BB962C8B-B14F-4D97-AF65-F5344CB8AC3E}">
+        <p14:creationId xmlns:p14="http://schemas.microsoft.com/office/powerpoint/2010/main" val="887299516"/>
+      </p:ext>
+    </p:extLst>
+  </p:cSld>
+  <p:clrMapOvr>
+    <a:masterClrMapping/>
+  </p:clrMapOvr>
+</p:sld>
+</file>
+
+<file path=ppt/slides/slide49.xml><?xml version="1.0" encoding="utf-8"?>
+<p:sld xmlns:a="http://schemas.openxmlformats.org/drawingml/2006/main" xmlns:r="http://schemas.openxmlformats.org/officeDocument/2006/relationships" xmlns:p="http://schemas.openxmlformats.org/presentationml/2006/main">
+  <p:cSld>
+    <p:spTree>
+      <p:nvGrpSpPr>
+        <p:cNvPr id="1" name=""/>
+        <p:cNvGrpSpPr/>
+        <p:nvPr/>
+      </p:nvGrpSpPr>
+      <p:grpSpPr>
+        <a:xfrm>
+          <a:off x="0" y="0"/>
+          <a:ext cx="0" cy="0"/>
+          <a:chOff x="0" y="0"/>
+          <a:chExt cx="0" cy="0"/>
+        </a:xfrm>
+      </p:grpSpPr>
+      <p:sp>
+        <p:nvSpPr>
+          <p:cNvPr id="2" name="Titel 1"/>
+          <p:cNvSpPr>
+            <a:spLocks noGrp="1"/>
+          </p:cNvSpPr>
+          <p:nvPr>
+            <p:ph type="title"/>
+          </p:nvPr>
+        </p:nvSpPr>
+        <p:spPr/>
+        <p:txBody>
+          <a:bodyPr/>
+          <a:lstStyle/>
+          <a:p>
+            <a:r>
+              <a:rPr lang="de-AT" dirty="0" smtClean="0"/>
+              <a:t>Cache </a:t>
+            </a:r>
+            <a:r>
+              <a:rPr lang="de-AT" dirty="0" err="1" smtClean="0"/>
+              <a:t>versioning</a:t>
+            </a:r>
+            <a:endParaRPr lang="de-AT" dirty="0"/>
+          </a:p>
+        </p:txBody>
+      </p:sp>
+      <p:sp>
+        <p:nvSpPr>
+          <p:cNvPr id="3" name="Inhaltsplatzhalter 2"/>
+          <p:cNvSpPr>
+            <a:spLocks noGrp="1"/>
+          </p:cNvSpPr>
+          <p:nvPr>
+            <p:ph idx="1"/>
+          </p:nvPr>
+        </p:nvSpPr>
+        <p:spPr/>
+        <p:txBody>
+          <a:bodyPr/>
+          <a:lstStyle/>
+          <a:p>
+            <a:endParaRPr lang="de-AT"/>
+          </a:p>
+        </p:txBody>
+      </p:sp>
+    </p:spTree>
+    <p:extLst>
+      <p:ext uri="{BB962C8B-B14F-4D97-AF65-F5344CB8AC3E}">
+        <p14:creationId xmlns:p14="http://schemas.microsoft.com/office/powerpoint/2010/main" val="2552683851"/>
       </p:ext>
     </p:extLst>
   </p:cSld>
@@ -18380,6 +19768,2382 @@
     <p:extLst>
       <p:ext uri="{BB962C8B-B14F-4D97-AF65-F5344CB8AC3E}">
         <p14:creationId xmlns:p14="http://schemas.microsoft.com/office/powerpoint/2010/main" val="3325013621"/>
+      </p:ext>
+    </p:extLst>
+  </p:cSld>
+  <p:clrMapOvr>
+    <a:masterClrMapping/>
+  </p:clrMapOvr>
+</p:sld>
+</file>
+
+<file path=ppt/slides/slide50.xml><?xml version="1.0" encoding="utf-8"?>
+<p:sld xmlns:a="http://schemas.openxmlformats.org/drawingml/2006/main" xmlns:r="http://schemas.openxmlformats.org/officeDocument/2006/relationships" xmlns:p="http://schemas.openxmlformats.org/presentationml/2006/main">
+  <p:cSld>
+    <p:spTree>
+      <p:nvGrpSpPr>
+        <p:cNvPr id="1" name=""/>
+        <p:cNvGrpSpPr/>
+        <p:nvPr/>
+      </p:nvGrpSpPr>
+      <p:grpSpPr>
+        <a:xfrm>
+          <a:off x="0" y="0"/>
+          <a:ext cx="0" cy="0"/>
+          <a:chOff x="0" y="0"/>
+          <a:chExt cx="0" cy="0"/>
+        </a:xfrm>
+      </p:grpSpPr>
+      <p:sp>
+        <p:nvSpPr>
+          <p:cNvPr id="2" name="Titel 1"/>
+          <p:cNvSpPr>
+            <a:spLocks noGrp="1"/>
+          </p:cNvSpPr>
+          <p:nvPr>
+            <p:ph type="title"/>
+          </p:nvPr>
+        </p:nvSpPr>
+        <p:spPr/>
+        <p:txBody>
+          <a:bodyPr/>
+          <a:lstStyle/>
+          <a:p>
+            <a:r>
+              <a:rPr lang="de-AT" dirty="0" smtClean="0"/>
+              <a:t>Links</a:t>
+            </a:r>
+            <a:endParaRPr lang="de-AT" dirty="0"/>
+          </a:p>
+        </p:txBody>
+      </p:sp>
+      <p:sp>
+        <p:nvSpPr>
+          <p:cNvPr id="5" name="Inhaltsplatzhalter 4"/>
+          <p:cNvSpPr>
+            <a:spLocks noGrp="1"/>
+          </p:cNvSpPr>
+          <p:nvPr>
+            <p:ph idx="1"/>
+          </p:nvPr>
+        </p:nvSpPr>
+        <p:spPr/>
+        <p:txBody>
+          <a:bodyPr/>
+          <a:lstStyle/>
+          <a:p>
+            <a:r>
+              <a:rPr lang="en-US" dirty="0"/>
+              <a:t>About Cache Persistence and Storage Limits: </a:t>
+            </a:r>
+            <a:r>
+              <a:rPr lang="en-US" dirty="0">
+                <a:hlinkClick r:id="rId2"/>
+              </a:rPr>
+              <a:t>https://jakearchibald.com/2014/offline-cookbook/#cache-persistence</a:t>
+            </a:r>
+            <a:endParaRPr lang="en-US" dirty="0"/>
+          </a:p>
+          <a:p>
+            <a:r>
+              <a:rPr lang="en-US" dirty="0"/>
+              <a:t>Learn more about Service Workers: </a:t>
+            </a:r>
+            <a:r>
+              <a:rPr lang="en-US" dirty="0">
+                <a:hlinkClick r:id="rId3"/>
+              </a:rPr>
+              <a:t>https://developer.mozilla.org/en/docs/Web/API/Service_Worker_API</a:t>
+            </a:r>
+            <a:endParaRPr lang="en-US" dirty="0"/>
+          </a:p>
+          <a:p>
+            <a:r>
+              <a:rPr lang="en-US" dirty="0"/>
+              <a:t>Google's Introduction to Service Workers: </a:t>
+            </a:r>
+            <a:r>
+              <a:rPr lang="en-US" dirty="0">
+                <a:hlinkClick r:id="rId4"/>
+              </a:rPr>
+              <a:t>https://developers.google.com/web/fundamentals/getting-started/primers/service-workers</a:t>
+            </a:r>
+            <a:endParaRPr lang="en-US" dirty="0"/>
+          </a:p>
+          <a:p>
+            <a:endParaRPr lang="de-AT" dirty="0"/>
+          </a:p>
+        </p:txBody>
+      </p:sp>
+    </p:spTree>
+    <p:extLst>
+      <p:ext uri="{BB962C8B-B14F-4D97-AF65-F5344CB8AC3E}">
+        <p14:creationId xmlns:p14="http://schemas.microsoft.com/office/powerpoint/2010/main" val="430936316"/>
+      </p:ext>
+    </p:extLst>
+  </p:cSld>
+  <p:clrMapOvr>
+    <a:masterClrMapping/>
+  </p:clrMapOvr>
+</p:sld>
+</file>
+
+<file path=ppt/slides/slide51.xml><?xml version="1.0" encoding="utf-8"?>
+<p:sld xmlns:a="http://schemas.openxmlformats.org/drawingml/2006/main" xmlns:r="http://schemas.openxmlformats.org/officeDocument/2006/relationships" xmlns:p="http://schemas.openxmlformats.org/presentationml/2006/main">
+  <p:cSld>
+    <p:spTree>
+      <p:nvGrpSpPr>
+        <p:cNvPr id="1" name=""/>
+        <p:cNvGrpSpPr/>
+        <p:nvPr/>
+      </p:nvGrpSpPr>
+      <p:grpSpPr>
+        <a:xfrm>
+          <a:off x="0" y="0"/>
+          <a:ext cx="0" cy="0"/>
+          <a:chOff x="0" y="0"/>
+          <a:chExt cx="0" cy="0"/>
+        </a:xfrm>
+      </p:grpSpPr>
+      <p:sp>
+        <p:nvSpPr>
+          <p:cNvPr id="2" name="Titel 1"/>
+          <p:cNvSpPr>
+            <a:spLocks noGrp="1"/>
+          </p:cNvSpPr>
+          <p:nvPr>
+            <p:ph type="title"/>
+          </p:nvPr>
+        </p:nvSpPr>
+        <p:spPr/>
+        <p:txBody>
+          <a:bodyPr/>
+          <a:lstStyle/>
+          <a:p>
+            <a:r>
+              <a:rPr lang="de-AT" dirty="0"/>
+              <a:t>Outline</a:t>
+            </a:r>
+          </a:p>
+        </p:txBody>
+      </p:sp>
+      <p:sp>
+        <p:nvSpPr>
+          <p:cNvPr id="3" name="Inhaltsplatzhalter 2"/>
+          <p:cNvSpPr>
+            <a:spLocks noGrp="1"/>
+          </p:cNvSpPr>
+          <p:nvPr>
+            <p:ph idx="1"/>
+          </p:nvPr>
+        </p:nvSpPr>
+        <p:spPr/>
+        <p:txBody>
+          <a:bodyPr>
+            <a:normAutofit lnSpcReduction="10000"/>
+          </a:bodyPr>
+          <a:lstStyle/>
+          <a:p>
+            <a:pPr marL="514350" indent="-514350">
+              <a:buFont typeface="+mj-lt"/>
+              <a:buAutoNum type="arabicPeriod"/>
+            </a:pPr>
+            <a:r>
+              <a:rPr lang="de-AT" dirty="0">
+                <a:solidFill>
+                  <a:schemeClr val="accent6">
+                    <a:lumMod val="60000"/>
+                    <a:lumOff val="40000"/>
+                  </a:schemeClr>
+                </a:solidFill>
+              </a:rPr>
+              <a:t>Basics</a:t>
+            </a:r>
+          </a:p>
+          <a:p>
+            <a:pPr marL="971550" lvl="1" indent="-514350">
+              <a:buFont typeface="+mj-lt"/>
+              <a:buAutoNum type="arabicPeriod"/>
+            </a:pPr>
+            <a:r>
+              <a:rPr lang="de-AT" dirty="0">
+                <a:solidFill>
+                  <a:schemeClr val="accent6">
+                    <a:lumMod val="60000"/>
+                    <a:lumOff val="40000"/>
+                  </a:schemeClr>
+                </a:solidFill>
+              </a:rPr>
+              <a:t>App Manifest </a:t>
+            </a:r>
+          </a:p>
+          <a:p>
+            <a:pPr marL="971550" lvl="1" indent="-514350">
+              <a:buFont typeface="+mj-lt"/>
+              <a:buAutoNum type="arabicPeriod"/>
+            </a:pPr>
+            <a:r>
+              <a:rPr lang="de-AT" dirty="0">
+                <a:solidFill>
+                  <a:schemeClr val="accent6">
+                    <a:lumMod val="60000"/>
+                    <a:lumOff val="40000"/>
+                  </a:schemeClr>
+                </a:solidFill>
+              </a:rPr>
+              <a:t>Service </a:t>
+            </a:r>
+            <a:r>
+              <a:rPr lang="de-AT" dirty="0" err="1">
+                <a:solidFill>
+                  <a:schemeClr val="accent6">
+                    <a:lumMod val="60000"/>
+                    <a:lumOff val="40000"/>
+                  </a:schemeClr>
+                </a:solidFill>
+              </a:rPr>
+              <a:t>Workers</a:t>
+            </a:r>
+            <a:endParaRPr lang="de-AT" dirty="0">
+              <a:solidFill>
+                <a:schemeClr val="accent6">
+                  <a:lumMod val="60000"/>
+                  <a:lumOff val="40000"/>
+                </a:schemeClr>
+              </a:solidFill>
+            </a:endParaRPr>
+          </a:p>
+          <a:p>
+            <a:pPr marL="971550" lvl="1" indent="-514350">
+              <a:buFont typeface="+mj-lt"/>
+              <a:buAutoNum type="arabicPeriod"/>
+            </a:pPr>
+            <a:r>
+              <a:rPr lang="de-AT" dirty="0">
+                <a:solidFill>
+                  <a:schemeClr val="accent6">
+                    <a:lumMod val="60000"/>
+                    <a:lumOff val="40000"/>
+                  </a:schemeClr>
+                </a:solidFill>
+              </a:rPr>
+              <a:t>Installation</a:t>
+            </a:r>
+          </a:p>
+          <a:p>
+            <a:pPr marL="514350" indent="-514350">
+              <a:buFont typeface="+mj-lt"/>
+              <a:buAutoNum type="arabicPeriod"/>
+            </a:pPr>
+            <a:r>
+              <a:rPr lang="de-AT" dirty="0" err="1">
+                <a:solidFill>
+                  <a:schemeClr val="accent6">
+                    <a:lumMod val="60000"/>
+                    <a:lumOff val="40000"/>
+                  </a:schemeClr>
+                </a:solidFill>
+              </a:rPr>
+              <a:t>Promise</a:t>
+            </a:r>
+            <a:r>
+              <a:rPr lang="de-AT" dirty="0">
+                <a:solidFill>
+                  <a:schemeClr val="accent6">
+                    <a:lumMod val="60000"/>
+                    <a:lumOff val="40000"/>
+                  </a:schemeClr>
+                </a:solidFill>
+              </a:rPr>
+              <a:t> </a:t>
+            </a:r>
+            <a:r>
+              <a:rPr lang="de-AT" dirty="0" err="1">
+                <a:solidFill>
+                  <a:schemeClr val="accent6">
+                    <a:lumMod val="60000"/>
+                    <a:lumOff val="40000"/>
+                  </a:schemeClr>
+                </a:solidFill>
+              </a:rPr>
+              <a:t>and</a:t>
+            </a:r>
+            <a:r>
+              <a:rPr lang="de-AT" dirty="0">
+                <a:solidFill>
+                  <a:schemeClr val="accent6">
+                    <a:lumMod val="60000"/>
+                    <a:lumOff val="40000"/>
+                  </a:schemeClr>
+                </a:solidFill>
+              </a:rPr>
+              <a:t> </a:t>
+            </a:r>
+            <a:r>
+              <a:rPr lang="de-AT" dirty="0" err="1">
+                <a:solidFill>
+                  <a:schemeClr val="accent6">
+                    <a:lumMod val="60000"/>
+                    <a:lumOff val="40000"/>
+                  </a:schemeClr>
+                </a:solidFill>
+              </a:rPr>
+              <a:t>Fetch</a:t>
+            </a:r>
+            <a:r>
+              <a:rPr lang="de-AT" dirty="0">
+                <a:solidFill>
+                  <a:schemeClr val="accent6">
+                    <a:lumMod val="60000"/>
+                    <a:lumOff val="40000"/>
+                  </a:schemeClr>
+                </a:solidFill>
+              </a:rPr>
+              <a:t>, Service Worker Caching</a:t>
+            </a:r>
+          </a:p>
+          <a:p>
+            <a:pPr marL="514350" indent="-514350">
+              <a:buFont typeface="+mj-lt"/>
+              <a:buAutoNum type="arabicPeriod"/>
+            </a:pPr>
+            <a:r>
+              <a:rPr lang="de-AT" dirty="0" err="1"/>
+              <a:t>Advanced</a:t>
+            </a:r>
+            <a:r>
+              <a:rPr lang="de-AT" dirty="0"/>
+              <a:t> Caching, </a:t>
+            </a:r>
+            <a:r>
+              <a:rPr lang="de-AT" dirty="0" err="1"/>
+              <a:t>Indexed</a:t>
+            </a:r>
+            <a:r>
+              <a:rPr lang="de-AT" dirty="0"/>
+              <a:t> DB </a:t>
+            </a:r>
+            <a:r>
+              <a:rPr lang="de-AT" dirty="0" err="1"/>
+              <a:t>and</a:t>
+            </a:r>
+            <a:r>
+              <a:rPr lang="de-AT" dirty="0"/>
+              <a:t> Dynamic Data</a:t>
+            </a:r>
+          </a:p>
+          <a:p>
+            <a:pPr marL="514350" indent="-514350">
+              <a:buFont typeface="+mj-lt"/>
+              <a:buAutoNum type="arabicPeriod"/>
+            </a:pPr>
+            <a:r>
+              <a:rPr lang="de-AT" dirty="0" err="1">
+                <a:solidFill>
+                  <a:schemeClr val="bg1">
+                    <a:lumMod val="85000"/>
+                  </a:schemeClr>
+                </a:solidFill>
+              </a:rPr>
+              <a:t>Responsive</a:t>
+            </a:r>
+            <a:r>
+              <a:rPr lang="de-AT" dirty="0">
+                <a:solidFill>
+                  <a:schemeClr val="bg1">
+                    <a:lumMod val="85000"/>
+                  </a:schemeClr>
+                </a:solidFill>
+              </a:rPr>
+              <a:t> UI, Background </a:t>
+            </a:r>
+            <a:r>
+              <a:rPr lang="de-AT" dirty="0" err="1">
+                <a:solidFill>
+                  <a:schemeClr val="bg1">
+                    <a:lumMod val="85000"/>
+                  </a:schemeClr>
+                </a:solidFill>
+              </a:rPr>
+              <a:t>Sync</a:t>
+            </a:r>
+            <a:r>
+              <a:rPr lang="de-AT" dirty="0">
+                <a:solidFill>
+                  <a:schemeClr val="bg1">
+                    <a:lumMod val="85000"/>
+                  </a:schemeClr>
+                </a:solidFill>
+              </a:rPr>
+              <a:t> </a:t>
+            </a:r>
+          </a:p>
+          <a:p>
+            <a:pPr marL="514350" indent="-514350">
+              <a:buFont typeface="+mj-lt"/>
+              <a:buAutoNum type="arabicPeriod"/>
+            </a:pPr>
+            <a:r>
+              <a:rPr lang="de-AT" dirty="0">
+                <a:solidFill>
+                  <a:schemeClr val="bg1">
+                    <a:lumMod val="85000"/>
+                  </a:schemeClr>
+                </a:solidFill>
+              </a:rPr>
+              <a:t>Web Push </a:t>
+            </a:r>
+            <a:r>
+              <a:rPr lang="de-AT" dirty="0" err="1">
+                <a:solidFill>
+                  <a:schemeClr val="bg1">
+                    <a:lumMod val="85000"/>
+                  </a:schemeClr>
+                </a:solidFill>
+              </a:rPr>
+              <a:t>Notifications</a:t>
+            </a:r>
+            <a:r>
+              <a:rPr lang="de-AT" dirty="0">
+                <a:solidFill>
+                  <a:schemeClr val="bg1">
+                    <a:lumMod val="85000"/>
+                  </a:schemeClr>
+                </a:solidFill>
+              </a:rPr>
+              <a:t> </a:t>
+            </a:r>
+          </a:p>
+          <a:p>
+            <a:pPr marL="514350" indent="-514350">
+              <a:buFont typeface="+mj-lt"/>
+              <a:buAutoNum type="arabicPeriod"/>
+            </a:pPr>
+            <a:r>
+              <a:rPr lang="de-AT" dirty="0">
+                <a:solidFill>
+                  <a:schemeClr val="bg1">
+                    <a:lumMod val="85000"/>
+                  </a:schemeClr>
+                </a:solidFill>
+              </a:rPr>
+              <a:t>Native Device Features</a:t>
+            </a:r>
+          </a:p>
+          <a:p>
+            <a:pPr marL="514350" indent="-514350">
+              <a:buFont typeface="+mj-lt"/>
+              <a:buAutoNum type="arabicPeriod"/>
+            </a:pPr>
+            <a:r>
+              <a:rPr lang="de-AT" dirty="0">
+                <a:solidFill>
+                  <a:schemeClr val="bg1">
+                    <a:lumMod val="85000"/>
+                  </a:schemeClr>
+                </a:solidFill>
+              </a:rPr>
+              <a:t>Round </a:t>
+            </a:r>
+            <a:r>
+              <a:rPr lang="de-AT" dirty="0" err="1">
+                <a:solidFill>
+                  <a:schemeClr val="bg1">
+                    <a:lumMod val="85000"/>
+                  </a:schemeClr>
+                </a:solidFill>
+              </a:rPr>
+              <a:t>Up</a:t>
+            </a:r>
+            <a:r>
+              <a:rPr lang="de-AT" dirty="0">
+                <a:solidFill>
+                  <a:schemeClr val="bg1">
+                    <a:lumMod val="85000"/>
+                  </a:schemeClr>
+                </a:solidFill>
+              </a:rPr>
+              <a:t> &amp; Quiz</a:t>
+            </a:r>
+          </a:p>
+          <a:p>
+            <a:endParaRPr lang="de-AT" dirty="0"/>
+          </a:p>
+        </p:txBody>
+      </p:sp>
+    </p:spTree>
+    <p:extLst>
+      <p:ext uri="{BB962C8B-B14F-4D97-AF65-F5344CB8AC3E}">
+        <p14:creationId xmlns:p14="http://schemas.microsoft.com/office/powerpoint/2010/main" val="314153285"/>
+      </p:ext>
+    </p:extLst>
+  </p:cSld>
+  <p:clrMapOvr>
+    <a:masterClrMapping/>
+  </p:clrMapOvr>
+</p:sld>
+</file>
+
+<file path=ppt/slides/slide52.xml><?xml version="1.0" encoding="utf-8"?>
+<p:sld xmlns:a="http://schemas.openxmlformats.org/drawingml/2006/main" xmlns:r="http://schemas.openxmlformats.org/officeDocument/2006/relationships" xmlns:p="http://schemas.openxmlformats.org/presentationml/2006/main">
+  <p:cSld>
+    <p:spTree>
+      <p:nvGrpSpPr>
+        <p:cNvPr id="1" name=""/>
+        <p:cNvGrpSpPr/>
+        <p:nvPr/>
+      </p:nvGrpSpPr>
+      <p:grpSpPr>
+        <a:xfrm>
+          <a:off x="0" y="0"/>
+          <a:ext cx="0" cy="0"/>
+          <a:chOff x="0" y="0"/>
+          <a:chExt cx="0" cy="0"/>
+        </a:xfrm>
+      </p:grpSpPr>
+      <p:sp>
+        <p:nvSpPr>
+          <p:cNvPr id="2" name="Titel 1"/>
+          <p:cNvSpPr>
+            <a:spLocks noGrp="1"/>
+          </p:cNvSpPr>
+          <p:nvPr>
+            <p:ph type="title"/>
+          </p:nvPr>
+        </p:nvSpPr>
+        <p:spPr/>
+        <p:txBody>
+          <a:bodyPr/>
+          <a:lstStyle/>
+          <a:p>
+            <a:r>
+              <a:rPr lang="de-AT" dirty="0"/>
+              <a:t>Outline</a:t>
+            </a:r>
+          </a:p>
+        </p:txBody>
+      </p:sp>
+      <p:sp>
+        <p:nvSpPr>
+          <p:cNvPr id="3" name="Inhaltsplatzhalter 2"/>
+          <p:cNvSpPr>
+            <a:spLocks noGrp="1"/>
+          </p:cNvSpPr>
+          <p:nvPr>
+            <p:ph idx="1"/>
+          </p:nvPr>
+        </p:nvSpPr>
+        <p:spPr/>
+        <p:txBody>
+          <a:bodyPr>
+            <a:normAutofit lnSpcReduction="10000"/>
+          </a:bodyPr>
+          <a:lstStyle/>
+          <a:p>
+            <a:pPr marL="514350" indent="-514350">
+              <a:buFont typeface="+mj-lt"/>
+              <a:buAutoNum type="arabicPeriod"/>
+            </a:pPr>
+            <a:r>
+              <a:rPr lang="de-AT" dirty="0">
+                <a:solidFill>
+                  <a:schemeClr val="accent6">
+                    <a:lumMod val="60000"/>
+                    <a:lumOff val="40000"/>
+                  </a:schemeClr>
+                </a:solidFill>
+              </a:rPr>
+              <a:t>Basics</a:t>
+            </a:r>
+          </a:p>
+          <a:p>
+            <a:pPr marL="971550" lvl="1" indent="-514350">
+              <a:buFont typeface="+mj-lt"/>
+              <a:buAutoNum type="arabicPeriod"/>
+            </a:pPr>
+            <a:r>
+              <a:rPr lang="de-AT" dirty="0">
+                <a:solidFill>
+                  <a:schemeClr val="accent6">
+                    <a:lumMod val="60000"/>
+                    <a:lumOff val="40000"/>
+                  </a:schemeClr>
+                </a:solidFill>
+              </a:rPr>
+              <a:t>App Manifest </a:t>
+            </a:r>
+          </a:p>
+          <a:p>
+            <a:pPr marL="971550" lvl="1" indent="-514350">
+              <a:buFont typeface="+mj-lt"/>
+              <a:buAutoNum type="arabicPeriod"/>
+            </a:pPr>
+            <a:r>
+              <a:rPr lang="de-AT" dirty="0">
+                <a:solidFill>
+                  <a:schemeClr val="accent6">
+                    <a:lumMod val="60000"/>
+                    <a:lumOff val="40000"/>
+                  </a:schemeClr>
+                </a:solidFill>
+              </a:rPr>
+              <a:t>Service </a:t>
+            </a:r>
+            <a:r>
+              <a:rPr lang="de-AT" dirty="0" err="1">
+                <a:solidFill>
+                  <a:schemeClr val="accent6">
+                    <a:lumMod val="60000"/>
+                    <a:lumOff val="40000"/>
+                  </a:schemeClr>
+                </a:solidFill>
+              </a:rPr>
+              <a:t>Workers</a:t>
+            </a:r>
+            <a:endParaRPr lang="de-AT" dirty="0">
+              <a:solidFill>
+                <a:schemeClr val="accent6">
+                  <a:lumMod val="60000"/>
+                  <a:lumOff val="40000"/>
+                </a:schemeClr>
+              </a:solidFill>
+            </a:endParaRPr>
+          </a:p>
+          <a:p>
+            <a:pPr marL="971550" lvl="1" indent="-514350">
+              <a:buFont typeface="+mj-lt"/>
+              <a:buAutoNum type="arabicPeriod"/>
+            </a:pPr>
+            <a:r>
+              <a:rPr lang="de-AT" dirty="0">
+                <a:solidFill>
+                  <a:schemeClr val="accent6">
+                    <a:lumMod val="60000"/>
+                    <a:lumOff val="40000"/>
+                  </a:schemeClr>
+                </a:solidFill>
+              </a:rPr>
+              <a:t>Installation</a:t>
+            </a:r>
+          </a:p>
+          <a:p>
+            <a:pPr marL="514350" indent="-514350">
+              <a:buFont typeface="+mj-lt"/>
+              <a:buAutoNum type="arabicPeriod"/>
+            </a:pPr>
+            <a:r>
+              <a:rPr lang="de-AT" dirty="0" err="1">
+                <a:solidFill>
+                  <a:schemeClr val="accent6">
+                    <a:lumMod val="60000"/>
+                    <a:lumOff val="40000"/>
+                  </a:schemeClr>
+                </a:solidFill>
+              </a:rPr>
+              <a:t>Promise</a:t>
+            </a:r>
+            <a:r>
+              <a:rPr lang="de-AT" dirty="0">
+                <a:solidFill>
+                  <a:schemeClr val="accent6">
+                    <a:lumMod val="60000"/>
+                    <a:lumOff val="40000"/>
+                  </a:schemeClr>
+                </a:solidFill>
+              </a:rPr>
+              <a:t> </a:t>
+            </a:r>
+            <a:r>
+              <a:rPr lang="de-AT" dirty="0" err="1">
+                <a:solidFill>
+                  <a:schemeClr val="accent6">
+                    <a:lumMod val="60000"/>
+                    <a:lumOff val="40000"/>
+                  </a:schemeClr>
+                </a:solidFill>
+              </a:rPr>
+              <a:t>and</a:t>
+            </a:r>
+            <a:r>
+              <a:rPr lang="de-AT" dirty="0">
+                <a:solidFill>
+                  <a:schemeClr val="accent6">
+                    <a:lumMod val="60000"/>
+                    <a:lumOff val="40000"/>
+                  </a:schemeClr>
+                </a:solidFill>
+              </a:rPr>
+              <a:t> </a:t>
+            </a:r>
+            <a:r>
+              <a:rPr lang="de-AT" dirty="0" err="1">
+                <a:solidFill>
+                  <a:schemeClr val="accent6">
+                    <a:lumMod val="60000"/>
+                    <a:lumOff val="40000"/>
+                  </a:schemeClr>
+                </a:solidFill>
+              </a:rPr>
+              <a:t>Fetch</a:t>
+            </a:r>
+            <a:r>
+              <a:rPr lang="de-AT" dirty="0">
+                <a:solidFill>
+                  <a:schemeClr val="accent6">
+                    <a:lumMod val="60000"/>
+                    <a:lumOff val="40000"/>
+                  </a:schemeClr>
+                </a:solidFill>
+              </a:rPr>
+              <a:t>, Service Worker Caching</a:t>
+            </a:r>
+          </a:p>
+          <a:p>
+            <a:pPr marL="514350" indent="-514350">
+              <a:buFont typeface="+mj-lt"/>
+              <a:buAutoNum type="arabicPeriod"/>
+            </a:pPr>
+            <a:r>
+              <a:rPr lang="de-AT" dirty="0" err="1">
+                <a:solidFill>
+                  <a:schemeClr val="accent6">
+                    <a:lumMod val="60000"/>
+                    <a:lumOff val="40000"/>
+                  </a:schemeClr>
+                </a:solidFill>
+              </a:rPr>
+              <a:t>Advanced</a:t>
+            </a:r>
+            <a:r>
+              <a:rPr lang="de-AT" dirty="0">
+                <a:solidFill>
+                  <a:schemeClr val="accent6">
+                    <a:lumMod val="60000"/>
+                    <a:lumOff val="40000"/>
+                  </a:schemeClr>
+                </a:solidFill>
+              </a:rPr>
+              <a:t> Caching, </a:t>
+            </a:r>
+            <a:r>
+              <a:rPr lang="de-AT" dirty="0" err="1">
+                <a:solidFill>
+                  <a:schemeClr val="accent6">
+                    <a:lumMod val="60000"/>
+                    <a:lumOff val="40000"/>
+                  </a:schemeClr>
+                </a:solidFill>
+              </a:rPr>
+              <a:t>Indexed</a:t>
+            </a:r>
+            <a:r>
+              <a:rPr lang="de-AT" dirty="0">
+                <a:solidFill>
+                  <a:schemeClr val="accent6">
+                    <a:lumMod val="60000"/>
+                    <a:lumOff val="40000"/>
+                  </a:schemeClr>
+                </a:solidFill>
+              </a:rPr>
+              <a:t> DB </a:t>
+            </a:r>
+            <a:r>
+              <a:rPr lang="de-AT" dirty="0" err="1">
+                <a:solidFill>
+                  <a:schemeClr val="accent6">
+                    <a:lumMod val="60000"/>
+                    <a:lumOff val="40000"/>
+                  </a:schemeClr>
+                </a:solidFill>
+              </a:rPr>
+              <a:t>and</a:t>
+            </a:r>
+            <a:r>
+              <a:rPr lang="de-AT" dirty="0">
+                <a:solidFill>
+                  <a:schemeClr val="accent6">
+                    <a:lumMod val="60000"/>
+                    <a:lumOff val="40000"/>
+                  </a:schemeClr>
+                </a:solidFill>
+              </a:rPr>
+              <a:t> Dynamic Data</a:t>
+            </a:r>
+          </a:p>
+          <a:p>
+            <a:pPr marL="514350" indent="-514350">
+              <a:buFont typeface="+mj-lt"/>
+              <a:buAutoNum type="arabicPeriod"/>
+            </a:pPr>
+            <a:r>
+              <a:rPr lang="de-AT" dirty="0" err="1"/>
+              <a:t>Responsive</a:t>
+            </a:r>
+            <a:r>
+              <a:rPr lang="de-AT" dirty="0"/>
+              <a:t> UI, Background </a:t>
+            </a:r>
+            <a:r>
+              <a:rPr lang="de-AT" dirty="0" err="1"/>
+              <a:t>Sync</a:t>
+            </a:r>
+            <a:r>
+              <a:rPr lang="de-AT" dirty="0"/>
+              <a:t> </a:t>
+            </a:r>
+          </a:p>
+          <a:p>
+            <a:pPr marL="514350" indent="-514350">
+              <a:buFont typeface="+mj-lt"/>
+              <a:buAutoNum type="arabicPeriod"/>
+            </a:pPr>
+            <a:r>
+              <a:rPr lang="de-AT" dirty="0">
+                <a:solidFill>
+                  <a:schemeClr val="bg1">
+                    <a:lumMod val="85000"/>
+                  </a:schemeClr>
+                </a:solidFill>
+              </a:rPr>
+              <a:t>Web Push </a:t>
+            </a:r>
+            <a:r>
+              <a:rPr lang="de-AT" dirty="0" err="1">
+                <a:solidFill>
+                  <a:schemeClr val="bg1">
+                    <a:lumMod val="85000"/>
+                  </a:schemeClr>
+                </a:solidFill>
+              </a:rPr>
+              <a:t>Notifications</a:t>
+            </a:r>
+            <a:r>
+              <a:rPr lang="de-AT" dirty="0">
+                <a:solidFill>
+                  <a:schemeClr val="bg1">
+                    <a:lumMod val="85000"/>
+                  </a:schemeClr>
+                </a:solidFill>
+              </a:rPr>
+              <a:t> </a:t>
+            </a:r>
+          </a:p>
+          <a:p>
+            <a:pPr marL="514350" indent="-514350">
+              <a:buFont typeface="+mj-lt"/>
+              <a:buAutoNum type="arabicPeriod"/>
+            </a:pPr>
+            <a:r>
+              <a:rPr lang="de-AT" dirty="0">
+                <a:solidFill>
+                  <a:schemeClr val="bg1">
+                    <a:lumMod val="85000"/>
+                  </a:schemeClr>
+                </a:solidFill>
+              </a:rPr>
+              <a:t>Native Device Features</a:t>
+            </a:r>
+          </a:p>
+          <a:p>
+            <a:pPr marL="514350" indent="-514350">
+              <a:buFont typeface="+mj-lt"/>
+              <a:buAutoNum type="arabicPeriod"/>
+            </a:pPr>
+            <a:r>
+              <a:rPr lang="de-AT" dirty="0">
+                <a:solidFill>
+                  <a:schemeClr val="bg1">
+                    <a:lumMod val="85000"/>
+                  </a:schemeClr>
+                </a:solidFill>
+              </a:rPr>
+              <a:t>Round </a:t>
+            </a:r>
+            <a:r>
+              <a:rPr lang="de-AT" dirty="0" err="1">
+                <a:solidFill>
+                  <a:schemeClr val="bg1">
+                    <a:lumMod val="85000"/>
+                  </a:schemeClr>
+                </a:solidFill>
+              </a:rPr>
+              <a:t>Up</a:t>
+            </a:r>
+            <a:r>
+              <a:rPr lang="de-AT" dirty="0">
+                <a:solidFill>
+                  <a:schemeClr val="bg1">
+                    <a:lumMod val="85000"/>
+                  </a:schemeClr>
+                </a:solidFill>
+              </a:rPr>
+              <a:t> &amp; Quiz</a:t>
+            </a:r>
+          </a:p>
+          <a:p>
+            <a:endParaRPr lang="de-AT" dirty="0"/>
+          </a:p>
+        </p:txBody>
+      </p:sp>
+    </p:spTree>
+    <p:extLst>
+      <p:ext uri="{BB962C8B-B14F-4D97-AF65-F5344CB8AC3E}">
+        <p14:creationId xmlns:p14="http://schemas.microsoft.com/office/powerpoint/2010/main" val="1801515692"/>
+      </p:ext>
+    </p:extLst>
+  </p:cSld>
+  <p:clrMapOvr>
+    <a:masterClrMapping/>
+  </p:clrMapOvr>
+</p:sld>
+</file>
+
+<file path=ppt/slides/slide53.xml><?xml version="1.0" encoding="utf-8"?>
+<p:sld xmlns:a="http://schemas.openxmlformats.org/drawingml/2006/main" xmlns:r="http://schemas.openxmlformats.org/officeDocument/2006/relationships" xmlns:p="http://schemas.openxmlformats.org/presentationml/2006/main">
+  <p:cSld>
+    <p:spTree>
+      <p:nvGrpSpPr>
+        <p:cNvPr id="1" name=""/>
+        <p:cNvGrpSpPr/>
+        <p:nvPr/>
+      </p:nvGrpSpPr>
+      <p:grpSpPr>
+        <a:xfrm>
+          <a:off x="0" y="0"/>
+          <a:ext cx="0" cy="0"/>
+          <a:chOff x="0" y="0"/>
+          <a:chExt cx="0" cy="0"/>
+        </a:xfrm>
+      </p:grpSpPr>
+      <p:sp>
+        <p:nvSpPr>
+          <p:cNvPr id="2" name="Titel 1"/>
+          <p:cNvSpPr>
+            <a:spLocks noGrp="1"/>
+          </p:cNvSpPr>
+          <p:nvPr>
+            <p:ph type="title"/>
+          </p:nvPr>
+        </p:nvSpPr>
+        <p:spPr/>
+        <p:txBody>
+          <a:bodyPr/>
+          <a:lstStyle/>
+          <a:p>
+            <a:r>
+              <a:rPr lang="de-AT" dirty="0"/>
+              <a:t>Outline</a:t>
+            </a:r>
+          </a:p>
+        </p:txBody>
+      </p:sp>
+      <p:sp>
+        <p:nvSpPr>
+          <p:cNvPr id="3" name="Inhaltsplatzhalter 2"/>
+          <p:cNvSpPr>
+            <a:spLocks noGrp="1"/>
+          </p:cNvSpPr>
+          <p:nvPr>
+            <p:ph idx="1"/>
+          </p:nvPr>
+        </p:nvSpPr>
+        <p:spPr/>
+        <p:txBody>
+          <a:bodyPr>
+            <a:normAutofit lnSpcReduction="10000"/>
+          </a:bodyPr>
+          <a:lstStyle/>
+          <a:p>
+            <a:pPr marL="514350" indent="-514350">
+              <a:buFont typeface="+mj-lt"/>
+              <a:buAutoNum type="arabicPeriod"/>
+            </a:pPr>
+            <a:r>
+              <a:rPr lang="de-AT" dirty="0">
+                <a:solidFill>
+                  <a:schemeClr val="accent6">
+                    <a:lumMod val="60000"/>
+                    <a:lumOff val="40000"/>
+                  </a:schemeClr>
+                </a:solidFill>
+              </a:rPr>
+              <a:t>Basics</a:t>
+            </a:r>
+          </a:p>
+          <a:p>
+            <a:pPr marL="971550" lvl="1" indent="-514350">
+              <a:buFont typeface="+mj-lt"/>
+              <a:buAutoNum type="arabicPeriod"/>
+            </a:pPr>
+            <a:r>
+              <a:rPr lang="de-AT" dirty="0">
+                <a:solidFill>
+                  <a:schemeClr val="accent6">
+                    <a:lumMod val="60000"/>
+                    <a:lumOff val="40000"/>
+                  </a:schemeClr>
+                </a:solidFill>
+              </a:rPr>
+              <a:t>App Manifest </a:t>
+            </a:r>
+          </a:p>
+          <a:p>
+            <a:pPr marL="971550" lvl="1" indent="-514350">
+              <a:buFont typeface="+mj-lt"/>
+              <a:buAutoNum type="arabicPeriod"/>
+            </a:pPr>
+            <a:r>
+              <a:rPr lang="de-AT" dirty="0">
+                <a:solidFill>
+                  <a:schemeClr val="accent6">
+                    <a:lumMod val="60000"/>
+                    <a:lumOff val="40000"/>
+                  </a:schemeClr>
+                </a:solidFill>
+              </a:rPr>
+              <a:t>Service </a:t>
+            </a:r>
+            <a:r>
+              <a:rPr lang="de-AT" dirty="0" err="1">
+                <a:solidFill>
+                  <a:schemeClr val="accent6">
+                    <a:lumMod val="60000"/>
+                    <a:lumOff val="40000"/>
+                  </a:schemeClr>
+                </a:solidFill>
+              </a:rPr>
+              <a:t>Workers</a:t>
+            </a:r>
+            <a:endParaRPr lang="de-AT" dirty="0">
+              <a:solidFill>
+                <a:schemeClr val="accent6">
+                  <a:lumMod val="60000"/>
+                  <a:lumOff val="40000"/>
+                </a:schemeClr>
+              </a:solidFill>
+            </a:endParaRPr>
+          </a:p>
+          <a:p>
+            <a:pPr marL="971550" lvl="1" indent="-514350">
+              <a:buFont typeface="+mj-lt"/>
+              <a:buAutoNum type="arabicPeriod"/>
+            </a:pPr>
+            <a:r>
+              <a:rPr lang="de-AT" dirty="0">
+                <a:solidFill>
+                  <a:schemeClr val="accent6">
+                    <a:lumMod val="60000"/>
+                    <a:lumOff val="40000"/>
+                  </a:schemeClr>
+                </a:solidFill>
+              </a:rPr>
+              <a:t>Installation</a:t>
+            </a:r>
+          </a:p>
+          <a:p>
+            <a:pPr marL="514350" indent="-514350">
+              <a:buFont typeface="+mj-lt"/>
+              <a:buAutoNum type="arabicPeriod"/>
+            </a:pPr>
+            <a:r>
+              <a:rPr lang="de-AT" dirty="0" err="1">
+                <a:solidFill>
+                  <a:schemeClr val="accent6">
+                    <a:lumMod val="60000"/>
+                    <a:lumOff val="40000"/>
+                  </a:schemeClr>
+                </a:solidFill>
+              </a:rPr>
+              <a:t>Promise</a:t>
+            </a:r>
+            <a:r>
+              <a:rPr lang="de-AT" dirty="0">
+                <a:solidFill>
+                  <a:schemeClr val="accent6">
+                    <a:lumMod val="60000"/>
+                    <a:lumOff val="40000"/>
+                  </a:schemeClr>
+                </a:solidFill>
+              </a:rPr>
+              <a:t> </a:t>
+            </a:r>
+            <a:r>
+              <a:rPr lang="de-AT" dirty="0" err="1">
+                <a:solidFill>
+                  <a:schemeClr val="accent6">
+                    <a:lumMod val="60000"/>
+                    <a:lumOff val="40000"/>
+                  </a:schemeClr>
+                </a:solidFill>
+              </a:rPr>
+              <a:t>and</a:t>
+            </a:r>
+            <a:r>
+              <a:rPr lang="de-AT" dirty="0">
+                <a:solidFill>
+                  <a:schemeClr val="accent6">
+                    <a:lumMod val="60000"/>
+                    <a:lumOff val="40000"/>
+                  </a:schemeClr>
+                </a:solidFill>
+              </a:rPr>
+              <a:t> </a:t>
+            </a:r>
+            <a:r>
+              <a:rPr lang="de-AT" dirty="0" err="1">
+                <a:solidFill>
+                  <a:schemeClr val="accent6">
+                    <a:lumMod val="60000"/>
+                    <a:lumOff val="40000"/>
+                  </a:schemeClr>
+                </a:solidFill>
+              </a:rPr>
+              <a:t>Fetch</a:t>
+            </a:r>
+            <a:r>
+              <a:rPr lang="de-AT" dirty="0">
+                <a:solidFill>
+                  <a:schemeClr val="accent6">
+                    <a:lumMod val="60000"/>
+                    <a:lumOff val="40000"/>
+                  </a:schemeClr>
+                </a:solidFill>
+              </a:rPr>
+              <a:t>, Service Worker Caching</a:t>
+            </a:r>
+          </a:p>
+          <a:p>
+            <a:pPr marL="514350" indent="-514350">
+              <a:buFont typeface="+mj-lt"/>
+              <a:buAutoNum type="arabicPeriod"/>
+            </a:pPr>
+            <a:r>
+              <a:rPr lang="de-AT" dirty="0" err="1">
+                <a:solidFill>
+                  <a:schemeClr val="accent6">
+                    <a:lumMod val="60000"/>
+                    <a:lumOff val="40000"/>
+                  </a:schemeClr>
+                </a:solidFill>
+              </a:rPr>
+              <a:t>Advanced</a:t>
+            </a:r>
+            <a:r>
+              <a:rPr lang="de-AT" dirty="0">
+                <a:solidFill>
+                  <a:schemeClr val="accent6">
+                    <a:lumMod val="60000"/>
+                    <a:lumOff val="40000"/>
+                  </a:schemeClr>
+                </a:solidFill>
+              </a:rPr>
+              <a:t> Caching, </a:t>
+            </a:r>
+            <a:r>
+              <a:rPr lang="de-AT" dirty="0" err="1">
+                <a:solidFill>
+                  <a:schemeClr val="accent6">
+                    <a:lumMod val="60000"/>
+                    <a:lumOff val="40000"/>
+                  </a:schemeClr>
+                </a:solidFill>
+              </a:rPr>
+              <a:t>Indexed</a:t>
+            </a:r>
+            <a:r>
+              <a:rPr lang="de-AT" dirty="0">
+                <a:solidFill>
+                  <a:schemeClr val="accent6">
+                    <a:lumMod val="60000"/>
+                    <a:lumOff val="40000"/>
+                  </a:schemeClr>
+                </a:solidFill>
+              </a:rPr>
+              <a:t> DB </a:t>
+            </a:r>
+            <a:r>
+              <a:rPr lang="de-AT" dirty="0" err="1">
+                <a:solidFill>
+                  <a:schemeClr val="accent6">
+                    <a:lumMod val="60000"/>
+                    <a:lumOff val="40000"/>
+                  </a:schemeClr>
+                </a:solidFill>
+              </a:rPr>
+              <a:t>and</a:t>
+            </a:r>
+            <a:r>
+              <a:rPr lang="de-AT" dirty="0">
+                <a:solidFill>
+                  <a:schemeClr val="accent6">
+                    <a:lumMod val="60000"/>
+                    <a:lumOff val="40000"/>
+                  </a:schemeClr>
+                </a:solidFill>
+              </a:rPr>
+              <a:t> Dynamic Data</a:t>
+            </a:r>
+          </a:p>
+          <a:p>
+            <a:pPr marL="514350" indent="-514350">
+              <a:buFont typeface="+mj-lt"/>
+              <a:buAutoNum type="arabicPeriod"/>
+            </a:pPr>
+            <a:r>
+              <a:rPr lang="de-AT" dirty="0" err="1">
+                <a:solidFill>
+                  <a:schemeClr val="accent6">
+                    <a:lumMod val="60000"/>
+                    <a:lumOff val="40000"/>
+                  </a:schemeClr>
+                </a:solidFill>
+              </a:rPr>
+              <a:t>Responsive</a:t>
+            </a:r>
+            <a:r>
+              <a:rPr lang="de-AT" dirty="0">
+                <a:solidFill>
+                  <a:schemeClr val="accent6">
+                    <a:lumMod val="60000"/>
+                    <a:lumOff val="40000"/>
+                  </a:schemeClr>
+                </a:solidFill>
+              </a:rPr>
+              <a:t> UI, Background </a:t>
+            </a:r>
+            <a:r>
+              <a:rPr lang="de-AT" dirty="0" err="1">
+                <a:solidFill>
+                  <a:schemeClr val="accent6">
+                    <a:lumMod val="60000"/>
+                    <a:lumOff val="40000"/>
+                  </a:schemeClr>
+                </a:solidFill>
+              </a:rPr>
+              <a:t>Sync</a:t>
+            </a:r>
+            <a:r>
+              <a:rPr lang="de-AT" dirty="0">
+                <a:solidFill>
+                  <a:schemeClr val="accent6">
+                    <a:lumMod val="60000"/>
+                    <a:lumOff val="40000"/>
+                  </a:schemeClr>
+                </a:solidFill>
+              </a:rPr>
+              <a:t> </a:t>
+            </a:r>
+          </a:p>
+          <a:p>
+            <a:pPr marL="514350" indent="-514350">
+              <a:buFont typeface="+mj-lt"/>
+              <a:buAutoNum type="arabicPeriod"/>
+            </a:pPr>
+            <a:r>
+              <a:rPr lang="de-AT" dirty="0"/>
+              <a:t>Web Push </a:t>
+            </a:r>
+            <a:r>
+              <a:rPr lang="de-AT" dirty="0" err="1"/>
+              <a:t>Notifications</a:t>
+            </a:r>
+            <a:r>
+              <a:rPr lang="de-AT" dirty="0"/>
+              <a:t> </a:t>
+            </a:r>
+          </a:p>
+          <a:p>
+            <a:pPr marL="514350" indent="-514350">
+              <a:buFont typeface="+mj-lt"/>
+              <a:buAutoNum type="arabicPeriod"/>
+            </a:pPr>
+            <a:r>
+              <a:rPr lang="de-AT" dirty="0">
+                <a:solidFill>
+                  <a:schemeClr val="bg1">
+                    <a:lumMod val="85000"/>
+                  </a:schemeClr>
+                </a:solidFill>
+              </a:rPr>
+              <a:t>Native Device Features</a:t>
+            </a:r>
+          </a:p>
+          <a:p>
+            <a:pPr marL="514350" indent="-514350">
+              <a:buFont typeface="+mj-lt"/>
+              <a:buAutoNum type="arabicPeriod"/>
+            </a:pPr>
+            <a:r>
+              <a:rPr lang="de-AT" dirty="0">
+                <a:solidFill>
+                  <a:schemeClr val="bg1">
+                    <a:lumMod val="85000"/>
+                  </a:schemeClr>
+                </a:solidFill>
+              </a:rPr>
+              <a:t>Round </a:t>
+            </a:r>
+            <a:r>
+              <a:rPr lang="de-AT" dirty="0" err="1">
+                <a:solidFill>
+                  <a:schemeClr val="bg1">
+                    <a:lumMod val="85000"/>
+                  </a:schemeClr>
+                </a:solidFill>
+              </a:rPr>
+              <a:t>Up</a:t>
+            </a:r>
+            <a:r>
+              <a:rPr lang="de-AT" dirty="0">
+                <a:solidFill>
+                  <a:schemeClr val="bg1">
+                    <a:lumMod val="85000"/>
+                  </a:schemeClr>
+                </a:solidFill>
+              </a:rPr>
+              <a:t> &amp; Quiz</a:t>
+            </a:r>
+          </a:p>
+          <a:p>
+            <a:endParaRPr lang="de-AT" dirty="0"/>
+          </a:p>
+        </p:txBody>
+      </p:sp>
+    </p:spTree>
+    <p:extLst>
+      <p:ext uri="{BB962C8B-B14F-4D97-AF65-F5344CB8AC3E}">
+        <p14:creationId xmlns:p14="http://schemas.microsoft.com/office/powerpoint/2010/main" val="2621541282"/>
+      </p:ext>
+    </p:extLst>
+  </p:cSld>
+  <p:clrMapOvr>
+    <a:masterClrMapping/>
+  </p:clrMapOvr>
+</p:sld>
+</file>
+
+<file path=ppt/slides/slide54.xml><?xml version="1.0" encoding="utf-8"?>
+<p:sld xmlns:a="http://schemas.openxmlformats.org/drawingml/2006/main" xmlns:r="http://schemas.openxmlformats.org/officeDocument/2006/relationships" xmlns:p="http://schemas.openxmlformats.org/presentationml/2006/main">
+  <p:cSld>
+    <p:spTree>
+      <p:nvGrpSpPr>
+        <p:cNvPr id="1" name=""/>
+        <p:cNvGrpSpPr/>
+        <p:nvPr/>
+      </p:nvGrpSpPr>
+      <p:grpSpPr>
+        <a:xfrm>
+          <a:off x="0" y="0"/>
+          <a:ext cx="0" cy="0"/>
+          <a:chOff x="0" y="0"/>
+          <a:chExt cx="0" cy="0"/>
+        </a:xfrm>
+      </p:grpSpPr>
+      <p:sp>
+        <p:nvSpPr>
+          <p:cNvPr id="2" name="Titel 1"/>
+          <p:cNvSpPr>
+            <a:spLocks noGrp="1"/>
+          </p:cNvSpPr>
+          <p:nvPr>
+            <p:ph type="title"/>
+          </p:nvPr>
+        </p:nvSpPr>
+        <p:spPr/>
+        <p:txBody>
+          <a:bodyPr/>
+          <a:lstStyle/>
+          <a:p>
+            <a:r>
+              <a:rPr lang="de-AT" dirty="0"/>
+              <a:t>Outline</a:t>
+            </a:r>
+          </a:p>
+        </p:txBody>
+      </p:sp>
+      <p:sp>
+        <p:nvSpPr>
+          <p:cNvPr id="3" name="Inhaltsplatzhalter 2"/>
+          <p:cNvSpPr>
+            <a:spLocks noGrp="1"/>
+          </p:cNvSpPr>
+          <p:nvPr>
+            <p:ph idx="1"/>
+          </p:nvPr>
+        </p:nvSpPr>
+        <p:spPr/>
+        <p:txBody>
+          <a:bodyPr>
+            <a:normAutofit lnSpcReduction="10000"/>
+          </a:bodyPr>
+          <a:lstStyle/>
+          <a:p>
+            <a:pPr marL="514350" indent="-514350">
+              <a:buFont typeface="+mj-lt"/>
+              <a:buAutoNum type="arabicPeriod"/>
+            </a:pPr>
+            <a:r>
+              <a:rPr lang="de-AT" dirty="0">
+                <a:solidFill>
+                  <a:schemeClr val="accent6">
+                    <a:lumMod val="60000"/>
+                    <a:lumOff val="40000"/>
+                  </a:schemeClr>
+                </a:solidFill>
+              </a:rPr>
+              <a:t>Basics</a:t>
+            </a:r>
+          </a:p>
+          <a:p>
+            <a:pPr marL="971550" lvl="1" indent="-514350">
+              <a:buFont typeface="+mj-lt"/>
+              <a:buAutoNum type="arabicPeriod"/>
+            </a:pPr>
+            <a:r>
+              <a:rPr lang="de-AT" dirty="0">
+                <a:solidFill>
+                  <a:schemeClr val="accent6">
+                    <a:lumMod val="60000"/>
+                    <a:lumOff val="40000"/>
+                  </a:schemeClr>
+                </a:solidFill>
+              </a:rPr>
+              <a:t>App Manifest </a:t>
+            </a:r>
+          </a:p>
+          <a:p>
+            <a:pPr marL="971550" lvl="1" indent="-514350">
+              <a:buFont typeface="+mj-lt"/>
+              <a:buAutoNum type="arabicPeriod"/>
+            </a:pPr>
+            <a:r>
+              <a:rPr lang="de-AT" dirty="0">
+                <a:solidFill>
+                  <a:schemeClr val="accent6">
+                    <a:lumMod val="60000"/>
+                    <a:lumOff val="40000"/>
+                  </a:schemeClr>
+                </a:solidFill>
+              </a:rPr>
+              <a:t>Service </a:t>
+            </a:r>
+            <a:r>
+              <a:rPr lang="de-AT" dirty="0" err="1">
+                <a:solidFill>
+                  <a:schemeClr val="accent6">
+                    <a:lumMod val="60000"/>
+                    <a:lumOff val="40000"/>
+                  </a:schemeClr>
+                </a:solidFill>
+              </a:rPr>
+              <a:t>Workers</a:t>
+            </a:r>
+            <a:endParaRPr lang="de-AT" dirty="0">
+              <a:solidFill>
+                <a:schemeClr val="accent6">
+                  <a:lumMod val="60000"/>
+                  <a:lumOff val="40000"/>
+                </a:schemeClr>
+              </a:solidFill>
+            </a:endParaRPr>
+          </a:p>
+          <a:p>
+            <a:pPr marL="971550" lvl="1" indent="-514350">
+              <a:buFont typeface="+mj-lt"/>
+              <a:buAutoNum type="arabicPeriod"/>
+            </a:pPr>
+            <a:r>
+              <a:rPr lang="de-AT" dirty="0">
+                <a:solidFill>
+                  <a:schemeClr val="accent6">
+                    <a:lumMod val="60000"/>
+                    <a:lumOff val="40000"/>
+                  </a:schemeClr>
+                </a:solidFill>
+              </a:rPr>
+              <a:t>Installation</a:t>
+            </a:r>
+          </a:p>
+          <a:p>
+            <a:pPr marL="514350" indent="-514350">
+              <a:buFont typeface="+mj-lt"/>
+              <a:buAutoNum type="arabicPeriod"/>
+            </a:pPr>
+            <a:r>
+              <a:rPr lang="de-AT" dirty="0" err="1">
+                <a:solidFill>
+                  <a:schemeClr val="accent6">
+                    <a:lumMod val="60000"/>
+                    <a:lumOff val="40000"/>
+                  </a:schemeClr>
+                </a:solidFill>
+              </a:rPr>
+              <a:t>Promise</a:t>
+            </a:r>
+            <a:r>
+              <a:rPr lang="de-AT" dirty="0">
+                <a:solidFill>
+                  <a:schemeClr val="accent6">
+                    <a:lumMod val="60000"/>
+                    <a:lumOff val="40000"/>
+                  </a:schemeClr>
+                </a:solidFill>
+              </a:rPr>
+              <a:t> </a:t>
+            </a:r>
+            <a:r>
+              <a:rPr lang="de-AT" dirty="0" err="1">
+                <a:solidFill>
+                  <a:schemeClr val="accent6">
+                    <a:lumMod val="60000"/>
+                    <a:lumOff val="40000"/>
+                  </a:schemeClr>
+                </a:solidFill>
+              </a:rPr>
+              <a:t>and</a:t>
+            </a:r>
+            <a:r>
+              <a:rPr lang="de-AT" dirty="0">
+                <a:solidFill>
+                  <a:schemeClr val="accent6">
+                    <a:lumMod val="60000"/>
+                    <a:lumOff val="40000"/>
+                  </a:schemeClr>
+                </a:solidFill>
+              </a:rPr>
+              <a:t> </a:t>
+            </a:r>
+            <a:r>
+              <a:rPr lang="de-AT" dirty="0" err="1">
+                <a:solidFill>
+                  <a:schemeClr val="accent6">
+                    <a:lumMod val="60000"/>
+                    <a:lumOff val="40000"/>
+                  </a:schemeClr>
+                </a:solidFill>
+              </a:rPr>
+              <a:t>Fetch</a:t>
+            </a:r>
+            <a:r>
+              <a:rPr lang="de-AT" dirty="0">
+                <a:solidFill>
+                  <a:schemeClr val="accent6">
+                    <a:lumMod val="60000"/>
+                    <a:lumOff val="40000"/>
+                  </a:schemeClr>
+                </a:solidFill>
+              </a:rPr>
+              <a:t>, Service Worker Caching</a:t>
+            </a:r>
+          </a:p>
+          <a:p>
+            <a:pPr marL="514350" indent="-514350">
+              <a:buFont typeface="+mj-lt"/>
+              <a:buAutoNum type="arabicPeriod"/>
+            </a:pPr>
+            <a:r>
+              <a:rPr lang="de-AT" dirty="0" err="1">
+                <a:solidFill>
+                  <a:schemeClr val="accent6">
+                    <a:lumMod val="60000"/>
+                    <a:lumOff val="40000"/>
+                  </a:schemeClr>
+                </a:solidFill>
+              </a:rPr>
+              <a:t>Advanced</a:t>
+            </a:r>
+            <a:r>
+              <a:rPr lang="de-AT" dirty="0">
+                <a:solidFill>
+                  <a:schemeClr val="accent6">
+                    <a:lumMod val="60000"/>
+                    <a:lumOff val="40000"/>
+                  </a:schemeClr>
+                </a:solidFill>
+              </a:rPr>
+              <a:t> Caching, </a:t>
+            </a:r>
+            <a:r>
+              <a:rPr lang="de-AT" dirty="0" err="1">
+                <a:solidFill>
+                  <a:schemeClr val="accent6">
+                    <a:lumMod val="60000"/>
+                    <a:lumOff val="40000"/>
+                  </a:schemeClr>
+                </a:solidFill>
+              </a:rPr>
+              <a:t>Indexed</a:t>
+            </a:r>
+            <a:r>
+              <a:rPr lang="de-AT" dirty="0">
+                <a:solidFill>
+                  <a:schemeClr val="accent6">
+                    <a:lumMod val="60000"/>
+                    <a:lumOff val="40000"/>
+                  </a:schemeClr>
+                </a:solidFill>
+              </a:rPr>
+              <a:t> DB </a:t>
+            </a:r>
+            <a:r>
+              <a:rPr lang="de-AT" dirty="0" err="1">
+                <a:solidFill>
+                  <a:schemeClr val="accent6">
+                    <a:lumMod val="60000"/>
+                    <a:lumOff val="40000"/>
+                  </a:schemeClr>
+                </a:solidFill>
+              </a:rPr>
+              <a:t>and</a:t>
+            </a:r>
+            <a:r>
+              <a:rPr lang="de-AT" dirty="0">
+                <a:solidFill>
+                  <a:schemeClr val="accent6">
+                    <a:lumMod val="60000"/>
+                    <a:lumOff val="40000"/>
+                  </a:schemeClr>
+                </a:solidFill>
+              </a:rPr>
+              <a:t> Dynamic Data</a:t>
+            </a:r>
+          </a:p>
+          <a:p>
+            <a:pPr marL="514350" indent="-514350">
+              <a:buFont typeface="+mj-lt"/>
+              <a:buAutoNum type="arabicPeriod"/>
+            </a:pPr>
+            <a:r>
+              <a:rPr lang="de-AT" dirty="0" err="1">
+                <a:solidFill>
+                  <a:schemeClr val="accent6">
+                    <a:lumMod val="60000"/>
+                    <a:lumOff val="40000"/>
+                  </a:schemeClr>
+                </a:solidFill>
+              </a:rPr>
+              <a:t>Responsive</a:t>
+            </a:r>
+            <a:r>
+              <a:rPr lang="de-AT" dirty="0">
+                <a:solidFill>
+                  <a:schemeClr val="accent6">
+                    <a:lumMod val="60000"/>
+                    <a:lumOff val="40000"/>
+                  </a:schemeClr>
+                </a:solidFill>
+              </a:rPr>
+              <a:t> UI, Background </a:t>
+            </a:r>
+            <a:r>
+              <a:rPr lang="de-AT" dirty="0" err="1">
+                <a:solidFill>
+                  <a:schemeClr val="accent6">
+                    <a:lumMod val="60000"/>
+                    <a:lumOff val="40000"/>
+                  </a:schemeClr>
+                </a:solidFill>
+              </a:rPr>
+              <a:t>Sync</a:t>
+            </a:r>
+            <a:r>
+              <a:rPr lang="de-AT" dirty="0">
+                <a:solidFill>
+                  <a:schemeClr val="accent6">
+                    <a:lumMod val="60000"/>
+                    <a:lumOff val="40000"/>
+                  </a:schemeClr>
+                </a:solidFill>
+              </a:rPr>
+              <a:t> </a:t>
+            </a:r>
+          </a:p>
+          <a:p>
+            <a:pPr marL="514350" indent="-514350">
+              <a:buFont typeface="+mj-lt"/>
+              <a:buAutoNum type="arabicPeriod"/>
+            </a:pPr>
+            <a:r>
+              <a:rPr lang="de-AT" dirty="0">
+                <a:solidFill>
+                  <a:schemeClr val="accent6">
+                    <a:lumMod val="60000"/>
+                    <a:lumOff val="40000"/>
+                  </a:schemeClr>
+                </a:solidFill>
+              </a:rPr>
+              <a:t>Web Push </a:t>
+            </a:r>
+            <a:r>
+              <a:rPr lang="de-AT" dirty="0" err="1">
+                <a:solidFill>
+                  <a:schemeClr val="accent6">
+                    <a:lumMod val="60000"/>
+                    <a:lumOff val="40000"/>
+                  </a:schemeClr>
+                </a:solidFill>
+              </a:rPr>
+              <a:t>Notifications</a:t>
+            </a:r>
+            <a:r>
+              <a:rPr lang="de-AT" dirty="0">
+                <a:solidFill>
+                  <a:schemeClr val="accent6">
+                    <a:lumMod val="60000"/>
+                    <a:lumOff val="40000"/>
+                  </a:schemeClr>
+                </a:solidFill>
+              </a:rPr>
+              <a:t> </a:t>
+            </a:r>
+          </a:p>
+          <a:p>
+            <a:pPr marL="514350" indent="-514350">
+              <a:buFont typeface="+mj-lt"/>
+              <a:buAutoNum type="arabicPeriod"/>
+            </a:pPr>
+            <a:r>
+              <a:rPr lang="de-AT" dirty="0"/>
+              <a:t>Native Device Features</a:t>
+            </a:r>
+          </a:p>
+          <a:p>
+            <a:pPr marL="514350" indent="-514350">
+              <a:buFont typeface="+mj-lt"/>
+              <a:buAutoNum type="arabicPeriod"/>
+            </a:pPr>
+            <a:r>
+              <a:rPr lang="de-AT" dirty="0">
+                <a:solidFill>
+                  <a:schemeClr val="bg1">
+                    <a:lumMod val="85000"/>
+                  </a:schemeClr>
+                </a:solidFill>
+              </a:rPr>
+              <a:t>Round </a:t>
+            </a:r>
+            <a:r>
+              <a:rPr lang="de-AT" dirty="0" err="1">
+                <a:solidFill>
+                  <a:schemeClr val="bg1">
+                    <a:lumMod val="85000"/>
+                  </a:schemeClr>
+                </a:solidFill>
+              </a:rPr>
+              <a:t>Up</a:t>
+            </a:r>
+            <a:r>
+              <a:rPr lang="de-AT" dirty="0">
+                <a:solidFill>
+                  <a:schemeClr val="bg1">
+                    <a:lumMod val="85000"/>
+                  </a:schemeClr>
+                </a:solidFill>
+              </a:rPr>
+              <a:t> &amp; Quiz</a:t>
+            </a:r>
+          </a:p>
+          <a:p>
+            <a:endParaRPr lang="de-AT" dirty="0"/>
+          </a:p>
+        </p:txBody>
+      </p:sp>
+    </p:spTree>
+    <p:extLst>
+      <p:ext uri="{BB962C8B-B14F-4D97-AF65-F5344CB8AC3E}">
+        <p14:creationId xmlns:p14="http://schemas.microsoft.com/office/powerpoint/2010/main" val="1796238282"/>
+      </p:ext>
+    </p:extLst>
+  </p:cSld>
+  <p:clrMapOvr>
+    <a:masterClrMapping/>
+  </p:clrMapOvr>
+</p:sld>
+</file>
+
+<file path=ppt/slides/slide55.xml><?xml version="1.0" encoding="utf-8"?>
+<p:sld xmlns:a="http://schemas.openxmlformats.org/drawingml/2006/main" xmlns:r="http://schemas.openxmlformats.org/officeDocument/2006/relationships" xmlns:p="http://schemas.openxmlformats.org/presentationml/2006/main">
+  <p:cSld>
+    <p:spTree>
+      <p:nvGrpSpPr>
+        <p:cNvPr id="1" name=""/>
+        <p:cNvGrpSpPr/>
+        <p:nvPr/>
+      </p:nvGrpSpPr>
+      <p:grpSpPr>
+        <a:xfrm>
+          <a:off x="0" y="0"/>
+          <a:ext cx="0" cy="0"/>
+          <a:chOff x="0" y="0"/>
+          <a:chExt cx="0" cy="0"/>
+        </a:xfrm>
+      </p:grpSpPr>
+      <p:sp>
+        <p:nvSpPr>
+          <p:cNvPr id="2" name="Titel 1"/>
+          <p:cNvSpPr>
+            <a:spLocks noGrp="1"/>
+          </p:cNvSpPr>
+          <p:nvPr>
+            <p:ph type="title"/>
+          </p:nvPr>
+        </p:nvSpPr>
+        <p:spPr/>
+        <p:txBody>
+          <a:bodyPr/>
+          <a:lstStyle/>
+          <a:p>
+            <a:r>
+              <a:rPr lang="de-AT" dirty="0"/>
+              <a:t>Outline</a:t>
+            </a:r>
+          </a:p>
+        </p:txBody>
+      </p:sp>
+      <p:sp>
+        <p:nvSpPr>
+          <p:cNvPr id="3" name="Inhaltsplatzhalter 2"/>
+          <p:cNvSpPr>
+            <a:spLocks noGrp="1"/>
+          </p:cNvSpPr>
+          <p:nvPr>
+            <p:ph idx="1"/>
+          </p:nvPr>
+        </p:nvSpPr>
+        <p:spPr/>
+        <p:txBody>
+          <a:bodyPr>
+            <a:normAutofit lnSpcReduction="10000"/>
+          </a:bodyPr>
+          <a:lstStyle/>
+          <a:p>
+            <a:pPr marL="514350" indent="-514350">
+              <a:buFont typeface="+mj-lt"/>
+              <a:buAutoNum type="arabicPeriod"/>
+            </a:pPr>
+            <a:r>
+              <a:rPr lang="de-AT" dirty="0">
+                <a:solidFill>
+                  <a:schemeClr val="accent6">
+                    <a:lumMod val="60000"/>
+                    <a:lumOff val="40000"/>
+                  </a:schemeClr>
+                </a:solidFill>
+              </a:rPr>
+              <a:t>Basics</a:t>
+            </a:r>
+          </a:p>
+          <a:p>
+            <a:pPr marL="971550" lvl="1" indent="-514350">
+              <a:buFont typeface="+mj-lt"/>
+              <a:buAutoNum type="arabicPeriod"/>
+            </a:pPr>
+            <a:r>
+              <a:rPr lang="de-AT" dirty="0">
+                <a:solidFill>
+                  <a:schemeClr val="accent6">
+                    <a:lumMod val="60000"/>
+                    <a:lumOff val="40000"/>
+                  </a:schemeClr>
+                </a:solidFill>
+              </a:rPr>
+              <a:t>App Manifest </a:t>
+            </a:r>
+          </a:p>
+          <a:p>
+            <a:pPr marL="971550" lvl="1" indent="-514350">
+              <a:buFont typeface="+mj-lt"/>
+              <a:buAutoNum type="arabicPeriod"/>
+            </a:pPr>
+            <a:r>
+              <a:rPr lang="de-AT" dirty="0">
+                <a:solidFill>
+                  <a:schemeClr val="accent6">
+                    <a:lumMod val="60000"/>
+                    <a:lumOff val="40000"/>
+                  </a:schemeClr>
+                </a:solidFill>
+              </a:rPr>
+              <a:t>Service </a:t>
+            </a:r>
+            <a:r>
+              <a:rPr lang="de-AT" dirty="0" err="1">
+                <a:solidFill>
+                  <a:schemeClr val="accent6">
+                    <a:lumMod val="60000"/>
+                    <a:lumOff val="40000"/>
+                  </a:schemeClr>
+                </a:solidFill>
+              </a:rPr>
+              <a:t>Workers</a:t>
+            </a:r>
+            <a:endParaRPr lang="de-AT" dirty="0">
+              <a:solidFill>
+                <a:schemeClr val="accent6">
+                  <a:lumMod val="60000"/>
+                  <a:lumOff val="40000"/>
+                </a:schemeClr>
+              </a:solidFill>
+            </a:endParaRPr>
+          </a:p>
+          <a:p>
+            <a:pPr marL="971550" lvl="1" indent="-514350">
+              <a:buFont typeface="+mj-lt"/>
+              <a:buAutoNum type="arabicPeriod"/>
+            </a:pPr>
+            <a:r>
+              <a:rPr lang="de-AT" dirty="0">
+                <a:solidFill>
+                  <a:schemeClr val="accent6">
+                    <a:lumMod val="60000"/>
+                    <a:lumOff val="40000"/>
+                  </a:schemeClr>
+                </a:solidFill>
+              </a:rPr>
+              <a:t>Installation</a:t>
+            </a:r>
+          </a:p>
+          <a:p>
+            <a:pPr marL="514350" indent="-514350">
+              <a:buFont typeface="+mj-lt"/>
+              <a:buAutoNum type="arabicPeriod"/>
+            </a:pPr>
+            <a:r>
+              <a:rPr lang="de-AT" dirty="0" err="1">
+                <a:solidFill>
+                  <a:schemeClr val="accent6">
+                    <a:lumMod val="60000"/>
+                    <a:lumOff val="40000"/>
+                  </a:schemeClr>
+                </a:solidFill>
+              </a:rPr>
+              <a:t>Promise</a:t>
+            </a:r>
+            <a:r>
+              <a:rPr lang="de-AT" dirty="0">
+                <a:solidFill>
+                  <a:schemeClr val="accent6">
+                    <a:lumMod val="60000"/>
+                    <a:lumOff val="40000"/>
+                  </a:schemeClr>
+                </a:solidFill>
+              </a:rPr>
+              <a:t> </a:t>
+            </a:r>
+            <a:r>
+              <a:rPr lang="de-AT" dirty="0" err="1">
+                <a:solidFill>
+                  <a:schemeClr val="accent6">
+                    <a:lumMod val="60000"/>
+                    <a:lumOff val="40000"/>
+                  </a:schemeClr>
+                </a:solidFill>
+              </a:rPr>
+              <a:t>and</a:t>
+            </a:r>
+            <a:r>
+              <a:rPr lang="de-AT" dirty="0">
+                <a:solidFill>
+                  <a:schemeClr val="accent6">
+                    <a:lumMod val="60000"/>
+                    <a:lumOff val="40000"/>
+                  </a:schemeClr>
+                </a:solidFill>
+              </a:rPr>
+              <a:t> </a:t>
+            </a:r>
+            <a:r>
+              <a:rPr lang="de-AT" dirty="0" err="1">
+                <a:solidFill>
+                  <a:schemeClr val="accent6">
+                    <a:lumMod val="60000"/>
+                    <a:lumOff val="40000"/>
+                  </a:schemeClr>
+                </a:solidFill>
+              </a:rPr>
+              <a:t>Fetch</a:t>
+            </a:r>
+            <a:r>
+              <a:rPr lang="de-AT" dirty="0">
+                <a:solidFill>
+                  <a:schemeClr val="accent6">
+                    <a:lumMod val="60000"/>
+                    <a:lumOff val="40000"/>
+                  </a:schemeClr>
+                </a:solidFill>
+              </a:rPr>
+              <a:t>, Service Worker Caching</a:t>
+            </a:r>
+          </a:p>
+          <a:p>
+            <a:pPr marL="514350" indent="-514350">
+              <a:buFont typeface="+mj-lt"/>
+              <a:buAutoNum type="arabicPeriod"/>
+            </a:pPr>
+            <a:r>
+              <a:rPr lang="de-AT" dirty="0" err="1">
+                <a:solidFill>
+                  <a:schemeClr val="accent6">
+                    <a:lumMod val="60000"/>
+                    <a:lumOff val="40000"/>
+                  </a:schemeClr>
+                </a:solidFill>
+              </a:rPr>
+              <a:t>Advanced</a:t>
+            </a:r>
+            <a:r>
+              <a:rPr lang="de-AT" dirty="0">
+                <a:solidFill>
+                  <a:schemeClr val="accent6">
+                    <a:lumMod val="60000"/>
+                    <a:lumOff val="40000"/>
+                  </a:schemeClr>
+                </a:solidFill>
+              </a:rPr>
+              <a:t> Caching, </a:t>
+            </a:r>
+            <a:r>
+              <a:rPr lang="de-AT" dirty="0" err="1">
+                <a:solidFill>
+                  <a:schemeClr val="accent6">
+                    <a:lumMod val="60000"/>
+                    <a:lumOff val="40000"/>
+                  </a:schemeClr>
+                </a:solidFill>
+              </a:rPr>
+              <a:t>Indexed</a:t>
+            </a:r>
+            <a:r>
+              <a:rPr lang="de-AT" dirty="0">
+                <a:solidFill>
+                  <a:schemeClr val="accent6">
+                    <a:lumMod val="60000"/>
+                    <a:lumOff val="40000"/>
+                  </a:schemeClr>
+                </a:solidFill>
+              </a:rPr>
+              <a:t> DB </a:t>
+            </a:r>
+            <a:r>
+              <a:rPr lang="de-AT" dirty="0" err="1">
+                <a:solidFill>
+                  <a:schemeClr val="accent6">
+                    <a:lumMod val="60000"/>
+                    <a:lumOff val="40000"/>
+                  </a:schemeClr>
+                </a:solidFill>
+              </a:rPr>
+              <a:t>and</a:t>
+            </a:r>
+            <a:r>
+              <a:rPr lang="de-AT" dirty="0">
+                <a:solidFill>
+                  <a:schemeClr val="accent6">
+                    <a:lumMod val="60000"/>
+                    <a:lumOff val="40000"/>
+                  </a:schemeClr>
+                </a:solidFill>
+              </a:rPr>
+              <a:t> Dynamic Data</a:t>
+            </a:r>
+          </a:p>
+          <a:p>
+            <a:pPr marL="514350" indent="-514350">
+              <a:buFont typeface="+mj-lt"/>
+              <a:buAutoNum type="arabicPeriod"/>
+            </a:pPr>
+            <a:r>
+              <a:rPr lang="de-AT" dirty="0" err="1">
+                <a:solidFill>
+                  <a:schemeClr val="accent6">
+                    <a:lumMod val="60000"/>
+                    <a:lumOff val="40000"/>
+                  </a:schemeClr>
+                </a:solidFill>
+              </a:rPr>
+              <a:t>Responsive</a:t>
+            </a:r>
+            <a:r>
+              <a:rPr lang="de-AT" dirty="0">
+                <a:solidFill>
+                  <a:schemeClr val="accent6">
+                    <a:lumMod val="60000"/>
+                    <a:lumOff val="40000"/>
+                  </a:schemeClr>
+                </a:solidFill>
+              </a:rPr>
+              <a:t> UI, Background </a:t>
+            </a:r>
+            <a:r>
+              <a:rPr lang="de-AT" dirty="0" err="1">
+                <a:solidFill>
+                  <a:schemeClr val="accent6">
+                    <a:lumMod val="60000"/>
+                    <a:lumOff val="40000"/>
+                  </a:schemeClr>
+                </a:solidFill>
+              </a:rPr>
+              <a:t>Sync</a:t>
+            </a:r>
+            <a:r>
+              <a:rPr lang="de-AT" dirty="0">
+                <a:solidFill>
+                  <a:schemeClr val="accent6">
+                    <a:lumMod val="60000"/>
+                    <a:lumOff val="40000"/>
+                  </a:schemeClr>
+                </a:solidFill>
+              </a:rPr>
+              <a:t> </a:t>
+            </a:r>
+          </a:p>
+          <a:p>
+            <a:pPr marL="514350" indent="-514350">
+              <a:buFont typeface="+mj-lt"/>
+              <a:buAutoNum type="arabicPeriod"/>
+            </a:pPr>
+            <a:r>
+              <a:rPr lang="de-AT" dirty="0">
+                <a:solidFill>
+                  <a:schemeClr val="accent6">
+                    <a:lumMod val="60000"/>
+                    <a:lumOff val="40000"/>
+                  </a:schemeClr>
+                </a:solidFill>
+              </a:rPr>
+              <a:t>Web Push </a:t>
+            </a:r>
+            <a:r>
+              <a:rPr lang="de-AT" dirty="0" err="1">
+                <a:solidFill>
+                  <a:schemeClr val="accent6">
+                    <a:lumMod val="60000"/>
+                    <a:lumOff val="40000"/>
+                  </a:schemeClr>
+                </a:solidFill>
+              </a:rPr>
+              <a:t>Notifications</a:t>
+            </a:r>
+            <a:r>
+              <a:rPr lang="de-AT" dirty="0">
+                <a:solidFill>
+                  <a:schemeClr val="accent6">
+                    <a:lumMod val="60000"/>
+                    <a:lumOff val="40000"/>
+                  </a:schemeClr>
+                </a:solidFill>
+              </a:rPr>
+              <a:t> </a:t>
+            </a:r>
+          </a:p>
+          <a:p>
+            <a:pPr marL="514350" indent="-514350">
+              <a:buFont typeface="+mj-lt"/>
+              <a:buAutoNum type="arabicPeriod"/>
+            </a:pPr>
+            <a:r>
+              <a:rPr lang="de-AT" dirty="0">
+                <a:solidFill>
+                  <a:schemeClr val="accent6">
+                    <a:lumMod val="60000"/>
+                    <a:lumOff val="40000"/>
+                  </a:schemeClr>
+                </a:solidFill>
+              </a:rPr>
+              <a:t>Native Device Features</a:t>
+            </a:r>
+          </a:p>
+          <a:p>
+            <a:pPr marL="514350" indent="-514350">
+              <a:buFont typeface="+mj-lt"/>
+              <a:buAutoNum type="arabicPeriod"/>
+            </a:pPr>
+            <a:r>
+              <a:rPr lang="de-AT" dirty="0"/>
+              <a:t>Round </a:t>
+            </a:r>
+            <a:r>
+              <a:rPr lang="de-AT" dirty="0" err="1"/>
+              <a:t>Up</a:t>
+            </a:r>
+            <a:r>
+              <a:rPr lang="de-AT" dirty="0"/>
+              <a:t> &amp; Quiz</a:t>
+            </a:r>
+          </a:p>
+          <a:p>
+            <a:endParaRPr lang="de-AT" dirty="0"/>
+          </a:p>
+        </p:txBody>
+      </p:sp>
+    </p:spTree>
+    <p:extLst>
+      <p:ext uri="{BB962C8B-B14F-4D97-AF65-F5344CB8AC3E}">
+        <p14:creationId xmlns:p14="http://schemas.microsoft.com/office/powerpoint/2010/main" val="2022339406"/>
+      </p:ext>
+    </p:extLst>
+  </p:cSld>
+  <p:clrMapOvr>
+    <a:masterClrMapping/>
+  </p:clrMapOvr>
+</p:sld>
+</file>
+
+<file path=ppt/slides/slide56.xml><?xml version="1.0" encoding="utf-8"?>
+<p:sld xmlns:a="http://schemas.openxmlformats.org/drawingml/2006/main" xmlns:r="http://schemas.openxmlformats.org/officeDocument/2006/relationships" xmlns:p="http://schemas.openxmlformats.org/presentationml/2006/main">
+  <p:cSld>
+    <p:spTree>
+      <p:nvGrpSpPr>
+        <p:cNvPr id="1" name=""/>
+        <p:cNvGrpSpPr/>
+        <p:nvPr/>
+      </p:nvGrpSpPr>
+      <p:grpSpPr>
+        <a:xfrm>
+          <a:off x="0" y="0"/>
+          <a:ext cx="0" cy="0"/>
+          <a:chOff x="0" y="0"/>
+          <a:chExt cx="0" cy="0"/>
+        </a:xfrm>
+      </p:grpSpPr>
+      <p:sp>
+        <p:nvSpPr>
+          <p:cNvPr id="2" name="Titel 1"/>
+          <p:cNvSpPr>
+            <a:spLocks noGrp="1"/>
+          </p:cNvSpPr>
+          <p:nvPr>
+            <p:ph type="title"/>
+          </p:nvPr>
+        </p:nvSpPr>
+        <p:spPr/>
+        <p:txBody>
+          <a:bodyPr/>
+          <a:lstStyle/>
+          <a:p>
+            <a:r>
+              <a:rPr lang="de-AT" dirty="0"/>
+              <a:t>Backend</a:t>
+            </a:r>
+          </a:p>
+        </p:txBody>
+      </p:sp>
+      <p:sp>
+        <p:nvSpPr>
+          <p:cNvPr id="3" name="Inhaltsplatzhalter 2"/>
+          <p:cNvSpPr>
+            <a:spLocks noGrp="1"/>
+          </p:cNvSpPr>
+          <p:nvPr>
+            <p:ph idx="1"/>
+          </p:nvPr>
+        </p:nvSpPr>
+        <p:spPr/>
+        <p:txBody>
+          <a:bodyPr/>
+          <a:lstStyle/>
+          <a:p>
+            <a:r>
+              <a:rPr lang="de-AT" dirty="0"/>
+              <a:t>Google </a:t>
+            </a:r>
+            <a:r>
+              <a:rPr lang="de-AT" dirty="0" err="1"/>
+              <a:t>Firebase</a:t>
+            </a:r>
+            <a:endParaRPr lang="de-AT" dirty="0"/>
+          </a:p>
+          <a:p>
+            <a:r>
+              <a:rPr lang="de-AT" dirty="0"/>
+              <a:t>Realtime Database</a:t>
+            </a:r>
+          </a:p>
+          <a:p>
+            <a:r>
+              <a:rPr lang="de-AT" dirty="0" err="1">
+                <a:solidFill>
+                  <a:srgbClr val="FF0000"/>
+                </a:solidFill>
+              </a:rPr>
+              <a:t>No</a:t>
+            </a:r>
+            <a:r>
+              <a:rPr lang="de-AT" dirty="0">
+                <a:solidFill>
+                  <a:srgbClr val="FF0000"/>
+                </a:solidFill>
+              </a:rPr>
+              <a:t> </a:t>
+            </a:r>
+            <a:r>
+              <a:rPr lang="de-AT" dirty="0" err="1">
+                <a:solidFill>
+                  <a:srgbClr val="FF0000"/>
+                </a:solidFill>
+              </a:rPr>
+              <a:t>authentication</a:t>
+            </a:r>
+            <a:r>
+              <a:rPr lang="de-AT" dirty="0">
+                <a:solidFill>
+                  <a:srgbClr val="FF0000"/>
+                </a:solidFill>
+              </a:rPr>
+              <a:t> </a:t>
+            </a:r>
+            <a:r>
+              <a:rPr lang="de-AT" dirty="0" err="1">
+                <a:solidFill>
+                  <a:srgbClr val="FF0000"/>
+                </a:solidFill>
+              </a:rPr>
+              <a:t>for</a:t>
+            </a:r>
+            <a:r>
+              <a:rPr lang="de-AT" dirty="0">
+                <a:solidFill>
+                  <a:srgbClr val="FF0000"/>
+                </a:solidFill>
+              </a:rPr>
+              <a:t> </a:t>
+            </a:r>
+            <a:r>
+              <a:rPr lang="de-AT" dirty="0" err="1">
+                <a:solidFill>
+                  <a:srgbClr val="FF0000"/>
+                </a:solidFill>
+              </a:rPr>
+              <a:t>this</a:t>
+            </a:r>
+            <a:r>
+              <a:rPr lang="de-AT" dirty="0">
+                <a:solidFill>
+                  <a:srgbClr val="FF0000"/>
+                </a:solidFill>
+              </a:rPr>
+              <a:t> </a:t>
+            </a:r>
+            <a:r>
+              <a:rPr lang="de-AT" dirty="0" err="1">
+                <a:solidFill>
+                  <a:srgbClr val="FF0000"/>
+                </a:solidFill>
+              </a:rPr>
+              <a:t>purpose</a:t>
+            </a:r>
+            <a:endParaRPr lang="de-AT" dirty="0">
+              <a:solidFill>
+                <a:srgbClr val="FF0000"/>
+              </a:solidFill>
+            </a:endParaRPr>
+          </a:p>
+        </p:txBody>
+      </p:sp>
+    </p:spTree>
+    <p:extLst>
+      <p:ext uri="{BB962C8B-B14F-4D97-AF65-F5344CB8AC3E}">
+        <p14:creationId xmlns:p14="http://schemas.microsoft.com/office/powerpoint/2010/main" val="753469658"/>
       </p:ext>
     </p:extLst>
   </p:cSld>
@@ -18616,21 +22380,21 @@
                 <a:gridCol w="3505200">
                   <a:extLst>
                     <a:ext uri="{9D8B030D-6E8A-4147-A177-3AD203B41FA5}">
-                      <a16:colId xmlns:a16="http://schemas.microsoft.com/office/drawing/2014/main" val="20000"/>
+                      <a16:colId xmlns:a16="http://schemas.microsoft.com/office/drawing/2014/main" xmlns="" val="20000"/>
                     </a:ext>
                   </a:extLst>
                 </a:gridCol>
                 <a:gridCol w="3505200">
                   <a:extLst>
                     <a:ext uri="{9D8B030D-6E8A-4147-A177-3AD203B41FA5}">
-                      <a16:colId xmlns:a16="http://schemas.microsoft.com/office/drawing/2014/main" val="20001"/>
+                      <a16:colId xmlns:a16="http://schemas.microsoft.com/office/drawing/2014/main" xmlns="" val="20001"/>
                     </a:ext>
                   </a:extLst>
                 </a:gridCol>
                 <a:gridCol w="3505200">
                   <a:extLst>
                     <a:ext uri="{9D8B030D-6E8A-4147-A177-3AD203B41FA5}">
-                      <a16:colId xmlns:a16="http://schemas.microsoft.com/office/drawing/2014/main" val="20002"/>
+                      <a16:colId xmlns:a16="http://schemas.microsoft.com/office/drawing/2014/main" xmlns="" val="20002"/>
                     </a:ext>
                   </a:extLst>
                 </a:gridCol>
@@ -18685,7 +22449,7 @@
                 </a:tc>
                 <a:extLst>
                   <a:ext uri="{0D108BD9-81ED-4DB2-BD59-A6C34878D82A}">
-                    <a16:rowId xmlns:a16="http://schemas.microsoft.com/office/drawing/2014/main" val="10000"/>
+                    <a16:rowId xmlns:a16="http://schemas.microsoft.com/office/drawing/2014/main" xmlns="" val="10000"/>
                   </a:ext>
                 </a:extLst>
               </a:tr>
@@ -18772,7 +22536,7 @@
                 </a:tc>
                 <a:extLst>
                   <a:ext uri="{0D108BD9-81ED-4DB2-BD59-A6C34878D82A}">
-                    <a16:rowId xmlns:a16="http://schemas.microsoft.com/office/drawing/2014/main" val="10001"/>
+                    <a16:rowId xmlns:a16="http://schemas.microsoft.com/office/drawing/2014/main" xmlns="" val="10001"/>
                   </a:ext>
                 </a:extLst>
               </a:tr>
@@ -18873,7 +22637,7 @@
                 </a:tc>
                 <a:extLst>
                   <a:ext uri="{0D108BD9-81ED-4DB2-BD59-A6C34878D82A}">
-                    <a16:rowId xmlns:a16="http://schemas.microsoft.com/office/drawing/2014/main" val="10002"/>
+                    <a16:rowId xmlns:a16="http://schemas.microsoft.com/office/drawing/2014/main" xmlns="" val="10002"/>
                   </a:ext>
                 </a:extLst>
               </a:tr>
@@ -18965,7 +22729,7 @@
                 </a:tc>
                 <a:extLst>
                   <a:ext uri="{0D108BD9-81ED-4DB2-BD59-A6C34878D82A}">
-                    <a16:rowId xmlns:a16="http://schemas.microsoft.com/office/drawing/2014/main" val="10003"/>
+                    <a16:rowId xmlns:a16="http://schemas.microsoft.com/office/drawing/2014/main" xmlns="" val="10003"/>
                   </a:ext>
                 </a:extLst>
               </a:tr>

--- a/course/Progressive Web Apps.pptx
+++ b/course/Progressive Web Apps.pptx
@@ -56,11 +56,26 @@
     <p:sldId id="314" r:id="rId50"/>
     <p:sldId id="308" r:id="rId51"/>
     <p:sldId id="285" r:id="rId52"/>
-    <p:sldId id="287" r:id="rId53"/>
-    <p:sldId id="288" r:id="rId54"/>
-    <p:sldId id="289" r:id="rId55"/>
-    <p:sldId id="286" r:id="rId56"/>
-    <p:sldId id="265" r:id="rId57"/>
+    <p:sldId id="316" r:id="rId53"/>
+    <p:sldId id="319" r:id="rId54"/>
+    <p:sldId id="317" r:id="rId55"/>
+    <p:sldId id="320" r:id="rId56"/>
+    <p:sldId id="321" r:id="rId57"/>
+    <p:sldId id="318" r:id="rId58"/>
+    <p:sldId id="326" r:id="rId59"/>
+    <p:sldId id="327" r:id="rId60"/>
+    <p:sldId id="329" r:id="rId61"/>
+    <p:sldId id="330" r:id="rId62"/>
+    <p:sldId id="331" r:id="rId63"/>
+    <p:sldId id="322" r:id="rId64"/>
+    <p:sldId id="323" r:id="rId65"/>
+    <p:sldId id="324" r:id="rId66"/>
+    <p:sldId id="325" r:id="rId67"/>
+    <p:sldId id="287" r:id="rId68"/>
+    <p:sldId id="288" r:id="rId69"/>
+    <p:sldId id="289" r:id="rId70"/>
+    <p:sldId id="286" r:id="rId71"/>
+    <p:sldId id="265" r:id="rId72"/>
   </p:sldIdLst>
   <p:sldSz cx="12192000" cy="6858000"/>
   <p:notesSz cx="6858000" cy="9144000"/>
@@ -223,6 +238,21 @@
             <p14:sldId id="314"/>
             <p14:sldId id="308"/>
             <p14:sldId id="285"/>
+            <p14:sldId id="316"/>
+            <p14:sldId id="319"/>
+            <p14:sldId id="317"/>
+            <p14:sldId id="320"/>
+            <p14:sldId id="321"/>
+            <p14:sldId id="318"/>
+            <p14:sldId id="326"/>
+            <p14:sldId id="327"/>
+            <p14:sldId id="329"/>
+            <p14:sldId id="330"/>
+            <p14:sldId id="331"/>
+            <p14:sldId id="322"/>
+            <p14:sldId id="323"/>
+            <p14:sldId id="324"/>
+            <p14:sldId id="325"/>
             <p14:sldId id="287"/>
             <p14:sldId id="288"/>
             <p14:sldId id="289"/>
@@ -3943,7 +3973,7 @@
           <a:p>
             <a:fld id="{79699155-1715-4116-AA3E-91126DDAD825}" type="datetimeFigureOut">
               <a:rPr lang="de-AT" smtClean="0"/>
-              <a:t>21.04.2022</a:t>
+              <a:t>26.04.2022</a:t>
             </a:fld>
             <a:endParaRPr lang="de-AT"/>
           </a:p>
@@ -4113,7 +4143,7 @@
           <a:p>
             <a:fld id="{79699155-1715-4116-AA3E-91126DDAD825}" type="datetimeFigureOut">
               <a:rPr lang="de-AT" smtClean="0"/>
-              <a:t>21.04.2022</a:t>
+              <a:t>26.04.2022</a:t>
             </a:fld>
             <a:endParaRPr lang="de-AT"/>
           </a:p>
@@ -4293,7 +4323,7 @@
           <a:p>
             <a:fld id="{79699155-1715-4116-AA3E-91126DDAD825}" type="datetimeFigureOut">
               <a:rPr lang="de-AT" smtClean="0"/>
-              <a:t>21.04.2022</a:t>
+              <a:t>26.04.2022</a:t>
             </a:fld>
             <a:endParaRPr lang="de-AT"/>
           </a:p>
@@ -4463,7 +4493,7 @@
           <a:p>
             <a:fld id="{79699155-1715-4116-AA3E-91126DDAD825}" type="datetimeFigureOut">
               <a:rPr lang="de-AT" smtClean="0"/>
-              <a:t>21.04.2022</a:t>
+              <a:t>26.04.2022</a:t>
             </a:fld>
             <a:endParaRPr lang="de-AT"/>
           </a:p>
@@ -4709,7 +4739,7 @@
           <a:p>
             <a:fld id="{79699155-1715-4116-AA3E-91126DDAD825}" type="datetimeFigureOut">
               <a:rPr lang="de-AT" smtClean="0"/>
-              <a:t>21.04.2022</a:t>
+              <a:t>26.04.2022</a:t>
             </a:fld>
             <a:endParaRPr lang="de-AT"/>
           </a:p>
@@ -4941,7 +4971,7 @@
           <a:p>
             <a:fld id="{79699155-1715-4116-AA3E-91126DDAD825}" type="datetimeFigureOut">
               <a:rPr lang="de-AT" smtClean="0"/>
-              <a:t>21.04.2022</a:t>
+              <a:t>26.04.2022</a:t>
             </a:fld>
             <a:endParaRPr lang="de-AT"/>
           </a:p>
@@ -5308,7 +5338,7 @@
           <a:p>
             <a:fld id="{79699155-1715-4116-AA3E-91126DDAD825}" type="datetimeFigureOut">
               <a:rPr lang="de-AT" smtClean="0"/>
-              <a:t>21.04.2022</a:t>
+              <a:t>26.04.2022</a:t>
             </a:fld>
             <a:endParaRPr lang="de-AT"/>
           </a:p>
@@ -5426,7 +5456,7 @@
           <a:p>
             <a:fld id="{79699155-1715-4116-AA3E-91126DDAD825}" type="datetimeFigureOut">
               <a:rPr lang="de-AT" smtClean="0"/>
-              <a:t>21.04.2022</a:t>
+              <a:t>26.04.2022</a:t>
             </a:fld>
             <a:endParaRPr lang="de-AT"/>
           </a:p>
@@ -5521,7 +5551,7 @@
           <a:p>
             <a:fld id="{79699155-1715-4116-AA3E-91126DDAD825}" type="datetimeFigureOut">
               <a:rPr lang="de-AT" smtClean="0"/>
-              <a:t>21.04.2022</a:t>
+              <a:t>26.04.2022</a:t>
             </a:fld>
             <a:endParaRPr lang="de-AT"/>
           </a:p>
@@ -5798,7 +5828,7 @@
           <a:p>
             <a:fld id="{79699155-1715-4116-AA3E-91126DDAD825}" type="datetimeFigureOut">
               <a:rPr lang="de-AT" smtClean="0"/>
-              <a:t>21.04.2022</a:t>
+              <a:t>26.04.2022</a:t>
             </a:fld>
             <a:endParaRPr lang="de-AT"/>
           </a:p>
@@ -6051,7 +6081,7 @@
           <a:p>
             <a:fld id="{79699155-1715-4116-AA3E-91126DDAD825}" type="datetimeFigureOut">
               <a:rPr lang="de-AT" smtClean="0"/>
-              <a:t>21.04.2022</a:t>
+              <a:t>26.04.2022</a:t>
             </a:fld>
             <a:endParaRPr lang="de-AT"/>
           </a:p>
@@ -6264,7 +6294,7 @@
           <a:p>
             <a:fld id="{79699155-1715-4116-AA3E-91126DDAD825}" type="datetimeFigureOut">
               <a:rPr lang="de-AT" smtClean="0"/>
-              <a:t>21.04.2022</a:t>
+              <a:t>26.04.2022</a:t>
             </a:fld>
             <a:endParaRPr lang="de-AT"/>
           </a:p>
@@ -12075,11 +12105,11 @@
   <p:clrMapOvr>
     <a:masterClrMapping/>
   </p:clrMapOvr>
-  <mc:AlternateContent xmlns:mc="http://schemas.openxmlformats.org/markup-compatibility/2006">
-    <mc:Choice xmlns:p14="http://schemas.microsoft.com/office/powerpoint/2010/main" Requires="p14">
+  <mc:AlternateContent xmlns:mc="http://schemas.openxmlformats.org/markup-compatibility/2006" xmlns:p14="http://schemas.microsoft.com/office/powerpoint/2010/main">
+    <mc:Choice Requires="p14">
       <p:transition spd="slow" p14:dur="2000"/>
     </mc:Choice>
-    <mc:Fallback>
+    <mc:Fallback xmlns="">
       <p:transition spd="slow"/>
     </mc:Fallback>
   </mc:AlternateContent>
@@ -20317,9 +20347,22 @@
           <a:lstStyle/>
           <a:p>
             <a:r>
-              <a:rPr lang="de-AT" dirty="0"/>
-              <a:t>Outline</a:t>
-            </a:r>
+              <a:rPr lang="de-AT" dirty="0" smtClean="0"/>
+              <a:t>WIFI – CODE - </a:t>
+            </a:r>
+            <a:r>
+              <a:rPr lang="de-AT" dirty="0" smtClean="0">
+                <a:solidFill>
+                  <a:srgbClr val="00B050"/>
+                </a:solidFill>
+              </a:rPr>
+              <a:t>REPEAT</a:t>
+            </a:r>
+            <a:endParaRPr lang="de-AT" dirty="0">
+              <a:solidFill>
+                <a:srgbClr val="00B050"/>
+              </a:solidFill>
+            </a:endParaRPr>
           </a:p>
         </p:txBody>
       </p:sp>
@@ -20335,351 +20378,8 @@
         </p:nvSpPr>
         <p:spPr/>
         <p:txBody>
-          <a:bodyPr>
-            <a:normAutofit lnSpcReduction="10000"/>
-          </a:bodyPr>
+          <a:bodyPr/>
           <a:lstStyle/>
-          <a:p>
-            <a:pPr marL="514350" indent="-514350">
-              <a:buFont typeface="+mj-lt"/>
-              <a:buAutoNum type="arabicPeriod"/>
-            </a:pPr>
-            <a:r>
-              <a:rPr lang="de-AT" dirty="0">
-                <a:solidFill>
-                  <a:schemeClr val="accent6">
-                    <a:lumMod val="60000"/>
-                    <a:lumOff val="40000"/>
-                  </a:schemeClr>
-                </a:solidFill>
-              </a:rPr>
-              <a:t>Basics</a:t>
-            </a:r>
-          </a:p>
-          <a:p>
-            <a:pPr marL="971550" lvl="1" indent="-514350">
-              <a:buFont typeface="+mj-lt"/>
-              <a:buAutoNum type="arabicPeriod"/>
-            </a:pPr>
-            <a:r>
-              <a:rPr lang="de-AT" dirty="0">
-                <a:solidFill>
-                  <a:schemeClr val="accent6">
-                    <a:lumMod val="60000"/>
-                    <a:lumOff val="40000"/>
-                  </a:schemeClr>
-                </a:solidFill>
-              </a:rPr>
-              <a:t>App Manifest </a:t>
-            </a:r>
-          </a:p>
-          <a:p>
-            <a:pPr marL="971550" lvl="1" indent="-514350">
-              <a:buFont typeface="+mj-lt"/>
-              <a:buAutoNum type="arabicPeriod"/>
-            </a:pPr>
-            <a:r>
-              <a:rPr lang="de-AT" dirty="0">
-                <a:solidFill>
-                  <a:schemeClr val="accent6">
-                    <a:lumMod val="60000"/>
-                    <a:lumOff val="40000"/>
-                  </a:schemeClr>
-                </a:solidFill>
-              </a:rPr>
-              <a:t>Service </a:t>
-            </a:r>
-            <a:r>
-              <a:rPr lang="de-AT" dirty="0" err="1">
-                <a:solidFill>
-                  <a:schemeClr val="accent6">
-                    <a:lumMod val="60000"/>
-                    <a:lumOff val="40000"/>
-                  </a:schemeClr>
-                </a:solidFill>
-              </a:rPr>
-              <a:t>Workers</a:t>
-            </a:r>
-            <a:endParaRPr lang="de-AT" dirty="0">
-              <a:solidFill>
-                <a:schemeClr val="accent6">
-                  <a:lumMod val="60000"/>
-                  <a:lumOff val="40000"/>
-                </a:schemeClr>
-              </a:solidFill>
-            </a:endParaRPr>
-          </a:p>
-          <a:p>
-            <a:pPr marL="971550" lvl="1" indent="-514350">
-              <a:buFont typeface="+mj-lt"/>
-              <a:buAutoNum type="arabicPeriod"/>
-            </a:pPr>
-            <a:r>
-              <a:rPr lang="de-AT" dirty="0">
-                <a:solidFill>
-                  <a:schemeClr val="accent6">
-                    <a:lumMod val="60000"/>
-                    <a:lumOff val="40000"/>
-                  </a:schemeClr>
-                </a:solidFill>
-              </a:rPr>
-              <a:t>Installation</a:t>
-            </a:r>
-          </a:p>
-          <a:p>
-            <a:pPr marL="514350" indent="-514350">
-              <a:buFont typeface="+mj-lt"/>
-              <a:buAutoNum type="arabicPeriod"/>
-            </a:pPr>
-            <a:r>
-              <a:rPr lang="de-AT" dirty="0" err="1">
-                <a:solidFill>
-                  <a:schemeClr val="accent6">
-                    <a:lumMod val="60000"/>
-                    <a:lumOff val="40000"/>
-                  </a:schemeClr>
-                </a:solidFill>
-              </a:rPr>
-              <a:t>Promise</a:t>
-            </a:r>
-            <a:r>
-              <a:rPr lang="de-AT" dirty="0">
-                <a:solidFill>
-                  <a:schemeClr val="accent6">
-                    <a:lumMod val="60000"/>
-                    <a:lumOff val="40000"/>
-                  </a:schemeClr>
-                </a:solidFill>
-              </a:rPr>
-              <a:t> </a:t>
-            </a:r>
-            <a:r>
-              <a:rPr lang="de-AT" dirty="0" err="1">
-                <a:solidFill>
-                  <a:schemeClr val="accent6">
-                    <a:lumMod val="60000"/>
-                    <a:lumOff val="40000"/>
-                  </a:schemeClr>
-                </a:solidFill>
-              </a:rPr>
-              <a:t>and</a:t>
-            </a:r>
-            <a:r>
-              <a:rPr lang="de-AT" dirty="0">
-                <a:solidFill>
-                  <a:schemeClr val="accent6">
-                    <a:lumMod val="60000"/>
-                    <a:lumOff val="40000"/>
-                  </a:schemeClr>
-                </a:solidFill>
-              </a:rPr>
-              <a:t> </a:t>
-            </a:r>
-            <a:r>
-              <a:rPr lang="de-AT" dirty="0" err="1">
-                <a:solidFill>
-                  <a:schemeClr val="accent6">
-                    <a:lumMod val="60000"/>
-                    <a:lumOff val="40000"/>
-                  </a:schemeClr>
-                </a:solidFill>
-              </a:rPr>
-              <a:t>Fetch</a:t>
-            </a:r>
-            <a:r>
-              <a:rPr lang="de-AT" dirty="0">
-                <a:solidFill>
-                  <a:schemeClr val="accent6">
-                    <a:lumMod val="60000"/>
-                    <a:lumOff val="40000"/>
-                  </a:schemeClr>
-                </a:solidFill>
-              </a:rPr>
-              <a:t>, Service Worker Caching</a:t>
-            </a:r>
-          </a:p>
-          <a:p>
-            <a:pPr marL="514350" indent="-514350">
-              <a:buFont typeface="+mj-lt"/>
-              <a:buAutoNum type="arabicPeriod"/>
-            </a:pPr>
-            <a:r>
-              <a:rPr lang="de-AT" dirty="0" err="1">
-                <a:solidFill>
-                  <a:schemeClr val="accent6">
-                    <a:lumMod val="60000"/>
-                    <a:lumOff val="40000"/>
-                  </a:schemeClr>
-                </a:solidFill>
-              </a:rPr>
-              <a:t>Advanced</a:t>
-            </a:r>
-            <a:r>
-              <a:rPr lang="de-AT" dirty="0">
-                <a:solidFill>
-                  <a:schemeClr val="accent6">
-                    <a:lumMod val="60000"/>
-                    <a:lumOff val="40000"/>
-                  </a:schemeClr>
-                </a:solidFill>
-              </a:rPr>
-              <a:t> Caching, </a:t>
-            </a:r>
-            <a:r>
-              <a:rPr lang="de-AT" dirty="0" err="1">
-                <a:solidFill>
-                  <a:schemeClr val="accent6">
-                    <a:lumMod val="60000"/>
-                    <a:lumOff val="40000"/>
-                  </a:schemeClr>
-                </a:solidFill>
-              </a:rPr>
-              <a:t>Indexed</a:t>
-            </a:r>
-            <a:r>
-              <a:rPr lang="de-AT" dirty="0">
-                <a:solidFill>
-                  <a:schemeClr val="accent6">
-                    <a:lumMod val="60000"/>
-                    <a:lumOff val="40000"/>
-                  </a:schemeClr>
-                </a:solidFill>
-              </a:rPr>
-              <a:t> DB </a:t>
-            </a:r>
-            <a:r>
-              <a:rPr lang="de-AT" dirty="0" err="1">
-                <a:solidFill>
-                  <a:schemeClr val="accent6">
-                    <a:lumMod val="60000"/>
-                    <a:lumOff val="40000"/>
-                  </a:schemeClr>
-                </a:solidFill>
-              </a:rPr>
-              <a:t>and</a:t>
-            </a:r>
-            <a:r>
-              <a:rPr lang="de-AT" dirty="0">
-                <a:solidFill>
-                  <a:schemeClr val="accent6">
-                    <a:lumMod val="60000"/>
-                    <a:lumOff val="40000"/>
-                  </a:schemeClr>
-                </a:solidFill>
-              </a:rPr>
-              <a:t> Dynamic Data</a:t>
-            </a:r>
-          </a:p>
-          <a:p>
-            <a:pPr marL="514350" indent="-514350">
-              <a:buFont typeface="+mj-lt"/>
-              <a:buAutoNum type="arabicPeriod"/>
-            </a:pPr>
-            <a:r>
-              <a:rPr lang="de-AT" dirty="0" err="1"/>
-              <a:t>Responsive</a:t>
-            </a:r>
-            <a:r>
-              <a:rPr lang="de-AT" dirty="0"/>
-              <a:t> UI, Background </a:t>
-            </a:r>
-            <a:r>
-              <a:rPr lang="de-AT" dirty="0" err="1"/>
-              <a:t>Sync</a:t>
-            </a:r>
-            <a:r>
-              <a:rPr lang="de-AT" dirty="0"/>
-              <a:t> </a:t>
-            </a:r>
-          </a:p>
-          <a:p>
-            <a:pPr marL="514350" indent="-514350">
-              <a:buFont typeface="+mj-lt"/>
-              <a:buAutoNum type="arabicPeriod"/>
-            </a:pPr>
-            <a:r>
-              <a:rPr lang="de-AT" dirty="0">
-                <a:solidFill>
-                  <a:schemeClr val="bg1">
-                    <a:lumMod val="85000"/>
-                  </a:schemeClr>
-                </a:solidFill>
-              </a:rPr>
-              <a:t>Web Push </a:t>
-            </a:r>
-            <a:r>
-              <a:rPr lang="de-AT" dirty="0" err="1">
-                <a:solidFill>
-                  <a:schemeClr val="bg1">
-                    <a:lumMod val="85000"/>
-                  </a:schemeClr>
-                </a:solidFill>
-              </a:rPr>
-              <a:t>Notifications</a:t>
-            </a:r>
-            <a:r>
-              <a:rPr lang="de-AT" dirty="0">
-                <a:solidFill>
-                  <a:schemeClr val="bg1">
-                    <a:lumMod val="85000"/>
-                  </a:schemeClr>
-                </a:solidFill>
-              </a:rPr>
-              <a:t> </a:t>
-            </a:r>
-          </a:p>
-          <a:p>
-            <a:pPr marL="514350" indent="-514350">
-              <a:buFont typeface="+mj-lt"/>
-              <a:buAutoNum type="arabicPeriod"/>
-            </a:pPr>
-            <a:r>
-              <a:rPr lang="de-AT" dirty="0">
-                <a:solidFill>
-                  <a:schemeClr val="bg1">
-                    <a:lumMod val="85000"/>
-                  </a:schemeClr>
-                </a:solidFill>
-              </a:rPr>
-              <a:t>Native Device Features</a:t>
-            </a:r>
-          </a:p>
-          <a:p>
-            <a:pPr marL="514350" indent="-514350">
-              <a:buFont typeface="+mj-lt"/>
-              <a:buAutoNum type="arabicPeriod"/>
-            </a:pPr>
-            <a:r>
-              <a:rPr lang="de-AT" dirty="0">
-                <a:solidFill>
-                  <a:schemeClr val="bg1">
-                    <a:lumMod val="85000"/>
-                  </a:schemeClr>
-                </a:solidFill>
-              </a:rPr>
-              <a:t>Round </a:t>
-            </a:r>
-            <a:r>
-              <a:rPr lang="de-AT" dirty="0" err="1">
-                <a:solidFill>
-                  <a:schemeClr val="bg1">
-                    <a:lumMod val="85000"/>
-                  </a:schemeClr>
-                </a:solidFill>
-              </a:rPr>
-              <a:t>Up</a:t>
-            </a:r>
-            <a:r>
-              <a:rPr lang="de-AT" dirty="0">
-                <a:solidFill>
-                  <a:schemeClr val="bg1">
-                    <a:lumMod val="85000"/>
-                  </a:schemeClr>
-                </a:solidFill>
-              </a:rPr>
-              <a:t> &amp; Quiz</a:t>
-            </a:r>
-          </a:p>
           <a:p>
             <a:endParaRPr lang="de-AT" dirty="0"/>
           </a:p>
@@ -20688,7 +20388,7 @@
     </p:spTree>
     <p:extLst>
       <p:ext uri="{BB962C8B-B14F-4D97-AF65-F5344CB8AC3E}">
-        <p14:creationId xmlns:p14="http://schemas.microsoft.com/office/powerpoint/2010/main" val="1801515692"/>
+        <p14:creationId xmlns:p14="http://schemas.microsoft.com/office/powerpoint/2010/main" val="1566899173"/>
       </p:ext>
     </p:extLst>
   </p:cSld>
@@ -20731,9 +20431,26 @@
           <a:lstStyle/>
           <a:p>
             <a:r>
+              <a:rPr lang="de-AT" dirty="0" err="1" smtClean="0"/>
+              <a:t>Improve</a:t>
+            </a:r>
+            <a:r>
               <a:rPr lang="de-AT" dirty="0"/>
-              <a:t>Outline</a:t>
-            </a:r>
+              <a:t> </a:t>
+            </a:r>
+            <a:r>
+              <a:rPr lang="de-AT" dirty="0" err="1" smtClean="0"/>
+              <a:t>existing</a:t>
+            </a:r>
+            <a:r>
+              <a:rPr lang="de-AT" dirty="0" smtClean="0"/>
+              <a:t> </a:t>
+            </a:r>
+            <a:r>
+              <a:rPr lang="de-AT" dirty="0" err="1" smtClean="0"/>
+              <a:t>Application</a:t>
+            </a:r>
+            <a:endParaRPr lang="de-AT" dirty="0"/>
           </a:p>
         </p:txBody>
       </p:sp>
@@ -20749,360 +20466,115 @@
         </p:nvSpPr>
         <p:spPr/>
         <p:txBody>
-          <a:bodyPr>
-            <a:normAutofit lnSpcReduction="10000"/>
-          </a:bodyPr>
+          <a:bodyPr/>
           <a:lstStyle/>
           <a:p>
-            <a:pPr marL="514350" indent="-514350">
-              <a:buFont typeface="+mj-lt"/>
-              <a:buAutoNum type="arabicPeriod"/>
-            </a:pPr>
-            <a:r>
-              <a:rPr lang="de-AT" dirty="0">
-                <a:solidFill>
-                  <a:schemeClr val="accent6">
-                    <a:lumMod val="60000"/>
-                    <a:lumOff val="40000"/>
-                  </a:schemeClr>
-                </a:solidFill>
-              </a:rPr>
-              <a:t>Basics</a:t>
-            </a:r>
-          </a:p>
-          <a:p>
-            <a:pPr marL="971550" lvl="1" indent="-514350">
-              <a:buFont typeface="+mj-lt"/>
-              <a:buAutoNum type="arabicPeriod"/>
-            </a:pPr>
-            <a:r>
-              <a:rPr lang="de-AT" dirty="0">
-                <a:solidFill>
-                  <a:schemeClr val="accent6">
-                    <a:lumMod val="60000"/>
-                    <a:lumOff val="40000"/>
-                  </a:schemeClr>
-                </a:solidFill>
-              </a:rPr>
-              <a:t>App Manifest </a:t>
-            </a:r>
-          </a:p>
-          <a:p>
-            <a:pPr marL="971550" lvl="1" indent="-514350">
-              <a:buFont typeface="+mj-lt"/>
-              <a:buAutoNum type="arabicPeriod"/>
-            </a:pPr>
-            <a:r>
-              <a:rPr lang="de-AT" dirty="0">
-                <a:solidFill>
-                  <a:schemeClr val="accent6">
-                    <a:lumMod val="60000"/>
-                    <a:lumOff val="40000"/>
-                  </a:schemeClr>
-                </a:solidFill>
-              </a:rPr>
-              <a:t>Service </a:t>
-            </a:r>
-            <a:r>
-              <a:rPr lang="de-AT" dirty="0" err="1">
-                <a:solidFill>
-                  <a:schemeClr val="accent6">
-                    <a:lumMod val="60000"/>
-                    <a:lumOff val="40000"/>
-                  </a:schemeClr>
-                </a:solidFill>
-              </a:rPr>
-              <a:t>Workers</a:t>
-            </a:r>
-            <a:endParaRPr lang="de-AT" dirty="0">
-              <a:solidFill>
-                <a:schemeClr val="accent6">
-                  <a:lumMod val="60000"/>
-                  <a:lumOff val="40000"/>
-                </a:schemeClr>
-              </a:solidFill>
-            </a:endParaRPr>
-          </a:p>
-          <a:p>
-            <a:pPr marL="971550" lvl="1" indent="-514350">
-              <a:buFont typeface="+mj-lt"/>
-              <a:buAutoNum type="arabicPeriod"/>
-            </a:pPr>
-            <a:r>
-              <a:rPr lang="de-AT" dirty="0">
-                <a:solidFill>
-                  <a:schemeClr val="accent6">
-                    <a:lumMod val="60000"/>
-                    <a:lumOff val="40000"/>
-                  </a:schemeClr>
-                </a:solidFill>
-              </a:rPr>
-              <a:t>Installation</a:t>
-            </a:r>
-          </a:p>
-          <a:p>
-            <a:pPr marL="514350" indent="-514350">
-              <a:buFont typeface="+mj-lt"/>
-              <a:buAutoNum type="arabicPeriod"/>
-            </a:pPr>
-            <a:r>
-              <a:rPr lang="de-AT" dirty="0" err="1">
-                <a:solidFill>
-                  <a:schemeClr val="accent6">
-                    <a:lumMod val="60000"/>
-                    <a:lumOff val="40000"/>
-                  </a:schemeClr>
-                </a:solidFill>
-              </a:rPr>
-              <a:t>Promise</a:t>
-            </a:r>
-            <a:r>
-              <a:rPr lang="de-AT" dirty="0">
-                <a:solidFill>
-                  <a:schemeClr val="accent6">
-                    <a:lumMod val="60000"/>
-                    <a:lumOff val="40000"/>
-                  </a:schemeClr>
-                </a:solidFill>
-              </a:rPr>
+            <a:r>
+              <a:rPr lang="de-AT" dirty="0" smtClean="0"/>
+              <a:t>Google </a:t>
+            </a:r>
+            <a:r>
+              <a:rPr lang="de-AT" dirty="0" err="1" smtClean="0"/>
+              <a:t>Firebase</a:t>
+            </a:r>
+            <a:endParaRPr lang="de-AT" dirty="0" smtClean="0"/>
+          </a:p>
+          <a:p>
+            <a:r>
+              <a:rPr lang="de-AT" dirty="0" smtClean="0"/>
+              <a:t>Add </a:t>
+            </a:r>
+            <a:r>
+              <a:rPr lang="de-AT" dirty="0" err="1" smtClean="0"/>
+              <a:t>functionality</a:t>
+            </a:r>
+            <a:r>
+              <a:rPr lang="de-AT" dirty="0" smtClean="0"/>
+              <a:t> (</a:t>
+            </a:r>
+            <a:r>
+              <a:rPr lang="de-AT" dirty="0" err="1" smtClean="0"/>
+              <a:t>read</a:t>
+            </a:r>
+            <a:r>
+              <a:rPr lang="de-AT" dirty="0" smtClean="0"/>
+              <a:t>, </a:t>
+            </a:r>
+            <a:r>
+              <a:rPr lang="de-AT" dirty="0" err="1" smtClean="0"/>
+              <a:t>delete</a:t>
+            </a:r>
+            <a:r>
+              <a:rPr lang="de-AT" dirty="0" smtClean="0"/>
+              <a:t>, </a:t>
+            </a:r>
+            <a:r>
+              <a:rPr lang="de-AT" dirty="0" err="1" smtClean="0"/>
+              <a:t>insert</a:t>
+            </a:r>
+            <a:r>
+              <a:rPr lang="de-AT" dirty="0" smtClean="0"/>
+              <a:t>)</a:t>
+            </a:r>
+          </a:p>
+          <a:p>
+            <a:r>
+              <a:rPr lang="de-AT" dirty="0" smtClean="0"/>
+              <a:t>Show </a:t>
+            </a:r>
+            <a:r>
+              <a:rPr lang="de-AT" dirty="0" err="1" smtClean="0"/>
+              <a:t>bug</a:t>
+            </a:r>
+            <a:r>
+              <a:rPr lang="de-AT" dirty="0" smtClean="0"/>
               <a:t> </a:t>
             </a:r>
             <a:r>
-              <a:rPr lang="de-AT" dirty="0" err="1">
-                <a:solidFill>
-                  <a:schemeClr val="accent6">
-                    <a:lumMod val="60000"/>
-                    <a:lumOff val="40000"/>
-                  </a:schemeClr>
-                </a:solidFill>
-              </a:rPr>
+              <a:rPr lang="de-AT" dirty="0" err="1" smtClean="0"/>
+              <a:t>with</a:t>
+            </a:r>
+            <a:r>
+              <a:rPr lang="de-AT" dirty="0" smtClean="0"/>
+              <a:t> </a:t>
+            </a:r>
+            <a:r>
+              <a:rPr lang="de-AT" dirty="0" err="1" smtClean="0"/>
+              <a:t>fetch</a:t>
+            </a:r>
+            <a:r>
+              <a:rPr lang="de-AT" dirty="0" smtClean="0"/>
+              <a:t> / </a:t>
+            </a:r>
+            <a:r>
+              <a:rPr lang="de-AT" dirty="0" err="1" smtClean="0"/>
+              <a:t>use</a:t>
+            </a:r>
+            <a:r>
+              <a:rPr lang="de-AT" dirty="0" smtClean="0"/>
+              <a:t> catch, </a:t>
+            </a:r>
+            <a:r>
+              <a:rPr lang="de-AT" dirty="0" err="1" smtClean="0"/>
+              <a:t>then</a:t>
+            </a:r>
+            <a:r>
+              <a:rPr lang="de-AT" dirty="0" smtClean="0"/>
+              <a:t> </a:t>
+            </a:r>
+            <a:r>
+              <a:rPr lang="de-AT" dirty="0" err="1" smtClean="0"/>
               <a:t>and</a:t>
             </a:r>
             <a:r>
-              <a:rPr lang="de-AT" dirty="0">
-                <a:solidFill>
-                  <a:schemeClr val="accent6">
-                    <a:lumMod val="60000"/>
-                    <a:lumOff val="40000"/>
-                  </a:schemeClr>
-                </a:solidFill>
-              </a:rPr>
+              <a:rPr lang="de-AT" dirty="0" smtClean="0"/>
               <a:t> </a:t>
             </a:r>
             <a:r>
-              <a:rPr lang="de-AT" dirty="0" err="1">
-                <a:solidFill>
-                  <a:schemeClr val="accent6">
-                    <a:lumMod val="60000"/>
-                    <a:lumOff val="40000"/>
-                  </a:schemeClr>
-                </a:solidFill>
-              </a:rPr>
-              <a:t>Fetch</a:t>
-            </a:r>
-            <a:r>
-              <a:rPr lang="de-AT" dirty="0">
-                <a:solidFill>
-                  <a:schemeClr val="accent6">
-                    <a:lumMod val="60000"/>
-                    <a:lumOff val="40000"/>
-                  </a:schemeClr>
-                </a:solidFill>
-              </a:rPr>
-              <a:t>, Service Worker Caching</a:t>
-            </a:r>
-          </a:p>
-          <a:p>
-            <a:pPr marL="514350" indent="-514350">
-              <a:buFont typeface="+mj-lt"/>
-              <a:buAutoNum type="arabicPeriod"/>
-            </a:pPr>
-            <a:r>
-              <a:rPr lang="de-AT" dirty="0" err="1">
-                <a:solidFill>
-                  <a:schemeClr val="accent6">
-                    <a:lumMod val="60000"/>
-                    <a:lumOff val="40000"/>
-                  </a:schemeClr>
-                </a:solidFill>
-              </a:rPr>
-              <a:t>Advanced</a:t>
-            </a:r>
-            <a:r>
-              <a:rPr lang="de-AT" dirty="0">
-                <a:solidFill>
-                  <a:schemeClr val="accent6">
-                    <a:lumMod val="60000"/>
-                    <a:lumOff val="40000"/>
-                  </a:schemeClr>
-                </a:solidFill>
-              </a:rPr>
-              <a:t> Caching, </a:t>
-            </a:r>
-            <a:r>
-              <a:rPr lang="de-AT" dirty="0" err="1">
-                <a:solidFill>
-                  <a:schemeClr val="accent6">
-                    <a:lumMod val="60000"/>
-                    <a:lumOff val="40000"/>
-                  </a:schemeClr>
-                </a:solidFill>
-              </a:rPr>
-              <a:t>Indexed</a:t>
-            </a:r>
-            <a:r>
-              <a:rPr lang="de-AT" dirty="0">
-                <a:solidFill>
-                  <a:schemeClr val="accent6">
-                    <a:lumMod val="60000"/>
-                    <a:lumOff val="40000"/>
-                  </a:schemeClr>
-                </a:solidFill>
-              </a:rPr>
-              <a:t> DB </a:t>
-            </a:r>
-            <a:r>
-              <a:rPr lang="de-AT" dirty="0" err="1">
-                <a:solidFill>
-                  <a:schemeClr val="accent6">
-                    <a:lumMod val="60000"/>
-                    <a:lumOff val="40000"/>
-                  </a:schemeClr>
-                </a:solidFill>
-              </a:rPr>
-              <a:t>and</a:t>
-            </a:r>
-            <a:r>
-              <a:rPr lang="de-AT" dirty="0">
-                <a:solidFill>
-                  <a:schemeClr val="accent6">
-                    <a:lumMod val="60000"/>
-                    <a:lumOff val="40000"/>
-                  </a:schemeClr>
-                </a:solidFill>
-              </a:rPr>
-              <a:t> Dynamic Data</a:t>
-            </a:r>
-          </a:p>
-          <a:p>
-            <a:pPr marL="514350" indent="-514350">
-              <a:buFont typeface="+mj-lt"/>
-              <a:buAutoNum type="arabicPeriod"/>
-            </a:pPr>
-            <a:r>
-              <a:rPr lang="de-AT" dirty="0" err="1">
-                <a:solidFill>
-                  <a:schemeClr val="accent6">
-                    <a:lumMod val="60000"/>
-                    <a:lumOff val="40000"/>
-                  </a:schemeClr>
-                </a:solidFill>
-              </a:rPr>
-              <a:t>Responsive</a:t>
-            </a:r>
-            <a:r>
-              <a:rPr lang="de-AT" dirty="0">
-                <a:solidFill>
-                  <a:schemeClr val="accent6">
-                    <a:lumMod val="60000"/>
-                    <a:lumOff val="40000"/>
-                  </a:schemeClr>
-                </a:solidFill>
-              </a:rPr>
-              <a:t> UI, Background </a:t>
-            </a:r>
-            <a:r>
-              <a:rPr lang="de-AT" dirty="0" err="1">
-                <a:solidFill>
-                  <a:schemeClr val="accent6">
-                    <a:lumMod val="60000"/>
-                    <a:lumOff val="40000"/>
-                  </a:schemeClr>
-                </a:solidFill>
-              </a:rPr>
-              <a:t>Sync</a:t>
-            </a:r>
-            <a:r>
-              <a:rPr lang="de-AT" dirty="0">
-                <a:solidFill>
-                  <a:schemeClr val="accent6">
-                    <a:lumMod val="60000"/>
-                    <a:lumOff val="40000"/>
-                  </a:schemeClr>
-                </a:solidFill>
-              </a:rPr>
-              <a:t> </a:t>
-            </a:r>
-          </a:p>
-          <a:p>
-            <a:pPr marL="514350" indent="-514350">
-              <a:buFont typeface="+mj-lt"/>
-              <a:buAutoNum type="arabicPeriod"/>
-            </a:pPr>
-            <a:r>
-              <a:rPr lang="de-AT" dirty="0"/>
-              <a:t>Web Push </a:t>
-            </a:r>
-            <a:r>
-              <a:rPr lang="de-AT" dirty="0" err="1"/>
-              <a:t>Notifications</a:t>
-            </a:r>
-            <a:r>
-              <a:rPr lang="de-AT" dirty="0"/>
-              <a:t> </a:t>
-            </a:r>
-          </a:p>
-          <a:p>
-            <a:pPr marL="514350" indent="-514350">
-              <a:buFont typeface="+mj-lt"/>
-              <a:buAutoNum type="arabicPeriod"/>
-            </a:pPr>
-            <a:r>
-              <a:rPr lang="de-AT" dirty="0">
-                <a:solidFill>
-                  <a:schemeClr val="bg1">
-                    <a:lumMod val="85000"/>
-                  </a:schemeClr>
-                </a:solidFill>
-              </a:rPr>
-              <a:t>Native Device Features</a:t>
-            </a:r>
-          </a:p>
-          <a:p>
-            <a:pPr marL="514350" indent="-514350">
-              <a:buFont typeface="+mj-lt"/>
-              <a:buAutoNum type="arabicPeriod"/>
-            </a:pPr>
-            <a:r>
-              <a:rPr lang="de-AT" dirty="0">
-                <a:solidFill>
-                  <a:schemeClr val="bg1">
-                    <a:lumMod val="85000"/>
-                  </a:schemeClr>
-                </a:solidFill>
-              </a:rPr>
-              <a:t>Round </a:t>
-            </a:r>
-            <a:r>
-              <a:rPr lang="de-AT" dirty="0" err="1">
-                <a:solidFill>
-                  <a:schemeClr val="bg1">
-                    <a:lumMod val="85000"/>
-                  </a:schemeClr>
-                </a:solidFill>
-              </a:rPr>
-              <a:t>Up</a:t>
-            </a:r>
-            <a:r>
-              <a:rPr lang="de-AT" dirty="0">
-                <a:solidFill>
-                  <a:schemeClr val="bg1">
-                    <a:lumMod val="85000"/>
-                  </a:schemeClr>
-                </a:solidFill>
-              </a:rPr>
-              <a:t> &amp; Quiz</a:t>
-            </a:r>
+              <a:rPr lang="de-AT" dirty="0" err="1" smtClean="0"/>
+              <a:t>finally</a:t>
+            </a:r>
+            <a:endParaRPr lang="de-AT" dirty="0" smtClean="0"/>
           </a:p>
           <a:p>
             <a:endParaRPr lang="de-AT" dirty="0"/>
@@ -21112,7 +20584,7 @@
     </p:spTree>
     <p:extLst>
       <p:ext uri="{BB962C8B-B14F-4D97-AF65-F5344CB8AC3E}">
-        <p14:creationId xmlns:p14="http://schemas.microsoft.com/office/powerpoint/2010/main" val="2621541282"/>
+        <p14:creationId xmlns:p14="http://schemas.microsoft.com/office/powerpoint/2010/main" val="3211441271"/>
       </p:ext>
     </p:extLst>
   </p:cSld>
@@ -21155,9 +20627,14 @@
           <a:lstStyle/>
           <a:p>
             <a:r>
-              <a:rPr lang="de-AT" dirty="0"/>
-              <a:t>Outline</a:t>
-            </a:r>
+              <a:rPr lang="de-DE" dirty="0" err="1" smtClean="0"/>
+              <a:t>Advanced</a:t>
+            </a:r>
+            <a:r>
+              <a:rPr lang="de-DE" dirty="0" smtClean="0"/>
+              <a:t> Caching</a:t>
+            </a:r>
+            <a:endParaRPr lang="de-AT" dirty="0"/>
           </a:p>
         </p:txBody>
       </p:sp>
@@ -21174,376 +20651,220 @@
         <p:spPr/>
         <p:txBody>
           <a:bodyPr>
-            <a:normAutofit lnSpcReduction="10000"/>
+            <a:normAutofit/>
           </a:bodyPr>
           <a:lstStyle/>
           <a:p>
-            <a:pPr marL="514350" indent="-514350">
-              <a:buFont typeface="+mj-lt"/>
-              <a:buAutoNum type="arabicPeriod"/>
-            </a:pPr>
-            <a:r>
-              <a:rPr lang="de-AT" dirty="0">
-                <a:solidFill>
-                  <a:schemeClr val="accent6">
-                    <a:lumMod val="60000"/>
-                    <a:lumOff val="40000"/>
-                  </a:schemeClr>
-                </a:solidFill>
-              </a:rPr>
-              <a:t>Basics</a:t>
-            </a:r>
-          </a:p>
-          <a:p>
-            <a:pPr marL="971550" lvl="1" indent="-514350">
-              <a:buFont typeface="+mj-lt"/>
-              <a:buAutoNum type="arabicPeriod"/>
-            </a:pPr>
-            <a:r>
-              <a:rPr lang="de-AT" dirty="0">
-                <a:solidFill>
-                  <a:schemeClr val="accent6">
-                    <a:lumMod val="60000"/>
-                    <a:lumOff val="40000"/>
-                  </a:schemeClr>
-                </a:solidFill>
-              </a:rPr>
-              <a:t>App Manifest </a:t>
-            </a:r>
-          </a:p>
-          <a:p>
-            <a:pPr marL="971550" lvl="1" indent="-514350">
-              <a:buFont typeface="+mj-lt"/>
-              <a:buAutoNum type="arabicPeriod"/>
-            </a:pPr>
-            <a:r>
-              <a:rPr lang="de-AT" dirty="0">
-                <a:solidFill>
-                  <a:schemeClr val="accent6">
-                    <a:lumMod val="60000"/>
-                    <a:lumOff val="40000"/>
-                  </a:schemeClr>
-                </a:solidFill>
-              </a:rPr>
-              <a:t>Service </a:t>
-            </a:r>
-            <a:r>
-              <a:rPr lang="de-AT" dirty="0" err="1">
-                <a:solidFill>
-                  <a:schemeClr val="accent6">
-                    <a:lumMod val="60000"/>
-                    <a:lumOff val="40000"/>
-                  </a:schemeClr>
-                </a:solidFill>
-              </a:rPr>
-              <a:t>Workers</a:t>
-            </a:r>
-            <a:endParaRPr lang="de-AT" dirty="0">
-              <a:solidFill>
-                <a:schemeClr val="accent6">
-                  <a:lumMod val="60000"/>
-                  <a:lumOff val="40000"/>
-                </a:schemeClr>
-              </a:solidFill>
-            </a:endParaRPr>
-          </a:p>
-          <a:p>
-            <a:pPr marL="971550" lvl="1" indent="-514350">
-              <a:buFont typeface="+mj-lt"/>
-              <a:buAutoNum type="arabicPeriod"/>
-            </a:pPr>
-            <a:r>
-              <a:rPr lang="de-AT" dirty="0">
-                <a:solidFill>
-                  <a:schemeClr val="accent6">
-                    <a:lumMod val="60000"/>
-                    <a:lumOff val="40000"/>
-                  </a:schemeClr>
-                </a:solidFill>
-              </a:rPr>
-              <a:t>Installation</a:t>
-            </a:r>
-          </a:p>
-          <a:p>
-            <a:pPr marL="514350" indent="-514350">
-              <a:buFont typeface="+mj-lt"/>
-              <a:buAutoNum type="arabicPeriod"/>
-            </a:pPr>
-            <a:r>
-              <a:rPr lang="de-AT" dirty="0" err="1">
-                <a:solidFill>
-                  <a:schemeClr val="accent6">
-                    <a:lumMod val="60000"/>
-                    <a:lumOff val="40000"/>
-                  </a:schemeClr>
-                </a:solidFill>
-              </a:rPr>
-              <a:t>Promise</a:t>
-            </a:r>
-            <a:r>
-              <a:rPr lang="de-AT" dirty="0">
-                <a:solidFill>
-                  <a:schemeClr val="accent6">
-                    <a:lumMod val="60000"/>
-                    <a:lumOff val="40000"/>
-                  </a:schemeClr>
-                </a:solidFill>
-              </a:rPr>
+            <a:r>
+              <a:rPr lang="de-DE" dirty="0" smtClean="0"/>
+              <a:t>Cache on </a:t>
+            </a:r>
+            <a:r>
+              <a:rPr lang="de-DE" dirty="0" err="1" smtClean="0"/>
+              <a:t>demand</a:t>
+            </a:r>
+            <a:endParaRPr lang="de-DE" dirty="0" smtClean="0"/>
+          </a:p>
+          <a:p>
+            <a:r>
+              <a:rPr lang="de-DE" dirty="0" smtClean="0"/>
+              <a:t>Offline </a:t>
+            </a:r>
+            <a:r>
+              <a:rPr lang="de-DE" dirty="0" err="1" smtClean="0"/>
+              <a:t>fallback</a:t>
+            </a:r>
+            <a:r>
+              <a:rPr lang="de-DE" dirty="0" smtClean="0"/>
               <a:t> </a:t>
             </a:r>
             <a:r>
-              <a:rPr lang="de-AT" dirty="0" err="1">
-                <a:solidFill>
-                  <a:schemeClr val="accent6">
-                    <a:lumMod val="60000"/>
-                    <a:lumOff val="40000"/>
-                  </a:schemeClr>
-                </a:solidFill>
-              </a:rPr>
-              <a:t>and</a:t>
-            </a:r>
-            <a:r>
-              <a:rPr lang="de-AT" dirty="0">
-                <a:solidFill>
-                  <a:schemeClr val="accent6">
-                    <a:lumMod val="60000"/>
-                    <a:lumOff val="40000"/>
-                  </a:schemeClr>
-                </a:solidFill>
-              </a:rPr>
+              <a:rPr lang="de-DE" dirty="0" err="1" smtClean="0"/>
+              <a:t>page</a:t>
+            </a:r>
+            <a:endParaRPr lang="de-DE" dirty="0" smtClean="0"/>
+          </a:p>
+          <a:p>
+            <a:r>
+              <a:rPr lang="de-DE" dirty="0" smtClean="0"/>
+              <a:t>Cache </a:t>
+            </a:r>
+            <a:r>
+              <a:rPr lang="de-DE" dirty="0" err="1" smtClean="0"/>
+              <a:t>Strategies</a:t>
+            </a:r>
+            <a:endParaRPr lang="de-DE" dirty="0" smtClean="0"/>
+          </a:p>
+          <a:p>
+            <a:pPr lvl="1"/>
+            <a:r>
+              <a:rPr lang="de-DE" dirty="0" smtClean="0"/>
+              <a:t>Cache </a:t>
+            </a:r>
+            <a:r>
+              <a:rPr lang="de-DE" dirty="0" err="1" smtClean="0"/>
+              <a:t>with</a:t>
+            </a:r>
+            <a:r>
+              <a:rPr lang="de-DE" dirty="0" smtClean="0"/>
               <a:t> </a:t>
             </a:r>
             <a:r>
-              <a:rPr lang="de-AT" dirty="0" err="1">
-                <a:solidFill>
-                  <a:schemeClr val="accent6">
-                    <a:lumMod val="60000"/>
-                    <a:lumOff val="40000"/>
-                  </a:schemeClr>
-                </a:solidFill>
-              </a:rPr>
-              <a:t>Fetch</a:t>
-            </a:r>
-            <a:r>
-              <a:rPr lang="de-AT" dirty="0">
-                <a:solidFill>
-                  <a:schemeClr val="accent6">
-                    <a:lumMod val="60000"/>
-                    <a:lumOff val="40000"/>
-                  </a:schemeClr>
-                </a:solidFill>
-              </a:rPr>
-              <a:t>, Service Worker Caching</a:t>
-            </a:r>
-          </a:p>
-          <a:p>
-            <a:pPr marL="514350" indent="-514350">
-              <a:buFont typeface="+mj-lt"/>
-              <a:buAutoNum type="arabicPeriod"/>
-            </a:pPr>
-            <a:r>
-              <a:rPr lang="de-AT" dirty="0" err="1">
-                <a:solidFill>
-                  <a:schemeClr val="accent6">
-                    <a:lumMod val="60000"/>
-                    <a:lumOff val="40000"/>
-                  </a:schemeClr>
-                </a:solidFill>
-              </a:rPr>
-              <a:t>Advanced</a:t>
-            </a:r>
-            <a:r>
-              <a:rPr lang="de-AT" dirty="0">
-                <a:solidFill>
-                  <a:schemeClr val="accent6">
-                    <a:lumMod val="60000"/>
-                    <a:lumOff val="40000"/>
-                  </a:schemeClr>
-                </a:solidFill>
-              </a:rPr>
-              <a:t> Caching, </a:t>
-            </a:r>
-            <a:r>
-              <a:rPr lang="de-AT" dirty="0" err="1">
-                <a:solidFill>
-                  <a:schemeClr val="accent6">
-                    <a:lumMod val="60000"/>
-                    <a:lumOff val="40000"/>
-                  </a:schemeClr>
-                </a:solidFill>
-              </a:rPr>
-              <a:t>Indexed</a:t>
-            </a:r>
-            <a:r>
-              <a:rPr lang="de-AT" dirty="0">
-                <a:solidFill>
-                  <a:schemeClr val="accent6">
-                    <a:lumMod val="60000"/>
-                    <a:lumOff val="40000"/>
-                  </a:schemeClr>
-                </a:solidFill>
-              </a:rPr>
-              <a:t> DB </a:t>
-            </a:r>
-            <a:r>
-              <a:rPr lang="de-AT" dirty="0" err="1">
-                <a:solidFill>
-                  <a:schemeClr val="accent6">
-                    <a:lumMod val="60000"/>
-                    <a:lumOff val="40000"/>
-                  </a:schemeClr>
-                </a:solidFill>
-              </a:rPr>
-              <a:t>and</a:t>
-            </a:r>
-            <a:r>
-              <a:rPr lang="de-AT" dirty="0">
-                <a:solidFill>
-                  <a:schemeClr val="accent6">
-                    <a:lumMod val="60000"/>
-                    <a:lumOff val="40000"/>
-                  </a:schemeClr>
-                </a:solidFill>
-              </a:rPr>
-              <a:t> Dynamic Data</a:t>
-            </a:r>
-          </a:p>
-          <a:p>
-            <a:pPr marL="514350" indent="-514350">
-              <a:buFont typeface="+mj-lt"/>
-              <a:buAutoNum type="arabicPeriod"/>
-            </a:pPr>
-            <a:r>
-              <a:rPr lang="de-AT" dirty="0" err="1">
-                <a:solidFill>
-                  <a:schemeClr val="accent6">
-                    <a:lumMod val="60000"/>
-                    <a:lumOff val="40000"/>
-                  </a:schemeClr>
-                </a:solidFill>
-              </a:rPr>
-              <a:t>Responsive</a:t>
-            </a:r>
-            <a:r>
-              <a:rPr lang="de-AT" dirty="0">
-                <a:solidFill>
-                  <a:schemeClr val="accent6">
-                    <a:lumMod val="60000"/>
-                    <a:lumOff val="40000"/>
-                  </a:schemeClr>
-                </a:solidFill>
-              </a:rPr>
-              <a:t> UI, Background </a:t>
-            </a:r>
-            <a:r>
-              <a:rPr lang="de-AT" dirty="0" err="1">
-                <a:solidFill>
-                  <a:schemeClr val="accent6">
-                    <a:lumMod val="60000"/>
-                    <a:lumOff val="40000"/>
-                  </a:schemeClr>
-                </a:solidFill>
-              </a:rPr>
-              <a:t>Sync</a:t>
-            </a:r>
-            <a:r>
-              <a:rPr lang="de-AT" dirty="0">
-                <a:solidFill>
-                  <a:schemeClr val="accent6">
-                    <a:lumMod val="60000"/>
-                    <a:lumOff val="40000"/>
-                  </a:schemeClr>
-                </a:solidFill>
-              </a:rPr>
+              <a:rPr lang="de-DE" dirty="0" err="1" smtClean="0"/>
+              <a:t>network</a:t>
+            </a:r>
+            <a:r>
+              <a:rPr lang="de-DE" dirty="0" smtClean="0"/>
               <a:t> </a:t>
             </a:r>
-          </a:p>
-          <a:p>
-            <a:pPr marL="514350" indent="-514350">
-              <a:buFont typeface="+mj-lt"/>
-              <a:buAutoNum type="arabicPeriod"/>
-            </a:pPr>
-            <a:r>
-              <a:rPr lang="de-AT" dirty="0">
-                <a:solidFill>
-                  <a:schemeClr val="accent6">
-                    <a:lumMod val="60000"/>
-                    <a:lumOff val="40000"/>
-                  </a:schemeClr>
-                </a:solidFill>
-              </a:rPr>
-              <a:t>Web Push </a:t>
-            </a:r>
-            <a:r>
-              <a:rPr lang="de-AT" dirty="0" err="1">
-                <a:solidFill>
-                  <a:schemeClr val="accent6">
-                    <a:lumMod val="60000"/>
-                    <a:lumOff val="40000"/>
-                  </a:schemeClr>
-                </a:solidFill>
-              </a:rPr>
-              <a:t>Notifications</a:t>
-            </a:r>
-            <a:r>
-              <a:rPr lang="de-AT" dirty="0">
-                <a:solidFill>
-                  <a:schemeClr val="accent6">
-                    <a:lumMod val="60000"/>
-                    <a:lumOff val="40000"/>
-                  </a:schemeClr>
-                </a:solidFill>
-              </a:rPr>
+            <a:r>
+              <a:rPr lang="de-DE" dirty="0" err="1" smtClean="0"/>
+              <a:t>fallback</a:t>
+            </a:r>
+            <a:endParaRPr lang="de-DE" dirty="0" smtClean="0"/>
+          </a:p>
+          <a:p>
+            <a:pPr lvl="1"/>
+            <a:r>
+              <a:rPr lang="de-DE" dirty="0" smtClean="0"/>
+              <a:t>Cache </a:t>
+            </a:r>
+            <a:r>
+              <a:rPr lang="de-DE" dirty="0" err="1" smtClean="0"/>
+              <a:t>only</a:t>
+            </a:r>
+            <a:endParaRPr lang="de-DE" dirty="0" smtClean="0"/>
+          </a:p>
+          <a:p>
+            <a:pPr lvl="1"/>
+            <a:r>
+              <a:rPr lang="de-DE" dirty="0" smtClean="0"/>
+              <a:t>Network </a:t>
+            </a:r>
+            <a:r>
+              <a:rPr lang="de-DE" dirty="0" err="1" smtClean="0"/>
+              <a:t>only</a:t>
+            </a:r>
+            <a:endParaRPr lang="de-DE" dirty="0" smtClean="0"/>
+          </a:p>
+          <a:p>
+            <a:pPr lvl="1"/>
+            <a:r>
+              <a:rPr lang="de-DE" dirty="0" smtClean="0"/>
+              <a:t>Network </a:t>
+            </a:r>
+            <a:r>
+              <a:rPr lang="de-DE" dirty="0" err="1" smtClean="0"/>
+              <a:t>with</a:t>
+            </a:r>
+            <a:r>
+              <a:rPr lang="de-DE" dirty="0" smtClean="0"/>
               <a:t> </a:t>
             </a:r>
-          </a:p>
-          <a:p>
-            <a:pPr marL="514350" indent="-514350">
-              <a:buFont typeface="+mj-lt"/>
-              <a:buAutoNum type="arabicPeriod"/>
-            </a:pPr>
-            <a:r>
-              <a:rPr lang="de-AT" dirty="0"/>
-              <a:t>Native Device Features</a:t>
-            </a:r>
-          </a:p>
-          <a:p>
-            <a:pPr marL="514350" indent="-514350">
-              <a:buFont typeface="+mj-lt"/>
-              <a:buAutoNum type="arabicPeriod"/>
-            </a:pPr>
-            <a:r>
-              <a:rPr lang="de-AT" dirty="0">
-                <a:solidFill>
-                  <a:schemeClr val="bg1">
-                    <a:lumMod val="85000"/>
-                  </a:schemeClr>
-                </a:solidFill>
-              </a:rPr>
-              <a:t>Round </a:t>
-            </a:r>
-            <a:r>
-              <a:rPr lang="de-AT" dirty="0" err="1">
-                <a:solidFill>
-                  <a:schemeClr val="bg1">
-                    <a:lumMod val="85000"/>
-                  </a:schemeClr>
-                </a:solidFill>
-              </a:rPr>
-              <a:t>Up</a:t>
-            </a:r>
-            <a:r>
-              <a:rPr lang="de-AT" dirty="0">
-                <a:solidFill>
-                  <a:schemeClr val="bg1">
-                    <a:lumMod val="85000"/>
-                  </a:schemeClr>
-                </a:solidFill>
-              </a:rPr>
-              <a:t> &amp; Quiz</a:t>
-            </a:r>
-          </a:p>
-          <a:p>
+            <a:r>
+              <a:rPr lang="de-DE" dirty="0" err="1" smtClean="0"/>
+              <a:t>cache</a:t>
+            </a:r>
+            <a:r>
+              <a:rPr lang="de-DE" dirty="0" smtClean="0"/>
+              <a:t> </a:t>
+            </a:r>
+            <a:r>
+              <a:rPr lang="de-DE" dirty="0" err="1" smtClean="0"/>
+              <a:t>fallback</a:t>
+            </a:r>
+            <a:endParaRPr lang="de-DE" dirty="0" smtClean="0"/>
+          </a:p>
+          <a:p>
+            <a:pPr lvl="1"/>
+            <a:r>
+              <a:rPr lang="de-DE" dirty="0" smtClean="0"/>
+              <a:t>Cache </a:t>
+            </a:r>
+            <a:r>
+              <a:rPr lang="de-DE" dirty="0" err="1" smtClean="0"/>
+              <a:t>then</a:t>
+            </a:r>
+            <a:r>
+              <a:rPr lang="de-DE" dirty="0" smtClean="0"/>
+              <a:t> </a:t>
+            </a:r>
+            <a:r>
+              <a:rPr lang="de-DE" dirty="0" err="1" smtClean="0"/>
+              <a:t>network</a:t>
+            </a:r>
+            <a:endParaRPr lang="de-DE" dirty="0"/>
+          </a:p>
+          <a:p>
+            <a:pPr lvl="1"/>
+            <a:r>
+              <a:rPr lang="de-DE" dirty="0" smtClean="0"/>
+              <a:t>Cache </a:t>
+            </a:r>
+            <a:r>
+              <a:rPr lang="de-DE" dirty="0" err="1" smtClean="0"/>
+              <a:t>then</a:t>
+            </a:r>
+            <a:r>
+              <a:rPr lang="de-DE" dirty="0" smtClean="0"/>
+              <a:t> </a:t>
+            </a:r>
+            <a:r>
+              <a:rPr lang="de-DE" dirty="0" err="1" smtClean="0"/>
+              <a:t>network</a:t>
+            </a:r>
+            <a:r>
+              <a:rPr lang="de-DE" dirty="0" smtClean="0"/>
+              <a:t> &amp; </a:t>
+            </a:r>
+            <a:r>
+              <a:rPr lang="de-DE" dirty="0" err="1" smtClean="0"/>
+              <a:t>dynamic</a:t>
+            </a:r>
+            <a:r>
+              <a:rPr lang="de-DE" dirty="0" smtClean="0"/>
+              <a:t> </a:t>
+            </a:r>
+            <a:r>
+              <a:rPr lang="de-DE" dirty="0" err="1" smtClean="0"/>
+              <a:t>caching</a:t>
+            </a:r>
+            <a:endParaRPr lang="de-DE" dirty="0" smtClean="0"/>
+          </a:p>
+          <a:p>
+            <a:pPr lvl="1"/>
+            <a:r>
+              <a:rPr lang="de-DE" dirty="0" smtClean="0"/>
+              <a:t>Cache </a:t>
+            </a:r>
+            <a:r>
+              <a:rPr lang="de-DE" dirty="0" err="1" smtClean="0"/>
+              <a:t>then</a:t>
+            </a:r>
+            <a:r>
+              <a:rPr lang="de-DE" dirty="0" smtClean="0"/>
+              <a:t> </a:t>
+            </a:r>
+            <a:r>
+              <a:rPr lang="de-DE" dirty="0" err="1" smtClean="0"/>
+              <a:t>network</a:t>
+            </a:r>
+            <a:r>
+              <a:rPr lang="de-DE" dirty="0" smtClean="0"/>
+              <a:t> </a:t>
+            </a:r>
+            <a:r>
+              <a:rPr lang="de-DE" dirty="0" err="1" smtClean="0"/>
+              <a:t>with</a:t>
+            </a:r>
+            <a:r>
+              <a:rPr lang="de-DE" dirty="0" smtClean="0"/>
+              <a:t> offline </a:t>
+            </a:r>
+            <a:r>
+              <a:rPr lang="de-DE" dirty="0" err="1" smtClean="0"/>
+              <a:t>support</a:t>
+            </a:r>
             <a:endParaRPr lang="de-AT" dirty="0"/>
           </a:p>
         </p:txBody>
@@ -21551,7 +20872,7 @@
     </p:spTree>
     <p:extLst>
       <p:ext uri="{BB962C8B-B14F-4D97-AF65-F5344CB8AC3E}">
-        <p14:creationId xmlns:p14="http://schemas.microsoft.com/office/powerpoint/2010/main" val="1796238282"/>
+        <p14:creationId xmlns:p14="http://schemas.microsoft.com/office/powerpoint/2010/main" val="2161744366"/>
       </p:ext>
     </p:extLst>
   </p:cSld>
@@ -21594,392 +20915,262 @@
           <a:lstStyle/>
           <a:p>
             <a:r>
-              <a:rPr lang="de-AT" dirty="0"/>
-              <a:t>Outline</a:t>
-            </a:r>
-          </a:p>
-        </p:txBody>
-      </p:sp>
-      <p:sp>
-        <p:nvSpPr>
-          <p:cNvPr id="3" name="Inhaltsplatzhalter 2"/>
-          <p:cNvSpPr>
-            <a:spLocks noGrp="1"/>
-          </p:cNvSpPr>
-          <p:nvPr>
-            <p:ph idx="1"/>
-          </p:nvPr>
-        </p:nvSpPr>
-        <p:spPr/>
-        <p:txBody>
-          <a:bodyPr>
-            <a:normAutofit lnSpcReduction="10000"/>
+              <a:rPr lang="de-AT" dirty="0" smtClean="0"/>
+              <a:t>Cache on </a:t>
+            </a:r>
+            <a:r>
+              <a:rPr lang="de-AT" dirty="0" err="1" smtClean="0"/>
+              <a:t>demand</a:t>
+            </a:r>
+            <a:endParaRPr lang="de-AT" dirty="0"/>
+          </a:p>
+        </p:txBody>
+      </p:sp>
+      <p:sp>
+        <p:nvSpPr>
+          <p:cNvPr id="4" name="Textfeld 3"/>
+          <p:cNvSpPr txBox="1"/>
+          <p:nvPr/>
+        </p:nvSpPr>
+        <p:spPr>
+          <a:xfrm>
+            <a:off x="838200" y="1610741"/>
+            <a:ext cx="10515600" cy="2031325"/>
+          </a:xfrm>
+          <a:prstGeom prst="rect">
+            <a:avLst/>
+          </a:prstGeom>
+          <a:solidFill>
+            <a:schemeClr val="tx1"/>
+          </a:solidFill>
+        </p:spPr>
+        <p:txBody>
+          <a:bodyPr wrap="square" rtlCol="0">
+            <a:spAutoFit/>
           </a:bodyPr>
           <a:lstStyle/>
           <a:p>
-            <a:pPr marL="514350" indent="-514350">
-              <a:buFont typeface="+mj-lt"/>
-              <a:buAutoNum type="arabicPeriod"/>
-            </a:pPr>
-            <a:r>
-              <a:rPr lang="de-AT" dirty="0">
-                <a:solidFill>
-                  <a:schemeClr val="accent6">
-                    <a:lumMod val="60000"/>
-                    <a:lumOff val="40000"/>
-                  </a:schemeClr>
-                </a:solidFill>
-              </a:rPr>
-              <a:t>Basics</a:t>
-            </a:r>
-          </a:p>
-          <a:p>
-            <a:pPr marL="971550" lvl="1" indent="-514350">
-              <a:buFont typeface="+mj-lt"/>
-              <a:buAutoNum type="arabicPeriod"/>
-            </a:pPr>
-            <a:r>
-              <a:rPr lang="de-AT" dirty="0">
-                <a:solidFill>
-                  <a:schemeClr val="accent6">
-                    <a:lumMod val="60000"/>
-                    <a:lumOff val="40000"/>
-                  </a:schemeClr>
-                </a:solidFill>
-              </a:rPr>
-              <a:t>App Manifest </a:t>
-            </a:r>
-          </a:p>
-          <a:p>
-            <a:pPr marL="971550" lvl="1" indent="-514350">
-              <a:buFont typeface="+mj-lt"/>
-              <a:buAutoNum type="arabicPeriod"/>
-            </a:pPr>
-            <a:r>
-              <a:rPr lang="de-AT" dirty="0">
-                <a:solidFill>
-                  <a:schemeClr val="accent6">
-                    <a:lumMod val="60000"/>
-                    <a:lumOff val="40000"/>
-                  </a:schemeClr>
-                </a:solidFill>
-              </a:rPr>
-              <a:t>Service </a:t>
-            </a:r>
             <a:r>
               <a:rPr lang="de-AT" dirty="0" err="1">
                 <a:solidFill>
-                  <a:schemeClr val="accent6">
-                    <a:lumMod val="60000"/>
-                    <a:lumOff val="40000"/>
-                  </a:schemeClr>
-                </a:solidFill>
-              </a:rPr>
-              <a:t>Workers</a:t>
+                  <a:schemeClr val="bg1"/>
+                </a:solidFill>
+              </a:rPr>
+              <a:t>if</a:t>
+            </a:r>
+            <a:r>
+              <a:rPr lang="de-AT" dirty="0">
+                <a:solidFill>
+                  <a:schemeClr val="bg1"/>
+                </a:solidFill>
+              </a:rPr>
+              <a:t> ('</a:t>
+            </a:r>
+            <a:r>
+              <a:rPr lang="de-AT" dirty="0" err="1">
+                <a:solidFill>
+                  <a:schemeClr val="bg1"/>
+                </a:solidFill>
+              </a:rPr>
+              <a:t>caches</a:t>
+            </a:r>
+            <a:r>
+              <a:rPr lang="de-AT" dirty="0">
+                <a:solidFill>
+                  <a:schemeClr val="bg1"/>
+                </a:solidFill>
+              </a:rPr>
+              <a:t>' in </a:t>
+            </a:r>
+            <a:r>
+              <a:rPr lang="de-AT" dirty="0" err="1">
+                <a:solidFill>
+                  <a:schemeClr val="bg1"/>
+                </a:solidFill>
+              </a:rPr>
+              <a:t>window</a:t>
+            </a:r>
+            <a:r>
+              <a:rPr lang="de-AT" dirty="0">
+                <a:solidFill>
+                  <a:schemeClr val="bg1"/>
+                </a:solidFill>
+              </a:rPr>
+              <a:t>) </a:t>
+            </a:r>
+            <a:endParaRPr lang="de-AT" dirty="0" smtClean="0">
+              <a:solidFill>
+                <a:schemeClr val="bg1"/>
+              </a:solidFill>
+            </a:endParaRPr>
+          </a:p>
+          <a:p>
+            <a:r>
+              <a:rPr lang="de-AT" dirty="0" smtClean="0">
+                <a:solidFill>
+                  <a:schemeClr val="bg1"/>
+                </a:solidFill>
+              </a:rPr>
+              <a:t>{</a:t>
             </a:r>
             <a:endParaRPr lang="de-AT" dirty="0">
               <a:solidFill>
-                <a:schemeClr val="accent6">
-                  <a:lumMod val="60000"/>
-                  <a:lumOff val="40000"/>
-                </a:schemeClr>
+                <a:schemeClr val="bg1"/>
               </a:solidFill>
             </a:endParaRPr>
           </a:p>
           <a:p>
-            <a:pPr marL="971550" lvl="1" indent="-514350">
-              <a:buFont typeface="+mj-lt"/>
-              <a:buAutoNum type="arabicPeriod"/>
-            </a:pPr>
-            <a:r>
-              <a:rPr lang="de-AT" dirty="0">
-                <a:solidFill>
-                  <a:schemeClr val="accent6">
-                    <a:lumMod val="60000"/>
-                    <a:lumOff val="40000"/>
-                  </a:schemeClr>
-                </a:solidFill>
-              </a:rPr>
-              <a:t>Installation</a:t>
-            </a:r>
-          </a:p>
-          <a:p>
-            <a:pPr marL="514350" indent="-514350">
-              <a:buFont typeface="+mj-lt"/>
-              <a:buAutoNum type="arabicPeriod"/>
-            </a:pPr>
+            <a:r>
+              <a:rPr lang="de-AT" dirty="0">
+                <a:solidFill>
+                  <a:schemeClr val="bg1"/>
+                </a:solidFill>
+              </a:rPr>
+              <a:t>    </a:t>
+            </a:r>
             <a:r>
               <a:rPr lang="de-AT" dirty="0" err="1">
                 <a:solidFill>
-                  <a:schemeClr val="accent6">
-                    <a:lumMod val="60000"/>
-                    <a:lumOff val="40000"/>
-                  </a:schemeClr>
-                </a:solidFill>
-              </a:rPr>
-              <a:t>Promise</a:t>
-            </a:r>
-            <a:r>
-              <a:rPr lang="de-AT" dirty="0">
-                <a:solidFill>
-                  <a:schemeClr val="accent6">
-                    <a:lumMod val="60000"/>
-                    <a:lumOff val="40000"/>
-                  </a:schemeClr>
-                </a:solidFill>
-              </a:rPr>
-              <a:t> </a:t>
+                  <a:schemeClr val="bg1"/>
+                </a:solidFill>
+              </a:rPr>
+              <a:t>caches.open</a:t>
+            </a:r>
+            <a:r>
+              <a:rPr lang="de-AT" dirty="0">
+                <a:solidFill>
+                  <a:schemeClr val="bg1"/>
+                </a:solidFill>
+              </a:rPr>
+              <a:t>('user-</a:t>
             </a:r>
             <a:r>
               <a:rPr lang="de-AT" dirty="0" err="1">
                 <a:solidFill>
-                  <a:schemeClr val="accent6">
-                    <a:lumMod val="60000"/>
-                    <a:lumOff val="40000"/>
-                  </a:schemeClr>
-                </a:solidFill>
-              </a:rPr>
-              <a:t>and</a:t>
-            </a:r>
-            <a:r>
-              <a:rPr lang="de-AT" dirty="0">
-                <a:solidFill>
-                  <a:schemeClr val="accent6">
-                    <a:lumMod val="60000"/>
-                    <a:lumOff val="40000"/>
-                  </a:schemeClr>
-                </a:solidFill>
-              </a:rPr>
-              <a:t> </a:t>
+                  <a:schemeClr val="bg1"/>
+                </a:solidFill>
+              </a:rPr>
+              <a:t>requested</a:t>
+            </a:r>
+            <a:r>
+              <a:rPr lang="de-AT" dirty="0">
+                <a:solidFill>
+                  <a:schemeClr val="bg1"/>
+                </a:solidFill>
+              </a:rPr>
+              <a:t>')</a:t>
+            </a:r>
+          </a:p>
+          <a:p>
+            <a:r>
+              <a:rPr lang="de-AT" dirty="0">
+                <a:solidFill>
+                  <a:schemeClr val="bg1"/>
+                </a:solidFill>
+              </a:rPr>
+              <a:t>        .</a:t>
             </a:r>
             <a:r>
               <a:rPr lang="de-AT" dirty="0" err="1">
                 <a:solidFill>
-                  <a:schemeClr val="accent6">
-                    <a:lumMod val="60000"/>
-                    <a:lumOff val="40000"/>
-                  </a:schemeClr>
-                </a:solidFill>
-              </a:rPr>
-              <a:t>Fetch</a:t>
-            </a:r>
-            <a:r>
-              <a:rPr lang="de-AT" dirty="0">
-                <a:solidFill>
-                  <a:schemeClr val="accent6">
-                    <a:lumMod val="60000"/>
-                    <a:lumOff val="40000"/>
-                  </a:schemeClr>
-                </a:solidFill>
-              </a:rPr>
-              <a:t>, Service Worker Caching</a:t>
-            </a:r>
-          </a:p>
-          <a:p>
-            <a:pPr marL="514350" indent="-514350">
-              <a:buFont typeface="+mj-lt"/>
-              <a:buAutoNum type="arabicPeriod"/>
-            </a:pPr>
+                  <a:schemeClr val="bg1"/>
+                </a:solidFill>
+              </a:rPr>
+              <a:t>then</a:t>
+            </a:r>
+            <a:r>
+              <a:rPr lang="de-AT" dirty="0">
+                <a:solidFill>
+                  <a:schemeClr val="bg1"/>
+                </a:solidFill>
+              </a:rPr>
+              <a:t>(</a:t>
+            </a:r>
             <a:r>
               <a:rPr lang="de-AT" dirty="0" err="1">
                 <a:solidFill>
-                  <a:schemeClr val="accent6">
-                    <a:lumMod val="60000"/>
-                    <a:lumOff val="40000"/>
-                  </a:schemeClr>
-                </a:solidFill>
-              </a:rPr>
-              <a:t>Advanced</a:t>
-            </a:r>
-            <a:r>
-              <a:rPr lang="de-AT" dirty="0">
-                <a:solidFill>
-                  <a:schemeClr val="accent6">
-                    <a:lumMod val="60000"/>
-                    <a:lumOff val="40000"/>
-                  </a:schemeClr>
-                </a:solidFill>
-              </a:rPr>
-              <a:t> Caching, </a:t>
+                  <a:schemeClr val="bg1"/>
+                </a:solidFill>
+              </a:rPr>
+              <a:t>function</a:t>
+            </a:r>
+            <a:r>
+              <a:rPr lang="de-AT" dirty="0">
+                <a:solidFill>
+                  <a:schemeClr val="bg1"/>
+                </a:solidFill>
+              </a:rPr>
+              <a:t>(</a:t>
             </a:r>
             <a:r>
               <a:rPr lang="de-AT" dirty="0" err="1">
                 <a:solidFill>
-                  <a:schemeClr val="accent6">
-                    <a:lumMod val="60000"/>
-                    <a:lumOff val="40000"/>
-                  </a:schemeClr>
-                </a:solidFill>
-              </a:rPr>
-              <a:t>Indexed</a:t>
-            </a:r>
-            <a:r>
-              <a:rPr lang="de-AT" dirty="0">
-                <a:solidFill>
-                  <a:schemeClr val="accent6">
-                    <a:lumMod val="60000"/>
-                    <a:lumOff val="40000"/>
-                  </a:schemeClr>
-                </a:solidFill>
-              </a:rPr>
-              <a:t> DB </a:t>
+                  <a:schemeClr val="bg1"/>
+                </a:solidFill>
+              </a:rPr>
+              <a:t>cache</a:t>
+            </a:r>
+            <a:r>
+              <a:rPr lang="de-AT" dirty="0">
+                <a:solidFill>
+                  <a:schemeClr val="bg1"/>
+                </a:solidFill>
+              </a:rPr>
+              <a:t>) {</a:t>
+            </a:r>
+          </a:p>
+          <a:p>
+            <a:r>
+              <a:rPr lang="de-AT" dirty="0">
+                <a:solidFill>
+                  <a:schemeClr val="bg1"/>
+                </a:solidFill>
+              </a:rPr>
+              <a:t>            </a:t>
             </a:r>
             <a:r>
               <a:rPr lang="de-AT" dirty="0" err="1">
                 <a:solidFill>
-                  <a:schemeClr val="accent6">
-                    <a:lumMod val="60000"/>
-                    <a:lumOff val="40000"/>
-                  </a:schemeClr>
-                </a:solidFill>
-              </a:rPr>
-              <a:t>and</a:t>
-            </a:r>
-            <a:r>
-              <a:rPr lang="de-AT" dirty="0">
-                <a:solidFill>
-                  <a:schemeClr val="accent6">
-                    <a:lumMod val="60000"/>
-                    <a:lumOff val="40000"/>
-                  </a:schemeClr>
-                </a:solidFill>
-              </a:rPr>
-              <a:t> Dynamic Data</a:t>
-            </a:r>
-          </a:p>
-          <a:p>
-            <a:pPr marL="514350" indent="-514350">
-              <a:buFont typeface="+mj-lt"/>
-              <a:buAutoNum type="arabicPeriod"/>
-            </a:pPr>
-            <a:r>
-              <a:rPr lang="de-AT" dirty="0" err="1">
-                <a:solidFill>
-                  <a:schemeClr val="accent6">
-                    <a:lumMod val="60000"/>
-                    <a:lumOff val="40000"/>
-                  </a:schemeClr>
-                </a:solidFill>
-              </a:rPr>
-              <a:t>Responsive</a:t>
-            </a:r>
-            <a:r>
-              <a:rPr lang="de-AT" dirty="0">
-                <a:solidFill>
-                  <a:schemeClr val="accent6">
-                    <a:lumMod val="60000"/>
-                    <a:lumOff val="40000"/>
-                  </a:schemeClr>
-                </a:solidFill>
-              </a:rPr>
-              <a:t> UI, Background </a:t>
-            </a:r>
-            <a:r>
-              <a:rPr lang="de-AT" dirty="0" err="1">
-                <a:solidFill>
-                  <a:schemeClr val="accent6">
-                    <a:lumMod val="60000"/>
-                    <a:lumOff val="40000"/>
-                  </a:schemeClr>
-                </a:solidFill>
-              </a:rPr>
-              <a:t>Sync</a:t>
-            </a:r>
-            <a:r>
-              <a:rPr lang="de-AT" dirty="0">
-                <a:solidFill>
-                  <a:schemeClr val="accent6">
-                    <a:lumMod val="60000"/>
-                    <a:lumOff val="40000"/>
-                  </a:schemeClr>
-                </a:solidFill>
-              </a:rPr>
-              <a:t> </a:t>
-            </a:r>
-          </a:p>
-          <a:p>
-            <a:pPr marL="514350" indent="-514350">
-              <a:buFont typeface="+mj-lt"/>
-              <a:buAutoNum type="arabicPeriod"/>
-            </a:pPr>
-            <a:r>
-              <a:rPr lang="de-AT" dirty="0">
-                <a:solidFill>
-                  <a:schemeClr val="accent6">
-                    <a:lumMod val="60000"/>
-                    <a:lumOff val="40000"/>
-                  </a:schemeClr>
-                </a:solidFill>
-              </a:rPr>
-              <a:t>Web Push </a:t>
-            </a:r>
-            <a:r>
-              <a:rPr lang="de-AT" dirty="0" err="1">
-                <a:solidFill>
-                  <a:schemeClr val="accent6">
-                    <a:lumMod val="60000"/>
-                    <a:lumOff val="40000"/>
-                  </a:schemeClr>
-                </a:solidFill>
-              </a:rPr>
-              <a:t>Notifications</a:t>
-            </a:r>
-            <a:r>
-              <a:rPr lang="de-AT" dirty="0">
-                <a:solidFill>
-                  <a:schemeClr val="accent6">
-                    <a:lumMod val="60000"/>
-                    <a:lumOff val="40000"/>
-                  </a:schemeClr>
-                </a:solidFill>
-              </a:rPr>
-              <a:t> </a:t>
-            </a:r>
-          </a:p>
-          <a:p>
-            <a:pPr marL="514350" indent="-514350">
-              <a:buFont typeface="+mj-lt"/>
-              <a:buAutoNum type="arabicPeriod"/>
-            </a:pPr>
-            <a:r>
-              <a:rPr lang="de-AT" dirty="0">
-                <a:solidFill>
-                  <a:schemeClr val="accent6">
-                    <a:lumMod val="60000"/>
-                    <a:lumOff val="40000"/>
-                  </a:schemeClr>
-                </a:solidFill>
-              </a:rPr>
-              <a:t>Native Device Features</a:t>
-            </a:r>
-          </a:p>
-          <a:p>
-            <a:pPr marL="514350" indent="-514350">
-              <a:buFont typeface="+mj-lt"/>
-              <a:buAutoNum type="arabicPeriod"/>
-            </a:pPr>
-            <a:r>
-              <a:rPr lang="de-AT" dirty="0"/>
-              <a:t>Round </a:t>
-            </a:r>
-            <a:r>
-              <a:rPr lang="de-AT" dirty="0" err="1"/>
-              <a:t>Up</a:t>
-            </a:r>
-            <a:r>
-              <a:rPr lang="de-AT" dirty="0"/>
-              <a:t> &amp; Quiz</a:t>
-            </a:r>
-          </a:p>
-          <a:p>
-            <a:endParaRPr lang="de-AT" dirty="0"/>
+                  <a:schemeClr val="bg1"/>
+                </a:solidFill>
+              </a:rPr>
+              <a:t>cache.add</a:t>
+            </a:r>
+            <a:r>
+              <a:rPr lang="de-AT" dirty="0">
+                <a:solidFill>
+                  <a:schemeClr val="bg1"/>
+                </a:solidFill>
+              </a:rPr>
+              <a:t>('');</a:t>
+            </a:r>
+          </a:p>
+          <a:p>
+            <a:r>
+              <a:rPr lang="de-AT" dirty="0">
+                <a:solidFill>
+                  <a:schemeClr val="bg1"/>
+                </a:solidFill>
+              </a:rPr>
+              <a:t>        });</a:t>
+            </a:r>
+          </a:p>
+          <a:p>
+            <a:r>
+              <a:rPr lang="de-AT" dirty="0">
+                <a:solidFill>
+                  <a:schemeClr val="bg1"/>
+                </a:solidFill>
+              </a:rPr>
+              <a:t>}</a:t>
+            </a:r>
           </a:p>
         </p:txBody>
       </p:sp>
     </p:spTree>
     <p:extLst>
       <p:ext uri="{BB962C8B-B14F-4D97-AF65-F5344CB8AC3E}">
-        <p14:creationId xmlns:p14="http://schemas.microsoft.com/office/powerpoint/2010/main" val="2022339406"/>
+        <p14:creationId xmlns:p14="http://schemas.microsoft.com/office/powerpoint/2010/main" val="3307020050"/>
       </p:ext>
     </p:extLst>
   </p:cSld>
@@ -22022,20 +21213,418 @@
           <a:lstStyle/>
           <a:p>
             <a:r>
-              <a:rPr lang="de-AT" dirty="0"/>
-              <a:t>Backend</a:t>
-            </a:r>
-          </a:p>
-        </p:txBody>
-      </p:sp>
-      <p:sp>
-        <p:nvSpPr>
-          <p:cNvPr id="3" name="Inhaltsplatzhalter 2"/>
+              <a:rPr lang="de-AT" dirty="0" smtClean="0"/>
+              <a:t>Offline </a:t>
+            </a:r>
+            <a:r>
+              <a:rPr lang="de-AT" dirty="0" err="1" smtClean="0"/>
+              <a:t>fallback</a:t>
+            </a:r>
+            <a:endParaRPr lang="de-AT" dirty="0"/>
+          </a:p>
+        </p:txBody>
+      </p:sp>
+      <p:sp>
+        <p:nvSpPr>
+          <p:cNvPr id="4" name="Textfeld 3"/>
+          <p:cNvSpPr txBox="1"/>
+          <p:nvPr/>
+        </p:nvSpPr>
+        <p:spPr>
+          <a:xfrm>
+            <a:off x="838200" y="1610741"/>
+            <a:ext cx="10515600" cy="2308324"/>
+          </a:xfrm>
+          <a:prstGeom prst="rect">
+            <a:avLst/>
+          </a:prstGeom>
+          <a:solidFill>
+            <a:schemeClr val="tx1"/>
+          </a:solidFill>
+        </p:spPr>
+        <p:txBody>
+          <a:bodyPr wrap="square" rtlCol="0">
+            <a:spAutoFit/>
+          </a:bodyPr>
+          <a:lstStyle/>
+          <a:p>
+            <a:r>
+              <a:rPr lang="de-AT" dirty="0" smtClean="0">
+                <a:solidFill>
+                  <a:schemeClr val="bg1"/>
+                </a:solidFill>
+              </a:rPr>
+              <a:t>  </a:t>
+            </a:r>
+            <a:r>
+              <a:rPr lang="de-AT" dirty="0">
+                <a:solidFill>
+                  <a:schemeClr val="bg1"/>
+                </a:solidFill>
+              </a:rPr>
+              <a:t>                      .catch(</a:t>
+            </a:r>
+            <a:r>
+              <a:rPr lang="de-AT" dirty="0" err="1">
+                <a:solidFill>
+                  <a:schemeClr val="bg1"/>
+                </a:solidFill>
+              </a:rPr>
+              <a:t>function</a:t>
+            </a:r>
+            <a:r>
+              <a:rPr lang="de-AT" dirty="0">
+                <a:solidFill>
+                  <a:schemeClr val="bg1"/>
+                </a:solidFill>
+              </a:rPr>
+              <a:t>(</a:t>
+            </a:r>
+            <a:r>
+              <a:rPr lang="de-AT" dirty="0" err="1">
+                <a:solidFill>
+                  <a:schemeClr val="bg1"/>
+                </a:solidFill>
+              </a:rPr>
+              <a:t>error</a:t>
+            </a:r>
+            <a:r>
+              <a:rPr lang="de-AT" dirty="0">
+                <a:solidFill>
+                  <a:schemeClr val="bg1"/>
+                </a:solidFill>
+              </a:rPr>
+              <a:t>) { </a:t>
+            </a:r>
+          </a:p>
+          <a:p>
+            <a:r>
+              <a:rPr lang="de-AT" dirty="0">
+                <a:solidFill>
+                  <a:schemeClr val="bg1"/>
+                </a:solidFill>
+              </a:rPr>
+              <a:t>                            //do not </a:t>
+            </a:r>
+            <a:r>
+              <a:rPr lang="de-AT" dirty="0" err="1">
+                <a:solidFill>
+                  <a:schemeClr val="bg1"/>
+                </a:solidFill>
+              </a:rPr>
+              <a:t>throw</a:t>
+            </a:r>
+            <a:r>
+              <a:rPr lang="de-AT" dirty="0">
+                <a:solidFill>
+                  <a:schemeClr val="bg1"/>
+                </a:solidFill>
+              </a:rPr>
+              <a:t> </a:t>
+            </a:r>
+            <a:r>
+              <a:rPr lang="de-AT" dirty="0" err="1">
+                <a:solidFill>
+                  <a:schemeClr val="bg1"/>
+                </a:solidFill>
+              </a:rPr>
+              <a:t>exception</a:t>
+            </a:r>
+            <a:r>
+              <a:rPr lang="de-AT" dirty="0">
+                <a:solidFill>
+                  <a:schemeClr val="bg1"/>
+                </a:solidFill>
+              </a:rPr>
+              <a:t> </a:t>
+            </a:r>
+            <a:r>
+              <a:rPr lang="de-AT" dirty="0" err="1">
+                <a:solidFill>
+                  <a:schemeClr val="bg1"/>
+                </a:solidFill>
+              </a:rPr>
+              <a:t>when</a:t>
+            </a:r>
+            <a:r>
+              <a:rPr lang="de-AT" dirty="0">
+                <a:solidFill>
+                  <a:schemeClr val="bg1"/>
+                </a:solidFill>
+              </a:rPr>
+              <a:t> </a:t>
+            </a:r>
+            <a:r>
+              <a:rPr lang="de-AT" dirty="0" err="1">
+                <a:solidFill>
+                  <a:schemeClr val="bg1"/>
+                </a:solidFill>
+              </a:rPr>
+              <a:t>fetching</a:t>
+            </a:r>
+            <a:r>
+              <a:rPr lang="de-AT" dirty="0">
+                <a:solidFill>
+                  <a:schemeClr val="bg1"/>
+                </a:solidFill>
+              </a:rPr>
+              <a:t> </a:t>
+            </a:r>
+            <a:r>
+              <a:rPr lang="de-AT" dirty="0" err="1">
+                <a:solidFill>
+                  <a:schemeClr val="bg1"/>
+                </a:solidFill>
+              </a:rPr>
+              <a:t>fails</a:t>
+            </a:r>
+            <a:endParaRPr lang="de-AT" dirty="0">
+              <a:solidFill>
+                <a:schemeClr val="bg1"/>
+              </a:solidFill>
+            </a:endParaRPr>
+          </a:p>
+          <a:p>
+            <a:r>
+              <a:rPr lang="de-AT" dirty="0">
+                <a:solidFill>
+                  <a:schemeClr val="bg1"/>
+                </a:solidFill>
+              </a:rPr>
+              <a:t>                            //but </a:t>
+            </a:r>
+            <a:r>
+              <a:rPr lang="de-AT" dirty="0" err="1">
+                <a:solidFill>
+                  <a:schemeClr val="bg1"/>
+                </a:solidFill>
+              </a:rPr>
+              <a:t>provide</a:t>
+            </a:r>
+            <a:r>
+              <a:rPr lang="de-AT" dirty="0">
+                <a:solidFill>
+                  <a:schemeClr val="bg1"/>
+                </a:solidFill>
+              </a:rPr>
+              <a:t> offline </a:t>
+            </a:r>
+            <a:r>
+              <a:rPr lang="de-AT" dirty="0" err="1">
+                <a:solidFill>
+                  <a:schemeClr val="bg1"/>
+                </a:solidFill>
+              </a:rPr>
+              <a:t>page</a:t>
+            </a:r>
+            <a:endParaRPr lang="de-AT" dirty="0">
+              <a:solidFill>
+                <a:schemeClr val="bg1"/>
+              </a:solidFill>
+            </a:endParaRPr>
+          </a:p>
+          <a:p>
+            <a:r>
+              <a:rPr lang="de-AT" dirty="0">
+                <a:solidFill>
+                  <a:schemeClr val="bg1"/>
+                </a:solidFill>
+              </a:rPr>
+              <a:t>                            </a:t>
+            </a:r>
+            <a:r>
+              <a:rPr lang="de-AT" dirty="0" err="1">
+                <a:solidFill>
+                  <a:schemeClr val="bg1"/>
+                </a:solidFill>
+              </a:rPr>
+              <a:t>return</a:t>
+            </a:r>
+            <a:r>
+              <a:rPr lang="de-AT" dirty="0">
+                <a:solidFill>
+                  <a:schemeClr val="bg1"/>
+                </a:solidFill>
+              </a:rPr>
+              <a:t> </a:t>
+            </a:r>
+            <a:r>
+              <a:rPr lang="de-AT" dirty="0" err="1">
+                <a:solidFill>
+                  <a:schemeClr val="bg1"/>
+                </a:solidFill>
+              </a:rPr>
+              <a:t>caches.open</a:t>
+            </a:r>
+            <a:r>
+              <a:rPr lang="de-AT" dirty="0">
+                <a:solidFill>
+                  <a:schemeClr val="bg1"/>
+                </a:solidFill>
+              </a:rPr>
+              <a:t>(CACHE_STATIC_NAME)</a:t>
+            </a:r>
+          </a:p>
+          <a:p>
+            <a:r>
+              <a:rPr lang="de-AT" dirty="0">
+                <a:solidFill>
+                  <a:schemeClr val="bg1"/>
+                </a:solidFill>
+              </a:rPr>
+              <a:t>                                .</a:t>
+            </a:r>
+            <a:r>
+              <a:rPr lang="de-AT" dirty="0" err="1">
+                <a:solidFill>
+                  <a:schemeClr val="bg1"/>
+                </a:solidFill>
+              </a:rPr>
+              <a:t>then</a:t>
+            </a:r>
+            <a:r>
+              <a:rPr lang="de-AT" dirty="0">
+                <a:solidFill>
+                  <a:schemeClr val="bg1"/>
+                </a:solidFill>
+              </a:rPr>
+              <a:t>(</a:t>
+            </a:r>
+            <a:r>
+              <a:rPr lang="de-AT" dirty="0" err="1">
+                <a:solidFill>
+                  <a:schemeClr val="bg1"/>
+                </a:solidFill>
+              </a:rPr>
+              <a:t>function</a:t>
+            </a:r>
+            <a:r>
+              <a:rPr lang="de-AT" dirty="0">
+                <a:solidFill>
+                  <a:schemeClr val="bg1"/>
+                </a:solidFill>
+              </a:rPr>
+              <a:t>(</a:t>
+            </a:r>
+            <a:r>
+              <a:rPr lang="de-AT" dirty="0" err="1">
+                <a:solidFill>
+                  <a:schemeClr val="bg1"/>
+                </a:solidFill>
+              </a:rPr>
+              <a:t>cache</a:t>
+            </a:r>
+            <a:r>
+              <a:rPr lang="de-AT" dirty="0">
+                <a:solidFill>
+                  <a:schemeClr val="bg1"/>
+                </a:solidFill>
+              </a:rPr>
+              <a:t>) {</a:t>
+            </a:r>
+          </a:p>
+          <a:p>
+            <a:r>
+              <a:rPr lang="de-AT" dirty="0">
+                <a:solidFill>
+                  <a:schemeClr val="bg1"/>
+                </a:solidFill>
+              </a:rPr>
+              <a:t>                                   </a:t>
+            </a:r>
+            <a:r>
+              <a:rPr lang="de-AT" dirty="0" err="1">
+                <a:solidFill>
+                  <a:schemeClr val="bg1"/>
+                </a:solidFill>
+              </a:rPr>
+              <a:t>return</a:t>
+            </a:r>
+            <a:r>
+              <a:rPr lang="de-AT" dirty="0">
+                <a:solidFill>
+                  <a:schemeClr val="bg1"/>
+                </a:solidFill>
+              </a:rPr>
+              <a:t> </a:t>
+            </a:r>
+            <a:r>
+              <a:rPr lang="de-AT" dirty="0" err="1">
+                <a:solidFill>
+                  <a:schemeClr val="bg1"/>
+                </a:solidFill>
+              </a:rPr>
+              <a:t>cache.match</a:t>
+            </a:r>
+            <a:r>
+              <a:rPr lang="de-AT" dirty="0">
+                <a:solidFill>
+                  <a:schemeClr val="bg1"/>
+                </a:solidFill>
+              </a:rPr>
+              <a:t>('/offline.html');</a:t>
+            </a:r>
+          </a:p>
+          <a:p>
+            <a:r>
+              <a:rPr lang="de-AT" dirty="0">
+                <a:solidFill>
+                  <a:schemeClr val="bg1"/>
+                </a:solidFill>
+              </a:rPr>
+              <a:t>                                });</a:t>
+            </a:r>
+          </a:p>
+          <a:p>
+            <a:r>
+              <a:rPr lang="de-AT" dirty="0">
+                <a:solidFill>
+                  <a:schemeClr val="bg1"/>
+                </a:solidFill>
+              </a:rPr>
+              <a:t>                        });</a:t>
+            </a:r>
+          </a:p>
+        </p:txBody>
+      </p:sp>
+    </p:spTree>
+    <p:extLst>
+      <p:ext uri="{BB962C8B-B14F-4D97-AF65-F5344CB8AC3E}">
+        <p14:creationId xmlns:p14="http://schemas.microsoft.com/office/powerpoint/2010/main" val="594704371"/>
+      </p:ext>
+    </p:extLst>
+  </p:cSld>
+  <p:clrMapOvr>
+    <a:masterClrMapping/>
+  </p:clrMapOvr>
+</p:sld>
+</file>
+
+<file path=ppt/slides/slide57.xml><?xml version="1.0" encoding="utf-8"?>
+<p:sld xmlns:a="http://schemas.openxmlformats.org/drawingml/2006/main" xmlns:r="http://schemas.openxmlformats.org/officeDocument/2006/relationships" xmlns:p="http://schemas.openxmlformats.org/presentationml/2006/main">
+  <p:cSld>
+    <p:spTree>
+      <p:nvGrpSpPr>
+        <p:cNvPr id="1" name=""/>
+        <p:cNvGrpSpPr/>
+        <p:nvPr/>
+      </p:nvGrpSpPr>
+      <p:grpSpPr>
+        <a:xfrm>
+          <a:off x="0" y="0"/>
+          <a:ext cx="0" cy="0"/>
+          <a:chOff x="0" y="0"/>
+          <a:chExt cx="0" cy="0"/>
+        </a:xfrm>
+      </p:grpSpPr>
+      <p:sp>
+        <p:nvSpPr>
+          <p:cNvPr id="2" name="Titel 1"/>
           <p:cNvSpPr>
             <a:spLocks noGrp="1"/>
           </p:cNvSpPr>
           <p:nvPr>
-            <p:ph idx="1"/>
+            <p:ph type="title"/>
           </p:nvPr>
         </p:nvSpPr>
         <p:spPr/>
@@ -22043,107 +21632,1341 @@
           <a:bodyPr/>
           <a:lstStyle/>
           <a:p>
+            <a:pPr algn="ctr"/>
+            <a:r>
+              <a:rPr lang="de-AT" dirty="0" smtClean="0"/>
+              <a:t>Cache </a:t>
+            </a:r>
+            <a:r>
+              <a:rPr lang="de-AT" dirty="0" err="1" smtClean="0"/>
+              <a:t>with</a:t>
+            </a:r>
+            <a:r>
+              <a:rPr lang="de-AT" dirty="0" smtClean="0"/>
+              <a:t> </a:t>
+            </a:r>
+            <a:r>
+              <a:rPr lang="de-AT" dirty="0" err="1" smtClean="0"/>
+              <a:t>network</a:t>
+            </a:r>
+            <a:r>
+              <a:rPr lang="de-AT" dirty="0" smtClean="0"/>
+              <a:t> </a:t>
+            </a:r>
+            <a:r>
+              <a:rPr lang="de-AT" dirty="0" err="1" smtClean="0"/>
+              <a:t>fallback</a:t>
+            </a:r>
+            <a:r>
+              <a:rPr lang="de-AT" dirty="0" smtClean="0"/>
+              <a:t> (</a:t>
+            </a:r>
+            <a:r>
+              <a:rPr lang="de-AT" dirty="0" err="1" smtClean="0"/>
+              <a:t>now</a:t>
+            </a:r>
+            <a:r>
+              <a:rPr lang="de-AT" dirty="0" smtClean="0"/>
+              <a:t>)</a:t>
+            </a:r>
+            <a:endParaRPr lang="de-AT" dirty="0"/>
+          </a:p>
+        </p:txBody>
+      </p:sp>
+      <p:sp>
+        <p:nvSpPr>
+          <p:cNvPr id="4" name="Rechteck 3"/>
+          <p:cNvSpPr/>
+          <p:nvPr/>
+        </p:nvSpPr>
+        <p:spPr>
+          <a:xfrm>
+            <a:off x="5364221" y="1477144"/>
+            <a:ext cx="1671609" cy="1248403"/>
+          </a:xfrm>
+          <a:prstGeom prst="rect">
+            <a:avLst/>
+          </a:prstGeom>
+        </p:spPr>
+        <p:style>
+          <a:lnRef idx="2">
+            <a:schemeClr val="accent6">
+              <a:shade val="50000"/>
+            </a:schemeClr>
+          </a:lnRef>
+          <a:fillRef idx="1">
+            <a:schemeClr val="accent6"/>
+          </a:fillRef>
+          <a:effectRef idx="0">
+            <a:schemeClr val="accent6"/>
+          </a:effectRef>
+          <a:fontRef idx="minor">
+            <a:schemeClr val="lt1"/>
+          </a:fontRef>
+        </p:style>
+        <p:txBody>
+          <a:bodyPr rtlCol="0" anchor="ctr"/>
+          <a:lstStyle/>
+          <a:p>
+            <a:pPr algn="ctr"/>
+            <a:r>
+              <a:rPr lang="de-AT" dirty="0" smtClean="0"/>
+              <a:t>Page</a:t>
+            </a:r>
+            <a:endParaRPr lang="de-AT" dirty="0"/>
+          </a:p>
+        </p:txBody>
+      </p:sp>
+      <p:sp>
+        <p:nvSpPr>
+          <p:cNvPr id="5" name="Rechteck 4"/>
+          <p:cNvSpPr/>
+          <p:nvPr/>
+        </p:nvSpPr>
+        <p:spPr>
+          <a:xfrm>
+            <a:off x="3490020" y="3060774"/>
+            <a:ext cx="1664080" cy="1248403"/>
+          </a:xfrm>
+          <a:prstGeom prst="rect">
+            <a:avLst/>
+          </a:prstGeom>
+        </p:spPr>
+        <p:style>
+          <a:lnRef idx="2">
+            <a:schemeClr val="accent5">
+              <a:shade val="50000"/>
+            </a:schemeClr>
+          </a:lnRef>
+          <a:fillRef idx="1">
+            <a:schemeClr val="accent5"/>
+          </a:fillRef>
+          <a:effectRef idx="0">
+            <a:schemeClr val="accent5"/>
+          </a:effectRef>
+          <a:fontRef idx="minor">
+            <a:schemeClr val="lt1"/>
+          </a:fontRef>
+        </p:style>
+        <p:txBody>
+          <a:bodyPr rtlCol="0" anchor="ctr"/>
+          <a:lstStyle/>
+          <a:p>
+            <a:pPr algn="ctr"/>
+            <a:r>
+              <a:rPr lang="de-AT" dirty="0" smtClean="0"/>
+              <a:t>Service Worker</a:t>
+            </a:r>
+            <a:endParaRPr lang="de-AT" dirty="0"/>
+          </a:p>
+        </p:txBody>
+      </p:sp>
+      <p:sp>
+        <p:nvSpPr>
+          <p:cNvPr id="6" name="Rechteck 5"/>
+          <p:cNvSpPr/>
+          <p:nvPr/>
+        </p:nvSpPr>
+        <p:spPr>
+          <a:xfrm>
+            <a:off x="7245950" y="3060774"/>
+            <a:ext cx="1664080" cy="1248403"/>
+          </a:xfrm>
+          <a:prstGeom prst="rect">
+            <a:avLst/>
+          </a:prstGeom>
+        </p:spPr>
+        <p:style>
+          <a:lnRef idx="2">
+            <a:schemeClr val="accent3">
+              <a:shade val="50000"/>
+            </a:schemeClr>
+          </a:lnRef>
+          <a:fillRef idx="1">
+            <a:schemeClr val="accent3"/>
+          </a:fillRef>
+          <a:effectRef idx="0">
+            <a:schemeClr val="accent3"/>
+          </a:effectRef>
+          <a:fontRef idx="minor">
+            <a:schemeClr val="lt1"/>
+          </a:fontRef>
+        </p:style>
+        <p:txBody>
+          <a:bodyPr rtlCol="0" anchor="ctr"/>
+          <a:lstStyle/>
+          <a:p>
+            <a:pPr algn="ctr"/>
+            <a:r>
+              <a:rPr lang="de-DE" dirty="0" smtClean="0"/>
+              <a:t>Network</a:t>
+            </a:r>
+            <a:endParaRPr lang="de-AT" dirty="0" smtClean="0"/>
+          </a:p>
+        </p:txBody>
+      </p:sp>
+      <p:sp>
+        <p:nvSpPr>
+          <p:cNvPr id="10" name="Rechteck 9"/>
+          <p:cNvSpPr/>
+          <p:nvPr/>
+        </p:nvSpPr>
+        <p:spPr>
+          <a:xfrm>
+            <a:off x="5364221" y="4651393"/>
+            <a:ext cx="1881729" cy="1248403"/>
+          </a:xfrm>
+          <a:prstGeom prst="rect">
+            <a:avLst/>
+          </a:prstGeom>
+        </p:spPr>
+        <p:style>
+          <a:lnRef idx="2">
+            <a:schemeClr val="accent2">
+              <a:shade val="50000"/>
+            </a:schemeClr>
+          </a:lnRef>
+          <a:fillRef idx="1">
+            <a:schemeClr val="accent2"/>
+          </a:fillRef>
+          <a:effectRef idx="0">
+            <a:schemeClr val="accent2"/>
+          </a:effectRef>
+          <a:fontRef idx="minor">
+            <a:schemeClr val="lt1"/>
+          </a:fontRef>
+        </p:style>
+        <p:txBody>
+          <a:bodyPr rtlCol="0" anchor="ctr"/>
+          <a:lstStyle/>
+          <a:p>
+            <a:pPr algn="ctr"/>
+            <a:r>
+              <a:rPr lang="de-AT" dirty="0" smtClean="0"/>
+              <a:t>Cache</a:t>
+            </a:r>
+            <a:endParaRPr lang="de-AT" dirty="0"/>
+          </a:p>
+        </p:txBody>
+      </p:sp>
+      <p:sp>
+        <p:nvSpPr>
+          <p:cNvPr id="9" name="Textfeld 8"/>
+          <p:cNvSpPr txBox="1"/>
+          <p:nvPr/>
+        </p:nvSpPr>
+        <p:spPr>
+          <a:xfrm>
+            <a:off x="3855353" y="2396394"/>
+            <a:ext cx="301686" cy="369332"/>
+          </a:xfrm>
+          <a:prstGeom prst="rect">
+            <a:avLst/>
+          </a:prstGeom>
+          <a:noFill/>
+        </p:spPr>
+        <p:txBody>
+          <a:bodyPr wrap="none" rtlCol="0">
+            <a:spAutoFit/>
+          </a:bodyPr>
+          <a:lstStyle/>
+          <a:p>
+            <a:r>
+              <a:rPr lang="de-AT" dirty="0" smtClean="0"/>
+              <a:t>1</a:t>
+            </a:r>
+            <a:endParaRPr lang="de-AT" dirty="0"/>
+          </a:p>
+        </p:txBody>
+      </p:sp>
+      <p:cxnSp>
+        <p:nvCxnSpPr>
+          <p:cNvPr id="14" name="Gewinkelte Verbindung 13"/>
+          <p:cNvCxnSpPr>
+            <a:stCxn id="4" idx="1"/>
+            <a:endCxn id="5" idx="0"/>
+          </p:cNvCxnSpPr>
+          <p:nvPr/>
+        </p:nvCxnSpPr>
+        <p:spPr>
+          <a:xfrm rot="10800000" flipV="1">
+            <a:off x="4322061" y="2101346"/>
+            <a:ext cx="1042161" cy="959428"/>
+          </a:xfrm>
+          <a:prstGeom prst="bentConnector2">
+            <a:avLst/>
+          </a:prstGeom>
+          <a:ln>
+            <a:tailEnd type="triangle"/>
+          </a:ln>
+        </p:spPr>
+        <p:style>
+          <a:lnRef idx="1">
+            <a:schemeClr val="accent1"/>
+          </a:lnRef>
+          <a:fillRef idx="0">
+            <a:schemeClr val="accent1"/>
+          </a:fillRef>
+          <a:effectRef idx="0">
+            <a:schemeClr val="accent1"/>
+          </a:effectRef>
+          <a:fontRef idx="minor">
+            <a:schemeClr val="tx1"/>
+          </a:fontRef>
+        </p:style>
+      </p:cxnSp>
+      <p:cxnSp>
+        <p:nvCxnSpPr>
+          <p:cNvPr id="16" name="Gewinkelte Verbindung 15"/>
+          <p:cNvCxnSpPr>
+            <a:stCxn id="5" idx="2"/>
+            <a:endCxn id="10" idx="1"/>
+          </p:cNvCxnSpPr>
+          <p:nvPr/>
+        </p:nvCxnSpPr>
+        <p:spPr>
+          <a:xfrm rot="16200000" flipH="1">
+            <a:off x="4359931" y="4271305"/>
+            <a:ext cx="966418" cy="1042161"/>
+          </a:xfrm>
+          <a:prstGeom prst="bentConnector2">
+            <a:avLst/>
+          </a:prstGeom>
+          <a:ln>
+            <a:tailEnd type="triangle"/>
+          </a:ln>
+        </p:spPr>
+        <p:style>
+          <a:lnRef idx="1">
+            <a:schemeClr val="accent1"/>
+          </a:lnRef>
+          <a:fillRef idx="0">
+            <a:schemeClr val="accent1"/>
+          </a:fillRef>
+          <a:effectRef idx="0">
+            <a:schemeClr val="accent1"/>
+          </a:effectRef>
+          <a:fontRef idx="minor">
+            <a:schemeClr val="tx1"/>
+          </a:fontRef>
+        </p:style>
+      </p:cxnSp>
+      <p:sp>
+        <p:nvSpPr>
+          <p:cNvPr id="18" name="Textfeld 17"/>
+          <p:cNvSpPr txBox="1"/>
+          <p:nvPr/>
+        </p:nvSpPr>
+        <p:spPr>
+          <a:xfrm>
+            <a:off x="3859375" y="4607719"/>
+            <a:ext cx="301686" cy="369332"/>
+          </a:xfrm>
+          <a:prstGeom prst="rect">
+            <a:avLst/>
+          </a:prstGeom>
+          <a:noFill/>
+        </p:spPr>
+        <p:txBody>
+          <a:bodyPr wrap="none" rtlCol="0">
+            <a:spAutoFit/>
+          </a:bodyPr>
+          <a:lstStyle/>
+          <a:p>
             <a:r>
               <a:rPr lang="de-AT" dirty="0"/>
-              <a:t>Google </a:t>
-            </a:r>
-            <a:r>
-              <a:rPr lang="de-AT" dirty="0" err="1"/>
-              <a:t>Firebase</a:t>
+              <a:t>2</a:t>
+            </a:r>
+          </a:p>
+        </p:txBody>
+      </p:sp>
+      <p:cxnSp>
+        <p:nvCxnSpPr>
+          <p:cNvPr id="20" name="Gerade Verbindung mit Pfeil 19"/>
+          <p:cNvCxnSpPr>
+            <a:stCxn id="5" idx="3"/>
+            <a:endCxn id="6" idx="1"/>
+          </p:cNvCxnSpPr>
+          <p:nvPr/>
+        </p:nvCxnSpPr>
+        <p:spPr>
+          <a:xfrm>
+            <a:off x="5154100" y="3684976"/>
+            <a:ext cx="2091850" cy="0"/>
+          </a:xfrm>
+          <a:prstGeom prst="straightConnector1">
+            <a:avLst/>
+          </a:prstGeom>
+          <a:ln>
+            <a:tailEnd type="triangle"/>
+          </a:ln>
+        </p:spPr>
+        <p:style>
+          <a:lnRef idx="1">
+            <a:schemeClr val="accent1"/>
+          </a:lnRef>
+          <a:fillRef idx="0">
+            <a:schemeClr val="accent1"/>
+          </a:fillRef>
+          <a:effectRef idx="0">
+            <a:schemeClr val="accent1"/>
+          </a:effectRef>
+          <a:fontRef idx="minor">
+            <a:schemeClr val="tx1"/>
+          </a:fontRef>
+        </p:style>
+      </p:cxnSp>
+      <p:sp>
+        <p:nvSpPr>
+          <p:cNvPr id="22" name="Textfeld 21"/>
+          <p:cNvSpPr txBox="1"/>
+          <p:nvPr/>
+        </p:nvSpPr>
+        <p:spPr>
+          <a:xfrm>
+            <a:off x="6049182" y="3254370"/>
+            <a:ext cx="301686" cy="369332"/>
+          </a:xfrm>
+          <a:prstGeom prst="rect">
+            <a:avLst/>
+          </a:prstGeom>
+          <a:noFill/>
+        </p:spPr>
+        <p:txBody>
+          <a:bodyPr wrap="none" rtlCol="0">
+            <a:spAutoFit/>
+          </a:bodyPr>
+          <a:lstStyle/>
+          <a:p>
+            <a:r>
+              <a:rPr lang="de-AT" dirty="0" smtClean="0"/>
+              <a:t>3</a:t>
             </a:r>
             <a:endParaRPr lang="de-AT" dirty="0"/>
           </a:p>
-          <a:p>
-            <a:r>
-              <a:rPr lang="de-AT" dirty="0"/>
-              <a:t>Realtime Database</a:t>
-            </a:r>
-          </a:p>
-          <a:p>
-            <a:r>
-              <a:rPr lang="de-AT" dirty="0" err="1">
-                <a:solidFill>
-                  <a:srgbClr val="FF0000"/>
-                </a:solidFill>
-              </a:rPr>
-              <a:t>No</a:t>
-            </a:r>
-            <a:r>
-              <a:rPr lang="de-AT" dirty="0">
-                <a:solidFill>
-                  <a:srgbClr val="FF0000"/>
-                </a:solidFill>
-              </a:rPr>
+        </p:txBody>
+      </p:sp>
+      <p:cxnSp>
+        <p:nvCxnSpPr>
+          <p:cNvPr id="24" name="Gewinkelte Verbindung 23"/>
+          <p:cNvCxnSpPr>
+            <a:stCxn id="6" idx="0"/>
+            <a:endCxn id="4" idx="3"/>
+          </p:cNvCxnSpPr>
+          <p:nvPr/>
+        </p:nvCxnSpPr>
+        <p:spPr>
+          <a:xfrm rot="16200000" flipV="1">
+            <a:off x="7077196" y="2059980"/>
+            <a:ext cx="959428" cy="1042160"/>
+          </a:xfrm>
+          <a:prstGeom prst="bentConnector2">
+            <a:avLst/>
+          </a:prstGeom>
+          <a:ln>
+            <a:tailEnd type="triangle"/>
+          </a:ln>
+        </p:spPr>
+        <p:style>
+          <a:lnRef idx="1">
+            <a:schemeClr val="accent1"/>
+          </a:lnRef>
+          <a:fillRef idx="0">
+            <a:schemeClr val="accent1"/>
+          </a:fillRef>
+          <a:effectRef idx="0">
+            <a:schemeClr val="accent1"/>
+          </a:effectRef>
+          <a:fontRef idx="minor">
+            <a:schemeClr val="tx1"/>
+          </a:fontRef>
+        </p:style>
+      </p:cxnSp>
+      <p:sp>
+        <p:nvSpPr>
+          <p:cNvPr id="25" name="Textfeld 24"/>
+          <p:cNvSpPr txBox="1"/>
+          <p:nvPr/>
+        </p:nvSpPr>
+        <p:spPr>
+          <a:xfrm>
+            <a:off x="8192324" y="2362315"/>
+            <a:ext cx="301686" cy="369332"/>
+          </a:xfrm>
+          <a:prstGeom prst="rect">
+            <a:avLst/>
+          </a:prstGeom>
+          <a:noFill/>
+        </p:spPr>
+        <p:txBody>
+          <a:bodyPr wrap="none" rtlCol="0">
+            <a:spAutoFit/>
+          </a:bodyPr>
+          <a:lstStyle/>
+          <a:p>
+            <a:r>
+              <a:rPr lang="de-AT" dirty="0" smtClean="0"/>
+              <a:t>4</a:t>
+            </a:r>
+            <a:endParaRPr lang="de-AT" dirty="0"/>
+          </a:p>
+        </p:txBody>
+      </p:sp>
+      <p:sp>
+        <p:nvSpPr>
+          <p:cNvPr id="26" name="Textfeld 25"/>
+          <p:cNvSpPr txBox="1"/>
+          <p:nvPr/>
+        </p:nvSpPr>
+        <p:spPr>
+          <a:xfrm>
+            <a:off x="8131042" y="5103119"/>
+            <a:ext cx="1551579" cy="646331"/>
+          </a:xfrm>
+          <a:prstGeom prst="rect">
+            <a:avLst/>
+          </a:prstGeom>
+          <a:noFill/>
+        </p:spPr>
+        <p:txBody>
+          <a:bodyPr wrap="none" rtlCol="0">
+            <a:spAutoFit/>
+          </a:bodyPr>
+          <a:lstStyle/>
+          <a:p>
+            <a:r>
+              <a:rPr lang="de-AT" dirty="0" smtClean="0"/>
+              <a:t>Speed</a:t>
+            </a:r>
+          </a:p>
+          <a:p>
+            <a:r>
+              <a:rPr lang="de-AT" dirty="0" smtClean="0"/>
+              <a:t>Not </a:t>
+            </a:r>
+            <a:r>
+              <a:rPr lang="de-AT" dirty="0" err="1" smtClean="0"/>
+              <a:t>up</a:t>
+            </a:r>
+            <a:r>
+              <a:rPr lang="de-AT" dirty="0" smtClean="0"/>
               <a:t> </a:t>
             </a:r>
             <a:r>
-              <a:rPr lang="de-AT" dirty="0" err="1">
-                <a:solidFill>
-                  <a:srgbClr val="FF0000"/>
-                </a:solidFill>
-              </a:rPr>
-              <a:t>authentication</a:t>
-            </a:r>
-            <a:r>
-              <a:rPr lang="de-AT" dirty="0">
-                <a:solidFill>
-                  <a:srgbClr val="FF0000"/>
-                </a:solidFill>
-              </a:rPr>
+              <a:rPr lang="de-AT" dirty="0" err="1" smtClean="0"/>
+              <a:t>to</a:t>
+            </a:r>
+            <a:r>
+              <a:rPr lang="de-AT" dirty="0" smtClean="0"/>
               <a:t> </a:t>
             </a:r>
             <a:r>
-              <a:rPr lang="de-AT" dirty="0" err="1">
-                <a:solidFill>
-                  <a:srgbClr val="FF0000"/>
-                </a:solidFill>
-              </a:rPr>
-              <a:t>for</a:t>
-            </a:r>
-            <a:r>
-              <a:rPr lang="de-AT" dirty="0">
-                <a:solidFill>
-                  <a:srgbClr val="FF0000"/>
-                </a:solidFill>
-              </a:rPr>
-              <a:t> </a:t>
-            </a:r>
-            <a:r>
-              <a:rPr lang="de-AT" dirty="0" err="1">
-                <a:solidFill>
-                  <a:srgbClr val="FF0000"/>
-                </a:solidFill>
-              </a:rPr>
-              <a:t>this</a:t>
-            </a:r>
-            <a:r>
-              <a:rPr lang="de-AT" dirty="0">
-                <a:solidFill>
-                  <a:srgbClr val="FF0000"/>
-                </a:solidFill>
-              </a:rPr>
-              <a:t> </a:t>
-            </a:r>
-            <a:r>
-              <a:rPr lang="de-AT" dirty="0" err="1">
-                <a:solidFill>
-                  <a:srgbClr val="FF0000"/>
-                </a:solidFill>
-              </a:rPr>
-              <a:t>purpose</a:t>
-            </a:r>
-            <a:endParaRPr lang="de-AT" dirty="0">
-              <a:solidFill>
-                <a:srgbClr val="FF0000"/>
-              </a:solidFill>
-            </a:endParaRPr>
+              <a:rPr lang="de-AT" dirty="0" err="1" smtClean="0"/>
+              <a:t>date</a:t>
+            </a:r>
+            <a:endParaRPr lang="de-AT" dirty="0"/>
           </a:p>
         </p:txBody>
       </p:sp>
     </p:spTree>
     <p:extLst>
       <p:ext uri="{BB962C8B-B14F-4D97-AF65-F5344CB8AC3E}">
-        <p14:creationId xmlns:p14="http://schemas.microsoft.com/office/powerpoint/2010/main" val="753469658"/>
+        <p14:creationId xmlns:p14="http://schemas.microsoft.com/office/powerpoint/2010/main" val="2698827566"/>
+      </p:ext>
+    </p:extLst>
+  </p:cSld>
+  <p:clrMapOvr>
+    <a:masterClrMapping/>
+  </p:clrMapOvr>
+</p:sld>
+</file>
+
+<file path=ppt/slides/slide58.xml><?xml version="1.0" encoding="utf-8"?>
+<p:sld xmlns:a="http://schemas.openxmlformats.org/drawingml/2006/main" xmlns:r="http://schemas.openxmlformats.org/officeDocument/2006/relationships" xmlns:p="http://schemas.openxmlformats.org/presentationml/2006/main">
+  <p:cSld>
+    <p:spTree>
+      <p:nvGrpSpPr>
+        <p:cNvPr id="1" name=""/>
+        <p:cNvGrpSpPr/>
+        <p:nvPr/>
+      </p:nvGrpSpPr>
+      <p:grpSpPr>
+        <a:xfrm>
+          <a:off x="0" y="0"/>
+          <a:ext cx="0" cy="0"/>
+          <a:chOff x="0" y="0"/>
+          <a:chExt cx="0" cy="0"/>
+        </a:xfrm>
+      </p:grpSpPr>
+      <p:sp>
+        <p:nvSpPr>
+          <p:cNvPr id="2" name="Titel 1"/>
+          <p:cNvSpPr>
+            <a:spLocks noGrp="1"/>
+          </p:cNvSpPr>
+          <p:nvPr>
+            <p:ph type="title"/>
+          </p:nvPr>
+        </p:nvSpPr>
+        <p:spPr/>
+        <p:txBody>
+          <a:bodyPr/>
+          <a:lstStyle/>
+          <a:p>
+            <a:pPr algn="ctr"/>
+            <a:r>
+              <a:rPr lang="de-AT" dirty="0" smtClean="0"/>
+              <a:t>Cache </a:t>
+            </a:r>
+            <a:r>
+              <a:rPr lang="de-AT" dirty="0" err="1" smtClean="0"/>
+              <a:t>only</a:t>
+            </a:r>
+            <a:endParaRPr lang="de-AT" dirty="0"/>
+          </a:p>
+        </p:txBody>
+      </p:sp>
+      <p:sp>
+        <p:nvSpPr>
+          <p:cNvPr id="4" name="Rechteck 3"/>
+          <p:cNvSpPr/>
+          <p:nvPr/>
+        </p:nvSpPr>
+        <p:spPr>
+          <a:xfrm>
+            <a:off x="5364221" y="1477144"/>
+            <a:ext cx="1671609" cy="1248403"/>
+          </a:xfrm>
+          <a:prstGeom prst="rect">
+            <a:avLst/>
+          </a:prstGeom>
+        </p:spPr>
+        <p:style>
+          <a:lnRef idx="2">
+            <a:schemeClr val="accent6">
+              <a:shade val="50000"/>
+            </a:schemeClr>
+          </a:lnRef>
+          <a:fillRef idx="1">
+            <a:schemeClr val="accent6"/>
+          </a:fillRef>
+          <a:effectRef idx="0">
+            <a:schemeClr val="accent6"/>
+          </a:effectRef>
+          <a:fontRef idx="minor">
+            <a:schemeClr val="lt1"/>
+          </a:fontRef>
+        </p:style>
+        <p:txBody>
+          <a:bodyPr rtlCol="0" anchor="ctr"/>
+          <a:lstStyle/>
+          <a:p>
+            <a:pPr algn="ctr"/>
+            <a:r>
+              <a:rPr lang="de-AT" dirty="0" smtClean="0"/>
+              <a:t>Page</a:t>
+            </a:r>
+            <a:endParaRPr lang="de-AT" dirty="0"/>
+          </a:p>
+        </p:txBody>
+      </p:sp>
+      <p:sp>
+        <p:nvSpPr>
+          <p:cNvPr id="5" name="Rechteck 4"/>
+          <p:cNvSpPr/>
+          <p:nvPr/>
+        </p:nvSpPr>
+        <p:spPr>
+          <a:xfrm>
+            <a:off x="3490020" y="3060774"/>
+            <a:ext cx="1664080" cy="1248403"/>
+          </a:xfrm>
+          <a:prstGeom prst="rect">
+            <a:avLst/>
+          </a:prstGeom>
+        </p:spPr>
+        <p:style>
+          <a:lnRef idx="2">
+            <a:schemeClr val="accent5">
+              <a:shade val="50000"/>
+            </a:schemeClr>
+          </a:lnRef>
+          <a:fillRef idx="1">
+            <a:schemeClr val="accent5"/>
+          </a:fillRef>
+          <a:effectRef idx="0">
+            <a:schemeClr val="accent5"/>
+          </a:effectRef>
+          <a:fontRef idx="minor">
+            <a:schemeClr val="lt1"/>
+          </a:fontRef>
+        </p:style>
+        <p:txBody>
+          <a:bodyPr rtlCol="0" anchor="ctr"/>
+          <a:lstStyle/>
+          <a:p>
+            <a:pPr algn="ctr"/>
+            <a:r>
+              <a:rPr lang="de-AT" dirty="0" smtClean="0"/>
+              <a:t>Service Worker</a:t>
+            </a:r>
+            <a:endParaRPr lang="de-AT" dirty="0"/>
+          </a:p>
+        </p:txBody>
+      </p:sp>
+      <p:sp>
+        <p:nvSpPr>
+          <p:cNvPr id="6" name="Rechteck 5"/>
+          <p:cNvSpPr/>
+          <p:nvPr/>
+        </p:nvSpPr>
+        <p:spPr>
+          <a:xfrm>
+            <a:off x="7245950" y="3060774"/>
+            <a:ext cx="1664080" cy="1248403"/>
+          </a:xfrm>
+          <a:prstGeom prst="rect">
+            <a:avLst/>
+          </a:prstGeom>
+        </p:spPr>
+        <p:style>
+          <a:lnRef idx="2">
+            <a:schemeClr val="accent3">
+              <a:shade val="50000"/>
+            </a:schemeClr>
+          </a:lnRef>
+          <a:fillRef idx="1">
+            <a:schemeClr val="accent3"/>
+          </a:fillRef>
+          <a:effectRef idx="0">
+            <a:schemeClr val="accent3"/>
+          </a:effectRef>
+          <a:fontRef idx="minor">
+            <a:schemeClr val="lt1"/>
+          </a:fontRef>
+        </p:style>
+        <p:txBody>
+          <a:bodyPr rtlCol="0" anchor="ctr"/>
+          <a:lstStyle/>
+          <a:p>
+            <a:pPr algn="ctr"/>
+            <a:r>
+              <a:rPr lang="de-DE" dirty="0" smtClean="0"/>
+              <a:t>Network</a:t>
+            </a:r>
+            <a:endParaRPr lang="de-AT" dirty="0" smtClean="0"/>
+          </a:p>
+        </p:txBody>
+      </p:sp>
+      <p:sp>
+        <p:nvSpPr>
+          <p:cNvPr id="10" name="Rechteck 9"/>
+          <p:cNvSpPr/>
+          <p:nvPr/>
+        </p:nvSpPr>
+        <p:spPr>
+          <a:xfrm>
+            <a:off x="5364221" y="4651393"/>
+            <a:ext cx="1671609" cy="1248403"/>
+          </a:xfrm>
+          <a:prstGeom prst="rect">
+            <a:avLst/>
+          </a:prstGeom>
+        </p:spPr>
+        <p:style>
+          <a:lnRef idx="2">
+            <a:schemeClr val="accent2">
+              <a:shade val="50000"/>
+            </a:schemeClr>
+          </a:lnRef>
+          <a:fillRef idx="1">
+            <a:schemeClr val="accent2"/>
+          </a:fillRef>
+          <a:effectRef idx="0">
+            <a:schemeClr val="accent2"/>
+          </a:effectRef>
+          <a:fontRef idx="minor">
+            <a:schemeClr val="lt1"/>
+          </a:fontRef>
+        </p:style>
+        <p:txBody>
+          <a:bodyPr rtlCol="0" anchor="ctr"/>
+          <a:lstStyle/>
+          <a:p>
+            <a:pPr algn="ctr"/>
+            <a:r>
+              <a:rPr lang="de-AT" dirty="0" smtClean="0"/>
+              <a:t>Cache</a:t>
+            </a:r>
+            <a:endParaRPr lang="de-AT" dirty="0"/>
+          </a:p>
+        </p:txBody>
+      </p:sp>
+      <p:sp>
+        <p:nvSpPr>
+          <p:cNvPr id="9" name="Textfeld 8"/>
+          <p:cNvSpPr txBox="1"/>
+          <p:nvPr/>
+        </p:nvSpPr>
+        <p:spPr>
+          <a:xfrm>
+            <a:off x="3872845" y="2267588"/>
+            <a:ext cx="301686" cy="369332"/>
+          </a:xfrm>
+          <a:prstGeom prst="rect">
+            <a:avLst/>
+          </a:prstGeom>
+          <a:noFill/>
+        </p:spPr>
+        <p:txBody>
+          <a:bodyPr wrap="none" rtlCol="0">
+            <a:spAutoFit/>
+          </a:bodyPr>
+          <a:lstStyle/>
+          <a:p>
+            <a:r>
+              <a:rPr lang="de-AT" dirty="0" smtClean="0"/>
+              <a:t>1</a:t>
+            </a:r>
+            <a:endParaRPr lang="de-AT" dirty="0"/>
+          </a:p>
+        </p:txBody>
+      </p:sp>
+      <p:cxnSp>
+        <p:nvCxnSpPr>
+          <p:cNvPr id="14" name="Gewinkelte Verbindung 13"/>
+          <p:cNvCxnSpPr>
+            <a:stCxn id="5" idx="2"/>
+            <a:endCxn id="10" idx="1"/>
+          </p:cNvCxnSpPr>
+          <p:nvPr/>
+        </p:nvCxnSpPr>
+        <p:spPr>
+          <a:xfrm rot="16200000" flipH="1">
+            <a:off x="4359931" y="4271305"/>
+            <a:ext cx="966418" cy="1042161"/>
+          </a:xfrm>
+          <a:prstGeom prst="bentConnector2">
+            <a:avLst/>
+          </a:prstGeom>
+          <a:ln>
+            <a:tailEnd type="triangle"/>
+          </a:ln>
+        </p:spPr>
+        <p:style>
+          <a:lnRef idx="1">
+            <a:schemeClr val="accent1"/>
+          </a:lnRef>
+          <a:fillRef idx="0">
+            <a:schemeClr val="accent1"/>
+          </a:fillRef>
+          <a:effectRef idx="0">
+            <a:schemeClr val="accent1"/>
+          </a:effectRef>
+          <a:fontRef idx="minor">
+            <a:schemeClr val="tx1"/>
+          </a:fontRef>
+        </p:style>
+      </p:cxnSp>
+      <p:cxnSp>
+        <p:nvCxnSpPr>
+          <p:cNvPr id="16" name="Gewinkelte Verbindung 15"/>
+          <p:cNvCxnSpPr>
+            <a:stCxn id="4" idx="1"/>
+            <a:endCxn id="5" idx="0"/>
+          </p:cNvCxnSpPr>
+          <p:nvPr/>
+        </p:nvCxnSpPr>
+        <p:spPr>
+          <a:xfrm rot="10800000" flipV="1">
+            <a:off x="4322061" y="2101346"/>
+            <a:ext cx="1042161" cy="959428"/>
+          </a:xfrm>
+          <a:prstGeom prst="bentConnector2">
+            <a:avLst/>
+          </a:prstGeom>
+          <a:ln>
+            <a:tailEnd type="triangle"/>
+          </a:ln>
+        </p:spPr>
+        <p:style>
+          <a:lnRef idx="1">
+            <a:schemeClr val="accent1"/>
+          </a:lnRef>
+          <a:fillRef idx="0">
+            <a:schemeClr val="accent1"/>
+          </a:fillRef>
+          <a:effectRef idx="0">
+            <a:schemeClr val="accent1"/>
+          </a:effectRef>
+          <a:fontRef idx="minor">
+            <a:schemeClr val="tx1"/>
+          </a:fontRef>
+        </p:style>
+      </p:cxnSp>
+      <p:sp>
+        <p:nvSpPr>
+          <p:cNvPr id="18" name="Textfeld 17"/>
+          <p:cNvSpPr txBox="1"/>
+          <p:nvPr/>
+        </p:nvSpPr>
+        <p:spPr>
+          <a:xfrm>
+            <a:off x="3946983" y="4651393"/>
+            <a:ext cx="301686" cy="369332"/>
+          </a:xfrm>
+          <a:prstGeom prst="rect">
+            <a:avLst/>
+          </a:prstGeom>
+          <a:noFill/>
+        </p:spPr>
+        <p:txBody>
+          <a:bodyPr wrap="none" rtlCol="0">
+            <a:spAutoFit/>
+          </a:bodyPr>
+          <a:lstStyle/>
+          <a:p>
+            <a:r>
+              <a:rPr lang="de-AT" dirty="0"/>
+              <a:t>2</a:t>
+            </a:r>
+          </a:p>
+        </p:txBody>
+      </p:sp>
+      <p:cxnSp>
+        <p:nvCxnSpPr>
+          <p:cNvPr id="30" name="Gerade Verbindung mit Pfeil 29"/>
+          <p:cNvCxnSpPr>
+            <a:stCxn id="10" idx="0"/>
+            <a:endCxn id="4" idx="2"/>
+          </p:cNvCxnSpPr>
+          <p:nvPr/>
+        </p:nvCxnSpPr>
+        <p:spPr>
+          <a:xfrm flipV="1">
+            <a:off x="6200026" y="2725547"/>
+            <a:ext cx="0" cy="1925846"/>
+          </a:xfrm>
+          <a:prstGeom prst="straightConnector1">
+            <a:avLst/>
+          </a:prstGeom>
+          <a:ln>
+            <a:tailEnd type="triangle"/>
+          </a:ln>
+        </p:spPr>
+        <p:style>
+          <a:lnRef idx="1">
+            <a:schemeClr val="accent1"/>
+          </a:lnRef>
+          <a:fillRef idx="0">
+            <a:schemeClr val="accent1"/>
+          </a:fillRef>
+          <a:effectRef idx="0">
+            <a:schemeClr val="accent1"/>
+          </a:effectRef>
+          <a:fontRef idx="minor">
+            <a:schemeClr val="tx1"/>
+          </a:fontRef>
+        </p:style>
+      </p:cxnSp>
+      <p:sp>
+        <p:nvSpPr>
+          <p:cNvPr id="35" name="Textfeld 34"/>
+          <p:cNvSpPr txBox="1"/>
+          <p:nvPr/>
+        </p:nvSpPr>
+        <p:spPr>
+          <a:xfrm>
+            <a:off x="6358066" y="3500309"/>
+            <a:ext cx="301686" cy="369332"/>
+          </a:xfrm>
+          <a:prstGeom prst="rect">
+            <a:avLst/>
+          </a:prstGeom>
+          <a:noFill/>
+        </p:spPr>
+        <p:txBody>
+          <a:bodyPr wrap="none" rtlCol="0">
+            <a:spAutoFit/>
+          </a:bodyPr>
+          <a:lstStyle/>
+          <a:p>
+            <a:r>
+              <a:rPr lang="de-AT" dirty="0"/>
+              <a:t>3</a:t>
+            </a:r>
+          </a:p>
+        </p:txBody>
+      </p:sp>
+    </p:spTree>
+    <p:extLst>
+      <p:ext uri="{BB962C8B-B14F-4D97-AF65-F5344CB8AC3E}">
+        <p14:creationId xmlns:p14="http://schemas.microsoft.com/office/powerpoint/2010/main" val="1123270391"/>
+      </p:ext>
+    </p:extLst>
+  </p:cSld>
+  <p:clrMapOvr>
+    <a:masterClrMapping/>
+  </p:clrMapOvr>
+</p:sld>
+</file>
+
+<file path=ppt/slides/slide59.xml><?xml version="1.0" encoding="utf-8"?>
+<p:sld xmlns:a="http://schemas.openxmlformats.org/drawingml/2006/main" xmlns:r="http://schemas.openxmlformats.org/officeDocument/2006/relationships" xmlns:p="http://schemas.openxmlformats.org/presentationml/2006/main">
+  <p:cSld>
+    <p:spTree>
+      <p:nvGrpSpPr>
+        <p:cNvPr id="1" name=""/>
+        <p:cNvGrpSpPr/>
+        <p:nvPr/>
+      </p:nvGrpSpPr>
+      <p:grpSpPr>
+        <a:xfrm>
+          <a:off x="0" y="0"/>
+          <a:ext cx="0" cy="0"/>
+          <a:chOff x="0" y="0"/>
+          <a:chExt cx="0" cy="0"/>
+        </a:xfrm>
+      </p:grpSpPr>
+      <p:sp>
+        <p:nvSpPr>
+          <p:cNvPr id="2" name="Titel 1"/>
+          <p:cNvSpPr>
+            <a:spLocks noGrp="1"/>
+          </p:cNvSpPr>
+          <p:nvPr>
+            <p:ph type="title"/>
+          </p:nvPr>
+        </p:nvSpPr>
+        <p:spPr/>
+        <p:txBody>
+          <a:bodyPr/>
+          <a:lstStyle/>
+          <a:p>
+            <a:pPr algn="ctr"/>
+            <a:r>
+              <a:rPr lang="de-AT" dirty="0" smtClean="0"/>
+              <a:t>Network </a:t>
+            </a:r>
+            <a:r>
+              <a:rPr lang="de-AT" dirty="0" err="1" smtClean="0"/>
+              <a:t>only</a:t>
+            </a:r>
+            <a:endParaRPr lang="de-AT" dirty="0"/>
+          </a:p>
+        </p:txBody>
+      </p:sp>
+      <p:sp>
+        <p:nvSpPr>
+          <p:cNvPr id="4" name="Rechteck 3"/>
+          <p:cNvSpPr/>
+          <p:nvPr/>
+        </p:nvSpPr>
+        <p:spPr>
+          <a:xfrm>
+            <a:off x="5364221" y="1477144"/>
+            <a:ext cx="1671609" cy="1248403"/>
+          </a:xfrm>
+          <a:prstGeom prst="rect">
+            <a:avLst/>
+          </a:prstGeom>
+        </p:spPr>
+        <p:style>
+          <a:lnRef idx="2">
+            <a:schemeClr val="accent6">
+              <a:shade val="50000"/>
+            </a:schemeClr>
+          </a:lnRef>
+          <a:fillRef idx="1">
+            <a:schemeClr val="accent6"/>
+          </a:fillRef>
+          <a:effectRef idx="0">
+            <a:schemeClr val="accent6"/>
+          </a:effectRef>
+          <a:fontRef idx="minor">
+            <a:schemeClr val="lt1"/>
+          </a:fontRef>
+        </p:style>
+        <p:txBody>
+          <a:bodyPr rtlCol="0" anchor="ctr"/>
+          <a:lstStyle/>
+          <a:p>
+            <a:pPr algn="ctr"/>
+            <a:r>
+              <a:rPr lang="de-AT" dirty="0" smtClean="0"/>
+              <a:t>Page</a:t>
+            </a:r>
+            <a:endParaRPr lang="de-AT" dirty="0"/>
+          </a:p>
+        </p:txBody>
+      </p:sp>
+      <p:sp>
+        <p:nvSpPr>
+          <p:cNvPr id="5" name="Rechteck 4"/>
+          <p:cNvSpPr/>
+          <p:nvPr/>
+        </p:nvSpPr>
+        <p:spPr>
+          <a:xfrm>
+            <a:off x="3490020" y="3060774"/>
+            <a:ext cx="1664080" cy="1248403"/>
+          </a:xfrm>
+          <a:prstGeom prst="rect">
+            <a:avLst/>
+          </a:prstGeom>
+        </p:spPr>
+        <p:style>
+          <a:lnRef idx="2">
+            <a:schemeClr val="accent5">
+              <a:shade val="50000"/>
+            </a:schemeClr>
+          </a:lnRef>
+          <a:fillRef idx="1">
+            <a:schemeClr val="accent5"/>
+          </a:fillRef>
+          <a:effectRef idx="0">
+            <a:schemeClr val="accent5"/>
+          </a:effectRef>
+          <a:fontRef idx="minor">
+            <a:schemeClr val="lt1"/>
+          </a:fontRef>
+        </p:style>
+        <p:txBody>
+          <a:bodyPr rtlCol="0" anchor="ctr"/>
+          <a:lstStyle/>
+          <a:p>
+            <a:pPr algn="ctr"/>
+            <a:r>
+              <a:rPr lang="de-AT" dirty="0" smtClean="0"/>
+              <a:t>Service Worker</a:t>
+            </a:r>
+            <a:endParaRPr lang="de-AT" dirty="0"/>
+          </a:p>
+        </p:txBody>
+      </p:sp>
+      <p:sp>
+        <p:nvSpPr>
+          <p:cNvPr id="6" name="Rechteck 5"/>
+          <p:cNvSpPr/>
+          <p:nvPr/>
+        </p:nvSpPr>
+        <p:spPr>
+          <a:xfrm>
+            <a:off x="7245950" y="3060774"/>
+            <a:ext cx="1664080" cy="1248403"/>
+          </a:xfrm>
+          <a:prstGeom prst="rect">
+            <a:avLst/>
+          </a:prstGeom>
+        </p:spPr>
+        <p:style>
+          <a:lnRef idx="2">
+            <a:schemeClr val="accent3">
+              <a:shade val="50000"/>
+            </a:schemeClr>
+          </a:lnRef>
+          <a:fillRef idx="1">
+            <a:schemeClr val="accent3"/>
+          </a:fillRef>
+          <a:effectRef idx="0">
+            <a:schemeClr val="accent3"/>
+          </a:effectRef>
+          <a:fontRef idx="minor">
+            <a:schemeClr val="lt1"/>
+          </a:fontRef>
+        </p:style>
+        <p:txBody>
+          <a:bodyPr rtlCol="0" anchor="ctr"/>
+          <a:lstStyle/>
+          <a:p>
+            <a:pPr algn="ctr"/>
+            <a:r>
+              <a:rPr lang="de-DE" dirty="0" smtClean="0"/>
+              <a:t>Network</a:t>
+            </a:r>
+            <a:endParaRPr lang="de-AT" dirty="0" smtClean="0"/>
+          </a:p>
+        </p:txBody>
+      </p:sp>
+      <p:sp>
+        <p:nvSpPr>
+          <p:cNvPr id="10" name="Rechteck 9"/>
+          <p:cNvSpPr/>
+          <p:nvPr/>
+        </p:nvSpPr>
+        <p:spPr>
+          <a:xfrm>
+            <a:off x="5364221" y="4651393"/>
+            <a:ext cx="1881729" cy="1248403"/>
+          </a:xfrm>
+          <a:prstGeom prst="rect">
+            <a:avLst/>
+          </a:prstGeom>
+        </p:spPr>
+        <p:style>
+          <a:lnRef idx="2">
+            <a:schemeClr val="accent2">
+              <a:shade val="50000"/>
+            </a:schemeClr>
+          </a:lnRef>
+          <a:fillRef idx="1">
+            <a:schemeClr val="accent2"/>
+          </a:fillRef>
+          <a:effectRef idx="0">
+            <a:schemeClr val="accent2"/>
+          </a:effectRef>
+          <a:fontRef idx="minor">
+            <a:schemeClr val="lt1"/>
+          </a:fontRef>
+        </p:style>
+        <p:txBody>
+          <a:bodyPr rtlCol="0" anchor="ctr"/>
+          <a:lstStyle/>
+          <a:p>
+            <a:pPr algn="ctr"/>
+            <a:r>
+              <a:rPr lang="de-AT" dirty="0" smtClean="0"/>
+              <a:t>Cache</a:t>
+            </a:r>
+            <a:endParaRPr lang="de-AT" dirty="0"/>
+          </a:p>
+        </p:txBody>
+      </p:sp>
+      <p:sp>
+        <p:nvSpPr>
+          <p:cNvPr id="9" name="Textfeld 8"/>
+          <p:cNvSpPr txBox="1"/>
+          <p:nvPr/>
+        </p:nvSpPr>
+        <p:spPr>
+          <a:xfrm>
+            <a:off x="8077990" y="2404475"/>
+            <a:ext cx="301686" cy="369332"/>
+          </a:xfrm>
+          <a:prstGeom prst="rect">
+            <a:avLst/>
+          </a:prstGeom>
+          <a:noFill/>
+        </p:spPr>
+        <p:txBody>
+          <a:bodyPr wrap="none" rtlCol="0">
+            <a:spAutoFit/>
+          </a:bodyPr>
+          <a:lstStyle/>
+          <a:p>
+            <a:r>
+              <a:rPr lang="de-AT" dirty="0" smtClean="0"/>
+              <a:t>1</a:t>
+            </a:r>
+            <a:endParaRPr lang="de-AT" dirty="0"/>
+          </a:p>
+        </p:txBody>
+      </p:sp>
+      <p:cxnSp>
+        <p:nvCxnSpPr>
+          <p:cNvPr id="14" name="Gewinkelte Verbindung 13"/>
+          <p:cNvCxnSpPr>
+            <a:stCxn id="4" idx="3"/>
+            <a:endCxn id="6" idx="0"/>
+          </p:cNvCxnSpPr>
+          <p:nvPr/>
+        </p:nvCxnSpPr>
+        <p:spPr>
+          <a:xfrm>
+            <a:off x="7035830" y="2101346"/>
+            <a:ext cx="1042160" cy="959428"/>
+          </a:xfrm>
+          <a:prstGeom prst="bentConnector2">
+            <a:avLst/>
+          </a:prstGeom>
+          <a:ln>
+            <a:tailEnd type="triangle"/>
+          </a:ln>
+        </p:spPr>
+        <p:style>
+          <a:lnRef idx="1">
+            <a:schemeClr val="accent1"/>
+          </a:lnRef>
+          <a:fillRef idx="0">
+            <a:schemeClr val="accent1"/>
+          </a:fillRef>
+          <a:effectRef idx="0">
+            <a:schemeClr val="accent1"/>
+          </a:effectRef>
+          <a:fontRef idx="minor">
+            <a:schemeClr val="tx1"/>
+          </a:fontRef>
+        </p:style>
+      </p:cxnSp>
+      <p:cxnSp>
+        <p:nvCxnSpPr>
+          <p:cNvPr id="16" name="Gewinkelte Verbindung 15"/>
+          <p:cNvCxnSpPr>
+            <a:stCxn id="6" idx="1"/>
+            <a:endCxn id="4" idx="2"/>
+          </p:cNvCxnSpPr>
+          <p:nvPr/>
+        </p:nvCxnSpPr>
+        <p:spPr>
+          <a:xfrm rot="10800000">
+            <a:off x="6200026" y="2725548"/>
+            <a:ext cx="1045924" cy="959429"/>
+          </a:xfrm>
+          <a:prstGeom prst="bentConnector2">
+            <a:avLst/>
+          </a:prstGeom>
+          <a:ln>
+            <a:tailEnd type="triangle"/>
+          </a:ln>
+        </p:spPr>
+        <p:style>
+          <a:lnRef idx="1">
+            <a:schemeClr val="accent1"/>
+          </a:lnRef>
+          <a:fillRef idx="0">
+            <a:schemeClr val="accent1"/>
+          </a:fillRef>
+          <a:effectRef idx="0">
+            <a:schemeClr val="accent1"/>
+          </a:effectRef>
+          <a:fontRef idx="minor">
+            <a:schemeClr val="tx1"/>
+          </a:fontRef>
+        </p:style>
+      </p:cxnSp>
+      <p:sp>
+        <p:nvSpPr>
+          <p:cNvPr id="18" name="Textfeld 17"/>
+          <p:cNvSpPr txBox="1"/>
+          <p:nvPr/>
+        </p:nvSpPr>
+        <p:spPr>
+          <a:xfrm>
+            <a:off x="5794314" y="3067763"/>
+            <a:ext cx="301686" cy="369332"/>
+          </a:xfrm>
+          <a:prstGeom prst="rect">
+            <a:avLst/>
+          </a:prstGeom>
+          <a:noFill/>
+        </p:spPr>
+        <p:txBody>
+          <a:bodyPr wrap="none" rtlCol="0">
+            <a:spAutoFit/>
+          </a:bodyPr>
+          <a:lstStyle/>
+          <a:p>
+            <a:r>
+              <a:rPr lang="de-AT" dirty="0"/>
+              <a:t>2</a:t>
+            </a:r>
+          </a:p>
+        </p:txBody>
+      </p:sp>
+    </p:spTree>
+    <p:extLst>
+      <p:ext uri="{BB962C8B-B14F-4D97-AF65-F5344CB8AC3E}">
+        <p14:creationId xmlns:p14="http://schemas.microsoft.com/office/powerpoint/2010/main" val="1159651597"/>
       </p:ext>
     </p:extLst>
   </p:cSld>
@@ -22298,6 +23121,3963 @@
     <p:extLst>
       <p:ext uri="{BB962C8B-B14F-4D97-AF65-F5344CB8AC3E}">
         <p14:creationId xmlns:p14="http://schemas.microsoft.com/office/powerpoint/2010/main" val="1930186659"/>
+      </p:ext>
+    </p:extLst>
+  </p:cSld>
+  <p:clrMapOvr>
+    <a:masterClrMapping/>
+  </p:clrMapOvr>
+</p:sld>
+</file>
+
+<file path=ppt/slides/slide60.xml><?xml version="1.0" encoding="utf-8"?>
+<p:sld xmlns:a="http://schemas.openxmlformats.org/drawingml/2006/main" xmlns:r="http://schemas.openxmlformats.org/officeDocument/2006/relationships" xmlns:p="http://schemas.openxmlformats.org/presentationml/2006/main">
+  <p:cSld>
+    <p:spTree>
+      <p:nvGrpSpPr>
+        <p:cNvPr id="1" name=""/>
+        <p:cNvGrpSpPr/>
+        <p:nvPr/>
+      </p:nvGrpSpPr>
+      <p:grpSpPr>
+        <a:xfrm>
+          <a:off x="0" y="0"/>
+          <a:ext cx="0" cy="0"/>
+          <a:chOff x="0" y="0"/>
+          <a:chExt cx="0" cy="0"/>
+        </a:xfrm>
+      </p:grpSpPr>
+      <p:sp>
+        <p:nvSpPr>
+          <p:cNvPr id="2" name="Titel 1"/>
+          <p:cNvSpPr>
+            <a:spLocks noGrp="1"/>
+          </p:cNvSpPr>
+          <p:nvPr>
+            <p:ph type="title"/>
+          </p:nvPr>
+        </p:nvSpPr>
+        <p:spPr/>
+        <p:txBody>
+          <a:bodyPr/>
+          <a:lstStyle/>
+          <a:p>
+            <a:pPr algn="ctr"/>
+            <a:r>
+              <a:rPr lang="de-AT" dirty="0" smtClean="0"/>
+              <a:t>Network </a:t>
+            </a:r>
+            <a:r>
+              <a:rPr lang="de-AT" dirty="0" err="1" smtClean="0"/>
+              <a:t>with</a:t>
+            </a:r>
+            <a:r>
+              <a:rPr lang="de-AT" dirty="0" smtClean="0"/>
+              <a:t> </a:t>
+            </a:r>
+            <a:r>
+              <a:rPr lang="de-AT" dirty="0" err="1" smtClean="0"/>
+              <a:t>cache</a:t>
+            </a:r>
+            <a:r>
+              <a:rPr lang="de-AT" dirty="0" smtClean="0"/>
+              <a:t> </a:t>
+            </a:r>
+            <a:r>
+              <a:rPr lang="de-AT" dirty="0" err="1" smtClean="0"/>
+              <a:t>fallback</a:t>
+            </a:r>
+            <a:endParaRPr lang="de-AT" dirty="0"/>
+          </a:p>
+        </p:txBody>
+      </p:sp>
+      <p:sp>
+        <p:nvSpPr>
+          <p:cNvPr id="4" name="Rechteck 3"/>
+          <p:cNvSpPr/>
+          <p:nvPr/>
+        </p:nvSpPr>
+        <p:spPr>
+          <a:xfrm>
+            <a:off x="5364221" y="1477144"/>
+            <a:ext cx="1671609" cy="1248403"/>
+          </a:xfrm>
+          <a:prstGeom prst="rect">
+            <a:avLst/>
+          </a:prstGeom>
+        </p:spPr>
+        <p:style>
+          <a:lnRef idx="2">
+            <a:schemeClr val="accent6">
+              <a:shade val="50000"/>
+            </a:schemeClr>
+          </a:lnRef>
+          <a:fillRef idx="1">
+            <a:schemeClr val="accent6"/>
+          </a:fillRef>
+          <a:effectRef idx="0">
+            <a:schemeClr val="accent6"/>
+          </a:effectRef>
+          <a:fontRef idx="minor">
+            <a:schemeClr val="lt1"/>
+          </a:fontRef>
+        </p:style>
+        <p:txBody>
+          <a:bodyPr rtlCol="0" anchor="ctr"/>
+          <a:lstStyle/>
+          <a:p>
+            <a:pPr algn="ctr"/>
+            <a:r>
+              <a:rPr lang="de-AT" dirty="0" smtClean="0"/>
+              <a:t>Page</a:t>
+            </a:r>
+            <a:endParaRPr lang="de-AT" dirty="0"/>
+          </a:p>
+        </p:txBody>
+      </p:sp>
+      <p:sp>
+        <p:nvSpPr>
+          <p:cNvPr id="5" name="Rechteck 4"/>
+          <p:cNvSpPr/>
+          <p:nvPr/>
+        </p:nvSpPr>
+        <p:spPr>
+          <a:xfrm>
+            <a:off x="3490020" y="3060774"/>
+            <a:ext cx="1664080" cy="1248403"/>
+          </a:xfrm>
+          <a:prstGeom prst="rect">
+            <a:avLst/>
+          </a:prstGeom>
+        </p:spPr>
+        <p:style>
+          <a:lnRef idx="2">
+            <a:schemeClr val="accent5">
+              <a:shade val="50000"/>
+            </a:schemeClr>
+          </a:lnRef>
+          <a:fillRef idx="1">
+            <a:schemeClr val="accent5"/>
+          </a:fillRef>
+          <a:effectRef idx="0">
+            <a:schemeClr val="accent5"/>
+          </a:effectRef>
+          <a:fontRef idx="minor">
+            <a:schemeClr val="lt1"/>
+          </a:fontRef>
+        </p:style>
+        <p:txBody>
+          <a:bodyPr rtlCol="0" anchor="ctr"/>
+          <a:lstStyle/>
+          <a:p>
+            <a:pPr algn="ctr"/>
+            <a:r>
+              <a:rPr lang="de-AT" dirty="0" smtClean="0"/>
+              <a:t>Service Worker</a:t>
+            </a:r>
+            <a:endParaRPr lang="de-AT" dirty="0"/>
+          </a:p>
+        </p:txBody>
+      </p:sp>
+      <p:sp>
+        <p:nvSpPr>
+          <p:cNvPr id="6" name="Rechteck 5"/>
+          <p:cNvSpPr/>
+          <p:nvPr/>
+        </p:nvSpPr>
+        <p:spPr>
+          <a:xfrm>
+            <a:off x="7245950" y="3060774"/>
+            <a:ext cx="1664080" cy="1248403"/>
+          </a:xfrm>
+          <a:prstGeom prst="rect">
+            <a:avLst/>
+          </a:prstGeom>
+        </p:spPr>
+        <p:style>
+          <a:lnRef idx="2">
+            <a:schemeClr val="accent3">
+              <a:shade val="50000"/>
+            </a:schemeClr>
+          </a:lnRef>
+          <a:fillRef idx="1">
+            <a:schemeClr val="accent3"/>
+          </a:fillRef>
+          <a:effectRef idx="0">
+            <a:schemeClr val="accent3"/>
+          </a:effectRef>
+          <a:fontRef idx="minor">
+            <a:schemeClr val="lt1"/>
+          </a:fontRef>
+        </p:style>
+        <p:txBody>
+          <a:bodyPr rtlCol="0" anchor="ctr"/>
+          <a:lstStyle/>
+          <a:p>
+            <a:pPr algn="ctr"/>
+            <a:r>
+              <a:rPr lang="de-DE" dirty="0" smtClean="0"/>
+              <a:t>Network</a:t>
+            </a:r>
+            <a:endParaRPr lang="de-AT" dirty="0" smtClean="0"/>
+          </a:p>
+        </p:txBody>
+      </p:sp>
+      <p:sp>
+        <p:nvSpPr>
+          <p:cNvPr id="10" name="Rechteck 9"/>
+          <p:cNvSpPr/>
+          <p:nvPr/>
+        </p:nvSpPr>
+        <p:spPr>
+          <a:xfrm>
+            <a:off x="5364221" y="4651393"/>
+            <a:ext cx="1671609" cy="1248403"/>
+          </a:xfrm>
+          <a:prstGeom prst="rect">
+            <a:avLst/>
+          </a:prstGeom>
+        </p:spPr>
+        <p:style>
+          <a:lnRef idx="2">
+            <a:schemeClr val="accent2">
+              <a:shade val="50000"/>
+            </a:schemeClr>
+          </a:lnRef>
+          <a:fillRef idx="1">
+            <a:schemeClr val="accent2"/>
+          </a:fillRef>
+          <a:effectRef idx="0">
+            <a:schemeClr val="accent2"/>
+          </a:effectRef>
+          <a:fontRef idx="minor">
+            <a:schemeClr val="lt1"/>
+          </a:fontRef>
+        </p:style>
+        <p:txBody>
+          <a:bodyPr rtlCol="0" anchor="ctr"/>
+          <a:lstStyle/>
+          <a:p>
+            <a:pPr algn="ctr"/>
+            <a:r>
+              <a:rPr lang="de-AT" dirty="0" smtClean="0"/>
+              <a:t>Cache</a:t>
+            </a:r>
+            <a:endParaRPr lang="de-AT" dirty="0"/>
+          </a:p>
+        </p:txBody>
+      </p:sp>
+      <p:sp>
+        <p:nvSpPr>
+          <p:cNvPr id="9" name="Textfeld 8"/>
+          <p:cNvSpPr txBox="1"/>
+          <p:nvPr/>
+        </p:nvSpPr>
+        <p:spPr>
+          <a:xfrm>
+            <a:off x="3855353" y="2396394"/>
+            <a:ext cx="301686" cy="369332"/>
+          </a:xfrm>
+          <a:prstGeom prst="rect">
+            <a:avLst/>
+          </a:prstGeom>
+          <a:noFill/>
+        </p:spPr>
+        <p:txBody>
+          <a:bodyPr wrap="none" rtlCol="0">
+            <a:spAutoFit/>
+          </a:bodyPr>
+          <a:lstStyle/>
+          <a:p>
+            <a:r>
+              <a:rPr lang="de-AT" dirty="0" smtClean="0"/>
+              <a:t>1</a:t>
+            </a:r>
+            <a:endParaRPr lang="de-AT" dirty="0"/>
+          </a:p>
+        </p:txBody>
+      </p:sp>
+      <p:cxnSp>
+        <p:nvCxnSpPr>
+          <p:cNvPr id="14" name="Gewinkelte Verbindung 13"/>
+          <p:cNvCxnSpPr>
+            <a:stCxn id="4" idx="1"/>
+            <a:endCxn id="5" idx="0"/>
+          </p:cNvCxnSpPr>
+          <p:nvPr/>
+        </p:nvCxnSpPr>
+        <p:spPr>
+          <a:xfrm rot="10800000" flipV="1">
+            <a:off x="4322061" y="2101346"/>
+            <a:ext cx="1042161" cy="959428"/>
+          </a:xfrm>
+          <a:prstGeom prst="bentConnector2">
+            <a:avLst/>
+          </a:prstGeom>
+          <a:ln>
+            <a:tailEnd type="triangle"/>
+          </a:ln>
+        </p:spPr>
+        <p:style>
+          <a:lnRef idx="1">
+            <a:schemeClr val="accent1"/>
+          </a:lnRef>
+          <a:fillRef idx="0">
+            <a:schemeClr val="accent1"/>
+          </a:fillRef>
+          <a:effectRef idx="0">
+            <a:schemeClr val="accent1"/>
+          </a:effectRef>
+          <a:fontRef idx="minor">
+            <a:schemeClr val="tx1"/>
+          </a:fontRef>
+        </p:style>
+      </p:cxnSp>
+      <p:cxnSp>
+        <p:nvCxnSpPr>
+          <p:cNvPr id="16" name="Gewinkelte Verbindung 15"/>
+          <p:cNvCxnSpPr>
+            <a:stCxn id="5" idx="2"/>
+            <a:endCxn id="10" idx="1"/>
+          </p:cNvCxnSpPr>
+          <p:nvPr/>
+        </p:nvCxnSpPr>
+        <p:spPr>
+          <a:xfrm rot="16200000" flipH="1">
+            <a:off x="4359931" y="4271305"/>
+            <a:ext cx="966418" cy="1042161"/>
+          </a:xfrm>
+          <a:prstGeom prst="bentConnector2">
+            <a:avLst/>
+          </a:prstGeom>
+          <a:ln>
+            <a:tailEnd type="triangle"/>
+          </a:ln>
+        </p:spPr>
+        <p:style>
+          <a:lnRef idx="1">
+            <a:schemeClr val="accent1"/>
+          </a:lnRef>
+          <a:fillRef idx="0">
+            <a:schemeClr val="accent1"/>
+          </a:fillRef>
+          <a:effectRef idx="0">
+            <a:schemeClr val="accent1"/>
+          </a:effectRef>
+          <a:fontRef idx="minor">
+            <a:schemeClr val="tx1"/>
+          </a:fontRef>
+        </p:style>
+      </p:cxnSp>
+      <p:sp>
+        <p:nvSpPr>
+          <p:cNvPr id="18" name="Textfeld 17"/>
+          <p:cNvSpPr txBox="1"/>
+          <p:nvPr/>
+        </p:nvSpPr>
+        <p:spPr>
+          <a:xfrm>
+            <a:off x="3855353" y="4604225"/>
+            <a:ext cx="301686" cy="369332"/>
+          </a:xfrm>
+          <a:prstGeom prst="rect">
+            <a:avLst/>
+          </a:prstGeom>
+          <a:noFill/>
+        </p:spPr>
+        <p:txBody>
+          <a:bodyPr wrap="none" rtlCol="0">
+            <a:spAutoFit/>
+          </a:bodyPr>
+          <a:lstStyle/>
+          <a:p>
+            <a:r>
+              <a:rPr lang="de-AT" dirty="0" smtClean="0"/>
+              <a:t>3</a:t>
+            </a:r>
+            <a:endParaRPr lang="de-AT" dirty="0"/>
+          </a:p>
+        </p:txBody>
+      </p:sp>
+      <p:cxnSp>
+        <p:nvCxnSpPr>
+          <p:cNvPr id="20" name="Gerade Verbindung mit Pfeil 19"/>
+          <p:cNvCxnSpPr>
+            <a:stCxn id="5" idx="3"/>
+            <a:endCxn id="6" idx="1"/>
+          </p:cNvCxnSpPr>
+          <p:nvPr/>
+        </p:nvCxnSpPr>
+        <p:spPr>
+          <a:xfrm>
+            <a:off x="5154100" y="3684976"/>
+            <a:ext cx="2091850" cy="0"/>
+          </a:xfrm>
+          <a:prstGeom prst="straightConnector1">
+            <a:avLst/>
+          </a:prstGeom>
+          <a:ln>
+            <a:tailEnd type="triangle"/>
+          </a:ln>
+        </p:spPr>
+        <p:style>
+          <a:lnRef idx="1">
+            <a:schemeClr val="accent1"/>
+          </a:lnRef>
+          <a:fillRef idx="0">
+            <a:schemeClr val="accent1"/>
+          </a:fillRef>
+          <a:effectRef idx="0">
+            <a:schemeClr val="accent1"/>
+          </a:effectRef>
+          <a:fontRef idx="minor">
+            <a:schemeClr val="tx1"/>
+          </a:fontRef>
+        </p:style>
+      </p:cxnSp>
+      <p:sp>
+        <p:nvSpPr>
+          <p:cNvPr id="22" name="Textfeld 21"/>
+          <p:cNvSpPr txBox="1"/>
+          <p:nvPr/>
+        </p:nvSpPr>
+        <p:spPr>
+          <a:xfrm>
+            <a:off x="5260717" y="3286767"/>
+            <a:ext cx="301686" cy="369332"/>
+          </a:xfrm>
+          <a:prstGeom prst="rect">
+            <a:avLst/>
+          </a:prstGeom>
+          <a:noFill/>
+        </p:spPr>
+        <p:txBody>
+          <a:bodyPr wrap="none" rtlCol="0">
+            <a:spAutoFit/>
+          </a:bodyPr>
+          <a:lstStyle/>
+          <a:p>
+            <a:r>
+              <a:rPr lang="de-AT" dirty="0" smtClean="0"/>
+              <a:t>2</a:t>
+            </a:r>
+            <a:endParaRPr lang="de-AT" dirty="0"/>
+          </a:p>
+        </p:txBody>
+      </p:sp>
+      <p:sp>
+        <p:nvSpPr>
+          <p:cNvPr id="25" name="Textfeld 24"/>
+          <p:cNvSpPr txBox="1"/>
+          <p:nvPr/>
+        </p:nvSpPr>
+        <p:spPr>
+          <a:xfrm>
+            <a:off x="6259302" y="2959870"/>
+            <a:ext cx="301686" cy="369332"/>
+          </a:xfrm>
+          <a:prstGeom prst="rect">
+            <a:avLst/>
+          </a:prstGeom>
+          <a:noFill/>
+        </p:spPr>
+        <p:txBody>
+          <a:bodyPr wrap="none" rtlCol="0">
+            <a:spAutoFit/>
+          </a:bodyPr>
+          <a:lstStyle/>
+          <a:p>
+            <a:r>
+              <a:rPr lang="de-AT" dirty="0" smtClean="0"/>
+              <a:t>4</a:t>
+            </a:r>
+            <a:endParaRPr lang="de-AT" dirty="0"/>
+          </a:p>
+        </p:txBody>
+      </p:sp>
+      <p:sp>
+        <p:nvSpPr>
+          <p:cNvPr id="26" name="Textfeld 25"/>
+          <p:cNvSpPr txBox="1"/>
+          <p:nvPr/>
+        </p:nvSpPr>
+        <p:spPr>
+          <a:xfrm>
+            <a:off x="8131042" y="5103119"/>
+            <a:ext cx="1797159" cy="646331"/>
+          </a:xfrm>
+          <a:prstGeom prst="rect">
+            <a:avLst/>
+          </a:prstGeom>
+          <a:noFill/>
+        </p:spPr>
+        <p:txBody>
+          <a:bodyPr wrap="none" rtlCol="0">
+            <a:spAutoFit/>
+          </a:bodyPr>
+          <a:lstStyle/>
+          <a:p>
+            <a:r>
+              <a:rPr lang="de-AT" dirty="0" smtClean="0"/>
+              <a:t>Not so fast</a:t>
+            </a:r>
+          </a:p>
+          <a:p>
+            <a:r>
+              <a:rPr lang="de-AT" dirty="0" smtClean="0"/>
+              <a:t>Network </a:t>
+            </a:r>
+            <a:r>
+              <a:rPr lang="de-AT" dirty="0" err="1" smtClean="0"/>
+              <a:t>timeout</a:t>
+            </a:r>
+            <a:endParaRPr lang="de-AT" dirty="0" smtClean="0"/>
+          </a:p>
+        </p:txBody>
+      </p:sp>
+      <p:cxnSp>
+        <p:nvCxnSpPr>
+          <p:cNvPr id="12" name="Gerade Verbindung mit Pfeil 11"/>
+          <p:cNvCxnSpPr>
+            <a:stCxn id="10" idx="0"/>
+            <a:endCxn id="4" idx="2"/>
+          </p:cNvCxnSpPr>
+          <p:nvPr/>
+        </p:nvCxnSpPr>
+        <p:spPr>
+          <a:xfrm flipV="1">
+            <a:off x="6200026" y="2725547"/>
+            <a:ext cx="0" cy="1925846"/>
+          </a:xfrm>
+          <a:prstGeom prst="straightConnector1">
+            <a:avLst/>
+          </a:prstGeom>
+          <a:ln>
+            <a:tailEnd type="triangle"/>
+          </a:ln>
+        </p:spPr>
+        <p:style>
+          <a:lnRef idx="1">
+            <a:schemeClr val="accent1"/>
+          </a:lnRef>
+          <a:fillRef idx="0">
+            <a:schemeClr val="accent1"/>
+          </a:fillRef>
+          <a:effectRef idx="0">
+            <a:schemeClr val="accent1"/>
+          </a:effectRef>
+          <a:fontRef idx="minor">
+            <a:schemeClr val="tx1"/>
+          </a:fontRef>
+        </p:style>
+      </p:cxnSp>
+    </p:spTree>
+    <p:extLst>
+      <p:ext uri="{BB962C8B-B14F-4D97-AF65-F5344CB8AC3E}">
+        <p14:creationId xmlns:p14="http://schemas.microsoft.com/office/powerpoint/2010/main" val="1510297605"/>
+      </p:ext>
+    </p:extLst>
+  </p:cSld>
+  <p:clrMapOvr>
+    <a:masterClrMapping/>
+  </p:clrMapOvr>
+</p:sld>
+</file>
+
+<file path=ppt/slides/slide61.xml><?xml version="1.0" encoding="utf-8"?>
+<p:sld xmlns:a="http://schemas.openxmlformats.org/drawingml/2006/main" xmlns:r="http://schemas.openxmlformats.org/officeDocument/2006/relationships" xmlns:p="http://schemas.openxmlformats.org/presentationml/2006/main">
+  <p:cSld>
+    <p:spTree>
+      <p:nvGrpSpPr>
+        <p:cNvPr id="1" name=""/>
+        <p:cNvGrpSpPr/>
+        <p:nvPr/>
+      </p:nvGrpSpPr>
+      <p:grpSpPr>
+        <a:xfrm>
+          <a:off x="0" y="0"/>
+          <a:ext cx="0" cy="0"/>
+          <a:chOff x="0" y="0"/>
+          <a:chExt cx="0" cy="0"/>
+        </a:xfrm>
+      </p:grpSpPr>
+      <p:sp>
+        <p:nvSpPr>
+          <p:cNvPr id="2" name="Titel 1"/>
+          <p:cNvSpPr>
+            <a:spLocks noGrp="1"/>
+          </p:cNvSpPr>
+          <p:nvPr>
+            <p:ph type="title"/>
+          </p:nvPr>
+        </p:nvSpPr>
+        <p:spPr/>
+        <p:txBody>
+          <a:bodyPr/>
+          <a:lstStyle/>
+          <a:p>
+            <a:pPr algn="ctr"/>
+            <a:r>
+              <a:rPr lang="de-AT" dirty="0" smtClean="0"/>
+              <a:t>Network </a:t>
+            </a:r>
+            <a:r>
+              <a:rPr lang="de-AT" dirty="0" err="1" smtClean="0"/>
+              <a:t>with</a:t>
+            </a:r>
+            <a:r>
+              <a:rPr lang="de-AT" dirty="0" smtClean="0"/>
+              <a:t> </a:t>
+            </a:r>
+            <a:r>
+              <a:rPr lang="de-AT" dirty="0" err="1" smtClean="0"/>
+              <a:t>cache</a:t>
+            </a:r>
+            <a:r>
+              <a:rPr lang="de-AT" dirty="0" smtClean="0"/>
+              <a:t> </a:t>
+            </a:r>
+            <a:r>
+              <a:rPr lang="de-AT" dirty="0" err="1" smtClean="0"/>
+              <a:t>fallback</a:t>
+            </a:r>
+            <a:endParaRPr lang="de-AT" dirty="0"/>
+          </a:p>
+        </p:txBody>
+      </p:sp>
+      <p:sp>
+        <p:nvSpPr>
+          <p:cNvPr id="4" name="Rechteck 3"/>
+          <p:cNvSpPr/>
+          <p:nvPr/>
+        </p:nvSpPr>
+        <p:spPr>
+          <a:xfrm>
+            <a:off x="5364221" y="1477144"/>
+            <a:ext cx="1671609" cy="1248403"/>
+          </a:xfrm>
+          <a:prstGeom prst="rect">
+            <a:avLst/>
+          </a:prstGeom>
+        </p:spPr>
+        <p:style>
+          <a:lnRef idx="2">
+            <a:schemeClr val="accent6">
+              <a:shade val="50000"/>
+            </a:schemeClr>
+          </a:lnRef>
+          <a:fillRef idx="1">
+            <a:schemeClr val="accent6"/>
+          </a:fillRef>
+          <a:effectRef idx="0">
+            <a:schemeClr val="accent6"/>
+          </a:effectRef>
+          <a:fontRef idx="minor">
+            <a:schemeClr val="lt1"/>
+          </a:fontRef>
+        </p:style>
+        <p:txBody>
+          <a:bodyPr rtlCol="0" anchor="ctr"/>
+          <a:lstStyle/>
+          <a:p>
+            <a:pPr algn="ctr"/>
+            <a:r>
+              <a:rPr lang="de-AT" dirty="0" smtClean="0"/>
+              <a:t>Page</a:t>
+            </a:r>
+            <a:endParaRPr lang="de-AT" dirty="0"/>
+          </a:p>
+        </p:txBody>
+      </p:sp>
+      <p:sp>
+        <p:nvSpPr>
+          <p:cNvPr id="5" name="Rechteck 4"/>
+          <p:cNvSpPr/>
+          <p:nvPr/>
+        </p:nvSpPr>
+        <p:spPr>
+          <a:xfrm>
+            <a:off x="3490020" y="3060774"/>
+            <a:ext cx="1664080" cy="1248403"/>
+          </a:xfrm>
+          <a:prstGeom prst="rect">
+            <a:avLst/>
+          </a:prstGeom>
+        </p:spPr>
+        <p:style>
+          <a:lnRef idx="2">
+            <a:schemeClr val="accent5">
+              <a:shade val="50000"/>
+            </a:schemeClr>
+          </a:lnRef>
+          <a:fillRef idx="1">
+            <a:schemeClr val="accent5"/>
+          </a:fillRef>
+          <a:effectRef idx="0">
+            <a:schemeClr val="accent5"/>
+          </a:effectRef>
+          <a:fontRef idx="minor">
+            <a:schemeClr val="lt1"/>
+          </a:fontRef>
+        </p:style>
+        <p:txBody>
+          <a:bodyPr rtlCol="0" anchor="ctr"/>
+          <a:lstStyle/>
+          <a:p>
+            <a:pPr algn="ctr"/>
+            <a:r>
+              <a:rPr lang="de-AT" dirty="0" smtClean="0"/>
+              <a:t>Service Worker</a:t>
+            </a:r>
+            <a:endParaRPr lang="de-AT" dirty="0"/>
+          </a:p>
+        </p:txBody>
+      </p:sp>
+      <p:sp>
+        <p:nvSpPr>
+          <p:cNvPr id="6" name="Rechteck 5"/>
+          <p:cNvSpPr/>
+          <p:nvPr/>
+        </p:nvSpPr>
+        <p:spPr>
+          <a:xfrm>
+            <a:off x="7245950" y="3060774"/>
+            <a:ext cx="1664080" cy="1248403"/>
+          </a:xfrm>
+          <a:prstGeom prst="rect">
+            <a:avLst/>
+          </a:prstGeom>
+        </p:spPr>
+        <p:style>
+          <a:lnRef idx="2">
+            <a:schemeClr val="accent3">
+              <a:shade val="50000"/>
+            </a:schemeClr>
+          </a:lnRef>
+          <a:fillRef idx="1">
+            <a:schemeClr val="accent3"/>
+          </a:fillRef>
+          <a:effectRef idx="0">
+            <a:schemeClr val="accent3"/>
+          </a:effectRef>
+          <a:fontRef idx="minor">
+            <a:schemeClr val="lt1"/>
+          </a:fontRef>
+        </p:style>
+        <p:txBody>
+          <a:bodyPr rtlCol="0" anchor="ctr"/>
+          <a:lstStyle/>
+          <a:p>
+            <a:pPr algn="ctr"/>
+            <a:r>
+              <a:rPr lang="de-DE" dirty="0" smtClean="0"/>
+              <a:t>Network</a:t>
+            </a:r>
+            <a:endParaRPr lang="de-AT" dirty="0" smtClean="0"/>
+          </a:p>
+        </p:txBody>
+      </p:sp>
+      <p:sp>
+        <p:nvSpPr>
+          <p:cNvPr id="10" name="Rechteck 9"/>
+          <p:cNvSpPr/>
+          <p:nvPr/>
+        </p:nvSpPr>
+        <p:spPr>
+          <a:xfrm>
+            <a:off x="5364221" y="4651393"/>
+            <a:ext cx="1671609" cy="1248403"/>
+          </a:xfrm>
+          <a:prstGeom prst="rect">
+            <a:avLst/>
+          </a:prstGeom>
+        </p:spPr>
+        <p:style>
+          <a:lnRef idx="2">
+            <a:schemeClr val="accent2">
+              <a:shade val="50000"/>
+            </a:schemeClr>
+          </a:lnRef>
+          <a:fillRef idx="1">
+            <a:schemeClr val="accent2"/>
+          </a:fillRef>
+          <a:effectRef idx="0">
+            <a:schemeClr val="accent2"/>
+          </a:effectRef>
+          <a:fontRef idx="minor">
+            <a:schemeClr val="lt1"/>
+          </a:fontRef>
+        </p:style>
+        <p:txBody>
+          <a:bodyPr rtlCol="0" anchor="ctr"/>
+          <a:lstStyle/>
+          <a:p>
+            <a:pPr algn="ctr"/>
+            <a:r>
+              <a:rPr lang="de-AT" dirty="0" smtClean="0"/>
+              <a:t>Cache</a:t>
+            </a:r>
+            <a:endParaRPr lang="de-AT" dirty="0"/>
+          </a:p>
+        </p:txBody>
+      </p:sp>
+      <p:sp>
+        <p:nvSpPr>
+          <p:cNvPr id="9" name="Textfeld 8"/>
+          <p:cNvSpPr txBox="1"/>
+          <p:nvPr/>
+        </p:nvSpPr>
+        <p:spPr>
+          <a:xfrm>
+            <a:off x="3855353" y="2396394"/>
+            <a:ext cx="301686" cy="369332"/>
+          </a:xfrm>
+          <a:prstGeom prst="rect">
+            <a:avLst/>
+          </a:prstGeom>
+          <a:noFill/>
+        </p:spPr>
+        <p:txBody>
+          <a:bodyPr wrap="none" rtlCol="0">
+            <a:spAutoFit/>
+          </a:bodyPr>
+          <a:lstStyle/>
+          <a:p>
+            <a:r>
+              <a:rPr lang="de-AT" dirty="0" smtClean="0"/>
+              <a:t>1</a:t>
+            </a:r>
+            <a:endParaRPr lang="de-AT" dirty="0"/>
+          </a:p>
+        </p:txBody>
+      </p:sp>
+      <p:cxnSp>
+        <p:nvCxnSpPr>
+          <p:cNvPr id="14" name="Gewinkelte Verbindung 13"/>
+          <p:cNvCxnSpPr>
+            <a:stCxn id="4" idx="1"/>
+            <a:endCxn id="5" idx="0"/>
+          </p:cNvCxnSpPr>
+          <p:nvPr/>
+        </p:nvCxnSpPr>
+        <p:spPr>
+          <a:xfrm rot="10800000" flipV="1">
+            <a:off x="4322061" y="2101346"/>
+            <a:ext cx="1042161" cy="959428"/>
+          </a:xfrm>
+          <a:prstGeom prst="bentConnector2">
+            <a:avLst/>
+          </a:prstGeom>
+          <a:ln>
+            <a:tailEnd type="triangle"/>
+          </a:ln>
+        </p:spPr>
+        <p:style>
+          <a:lnRef idx="1">
+            <a:schemeClr val="accent1"/>
+          </a:lnRef>
+          <a:fillRef idx="0">
+            <a:schemeClr val="accent1"/>
+          </a:fillRef>
+          <a:effectRef idx="0">
+            <a:schemeClr val="accent1"/>
+          </a:effectRef>
+          <a:fontRef idx="minor">
+            <a:schemeClr val="tx1"/>
+          </a:fontRef>
+        </p:style>
+      </p:cxnSp>
+      <p:cxnSp>
+        <p:nvCxnSpPr>
+          <p:cNvPr id="16" name="Gewinkelte Verbindung 15"/>
+          <p:cNvCxnSpPr>
+            <a:stCxn id="5" idx="2"/>
+            <a:endCxn id="10" idx="1"/>
+          </p:cNvCxnSpPr>
+          <p:nvPr/>
+        </p:nvCxnSpPr>
+        <p:spPr>
+          <a:xfrm rot="16200000" flipH="1">
+            <a:off x="4359931" y="4271305"/>
+            <a:ext cx="966418" cy="1042161"/>
+          </a:xfrm>
+          <a:prstGeom prst="bentConnector2">
+            <a:avLst/>
+          </a:prstGeom>
+          <a:ln>
+            <a:tailEnd type="triangle"/>
+          </a:ln>
+        </p:spPr>
+        <p:style>
+          <a:lnRef idx="1">
+            <a:schemeClr val="accent1"/>
+          </a:lnRef>
+          <a:fillRef idx="0">
+            <a:schemeClr val="accent1"/>
+          </a:fillRef>
+          <a:effectRef idx="0">
+            <a:schemeClr val="accent1"/>
+          </a:effectRef>
+          <a:fontRef idx="minor">
+            <a:schemeClr val="tx1"/>
+          </a:fontRef>
+        </p:style>
+      </p:cxnSp>
+      <p:sp>
+        <p:nvSpPr>
+          <p:cNvPr id="18" name="Textfeld 17"/>
+          <p:cNvSpPr txBox="1"/>
+          <p:nvPr/>
+        </p:nvSpPr>
+        <p:spPr>
+          <a:xfrm>
+            <a:off x="3855353" y="4604225"/>
+            <a:ext cx="301686" cy="369332"/>
+          </a:xfrm>
+          <a:prstGeom prst="rect">
+            <a:avLst/>
+          </a:prstGeom>
+          <a:noFill/>
+        </p:spPr>
+        <p:txBody>
+          <a:bodyPr wrap="none" rtlCol="0">
+            <a:spAutoFit/>
+          </a:bodyPr>
+          <a:lstStyle/>
+          <a:p>
+            <a:r>
+              <a:rPr lang="de-AT" dirty="0" smtClean="0"/>
+              <a:t>3</a:t>
+            </a:r>
+            <a:endParaRPr lang="de-AT" dirty="0"/>
+          </a:p>
+        </p:txBody>
+      </p:sp>
+      <p:cxnSp>
+        <p:nvCxnSpPr>
+          <p:cNvPr id="20" name="Gerade Verbindung mit Pfeil 19"/>
+          <p:cNvCxnSpPr>
+            <a:stCxn id="5" idx="3"/>
+            <a:endCxn id="6" idx="1"/>
+          </p:cNvCxnSpPr>
+          <p:nvPr/>
+        </p:nvCxnSpPr>
+        <p:spPr>
+          <a:xfrm>
+            <a:off x="5154100" y="3684976"/>
+            <a:ext cx="2091850" cy="0"/>
+          </a:xfrm>
+          <a:prstGeom prst="straightConnector1">
+            <a:avLst/>
+          </a:prstGeom>
+          <a:ln>
+            <a:tailEnd type="triangle"/>
+          </a:ln>
+        </p:spPr>
+        <p:style>
+          <a:lnRef idx="1">
+            <a:schemeClr val="accent1"/>
+          </a:lnRef>
+          <a:fillRef idx="0">
+            <a:schemeClr val="accent1"/>
+          </a:fillRef>
+          <a:effectRef idx="0">
+            <a:schemeClr val="accent1"/>
+          </a:effectRef>
+          <a:fontRef idx="minor">
+            <a:schemeClr val="tx1"/>
+          </a:fontRef>
+        </p:style>
+      </p:cxnSp>
+      <p:sp>
+        <p:nvSpPr>
+          <p:cNvPr id="22" name="Textfeld 21"/>
+          <p:cNvSpPr txBox="1"/>
+          <p:nvPr/>
+        </p:nvSpPr>
+        <p:spPr>
+          <a:xfrm>
+            <a:off x="5260717" y="3286767"/>
+            <a:ext cx="301686" cy="369332"/>
+          </a:xfrm>
+          <a:prstGeom prst="rect">
+            <a:avLst/>
+          </a:prstGeom>
+          <a:noFill/>
+        </p:spPr>
+        <p:txBody>
+          <a:bodyPr wrap="none" rtlCol="0">
+            <a:spAutoFit/>
+          </a:bodyPr>
+          <a:lstStyle/>
+          <a:p>
+            <a:r>
+              <a:rPr lang="de-AT" dirty="0" smtClean="0"/>
+              <a:t>2</a:t>
+            </a:r>
+            <a:endParaRPr lang="de-AT" dirty="0"/>
+          </a:p>
+        </p:txBody>
+      </p:sp>
+      <p:sp>
+        <p:nvSpPr>
+          <p:cNvPr id="25" name="Textfeld 24"/>
+          <p:cNvSpPr txBox="1"/>
+          <p:nvPr/>
+        </p:nvSpPr>
+        <p:spPr>
+          <a:xfrm>
+            <a:off x="6259302" y="2959870"/>
+            <a:ext cx="301686" cy="369332"/>
+          </a:xfrm>
+          <a:prstGeom prst="rect">
+            <a:avLst/>
+          </a:prstGeom>
+          <a:noFill/>
+        </p:spPr>
+        <p:txBody>
+          <a:bodyPr wrap="none" rtlCol="0">
+            <a:spAutoFit/>
+          </a:bodyPr>
+          <a:lstStyle/>
+          <a:p>
+            <a:r>
+              <a:rPr lang="de-AT" dirty="0" smtClean="0"/>
+              <a:t>4</a:t>
+            </a:r>
+            <a:endParaRPr lang="de-AT" dirty="0"/>
+          </a:p>
+        </p:txBody>
+      </p:sp>
+      <p:sp>
+        <p:nvSpPr>
+          <p:cNvPr id="26" name="Textfeld 25"/>
+          <p:cNvSpPr txBox="1"/>
+          <p:nvPr/>
+        </p:nvSpPr>
+        <p:spPr>
+          <a:xfrm>
+            <a:off x="8131042" y="5103119"/>
+            <a:ext cx="1190711" cy="369332"/>
+          </a:xfrm>
+          <a:prstGeom prst="rect">
+            <a:avLst/>
+          </a:prstGeom>
+          <a:noFill/>
+        </p:spPr>
+        <p:txBody>
+          <a:bodyPr wrap="none" rtlCol="0">
+            <a:spAutoFit/>
+          </a:bodyPr>
+          <a:lstStyle/>
+          <a:p>
+            <a:r>
+              <a:rPr lang="de-AT" dirty="0" smtClean="0"/>
+              <a:t>Not so fast</a:t>
+            </a:r>
+          </a:p>
+        </p:txBody>
+      </p:sp>
+      <p:cxnSp>
+        <p:nvCxnSpPr>
+          <p:cNvPr id="12" name="Gerade Verbindung mit Pfeil 11"/>
+          <p:cNvCxnSpPr>
+            <a:stCxn id="10" idx="0"/>
+            <a:endCxn id="4" idx="2"/>
+          </p:cNvCxnSpPr>
+          <p:nvPr/>
+        </p:nvCxnSpPr>
+        <p:spPr>
+          <a:xfrm flipV="1">
+            <a:off x="6200026" y="2725547"/>
+            <a:ext cx="0" cy="1925846"/>
+          </a:xfrm>
+          <a:prstGeom prst="straightConnector1">
+            <a:avLst/>
+          </a:prstGeom>
+          <a:ln>
+            <a:tailEnd type="triangle"/>
+          </a:ln>
+        </p:spPr>
+        <p:style>
+          <a:lnRef idx="1">
+            <a:schemeClr val="accent1"/>
+          </a:lnRef>
+          <a:fillRef idx="0">
+            <a:schemeClr val="accent1"/>
+          </a:fillRef>
+          <a:effectRef idx="0">
+            <a:schemeClr val="accent1"/>
+          </a:effectRef>
+          <a:fontRef idx="minor">
+            <a:schemeClr val="tx1"/>
+          </a:fontRef>
+        </p:style>
+      </p:cxnSp>
+    </p:spTree>
+    <p:extLst>
+      <p:ext uri="{BB962C8B-B14F-4D97-AF65-F5344CB8AC3E}">
+        <p14:creationId xmlns:p14="http://schemas.microsoft.com/office/powerpoint/2010/main" val="202346999"/>
+      </p:ext>
+    </p:extLst>
+  </p:cSld>
+  <p:clrMapOvr>
+    <a:masterClrMapping/>
+  </p:clrMapOvr>
+</p:sld>
+</file>
+
+<file path=ppt/slides/slide62.xml><?xml version="1.0" encoding="utf-8"?>
+<p:sld xmlns:a="http://schemas.openxmlformats.org/drawingml/2006/main" xmlns:r="http://schemas.openxmlformats.org/officeDocument/2006/relationships" xmlns:p="http://schemas.openxmlformats.org/presentationml/2006/main">
+  <p:cSld>
+    <p:spTree>
+      <p:nvGrpSpPr>
+        <p:cNvPr id="1" name=""/>
+        <p:cNvGrpSpPr/>
+        <p:nvPr/>
+      </p:nvGrpSpPr>
+      <p:grpSpPr>
+        <a:xfrm>
+          <a:off x="0" y="0"/>
+          <a:ext cx="0" cy="0"/>
+          <a:chOff x="0" y="0"/>
+          <a:chExt cx="0" cy="0"/>
+        </a:xfrm>
+      </p:grpSpPr>
+      <p:sp>
+        <p:nvSpPr>
+          <p:cNvPr id="2" name="Titel 1"/>
+          <p:cNvSpPr>
+            <a:spLocks noGrp="1"/>
+          </p:cNvSpPr>
+          <p:nvPr>
+            <p:ph type="title"/>
+          </p:nvPr>
+        </p:nvSpPr>
+        <p:spPr/>
+        <p:txBody>
+          <a:bodyPr/>
+          <a:lstStyle/>
+          <a:p>
+            <a:pPr algn="ctr"/>
+            <a:r>
+              <a:rPr lang="de-AT" dirty="0" smtClean="0"/>
+              <a:t>Cache </a:t>
+            </a:r>
+            <a:r>
+              <a:rPr lang="de-AT" dirty="0" err="1" smtClean="0"/>
+              <a:t>then</a:t>
+            </a:r>
+            <a:r>
+              <a:rPr lang="de-AT" dirty="0" smtClean="0"/>
+              <a:t> </a:t>
+            </a:r>
+            <a:r>
+              <a:rPr lang="de-AT" dirty="0" err="1" smtClean="0"/>
+              <a:t>network</a:t>
+            </a:r>
+            <a:endParaRPr lang="de-AT" dirty="0"/>
+          </a:p>
+        </p:txBody>
+      </p:sp>
+      <p:sp>
+        <p:nvSpPr>
+          <p:cNvPr id="4" name="Rechteck 3"/>
+          <p:cNvSpPr/>
+          <p:nvPr/>
+        </p:nvSpPr>
+        <p:spPr>
+          <a:xfrm>
+            <a:off x="5364221" y="1477144"/>
+            <a:ext cx="1671609" cy="1248403"/>
+          </a:xfrm>
+          <a:prstGeom prst="rect">
+            <a:avLst/>
+          </a:prstGeom>
+        </p:spPr>
+        <p:style>
+          <a:lnRef idx="2">
+            <a:schemeClr val="accent6">
+              <a:shade val="50000"/>
+            </a:schemeClr>
+          </a:lnRef>
+          <a:fillRef idx="1">
+            <a:schemeClr val="accent6"/>
+          </a:fillRef>
+          <a:effectRef idx="0">
+            <a:schemeClr val="accent6"/>
+          </a:effectRef>
+          <a:fontRef idx="minor">
+            <a:schemeClr val="lt1"/>
+          </a:fontRef>
+        </p:style>
+        <p:txBody>
+          <a:bodyPr rtlCol="0" anchor="ctr"/>
+          <a:lstStyle/>
+          <a:p>
+            <a:pPr algn="ctr"/>
+            <a:r>
+              <a:rPr lang="de-AT" dirty="0" smtClean="0"/>
+              <a:t>Page</a:t>
+            </a:r>
+            <a:endParaRPr lang="de-AT" dirty="0"/>
+          </a:p>
+        </p:txBody>
+      </p:sp>
+      <p:sp>
+        <p:nvSpPr>
+          <p:cNvPr id="5" name="Rechteck 4"/>
+          <p:cNvSpPr/>
+          <p:nvPr/>
+        </p:nvSpPr>
+        <p:spPr>
+          <a:xfrm>
+            <a:off x="3490020" y="3060774"/>
+            <a:ext cx="1664080" cy="1248403"/>
+          </a:xfrm>
+          <a:prstGeom prst="rect">
+            <a:avLst/>
+          </a:prstGeom>
+        </p:spPr>
+        <p:style>
+          <a:lnRef idx="2">
+            <a:schemeClr val="accent5">
+              <a:shade val="50000"/>
+            </a:schemeClr>
+          </a:lnRef>
+          <a:fillRef idx="1">
+            <a:schemeClr val="accent5"/>
+          </a:fillRef>
+          <a:effectRef idx="0">
+            <a:schemeClr val="accent5"/>
+          </a:effectRef>
+          <a:fontRef idx="minor">
+            <a:schemeClr val="lt1"/>
+          </a:fontRef>
+        </p:style>
+        <p:txBody>
+          <a:bodyPr rtlCol="0" anchor="ctr"/>
+          <a:lstStyle/>
+          <a:p>
+            <a:pPr algn="ctr"/>
+            <a:r>
+              <a:rPr lang="de-AT" dirty="0" smtClean="0"/>
+              <a:t>Service Worker</a:t>
+            </a:r>
+            <a:endParaRPr lang="de-AT" dirty="0"/>
+          </a:p>
+        </p:txBody>
+      </p:sp>
+      <p:sp>
+        <p:nvSpPr>
+          <p:cNvPr id="6" name="Rechteck 5"/>
+          <p:cNvSpPr/>
+          <p:nvPr/>
+        </p:nvSpPr>
+        <p:spPr>
+          <a:xfrm>
+            <a:off x="7299002" y="3060774"/>
+            <a:ext cx="1664080" cy="1248403"/>
+          </a:xfrm>
+          <a:prstGeom prst="rect">
+            <a:avLst/>
+          </a:prstGeom>
+        </p:spPr>
+        <p:style>
+          <a:lnRef idx="2">
+            <a:schemeClr val="accent3">
+              <a:shade val="50000"/>
+            </a:schemeClr>
+          </a:lnRef>
+          <a:fillRef idx="1">
+            <a:schemeClr val="accent3"/>
+          </a:fillRef>
+          <a:effectRef idx="0">
+            <a:schemeClr val="accent3"/>
+          </a:effectRef>
+          <a:fontRef idx="minor">
+            <a:schemeClr val="lt1"/>
+          </a:fontRef>
+        </p:style>
+        <p:txBody>
+          <a:bodyPr rtlCol="0" anchor="ctr"/>
+          <a:lstStyle/>
+          <a:p>
+            <a:pPr algn="ctr"/>
+            <a:r>
+              <a:rPr lang="de-DE" dirty="0" smtClean="0"/>
+              <a:t>Network</a:t>
+            </a:r>
+            <a:endParaRPr lang="de-AT" dirty="0" smtClean="0"/>
+          </a:p>
+        </p:txBody>
+      </p:sp>
+      <p:sp>
+        <p:nvSpPr>
+          <p:cNvPr id="10" name="Rechteck 9"/>
+          <p:cNvSpPr/>
+          <p:nvPr/>
+        </p:nvSpPr>
+        <p:spPr>
+          <a:xfrm>
+            <a:off x="5364221" y="4651393"/>
+            <a:ext cx="1671609" cy="1248403"/>
+          </a:xfrm>
+          <a:prstGeom prst="rect">
+            <a:avLst/>
+          </a:prstGeom>
+        </p:spPr>
+        <p:style>
+          <a:lnRef idx="2">
+            <a:schemeClr val="accent2">
+              <a:shade val="50000"/>
+            </a:schemeClr>
+          </a:lnRef>
+          <a:fillRef idx="1">
+            <a:schemeClr val="accent2"/>
+          </a:fillRef>
+          <a:effectRef idx="0">
+            <a:schemeClr val="accent2"/>
+          </a:effectRef>
+          <a:fontRef idx="minor">
+            <a:schemeClr val="lt1"/>
+          </a:fontRef>
+        </p:style>
+        <p:txBody>
+          <a:bodyPr rtlCol="0" anchor="ctr"/>
+          <a:lstStyle/>
+          <a:p>
+            <a:pPr algn="ctr"/>
+            <a:r>
+              <a:rPr lang="de-AT" dirty="0" smtClean="0"/>
+              <a:t>Cache</a:t>
+            </a:r>
+            <a:endParaRPr lang="de-AT" dirty="0"/>
+          </a:p>
+        </p:txBody>
+      </p:sp>
+      <p:sp>
+        <p:nvSpPr>
+          <p:cNvPr id="9" name="Textfeld 8"/>
+          <p:cNvSpPr txBox="1"/>
+          <p:nvPr/>
+        </p:nvSpPr>
+        <p:spPr>
+          <a:xfrm>
+            <a:off x="5360879" y="2790529"/>
+            <a:ext cx="301686" cy="369332"/>
+          </a:xfrm>
+          <a:prstGeom prst="rect">
+            <a:avLst/>
+          </a:prstGeom>
+          <a:noFill/>
+        </p:spPr>
+        <p:txBody>
+          <a:bodyPr wrap="none" rtlCol="0">
+            <a:spAutoFit/>
+          </a:bodyPr>
+          <a:lstStyle/>
+          <a:p>
+            <a:r>
+              <a:rPr lang="de-AT" dirty="0" smtClean="0"/>
+              <a:t>1</a:t>
+            </a:r>
+            <a:endParaRPr lang="de-AT" dirty="0"/>
+          </a:p>
+        </p:txBody>
+      </p:sp>
+      <p:cxnSp>
+        <p:nvCxnSpPr>
+          <p:cNvPr id="14" name="Gewinkelte Verbindung 13"/>
+          <p:cNvCxnSpPr>
+            <a:stCxn id="4" idx="1"/>
+            <a:endCxn id="5" idx="0"/>
+          </p:cNvCxnSpPr>
+          <p:nvPr/>
+        </p:nvCxnSpPr>
+        <p:spPr>
+          <a:xfrm rot="10800000" flipV="1">
+            <a:off x="4322061" y="2101346"/>
+            <a:ext cx="1042161" cy="959428"/>
+          </a:xfrm>
+          <a:prstGeom prst="bentConnector2">
+            <a:avLst/>
+          </a:prstGeom>
+          <a:ln>
+            <a:tailEnd type="triangle"/>
+          </a:ln>
+        </p:spPr>
+        <p:style>
+          <a:lnRef idx="1">
+            <a:schemeClr val="accent1"/>
+          </a:lnRef>
+          <a:fillRef idx="0">
+            <a:schemeClr val="accent1"/>
+          </a:fillRef>
+          <a:effectRef idx="0">
+            <a:schemeClr val="accent1"/>
+          </a:effectRef>
+          <a:fontRef idx="minor">
+            <a:schemeClr val="tx1"/>
+          </a:fontRef>
+        </p:style>
+      </p:cxnSp>
+      <p:sp>
+        <p:nvSpPr>
+          <p:cNvPr id="18" name="Textfeld 17"/>
+          <p:cNvSpPr txBox="1"/>
+          <p:nvPr/>
+        </p:nvSpPr>
+        <p:spPr>
+          <a:xfrm>
+            <a:off x="5347523" y="3809933"/>
+            <a:ext cx="301686" cy="369332"/>
+          </a:xfrm>
+          <a:prstGeom prst="rect">
+            <a:avLst/>
+          </a:prstGeom>
+          <a:noFill/>
+        </p:spPr>
+        <p:txBody>
+          <a:bodyPr wrap="none" rtlCol="0">
+            <a:spAutoFit/>
+          </a:bodyPr>
+          <a:lstStyle/>
+          <a:p>
+            <a:r>
+              <a:rPr lang="de-AT" dirty="0" smtClean="0"/>
+              <a:t>3</a:t>
+            </a:r>
+            <a:endParaRPr lang="de-AT" dirty="0"/>
+          </a:p>
+        </p:txBody>
+      </p:sp>
+      <p:cxnSp>
+        <p:nvCxnSpPr>
+          <p:cNvPr id="20" name="Gerade Verbindung mit Pfeil 19"/>
+          <p:cNvCxnSpPr/>
+          <p:nvPr/>
+        </p:nvCxnSpPr>
+        <p:spPr>
+          <a:xfrm>
+            <a:off x="5735355" y="2725547"/>
+            <a:ext cx="27603" cy="1878678"/>
+          </a:xfrm>
+          <a:prstGeom prst="straightConnector1">
+            <a:avLst/>
+          </a:prstGeom>
+          <a:ln>
+            <a:tailEnd type="triangle"/>
+          </a:ln>
+        </p:spPr>
+        <p:style>
+          <a:lnRef idx="1">
+            <a:schemeClr val="accent1"/>
+          </a:lnRef>
+          <a:fillRef idx="0">
+            <a:schemeClr val="accent1"/>
+          </a:fillRef>
+          <a:effectRef idx="0">
+            <a:schemeClr val="accent1"/>
+          </a:effectRef>
+          <a:fontRef idx="minor">
+            <a:schemeClr val="tx1"/>
+          </a:fontRef>
+        </p:style>
+      </p:cxnSp>
+      <p:sp>
+        <p:nvSpPr>
+          <p:cNvPr id="22" name="Textfeld 21"/>
+          <p:cNvSpPr txBox="1"/>
+          <p:nvPr/>
+        </p:nvSpPr>
+        <p:spPr>
+          <a:xfrm>
+            <a:off x="6274215" y="4179265"/>
+            <a:ext cx="301686" cy="369332"/>
+          </a:xfrm>
+          <a:prstGeom prst="rect">
+            <a:avLst/>
+          </a:prstGeom>
+          <a:noFill/>
+        </p:spPr>
+        <p:txBody>
+          <a:bodyPr wrap="none" rtlCol="0">
+            <a:spAutoFit/>
+          </a:bodyPr>
+          <a:lstStyle/>
+          <a:p>
+            <a:r>
+              <a:rPr lang="de-AT" dirty="0" smtClean="0"/>
+              <a:t>2</a:t>
+            </a:r>
+            <a:endParaRPr lang="de-AT" dirty="0"/>
+          </a:p>
+        </p:txBody>
+      </p:sp>
+      <p:sp>
+        <p:nvSpPr>
+          <p:cNvPr id="26" name="Textfeld 25"/>
+          <p:cNvSpPr txBox="1"/>
+          <p:nvPr/>
+        </p:nvSpPr>
+        <p:spPr>
+          <a:xfrm>
+            <a:off x="8131042" y="5103119"/>
+            <a:ext cx="3034420" cy="369332"/>
+          </a:xfrm>
+          <a:prstGeom prst="rect">
+            <a:avLst/>
+          </a:prstGeom>
+          <a:noFill/>
+        </p:spPr>
+        <p:txBody>
+          <a:bodyPr wrap="none" rtlCol="0">
+            <a:spAutoFit/>
+          </a:bodyPr>
+          <a:lstStyle/>
+          <a:p>
+            <a:r>
+              <a:rPr lang="de-AT" dirty="0" err="1" smtClean="0"/>
+              <a:t>Get</a:t>
+            </a:r>
+            <a:r>
+              <a:rPr lang="de-AT" dirty="0" smtClean="0"/>
+              <a:t> fast but update </a:t>
+            </a:r>
+            <a:r>
+              <a:rPr lang="de-AT" smtClean="0"/>
+              <a:t>frequently</a:t>
+            </a:r>
+            <a:endParaRPr lang="de-AT" dirty="0" smtClean="0"/>
+          </a:p>
+        </p:txBody>
+      </p:sp>
+      <p:cxnSp>
+        <p:nvCxnSpPr>
+          <p:cNvPr id="12" name="Gerade Verbindung mit Pfeil 11"/>
+          <p:cNvCxnSpPr>
+            <a:stCxn id="10" idx="0"/>
+            <a:endCxn id="4" idx="2"/>
+          </p:cNvCxnSpPr>
+          <p:nvPr/>
+        </p:nvCxnSpPr>
+        <p:spPr>
+          <a:xfrm flipV="1">
+            <a:off x="6200026" y="2725547"/>
+            <a:ext cx="0" cy="1925846"/>
+          </a:xfrm>
+          <a:prstGeom prst="straightConnector1">
+            <a:avLst/>
+          </a:prstGeom>
+          <a:ln>
+            <a:tailEnd type="triangle"/>
+          </a:ln>
+        </p:spPr>
+        <p:style>
+          <a:lnRef idx="1">
+            <a:schemeClr val="accent1"/>
+          </a:lnRef>
+          <a:fillRef idx="0">
+            <a:schemeClr val="accent1"/>
+          </a:fillRef>
+          <a:effectRef idx="0">
+            <a:schemeClr val="accent1"/>
+          </a:effectRef>
+          <a:fontRef idx="minor">
+            <a:schemeClr val="tx1"/>
+          </a:fontRef>
+        </p:style>
+      </p:cxnSp>
+      <p:sp>
+        <p:nvSpPr>
+          <p:cNvPr id="21" name="Textfeld 20"/>
+          <p:cNvSpPr txBox="1"/>
+          <p:nvPr/>
+        </p:nvSpPr>
+        <p:spPr>
+          <a:xfrm>
+            <a:off x="3950928" y="2191065"/>
+            <a:ext cx="301686" cy="369332"/>
+          </a:xfrm>
+          <a:prstGeom prst="rect">
+            <a:avLst/>
+          </a:prstGeom>
+          <a:noFill/>
+        </p:spPr>
+        <p:txBody>
+          <a:bodyPr wrap="none" rtlCol="0">
+            <a:spAutoFit/>
+          </a:bodyPr>
+          <a:lstStyle/>
+          <a:p>
+            <a:r>
+              <a:rPr lang="de-AT" dirty="0" smtClean="0"/>
+              <a:t>1</a:t>
+            </a:r>
+            <a:endParaRPr lang="de-AT" dirty="0"/>
+          </a:p>
+        </p:txBody>
+      </p:sp>
+      <p:cxnSp>
+        <p:nvCxnSpPr>
+          <p:cNvPr id="15" name="Gerade Verbindung mit Pfeil 14"/>
+          <p:cNvCxnSpPr>
+            <a:stCxn id="5" idx="3"/>
+            <a:endCxn id="6" idx="1"/>
+          </p:cNvCxnSpPr>
+          <p:nvPr/>
+        </p:nvCxnSpPr>
+        <p:spPr>
+          <a:xfrm>
+            <a:off x="5154100" y="3684976"/>
+            <a:ext cx="2144902" cy="0"/>
+          </a:xfrm>
+          <a:prstGeom prst="straightConnector1">
+            <a:avLst/>
+          </a:prstGeom>
+          <a:ln>
+            <a:tailEnd type="triangle"/>
+          </a:ln>
+        </p:spPr>
+        <p:style>
+          <a:lnRef idx="1">
+            <a:schemeClr val="accent1"/>
+          </a:lnRef>
+          <a:fillRef idx="0">
+            <a:schemeClr val="accent1"/>
+          </a:fillRef>
+          <a:effectRef idx="0">
+            <a:schemeClr val="accent1"/>
+          </a:effectRef>
+          <a:fontRef idx="minor">
+            <a:schemeClr val="tx1"/>
+          </a:fontRef>
+        </p:style>
+      </p:cxnSp>
+      <p:sp>
+        <p:nvSpPr>
+          <p:cNvPr id="24" name="Textfeld 23"/>
+          <p:cNvSpPr txBox="1"/>
+          <p:nvPr/>
+        </p:nvSpPr>
+        <p:spPr>
+          <a:xfrm>
+            <a:off x="6711090" y="3278037"/>
+            <a:ext cx="301686" cy="369332"/>
+          </a:xfrm>
+          <a:prstGeom prst="rect">
+            <a:avLst/>
+          </a:prstGeom>
+          <a:noFill/>
+        </p:spPr>
+        <p:txBody>
+          <a:bodyPr wrap="none" rtlCol="0">
+            <a:spAutoFit/>
+          </a:bodyPr>
+          <a:lstStyle/>
+          <a:p>
+            <a:r>
+              <a:rPr lang="de-AT" dirty="0" smtClean="0"/>
+              <a:t>2</a:t>
+            </a:r>
+            <a:endParaRPr lang="de-AT" dirty="0"/>
+          </a:p>
+        </p:txBody>
+      </p:sp>
+      <p:cxnSp>
+        <p:nvCxnSpPr>
+          <p:cNvPr id="27" name="Gerade Verbindung mit Pfeil 26"/>
+          <p:cNvCxnSpPr/>
+          <p:nvPr/>
+        </p:nvCxnSpPr>
+        <p:spPr>
+          <a:xfrm flipH="1">
+            <a:off x="5154100" y="3830220"/>
+            <a:ext cx="2144902" cy="2594"/>
+          </a:xfrm>
+          <a:prstGeom prst="straightConnector1">
+            <a:avLst/>
+          </a:prstGeom>
+          <a:ln>
+            <a:tailEnd type="triangle"/>
+          </a:ln>
+        </p:spPr>
+        <p:style>
+          <a:lnRef idx="1">
+            <a:schemeClr val="accent1"/>
+          </a:lnRef>
+          <a:fillRef idx="0">
+            <a:schemeClr val="accent1"/>
+          </a:fillRef>
+          <a:effectRef idx="0">
+            <a:schemeClr val="accent1"/>
+          </a:effectRef>
+          <a:fontRef idx="minor">
+            <a:schemeClr val="tx1"/>
+          </a:fontRef>
+        </p:style>
+      </p:cxnSp>
+      <p:cxnSp>
+        <p:nvCxnSpPr>
+          <p:cNvPr id="28" name="Gewinkelte Verbindung 27"/>
+          <p:cNvCxnSpPr>
+            <a:stCxn id="5" idx="2"/>
+            <a:endCxn id="10" idx="1"/>
+          </p:cNvCxnSpPr>
+          <p:nvPr/>
+        </p:nvCxnSpPr>
+        <p:spPr>
+          <a:xfrm rot="16200000" flipH="1">
+            <a:off x="4359931" y="4271305"/>
+            <a:ext cx="966418" cy="1042161"/>
+          </a:xfrm>
+          <a:prstGeom prst="bentConnector2">
+            <a:avLst/>
+          </a:prstGeom>
+          <a:ln>
+            <a:tailEnd type="triangle"/>
+          </a:ln>
+        </p:spPr>
+        <p:style>
+          <a:lnRef idx="1">
+            <a:schemeClr val="accent1"/>
+          </a:lnRef>
+          <a:fillRef idx="0">
+            <a:schemeClr val="accent1"/>
+          </a:fillRef>
+          <a:effectRef idx="0">
+            <a:schemeClr val="accent1"/>
+          </a:effectRef>
+          <a:fontRef idx="minor">
+            <a:schemeClr val="tx1"/>
+          </a:fontRef>
+        </p:style>
+      </p:cxnSp>
+      <p:sp>
+        <p:nvSpPr>
+          <p:cNvPr id="31" name="Textfeld 30"/>
+          <p:cNvSpPr txBox="1"/>
+          <p:nvPr/>
+        </p:nvSpPr>
+        <p:spPr>
+          <a:xfrm>
+            <a:off x="4392164" y="5403029"/>
+            <a:ext cx="301686" cy="369332"/>
+          </a:xfrm>
+          <a:prstGeom prst="rect">
+            <a:avLst/>
+          </a:prstGeom>
+          <a:noFill/>
+        </p:spPr>
+        <p:txBody>
+          <a:bodyPr wrap="none" rtlCol="0">
+            <a:spAutoFit/>
+          </a:bodyPr>
+          <a:lstStyle/>
+          <a:p>
+            <a:r>
+              <a:rPr lang="de-AT" dirty="0" smtClean="0"/>
+              <a:t>4</a:t>
+            </a:r>
+            <a:endParaRPr lang="de-AT" dirty="0"/>
+          </a:p>
+        </p:txBody>
+      </p:sp>
+      <p:cxnSp>
+        <p:nvCxnSpPr>
+          <p:cNvPr id="32" name="Gewinkelte Verbindung 31"/>
+          <p:cNvCxnSpPr>
+            <a:stCxn id="5" idx="1"/>
+            <a:endCxn id="4" idx="0"/>
+          </p:cNvCxnSpPr>
+          <p:nvPr/>
+        </p:nvCxnSpPr>
+        <p:spPr>
+          <a:xfrm rot="10800000" flipH="1">
+            <a:off x="3490020" y="1477144"/>
+            <a:ext cx="2710006" cy="2207832"/>
+          </a:xfrm>
+          <a:prstGeom prst="bentConnector4">
+            <a:avLst>
+              <a:gd name="adj1" fmla="val -8435"/>
+              <a:gd name="adj2" fmla="val 110354"/>
+            </a:avLst>
+          </a:prstGeom>
+          <a:ln>
+            <a:tailEnd type="triangle"/>
+          </a:ln>
+        </p:spPr>
+        <p:style>
+          <a:lnRef idx="1">
+            <a:schemeClr val="accent1"/>
+          </a:lnRef>
+          <a:fillRef idx="0">
+            <a:schemeClr val="accent1"/>
+          </a:fillRef>
+          <a:effectRef idx="0">
+            <a:schemeClr val="accent1"/>
+          </a:effectRef>
+          <a:fontRef idx="minor">
+            <a:schemeClr val="tx1"/>
+          </a:fontRef>
+        </p:style>
+      </p:cxnSp>
+      <p:sp>
+        <p:nvSpPr>
+          <p:cNvPr id="35" name="Textfeld 34"/>
+          <p:cNvSpPr txBox="1"/>
+          <p:nvPr/>
+        </p:nvSpPr>
+        <p:spPr>
+          <a:xfrm>
+            <a:off x="3350975" y="2101345"/>
+            <a:ext cx="301686" cy="369332"/>
+          </a:xfrm>
+          <a:prstGeom prst="rect">
+            <a:avLst/>
+          </a:prstGeom>
+          <a:noFill/>
+        </p:spPr>
+        <p:txBody>
+          <a:bodyPr wrap="none" rtlCol="0">
+            <a:spAutoFit/>
+          </a:bodyPr>
+          <a:lstStyle/>
+          <a:p>
+            <a:r>
+              <a:rPr lang="de-AT" dirty="0" smtClean="0"/>
+              <a:t>5</a:t>
+            </a:r>
+            <a:endParaRPr lang="de-AT" dirty="0"/>
+          </a:p>
+        </p:txBody>
+      </p:sp>
+    </p:spTree>
+    <p:extLst>
+      <p:ext uri="{BB962C8B-B14F-4D97-AF65-F5344CB8AC3E}">
+        <p14:creationId xmlns:p14="http://schemas.microsoft.com/office/powerpoint/2010/main" val="3839552490"/>
+      </p:ext>
+    </p:extLst>
+  </p:cSld>
+  <p:clrMapOvr>
+    <a:masterClrMapping/>
+  </p:clrMapOvr>
+</p:sld>
+</file>
+
+<file path=ppt/slides/slide63.xml><?xml version="1.0" encoding="utf-8"?>
+<p:sld xmlns:a="http://schemas.openxmlformats.org/drawingml/2006/main" xmlns:r="http://schemas.openxmlformats.org/officeDocument/2006/relationships" xmlns:p="http://schemas.openxmlformats.org/presentationml/2006/main">
+  <p:cSld>
+    <p:spTree>
+      <p:nvGrpSpPr>
+        <p:cNvPr id="1" name=""/>
+        <p:cNvGrpSpPr/>
+        <p:nvPr/>
+      </p:nvGrpSpPr>
+      <p:grpSpPr>
+        <a:xfrm>
+          <a:off x="0" y="0"/>
+          <a:ext cx="0" cy="0"/>
+          <a:chOff x="0" y="0"/>
+          <a:chExt cx="0" cy="0"/>
+        </a:xfrm>
+      </p:grpSpPr>
+      <p:sp>
+        <p:nvSpPr>
+          <p:cNvPr id="2" name="Titel 1"/>
+          <p:cNvSpPr>
+            <a:spLocks noGrp="1"/>
+          </p:cNvSpPr>
+          <p:nvPr>
+            <p:ph type="title"/>
+          </p:nvPr>
+        </p:nvSpPr>
+        <p:spPr/>
+        <p:txBody>
+          <a:bodyPr/>
+          <a:lstStyle/>
+          <a:p>
+            <a:r>
+              <a:rPr lang="de-AT" dirty="0" err="1" smtClean="0"/>
+              <a:t>Indexed</a:t>
+            </a:r>
+            <a:r>
+              <a:rPr lang="de-AT" dirty="0" smtClean="0"/>
+              <a:t> DB </a:t>
+            </a:r>
+            <a:r>
+              <a:rPr lang="de-AT" dirty="0" err="1" smtClean="0"/>
+              <a:t>and</a:t>
+            </a:r>
+            <a:r>
+              <a:rPr lang="de-AT" dirty="0" smtClean="0"/>
+              <a:t> Dynamic Data</a:t>
+            </a:r>
+            <a:endParaRPr lang="de-AT" dirty="0"/>
+          </a:p>
+        </p:txBody>
+      </p:sp>
+      <p:sp>
+        <p:nvSpPr>
+          <p:cNvPr id="3" name="Inhaltsplatzhalter 2"/>
+          <p:cNvSpPr>
+            <a:spLocks noGrp="1"/>
+          </p:cNvSpPr>
+          <p:nvPr>
+            <p:ph idx="1"/>
+          </p:nvPr>
+        </p:nvSpPr>
+        <p:spPr/>
+        <p:txBody>
+          <a:bodyPr/>
+          <a:lstStyle/>
+          <a:p>
+            <a:endParaRPr lang="de-AT" dirty="0"/>
+          </a:p>
+        </p:txBody>
+      </p:sp>
+    </p:spTree>
+    <p:extLst>
+      <p:ext uri="{BB962C8B-B14F-4D97-AF65-F5344CB8AC3E}">
+        <p14:creationId xmlns:p14="http://schemas.microsoft.com/office/powerpoint/2010/main" val="4183143146"/>
+      </p:ext>
+    </p:extLst>
+  </p:cSld>
+  <p:clrMapOvr>
+    <a:masterClrMapping/>
+  </p:clrMapOvr>
+</p:sld>
+</file>
+
+<file path=ppt/slides/slide64.xml><?xml version="1.0" encoding="utf-8"?>
+<p:sld xmlns:a="http://schemas.openxmlformats.org/drawingml/2006/main" xmlns:r="http://schemas.openxmlformats.org/officeDocument/2006/relationships" xmlns:p="http://schemas.openxmlformats.org/presentationml/2006/main">
+  <p:cSld>
+    <p:spTree>
+      <p:nvGrpSpPr>
+        <p:cNvPr id="1" name=""/>
+        <p:cNvGrpSpPr/>
+        <p:nvPr/>
+      </p:nvGrpSpPr>
+      <p:grpSpPr>
+        <a:xfrm>
+          <a:off x="0" y="0"/>
+          <a:ext cx="0" cy="0"/>
+          <a:chOff x="0" y="0"/>
+          <a:chExt cx="0" cy="0"/>
+        </a:xfrm>
+      </p:grpSpPr>
+      <p:sp>
+        <p:nvSpPr>
+          <p:cNvPr id="2" name="Titel 1"/>
+          <p:cNvSpPr>
+            <a:spLocks noGrp="1"/>
+          </p:cNvSpPr>
+          <p:nvPr>
+            <p:ph type="title"/>
+          </p:nvPr>
+        </p:nvSpPr>
+        <p:spPr/>
+        <p:txBody>
+          <a:bodyPr>
+            <a:normAutofit/>
+          </a:bodyPr>
+          <a:lstStyle/>
+          <a:p>
+            <a:r>
+              <a:rPr lang="de-AT" sz="4000" dirty="0" smtClean="0"/>
+              <a:t>Dynamic Caching vs. Caching of Dynamic Content</a:t>
+            </a:r>
+            <a:endParaRPr lang="de-AT" sz="4000" dirty="0"/>
+          </a:p>
+        </p:txBody>
+      </p:sp>
+      <p:sp>
+        <p:nvSpPr>
+          <p:cNvPr id="4" name="Rechteck 3"/>
+          <p:cNvSpPr/>
+          <p:nvPr/>
+        </p:nvSpPr>
+        <p:spPr>
+          <a:xfrm>
+            <a:off x="2642466" y="1729717"/>
+            <a:ext cx="1671609" cy="1248403"/>
+          </a:xfrm>
+          <a:prstGeom prst="rect">
+            <a:avLst/>
+          </a:prstGeom>
+        </p:spPr>
+        <p:style>
+          <a:lnRef idx="2">
+            <a:schemeClr val="accent6">
+              <a:shade val="50000"/>
+            </a:schemeClr>
+          </a:lnRef>
+          <a:fillRef idx="1">
+            <a:schemeClr val="accent6"/>
+          </a:fillRef>
+          <a:effectRef idx="0">
+            <a:schemeClr val="accent6"/>
+          </a:effectRef>
+          <a:fontRef idx="minor">
+            <a:schemeClr val="lt1"/>
+          </a:fontRef>
+        </p:style>
+        <p:txBody>
+          <a:bodyPr rtlCol="0" anchor="ctr"/>
+          <a:lstStyle/>
+          <a:p>
+            <a:pPr algn="ctr"/>
+            <a:r>
+              <a:rPr lang="de-AT" dirty="0" smtClean="0"/>
+              <a:t>Page</a:t>
+            </a:r>
+            <a:endParaRPr lang="de-AT" dirty="0"/>
+          </a:p>
+        </p:txBody>
+      </p:sp>
+      <p:sp>
+        <p:nvSpPr>
+          <p:cNvPr id="5" name="Rechteck 4"/>
+          <p:cNvSpPr/>
+          <p:nvPr/>
+        </p:nvSpPr>
+        <p:spPr>
+          <a:xfrm>
+            <a:off x="2642466" y="3316841"/>
+            <a:ext cx="1664080" cy="1248403"/>
+          </a:xfrm>
+          <a:prstGeom prst="rect">
+            <a:avLst/>
+          </a:prstGeom>
+        </p:spPr>
+        <p:style>
+          <a:lnRef idx="2">
+            <a:schemeClr val="accent5">
+              <a:shade val="50000"/>
+            </a:schemeClr>
+          </a:lnRef>
+          <a:fillRef idx="1">
+            <a:schemeClr val="accent5"/>
+          </a:fillRef>
+          <a:effectRef idx="0">
+            <a:schemeClr val="accent5"/>
+          </a:effectRef>
+          <a:fontRef idx="minor">
+            <a:schemeClr val="lt1"/>
+          </a:fontRef>
+        </p:style>
+        <p:txBody>
+          <a:bodyPr rtlCol="0" anchor="ctr"/>
+          <a:lstStyle/>
+          <a:p>
+            <a:pPr algn="ctr"/>
+            <a:r>
+              <a:rPr lang="de-AT" dirty="0" smtClean="0"/>
+              <a:t>Service Worker</a:t>
+            </a:r>
+            <a:endParaRPr lang="de-AT" dirty="0"/>
+          </a:p>
+        </p:txBody>
+      </p:sp>
+      <p:sp>
+        <p:nvSpPr>
+          <p:cNvPr id="6" name="Rechteck 5"/>
+          <p:cNvSpPr/>
+          <p:nvPr/>
+        </p:nvSpPr>
+        <p:spPr>
+          <a:xfrm>
+            <a:off x="2642466" y="4942362"/>
+            <a:ext cx="1664080" cy="1248403"/>
+          </a:xfrm>
+          <a:prstGeom prst="rect">
+            <a:avLst/>
+          </a:prstGeom>
+        </p:spPr>
+        <p:style>
+          <a:lnRef idx="2">
+            <a:schemeClr val="accent3">
+              <a:shade val="50000"/>
+            </a:schemeClr>
+          </a:lnRef>
+          <a:fillRef idx="1">
+            <a:schemeClr val="accent3"/>
+          </a:fillRef>
+          <a:effectRef idx="0">
+            <a:schemeClr val="accent3"/>
+          </a:effectRef>
+          <a:fontRef idx="minor">
+            <a:schemeClr val="lt1"/>
+          </a:fontRef>
+        </p:style>
+        <p:txBody>
+          <a:bodyPr rtlCol="0" anchor="ctr"/>
+          <a:lstStyle/>
+          <a:p>
+            <a:pPr algn="ctr"/>
+            <a:r>
+              <a:rPr lang="de-DE" dirty="0" smtClean="0"/>
+              <a:t>Network</a:t>
+            </a:r>
+            <a:endParaRPr lang="de-AT" dirty="0" smtClean="0"/>
+          </a:p>
+        </p:txBody>
+      </p:sp>
+      <p:sp>
+        <p:nvSpPr>
+          <p:cNvPr id="7" name="Rechteck 6"/>
+          <p:cNvSpPr/>
+          <p:nvPr/>
+        </p:nvSpPr>
+        <p:spPr>
+          <a:xfrm>
+            <a:off x="838200" y="3316841"/>
+            <a:ext cx="1664080" cy="1248403"/>
+          </a:xfrm>
+          <a:prstGeom prst="rect">
+            <a:avLst/>
+          </a:prstGeom>
+        </p:spPr>
+        <p:style>
+          <a:lnRef idx="2">
+            <a:schemeClr val="accent2">
+              <a:shade val="50000"/>
+            </a:schemeClr>
+          </a:lnRef>
+          <a:fillRef idx="1">
+            <a:schemeClr val="accent2"/>
+          </a:fillRef>
+          <a:effectRef idx="0">
+            <a:schemeClr val="accent2"/>
+          </a:effectRef>
+          <a:fontRef idx="minor">
+            <a:schemeClr val="lt1"/>
+          </a:fontRef>
+        </p:style>
+        <p:txBody>
+          <a:bodyPr rtlCol="0" anchor="ctr"/>
+          <a:lstStyle/>
+          <a:p>
+            <a:pPr algn="ctr"/>
+            <a:r>
+              <a:rPr lang="de-AT" dirty="0" smtClean="0"/>
+              <a:t>Cache</a:t>
+            </a:r>
+            <a:endParaRPr lang="de-AT" dirty="0"/>
+          </a:p>
+        </p:txBody>
+      </p:sp>
+      <p:sp>
+        <p:nvSpPr>
+          <p:cNvPr id="12" name="Rechteck 11"/>
+          <p:cNvSpPr/>
+          <p:nvPr/>
+        </p:nvSpPr>
+        <p:spPr>
+          <a:xfrm>
+            <a:off x="8041514" y="1729717"/>
+            <a:ext cx="1671609" cy="1248403"/>
+          </a:xfrm>
+          <a:prstGeom prst="rect">
+            <a:avLst/>
+          </a:prstGeom>
+        </p:spPr>
+        <p:style>
+          <a:lnRef idx="2">
+            <a:schemeClr val="accent6">
+              <a:shade val="50000"/>
+            </a:schemeClr>
+          </a:lnRef>
+          <a:fillRef idx="1">
+            <a:schemeClr val="accent6"/>
+          </a:fillRef>
+          <a:effectRef idx="0">
+            <a:schemeClr val="accent6"/>
+          </a:effectRef>
+          <a:fontRef idx="minor">
+            <a:schemeClr val="lt1"/>
+          </a:fontRef>
+        </p:style>
+        <p:txBody>
+          <a:bodyPr rtlCol="0" anchor="ctr"/>
+          <a:lstStyle/>
+          <a:p>
+            <a:pPr algn="ctr"/>
+            <a:r>
+              <a:rPr lang="de-AT" dirty="0" smtClean="0"/>
+              <a:t>Page</a:t>
+            </a:r>
+            <a:endParaRPr lang="de-AT" dirty="0"/>
+          </a:p>
+        </p:txBody>
+      </p:sp>
+      <p:sp>
+        <p:nvSpPr>
+          <p:cNvPr id="13" name="Rechteck 12"/>
+          <p:cNvSpPr/>
+          <p:nvPr/>
+        </p:nvSpPr>
+        <p:spPr>
+          <a:xfrm>
+            <a:off x="8041514" y="3316841"/>
+            <a:ext cx="1664080" cy="1248403"/>
+          </a:xfrm>
+          <a:prstGeom prst="rect">
+            <a:avLst/>
+          </a:prstGeom>
+        </p:spPr>
+        <p:style>
+          <a:lnRef idx="2">
+            <a:schemeClr val="accent5">
+              <a:shade val="50000"/>
+            </a:schemeClr>
+          </a:lnRef>
+          <a:fillRef idx="1">
+            <a:schemeClr val="accent5"/>
+          </a:fillRef>
+          <a:effectRef idx="0">
+            <a:schemeClr val="accent5"/>
+          </a:effectRef>
+          <a:fontRef idx="minor">
+            <a:schemeClr val="lt1"/>
+          </a:fontRef>
+        </p:style>
+        <p:txBody>
+          <a:bodyPr rtlCol="0" anchor="ctr"/>
+          <a:lstStyle/>
+          <a:p>
+            <a:pPr algn="ctr"/>
+            <a:r>
+              <a:rPr lang="de-AT" dirty="0" smtClean="0"/>
+              <a:t>Service Worker</a:t>
+            </a:r>
+            <a:endParaRPr lang="de-AT" dirty="0"/>
+          </a:p>
+        </p:txBody>
+      </p:sp>
+      <p:sp>
+        <p:nvSpPr>
+          <p:cNvPr id="14" name="Rechteck 13"/>
+          <p:cNvSpPr/>
+          <p:nvPr/>
+        </p:nvSpPr>
+        <p:spPr>
+          <a:xfrm>
+            <a:off x="8041514" y="4942362"/>
+            <a:ext cx="1664080" cy="1248403"/>
+          </a:xfrm>
+          <a:prstGeom prst="rect">
+            <a:avLst/>
+          </a:prstGeom>
+        </p:spPr>
+        <p:style>
+          <a:lnRef idx="2">
+            <a:schemeClr val="accent3">
+              <a:shade val="50000"/>
+            </a:schemeClr>
+          </a:lnRef>
+          <a:fillRef idx="1">
+            <a:schemeClr val="accent3"/>
+          </a:fillRef>
+          <a:effectRef idx="0">
+            <a:schemeClr val="accent3"/>
+          </a:effectRef>
+          <a:fontRef idx="minor">
+            <a:schemeClr val="lt1"/>
+          </a:fontRef>
+        </p:style>
+        <p:txBody>
+          <a:bodyPr rtlCol="0" anchor="ctr"/>
+          <a:lstStyle/>
+          <a:p>
+            <a:pPr algn="ctr"/>
+            <a:r>
+              <a:rPr lang="de-DE" dirty="0" smtClean="0"/>
+              <a:t>Network</a:t>
+            </a:r>
+            <a:endParaRPr lang="de-AT" dirty="0" smtClean="0"/>
+          </a:p>
+        </p:txBody>
+      </p:sp>
+      <p:sp>
+        <p:nvSpPr>
+          <p:cNvPr id="16" name="Rechteck 15"/>
+          <p:cNvSpPr/>
+          <p:nvPr/>
+        </p:nvSpPr>
+        <p:spPr>
+          <a:xfrm>
+            <a:off x="6237248" y="3316841"/>
+            <a:ext cx="1664080" cy="1248403"/>
+          </a:xfrm>
+          <a:prstGeom prst="rect">
+            <a:avLst/>
+          </a:prstGeom>
+        </p:spPr>
+        <p:style>
+          <a:lnRef idx="0">
+            <a:schemeClr val="accent2"/>
+          </a:lnRef>
+          <a:fillRef idx="3">
+            <a:schemeClr val="accent2"/>
+          </a:fillRef>
+          <a:effectRef idx="3">
+            <a:schemeClr val="accent2"/>
+          </a:effectRef>
+          <a:fontRef idx="minor">
+            <a:schemeClr val="lt1"/>
+          </a:fontRef>
+        </p:style>
+        <p:txBody>
+          <a:bodyPr rtlCol="0" anchor="ctr"/>
+          <a:lstStyle/>
+          <a:p>
+            <a:pPr algn="ctr"/>
+            <a:r>
+              <a:rPr lang="de-AT" dirty="0" err="1" smtClean="0"/>
+              <a:t>Indexed</a:t>
+            </a:r>
+            <a:r>
+              <a:rPr lang="de-AT" dirty="0" smtClean="0"/>
+              <a:t> DB</a:t>
+            </a:r>
+            <a:endParaRPr lang="de-AT" dirty="0"/>
+          </a:p>
+        </p:txBody>
+      </p:sp>
+    </p:spTree>
+    <p:extLst>
+      <p:ext uri="{BB962C8B-B14F-4D97-AF65-F5344CB8AC3E}">
+        <p14:creationId xmlns:p14="http://schemas.microsoft.com/office/powerpoint/2010/main" val="3189831535"/>
+      </p:ext>
+    </p:extLst>
+  </p:cSld>
+  <p:clrMapOvr>
+    <a:masterClrMapping/>
+  </p:clrMapOvr>
+</p:sld>
+</file>
+
+<file path=ppt/slides/slide65.xml><?xml version="1.0" encoding="utf-8"?>
+<p:sld xmlns:a="http://schemas.openxmlformats.org/drawingml/2006/main" xmlns:r="http://schemas.openxmlformats.org/officeDocument/2006/relationships" xmlns:p="http://schemas.openxmlformats.org/presentationml/2006/main">
+  <p:cSld>
+    <p:spTree>
+      <p:nvGrpSpPr>
+        <p:cNvPr id="1" name=""/>
+        <p:cNvGrpSpPr/>
+        <p:nvPr/>
+      </p:nvGrpSpPr>
+      <p:grpSpPr>
+        <a:xfrm>
+          <a:off x="0" y="0"/>
+          <a:ext cx="0" cy="0"/>
+          <a:chOff x="0" y="0"/>
+          <a:chExt cx="0" cy="0"/>
+        </a:xfrm>
+      </p:grpSpPr>
+      <p:sp>
+        <p:nvSpPr>
+          <p:cNvPr id="2" name="Titel 1"/>
+          <p:cNvSpPr>
+            <a:spLocks noGrp="1"/>
+          </p:cNvSpPr>
+          <p:nvPr>
+            <p:ph type="title"/>
+          </p:nvPr>
+        </p:nvSpPr>
+        <p:spPr/>
+        <p:txBody>
+          <a:bodyPr/>
+          <a:lstStyle/>
+          <a:p>
+            <a:r>
+              <a:rPr lang="de-AT" dirty="0" err="1" smtClean="0"/>
+              <a:t>Indexed</a:t>
+            </a:r>
+            <a:r>
+              <a:rPr lang="de-AT" dirty="0" smtClean="0"/>
+              <a:t> DB</a:t>
+            </a:r>
+            <a:endParaRPr lang="de-AT" dirty="0"/>
+          </a:p>
+        </p:txBody>
+      </p:sp>
+      <p:sp>
+        <p:nvSpPr>
+          <p:cNvPr id="3" name="Inhaltsplatzhalter 2"/>
+          <p:cNvSpPr>
+            <a:spLocks noGrp="1"/>
+          </p:cNvSpPr>
+          <p:nvPr>
+            <p:ph idx="1"/>
+          </p:nvPr>
+        </p:nvSpPr>
+        <p:spPr/>
+        <p:txBody>
+          <a:bodyPr/>
+          <a:lstStyle/>
+          <a:p>
+            <a:r>
+              <a:rPr lang="de-AT" dirty="0" err="1" smtClean="0"/>
+              <a:t>Transactional</a:t>
+            </a:r>
+            <a:r>
+              <a:rPr lang="de-AT" dirty="0" smtClean="0"/>
+              <a:t> (=all </a:t>
+            </a:r>
+            <a:r>
+              <a:rPr lang="de-AT" dirty="0" err="1" smtClean="0"/>
+              <a:t>or</a:t>
+            </a:r>
+            <a:r>
+              <a:rPr lang="de-AT" dirty="0" smtClean="0"/>
+              <a:t> </a:t>
+            </a:r>
+            <a:r>
+              <a:rPr lang="de-AT" dirty="0" err="1" smtClean="0"/>
+              <a:t>none</a:t>
+            </a:r>
+            <a:r>
+              <a:rPr lang="de-AT" dirty="0" smtClean="0"/>
+              <a:t>)</a:t>
+            </a:r>
+          </a:p>
+          <a:p>
+            <a:r>
+              <a:rPr lang="de-AT" dirty="0" smtClean="0"/>
+              <a:t>Key-Value </a:t>
+            </a:r>
+          </a:p>
+          <a:p>
+            <a:r>
+              <a:rPr lang="de-AT" dirty="0" smtClean="0"/>
+              <a:t>Database in </a:t>
+            </a:r>
+            <a:r>
+              <a:rPr lang="de-AT" dirty="0" err="1" smtClean="0"/>
+              <a:t>the</a:t>
+            </a:r>
+            <a:r>
+              <a:rPr lang="de-AT" dirty="0" smtClean="0"/>
+              <a:t> Browser</a:t>
+            </a:r>
+          </a:p>
+          <a:p>
+            <a:endParaRPr lang="de-AT" dirty="0"/>
+          </a:p>
+          <a:p>
+            <a:r>
+              <a:rPr lang="de-AT" dirty="0" err="1" smtClean="0"/>
+              <a:t>Async</a:t>
+            </a:r>
+            <a:r>
+              <a:rPr lang="de-AT" dirty="0" smtClean="0"/>
+              <a:t> </a:t>
+            </a:r>
+            <a:r>
+              <a:rPr lang="de-AT" dirty="0" err="1" smtClean="0"/>
+              <a:t>access</a:t>
+            </a:r>
+            <a:r>
+              <a:rPr lang="de-AT" dirty="0" smtClean="0"/>
+              <a:t> </a:t>
+            </a:r>
+            <a:r>
+              <a:rPr lang="de-AT" dirty="0" err="1" smtClean="0"/>
+              <a:t>possible</a:t>
+            </a:r>
+            <a:r>
+              <a:rPr lang="de-AT" dirty="0" smtClean="0"/>
+              <a:t> = </a:t>
+            </a:r>
+            <a:r>
+              <a:rPr lang="de-AT" dirty="0" err="1" smtClean="0"/>
+              <a:t>Serviceworker</a:t>
+            </a:r>
+            <a:r>
+              <a:rPr lang="de-AT" dirty="0" smtClean="0"/>
+              <a:t> </a:t>
+            </a:r>
+            <a:r>
+              <a:rPr lang="de-AT" dirty="0" err="1" smtClean="0"/>
+              <a:t>ready</a:t>
+            </a:r>
+            <a:r>
+              <a:rPr lang="de-AT" dirty="0" smtClean="0"/>
+              <a:t>!</a:t>
+            </a:r>
+          </a:p>
+          <a:p>
+            <a:r>
+              <a:rPr lang="de-AT" dirty="0" smtClean="0"/>
+              <a:t>Database (</a:t>
+            </a:r>
+            <a:r>
+              <a:rPr lang="de-AT" dirty="0" err="1" smtClean="0"/>
+              <a:t>one</a:t>
+            </a:r>
+            <a:r>
+              <a:rPr lang="de-AT" dirty="0" smtClean="0"/>
+              <a:t> per App) – </a:t>
+            </a:r>
+            <a:r>
+              <a:rPr lang="de-AT" dirty="0" err="1" smtClean="0"/>
+              <a:t>Object</a:t>
+            </a:r>
+            <a:r>
+              <a:rPr lang="de-AT" dirty="0" smtClean="0"/>
+              <a:t> Store (Table) – </a:t>
+            </a:r>
+            <a:r>
+              <a:rPr lang="de-AT" dirty="0" err="1" smtClean="0"/>
+              <a:t>Object</a:t>
+            </a:r>
+            <a:endParaRPr lang="de-AT" dirty="0" smtClean="0"/>
+          </a:p>
+          <a:p>
+            <a:r>
+              <a:rPr lang="de-AT" dirty="0" err="1" smtClean="0"/>
+              <a:t>Well</a:t>
+            </a:r>
+            <a:r>
+              <a:rPr lang="de-AT" dirty="0" smtClean="0"/>
+              <a:t> </a:t>
+            </a:r>
+            <a:r>
+              <a:rPr lang="de-AT" dirty="0" err="1" smtClean="0"/>
+              <a:t>supported</a:t>
+            </a:r>
+            <a:r>
+              <a:rPr lang="de-AT" dirty="0" smtClean="0"/>
+              <a:t> in </a:t>
+            </a:r>
+            <a:r>
+              <a:rPr lang="de-AT" dirty="0" err="1" smtClean="0"/>
+              <a:t>nearly</a:t>
+            </a:r>
+            <a:r>
+              <a:rPr lang="de-AT" dirty="0" smtClean="0"/>
+              <a:t> all </a:t>
+            </a:r>
+            <a:r>
+              <a:rPr lang="de-AT" dirty="0" err="1" smtClean="0"/>
+              <a:t>browsers</a:t>
+            </a:r>
+            <a:endParaRPr lang="de-AT" dirty="0" smtClean="0"/>
+          </a:p>
+          <a:p>
+            <a:endParaRPr lang="de-AT" dirty="0"/>
+          </a:p>
+        </p:txBody>
+      </p:sp>
+    </p:spTree>
+    <p:extLst>
+      <p:ext uri="{BB962C8B-B14F-4D97-AF65-F5344CB8AC3E}">
+        <p14:creationId xmlns:p14="http://schemas.microsoft.com/office/powerpoint/2010/main" val="2350907848"/>
+      </p:ext>
+    </p:extLst>
+  </p:cSld>
+  <p:clrMapOvr>
+    <a:masterClrMapping/>
+  </p:clrMapOvr>
+</p:sld>
+</file>
+
+<file path=ppt/slides/slide66.xml><?xml version="1.0" encoding="utf-8"?>
+<p:sld xmlns:a="http://schemas.openxmlformats.org/drawingml/2006/main" xmlns:r="http://schemas.openxmlformats.org/officeDocument/2006/relationships" xmlns:p="http://schemas.openxmlformats.org/presentationml/2006/main">
+  <p:cSld>
+    <p:spTree>
+      <p:nvGrpSpPr>
+        <p:cNvPr id="1" name=""/>
+        <p:cNvGrpSpPr/>
+        <p:nvPr/>
+      </p:nvGrpSpPr>
+      <p:grpSpPr>
+        <a:xfrm>
+          <a:off x="0" y="0"/>
+          <a:ext cx="0" cy="0"/>
+          <a:chOff x="0" y="0"/>
+          <a:chExt cx="0" cy="0"/>
+        </a:xfrm>
+      </p:grpSpPr>
+      <p:sp>
+        <p:nvSpPr>
+          <p:cNvPr id="2" name="Titel 1"/>
+          <p:cNvSpPr>
+            <a:spLocks noGrp="1"/>
+          </p:cNvSpPr>
+          <p:nvPr>
+            <p:ph type="title"/>
+          </p:nvPr>
+        </p:nvSpPr>
+        <p:spPr/>
+        <p:txBody>
+          <a:bodyPr/>
+          <a:lstStyle/>
+          <a:p>
+            <a:r>
+              <a:rPr lang="de-AT" dirty="0" smtClean="0"/>
+              <a:t>API </a:t>
+            </a:r>
+            <a:r>
+              <a:rPr lang="de-AT" dirty="0" err="1" smtClean="0"/>
+              <a:t>for</a:t>
+            </a:r>
+            <a:r>
+              <a:rPr lang="de-AT" dirty="0" smtClean="0"/>
+              <a:t> </a:t>
+            </a:r>
+            <a:r>
+              <a:rPr lang="de-AT" dirty="0" err="1" smtClean="0"/>
+              <a:t>Indexed</a:t>
+            </a:r>
+            <a:r>
+              <a:rPr lang="de-AT" dirty="0" smtClean="0"/>
+              <a:t> DB</a:t>
+            </a:r>
+            <a:endParaRPr lang="de-AT" dirty="0"/>
+          </a:p>
+        </p:txBody>
+      </p:sp>
+      <p:sp>
+        <p:nvSpPr>
+          <p:cNvPr id="3" name="Inhaltsplatzhalter 2"/>
+          <p:cNvSpPr>
+            <a:spLocks noGrp="1"/>
+          </p:cNvSpPr>
+          <p:nvPr>
+            <p:ph idx="1"/>
+          </p:nvPr>
+        </p:nvSpPr>
+        <p:spPr/>
+        <p:txBody>
+          <a:bodyPr/>
+          <a:lstStyle/>
+          <a:p>
+            <a:r>
+              <a:rPr lang="de-AT" dirty="0" err="1" smtClean="0"/>
+              <a:t>Clunky</a:t>
+            </a:r>
+            <a:endParaRPr lang="de-AT" dirty="0" smtClean="0"/>
+          </a:p>
+          <a:p>
+            <a:r>
+              <a:rPr lang="de-AT" dirty="0" err="1" smtClean="0"/>
+              <a:t>jakearchibald</a:t>
+            </a:r>
+            <a:r>
+              <a:rPr lang="de-AT" dirty="0" smtClean="0"/>
+              <a:t>/</a:t>
+            </a:r>
+            <a:r>
+              <a:rPr lang="de-AT" dirty="0" err="1" smtClean="0"/>
+              <a:t>idb</a:t>
+            </a:r>
+            <a:r>
+              <a:rPr lang="de-AT" dirty="0" smtClean="0"/>
+              <a:t> </a:t>
+            </a:r>
+            <a:r>
+              <a:rPr lang="de-AT" dirty="0" err="1" smtClean="0"/>
+              <a:t>package</a:t>
+            </a:r>
+            <a:endParaRPr lang="de-AT" dirty="0" smtClean="0"/>
+          </a:p>
+          <a:p>
+            <a:r>
+              <a:rPr lang="de-AT" dirty="0" err="1" smtClean="0"/>
+              <a:t>import</a:t>
+            </a:r>
+            <a:r>
+              <a:rPr lang="de-AT" dirty="0" smtClean="0"/>
+              <a:t> idb.js (index.html + sw.js)</a:t>
+            </a:r>
+            <a:endParaRPr lang="de-AT" dirty="0"/>
+          </a:p>
+        </p:txBody>
+      </p:sp>
+    </p:spTree>
+    <p:extLst>
+      <p:ext uri="{BB962C8B-B14F-4D97-AF65-F5344CB8AC3E}">
+        <p14:creationId xmlns:p14="http://schemas.microsoft.com/office/powerpoint/2010/main" val="3942677497"/>
+      </p:ext>
+    </p:extLst>
+  </p:cSld>
+  <p:clrMapOvr>
+    <a:masterClrMapping/>
+  </p:clrMapOvr>
+</p:sld>
+</file>
+
+<file path=ppt/slides/slide67.xml><?xml version="1.0" encoding="utf-8"?>
+<p:sld xmlns:a="http://schemas.openxmlformats.org/drawingml/2006/main" xmlns:r="http://schemas.openxmlformats.org/officeDocument/2006/relationships" xmlns:p="http://schemas.openxmlformats.org/presentationml/2006/main">
+  <p:cSld>
+    <p:spTree>
+      <p:nvGrpSpPr>
+        <p:cNvPr id="1" name=""/>
+        <p:cNvGrpSpPr/>
+        <p:nvPr/>
+      </p:nvGrpSpPr>
+      <p:grpSpPr>
+        <a:xfrm>
+          <a:off x="0" y="0"/>
+          <a:ext cx="0" cy="0"/>
+          <a:chOff x="0" y="0"/>
+          <a:chExt cx="0" cy="0"/>
+        </a:xfrm>
+      </p:grpSpPr>
+      <p:sp>
+        <p:nvSpPr>
+          <p:cNvPr id="2" name="Titel 1"/>
+          <p:cNvSpPr>
+            <a:spLocks noGrp="1"/>
+          </p:cNvSpPr>
+          <p:nvPr>
+            <p:ph type="title"/>
+          </p:nvPr>
+        </p:nvSpPr>
+        <p:spPr/>
+        <p:txBody>
+          <a:bodyPr/>
+          <a:lstStyle/>
+          <a:p>
+            <a:r>
+              <a:rPr lang="de-AT" dirty="0"/>
+              <a:t>Outline</a:t>
+            </a:r>
+          </a:p>
+        </p:txBody>
+      </p:sp>
+      <p:sp>
+        <p:nvSpPr>
+          <p:cNvPr id="3" name="Inhaltsplatzhalter 2"/>
+          <p:cNvSpPr>
+            <a:spLocks noGrp="1"/>
+          </p:cNvSpPr>
+          <p:nvPr>
+            <p:ph idx="1"/>
+          </p:nvPr>
+        </p:nvSpPr>
+        <p:spPr/>
+        <p:txBody>
+          <a:bodyPr>
+            <a:normAutofit lnSpcReduction="10000"/>
+          </a:bodyPr>
+          <a:lstStyle/>
+          <a:p>
+            <a:pPr marL="514350" indent="-514350">
+              <a:buFont typeface="+mj-lt"/>
+              <a:buAutoNum type="arabicPeriod"/>
+            </a:pPr>
+            <a:r>
+              <a:rPr lang="de-AT" dirty="0">
+                <a:solidFill>
+                  <a:schemeClr val="accent6">
+                    <a:lumMod val="60000"/>
+                    <a:lumOff val="40000"/>
+                  </a:schemeClr>
+                </a:solidFill>
+              </a:rPr>
+              <a:t>Basics</a:t>
+            </a:r>
+          </a:p>
+          <a:p>
+            <a:pPr marL="971550" lvl="1" indent="-514350">
+              <a:buFont typeface="+mj-lt"/>
+              <a:buAutoNum type="arabicPeriod"/>
+            </a:pPr>
+            <a:r>
+              <a:rPr lang="de-AT" dirty="0">
+                <a:solidFill>
+                  <a:schemeClr val="accent6">
+                    <a:lumMod val="60000"/>
+                    <a:lumOff val="40000"/>
+                  </a:schemeClr>
+                </a:solidFill>
+              </a:rPr>
+              <a:t>App Manifest </a:t>
+            </a:r>
+          </a:p>
+          <a:p>
+            <a:pPr marL="971550" lvl="1" indent="-514350">
+              <a:buFont typeface="+mj-lt"/>
+              <a:buAutoNum type="arabicPeriod"/>
+            </a:pPr>
+            <a:r>
+              <a:rPr lang="de-AT" dirty="0">
+                <a:solidFill>
+                  <a:schemeClr val="accent6">
+                    <a:lumMod val="60000"/>
+                    <a:lumOff val="40000"/>
+                  </a:schemeClr>
+                </a:solidFill>
+              </a:rPr>
+              <a:t>Service </a:t>
+            </a:r>
+            <a:r>
+              <a:rPr lang="de-AT" dirty="0" err="1">
+                <a:solidFill>
+                  <a:schemeClr val="accent6">
+                    <a:lumMod val="60000"/>
+                    <a:lumOff val="40000"/>
+                  </a:schemeClr>
+                </a:solidFill>
+              </a:rPr>
+              <a:t>Workers</a:t>
+            </a:r>
+            <a:endParaRPr lang="de-AT" dirty="0">
+              <a:solidFill>
+                <a:schemeClr val="accent6">
+                  <a:lumMod val="60000"/>
+                  <a:lumOff val="40000"/>
+                </a:schemeClr>
+              </a:solidFill>
+            </a:endParaRPr>
+          </a:p>
+          <a:p>
+            <a:pPr marL="971550" lvl="1" indent="-514350">
+              <a:buFont typeface="+mj-lt"/>
+              <a:buAutoNum type="arabicPeriod"/>
+            </a:pPr>
+            <a:r>
+              <a:rPr lang="de-AT" dirty="0">
+                <a:solidFill>
+                  <a:schemeClr val="accent6">
+                    <a:lumMod val="60000"/>
+                    <a:lumOff val="40000"/>
+                  </a:schemeClr>
+                </a:solidFill>
+              </a:rPr>
+              <a:t>Installation</a:t>
+            </a:r>
+          </a:p>
+          <a:p>
+            <a:pPr marL="514350" indent="-514350">
+              <a:buFont typeface="+mj-lt"/>
+              <a:buAutoNum type="arabicPeriod"/>
+            </a:pPr>
+            <a:r>
+              <a:rPr lang="de-AT" dirty="0" err="1">
+                <a:solidFill>
+                  <a:schemeClr val="accent6">
+                    <a:lumMod val="60000"/>
+                    <a:lumOff val="40000"/>
+                  </a:schemeClr>
+                </a:solidFill>
+              </a:rPr>
+              <a:t>Promise</a:t>
+            </a:r>
+            <a:r>
+              <a:rPr lang="de-AT" dirty="0">
+                <a:solidFill>
+                  <a:schemeClr val="accent6">
+                    <a:lumMod val="60000"/>
+                    <a:lumOff val="40000"/>
+                  </a:schemeClr>
+                </a:solidFill>
+              </a:rPr>
+              <a:t> </a:t>
+            </a:r>
+            <a:r>
+              <a:rPr lang="de-AT" dirty="0" err="1">
+                <a:solidFill>
+                  <a:schemeClr val="accent6">
+                    <a:lumMod val="60000"/>
+                    <a:lumOff val="40000"/>
+                  </a:schemeClr>
+                </a:solidFill>
+              </a:rPr>
+              <a:t>and</a:t>
+            </a:r>
+            <a:r>
+              <a:rPr lang="de-AT" dirty="0">
+                <a:solidFill>
+                  <a:schemeClr val="accent6">
+                    <a:lumMod val="60000"/>
+                    <a:lumOff val="40000"/>
+                  </a:schemeClr>
+                </a:solidFill>
+              </a:rPr>
+              <a:t> </a:t>
+            </a:r>
+            <a:r>
+              <a:rPr lang="de-AT" dirty="0" err="1">
+                <a:solidFill>
+                  <a:schemeClr val="accent6">
+                    <a:lumMod val="60000"/>
+                    <a:lumOff val="40000"/>
+                  </a:schemeClr>
+                </a:solidFill>
+              </a:rPr>
+              <a:t>Fetch</a:t>
+            </a:r>
+            <a:r>
+              <a:rPr lang="de-AT" dirty="0">
+                <a:solidFill>
+                  <a:schemeClr val="accent6">
+                    <a:lumMod val="60000"/>
+                    <a:lumOff val="40000"/>
+                  </a:schemeClr>
+                </a:solidFill>
+              </a:rPr>
+              <a:t>, Service Worker Caching</a:t>
+            </a:r>
+          </a:p>
+          <a:p>
+            <a:pPr marL="514350" indent="-514350">
+              <a:buFont typeface="+mj-lt"/>
+              <a:buAutoNum type="arabicPeriod"/>
+            </a:pPr>
+            <a:r>
+              <a:rPr lang="de-AT" dirty="0" err="1">
+                <a:solidFill>
+                  <a:schemeClr val="accent6">
+                    <a:lumMod val="60000"/>
+                    <a:lumOff val="40000"/>
+                  </a:schemeClr>
+                </a:solidFill>
+              </a:rPr>
+              <a:t>Advanced</a:t>
+            </a:r>
+            <a:r>
+              <a:rPr lang="de-AT" dirty="0">
+                <a:solidFill>
+                  <a:schemeClr val="accent6">
+                    <a:lumMod val="60000"/>
+                    <a:lumOff val="40000"/>
+                  </a:schemeClr>
+                </a:solidFill>
+              </a:rPr>
+              <a:t> Caching, </a:t>
+            </a:r>
+            <a:r>
+              <a:rPr lang="de-AT" dirty="0" err="1">
+                <a:solidFill>
+                  <a:schemeClr val="accent6">
+                    <a:lumMod val="60000"/>
+                    <a:lumOff val="40000"/>
+                  </a:schemeClr>
+                </a:solidFill>
+              </a:rPr>
+              <a:t>Indexed</a:t>
+            </a:r>
+            <a:r>
+              <a:rPr lang="de-AT" dirty="0">
+                <a:solidFill>
+                  <a:schemeClr val="accent6">
+                    <a:lumMod val="60000"/>
+                    <a:lumOff val="40000"/>
+                  </a:schemeClr>
+                </a:solidFill>
+              </a:rPr>
+              <a:t> DB </a:t>
+            </a:r>
+            <a:r>
+              <a:rPr lang="de-AT" dirty="0" err="1">
+                <a:solidFill>
+                  <a:schemeClr val="accent6">
+                    <a:lumMod val="60000"/>
+                    <a:lumOff val="40000"/>
+                  </a:schemeClr>
+                </a:solidFill>
+              </a:rPr>
+              <a:t>and</a:t>
+            </a:r>
+            <a:r>
+              <a:rPr lang="de-AT" dirty="0">
+                <a:solidFill>
+                  <a:schemeClr val="accent6">
+                    <a:lumMod val="60000"/>
+                    <a:lumOff val="40000"/>
+                  </a:schemeClr>
+                </a:solidFill>
+              </a:rPr>
+              <a:t> Dynamic Data</a:t>
+            </a:r>
+          </a:p>
+          <a:p>
+            <a:pPr marL="514350" indent="-514350">
+              <a:buFont typeface="+mj-lt"/>
+              <a:buAutoNum type="arabicPeriod"/>
+            </a:pPr>
+            <a:r>
+              <a:rPr lang="de-AT" dirty="0" err="1"/>
+              <a:t>Responsive</a:t>
+            </a:r>
+            <a:r>
+              <a:rPr lang="de-AT" dirty="0"/>
+              <a:t> UI, Background </a:t>
+            </a:r>
+            <a:r>
+              <a:rPr lang="de-AT" dirty="0" err="1"/>
+              <a:t>Sync</a:t>
+            </a:r>
+            <a:r>
+              <a:rPr lang="de-AT" dirty="0"/>
+              <a:t> </a:t>
+            </a:r>
+          </a:p>
+          <a:p>
+            <a:pPr marL="514350" indent="-514350">
+              <a:buFont typeface="+mj-lt"/>
+              <a:buAutoNum type="arabicPeriod"/>
+            </a:pPr>
+            <a:r>
+              <a:rPr lang="de-AT" dirty="0">
+                <a:solidFill>
+                  <a:schemeClr val="bg1">
+                    <a:lumMod val="85000"/>
+                  </a:schemeClr>
+                </a:solidFill>
+              </a:rPr>
+              <a:t>Web Push </a:t>
+            </a:r>
+            <a:r>
+              <a:rPr lang="de-AT" dirty="0" err="1">
+                <a:solidFill>
+                  <a:schemeClr val="bg1">
+                    <a:lumMod val="85000"/>
+                  </a:schemeClr>
+                </a:solidFill>
+              </a:rPr>
+              <a:t>Notifications</a:t>
+            </a:r>
+            <a:r>
+              <a:rPr lang="de-AT" dirty="0">
+                <a:solidFill>
+                  <a:schemeClr val="bg1">
+                    <a:lumMod val="85000"/>
+                  </a:schemeClr>
+                </a:solidFill>
+              </a:rPr>
+              <a:t> </a:t>
+            </a:r>
+          </a:p>
+          <a:p>
+            <a:pPr marL="514350" indent="-514350">
+              <a:buFont typeface="+mj-lt"/>
+              <a:buAutoNum type="arabicPeriod"/>
+            </a:pPr>
+            <a:r>
+              <a:rPr lang="de-AT" dirty="0">
+                <a:solidFill>
+                  <a:schemeClr val="bg1">
+                    <a:lumMod val="85000"/>
+                  </a:schemeClr>
+                </a:solidFill>
+              </a:rPr>
+              <a:t>Native Device Features</a:t>
+            </a:r>
+          </a:p>
+          <a:p>
+            <a:pPr marL="514350" indent="-514350">
+              <a:buFont typeface="+mj-lt"/>
+              <a:buAutoNum type="arabicPeriod"/>
+            </a:pPr>
+            <a:r>
+              <a:rPr lang="de-AT" dirty="0">
+                <a:solidFill>
+                  <a:schemeClr val="bg1">
+                    <a:lumMod val="85000"/>
+                  </a:schemeClr>
+                </a:solidFill>
+              </a:rPr>
+              <a:t>Round </a:t>
+            </a:r>
+            <a:r>
+              <a:rPr lang="de-AT" dirty="0" err="1">
+                <a:solidFill>
+                  <a:schemeClr val="bg1">
+                    <a:lumMod val="85000"/>
+                  </a:schemeClr>
+                </a:solidFill>
+              </a:rPr>
+              <a:t>Up</a:t>
+            </a:r>
+            <a:r>
+              <a:rPr lang="de-AT" dirty="0">
+                <a:solidFill>
+                  <a:schemeClr val="bg1">
+                    <a:lumMod val="85000"/>
+                  </a:schemeClr>
+                </a:solidFill>
+              </a:rPr>
+              <a:t> &amp; Quiz</a:t>
+            </a:r>
+          </a:p>
+          <a:p>
+            <a:endParaRPr lang="de-AT" dirty="0"/>
+          </a:p>
+        </p:txBody>
+      </p:sp>
+    </p:spTree>
+    <p:extLst>
+      <p:ext uri="{BB962C8B-B14F-4D97-AF65-F5344CB8AC3E}">
+        <p14:creationId xmlns:p14="http://schemas.microsoft.com/office/powerpoint/2010/main" val="1801515692"/>
+      </p:ext>
+    </p:extLst>
+  </p:cSld>
+  <p:clrMapOvr>
+    <a:masterClrMapping/>
+  </p:clrMapOvr>
+</p:sld>
+</file>
+
+<file path=ppt/slides/slide68.xml><?xml version="1.0" encoding="utf-8"?>
+<p:sld xmlns:a="http://schemas.openxmlformats.org/drawingml/2006/main" xmlns:r="http://schemas.openxmlformats.org/officeDocument/2006/relationships" xmlns:p="http://schemas.openxmlformats.org/presentationml/2006/main">
+  <p:cSld>
+    <p:spTree>
+      <p:nvGrpSpPr>
+        <p:cNvPr id="1" name=""/>
+        <p:cNvGrpSpPr/>
+        <p:nvPr/>
+      </p:nvGrpSpPr>
+      <p:grpSpPr>
+        <a:xfrm>
+          <a:off x="0" y="0"/>
+          <a:ext cx="0" cy="0"/>
+          <a:chOff x="0" y="0"/>
+          <a:chExt cx="0" cy="0"/>
+        </a:xfrm>
+      </p:grpSpPr>
+      <p:sp>
+        <p:nvSpPr>
+          <p:cNvPr id="2" name="Titel 1"/>
+          <p:cNvSpPr>
+            <a:spLocks noGrp="1"/>
+          </p:cNvSpPr>
+          <p:nvPr>
+            <p:ph type="title"/>
+          </p:nvPr>
+        </p:nvSpPr>
+        <p:spPr/>
+        <p:txBody>
+          <a:bodyPr/>
+          <a:lstStyle/>
+          <a:p>
+            <a:r>
+              <a:rPr lang="de-AT" dirty="0"/>
+              <a:t>Outline</a:t>
+            </a:r>
+          </a:p>
+        </p:txBody>
+      </p:sp>
+      <p:sp>
+        <p:nvSpPr>
+          <p:cNvPr id="3" name="Inhaltsplatzhalter 2"/>
+          <p:cNvSpPr>
+            <a:spLocks noGrp="1"/>
+          </p:cNvSpPr>
+          <p:nvPr>
+            <p:ph idx="1"/>
+          </p:nvPr>
+        </p:nvSpPr>
+        <p:spPr/>
+        <p:txBody>
+          <a:bodyPr>
+            <a:normAutofit lnSpcReduction="10000"/>
+          </a:bodyPr>
+          <a:lstStyle/>
+          <a:p>
+            <a:pPr marL="514350" indent="-514350">
+              <a:buFont typeface="+mj-lt"/>
+              <a:buAutoNum type="arabicPeriod"/>
+            </a:pPr>
+            <a:r>
+              <a:rPr lang="de-AT" dirty="0">
+                <a:solidFill>
+                  <a:schemeClr val="accent6">
+                    <a:lumMod val="60000"/>
+                    <a:lumOff val="40000"/>
+                  </a:schemeClr>
+                </a:solidFill>
+              </a:rPr>
+              <a:t>Basics</a:t>
+            </a:r>
+          </a:p>
+          <a:p>
+            <a:pPr marL="971550" lvl="1" indent="-514350">
+              <a:buFont typeface="+mj-lt"/>
+              <a:buAutoNum type="arabicPeriod"/>
+            </a:pPr>
+            <a:r>
+              <a:rPr lang="de-AT" dirty="0">
+                <a:solidFill>
+                  <a:schemeClr val="accent6">
+                    <a:lumMod val="60000"/>
+                    <a:lumOff val="40000"/>
+                  </a:schemeClr>
+                </a:solidFill>
+              </a:rPr>
+              <a:t>App Manifest </a:t>
+            </a:r>
+          </a:p>
+          <a:p>
+            <a:pPr marL="971550" lvl="1" indent="-514350">
+              <a:buFont typeface="+mj-lt"/>
+              <a:buAutoNum type="arabicPeriod"/>
+            </a:pPr>
+            <a:r>
+              <a:rPr lang="de-AT" dirty="0">
+                <a:solidFill>
+                  <a:schemeClr val="accent6">
+                    <a:lumMod val="60000"/>
+                    <a:lumOff val="40000"/>
+                  </a:schemeClr>
+                </a:solidFill>
+              </a:rPr>
+              <a:t>Service </a:t>
+            </a:r>
+            <a:r>
+              <a:rPr lang="de-AT" dirty="0" err="1">
+                <a:solidFill>
+                  <a:schemeClr val="accent6">
+                    <a:lumMod val="60000"/>
+                    <a:lumOff val="40000"/>
+                  </a:schemeClr>
+                </a:solidFill>
+              </a:rPr>
+              <a:t>Workers</a:t>
+            </a:r>
+            <a:endParaRPr lang="de-AT" dirty="0">
+              <a:solidFill>
+                <a:schemeClr val="accent6">
+                  <a:lumMod val="60000"/>
+                  <a:lumOff val="40000"/>
+                </a:schemeClr>
+              </a:solidFill>
+            </a:endParaRPr>
+          </a:p>
+          <a:p>
+            <a:pPr marL="971550" lvl="1" indent="-514350">
+              <a:buFont typeface="+mj-lt"/>
+              <a:buAutoNum type="arabicPeriod"/>
+            </a:pPr>
+            <a:r>
+              <a:rPr lang="de-AT" dirty="0">
+                <a:solidFill>
+                  <a:schemeClr val="accent6">
+                    <a:lumMod val="60000"/>
+                    <a:lumOff val="40000"/>
+                  </a:schemeClr>
+                </a:solidFill>
+              </a:rPr>
+              <a:t>Installation</a:t>
+            </a:r>
+          </a:p>
+          <a:p>
+            <a:pPr marL="514350" indent="-514350">
+              <a:buFont typeface="+mj-lt"/>
+              <a:buAutoNum type="arabicPeriod"/>
+            </a:pPr>
+            <a:r>
+              <a:rPr lang="de-AT" dirty="0" err="1">
+                <a:solidFill>
+                  <a:schemeClr val="accent6">
+                    <a:lumMod val="60000"/>
+                    <a:lumOff val="40000"/>
+                  </a:schemeClr>
+                </a:solidFill>
+              </a:rPr>
+              <a:t>Promise</a:t>
+            </a:r>
+            <a:r>
+              <a:rPr lang="de-AT" dirty="0">
+                <a:solidFill>
+                  <a:schemeClr val="accent6">
+                    <a:lumMod val="60000"/>
+                    <a:lumOff val="40000"/>
+                  </a:schemeClr>
+                </a:solidFill>
+              </a:rPr>
+              <a:t> </a:t>
+            </a:r>
+            <a:r>
+              <a:rPr lang="de-AT" dirty="0" err="1">
+                <a:solidFill>
+                  <a:schemeClr val="accent6">
+                    <a:lumMod val="60000"/>
+                    <a:lumOff val="40000"/>
+                  </a:schemeClr>
+                </a:solidFill>
+              </a:rPr>
+              <a:t>and</a:t>
+            </a:r>
+            <a:r>
+              <a:rPr lang="de-AT" dirty="0">
+                <a:solidFill>
+                  <a:schemeClr val="accent6">
+                    <a:lumMod val="60000"/>
+                    <a:lumOff val="40000"/>
+                  </a:schemeClr>
+                </a:solidFill>
+              </a:rPr>
+              <a:t> </a:t>
+            </a:r>
+            <a:r>
+              <a:rPr lang="de-AT" dirty="0" err="1">
+                <a:solidFill>
+                  <a:schemeClr val="accent6">
+                    <a:lumMod val="60000"/>
+                    <a:lumOff val="40000"/>
+                  </a:schemeClr>
+                </a:solidFill>
+              </a:rPr>
+              <a:t>Fetch</a:t>
+            </a:r>
+            <a:r>
+              <a:rPr lang="de-AT" dirty="0">
+                <a:solidFill>
+                  <a:schemeClr val="accent6">
+                    <a:lumMod val="60000"/>
+                    <a:lumOff val="40000"/>
+                  </a:schemeClr>
+                </a:solidFill>
+              </a:rPr>
+              <a:t>, Service Worker Caching</a:t>
+            </a:r>
+          </a:p>
+          <a:p>
+            <a:pPr marL="514350" indent="-514350">
+              <a:buFont typeface="+mj-lt"/>
+              <a:buAutoNum type="arabicPeriod"/>
+            </a:pPr>
+            <a:r>
+              <a:rPr lang="de-AT" dirty="0" err="1">
+                <a:solidFill>
+                  <a:schemeClr val="accent6">
+                    <a:lumMod val="60000"/>
+                    <a:lumOff val="40000"/>
+                  </a:schemeClr>
+                </a:solidFill>
+              </a:rPr>
+              <a:t>Advanced</a:t>
+            </a:r>
+            <a:r>
+              <a:rPr lang="de-AT" dirty="0">
+                <a:solidFill>
+                  <a:schemeClr val="accent6">
+                    <a:lumMod val="60000"/>
+                    <a:lumOff val="40000"/>
+                  </a:schemeClr>
+                </a:solidFill>
+              </a:rPr>
+              <a:t> Caching, </a:t>
+            </a:r>
+            <a:r>
+              <a:rPr lang="de-AT" dirty="0" err="1">
+                <a:solidFill>
+                  <a:schemeClr val="accent6">
+                    <a:lumMod val="60000"/>
+                    <a:lumOff val="40000"/>
+                  </a:schemeClr>
+                </a:solidFill>
+              </a:rPr>
+              <a:t>Indexed</a:t>
+            </a:r>
+            <a:r>
+              <a:rPr lang="de-AT" dirty="0">
+                <a:solidFill>
+                  <a:schemeClr val="accent6">
+                    <a:lumMod val="60000"/>
+                    <a:lumOff val="40000"/>
+                  </a:schemeClr>
+                </a:solidFill>
+              </a:rPr>
+              <a:t> DB </a:t>
+            </a:r>
+            <a:r>
+              <a:rPr lang="de-AT" dirty="0" err="1">
+                <a:solidFill>
+                  <a:schemeClr val="accent6">
+                    <a:lumMod val="60000"/>
+                    <a:lumOff val="40000"/>
+                  </a:schemeClr>
+                </a:solidFill>
+              </a:rPr>
+              <a:t>and</a:t>
+            </a:r>
+            <a:r>
+              <a:rPr lang="de-AT" dirty="0">
+                <a:solidFill>
+                  <a:schemeClr val="accent6">
+                    <a:lumMod val="60000"/>
+                    <a:lumOff val="40000"/>
+                  </a:schemeClr>
+                </a:solidFill>
+              </a:rPr>
+              <a:t> Dynamic Data</a:t>
+            </a:r>
+          </a:p>
+          <a:p>
+            <a:pPr marL="514350" indent="-514350">
+              <a:buFont typeface="+mj-lt"/>
+              <a:buAutoNum type="arabicPeriod"/>
+            </a:pPr>
+            <a:r>
+              <a:rPr lang="de-AT" dirty="0" err="1">
+                <a:solidFill>
+                  <a:schemeClr val="accent6">
+                    <a:lumMod val="60000"/>
+                    <a:lumOff val="40000"/>
+                  </a:schemeClr>
+                </a:solidFill>
+              </a:rPr>
+              <a:t>Responsive</a:t>
+            </a:r>
+            <a:r>
+              <a:rPr lang="de-AT" dirty="0">
+                <a:solidFill>
+                  <a:schemeClr val="accent6">
+                    <a:lumMod val="60000"/>
+                    <a:lumOff val="40000"/>
+                  </a:schemeClr>
+                </a:solidFill>
+              </a:rPr>
+              <a:t> UI, Background </a:t>
+            </a:r>
+            <a:r>
+              <a:rPr lang="de-AT" dirty="0" err="1">
+                <a:solidFill>
+                  <a:schemeClr val="accent6">
+                    <a:lumMod val="60000"/>
+                    <a:lumOff val="40000"/>
+                  </a:schemeClr>
+                </a:solidFill>
+              </a:rPr>
+              <a:t>Sync</a:t>
+            </a:r>
+            <a:r>
+              <a:rPr lang="de-AT" dirty="0">
+                <a:solidFill>
+                  <a:schemeClr val="accent6">
+                    <a:lumMod val="60000"/>
+                    <a:lumOff val="40000"/>
+                  </a:schemeClr>
+                </a:solidFill>
+              </a:rPr>
+              <a:t> </a:t>
+            </a:r>
+          </a:p>
+          <a:p>
+            <a:pPr marL="514350" indent="-514350">
+              <a:buFont typeface="+mj-lt"/>
+              <a:buAutoNum type="arabicPeriod"/>
+            </a:pPr>
+            <a:r>
+              <a:rPr lang="de-AT" dirty="0"/>
+              <a:t>Web Push </a:t>
+            </a:r>
+            <a:r>
+              <a:rPr lang="de-AT" dirty="0" err="1"/>
+              <a:t>Notifications</a:t>
+            </a:r>
+            <a:r>
+              <a:rPr lang="de-AT" dirty="0"/>
+              <a:t> </a:t>
+            </a:r>
+          </a:p>
+          <a:p>
+            <a:pPr marL="514350" indent="-514350">
+              <a:buFont typeface="+mj-lt"/>
+              <a:buAutoNum type="arabicPeriod"/>
+            </a:pPr>
+            <a:r>
+              <a:rPr lang="de-AT" dirty="0">
+                <a:solidFill>
+                  <a:schemeClr val="bg1">
+                    <a:lumMod val="85000"/>
+                  </a:schemeClr>
+                </a:solidFill>
+              </a:rPr>
+              <a:t>Native Device Features</a:t>
+            </a:r>
+          </a:p>
+          <a:p>
+            <a:pPr marL="514350" indent="-514350">
+              <a:buFont typeface="+mj-lt"/>
+              <a:buAutoNum type="arabicPeriod"/>
+            </a:pPr>
+            <a:r>
+              <a:rPr lang="de-AT" dirty="0">
+                <a:solidFill>
+                  <a:schemeClr val="bg1">
+                    <a:lumMod val="85000"/>
+                  </a:schemeClr>
+                </a:solidFill>
+              </a:rPr>
+              <a:t>Round </a:t>
+            </a:r>
+            <a:r>
+              <a:rPr lang="de-AT" dirty="0" err="1">
+                <a:solidFill>
+                  <a:schemeClr val="bg1">
+                    <a:lumMod val="85000"/>
+                  </a:schemeClr>
+                </a:solidFill>
+              </a:rPr>
+              <a:t>Up</a:t>
+            </a:r>
+            <a:r>
+              <a:rPr lang="de-AT" dirty="0">
+                <a:solidFill>
+                  <a:schemeClr val="bg1">
+                    <a:lumMod val="85000"/>
+                  </a:schemeClr>
+                </a:solidFill>
+              </a:rPr>
+              <a:t> &amp; Quiz</a:t>
+            </a:r>
+          </a:p>
+          <a:p>
+            <a:endParaRPr lang="de-AT" dirty="0"/>
+          </a:p>
+        </p:txBody>
+      </p:sp>
+    </p:spTree>
+    <p:extLst>
+      <p:ext uri="{BB962C8B-B14F-4D97-AF65-F5344CB8AC3E}">
+        <p14:creationId xmlns:p14="http://schemas.microsoft.com/office/powerpoint/2010/main" val="2621541282"/>
+      </p:ext>
+    </p:extLst>
+  </p:cSld>
+  <p:clrMapOvr>
+    <a:masterClrMapping/>
+  </p:clrMapOvr>
+</p:sld>
+</file>
+
+<file path=ppt/slides/slide69.xml><?xml version="1.0" encoding="utf-8"?>
+<p:sld xmlns:a="http://schemas.openxmlformats.org/drawingml/2006/main" xmlns:r="http://schemas.openxmlformats.org/officeDocument/2006/relationships" xmlns:p="http://schemas.openxmlformats.org/presentationml/2006/main">
+  <p:cSld>
+    <p:spTree>
+      <p:nvGrpSpPr>
+        <p:cNvPr id="1" name=""/>
+        <p:cNvGrpSpPr/>
+        <p:nvPr/>
+      </p:nvGrpSpPr>
+      <p:grpSpPr>
+        <a:xfrm>
+          <a:off x="0" y="0"/>
+          <a:ext cx="0" cy="0"/>
+          <a:chOff x="0" y="0"/>
+          <a:chExt cx="0" cy="0"/>
+        </a:xfrm>
+      </p:grpSpPr>
+      <p:sp>
+        <p:nvSpPr>
+          <p:cNvPr id="2" name="Titel 1"/>
+          <p:cNvSpPr>
+            <a:spLocks noGrp="1"/>
+          </p:cNvSpPr>
+          <p:nvPr>
+            <p:ph type="title"/>
+          </p:nvPr>
+        </p:nvSpPr>
+        <p:spPr/>
+        <p:txBody>
+          <a:bodyPr/>
+          <a:lstStyle/>
+          <a:p>
+            <a:r>
+              <a:rPr lang="de-AT" dirty="0"/>
+              <a:t>Outline</a:t>
+            </a:r>
+          </a:p>
+        </p:txBody>
+      </p:sp>
+      <p:sp>
+        <p:nvSpPr>
+          <p:cNvPr id="3" name="Inhaltsplatzhalter 2"/>
+          <p:cNvSpPr>
+            <a:spLocks noGrp="1"/>
+          </p:cNvSpPr>
+          <p:nvPr>
+            <p:ph idx="1"/>
+          </p:nvPr>
+        </p:nvSpPr>
+        <p:spPr/>
+        <p:txBody>
+          <a:bodyPr>
+            <a:normAutofit lnSpcReduction="10000"/>
+          </a:bodyPr>
+          <a:lstStyle/>
+          <a:p>
+            <a:pPr marL="514350" indent="-514350">
+              <a:buFont typeface="+mj-lt"/>
+              <a:buAutoNum type="arabicPeriod"/>
+            </a:pPr>
+            <a:r>
+              <a:rPr lang="de-AT" dirty="0">
+                <a:solidFill>
+                  <a:schemeClr val="accent6">
+                    <a:lumMod val="60000"/>
+                    <a:lumOff val="40000"/>
+                  </a:schemeClr>
+                </a:solidFill>
+              </a:rPr>
+              <a:t>Basics</a:t>
+            </a:r>
+          </a:p>
+          <a:p>
+            <a:pPr marL="971550" lvl="1" indent="-514350">
+              <a:buFont typeface="+mj-lt"/>
+              <a:buAutoNum type="arabicPeriod"/>
+            </a:pPr>
+            <a:r>
+              <a:rPr lang="de-AT" dirty="0">
+                <a:solidFill>
+                  <a:schemeClr val="accent6">
+                    <a:lumMod val="60000"/>
+                    <a:lumOff val="40000"/>
+                  </a:schemeClr>
+                </a:solidFill>
+              </a:rPr>
+              <a:t>App Manifest </a:t>
+            </a:r>
+          </a:p>
+          <a:p>
+            <a:pPr marL="971550" lvl="1" indent="-514350">
+              <a:buFont typeface="+mj-lt"/>
+              <a:buAutoNum type="arabicPeriod"/>
+            </a:pPr>
+            <a:r>
+              <a:rPr lang="de-AT" dirty="0">
+                <a:solidFill>
+                  <a:schemeClr val="accent6">
+                    <a:lumMod val="60000"/>
+                    <a:lumOff val="40000"/>
+                  </a:schemeClr>
+                </a:solidFill>
+              </a:rPr>
+              <a:t>Service </a:t>
+            </a:r>
+            <a:r>
+              <a:rPr lang="de-AT" dirty="0" err="1">
+                <a:solidFill>
+                  <a:schemeClr val="accent6">
+                    <a:lumMod val="60000"/>
+                    <a:lumOff val="40000"/>
+                  </a:schemeClr>
+                </a:solidFill>
+              </a:rPr>
+              <a:t>Workers</a:t>
+            </a:r>
+            <a:endParaRPr lang="de-AT" dirty="0">
+              <a:solidFill>
+                <a:schemeClr val="accent6">
+                  <a:lumMod val="60000"/>
+                  <a:lumOff val="40000"/>
+                </a:schemeClr>
+              </a:solidFill>
+            </a:endParaRPr>
+          </a:p>
+          <a:p>
+            <a:pPr marL="971550" lvl="1" indent="-514350">
+              <a:buFont typeface="+mj-lt"/>
+              <a:buAutoNum type="arabicPeriod"/>
+            </a:pPr>
+            <a:r>
+              <a:rPr lang="de-AT" dirty="0">
+                <a:solidFill>
+                  <a:schemeClr val="accent6">
+                    <a:lumMod val="60000"/>
+                    <a:lumOff val="40000"/>
+                  </a:schemeClr>
+                </a:solidFill>
+              </a:rPr>
+              <a:t>Installation</a:t>
+            </a:r>
+          </a:p>
+          <a:p>
+            <a:pPr marL="514350" indent="-514350">
+              <a:buFont typeface="+mj-lt"/>
+              <a:buAutoNum type="arabicPeriod"/>
+            </a:pPr>
+            <a:r>
+              <a:rPr lang="de-AT" dirty="0" err="1">
+                <a:solidFill>
+                  <a:schemeClr val="accent6">
+                    <a:lumMod val="60000"/>
+                    <a:lumOff val="40000"/>
+                  </a:schemeClr>
+                </a:solidFill>
+              </a:rPr>
+              <a:t>Promise</a:t>
+            </a:r>
+            <a:r>
+              <a:rPr lang="de-AT" dirty="0">
+                <a:solidFill>
+                  <a:schemeClr val="accent6">
+                    <a:lumMod val="60000"/>
+                    <a:lumOff val="40000"/>
+                  </a:schemeClr>
+                </a:solidFill>
+              </a:rPr>
+              <a:t> </a:t>
+            </a:r>
+            <a:r>
+              <a:rPr lang="de-AT" dirty="0" err="1">
+                <a:solidFill>
+                  <a:schemeClr val="accent6">
+                    <a:lumMod val="60000"/>
+                    <a:lumOff val="40000"/>
+                  </a:schemeClr>
+                </a:solidFill>
+              </a:rPr>
+              <a:t>and</a:t>
+            </a:r>
+            <a:r>
+              <a:rPr lang="de-AT" dirty="0">
+                <a:solidFill>
+                  <a:schemeClr val="accent6">
+                    <a:lumMod val="60000"/>
+                    <a:lumOff val="40000"/>
+                  </a:schemeClr>
+                </a:solidFill>
+              </a:rPr>
+              <a:t> </a:t>
+            </a:r>
+            <a:r>
+              <a:rPr lang="de-AT" dirty="0" err="1">
+                <a:solidFill>
+                  <a:schemeClr val="accent6">
+                    <a:lumMod val="60000"/>
+                    <a:lumOff val="40000"/>
+                  </a:schemeClr>
+                </a:solidFill>
+              </a:rPr>
+              <a:t>Fetch</a:t>
+            </a:r>
+            <a:r>
+              <a:rPr lang="de-AT" dirty="0">
+                <a:solidFill>
+                  <a:schemeClr val="accent6">
+                    <a:lumMod val="60000"/>
+                    <a:lumOff val="40000"/>
+                  </a:schemeClr>
+                </a:solidFill>
+              </a:rPr>
+              <a:t>, Service Worker Caching</a:t>
+            </a:r>
+          </a:p>
+          <a:p>
+            <a:pPr marL="514350" indent="-514350">
+              <a:buFont typeface="+mj-lt"/>
+              <a:buAutoNum type="arabicPeriod"/>
+            </a:pPr>
+            <a:r>
+              <a:rPr lang="de-AT" dirty="0" err="1">
+                <a:solidFill>
+                  <a:schemeClr val="accent6">
+                    <a:lumMod val="60000"/>
+                    <a:lumOff val="40000"/>
+                  </a:schemeClr>
+                </a:solidFill>
+              </a:rPr>
+              <a:t>Advanced</a:t>
+            </a:r>
+            <a:r>
+              <a:rPr lang="de-AT" dirty="0">
+                <a:solidFill>
+                  <a:schemeClr val="accent6">
+                    <a:lumMod val="60000"/>
+                    <a:lumOff val="40000"/>
+                  </a:schemeClr>
+                </a:solidFill>
+              </a:rPr>
+              <a:t> Caching, </a:t>
+            </a:r>
+            <a:r>
+              <a:rPr lang="de-AT" dirty="0" err="1">
+                <a:solidFill>
+                  <a:schemeClr val="accent6">
+                    <a:lumMod val="60000"/>
+                    <a:lumOff val="40000"/>
+                  </a:schemeClr>
+                </a:solidFill>
+              </a:rPr>
+              <a:t>Indexed</a:t>
+            </a:r>
+            <a:r>
+              <a:rPr lang="de-AT" dirty="0">
+                <a:solidFill>
+                  <a:schemeClr val="accent6">
+                    <a:lumMod val="60000"/>
+                    <a:lumOff val="40000"/>
+                  </a:schemeClr>
+                </a:solidFill>
+              </a:rPr>
+              <a:t> DB </a:t>
+            </a:r>
+            <a:r>
+              <a:rPr lang="de-AT" dirty="0" err="1">
+                <a:solidFill>
+                  <a:schemeClr val="accent6">
+                    <a:lumMod val="60000"/>
+                    <a:lumOff val="40000"/>
+                  </a:schemeClr>
+                </a:solidFill>
+              </a:rPr>
+              <a:t>and</a:t>
+            </a:r>
+            <a:r>
+              <a:rPr lang="de-AT" dirty="0">
+                <a:solidFill>
+                  <a:schemeClr val="accent6">
+                    <a:lumMod val="60000"/>
+                    <a:lumOff val="40000"/>
+                  </a:schemeClr>
+                </a:solidFill>
+              </a:rPr>
+              <a:t> Dynamic Data</a:t>
+            </a:r>
+          </a:p>
+          <a:p>
+            <a:pPr marL="514350" indent="-514350">
+              <a:buFont typeface="+mj-lt"/>
+              <a:buAutoNum type="arabicPeriod"/>
+            </a:pPr>
+            <a:r>
+              <a:rPr lang="de-AT" dirty="0" err="1">
+                <a:solidFill>
+                  <a:schemeClr val="accent6">
+                    <a:lumMod val="60000"/>
+                    <a:lumOff val="40000"/>
+                  </a:schemeClr>
+                </a:solidFill>
+              </a:rPr>
+              <a:t>Responsive</a:t>
+            </a:r>
+            <a:r>
+              <a:rPr lang="de-AT" dirty="0">
+                <a:solidFill>
+                  <a:schemeClr val="accent6">
+                    <a:lumMod val="60000"/>
+                    <a:lumOff val="40000"/>
+                  </a:schemeClr>
+                </a:solidFill>
+              </a:rPr>
+              <a:t> UI, Background </a:t>
+            </a:r>
+            <a:r>
+              <a:rPr lang="de-AT" dirty="0" err="1">
+                <a:solidFill>
+                  <a:schemeClr val="accent6">
+                    <a:lumMod val="60000"/>
+                    <a:lumOff val="40000"/>
+                  </a:schemeClr>
+                </a:solidFill>
+              </a:rPr>
+              <a:t>Sync</a:t>
+            </a:r>
+            <a:r>
+              <a:rPr lang="de-AT" dirty="0">
+                <a:solidFill>
+                  <a:schemeClr val="accent6">
+                    <a:lumMod val="60000"/>
+                    <a:lumOff val="40000"/>
+                  </a:schemeClr>
+                </a:solidFill>
+              </a:rPr>
+              <a:t> </a:t>
+            </a:r>
+          </a:p>
+          <a:p>
+            <a:pPr marL="514350" indent="-514350">
+              <a:buFont typeface="+mj-lt"/>
+              <a:buAutoNum type="arabicPeriod"/>
+            </a:pPr>
+            <a:r>
+              <a:rPr lang="de-AT" dirty="0">
+                <a:solidFill>
+                  <a:schemeClr val="accent6">
+                    <a:lumMod val="60000"/>
+                    <a:lumOff val="40000"/>
+                  </a:schemeClr>
+                </a:solidFill>
+              </a:rPr>
+              <a:t>Web Push </a:t>
+            </a:r>
+            <a:r>
+              <a:rPr lang="de-AT" dirty="0" err="1">
+                <a:solidFill>
+                  <a:schemeClr val="accent6">
+                    <a:lumMod val="60000"/>
+                    <a:lumOff val="40000"/>
+                  </a:schemeClr>
+                </a:solidFill>
+              </a:rPr>
+              <a:t>Notifications</a:t>
+            </a:r>
+            <a:r>
+              <a:rPr lang="de-AT" dirty="0">
+                <a:solidFill>
+                  <a:schemeClr val="accent6">
+                    <a:lumMod val="60000"/>
+                    <a:lumOff val="40000"/>
+                  </a:schemeClr>
+                </a:solidFill>
+              </a:rPr>
+              <a:t> </a:t>
+            </a:r>
+          </a:p>
+          <a:p>
+            <a:pPr marL="514350" indent="-514350">
+              <a:buFont typeface="+mj-lt"/>
+              <a:buAutoNum type="arabicPeriod"/>
+            </a:pPr>
+            <a:r>
+              <a:rPr lang="de-AT" dirty="0"/>
+              <a:t>Native Device Features</a:t>
+            </a:r>
+          </a:p>
+          <a:p>
+            <a:pPr marL="514350" indent="-514350">
+              <a:buFont typeface="+mj-lt"/>
+              <a:buAutoNum type="arabicPeriod"/>
+            </a:pPr>
+            <a:r>
+              <a:rPr lang="de-AT" dirty="0">
+                <a:solidFill>
+                  <a:schemeClr val="bg1">
+                    <a:lumMod val="85000"/>
+                  </a:schemeClr>
+                </a:solidFill>
+              </a:rPr>
+              <a:t>Round </a:t>
+            </a:r>
+            <a:r>
+              <a:rPr lang="de-AT" dirty="0" err="1">
+                <a:solidFill>
+                  <a:schemeClr val="bg1">
+                    <a:lumMod val="85000"/>
+                  </a:schemeClr>
+                </a:solidFill>
+              </a:rPr>
+              <a:t>Up</a:t>
+            </a:r>
+            <a:r>
+              <a:rPr lang="de-AT" dirty="0">
+                <a:solidFill>
+                  <a:schemeClr val="bg1">
+                    <a:lumMod val="85000"/>
+                  </a:schemeClr>
+                </a:solidFill>
+              </a:rPr>
+              <a:t> &amp; Quiz</a:t>
+            </a:r>
+          </a:p>
+          <a:p>
+            <a:endParaRPr lang="de-AT" dirty="0"/>
+          </a:p>
+        </p:txBody>
+      </p:sp>
+    </p:spTree>
+    <p:extLst>
+      <p:ext uri="{BB962C8B-B14F-4D97-AF65-F5344CB8AC3E}">
+        <p14:creationId xmlns:p14="http://schemas.microsoft.com/office/powerpoint/2010/main" val="1796238282"/>
       </p:ext>
     </p:extLst>
   </p:cSld>
@@ -22750,6 +27530,598 @@
 </p:sld>
 </file>
 
+<file path=ppt/slides/slide70.xml><?xml version="1.0" encoding="utf-8"?>
+<p:sld xmlns:a="http://schemas.openxmlformats.org/drawingml/2006/main" xmlns:r="http://schemas.openxmlformats.org/officeDocument/2006/relationships" xmlns:p="http://schemas.openxmlformats.org/presentationml/2006/main">
+  <p:cSld>
+    <p:spTree>
+      <p:nvGrpSpPr>
+        <p:cNvPr id="1" name=""/>
+        <p:cNvGrpSpPr/>
+        <p:nvPr/>
+      </p:nvGrpSpPr>
+      <p:grpSpPr>
+        <a:xfrm>
+          <a:off x="0" y="0"/>
+          <a:ext cx="0" cy="0"/>
+          <a:chOff x="0" y="0"/>
+          <a:chExt cx="0" cy="0"/>
+        </a:xfrm>
+      </p:grpSpPr>
+      <p:sp>
+        <p:nvSpPr>
+          <p:cNvPr id="2" name="Titel 1"/>
+          <p:cNvSpPr>
+            <a:spLocks noGrp="1"/>
+          </p:cNvSpPr>
+          <p:nvPr>
+            <p:ph type="title"/>
+          </p:nvPr>
+        </p:nvSpPr>
+        <p:spPr/>
+        <p:txBody>
+          <a:bodyPr/>
+          <a:lstStyle/>
+          <a:p>
+            <a:r>
+              <a:rPr lang="de-AT" dirty="0"/>
+              <a:t>Outline</a:t>
+            </a:r>
+          </a:p>
+        </p:txBody>
+      </p:sp>
+      <p:sp>
+        <p:nvSpPr>
+          <p:cNvPr id="3" name="Inhaltsplatzhalter 2"/>
+          <p:cNvSpPr>
+            <a:spLocks noGrp="1"/>
+          </p:cNvSpPr>
+          <p:nvPr>
+            <p:ph idx="1"/>
+          </p:nvPr>
+        </p:nvSpPr>
+        <p:spPr/>
+        <p:txBody>
+          <a:bodyPr>
+            <a:normAutofit lnSpcReduction="10000"/>
+          </a:bodyPr>
+          <a:lstStyle/>
+          <a:p>
+            <a:pPr marL="514350" indent="-514350">
+              <a:buFont typeface="+mj-lt"/>
+              <a:buAutoNum type="arabicPeriod"/>
+            </a:pPr>
+            <a:r>
+              <a:rPr lang="de-AT" dirty="0">
+                <a:solidFill>
+                  <a:schemeClr val="accent6">
+                    <a:lumMod val="60000"/>
+                    <a:lumOff val="40000"/>
+                  </a:schemeClr>
+                </a:solidFill>
+              </a:rPr>
+              <a:t>Basics</a:t>
+            </a:r>
+          </a:p>
+          <a:p>
+            <a:pPr marL="971550" lvl="1" indent="-514350">
+              <a:buFont typeface="+mj-lt"/>
+              <a:buAutoNum type="arabicPeriod"/>
+            </a:pPr>
+            <a:r>
+              <a:rPr lang="de-AT" dirty="0">
+                <a:solidFill>
+                  <a:schemeClr val="accent6">
+                    <a:lumMod val="60000"/>
+                    <a:lumOff val="40000"/>
+                  </a:schemeClr>
+                </a:solidFill>
+              </a:rPr>
+              <a:t>App Manifest </a:t>
+            </a:r>
+          </a:p>
+          <a:p>
+            <a:pPr marL="971550" lvl="1" indent="-514350">
+              <a:buFont typeface="+mj-lt"/>
+              <a:buAutoNum type="arabicPeriod"/>
+            </a:pPr>
+            <a:r>
+              <a:rPr lang="de-AT" dirty="0">
+                <a:solidFill>
+                  <a:schemeClr val="accent6">
+                    <a:lumMod val="60000"/>
+                    <a:lumOff val="40000"/>
+                  </a:schemeClr>
+                </a:solidFill>
+              </a:rPr>
+              <a:t>Service </a:t>
+            </a:r>
+            <a:r>
+              <a:rPr lang="de-AT" dirty="0" err="1">
+                <a:solidFill>
+                  <a:schemeClr val="accent6">
+                    <a:lumMod val="60000"/>
+                    <a:lumOff val="40000"/>
+                  </a:schemeClr>
+                </a:solidFill>
+              </a:rPr>
+              <a:t>Workers</a:t>
+            </a:r>
+            <a:endParaRPr lang="de-AT" dirty="0">
+              <a:solidFill>
+                <a:schemeClr val="accent6">
+                  <a:lumMod val="60000"/>
+                  <a:lumOff val="40000"/>
+                </a:schemeClr>
+              </a:solidFill>
+            </a:endParaRPr>
+          </a:p>
+          <a:p>
+            <a:pPr marL="971550" lvl="1" indent="-514350">
+              <a:buFont typeface="+mj-lt"/>
+              <a:buAutoNum type="arabicPeriod"/>
+            </a:pPr>
+            <a:r>
+              <a:rPr lang="de-AT" dirty="0">
+                <a:solidFill>
+                  <a:schemeClr val="accent6">
+                    <a:lumMod val="60000"/>
+                    <a:lumOff val="40000"/>
+                  </a:schemeClr>
+                </a:solidFill>
+              </a:rPr>
+              <a:t>Installation</a:t>
+            </a:r>
+          </a:p>
+          <a:p>
+            <a:pPr marL="514350" indent="-514350">
+              <a:buFont typeface="+mj-lt"/>
+              <a:buAutoNum type="arabicPeriod"/>
+            </a:pPr>
+            <a:r>
+              <a:rPr lang="de-AT" dirty="0" err="1">
+                <a:solidFill>
+                  <a:schemeClr val="accent6">
+                    <a:lumMod val="60000"/>
+                    <a:lumOff val="40000"/>
+                  </a:schemeClr>
+                </a:solidFill>
+              </a:rPr>
+              <a:t>Promise</a:t>
+            </a:r>
+            <a:r>
+              <a:rPr lang="de-AT" dirty="0">
+                <a:solidFill>
+                  <a:schemeClr val="accent6">
+                    <a:lumMod val="60000"/>
+                    <a:lumOff val="40000"/>
+                  </a:schemeClr>
+                </a:solidFill>
+              </a:rPr>
+              <a:t> </a:t>
+            </a:r>
+            <a:r>
+              <a:rPr lang="de-AT" dirty="0" err="1">
+                <a:solidFill>
+                  <a:schemeClr val="accent6">
+                    <a:lumMod val="60000"/>
+                    <a:lumOff val="40000"/>
+                  </a:schemeClr>
+                </a:solidFill>
+              </a:rPr>
+              <a:t>and</a:t>
+            </a:r>
+            <a:r>
+              <a:rPr lang="de-AT" dirty="0">
+                <a:solidFill>
+                  <a:schemeClr val="accent6">
+                    <a:lumMod val="60000"/>
+                    <a:lumOff val="40000"/>
+                  </a:schemeClr>
+                </a:solidFill>
+              </a:rPr>
+              <a:t> </a:t>
+            </a:r>
+            <a:r>
+              <a:rPr lang="de-AT" dirty="0" err="1">
+                <a:solidFill>
+                  <a:schemeClr val="accent6">
+                    <a:lumMod val="60000"/>
+                    <a:lumOff val="40000"/>
+                  </a:schemeClr>
+                </a:solidFill>
+              </a:rPr>
+              <a:t>Fetch</a:t>
+            </a:r>
+            <a:r>
+              <a:rPr lang="de-AT" dirty="0">
+                <a:solidFill>
+                  <a:schemeClr val="accent6">
+                    <a:lumMod val="60000"/>
+                    <a:lumOff val="40000"/>
+                  </a:schemeClr>
+                </a:solidFill>
+              </a:rPr>
+              <a:t>, Service Worker Caching</a:t>
+            </a:r>
+          </a:p>
+          <a:p>
+            <a:pPr marL="514350" indent="-514350">
+              <a:buFont typeface="+mj-lt"/>
+              <a:buAutoNum type="arabicPeriod"/>
+            </a:pPr>
+            <a:r>
+              <a:rPr lang="de-AT" dirty="0" err="1">
+                <a:solidFill>
+                  <a:schemeClr val="accent6">
+                    <a:lumMod val="60000"/>
+                    <a:lumOff val="40000"/>
+                  </a:schemeClr>
+                </a:solidFill>
+              </a:rPr>
+              <a:t>Advanced</a:t>
+            </a:r>
+            <a:r>
+              <a:rPr lang="de-AT" dirty="0">
+                <a:solidFill>
+                  <a:schemeClr val="accent6">
+                    <a:lumMod val="60000"/>
+                    <a:lumOff val="40000"/>
+                  </a:schemeClr>
+                </a:solidFill>
+              </a:rPr>
+              <a:t> Caching, </a:t>
+            </a:r>
+            <a:r>
+              <a:rPr lang="de-AT" dirty="0" err="1">
+                <a:solidFill>
+                  <a:schemeClr val="accent6">
+                    <a:lumMod val="60000"/>
+                    <a:lumOff val="40000"/>
+                  </a:schemeClr>
+                </a:solidFill>
+              </a:rPr>
+              <a:t>Indexed</a:t>
+            </a:r>
+            <a:r>
+              <a:rPr lang="de-AT" dirty="0">
+                <a:solidFill>
+                  <a:schemeClr val="accent6">
+                    <a:lumMod val="60000"/>
+                    <a:lumOff val="40000"/>
+                  </a:schemeClr>
+                </a:solidFill>
+              </a:rPr>
+              <a:t> DB </a:t>
+            </a:r>
+            <a:r>
+              <a:rPr lang="de-AT" dirty="0" err="1">
+                <a:solidFill>
+                  <a:schemeClr val="accent6">
+                    <a:lumMod val="60000"/>
+                    <a:lumOff val="40000"/>
+                  </a:schemeClr>
+                </a:solidFill>
+              </a:rPr>
+              <a:t>and</a:t>
+            </a:r>
+            <a:r>
+              <a:rPr lang="de-AT" dirty="0">
+                <a:solidFill>
+                  <a:schemeClr val="accent6">
+                    <a:lumMod val="60000"/>
+                    <a:lumOff val="40000"/>
+                  </a:schemeClr>
+                </a:solidFill>
+              </a:rPr>
+              <a:t> Dynamic Data</a:t>
+            </a:r>
+          </a:p>
+          <a:p>
+            <a:pPr marL="514350" indent="-514350">
+              <a:buFont typeface="+mj-lt"/>
+              <a:buAutoNum type="arabicPeriod"/>
+            </a:pPr>
+            <a:r>
+              <a:rPr lang="de-AT" dirty="0" err="1">
+                <a:solidFill>
+                  <a:schemeClr val="accent6">
+                    <a:lumMod val="60000"/>
+                    <a:lumOff val="40000"/>
+                  </a:schemeClr>
+                </a:solidFill>
+              </a:rPr>
+              <a:t>Responsive</a:t>
+            </a:r>
+            <a:r>
+              <a:rPr lang="de-AT" dirty="0">
+                <a:solidFill>
+                  <a:schemeClr val="accent6">
+                    <a:lumMod val="60000"/>
+                    <a:lumOff val="40000"/>
+                  </a:schemeClr>
+                </a:solidFill>
+              </a:rPr>
+              <a:t> UI, Background </a:t>
+            </a:r>
+            <a:r>
+              <a:rPr lang="de-AT" dirty="0" err="1">
+                <a:solidFill>
+                  <a:schemeClr val="accent6">
+                    <a:lumMod val="60000"/>
+                    <a:lumOff val="40000"/>
+                  </a:schemeClr>
+                </a:solidFill>
+              </a:rPr>
+              <a:t>Sync</a:t>
+            </a:r>
+            <a:r>
+              <a:rPr lang="de-AT" dirty="0">
+                <a:solidFill>
+                  <a:schemeClr val="accent6">
+                    <a:lumMod val="60000"/>
+                    <a:lumOff val="40000"/>
+                  </a:schemeClr>
+                </a:solidFill>
+              </a:rPr>
+              <a:t> </a:t>
+            </a:r>
+          </a:p>
+          <a:p>
+            <a:pPr marL="514350" indent="-514350">
+              <a:buFont typeface="+mj-lt"/>
+              <a:buAutoNum type="arabicPeriod"/>
+            </a:pPr>
+            <a:r>
+              <a:rPr lang="de-AT" dirty="0">
+                <a:solidFill>
+                  <a:schemeClr val="accent6">
+                    <a:lumMod val="60000"/>
+                    <a:lumOff val="40000"/>
+                  </a:schemeClr>
+                </a:solidFill>
+              </a:rPr>
+              <a:t>Web Push </a:t>
+            </a:r>
+            <a:r>
+              <a:rPr lang="de-AT" dirty="0" err="1">
+                <a:solidFill>
+                  <a:schemeClr val="accent6">
+                    <a:lumMod val="60000"/>
+                    <a:lumOff val="40000"/>
+                  </a:schemeClr>
+                </a:solidFill>
+              </a:rPr>
+              <a:t>Notifications</a:t>
+            </a:r>
+            <a:r>
+              <a:rPr lang="de-AT" dirty="0">
+                <a:solidFill>
+                  <a:schemeClr val="accent6">
+                    <a:lumMod val="60000"/>
+                    <a:lumOff val="40000"/>
+                  </a:schemeClr>
+                </a:solidFill>
+              </a:rPr>
+              <a:t> </a:t>
+            </a:r>
+          </a:p>
+          <a:p>
+            <a:pPr marL="514350" indent="-514350">
+              <a:buFont typeface="+mj-lt"/>
+              <a:buAutoNum type="arabicPeriod"/>
+            </a:pPr>
+            <a:r>
+              <a:rPr lang="de-AT" dirty="0">
+                <a:solidFill>
+                  <a:schemeClr val="accent6">
+                    <a:lumMod val="60000"/>
+                    <a:lumOff val="40000"/>
+                  </a:schemeClr>
+                </a:solidFill>
+              </a:rPr>
+              <a:t>Native Device Features</a:t>
+            </a:r>
+          </a:p>
+          <a:p>
+            <a:pPr marL="514350" indent="-514350">
+              <a:buFont typeface="+mj-lt"/>
+              <a:buAutoNum type="arabicPeriod"/>
+            </a:pPr>
+            <a:r>
+              <a:rPr lang="de-AT" dirty="0"/>
+              <a:t>Round </a:t>
+            </a:r>
+            <a:r>
+              <a:rPr lang="de-AT" dirty="0" err="1"/>
+              <a:t>Up</a:t>
+            </a:r>
+            <a:r>
+              <a:rPr lang="de-AT" dirty="0"/>
+              <a:t> &amp; Quiz</a:t>
+            </a:r>
+          </a:p>
+          <a:p>
+            <a:endParaRPr lang="de-AT" dirty="0"/>
+          </a:p>
+        </p:txBody>
+      </p:sp>
+    </p:spTree>
+    <p:extLst>
+      <p:ext uri="{BB962C8B-B14F-4D97-AF65-F5344CB8AC3E}">
+        <p14:creationId xmlns:p14="http://schemas.microsoft.com/office/powerpoint/2010/main" val="2022339406"/>
+      </p:ext>
+    </p:extLst>
+  </p:cSld>
+  <p:clrMapOvr>
+    <a:masterClrMapping/>
+  </p:clrMapOvr>
+</p:sld>
+</file>
+
+<file path=ppt/slides/slide71.xml><?xml version="1.0" encoding="utf-8"?>
+<p:sld xmlns:a="http://schemas.openxmlformats.org/drawingml/2006/main" xmlns:r="http://schemas.openxmlformats.org/officeDocument/2006/relationships" xmlns:p="http://schemas.openxmlformats.org/presentationml/2006/main">
+  <p:cSld>
+    <p:spTree>
+      <p:nvGrpSpPr>
+        <p:cNvPr id="1" name=""/>
+        <p:cNvGrpSpPr/>
+        <p:nvPr/>
+      </p:nvGrpSpPr>
+      <p:grpSpPr>
+        <a:xfrm>
+          <a:off x="0" y="0"/>
+          <a:ext cx="0" cy="0"/>
+          <a:chOff x="0" y="0"/>
+          <a:chExt cx="0" cy="0"/>
+        </a:xfrm>
+      </p:grpSpPr>
+      <p:sp>
+        <p:nvSpPr>
+          <p:cNvPr id="2" name="Titel 1"/>
+          <p:cNvSpPr>
+            <a:spLocks noGrp="1"/>
+          </p:cNvSpPr>
+          <p:nvPr>
+            <p:ph type="title"/>
+          </p:nvPr>
+        </p:nvSpPr>
+        <p:spPr/>
+        <p:txBody>
+          <a:bodyPr/>
+          <a:lstStyle/>
+          <a:p>
+            <a:r>
+              <a:rPr lang="de-AT" dirty="0"/>
+              <a:t>Backend</a:t>
+            </a:r>
+          </a:p>
+        </p:txBody>
+      </p:sp>
+      <p:sp>
+        <p:nvSpPr>
+          <p:cNvPr id="3" name="Inhaltsplatzhalter 2"/>
+          <p:cNvSpPr>
+            <a:spLocks noGrp="1"/>
+          </p:cNvSpPr>
+          <p:nvPr>
+            <p:ph idx="1"/>
+          </p:nvPr>
+        </p:nvSpPr>
+        <p:spPr/>
+        <p:txBody>
+          <a:bodyPr/>
+          <a:lstStyle/>
+          <a:p>
+            <a:r>
+              <a:rPr lang="de-AT" dirty="0"/>
+              <a:t>Google </a:t>
+            </a:r>
+            <a:r>
+              <a:rPr lang="de-AT" dirty="0" err="1"/>
+              <a:t>Firebase</a:t>
+            </a:r>
+            <a:endParaRPr lang="de-AT" dirty="0"/>
+          </a:p>
+          <a:p>
+            <a:r>
+              <a:rPr lang="de-AT" dirty="0"/>
+              <a:t>Realtime Database</a:t>
+            </a:r>
+          </a:p>
+          <a:p>
+            <a:r>
+              <a:rPr lang="de-AT" dirty="0" err="1">
+                <a:solidFill>
+                  <a:srgbClr val="FF0000"/>
+                </a:solidFill>
+              </a:rPr>
+              <a:t>No</a:t>
+            </a:r>
+            <a:r>
+              <a:rPr lang="de-AT" dirty="0">
+                <a:solidFill>
+                  <a:srgbClr val="FF0000"/>
+                </a:solidFill>
+              </a:rPr>
+              <a:t> </a:t>
+            </a:r>
+            <a:r>
+              <a:rPr lang="de-AT" dirty="0" err="1">
+                <a:solidFill>
+                  <a:srgbClr val="FF0000"/>
+                </a:solidFill>
+              </a:rPr>
+              <a:t>authentication</a:t>
+            </a:r>
+            <a:r>
+              <a:rPr lang="de-AT" dirty="0">
+                <a:solidFill>
+                  <a:srgbClr val="FF0000"/>
+                </a:solidFill>
+              </a:rPr>
+              <a:t> </a:t>
+            </a:r>
+            <a:r>
+              <a:rPr lang="de-AT" dirty="0" err="1">
+                <a:solidFill>
+                  <a:srgbClr val="FF0000"/>
+                </a:solidFill>
+              </a:rPr>
+              <a:t>for</a:t>
+            </a:r>
+            <a:r>
+              <a:rPr lang="de-AT" dirty="0">
+                <a:solidFill>
+                  <a:srgbClr val="FF0000"/>
+                </a:solidFill>
+              </a:rPr>
+              <a:t> </a:t>
+            </a:r>
+            <a:r>
+              <a:rPr lang="de-AT" dirty="0" err="1">
+                <a:solidFill>
+                  <a:srgbClr val="FF0000"/>
+                </a:solidFill>
+              </a:rPr>
+              <a:t>this</a:t>
+            </a:r>
+            <a:r>
+              <a:rPr lang="de-AT" dirty="0">
+                <a:solidFill>
+                  <a:srgbClr val="FF0000"/>
+                </a:solidFill>
+              </a:rPr>
+              <a:t> </a:t>
+            </a:r>
+            <a:r>
+              <a:rPr lang="de-AT" dirty="0" err="1">
+                <a:solidFill>
+                  <a:srgbClr val="FF0000"/>
+                </a:solidFill>
+              </a:rPr>
+              <a:t>purpose</a:t>
+            </a:r>
+            <a:endParaRPr lang="de-AT" dirty="0">
+              <a:solidFill>
+                <a:srgbClr val="FF0000"/>
+              </a:solidFill>
+            </a:endParaRPr>
+          </a:p>
+        </p:txBody>
+      </p:sp>
+    </p:spTree>
+    <p:extLst>
+      <p:ext uri="{BB962C8B-B14F-4D97-AF65-F5344CB8AC3E}">
+        <p14:creationId xmlns:p14="http://schemas.microsoft.com/office/powerpoint/2010/main" val="753469658"/>
+      </p:ext>
+    </p:extLst>
+  </p:cSld>
+  <p:clrMapOvr>
+    <a:masterClrMapping/>
+  </p:clrMapOvr>
+</p:sld>
+</file>
+
 <file path=ppt/slides/slide8.xml><?xml version="1.0" encoding="utf-8"?>
 <p:sld xmlns:a="http://schemas.openxmlformats.org/drawingml/2006/main" xmlns:r="http://schemas.openxmlformats.org/officeDocument/2006/relationships" xmlns:p="http://schemas.openxmlformats.org/presentationml/2006/main">
   <p:cSld>

--- a/course/Progressive Web Apps.pptx
+++ b/course/Progressive Web Apps.pptx
@@ -71,11 +71,17 @@
     <p:sldId id="323" r:id="rId65"/>
     <p:sldId id="324" r:id="rId66"/>
     <p:sldId id="325" r:id="rId67"/>
-    <p:sldId id="287" r:id="rId68"/>
-    <p:sldId id="288" r:id="rId69"/>
-    <p:sldId id="289" r:id="rId70"/>
-    <p:sldId id="286" r:id="rId71"/>
-    <p:sldId id="265" r:id="rId72"/>
+    <p:sldId id="332" r:id="rId68"/>
+    <p:sldId id="333" r:id="rId69"/>
+    <p:sldId id="334" r:id="rId70"/>
+    <p:sldId id="337" r:id="rId71"/>
+    <p:sldId id="287" r:id="rId72"/>
+    <p:sldId id="335" r:id="rId73"/>
+    <p:sldId id="336" r:id="rId74"/>
+    <p:sldId id="288" r:id="rId75"/>
+    <p:sldId id="289" r:id="rId76"/>
+    <p:sldId id="286" r:id="rId77"/>
+    <p:sldId id="265" r:id="rId78"/>
   </p:sldIdLst>
   <p:sldSz cx="12192000" cy="6858000"/>
   <p:notesSz cx="6858000" cy="9144000"/>
@@ -253,7 +259,17 @@
             <p14:sldId id="323"/>
             <p14:sldId id="324"/>
             <p14:sldId id="325"/>
+            <p14:sldId id="332"/>
+            <p14:sldId id="333"/>
+            <p14:sldId id="334"/>
+            <p14:sldId id="337"/>
             <p14:sldId id="287"/>
+            <p14:sldId id="335"/>
+            <p14:sldId id="336"/>
+          </p14:sldIdLst>
+        </p14:section>
+        <p14:section name="Abschnitt ohne Titel" id="{12A667C0-7F01-4085-932D-D03BC8DFA2BB}">
+          <p14:sldIdLst>
             <p14:sldId id="288"/>
             <p14:sldId id="289"/>
             <p14:sldId id="286"/>
@@ -3973,7 +3989,7 @@
           <a:p>
             <a:fld id="{79699155-1715-4116-AA3E-91126DDAD825}" type="datetimeFigureOut">
               <a:rPr lang="de-AT" smtClean="0"/>
-              <a:t>26.04.2022</a:t>
+              <a:t>28.04.2022</a:t>
             </a:fld>
             <a:endParaRPr lang="de-AT"/>
           </a:p>
@@ -4143,7 +4159,7 @@
           <a:p>
             <a:fld id="{79699155-1715-4116-AA3E-91126DDAD825}" type="datetimeFigureOut">
               <a:rPr lang="de-AT" smtClean="0"/>
-              <a:t>26.04.2022</a:t>
+              <a:t>28.04.2022</a:t>
             </a:fld>
             <a:endParaRPr lang="de-AT"/>
           </a:p>
@@ -4323,7 +4339,7 @@
           <a:p>
             <a:fld id="{79699155-1715-4116-AA3E-91126DDAD825}" type="datetimeFigureOut">
               <a:rPr lang="de-AT" smtClean="0"/>
-              <a:t>26.04.2022</a:t>
+              <a:t>28.04.2022</a:t>
             </a:fld>
             <a:endParaRPr lang="de-AT"/>
           </a:p>
@@ -4493,7 +4509,7 @@
           <a:p>
             <a:fld id="{79699155-1715-4116-AA3E-91126DDAD825}" type="datetimeFigureOut">
               <a:rPr lang="de-AT" smtClean="0"/>
-              <a:t>26.04.2022</a:t>
+              <a:t>28.04.2022</a:t>
             </a:fld>
             <a:endParaRPr lang="de-AT"/>
           </a:p>
@@ -4739,7 +4755,7 @@
           <a:p>
             <a:fld id="{79699155-1715-4116-AA3E-91126DDAD825}" type="datetimeFigureOut">
               <a:rPr lang="de-AT" smtClean="0"/>
-              <a:t>26.04.2022</a:t>
+              <a:t>28.04.2022</a:t>
             </a:fld>
             <a:endParaRPr lang="de-AT"/>
           </a:p>
@@ -4971,7 +4987,7 @@
           <a:p>
             <a:fld id="{79699155-1715-4116-AA3E-91126DDAD825}" type="datetimeFigureOut">
               <a:rPr lang="de-AT" smtClean="0"/>
-              <a:t>26.04.2022</a:t>
+              <a:t>28.04.2022</a:t>
             </a:fld>
             <a:endParaRPr lang="de-AT"/>
           </a:p>
@@ -5338,7 +5354,7 @@
           <a:p>
             <a:fld id="{79699155-1715-4116-AA3E-91126DDAD825}" type="datetimeFigureOut">
               <a:rPr lang="de-AT" smtClean="0"/>
-              <a:t>26.04.2022</a:t>
+              <a:t>28.04.2022</a:t>
             </a:fld>
             <a:endParaRPr lang="de-AT"/>
           </a:p>
@@ -5456,7 +5472,7 @@
           <a:p>
             <a:fld id="{79699155-1715-4116-AA3E-91126DDAD825}" type="datetimeFigureOut">
               <a:rPr lang="de-AT" smtClean="0"/>
-              <a:t>26.04.2022</a:t>
+              <a:t>28.04.2022</a:t>
             </a:fld>
             <a:endParaRPr lang="de-AT"/>
           </a:p>
@@ -5551,7 +5567,7 @@
           <a:p>
             <a:fld id="{79699155-1715-4116-AA3E-91126DDAD825}" type="datetimeFigureOut">
               <a:rPr lang="de-AT" smtClean="0"/>
-              <a:t>26.04.2022</a:t>
+              <a:t>28.04.2022</a:t>
             </a:fld>
             <a:endParaRPr lang="de-AT"/>
           </a:p>
@@ -5828,7 +5844,7 @@
           <a:p>
             <a:fld id="{79699155-1715-4116-AA3E-91126DDAD825}" type="datetimeFigureOut">
               <a:rPr lang="de-AT" smtClean="0"/>
-              <a:t>26.04.2022</a:t>
+              <a:t>28.04.2022</a:t>
             </a:fld>
             <a:endParaRPr lang="de-AT"/>
           </a:p>
@@ -6081,7 +6097,7 @@
           <a:p>
             <a:fld id="{79699155-1715-4116-AA3E-91126DDAD825}" type="datetimeFigureOut">
               <a:rPr lang="de-AT" smtClean="0"/>
-              <a:t>26.04.2022</a:t>
+              <a:t>28.04.2022</a:t>
             </a:fld>
             <a:endParaRPr lang="de-AT"/>
           </a:p>
@@ -6294,7 +6310,7 @@
           <a:p>
             <a:fld id="{79699155-1715-4116-AA3E-91126DDAD825}" type="datetimeFigureOut">
               <a:rPr lang="de-AT" smtClean="0"/>
-              <a:t>26.04.2022</a:t>
+              <a:t>28.04.2022</a:t>
             </a:fld>
             <a:endParaRPr lang="de-AT"/>
           </a:p>
@@ -25564,6 +25580,12 @@
             </a:r>
           </a:p>
           <a:p>
+            <a:r>
+              <a:rPr lang="de-AT" dirty="0" smtClean="0"/>
+              <a:t>JSON Data</a:t>
+            </a:r>
+          </a:p>
+          <a:p>
             <a:endParaRPr lang="de-AT" dirty="0"/>
           </a:p>
           <a:p>
@@ -25843,378 +25865,359 @@
           <a:lstStyle/>
           <a:p>
             <a:r>
-              <a:rPr lang="de-AT" dirty="0"/>
-              <a:t>Outline</a:t>
-            </a:r>
-          </a:p>
-        </p:txBody>
-      </p:sp>
-      <p:sp>
-        <p:nvSpPr>
-          <p:cNvPr id="3" name="Inhaltsplatzhalter 2"/>
-          <p:cNvSpPr>
-            <a:spLocks noGrp="1"/>
-          </p:cNvSpPr>
-          <p:nvPr>
-            <p:ph idx="1"/>
-          </p:nvPr>
-        </p:nvSpPr>
-        <p:spPr/>
-        <p:txBody>
-          <a:bodyPr>
-            <a:normAutofit lnSpcReduction="10000"/>
+              <a:rPr lang="de-AT" dirty="0" err="1" smtClean="0"/>
+              <a:t>Getting</a:t>
+            </a:r>
+            <a:r>
+              <a:rPr lang="de-AT" dirty="0" smtClean="0"/>
+              <a:t> </a:t>
+            </a:r>
+            <a:r>
+              <a:rPr lang="de-AT" dirty="0" err="1" smtClean="0"/>
+              <a:t>started</a:t>
+            </a:r>
+            <a:endParaRPr lang="de-AT" dirty="0"/>
+          </a:p>
+        </p:txBody>
+      </p:sp>
+      <p:sp>
+        <p:nvSpPr>
+          <p:cNvPr id="4" name="Textfeld 3"/>
+          <p:cNvSpPr txBox="1"/>
+          <p:nvPr/>
+        </p:nvSpPr>
+        <p:spPr>
+          <a:xfrm>
+            <a:off x="838200" y="1610741"/>
+            <a:ext cx="10515600" cy="2308324"/>
+          </a:xfrm>
+          <a:prstGeom prst="rect">
+            <a:avLst/>
+          </a:prstGeom>
+          <a:solidFill>
+            <a:schemeClr val="tx1"/>
+          </a:solidFill>
+        </p:spPr>
+        <p:txBody>
+          <a:bodyPr wrap="square" rtlCol="0">
+            <a:spAutoFit/>
           </a:bodyPr>
           <a:lstStyle/>
           <a:p>
-            <a:pPr marL="514350" indent="-514350">
-              <a:buFont typeface="+mj-lt"/>
-              <a:buAutoNum type="arabicPeriod"/>
-            </a:pPr>
-            <a:r>
-              <a:rPr lang="de-AT" dirty="0">
-                <a:solidFill>
-                  <a:schemeClr val="accent6">
-                    <a:lumMod val="60000"/>
-                    <a:lumOff val="40000"/>
-                  </a:schemeClr>
-                </a:solidFill>
-              </a:rPr>
-              <a:t>Basics</a:t>
-            </a:r>
-          </a:p>
-          <a:p>
-            <a:pPr marL="971550" lvl="1" indent="-514350">
-              <a:buFont typeface="+mj-lt"/>
-              <a:buAutoNum type="arabicPeriod"/>
-            </a:pPr>
-            <a:r>
-              <a:rPr lang="de-AT" dirty="0">
-                <a:solidFill>
-                  <a:schemeClr val="accent6">
-                    <a:lumMod val="60000"/>
-                    <a:lumOff val="40000"/>
-                  </a:schemeClr>
-                </a:solidFill>
-              </a:rPr>
-              <a:t>App Manifest </a:t>
-            </a:r>
-          </a:p>
-          <a:p>
-            <a:pPr marL="971550" lvl="1" indent="-514350">
-              <a:buFont typeface="+mj-lt"/>
-              <a:buAutoNum type="arabicPeriod"/>
-            </a:pPr>
-            <a:r>
-              <a:rPr lang="de-AT" dirty="0">
-                <a:solidFill>
-                  <a:schemeClr val="accent6">
-                    <a:lumMod val="60000"/>
-                    <a:lumOff val="40000"/>
-                  </a:schemeClr>
-                </a:solidFill>
-              </a:rPr>
-              <a:t>Service </a:t>
-            </a:r>
             <a:r>
               <a:rPr lang="de-AT" dirty="0" err="1">
                 <a:solidFill>
-                  <a:schemeClr val="accent6">
-                    <a:lumMod val="60000"/>
-                    <a:lumOff val="40000"/>
-                  </a:schemeClr>
-                </a:solidFill>
-              </a:rPr>
-              <a:t>Workers</a:t>
+                  <a:schemeClr val="bg1"/>
+                </a:solidFill>
+              </a:rPr>
+              <a:t>importScripts</a:t>
+            </a:r>
+            <a:r>
+              <a:rPr lang="de-AT" dirty="0">
+                <a:solidFill>
+                  <a:schemeClr val="bg1"/>
+                </a:solidFill>
+              </a:rPr>
+              <a:t>('/</a:t>
+            </a:r>
+            <a:r>
+              <a:rPr lang="de-AT" dirty="0" err="1">
+                <a:solidFill>
+                  <a:schemeClr val="bg1"/>
+                </a:solidFill>
+              </a:rPr>
+              <a:t>js</a:t>
+            </a:r>
+            <a:r>
+              <a:rPr lang="de-AT" dirty="0">
+                <a:solidFill>
+                  <a:schemeClr val="bg1"/>
+                </a:solidFill>
+              </a:rPr>
+              <a:t>/idb.js');</a:t>
+            </a:r>
+          </a:p>
+          <a:p>
+            <a:r>
+              <a:rPr lang="de-AT" dirty="0" smtClean="0">
+                <a:solidFill>
+                  <a:schemeClr val="bg1"/>
+                </a:solidFill>
+              </a:rPr>
+              <a:t>…</a:t>
+            </a:r>
+          </a:p>
+          <a:p>
+            <a:r>
+              <a:rPr lang="de-AT" dirty="0" err="1" smtClean="0">
+                <a:solidFill>
+                  <a:schemeClr val="bg1"/>
+                </a:solidFill>
+              </a:rPr>
+              <a:t>var</a:t>
+            </a:r>
+            <a:r>
+              <a:rPr lang="de-AT" dirty="0" smtClean="0">
+                <a:solidFill>
+                  <a:schemeClr val="bg1"/>
+                </a:solidFill>
+              </a:rPr>
+              <a:t> </a:t>
+            </a:r>
+            <a:r>
+              <a:rPr lang="de-AT" dirty="0" err="1">
+                <a:solidFill>
+                  <a:schemeClr val="bg1"/>
+                </a:solidFill>
+              </a:rPr>
+              <a:t>dbPromise</a:t>
+            </a:r>
+            <a:r>
+              <a:rPr lang="de-AT" dirty="0">
+                <a:solidFill>
+                  <a:schemeClr val="bg1"/>
+                </a:solidFill>
+              </a:rPr>
+              <a:t> = </a:t>
+            </a:r>
+            <a:r>
+              <a:rPr lang="de-AT" dirty="0" err="1">
+                <a:solidFill>
+                  <a:schemeClr val="bg1"/>
+                </a:solidFill>
+              </a:rPr>
+              <a:t>idb.open</a:t>
+            </a:r>
+            <a:r>
+              <a:rPr lang="de-AT" dirty="0">
+                <a:solidFill>
+                  <a:schemeClr val="bg1"/>
+                </a:solidFill>
+              </a:rPr>
+              <a:t>('</a:t>
+            </a:r>
+            <a:r>
+              <a:rPr lang="de-AT" dirty="0" err="1">
+                <a:solidFill>
+                  <a:schemeClr val="bg1"/>
+                </a:solidFill>
+              </a:rPr>
+              <a:t>damageStore</a:t>
+            </a:r>
+            <a:r>
+              <a:rPr lang="de-AT" dirty="0">
+                <a:solidFill>
+                  <a:schemeClr val="bg1"/>
+                </a:solidFill>
+              </a:rPr>
+              <a:t>', 1, </a:t>
+            </a:r>
+            <a:r>
+              <a:rPr lang="de-AT" dirty="0" err="1">
+                <a:solidFill>
+                  <a:schemeClr val="bg1"/>
+                </a:solidFill>
+              </a:rPr>
+              <a:t>function</a:t>
+            </a:r>
+            <a:r>
+              <a:rPr lang="de-AT" dirty="0">
+                <a:solidFill>
+                  <a:schemeClr val="bg1"/>
+                </a:solidFill>
+              </a:rPr>
+              <a:t>(</a:t>
+            </a:r>
+            <a:r>
+              <a:rPr lang="de-AT" dirty="0" err="1">
+                <a:solidFill>
+                  <a:schemeClr val="bg1"/>
+                </a:solidFill>
+              </a:rPr>
+              <a:t>db</a:t>
+            </a:r>
+            <a:r>
+              <a:rPr lang="de-AT" dirty="0">
+                <a:solidFill>
+                  <a:schemeClr val="bg1"/>
+                </a:solidFill>
+              </a:rPr>
+              <a:t>) {</a:t>
+            </a:r>
+          </a:p>
+          <a:p>
+            <a:r>
+              <a:rPr lang="de-AT" dirty="0">
+                <a:solidFill>
+                  <a:schemeClr val="bg1"/>
+                </a:solidFill>
+              </a:rPr>
+              <a:t>    </a:t>
+            </a:r>
+            <a:r>
+              <a:rPr lang="de-AT" dirty="0" err="1">
+                <a:solidFill>
+                  <a:schemeClr val="bg1"/>
+                </a:solidFill>
+              </a:rPr>
+              <a:t>if</a:t>
+            </a:r>
+            <a:r>
+              <a:rPr lang="de-AT" dirty="0">
+                <a:solidFill>
+                  <a:schemeClr val="bg1"/>
+                </a:solidFill>
+              </a:rPr>
+              <a:t> (!</a:t>
+            </a:r>
+            <a:r>
+              <a:rPr lang="de-AT" dirty="0" err="1">
+                <a:solidFill>
+                  <a:schemeClr val="bg1"/>
+                </a:solidFill>
+              </a:rPr>
+              <a:t>db.objectStoreNames.contains</a:t>
+            </a:r>
+            <a:r>
+              <a:rPr lang="de-AT" dirty="0">
+                <a:solidFill>
+                  <a:schemeClr val="bg1"/>
+                </a:solidFill>
+              </a:rPr>
+              <a:t>('</a:t>
+            </a:r>
+            <a:r>
+              <a:rPr lang="de-AT" dirty="0" err="1">
+                <a:solidFill>
+                  <a:schemeClr val="bg1"/>
+                </a:solidFill>
+              </a:rPr>
+              <a:t>damages</a:t>
+            </a:r>
+            <a:r>
+              <a:rPr lang="de-AT" dirty="0">
+                <a:solidFill>
+                  <a:schemeClr val="bg1"/>
+                </a:solidFill>
+              </a:rPr>
+              <a:t>')) {</a:t>
+            </a:r>
+          </a:p>
+          <a:p>
+            <a:r>
+              <a:rPr lang="de-AT" dirty="0">
+                <a:solidFill>
+                  <a:schemeClr val="bg1"/>
+                </a:solidFill>
+              </a:rPr>
+              <a:t>        </a:t>
+            </a:r>
+            <a:r>
+              <a:rPr lang="de-AT" dirty="0" err="1">
+                <a:solidFill>
+                  <a:schemeClr val="bg1"/>
+                </a:solidFill>
+              </a:rPr>
+              <a:t>db.createObjectStore</a:t>
+            </a:r>
+            <a:r>
+              <a:rPr lang="de-AT" dirty="0">
+                <a:solidFill>
+                  <a:schemeClr val="bg1"/>
+                </a:solidFill>
+              </a:rPr>
+              <a:t>('</a:t>
+            </a:r>
+            <a:r>
+              <a:rPr lang="de-AT" dirty="0" err="1">
+                <a:solidFill>
+                  <a:schemeClr val="bg1"/>
+                </a:solidFill>
+              </a:rPr>
+              <a:t>damages</a:t>
+            </a:r>
+            <a:r>
+              <a:rPr lang="de-AT" dirty="0">
+                <a:solidFill>
+                  <a:schemeClr val="bg1"/>
+                </a:solidFill>
+              </a:rPr>
+              <a:t>', {</a:t>
+            </a:r>
+            <a:r>
+              <a:rPr lang="de-AT" dirty="0" err="1">
+                <a:solidFill>
+                  <a:schemeClr val="bg1"/>
+                </a:solidFill>
+              </a:rPr>
+              <a:t>keyPath</a:t>
+            </a:r>
+            <a:r>
+              <a:rPr lang="de-AT" dirty="0">
+                <a:solidFill>
+                  <a:schemeClr val="bg1"/>
+                </a:solidFill>
+              </a:rPr>
+              <a:t>: '</a:t>
+            </a:r>
+            <a:r>
+              <a:rPr lang="de-AT" dirty="0" err="1">
+                <a:solidFill>
+                  <a:schemeClr val="bg1"/>
+                </a:solidFill>
+              </a:rPr>
+              <a:t>id</a:t>
+            </a:r>
+            <a:r>
+              <a:rPr lang="de-AT" dirty="0">
+                <a:solidFill>
+                  <a:schemeClr val="bg1"/>
+                </a:solidFill>
+              </a:rPr>
+              <a:t>'});</a:t>
+            </a:r>
+          </a:p>
+          <a:p>
+            <a:r>
+              <a:rPr lang="de-AT" dirty="0">
+                <a:solidFill>
+                  <a:schemeClr val="bg1"/>
+                </a:solidFill>
+              </a:rPr>
+              <a:t>    }</a:t>
+            </a:r>
+          </a:p>
+          <a:p>
+            <a:r>
+              <a:rPr lang="de-AT" dirty="0" smtClean="0">
+                <a:solidFill>
+                  <a:schemeClr val="bg1"/>
+                </a:solidFill>
+              </a:rPr>
+              <a:t>});</a:t>
+            </a:r>
+          </a:p>
+          <a:p>
+            <a:r>
+              <a:rPr lang="de-AT" dirty="0" smtClean="0">
+                <a:solidFill>
+                  <a:schemeClr val="bg1"/>
+                </a:solidFill>
+              </a:rPr>
+              <a:t>…</a:t>
             </a:r>
             <a:endParaRPr lang="de-AT" dirty="0">
               <a:solidFill>
-                <a:schemeClr val="accent6">
-                  <a:lumMod val="60000"/>
-                  <a:lumOff val="40000"/>
-                </a:schemeClr>
+                <a:schemeClr val="bg1"/>
               </a:solidFill>
             </a:endParaRPr>
-          </a:p>
-          <a:p>
-            <a:pPr marL="971550" lvl="1" indent="-514350">
-              <a:buFont typeface="+mj-lt"/>
-              <a:buAutoNum type="arabicPeriod"/>
-            </a:pPr>
-            <a:r>
-              <a:rPr lang="de-AT" dirty="0">
-                <a:solidFill>
-                  <a:schemeClr val="accent6">
-                    <a:lumMod val="60000"/>
-                    <a:lumOff val="40000"/>
-                  </a:schemeClr>
-                </a:solidFill>
-              </a:rPr>
-              <a:t>Installation</a:t>
-            </a:r>
-          </a:p>
-          <a:p>
-            <a:pPr marL="514350" indent="-514350">
-              <a:buFont typeface="+mj-lt"/>
-              <a:buAutoNum type="arabicPeriod"/>
-            </a:pPr>
-            <a:r>
-              <a:rPr lang="de-AT" dirty="0" err="1">
-                <a:solidFill>
-                  <a:schemeClr val="accent6">
-                    <a:lumMod val="60000"/>
-                    <a:lumOff val="40000"/>
-                  </a:schemeClr>
-                </a:solidFill>
-              </a:rPr>
-              <a:t>Promise</a:t>
-            </a:r>
-            <a:r>
-              <a:rPr lang="de-AT" dirty="0">
-                <a:solidFill>
-                  <a:schemeClr val="accent6">
-                    <a:lumMod val="60000"/>
-                    <a:lumOff val="40000"/>
-                  </a:schemeClr>
-                </a:solidFill>
-              </a:rPr>
-              <a:t> </a:t>
-            </a:r>
-            <a:r>
-              <a:rPr lang="de-AT" dirty="0" err="1">
-                <a:solidFill>
-                  <a:schemeClr val="accent6">
-                    <a:lumMod val="60000"/>
-                    <a:lumOff val="40000"/>
-                  </a:schemeClr>
-                </a:solidFill>
-              </a:rPr>
-              <a:t>and</a:t>
-            </a:r>
-            <a:r>
-              <a:rPr lang="de-AT" dirty="0">
-                <a:solidFill>
-                  <a:schemeClr val="accent6">
-                    <a:lumMod val="60000"/>
-                    <a:lumOff val="40000"/>
-                  </a:schemeClr>
-                </a:solidFill>
-              </a:rPr>
-              <a:t> </a:t>
-            </a:r>
-            <a:r>
-              <a:rPr lang="de-AT" dirty="0" err="1">
-                <a:solidFill>
-                  <a:schemeClr val="accent6">
-                    <a:lumMod val="60000"/>
-                    <a:lumOff val="40000"/>
-                  </a:schemeClr>
-                </a:solidFill>
-              </a:rPr>
-              <a:t>Fetch</a:t>
-            </a:r>
-            <a:r>
-              <a:rPr lang="de-AT" dirty="0">
-                <a:solidFill>
-                  <a:schemeClr val="accent6">
-                    <a:lumMod val="60000"/>
-                    <a:lumOff val="40000"/>
-                  </a:schemeClr>
-                </a:solidFill>
-              </a:rPr>
-              <a:t>, Service Worker Caching</a:t>
-            </a:r>
-          </a:p>
-          <a:p>
-            <a:pPr marL="514350" indent="-514350">
-              <a:buFont typeface="+mj-lt"/>
-              <a:buAutoNum type="arabicPeriod"/>
-            </a:pPr>
-            <a:r>
-              <a:rPr lang="de-AT" dirty="0" err="1">
-                <a:solidFill>
-                  <a:schemeClr val="accent6">
-                    <a:lumMod val="60000"/>
-                    <a:lumOff val="40000"/>
-                  </a:schemeClr>
-                </a:solidFill>
-              </a:rPr>
-              <a:t>Advanced</a:t>
-            </a:r>
-            <a:r>
-              <a:rPr lang="de-AT" dirty="0">
-                <a:solidFill>
-                  <a:schemeClr val="accent6">
-                    <a:lumMod val="60000"/>
-                    <a:lumOff val="40000"/>
-                  </a:schemeClr>
-                </a:solidFill>
-              </a:rPr>
-              <a:t> Caching, </a:t>
-            </a:r>
-            <a:r>
-              <a:rPr lang="de-AT" dirty="0" err="1">
-                <a:solidFill>
-                  <a:schemeClr val="accent6">
-                    <a:lumMod val="60000"/>
-                    <a:lumOff val="40000"/>
-                  </a:schemeClr>
-                </a:solidFill>
-              </a:rPr>
-              <a:t>Indexed</a:t>
-            </a:r>
-            <a:r>
-              <a:rPr lang="de-AT" dirty="0">
-                <a:solidFill>
-                  <a:schemeClr val="accent6">
-                    <a:lumMod val="60000"/>
-                    <a:lumOff val="40000"/>
-                  </a:schemeClr>
-                </a:solidFill>
-              </a:rPr>
-              <a:t> DB </a:t>
-            </a:r>
-            <a:r>
-              <a:rPr lang="de-AT" dirty="0" err="1">
-                <a:solidFill>
-                  <a:schemeClr val="accent6">
-                    <a:lumMod val="60000"/>
-                    <a:lumOff val="40000"/>
-                  </a:schemeClr>
-                </a:solidFill>
-              </a:rPr>
-              <a:t>and</a:t>
-            </a:r>
-            <a:r>
-              <a:rPr lang="de-AT" dirty="0">
-                <a:solidFill>
-                  <a:schemeClr val="accent6">
-                    <a:lumMod val="60000"/>
-                    <a:lumOff val="40000"/>
-                  </a:schemeClr>
-                </a:solidFill>
-              </a:rPr>
-              <a:t> Dynamic Data</a:t>
-            </a:r>
-          </a:p>
-          <a:p>
-            <a:pPr marL="514350" indent="-514350">
-              <a:buFont typeface="+mj-lt"/>
-              <a:buAutoNum type="arabicPeriod"/>
-            </a:pPr>
-            <a:r>
-              <a:rPr lang="de-AT" dirty="0" err="1"/>
-              <a:t>Responsive</a:t>
-            </a:r>
-            <a:r>
-              <a:rPr lang="de-AT" dirty="0"/>
-              <a:t> UI, Background </a:t>
-            </a:r>
-            <a:r>
-              <a:rPr lang="de-AT" dirty="0" err="1"/>
-              <a:t>Sync</a:t>
-            </a:r>
-            <a:r>
-              <a:rPr lang="de-AT" dirty="0"/>
-              <a:t> </a:t>
-            </a:r>
-          </a:p>
-          <a:p>
-            <a:pPr marL="514350" indent="-514350">
-              <a:buFont typeface="+mj-lt"/>
-              <a:buAutoNum type="arabicPeriod"/>
-            </a:pPr>
-            <a:r>
-              <a:rPr lang="de-AT" dirty="0">
-                <a:solidFill>
-                  <a:schemeClr val="bg1">
-                    <a:lumMod val="85000"/>
-                  </a:schemeClr>
-                </a:solidFill>
-              </a:rPr>
-              <a:t>Web Push </a:t>
-            </a:r>
-            <a:r>
-              <a:rPr lang="de-AT" dirty="0" err="1">
-                <a:solidFill>
-                  <a:schemeClr val="bg1">
-                    <a:lumMod val="85000"/>
-                  </a:schemeClr>
-                </a:solidFill>
-              </a:rPr>
-              <a:t>Notifications</a:t>
-            </a:r>
-            <a:r>
-              <a:rPr lang="de-AT" dirty="0">
-                <a:solidFill>
-                  <a:schemeClr val="bg1">
-                    <a:lumMod val="85000"/>
-                  </a:schemeClr>
-                </a:solidFill>
-              </a:rPr>
-              <a:t> </a:t>
-            </a:r>
-          </a:p>
-          <a:p>
-            <a:pPr marL="514350" indent="-514350">
-              <a:buFont typeface="+mj-lt"/>
-              <a:buAutoNum type="arabicPeriod"/>
-            </a:pPr>
-            <a:r>
-              <a:rPr lang="de-AT" dirty="0">
-                <a:solidFill>
-                  <a:schemeClr val="bg1">
-                    <a:lumMod val="85000"/>
-                  </a:schemeClr>
-                </a:solidFill>
-              </a:rPr>
-              <a:t>Native Device Features</a:t>
-            </a:r>
-          </a:p>
-          <a:p>
-            <a:pPr marL="514350" indent="-514350">
-              <a:buFont typeface="+mj-lt"/>
-              <a:buAutoNum type="arabicPeriod"/>
-            </a:pPr>
-            <a:r>
-              <a:rPr lang="de-AT" dirty="0">
-                <a:solidFill>
-                  <a:schemeClr val="bg1">
-                    <a:lumMod val="85000"/>
-                  </a:schemeClr>
-                </a:solidFill>
-              </a:rPr>
-              <a:t>Round </a:t>
-            </a:r>
-            <a:r>
-              <a:rPr lang="de-AT" dirty="0" err="1">
-                <a:solidFill>
-                  <a:schemeClr val="bg1">
-                    <a:lumMod val="85000"/>
-                  </a:schemeClr>
-                </a:solidFill>
-              </a:rPr>
-              <a:t>Up</a:t>
-            </a:r>
-            <a:r>
-              <a:rPr lang="de-AT" dirty="0">
-                <a:solidFill>
-                  <a:schemeClr val="bg1">
-                    <a:lumMod val="85000"/>
-                  </a:schemeClr>
-                </a:solidFill>
-              </a:rPr>
-              <a:t> &amp; Quiz</a:t>
-            </a:r>
-          </a:p>
-          <a:p>
-            <a:endParaRPr lang="de-AT" dirty="0"/>
           </a:p>
         </p:txBody>
       </p:sp>
     </p:spTree>
     <p:extLst>
       <p:ext uri="{BB962C8B-B14F-4D97-AF65-F5344CB8AC3E}">
-        <p14:creationId xmlns:p14="http://schemas.microsoft.com/office/powerpoint/2010/main" val="1801515692"/>
+        <p14:creationId xmlns:p14="http://schemas.microsoft.com/office/powerpoint/2010/main" val="3874814578"/>
       </p:ext>
     </p:extLst>
   </p:cSld>
@@ -26257,9 +26260,30 @@
           <a:lstStyle/>
           <a:p>
             <a:r>
-              <a:rPr lang="de-AT" dirty="0"/>
-              <a:t>Outline</a:t>
-            </a:r>
+              <a:rPr lang="de-AT" dirty="0" err="1" smtClean="0"/>
+              <a:t>Added</a:t>
+            </a:r>
+            <a:r>
+              <a:rPr lang="de-AT" dirty="0" smtClean="0"/>
+              <a:t> </a:t>
+            </a:r>
+            <a:r>
+              <a:rPr lang="de-AT" dirty="0" err="1" smtClean="0"/>
+              <a:t>basic</a:t>
+            </a:r>
+            <a:r>
+              <a:rPr lang="de-AT" dirty="0" smtClean="0"/>
+              <a:t> </a:t>
+            </a:r>
+            <a:r>
+              <a:rPr lang="de-AT" dirty="0" err="1" smtClean="0"/>
+              <a:t>functionality</a:t>
+            </a:r>
+            <a:r>
+              <a:rPr lang="de-AT" dirty="0" smtClean="0"/>
+              <a:t> (helper.js)</a:t>
+            </a:r>
+            <a:endParaRPr lang="de-AT" dirty="0"/>
           </a:p>
         </p:txBody>
       </p:sp>
@@ -26275,362 +26299,56 @@
         </p:nvSpPr>
         <p:spPr/>
         <p:txBody>
-          <a:bodyPr>
-            <a:normAutofit lnSpcReduction="10000"/>
-          </a:bodyPr>
+          <a:bodyPr/>
           <a:lstStyle/>
           <a:p>
-            <a:pPr marL="514350" indent="-514350">
-              <a:buFont typeface="+mj-lt"/>
-              <a:buAutoNum type="arabicPeriod"/>
-            </a:pPr>
-            <a:r>
-              <a:rPr lang="de-AT" dirty="0">
-                <a:solidFill>
-                  <a:schemeClr val="accent6">
-                    <a:lumMod val="60000"/>
-                    <a:lumOff val="40000"/>
-                  </a:schemeClr>
-                </a:solidFill>
-              </a:rPr>
-              <a:t>Basics</a:t>
-            </a:r>
-          </a:p>
-          <a:p>
-            <a:pPr marL="971550" lvl="1" indent="-514350">
-              <a:buFont typeface="+mj-lt"/>
-              <a:buAutoNum type="arabicPeriod"/>
-            </a:pPr>
-            <a:r>
-              <a:rPr lang="de-AT" dirty="0">
-                <a:solidFill>
-                  <a:schemeClr val="accent6">
-                    <a:lumMod val="60000"/>
-                    <a:lumOff val="40000"/>
-                  </a:schemeClr>
-                </a:solidFill>
-              </a:rPr>
-              <a:t>App Manifest </a:t>
-            </a:r>
-          </a:p>
-          <a:p>
-            <a:pPr marL="971550" lvl="1" indent="-514350">
-              <a:buFont typeface="+mj-lt"/>
-              <a:buAutoNum type="arabicPeriod"/>
-            </a:pPr>
-            <a:r>
-              <a:rPr lang="de-AT" dirty="0">
-                <a:solidFill>
-                  <a:schemeClr val="accent6">
-                    <a:lumMod val="60000"/>
-                    <a:lumOff val="40000"/>
-                  </a:schemeClr>
-                </a:solidFill>
-              </a:rPr>
-              <a:t>Service </a:t>
-            </a:r>
-            <a:r>
-              <a:rPr lang="de-AT" dirty="0" err="1">
-                <a:solidFill>
-                  <a:schemeClr val="accent6">
-                    <a:lumMod val="60000"/>
-                    <a:lumOff val="40000"/>
-                  </a:schemeClr>
-                </a:solidFill>
-              </a:rPr>
-              <a:t>Workers</a:t>
-            </a:r>
-            <a:endParaRPr lang="de-AT" dirty="0">
-              <a:solidFill>
-                <a:schemeClr val="accent6">
-                  <a:lumMod val="60000"/>
-                  <a:lumOff val="40000"/>
-                </a:schemeClr>
-              </a:solidFill>
-            </a:endParaRPr>
-          </a:p>
-          <a:p>
-            <a:pPr marL="971550" lvl="1" indent="-514350">
-              <a:buFont typeface="+mj-lt"/>
-              <a:buAutoNum type="arabicPeriod"/>
-            </a:pPr>
-            <a:r>
-              <a:rPr lang="de-AT" dirty="0">
-                <a:solidFill>
-                  <a:schemeClr val="accent6">
-                    <a:lumMod val="60000"/>
-                    <a:lumOff val="40000"/>
-                  </a:schemeClr>
-                </a:solidFill>
-              </a:rPr>
-              <a:t>Installation</a:t>
-            </a:r>
-          </a:p>
-          <a:p>
-            <a:pPr marL="514350" indent="-514350">
-              <a:buFont typeface="+mj-lt"/>
-              <a:buAutoNum type="arabicPeriod"/>
-            </a:pPr>
-            <a:r>
-              <a:rPr lang="de-AT" dirty="0" err="1">
-                <a:solidFill>
-                  <a:schemeClr val="accent6">
-                    <a:lumMod val="60000"/>
-                    <a:lumOff val="40000"/>
-                  </a:schemeClr>
-                </a:solidFill>
-              </a:rPr>
-              <a:t>Promise</a:t>
-            </a:r>
-            <a:r>
-              <a:rPr lang="de-AT" dirty="0">
-                <a:solidFill>
-                  <a:schemeClr val="accent6">
-                    <a:lumMod val="60000"/>
-                    <a:lumOff val="40000"/>
-                  </a:schemeClr>
-                </a:solidFill>
-              </a:rPr>
+            <a:r>
+              <a:rPr lang="de-AT" dirty="0" smtClean="0"/>
+              <a:t>Add </a:t>
+            </a:r>
+            <a:r>
+              <a:rPr lang="de-AT" dirty="0" err="1" smtClean="0"/>
+              <a:t>dbPromise</a:t>
+            </a:r>
+            <a:endParaRPr lang="de-AT" dirty="0" smtClean="0"/>
+          </a:p>
+          <a:p>
+            <a:r>
+              <a:rPr lang="de-AT" dirty="0" err="1" smtClean="0"/>
+              <a:t>Implement</a:t>
+            </a:r>
+            <a:r>
+              <a:rPr lang="de-AT" dirty="0" smtClean="0"/>
               <a:t> </a:t>
             </a:r>
             <a:r>
-              <a:rPr lang="de-AT" dirty="0" err="1">
-                <a:solidFill>
-                  <a:schemeClr val="accent6">
-                    <a:lumMod val="60000"/>
-                    <a:lumOff val="40000"/>
-                  </a:schemeClr>
-                </a:solidFill>
-              </a:rPr>
-              <a:t>and</a:t>
-            </a:r>
-            <a:r>
-              <a:rPr lang="de-AT" dirty="0">
-                <a:solidFill>
-                  <a:schemeClr val="accent6">
-                    <a:lumMod val="60000"/>
-                    <a:lumOff val="40000"/>
-                  </a:schemeClr>
-                </a:solidFill>
-              </a:rPr>
-              <a:t> </a:t>
-            </a:r>
-            <a:r>
-              <a:rPr lang="de-AT" dirty="0" err="1">
-                <a:solidFill>
-                  <a:schemeClr val="accent6">
-                    <a:lumMod val="60000"/>
-                    <a:lumOff val="40000"/>
-                  </a:schemeClr>
-                </a:solidFill>
-              </a:rPr>
-              <a:t>Fetch</a:t>
-            </a:r>
-            <a:r>
-              <a:rPr lang="de-AT" dirty="0">
-                <a:solidFill>
-                  <a:schemeClr val="accent6">
-                    <a:lumMod val="60000"/>
-                    <a:lumOff val="40000"/>
-                  </a:schemeClr>
-                </a:solidFill>
-              </a:rPr>
-              <a:t>, Service Worker Caching</a:t>
-            </a:r>
-          </a:p>
-          <a:p>
-            <a:pPr marL="514350" indent="-514350">
-              <a:buFont typeface="+mj-lt"/>
-              <a:buAutoNum type="arabicPeriod"/>
-            </a:pPr>
-            <a:r>
-              <a:rPr lang="de-AT" dirty="0" err="1">
-                <a:solidFill>
-                  <a:schemeClr val="accent6">
-                    <a:lumMod val="60000"/>
-                    <a:lumOff val="40000"/>
-                  </a:schemeClr>
-                </a:solidFill>
-              </a:rPr>
-              <a:t>Advanced</a:t>
-            </a:r>
-            <a:r>
-              <a:rPr lang="de-AT" dirty="0">
-                <a:solidFill>
-                  <a:schemeClr val="accent6">
-                    <a:lumMod val="60000"/>
-                    <a:lumOff val="40000"/>
-                  </a:schemeClr>
-                </a:solidFill>
-              </a:rPr>
-              <a:t> Caching, </a:t>
-            </a:r>
-            <a:r>
-              <a:rPr lang="de-AT" dirty="0" err="1">
-                <a:solidFill>
-                  <a:schemeClr val="accent6">
-                    <a:lumMod val="60000"/>
-                    <a:lumOff val="40000"/>
-                  </a:schemeClr>
-                </a:solidFill>
-              </a:rPr>
-              <a:t>Indexed</a:t>
-            </a:r>
-            <a:r>
-              <a:rPr lang="de-AT" dirty="0">
-                <a:solidFill>
-                  <a:schemeClr val="accent6">
-                    <a:lumMod val="60000"/>
-                    <a:lumOff val="40000"/>
-                  </a:schemeClr>
-                </a:solidFill>
-              </a:rPr>
-              <a:t> DB </a:t>
-            </a:r>
-            <a:r>
-              <a:rPr lang="de-AT" dirty="0" err="1">
-                <a:solidFill>
-                  <a:schemeClr val="accent6">
-                    <a:lumMod val="60000"/>
-                    <a:lumOff val="40000"/>
-                  </a:schemeClr>
-                </a:solidFill>
-              </a:rPr>
-              <a:t>and</a:t>
-            </a:r>
-            <a:r>
-              <a:rPr lang="de-AT" dirty="0">
-                <a:solidFill>
-                  <a:schemeClr val="accent6">
-                    <a:lumMod val="60000"/>
-                    <a:lumOff val="40000"/>
-                  </a:schemeClr>
-                </a:solidFill>
-              </a:rPr>
-              <a:t> Dynamic Data</a:t>
-            </a:r>
-          </a:p>
-          <a:p>
-            <a:pPr marL="514350" indent="-514350">
-              <a:buFont typeface="+mj-lt"/>
-              <a:buAutoNum type="arabicPeriod"/>
-            </a:pPr>
-            <a:r>
-              <a:rPr lang="de-AT" dirty="0" err="1">
-                <a:solidFill>
-                  <a:schemeClr val="accent6">
-                    <a:lumMod val="60000"/>
-                    <a:lumOff val="40000"/>
-                  </a:schemeClr>
-                </a:solidFill>
-              </a:rPr>
-              <a:t>Responsive</a:t>
-            </a:r>
-            <a:r>
-              <a:rPr lang="de-AT" dirty="0">
-                <a:solidFill>
-                  <a:schemeClr val="accent6">
-                    <a:lumMod val="60000"/>
-                    <a:lumOff val="40000"/>
-                  </a:schemeClr>
-                </a:solidFill>
-              </a:rPr>
-              <a:t> UI, Background </a:t>
-            </a:r>
-            <a:r>
-              <a:rPr lang="de-AT" dirty="0" err="1">
-                <a:solidFill>
-                  <a:schemeClr val="accent6">
-                    <a:lumMod val="60000"/>
-                    <a:lumOff val="40000"/>
-                  </a:schemeClr>
-                </a:solidFill>
-              </a:rPr>
-              <a:t>Sync</a:t>
-            </a:r>
-            <a:r>
-              <a:rPr lang="de-AT" dirty="0">
-                <a:solidFill>
-                  <a:schemeClr val="accent6">
-                    <a:lumMod val="60000"/>
-                    <a:lumOff val="40000"/>
-                  </a:schemeClr>
-                </a:solidFill>
-              </a:rPr>
-              <a:t> </a:t>
-            </a:r>
-          </a:p>
-          <a:p>
-            <a:pPr marL="514350" indent="-514350">
-              <a:buFont typeface="+mj-lt"/>
-              <a:buAutoNum type="arabicPeriod"/>
-            </a:pPr>
-            <a:r>
-              <a:rPr lang="de-AT" dirty="0"/>
-              <a:t>Web Push </a:t>
-            </a:r>
-            <a:r>
-              <a:rPr lang="de-AT" dirty="0" err="1"/>
-              <a:t>Notifications</a:t>
-            </a:r>
-            <a:r>
-              <a:rPr lang="de-AT" dirty="0"/>
-              <a:t> </a:t>
-            </a:r>
-          </a:p>
-          <a:p>
-            <a:pPr marL="514350" indent="-514350">
-              <a:buFont typeface="+mj-lt"/>
-              <a:buAutoNum type="arabicPeriod"/>
-            </a:pPr>
-            <a:r>
-              <a:rPr lang="de-AT" dirty="0">
-                <a:solidFill>
-                  <a:schemeClr val="bg1">
-                    <a:lumMod val="85000"/>
-                  </a:schemeClr>
-                </a:solidFill>
-              </a:rPr>
-              <a:t>Native Device Features</a:t>
-            </a:r>
-          </a:p>
-          <a:p>
-            <a:pPr marL="514350" indent="-514350">
-              <a:buFont typeface="+mj-lt"/>
-              <a:buAutoNum type="arabicPeriod"/>
-            </a:pPr>
-            <a:r>
-              <a:rPr lang="de-AT" dirty="0">
-                <a:solidFill>
-                  <a:schemeClr val="bg1">
-                    <a:lumMod val="85000"/>
-                  </a:schemeClr>
-                </a:solidFill>
-              </a:rPr>
-              <a:t>Round </a:t>
-            </a:r>
-            <a:r>
-              <a:rPr lang="de-AT" dirty="0" err="1">
-                <a:solidFill>
-                  <a:schemeClr val="bg1">
-                    <a:lumMod val="85000"/>
-                  </a:schemeClr>
-                </a:solidFill>
-              </a:rPr>
-              <a:t>Up</a:t>
-            </a:r>
-            <a:r>
-              <a:rPr lang="de-AT" dirty="0">
-                <a:solidFill>
-                  <a:schemeClr val="bg1">
-                    <a:lumMod val="85000"/>
-                  </a:schemeClr>
-                </a:solidFill>
-              </a:rPr>
-              <a:t> &amp; Quiz</a:t>
-            </a:r>
-          </a:p>
-          <a:p>
+              <a:rPr lang="de-AT" dirty="0" err="1" smtClean="0"/>
+              <a:t>writeData</a:t>
+            </a:r>
+            <a:r>
+              <a:rPr lang="de-AT" dirty="0" smtClean="0"/>
+              <a:t>, </a:t>
+            </a:r>
+            <a:r>
+              <a:rPr lang="de-AT" dirty="0" err="1" smtClean="0"/>
+              <a:t>readAllData</a:t>
+            </a:r>
+            <a:r>
+              <a:rPr lang="de-AT" dirty="0" smtClean="0"/>
+              <a:t>, </a:t>
+            </a:r>
+            <a:r>
+              <a:rPr lang="de-AT" dirty="0" err="1" smtClean="0"/>
+              <a:t>clearAllData</a:t>
+            </a:r>
+            <a:r>
+              <a:rPr lang="de-AT" dirty="0" smtClean="0"/>
+              <a:t>, </a:t>
+            </a:r>
+            <a:r>
+              <a:rPr lang="de-AT" dirty="0" err="1" smtClean="0"/>
+              <a:t>deleteItemFromData</a:t>
+            </a:r>
             <a:endParaRPr lang="de-AT" dirty="0"/>
           </a:p>
         </p:txBody>
@@ -26638,7 +26356,7 @@
     </p:spTree>
     <p:extLst>
       <p:ext uri="{BB962C8B-B14F-4D97-AF65-F5344CB8AC3E}">
-        <p14:creationId xmlns:p14="http://schemas.microsoft.com/office/powerpoint/2010/main" val="2621541282"/>
+        <p14:creationId xmlns:p14="http://schemas.microsoft.com/office/powerpoint/2010/main" val="1782202576"/>
       </p:ext>
     </p:extLst>
   </p:cSld>
@@ -26681,35 +26399,481 @@
           <a:lstStyle/>
           <a:p>
             <a:r>
-              <a:rPr lang="de-AT" dirty="0"/>
-              <a:t>Outline</a:t>
-            </a:r>
-          </a:p>
-        </p:txBody>
-      </p:sp>
-      <p:sp>
-        <p:nvSpPr>
-          <p:cNvPr id="3" name="Inhaltsplatzhalter 2"/>
-          <p:cNvSpPr>
-            <a:spLocks noGrp="1"/>
-          </p:cNvSpPr>
-          <p:nvPr>
-            <p:ph idx="1"/>
-          </p:nvPr>
-        </p:nvSpPr>
-        <p:spPr/>
-        <p:txBody>
-          <a:bodyPr>
-            <a:normAutofit lnSpcReduction="10000"/>
+              <a:rPr lang="de-AT" dirty="0" err="1" smtClean="0"/>
+              <a:t>Implement</a:t>
+            </a:r>
+            <a:r>
+              <a:rPr lang="de-AT" dirty="0" smtClean="0"/>
+              <a:t> </a:t>
+            </a:r>
+            <a:r>
+              <a:rPr lang="de-AT" dirty="0" err="1" smtClean="0"/>
+              <a:t>new</a:t>
+            </a:r>
+            <a:r>
+              <a:rPr lang="de-AT" dirty="0" smtClean="0"/>
+              <a:t> </a:t>
+            </a:r>
+            <a:r>
+              <a:rPr lang="de-AT" dirty="0" err="1" smtClean="0"/>
+              <a:t>caching</a:t>
+            </a:r>
+            <a:endParaRPr lang="de-AT" dirty="0"/>
+          </a:p>
+        </p:txBody>
+      </p:sp>
+      <p:sp>
+        <p:nvSpPr>
+          <p:cNvPr id="4" name="Textfeld 3"/>
+          <p:cNvSpPr txBox="1"/>
+          <p:nvPr/>
+        </p:nvSpPr>
+        <p:spPr>
+          <a:xfrm>
+            <a:off x="838200" y="1610741"/>
+            <a:ext cx="10515600" cy="5047536"/>
+          </a:xfrm>
+          <a:prstGeom prst="rect">
+            <a:avLst/>
+          </a:prstGeom>
+          <a:solidFill>
+            <a:schemeClr val="tx1"/>
+          </a:solidFill>
+        </p:spPr>
+        <p:txBody>
+          <a:bodyPr wrap="square" rtlCol="0">
+            <a:spAutoFit/>
           </a:bodyPr>
           <a:lstStyle/>
           <a:p>
-            <a:pPr marL="514350" indent="-514350">
-              <a:buFont typeface="+mj-lt"/>
-              <a:buAutoNum type="arabicPeriod"/>
-            </a:pPr>
-            <a:r>
-              <a:rPr lang="de-AT" dirty="0">
+            <a:r>
+              <a:rPr lang="de-AT" sz="1400" dirty="0">
+                <a:solidFill>
+                  <a:schemeClr val="bg1"/>
+                </a:solidFill>
+              </a:rPr>
+              <a:t>    </a:t>
+            </a:r>
+            <a:r>
+              <a:rPr lang="de-AT" sz="1400" dirty="0" err="1">
+                <a:solidFill>
+                  <a:schemeClr val="bg1"/>
+                </a:solidFill>
+              </a:rPr>
+              <a:t>var</a:t>
+            </a:r>
+            <a:r>
+              <a:rPr lang="de-AT" sz="1400" dirty="0">
+                <a:solidFill>
+                  <a:schemeClr val="bg1"/>
+                </a:solidFill>
+              </a:rPr>
+              <a:t> </a:t>
+            </a:r>
+            <a:r>
+              <a:rPr lang="de-AT" sz="1400" dirty="0" err="1">
+                <a:solidFill>
+                  <a:schemeClr val="bg1"/>
+                </a:solidFill>
+              </a:rPr>
+              <a:t>url</a:t>
+            </a:r>
+            <a:r>
+              <a:rPr lang="de-AT" sz="1400" dirty="0">
+                <a:solidFill>
+                  <a:schemeClr val="bg1"/>
+                </a:solidFill>
+              </a:rPr>
+              <a:t> = 'https://pwademo-66c7b-default-rtdb.europe-west1.firebasedatabase.app'; //-/</a:t>
+            </a:r>
+            <a:r>
+              <a:rPr lang="de-AT" sz="1400" dirty="0" err="1">
+                <a:solidFill>
+                  <a:schemeClr val="bg1"/>
+                </a:solidFill>
+              </a:rPr>
+              <a:t>damagelog.json</a:t>
+            </a:r>
+            <a:r>
+              <a:rPr lang="de-AT" sz="1400" dirty="0">
+                <a:solidFill>
+                  <a:schemeClr val="bg1"/>
+                </a:solidFill>
+              </a:rPr>
+              <a:t>';</a:t>
+            </a:r>
+          </a:p>
+          <a:p>
+            <a:r>
+              <a:rPr lang="de-AT" sz="1400" dirty="0">
+                <a:solidFill>
+                  <a:schemeClr val="bg1"/>
+                </a:solidFill>
+              </a:rPr>
+              <a:t/>
+            </a:r>
+            <a:br>
+              <a:rPr lang="de-AT" sz="1400" dirty="0">
+                <a:solidFill>
+                  <a:schemeClr val="bg1"/>
+                </a:solidFill>
+              </a:rPr>
+            </a:br>
+            <a:r>
+              <a:rPr lang="de-AT" sz="1400" dirty="0">
+                <a:solidFill>
+                  <a:schemeClr val="bg1"/>
+                </a:solidFill>
+              </a:rPr>
+              <a:t>    </a:t>
+            </a:r>
+            <a:r>
+              <a:rPr lang="de-AT" sz="1400" dirty="0" err="1">
+                <a:solidFill>
+                  <a:schemeClr val="bg1"/>
+                </a:solidFill>
+              </a:rPr>
+              <a:t>if</a:t>
+            </a:r>
+            <a:r>
+              <a:rPr lang="de-AT" sz="1400" dirty="0">
+                <a:solidFill>
+                  <a:schemeClr val="bg1"/>
+                </a:solidFill>
+              </a:rPr>
+              <a:t> (</a:t>
+            </a:r>
+            <a:r>
+              <a:rPr lang="de-AT" sz="1400" dirty="0" err="1">
+                <a:solidFill>
+                  <a:schemeClr val="bg1"/>
+                </a:solidFill>
+              </a:rPr>
+              <a:t>event.request.url.indexOf</a:t>
+            </a:r>
+            <a:r>
+              <a:rPr lang="de-AT" sz="1400" dirty="0">
+                <a:solidFill>
+                  <a:schemeClr val="bg1"/>
+                </a:solidFill>
+              </a:rPr>
+              <a:t>(</a:t>
+            </a:r>
+            <a:r>
+              <a:rPr lang="de-AT" sz="1400" dirty="0" err="1">
+                <a:solidFill>
+                  <a:schemeClr val="bg1"/>
+                </a:solidFill>
+              </a:rPr>
+              <a:t>url</a:t>
+            </a:r>
+            <a:r>
+              <a:rPr lang="de-AT" sz="1400" dirty="0">
+                <a:solidFill>
+                  <a:schemeClr val="bg1"/>
+                </a:solidFill>
+              </a:rPr>
+              <a:t>) &gt; -1) {</a:t>
+            </a:r>
+          </a:p>
+          <a:p>
+            <a:r>
+              <a:rPr lang="de-AT" sz="1400" dirty="0">
+                <a:solidFill>
+                  <a:schemeClr val="bg1"/>
+                </a:solidFill>
+              </a:rPr>
+              <a:t>        </a:t>
+            </a:r>
+            <a:r>
+              <a:rPr lang="de-AT" sz="1400" dirty="0" err="1">
+                <a:solidFill>
+                  <a:schemeClr val="bg1"/>
+                </a:solidFill>
+              </a:rPr>
+              <a:t>event.respondWith</a:t>
+            </a:r>
+            <a:r>
+              <a:rPr lang="de-AT" sz="1400" dirty="0">
+                <a:solidFill>
+                  <a:schemeClr val="bg1"/>
+                </a:solidFill>
+              </a:rPr>
+              <a:t>(</a:t>
+            </a:r>
+          </a:p>
+          <a:p>
+            <a:r>
+              <a:rPr lang="de-AT" sz="1400" dirty="0">
+                <a:solidFill>
+                  <a:schemeClr val="bg1"/>
+                </a:solidFill>
+              </a:rPr>
+              <a:t>            </a:t>
+            </a:r>
+            <a:r>
+              <a:rPr lang="de-AT" sz="1400" dirty="0" err="1">
+                <a:solidFill>
+                  <a:schemeClr val="bg1"/>
+                </a:solidFill>
+              </a:rPr>
+              <a:t>fetch</a:t>
+            </a:r>
+            <a:r>
+              <a:rPr lang="de-AT" sz="1400" dirty="0">
+                <a:solidFill>
+                  <a:schemeClr val="bg1"/>
+                </a:solidFill>
+              </a:rPr>
+              <a:t>(</a:t>
+            </a:r>
+            <a:r>
+              <a:rPr lang="de-AT" sz="1400" dirty="0" err="1">
+                <a:solidFill>
+                  <a:schemeClr val="bg1"/>
+                </a:solidFill>
+              </a:rPr>
+              <a:t>event.request</a:t>
+            </a:r>
+            <a:r>
+              <a:rPr lang="de-AT" sz="1400" dirty="0">
+                <a:solidFill>
+                  <a:schemeClr val="bg1"/>
+                </a:solidFill>
+              </a:rPr>
+              <a:t>)</a:t>
+            </a:r>
+          </a:p>
+          <a:p>
+            <a:r>
+              <a:rPr lang="de-AT" sz="1400" dirty="0">
+                <a:solidFill>
+                  <a:schemeClr val="bg1"/>
+                </a:solidFill>
+              </a:rPr>
+              <a:t>            .</a:t>
+            </a:r>
+            <a:r>
+              <a:rPr lang="de-AT" sz="1400" dirty="0" err="1">
+                <a:solidFill>
+                  <a:schemeClr val="bg1"/>
+                </a:solidFill>
+              </a:rPr>
+              <a:t>then</a:t>
+            </a:r>
+            <a:r>
+              <a:rPr lang="de-AT" sz="1400" dirty="0">
+                <a:solidFill>
+                  <a:schemeClr val="bg1"/>
+                </a:solidFill>
+              </a:rPr>
+              <a:t>(</a:t>
+            </a:r>
+            <a:r>
+              <a:rPr lang="de-AT" sz="1400" dirty="0" err="1">
+                <a:solidFill>
+                  <a:schemeClr val="bg1"/>
+                </a:solidFill>
+              </a:rPr>
+              <a:t>function</a:t>
+            </a:r>
+            <a:r>
+              <a:rPr lang="de-AT" sz="1400" dirty="0">
+                <a:solidFill>
+                  <a:schemeClr val="bg1"/>
+                </a:solidFill>
+              </a:rPr>
+              <a:t>(</a:t>
+            </a:r>
+            <a:r>
+              <a:rPr lang="de-AT" sz="1400" dirty="0" err="1">
+                <a:solidFill>
+                  <a:schemeClr val="bg1"/>
+                </a:solidFill>
+              </a:rPr>
+              <a:t>res</a:t>
+            </a:r>
+            <a:r>
+              <a:rPr lang="de-AT" sz="1400" dirty="0">
+                <a:solidFill>
+                  <a:schemeClr val="bg1"/>
+                </a:solidFill>
+              </a:rPr>
+              <a:t>) {</a:t>
+            </a:r>
+          </a:p>
+          <a:p>
+            <a:r>
+              <a:rPr lang="de-AT" sz="1400" dirty="0">
+                <a:solidFill>
+                  <a:schemeClr val="bg1"/>
+                </a:solidFill>
+              </a:rPr>
+              <a:t>                //</a:t>
+            </a:r>
+            <a:r>
+              <a:rPr lang="de-AT" sz="1400" dirty="0" err="1">
+                <a:solidFill>
+                  <a:schemeClr val="bg1"/>
+                </a:solidFill>
+              </a:rPr>
+              <a:t>cache.put</a:t>
+            </a:r>
+            <a:r>
+              <a:rPr lang="de-AT" sz="1400" dirty="0">
+                <a:solidFill>
+                  <a:schemeClr val="bg1"/>
+                </a:solidFill>
+              </a:rPr>
+              <a:t>(</a:t>
+            </a:r>
+            <a:r>
+              <a:rPr lang="de-AT" sz="1400" dirty="0" err="1">
+                <a:solidFill>
+                  <a:schemeClr val="bg1"/>
+                </a:solidFill>
+              </a:rPr>
+              <a:t>event.request</a:t>
+            </a:r>
+            <a:r>
+              <a:rPr lang="de-AT" sz="1400" dirty="0">
+                <a:solidFill>
+                  <a:schemeClr val="bg1"/>
+                </a:solidFill>
+              </a:rPr>
+              <a:t>, </a:t>
+            </a:r>
+            <a:r>
+              <a:rPr lang="de-AT" sz="1400" dirty="0" err="1">
+                <a:solidFill>
+                  <a:schemeClr val="bg1"/>
+                </a:solidFill>
+              </a:rPr>
+              <a:t>res.clone</a:t>
+            </a:r>
+            <a:r>
+              <a:rPr lang="de-AT" sz="1400" dirty="0">
+                <a:solidFill>
+                  <a:schemeClr val="bg1"/>
+                </a:solidFill>
+              </a:rPr>
+              <a:t>()); &lt;--store </a:t>
+            </a:r>
+            <a:r>
+              <a:rPr lang="de-AT" sz="1400" dirty="0" err="1">
+                <a:solidFill>
+                  <a:schemeClr val="bg1"/>
+                </a:solidFill>
+              </a:rPr>
+              <a:t>db</a:t>
+            </a:r>
+            <a:r>
+              <a:rPr lang="de-AT" sz="1400" dirty="0">
+                <a:solidFill>
+                  <a:schemeClr val="bg1"/>
+                </a:solidFill>
+              </a:rPr>
+              <a:t> </a:t>
+            </a:r>
+            <a:r>
+              <a:rPr lang="de-AT" sz="1400" dirty="0" err="1">
+                <a:solidFill>
+                  <a:schemeClr val="bg1"/>
+                </a:solidFill>
+              </a:rPr>
+              <a:t>response</a:t>
+            </a:r>
+            <a:r>
+              <a:rPr lang="de-AT" sz="1400" dirty="0">
+                <a:solidFill>
+                  <a:schemeClr val="bg1"/>
+                </a:solidFill>
+              </a:rPr>
+              <a:t> in </a:t>
+            </a:r>
+            <a:r>
+              <a:rPr lang="de-AT" sz="1400" dirty="0" err="1">
+                <a:solidFill>
+                  <a:schemeClr val="bg1"/>
+                </a:solidFill>
+              </a:rPr>
+              <a:t>cache</a:t>
+            </a:r>
+            <a:endParaRPr lang="de-AT" sz="1400" dirty="0">
+              <a:solidFill>
+                <a:schemeClr val="bg1"/>
+              </a:solidFill>
+            </a:endParaRPr>
+          </a:p>
+          <a:p>
+            <a:r>
+              <a:rPr lang="de-AT" sz="1400" dirty="0">
+                <a:solidFill>
+                  <a:schemeClr val="bg1"/>
+                </a:solidFill>
+              </a:rPr>
+              <a:t>                </a:t>
+            </a:r>
+            <a:r>
+              <a:rPr lang="de-AT" sz="1400" dirty="0" err="1">
+                <a:solidFill>
+                  <a:schemeClr val="bg1"/>
+                </a:solidFill>
+              </a:rPr>
+              <a:t>var</a:t>
+            </a:r>
+            <a:r>
+              <a:rPr lang="de-AT" sz="1400" dirty="0">
+                <a:solidFill>
+                  <a:schemeClr val="bg1"/>
+                </a:solidFill>
+              </a:rPr>
+              <a:t> </a:t>
+            </a:r>
+            <a:r>
+              <a:rPr lang="de-AT" sz="1400" dirty="0" err="1">
+                <a:solidFill>
+                  <a:schemeClr val="bg1"/>
+                </a:solidFill>
+              </a:rPr>
+              <a:t>clonedResponse</a:t>
+            </a:r>
+            <a:r>
+              <a:rPr lang="de-AT" sz="1400" dirty="0">
+                <a:solidFill>
+                  <a:schemeClr val="bg1"/>
+                </a:solidFill>
+              </a:rPr>
+              <a:t> = </a:t>
+            </a:r>
+            <a:r>
+              <a:rPr lang="de-AT" sz="1400" dirty="0" err="1">
+                <a:solidFill>
+                  <a:schemeClr val="bg1"/>
+                </a:solidFill>
+              </a:rPr>
+              <a:t>res.clone</a:t>
+            </a:r>
+            <a:r>
+              <a:rPr lang="de-AT" sz="1400" dirty="0">
+                <a:solidFill>
+                  <a:schemeClr val="bg1"/>
+                </a:solidFill>
+              </a:rPr>
+              <a:t>();</a:t>
+            </a:r>
+          </a:p>
+          <a:p>
+            <a:r>
+              <a:rPr lang="de-AT" sz="1400" dirty="0">
+                <a:solidFill>
+                  <a:schemeClr val="bg1"/>
+                </a:solidFill>
+              </a:rPr>
+              <a:t>                </a:t>
+            </a:r>
+            <a:r>
+              <a:rPr lang="de-AT" sz="1400" dirty="0" err="1">
                 <a:solidFill>
                   <a:schemeClr val="accent6">
                     <a:lumMod val="60000"/>
@@ -26717,16 +26881,296 @@
                   </a:schemeClr>
                 </a:solidFill>
               </a:rPr>
-              <a:t>Basics</a:t>
-            </a:r>
-          </a:p>
-          <a:p>
-            <a:pPr marL="971550" lvl="1" indent="-514350">
-              <a:buFont typeface="+mj-lt"/>
-              <a:buAutoNum type="arabicPeriod"/>
-            </a:pPr>
-            <a:r>
-              <a:rPr lang="de-AT" dirty="0">
+              <a:t>clearAllData</a:t>
+            </a:r>
+            <a:r>
+              <a:rPr lang="de-AT" sz="1400" dirty="0">
+                <a:solidFill>
+                  <a:schemeClr val="bg1"/>
+                </a:solidFill>
+              </a:rPr>
+              <a:t>('</a:t>
+            </a:r>
+            <a:r>
+              <a:rPr lang="de-AT" sz="1400" dirty="0" err="1">
+                <a:solidFill>
+                  <a:schemeClr val="bg1"/>
+                </a:solidFill>
+              </a:rPr>
+              <a:t>damages</a:t>
+            </a:r>
+            <a:r>
+              <a:rPr lang="de-AT" sz="1400" dirty="0">
+                <a:solidFill>
+                  <a:schemeClr val="bg1"/>
+                </a:solidFill>
+              </a:rPr>
+              <a:t>')</a:t>
+            </a:r>
+          </a:p>
+          <a:p>
+            <a:r>
+              <a:rPr lang="de-AT" sz="1400" dirty="0">
+                <a:solidFill>
+                  <a:schemeClr val="bg1"/>
+                </a:solidFill>
+              </a:rPr>
+              <a:t>                        .</a:t>
+            </a:r>
+            <a:r>
+              <a:rPr lang="de-AT" sz="1400" dirty="0" err="1">
+                <a:solidFill>
+                  <a:schemeClr val="bg1"/>
+                </a:solidFill>
+              </a:rPr>
+              <a:t>then</a:t>
+            </a:r>
+            <a:r>
+              <a:rPr lang="de-AT" sz="1400" dirty="0">
+                <a:solidFill>
+                  <a:schemeClr val="bg1"/>
+                </a:solidFill>
+              </a:rPr>
+              <a:t>(</a:t>
+            </a:r>
+            <a:r>
+              <a:rPr lang="de-AT" sz="1400" dirty="0" err="1">
+                <a:solidFill>
+                  <a:schemeClr val="bg1"/>
+                </a:solidFill>
+              </a:rPr>
+              <a:t>function</a:t>
+            </a:r>
+            <a:r>
+              <a:rPr lang="de-AT" sz="1400" dirty="0">
+                <a:solidFill>
+                  <a:schemeClr val="bg1"/>
+                </a:solidFill>
+              </a:rPr>
+              <a:t>() {</a:t>
+            </a:r>
+          </a:p>
+          <a:p>
+            <a:r>
+              <a:rPr lang="de-AT" sz="1400" dirty="0">
+                <a:solidFill>
+                  <a:schemeClr val="bg1"/>
+                </a:solidFill>
+              </a:rPr>
+              <a:t>                            </a:t>
+            </a:r>
+            <a:r>
+              <a:rPr lang="de-AT" sz="1400" dirty="0" err="1">
+                <a:solidFill>
+                  <a:schemeClr val="bg1"/>
+                </a:solidFill>
+              </a:rPr>
+              <a:t>return</a:t>
+            </a:r>
+            <a:r>
+              <a:rPr lang="de-AT" sz="1400" dirty="0">
+                <a:solidFill>
+                  <a:schemeClr val="bg1"/>
+                </a:solidFill>
+              </a:rPr>
+              <a:t> </a:t>
+            </a:r>
+            <a:r>
+              <a:rPr lang="de-AT" sz="1400" dirty="0" err="1">
+                <a:solidFill>
+                  <a:schemeClr val="bg1"/>
+                </a:solidFill>
+              </a:rPr>
+              <a:t>clonedResponse.json</a:t>
+            </a:r>
+            <a:r>
+              <a:rPr lang="de-AT" sz="1400" dirty="0">
+                <a:solidFill>
+                  <a:schemeClr val="bg1"/>
+                </a:solidFill>
+              </a:rPr>
+              <a:t>()</a:t>
+            </a:r>
+          </a:p>
+          <a:p>
+            <a:r>
+              <a:rPr lang="de-AT" sz="1400" dirty="0">
+                <a:solidFill>
+                  <a:schemeClr val="bg1"/>
+                </a:solidFill>
+              </a:rPr>
+              <a:t>                        })</a:t>
+            </a:r>
+          </a:p>
+          <a:p>
+            <a:r>
+              <a:rPr lang="de-AT" sz="1400" dirty="0">
+                <a:solidFill>
+                  <a:schemeClr val="bg1"/>
+                </a:solidFill>
+              </a:rPr>
+              <a:t>                        .</a:t>
+            </a:r>
+            <a:r>
+              <a:rPr lang="de-AT" sz="1400" dirty="0" err="1">
+                <a:solidFill>
+                  <a:schemeClr val="bg1"/>
+                </a:solidFill>
+              </a:rPr>
+              <a:t>then</a:t>
+            </a:r>
+            <a:r>
+              <a:rPr lang="de-AT" sz="1400" dirty="0">
+                <a:solidFill>
+                  <a:schemeClr val="bg1"/>
+                </a:solidFill>
+              </a:rPr>
+              <a:t>(</a:t>
+            </a:r>
+            <a:r>
+              <a:rPr lang="de-AT" sz="1400" dirty="0" err="1">
+                <a:solidFill>
+                  <a:schemeClr val="bg1"/>
+                </a:solidFill>
+              </a:rPr>
+              <a:t>function</a:t>
+            </a:r>
+            <a:r>
+              <a:rPr lang="de-AT" sz="1400" dirty="0">
+                <a:solidFill>
+                  <a:schemeClr val="bg1"/>
+                </a:solidFill>
+              </a:rPr>
+              <a:t>(</a:t>
+            </a:r>
+            <a:r>
+              <a:rPr lang="de-AT" sz="1400" dirty="0" err="1">
+                <a:solidFill>
+                  <a:schemeClr val="bg1"/>
+                </a:solidFill>
+              </a:rPr>
+              <a:t>data</a:t>
+            </a:r>
+            <a:r>
+              <a:rPr lang="de-AT" sz="1400" dirty="0">
+                <a:solidFill>
+                  <a:schemeClr val="bg1"/>
+                </a:solidFill>
+              </a:rPr>
+              <a:t>) {</a:t>
+            </a:r>
+          </a:p>
+          <a:p>
+            <a:r>
+              <a:rPr lang="de-AT" sz="1400" dirty="0">
+                <a:solidFill>
+                  <a:schemeClr val="bg1"/>
+                </a:solidFill>
+              </a:rPr>
+              <a:t>                            console.log("DATA-&gt;", </a:t>
+            </a:r>
+            <a:r>
+              <a:rPr lang="de-AT" sz="1400" dirty="0" err="1">
+                <a:solidFill>
+                  <a:schemeClr val="bg1"/>
+                </a:solidFill>
+              </a:rPr>
+              <a:t>data</a:t>
+            </a:r>
+            <a:r>
+              <a:rPr lang="de-AT" sz="1400" dirty="0">
+                <a:solidFill>
+                  <a:schemeClr val="bg1"/>
+                </a:solidFill>
+              </a:rPr>
+              <a:t>);</a:t>
+            </a:r>
+          </a:p>
+          <a:p>
+            <a:r>
+              <a:rPr lang="de-AT" sz="1400" dirty="0">
+                <a:solidFill>
+                  <a:schemeClr val="bg1"/>
+                </a:solidFill>
+              </a:rPr>
+              <a:t>                            </a:t>
+            </a:r>
+            <a:r>
+              <a:rPr lang="de-AT" sz="1400" dirty="0" err="1">
+                <a:solidFill>
+                  <a:schemeClr val="bg1"/>
+                </a:solidFill>
+              </a:rPr>
+              <a:t>for</a:t>
+            </a:r>
+            <a:r>
+              <a:rPr lang="de-AT" sz="1400" dirty="0">
+                <a:solidFill>
+                  <a:schemeClr val="bg1"/>
+                </a:solidFill>
+              </a:rPr>
+              <a:t> (</a:t>
+            </a:r>
+            <a:r>
+              <a:rPr lang="de-AT" sz="1400" dirty="0" err="1">
+                <a:solidFill>
+                  <a:schemeClr val="bg1"/>
+                </a:solidFill>
+              </a:rPr>
+              <a:t>var</a:t>
+            </a:r>
+            <a:r>
+              <a:rPr lang="de-AT" sz="1400" dirty="0">
+                <a:solidFill>
+                  <a:schemeClr val="bg1"/>
+                </a:solidFill>
+              </a:rPr>
+              <a:t> </a:t>
+            </a:r>
+            <a:r>
+              <a:rPr lang="de-AT" sz="1400" dirty="0" err="1">
+                <a:solidFill>
+                  <a:schemeClr val="bg1"/>
+                </a:solidFill>
+              </a:rPr>
+              <a:t>key</a:t>
+            </a:r>
+            <a:r>
+              <a:rPr lang="de-AT" sz="1400" dirty="0">
+                <a:solidFill>
+                  <a:schemeClr val="bg1"/>
+                </a:solidFill>
+              </a:rPr>
+              <a:t> in </a:t>
+            </a:r>
+            <a:r>
+              <a:rPr lang="de-AT" sz="1400" dirty="0" err="1">
+                <a:solidFill>
+                  <a:schemeClr val="bg1"/>
+                </a:solidFill>
+              </a:rPr>
+              <a:t>data</a:t>
+            </a:r>
+            <a:r>
+              <a:rPr lang="de-AT" sz="1400" dirty="0">
+                <a:solidFill>
+                  <a:schemeClr val="bg1"/>
+                </a:solidFill>
+              </a:rPr>
+              <a:t>) {</a:t>
+            </a:r>
+          </a:p>
+          <a:p>
+            <a:r>
+              <a:rPr lang="de-AT" sz="1400" dirty="0">
+                <a:solidFill>
+                  <a:schemeClr val="bg1"/>
+                </a:solidFill>
+              </a:rPr>
+              <a:t>                                </a:t>
+            </a:r>
+            <a:r>
+              <a:rPr lang="de-AT" sz="1400" dirty="0" err="1">
                 <a:solidFill>
                   <a:schemeClr val="accent6">
                     <a:lumMod val="60000"/>
@@ -26734,350 +27178,205 @@
                   </a:schemeClr>
                 </a:solidFill>
               </a:rPr>
-              <a:t>App Manifest </a:t>
-            </a:r>
-          </a:p>
-          <a:p>
-            <a:pPr marL="971550" lvl="1" indent="-514350">
-              <a:buFont typeface="+mj-lt"/>
-              <a:buAutoNum type="arabicPeriod"/>
-            </a:pPr>
-            <a:r>
-              <a:rPr lang="de-AT" dirty="0">
-                <a:solidFill>
-                  <a:schemeClr val="accent6">
-                    <a:lumMod val="60000"/>
-                    <a:lumOff val="40000"/>
-                  </a:schemeClr>
-                </a:solidFill>
-              </a:rPr>
-              <a:t>Service </a:t>
-            </a:r>
-            <a:r>
-              <a:rPr lang="de-AT" dirty="0" err="1">
-                <a:solidFill>
-                  <a:schemeClr val="accent6">
-                    <a:lumMod val="60000"/>
-                    <a:lumOff val="40000"/>
-                  </a:schemeClr>
-                </a:solidFill>
-              </a:rPr>
-              <a:t>Workers</a:t>
-            </a:r>
-            <a:endParaRPr lang="de-AT" dirty="0">
-              <a:solidFill>
-                <a:schemeClr val="accent6">
-                  <a:lumMod val="60000"/>
-                  <a:lumOff val="40000"/>
-                </a:schemeClr>
-              </a:solidFill>
-            </a:endParaRPr>
-          </a:p>
-          <a:p>
-            <a:pPr marL="971550" lvl="1" indent="-514350">
-              <a:buFont typeface="+mj-lt"/>
-              <a:buAutoNum type="arabicPeriod"/>
-            </a:pPr>
-            <a:r>
-              <a:rPr lang="de-AT" dirty="0">
-                <a:solidFill>
-                  <a:schemeClr val="accent6">
-                    <a:lumMod val="60000"/>
-                    <a:lumOff val="40000"/>
-                  </a:schemeClr>
-                </a:solidFill>
-              </a:rPr>
-              <a:t>Installation</a:t>
-            </a:r>
-          </a:p>
-          <a:p>
-            <a:pPr marL="514350" indent="-514350">
-              <a:buFont typeface="+mj-lt"/>
-              <a:buAutoNum type="arabicPeriod"/>
-            </a:pPr>
-            <a:r>
-              <a:rPr lang="de-AT" dirty="0" err="1">
-                <a:solidFill>
-                  <a:schemeClr val="accent6">
-                    <a:lumMod val="60000"/>
-                    <a:lumOff val="40000"/>
-                  </a:schemeClr>
-                </a:solidFill>
-              </a:rPr>
-              <a:t>Promise</a:t>
-            </a:r>
-            <a:r>
-              <a:rPr lang="de-AT" dirty="0">
-                <a:solidFill>
-                  <a:schemeClr val="accent6">
-                    <a:lumMod val="60000"/>
-                    <a:lumOff val="40000"/>
-                  </a:schemeClr>
+              <a:t>writeData</a:t>
+            </a:r>
+            <a:r>
+              <a:rPr lang="de-AT" sz="1400" dirty="0">
+                <a:solidFill>
+                  <a:schemeClr val="bg1"/>
+                </a:solidFill>
+              </a:rPr>
+              <a:t>('</a:t>
+            </a:r>
+            <a:r>
+              <a:rPr lang="de-AT" sz="1400" dirty="0" err="1">
+                <a:solidFill>
+                  <a:schemeClr val="bg1"/>
+                </a:solidFill>
+              </a:rPr>
+              <a:t>damages</a:t>
+            </a:r>
+            <a:r>
+              <a:rPr lang="de-AT" sz="1400" dirty="0">
+                <a:solidFill>
+                  <a:schemeClr val="bg1"/>
+                </a:solidFill>
+              </a:rPr>
+              <a:t>', </a:t>
+            </a:r>
+            <a:r>
+              <a:rPr lang="de-AT" sz="1400" dirty="0" err="1">
+                <a:solidFill>
+                  <a:schemeClr val="bg1"/>
+                </a:solidFill>
+              </a:rPr>
+              <a:t>data</a:t>
+            </a:r>
+            <a:r>
+              <a:rPr lang="de-AT" sz="1400" dirty="0">
+                <a:solidFill>
+                  <a:schemeClr val="bg1"/>
+                </a:solidFill>
+              </a:rPr>
+              <a:t>[</a:t>
+            </a:r>
+            <a:r>
+              <a:rPr lang="de-AT" sz="1400" dirty="0" err="1">
+                <a:solidFill>
+                  <a:schemeClr val="bg1"/>
+                </a:solidFill>
+              </a:rPr>
+              <a:t>key</a:t>
+            </a:r>
+            <a:r>
+              <a:rPr lang="de-AT" sz="1400" dirty="0">
+                <a:solidFill>
+                  <a:schemeClr val="bg1"/>
+                </a:solidFill>
+              </a:rPr>
+              <a:t>]);</a:t>
+            </a:r>
+          </a:p>
+          <a:p>
+            <a:r>
+              <a:rPr lang="de-AT" sz="1400" dirty="0">
+                <a:solidFill>
+                  <a:schemeClr val="bg1"/>
+                </a:solidFill>
+              </a:rPr>
+              <a:t>                                    console.log(</a:t>
+            </a:r>
+            <a:r>
+              <a:rPr lang="de-AT" sz="1400" dirty="0" err="1">
+                <a:solidFill>
+                  <a:schemeClr val="bg1"/>
+                </a:solidFill>
+              </a:rPr>
+              <a:t>data</a:t>
+            </a:r>
+            <a:r>
+              <a:rPr lang="de-AT" sz="1400" dirty="0">
+                <a:solidFill>
+                  <a:schemeClr val="bg1"/>
+                </a:solidFill>
+              </a:rPr>
+              <a:t>[</a:t>
+            </a:r>
+            <a:r>
+              <a:rPr lang="de-AT" sz="1400" dirty="0" err="1">
+                <a:solidFill>
+                  <a:schemeClr val="bg1"/>
+                </a:solidFill>
+              </a:rPr>
+              <a:t>key</a:t>
+            </a:r>
+            <a:r>
+              <a:rPr lang="de-AT" sz="1400" dirty="0">
+                <a:solidFill>
+                  <a:schemeClr val="bg1"/>
+                </a:solidFill>
+              </a:rPr>
+              <a:t>]);</a:t>
+            </a:r>
+          </a:p>
+          <a:p>
+            <a:r>
+              <a:rPr lang="de-AT" sz="1400" dirty="0">
+                <a:solidFill>
+                  <a:schemeClr val="bg1"/>
+                </a:solidFill>
+              </a:rPr>
+              <a:t>                                }                       </a:t>
+            </a:r>
+          </a:p>
+          <a:p>
+            <a:r>
+              <a:rPr lang="de-AT" sz="1400" dirty="0">
+                <a:solidFill>
+                  <a:schemeClr val="bg1"/>
+                </a:solidFill>
+              </a:rPr>
+              <a:t>                        });</a:t>
+            </a:r>
+          </a:p>
+          <a:p>
+            <a:r>
+              <a:rPr lang="de-AT" sz="1400" dirty="0">
+                <a:solidFill>
+                  <a:schemeClr val="bg1"/>
+                </a:solidFill>
+              </a:rPr>
+              <a:t>                </a:t>
+            </a:r>
+            <a:r>
+              <a:rPr lang="de-AT" sz="1400" dirty="0" err="1">
+                <a:solidFill>
+                  <a:schemeClr val="bg1"/>
+                </a:solidFill>
+              </a:rPr>
+              <a:t>return</a:t>
+            </a:r>
+            <a:r>
+              <a:rPr lang="de-AT" sz="1400" dirty="0">
+                <a:solidFill>
+                  <a:schemeClr val="bg1"/>
                 </a:solidFill>
               </a:rPr>
               <a:t> </a:t>
             </a:r>
             <a:r>
-              <a:rPr lang="de-AT" dirty="0" err="1">
-                <a:solidFill>
-                  <a:schemeClr val="accent6">
-                    <a:lumMod val="60000"/>
-                    <a:lumOff val="40000"/>
-                  </a:schemeClr>
-                </a:solidFill>
-              </a:rPr>
-              <a:t>and</a:t>
-            </a:r>
-            <a:r>
-              <a:rPr lang="de-AT" dirty="0">
-                <a:solidFill>
-                  <a:schemeClr val="accent6">
-                    <a:lumMod val="60000"/>
-                    <a:lumOff val="40000"/>
-                  </a:schemeClr>
-                </a:solidFill>
-              </a:rPr>
-              <a:t> </a:t>
-            </a:r>
-            <a:r>
-              <a:rPr lang="de-AT" dirty="0" err="1">
-                <a:solidFill>
-                  <a:schemeClr val="accent6">
-                    <a:lumMod val="60000"/>
-                    <a:lumOff val="40000"/>
-                  </a:schemeClr>
-                </a:solidFill>
-              </a:rPr>
-              <a:t>Fetch</a:t>
-            </a:r>
-            <a:r>
-              <a:rPr lang="de-AT" dirty="0">
-                <a:solidFill>
-                  <a:schemeClr val="accent6">
-                    <a:lumMod val="60000"/>
-                    <a:lumOff val="40000"/>
-                  </a:schemeClr>
-                </a:solidFill>
-              </a:rPr>
-              <a:t>, Service Worker Caching</a:t>
-            </a:r>
-          </a:p>
-          <a:p>
-            <a:pPr marL="514350" indent="-514350">
-              <a:buFont typeface="+mj-lt"/>
-              <a:buAutoNum type="arabicPeriod"/>
-            </a:pPr>
-            <a:r>
-              <a:rPr lang="de-AT" dirty="0" err="1">
-                <a:solidFill>
-                  <a:schemeClr val="accent6">
-                    <a:lumMod val="60000"/>
-                    <a:lumOff val="40000"/>
-                  </a:schemeClr>
-                </a:solidFill>
-              </a:rPr>
-              <a:t>Advanced</a:t>
-            </a:r>
-            <a:r>
-              <a:rPr lang="de-AT" dirty="0">
-                <a:solidFill>
-                  <a:schemeClr val="accent6">
-                    <a:lumMod val="60000"/>
-                    <a:lumOff val="40000"/>
-                  </a:schemeClr>
-                </a:solidFill>
-              </a:rPr>
-              <a:t> Caching, </a:t>
-            </a:r>
-            <a:r>
-              <a:rPr lang="de-AT" dirty="0" err="1">
-                <a:solidFill>
-                  <a:schemeClr val="accent6">
-                    <a:lumMod val="60000"/>
-                    <a:lumOff val="40000"/>
-                  </a:schemeClr>
-                </a:solidFill>
-              </a:rPr>
-              <a:t>Indexed</a:t>
-            </a:r>
-            <a:r>
-              <a:rPr lang="de-AT" dirty="0">
-                <a:solidFill>
-                  <a:schemeClr val="accent6">
-                    <a:lumMod val="60000"/>
-                    <a:lumOff val="40000"/>
-                  </a:schemeClr>
-                </a:solidFill>
-              </a:rPr>
-              <a:t> DB </a:t>
-            </a:r>
-            <a:r>
-              <a:rPr lang="de-AT" dirty="0" err="1">
-                <a:solidFill>
-                  <a:schemeClr val="accent6">
-                    <a:lumMod val="60000"/>
-                    <a:lumOff val="40000"/>
-                  </a:schemeClr>
-                </a:solidFill>
-              </a:rPr>
-              <a:t>and</a:t>
-            </a:r>
-            <a:r>
-              <a:rPr lang="de-AT" dirty="0">
-                <a:solidFill>
-                  <a:schemeClr val="accent6">
-                    <a:lumMod val="60000"/>
-                    <a:lumOff val="40000"/>
-                  </a:schemeClr>
-                </a:solidFill>
-              </a:rPr>
-              <a:t> Dynamic Data</a:t>
-            </a:r>
-          </a:p>
-          <a:p>
-            <a:pPr marL="514350" indent="-514350">
-              <a:buFont typeface="+mj-lt"/>
-              <a:buAutoNum type="arabicPeriod"/>
-            </a:pPr>
-            <a:r>
-              <a:rPr lang="de-AT" dirty="0" err="1">
-                <a:solidFill>
-                  <a:schemeClr val="accent6">
-                    <a:lumMod val="60000"/>
-                    <a:lumOff val="40000"/>
-                  </a:schemeClr>
-                </a:solidFill>
-              </a:rPr>
-              <a:t>Responsive</a:t>
-            </a:r>
-            <a:r>
-              <a:rPr lang="de-AT" dirty="0">
-                <a:solidFill>
-                  <a:schemeClr val="accent6">
-                    <a:lumMod val="60000"/>
-                    <a:lumOff val="40000"/>
-                  </a:schemeClr>
-                </a:solidFill>
-              </a:rPr>
-              <a:t> UI, Background </a:t>
-            </a:r>
-            <a:r>
-              <a:rPr lang="de-AT" dirty="0" err="1">
-                <a:solidFill>
-                  <a:schemeClr val="accent6">
-                    <a:lumMod val="60000"/>
-                    <a:lumOff val="40000"/>
-                  </a:schemeClr>
-                </a:solidFill>
-              </a:rPr>
-              <a:t>Sync</a:t>
-            </a:r>
-            <a:r>
-              <a:rPr lang="de-AT" dirty="0">
-                <a:solidFill>
-                  <a:schemeClr val="accent6">
-                    <a:lumMod val="60000"/>
-                    <a:lumOff val="40000"/>
-                  </a:schemeClr>
-                </a:solidFill>
-              </a:rPr>
-              <a:t> </a:t>
-            </a:r>
-          </a:p>
-          <a:p>
-            <a:pPr marL="514350" indent="-514350">
-              <a:buFont typeface="+mj-lt"/>
-              <a:buAutoNum type="arabicPeriod"/>
-            </a:pPr>
-            <a:r>
-              <a:rPr lang="de-AT" dirty="0">
-                <a:solidFill>
-                  <a:schemeClr val="accent6">
-                    <a:lumMod val="60000"/>
-                    <a:lumOff val="40000"/>
-                  </a:schemeClr>
-                </a:solidFill>
-              </a:rPr>
-              <a:t>Web Push </a:t>
-            </a:r>
-            <a:r>
-              <a:rPr lang="de-AT" dirty="0" err="1">
-                <a:solidFill>
-                  <a:schemeClr val="accent6">
-                    <a:lumMod val="60000"/>
-                    <a:lumOff val="40000"/>
-                  </a:schemeClr>
-                </a:solidFill>
-              </a:rPr>
-              <a:t>Notifications</a:t>
-            </a:r>
-            <a:r>
-              <a:rPr lang="de-AT" dirty="0">
-                <a:solidFill>
-                  <a:schemeClr val="accent6">
-                    <a:lumMod val="60000"/>
-                    <a:lumOff val="40000"/>
-                  </a:schemeClr>
-                </a:solidFill>
-              </a:rPr>
-              <a:t> </a:t>
-            </a:r>
-          </a:p>
-          <a:p>
-            <a:pPr marL="514350" indent="-514350">
-              <a:buFont typeface="+mj-lt"/>
-              <a:buAutoNum type="arabicPeriod"/>
-            </a:pPr>
-            <a:r>
-              <a:rPr lang="de-AT" dirty="0"/>
-              <a:t>Native Device Features</a:t>
-            </a:r>
-          </a:p>
-          <a:p>
-            <a:pPr marL="514350" indent="-514350">
-              <a:buFont typeface="+mj-lt"/>
-              <a:buAutoNum type="arabicPeriod"/>
-            </a:pPr>
-            <a:r>
-              <a:rPr lang="de-AT" dirty="0">
-                <a:solidFill>
-                  <a:schemeClr val="bg1">
-                    <a:lumMod val="85000"/>
-                  </a:schemeClr>
-                </a:solidFill>
-              </a:rPr>
-              <a:t>Round </a:t>
-            </a:r>
-            <a:r>
-              <a:rPr lang="de-AT" dirty="0" err="1">
-                <a:solidFill>
-                  <a:schemeClr val="bg1">
-                    <a:lumMod val="85000"/>
-                  </a:schemeClr>
-                </a:solidFill>
-              </a:rPr>
-              <a:t>Up</a:t>
-            </a:r>
-            <a:r>
-              <a:rPr lang="de-AT" dirty="0">
-                <a:solidFill>
-                  <a:schemeClr val="bg1">
-                    <a:lumMod val="85000"/>
-                  </a:schemeClr>
-                </a:solidFill>
-              </a:rPr>
-              <a:t> &amp; Quiz</a:t>
-            </a:r>
-          </a:p>
-          <a:p>
-            <a:endParaRPr lang="de-AT" dirty="0"/>
+              <a:rPr lang="de-AT" sz="1400" dirty="0" err="1">
+                <a:solidFill>
+                  <a:schemeClr val="bg1"/>
+                </a:solidFill>
+              </a:rPr>
+              <a:t>res</a:t>
+            </a:r>
+            <a:r>
+              <a:rPr lang="de-AT" sz="1400" dirty="0">
+                <a:solidFill>
+                  <a:schemeClr val="bg1"/>
+                </a:solidFill>
+              </a:rPr>
+              <a:t>;</a:t>
+            </a:r>
+          </a:p>
+          <a:p>
+            <a:r>
+              <a:rPr lang="de-AT" sz="1400" dirty="0">
+                <a:solidFill>
+                  <a:schemeClr val="bg1"/>
+                </a:solidFill>
+              </a:rPr>
+              <a:t>            })</a:t>
+            </a:r>
+          </a:p>
+          <a:p>
+            <a:r>
+              <a:rPr lang="de-AT" sz="1400" dirty="0">
+                <a:solidFill>
+                  <a:schemeClr val="bg1"/>
+                </a:solidFill>
+              </a:rPr>
+              <a:t>        );</a:t>
+            </a:r>
+          </a:p>
+          <a:p>
+            <a:r>
+              <a:rPr lang="de-AT" sz="1400" dirty="0">
+                <a:solidFill>
+                  <a:schemeClr val="bg1"/>
+                </a:solidFill>
+              </a:rPr>
+              <a:t>    }</a:t>
+            </a:r>
           </a:p>
         </p:txBody>
       </p:sp>
     </p:spTree>
     <p:extLst>
       <p:ext uri="{BB962C8B-B14F-4D97-AF65-F5344CB8AC3E}">
-        <p14:creationId xmlns:p14="http://schemas.microsoft.com/office/powerpoint/2010/main" val="1796238282"/>
+        <p14:creationId xmlns:p14="http://schemas.microsoft.com/office/powerpoint/2010/main" val="1619782779"/>
       </p:ext>
     </p:extLst>
   </p:cSld>
@@ -27563,6 +27862,2599 @@
           <a:lstStyle/>
           <a:p>
             <a:r>
+              <a:rPr lang="de-AT" dirty="0" smtClean="0"/>
+              <a:t>Links</a:t>
+            </a:r>
+            <a:endParaRPr lang="de-AT" dirty="0"/>
+          </a:p>
+        </p:txBody>
+      </p:sp>
+      <p:sp>
+        <p:nvSpPr>
+          <p:cNvPr id="3" name="Inhaltsplatzhalter 2"/>
+          <p:cNvSpPr>
+            <a:spLocks noGrp="1"/>
+          </p:cNvSpPr>
+          <p:nvPr>
+            <p:ph idx="1"/>
+          </p:nvPr>
+        </p:nvSpPr>
+        <p:spPr/>
+        <p:txBody>
+          <a:bodyPr/>
+          <a:lstStyle/>
+          <a:p>
+            <a:r>
+              <a:rPr lang="en-US" dirty="0" err="1">
+                <a:hlinkClick r:id="rId2"/>
+              </a:rPr>
+              <a:t>jakearchibald</a:t>
+            </a:r>
+            <a:r>
+              <a:rPr lang="en-US" dirty="0">
+                <a:hlinkClick r:id="rId2"/>
+              </a:rPr>
+              <a:t>/</a:t>
+            </a:r>
+            <a:r>
+              <a:rPr lang="en-US" dirty="0" err="1">
+                <a:hlinkClick r:id="rId2"/>
+              </a:rPr>
+              <a:t>idb</a:t>
+            </a:r>
+            <a:r>
+              <a:rPr lang="en-US" dirty="0">
+                <a:hlinkClick r:id="rId2"/>
+              </a:rPr>
+              <a:t>: </a:t>
+            </a:r>
+            <a:r>
+              <a:rPr lang="en-US" dirty="0" err="1">
+                <a:hlinkClick r:id="rId2"/>
+              </a:rPr>
+              <a:t>IndexedDB</a:t>
+            </a:r>
+            <a:r>
+              <a:rPr lang="en-US" dirty="0">
+                <a:hlinkClick r:id="rId2"/>
+              </a:rPr>
+              <a:t>, but with promises (github.com</a:t>
+            </a:r>
+            <a:r>
+              <a:rPr lang="en-US" dirty="0" smtClean="0">
+                <a:hlinkClick r:id="rId2"/>
+              </a:rPr>
+              <a:t>)</a:t>
+            </a:r>
+            <a:endParaRPr lang="en-US" dirty="0" smtClean="0"/>
+          </a:p>
+          <a:p>
+            <a:r>
+              <a:rPr lang="de-AT" dirty="0" err="1">
+                <a:hlinkClick r:id="rId3"/>
+              </a:rPr>
+              <a:t>IndexedDB</a:t>
+            </a:r>
+            <a:r>
+              <a:rPr lang="de-AT" dirty="0">
+                <a:hlinkClick r:id="rId3"/>
+              </a:rPr>
+              <a:t> - Web API Referenz | MDN (mozilla.org)</a:t>
+            </a:r>
+            <a:endParaRPr lang="de-AT" dirty="0"/>
+          </a:p>
+        </p:txBody>
+      </p:sp>
+    </p:spTree>
+    <p:extLst>
+      <p:ext uri="{BB962C8B-B14F-4D97-AF65-F5344CB8AC3E}">
+        <p14:creationId xmlns:p14="http://schemas.microsoft.com/office/powerpoint/2010/main" val="1314971489"/>
+      </p:ext>
+    </p:extLst>
+  </p:cSld>
+  <p:clrMapOvr>
+    <a:masterClrMapping/>
+  </p:clrMapOvr>
+</p:sld>
+</file>
+
+<file path=ppt/slides/slide71.xml><?xml version="1.0" encoding="utf-8"?>
+<p:sld xmlns:a="http://schemas.openxmlformats.org/drawingml/2006/main" xmlns:r="http://schemas.openxmlformats.org/officeDocument/2006/relationships" xmlns:p="http://schemas.openxmlformats.org/presentationml/2006/main">
+  <p:cSld>
+    <p:spTree>
+      <p:nvGrpSpPr>
+        <p:cNvPr id="1" name=""/>
+        <p:cNvGrpSpPr/>
+        <p:nvPr/>
+      </p:nvGrpSpPr>
+      <p:grpSpPr>
+        <a:xfrm>
+          <a:off x="0" y="0"/>
+          <a:ext cx="0" cy="0"/>
+          <a:chOff x="0" y="0"/>
+          <a:chExt cx="0" cy="0"/>
+        </a:xfrm>
+      </p:grpSpPr>
+      <p:sp>
+        <p:nvSpPr>
+          <p:cNvPr id="2" name="Titel 1"/>
+          <p:cNvSpPr>
+            <a:spLocks noGrp="1"/>
+          </p:cNvSpPr>
+          <p:nvPr>
+            <p:ph type="title"/>
+          </p:nvPr>
+        </p:nvSpPr>
+        <p:spPr/>
+        <p:txBody>
+          <a:bodyPr/>
+          <a:lstStyle/>
+          <a:p>
+            <a:r>
+              <a:rPr lang="de-AT" dirty="0"/>
+              <a:t>Outline</a:t>
+            </a:r>
+          </a:p>
+        </p:txBody>
+      </p:sp>
+      <p:sp>
+        <p:nvSpPr>
+          <p:cNvPr id="3" name="Inhaltsplatzhalter 2"/>
+          <p:cNvSpPr>
+            <a:spLocks noGrp="1"/>
+          </p:cNvSpPr>
+          <p:nvPr>
+            <p:ph idx="1"/>
+          </p:nvPr>
+        </p:nvSpPr>
+        <p:spPr/>
+        <p:txBody>
+          <a:bodyPr>
+            <a:normAutofit lnSpcReduction="10000"/>
+          </a:bodyPr>
+          <a:lstStyle/>
+          <a:p>
+            <a:pPr marL="514350" indent="-514350">
+              <a:buFont typeface="+mj-lt"/>
+              <a:buAutoNum type="arabicPeriod"/>
+            </a:pPr>
+            <a:r>
+              <a:rPr lang="de-AT" dirty="0">
+                <a:solidFill>
+                  <a:schemeClr val="accent6">
+                    <a:lumMod val="60000"/>
+                    <a:lumOff val="40000"/>
+                  </a:schemeClr>
+                </a:solidFill>
+              </a:rPr>
+              <a:t>Basics</a:t>
+            </a:r>
+          </a:p>
+          <a:p>
+            <a:pPr marL="971550" lvl="1" indent="-514350">
+              <a:buFont typeface="+mj-lt"/>
+              <a:buAutoNum type="arabicPeriod"/>
+            </a:pPr>
+            <a:r>
+              <a:rPr lang="de-AT" dirty="0">
+                <a:solidFill>
+                  <a:schemeClr val="accent6">
+                    <a:lumMod val="60000"/>
+                    <a:lumOff val="40000"/>
+                  </a:schemeClr>
+                </a:solidFill>
+              </a:rPr>
+              <a:t>App Manifest </a:t>
+            </a:r>
+          </a:p>
+          <a:p>
+            <a:pPr marL="971550" lvl="1" indent="-514350">
+              <a:buFont typeface="+mj-lt"/>
+              <a:buAutoNum type="arabicPeriod"/>
+            </a:pPr>
+            <a:r>
+              <a:rPr lang="de-AT" dirty="0">
+                <a:solidFill>
+                  <a:schemeClr val="accent6">
+                    <a:lumMod val="60000"/>
+                    <a:lumOff val="40000"/>
+                  </a:schemeClr>
+                </a:solidFill>
+              </a:rPr>
+              <a:t>Service </a:t>
+            </a:r>
+            <a:r>
+              <a:rPr lang="de-AT" dirty="0" err="1">
+                <a:solidFill>
+                  <a:schemeClr val="accent6">
+                    <a:lumMod val="60000"/>
+                    <a:lumOff val="40000"/>
+                  </a:schemeClr>
+                </a:solidFill>
+              </a:rPr>
+              <a:t>Workers</a:t>
+            </a:r>
+            <a:endParaRPr lang="de-AT" dirty="0">
+              <a:solidFill>
+                <a:schemeClr val="accent6">
+                  <a:lumMod val="60000"/>
+                  <a:lumOff val="40000"/>
+                </a:schemeClr>
+              </a:solidFill>
+            </a:endParaRPr>
+          </a:p>
+          <a:p>
+            <a:pPr marL="971550" lvl="1" indent="-514350">
+              <a:buFont typeface="+mj-lt"/>
+              <a:buAutoNum type="arabicPeriod"/>
+            </a:pPr>
+            <a:r>
+              <a:rPr lang="de-AT" dirty="0">
+                <a:solidFill>
+                  <a:schemeClr val="accent6">
+                    <a:lumMod val="60000"/>
+                    <a:lumOff val="40000"/>
+                  </a:schemeClr>
+                </a:solidFill>
+              </a:rPr>
+              <a:t>Installation</a:t>
+            </a:r>
+          </a:p>
+          <a:p>
+            <a:pPr marL="514350" indent="-514350">
+              <a:buFont typeface="+mj-lt"/>
+              <a:buAutoNum type="arabicPeriod"/>
+            </a:pPr>
+            <a:r>
+              <a:rPr lang="de-AT" dirty="0" err="1">
+                <a:solidFill>
+                  <a:schemeClr val="accent6">
+                    <a:lumMod val="60000"/>
+                    <a:lumOff val="40000"/>
+                  </a:schemeClr>
+                </a:solidFill>
+              </a:rPr>
+              <a:t>Promise</a:t>
+            </a:r>
+            <a:r>
+              <a:rPr lang="de-AT" dirty="0">
+                <a:solidFill>
+                  <a:schemeClr val="accent6">
+                    <a:lumMod val="60000"/>
+                    <a:lumOff val="40000"/>
+                  </a:schemeClr>
+                </a:solidFill>
+              </a:rPr>
+              <a:t> </a:t>
+            </a:r>
+            <a:r>
+              <a:rPr lang="de-AT" dirty="0" err="1">
+                <a:solidFill>
+                  <a:schemeClr val="accent6">
+                    <a:lumMod val="60000"/>
+                    <a:lumOff val="40000"/>
+                  </a:schemeClr>
+                </a:solidFill>
+              </a:rPr>
+              <a:t>and</a:t>
+            </a:r>
+            <a:r>
+              <a:rPr lang="de-AT" dirty="0">
+                <a:solidFill>
+                  <a:schemeClr val="accent6">
+                    <a:lumMod val="60000"/>
+                    <a:lumOff val="40000"/>
+                  </a:schemeClr>
+                </a:solidFill>
+              </a:rPr>
+              <a:t> </a:t>
+            </a:r>
+            <a:r>
+              <a:rPr lang="de-AT" dirty="0" err="1">
+                <a:solidFill>
+                  <a:schemeClr val="accent6">
+                    <a:lumMod val="60000"/>
+                    <a:lumOff val="40000"/>
+                  </a:schemeClr>
+                </a:solidFill>
+              </a:rPr>
+              <a:t>Fetch</a:t>
+            </a:r>
+            <a:r>
+              <a:rPr lang="de-AT" dirty="0">
+                <a:solidFill>
+                  <a:schemeClr val="accent6">
+                    <a:lumMod val="60000"/>
+                    <a:lumOff val="40000"/>
+                  </a:schemeClr>
+                </a:solidFill>
+              </a:rPr>
+              <a:t>, Service Worker Caching</a:t>
+            </a:r>
+          </a:p>
+          <a:p>
+            <a:pPr marL="514350" indent="-514350">
+              <a:buFont typeface="+mj-lt"/>
+              <a:buAutoNum type="arabicPeriod"/>
+            </a:pPr>
+            <a:r>
+              <a:rPr lang="de-AT" dirty="0" err="1">
+                <a:solidFill>
+                  <a:schemeClr val="accent6">
+                    <a:lumMod val="60000"/>
+                    <a:lumOff val="40000"/>
+                  </a:schemeClr>
+                </a:solidFill>
+              </a:rPr>
+              <a:t>Advanced</a:t>
+            </a:r>
+            <a:r>
+              <a:rPr lang="de-AT" dirty="0">
+                <a:solidFill>
+                  <a:schemeClr val="accent6">
+                    <a:lumMod val="60000"/>
+                    <a:lumOff val="40000"/>
+                  </a:schemeClr>
+                </a:solidFill>
+              </a:rPr>
+              <a:t> Caching, </a:t>
+            </a:r>
+            <a:r>
+              <a:rPr lang="de-AT" dirty="0" err="1">
+                <a:solidFill>
+                  <a:schemeClr val="accent6">
+                    <a:lumMod val="60000"/>
+                    <a:lumOff val="40000"/>
+                  </a:schemeClr>
+                </a:solidFill>
+              </a:rPr>
+              <a:t>Indexed</a:t>
+            </a:r>
+            <a:r>
+              <a:rPr lang="de-AT" dirty="0">
+                <a:solidFill>
+                  <a:schemeClr val="accent6">
+                    <a:lumMod val="60000"/>
+                    <a:lumOff val="40000"/>
+                  </a:schemeClr>
+                </a:solidFill>
+              </a:rPr>
+              <a:t> DB </a:t>
+            </a:r>
+            <a:r>
+              <a:rPr lang="de-AT" dirty="0" err="1">
+                <a:solidFill>
+                  <a:schemeClr val="accent6">
+                    <a:lumMod val="60000"/>
+                    <a:lumOff val="40000"/>
+                  </a:schemeClr>
+                </a:solidFill>
+              </a:rPr>
+              <a:t>and</a:t>
+            </a:r>
+            <a:r>
+              <a:rPr lang="de-AT" dirty="0">
+                <a:solidFill>
+                  <a:schemeClr val="accent6">
+                    <a:lumMod val="60000"/>
+                    <a:lumOff val="40000"/>
+                  </a:schemeClr>
+                </a:solidFill>
+              </a:rPr>
+              <a:t> Dynamic Data</a:t>
+            </a:r>
+          </a:p>
+          <a:p>
+            <a:pPr marL="514350" indent="-514350">
+              <a:buFont typeface="+mj-lt"/>
+              <a:buAutoNum type="arabicPeriod"/>
+            </a:pPr>
+            <a:r>
+              <a:rPr lang="de-AT" dirty="0" err="1">
+                <a:solidFill>
+                  <a:schemeClr val="bg1">
+                    <a:lumMod val="85000"/>
+                  </a:schemeClr>
+                </a:solidFill>
+              </a:rPr>
+              <a:t>Responsive</a:t>
+            </a:r>
+            <a:r>
+              <a:rPr lang="de-AT" dirty="0">
+                <a:solidFill>
+                  <a:schemeClr val="bg1">
+                    <a:lumMod val="85000"/>
+                  </a:schemeClr>
+                </a:solidFill>
+              </a:rPr>
+              <a:t> UI, </a:t>
+            </a:r>
+            <a:r>
+              <a:rPr lang="de-AT" dirty="0"/>
+              <a:t>Background </a:t>
+            </a:r>
+            <a:r>
+              <a:rPr lang="de-AT" dirty="0" err="1"/>
+              <a:t>Sync</a:t>
+            </a:r>
+            <a:r>
+              <a:rPr lang="de-AT" dirty="0"/>
+              <a:t> </a:t>
+            </a:r>
+          </a:p>
+          <a:p>
+            <a:pPr marL="514350" indent="-514350">
+              <a:buFont typeface="+mj-lt"/>
+              <a:buAutoNum type="arabicPeriod"/>
+            </a:pPr>
+            <a:r>
+              <a:rPr lang="de-AT" dirty="0">
+                <a:solidFill>
+                  <a:schemeClr val="bg1">
+                    <a:lumMod val="85000"/>
+                  </a:schemeClr>
+                </a:solidFill>
+              </a:rPr>
+              <a:t>Web Push </a:t>
+            </a:r>
+            <a:r>
+              <a:rPr lang="de-AT" dirty="0" err="1">
+                <a:solidFill>
+                  <a:schemeClr val="bg1">
+                    <a:lumMod val="85000"/>
+                  </a:schemeClr>
+                </a:solidFill>
+              </a:rPr>
+              <a:t>Notifications</a:t>
+            </a:r>
+            <a:r>
+              <a:rPr lang="de-AT" dirty="0">
+                <a:solidFill>
+                  <a:schemeClr val="bg1">
+                    <a:lumMod val="85000"/>
+                  </a:schemeClr>
+                </a:solidFill>
+              </a:rPr>
+              <a:t> </a:t>
+            </a:r>
+          </a:p>
+          <a:p>
+            <a:pPr marL="514350" indent="-514350">
+              <a:buFont typeface="+mj-lt"/>
+              <a:buAutoNum type="arabicPeriod"/>
+            </a:pPr>
+            <a:r>
+              <a:rPr lang="de-AT" dirty="0">
+                <a:solidFill>
+                  <a:schemeClr val="bg1">
+                    <a:lumMod val="85000"/>
+                  </a:schemeClr>
+                </a:solidFill>
+              </a:rPr>
+              <a:t>Native Device Features</a:t>
+            </a:r>
+          </a:p>
+          <a:p>
+            <a:pPr marL="514350" indent="-514350">
+              <a:buFont typeface="+mj-lt"/>
+              <a:buAutoNum type="arabicPeriod"/>
+            </a:pPr>
+            <a:r>
+              <a:rPr lang="de-AT" dirty="0">
+                <a:solidFill>
+                  <a:schemeClr val="bg1">
+                    <a:lumMod val="85000"/>
+                  </a:schemeClr>
+                </a:solidFill>
+              </a:rPr>
+              <a:t>Round </a:t>
+            </a:r>
+            <a:r>
+              <a:rPr lang="de-AT" dirty="0" err="1">
+                <a:solidFill>
+                  <a:schemeClr val="bg1">
+                    <a:lumMod val="85000"/>
+                  </a:schemeClr>
+                </a:solidFill>
+              </a:rPr>
+              <a:t>Up</a:t>
+            </a:r>
+            <a:r>
+              <a:rPr lang="de-AT" dirty="0">
+                <a:solidFill>
+                  <a:schemeClr val="bg1">
+                    <a:lumMod val="85000"/>
+                  </a:schemeClr>
+                </a:solidFill>
+              </a:rPr>
+              <a:t> &amp; Quiz</a:t>
+            </a:r>
+          </a:p>
+          <a:p>
+            <a:endParaRPr lang="de-AT" dirty="0"/>
+          </a:p>
+        </p:txBody>
+      </p:sp>
+    </p:spTree>
+    <p:extLst>
+      <p:ext uri="{BB962C8B-B14F-4D97-AF65-F5344CB8AC3E}">
+        <p14:creationId xmlns:p14="http://schemas.microsoft.com/office/powerpoint/2010/main" val="1801515692"/>
+      </p:ext>
+    </p:extLst>
+  </p:cSld>
+  <p:clrMapOvr>
+    <a:masterClrMapping/>
+  </p:clrMapOvr>
+</p:sld>
+</file>
+
+<file path=ppt/slides/slide72.xml><?xml version="1.0" encoding="utf-8"?>
+<p:sld xmlns:a="http://schemas.openxmlformats.org/drawingml/2006/main" xmlns:r="http://schemas.openxmlformats.org/officeDocument/2006/relationships" xmlns:p="http://schemas.openxmlformats.org/presentationml/2006/main">
+  <p:cSld>
+    <p:spTree>
+      <p:nvGrpSpPr>
+        <p:cNvPr id="1" name=""/>
+        <p:cNvGrpSpPr/>
+        <p:nvPr/>
+      </p:nvGrpSpPr>
+      <p:grpSpPr>
+        <a:xfrm>
+          <a:off x="0" y="0"/>
+          <a:ext cx="0" cy="0"/>
+          <a:chOff x="0" y="0"/>
+          <a:chExt cx="0" cy="0"/>
+        </a:xfrm>
+      </p:grpSpPr>
+      <p:sp>
+        <p:nvSpPr>
+          <p:cNvPr id="2" name="Titel 1"/>
+          <p:cNvSpPr>
+            <a:spLocks noGrp="1"/>
+          </p:cNvSpPr>
+          <p:nvPr>
+            <p:ph type="title"/>
+          </p:nvPr>
+        </p:nvSpPr>
+        <p:spPr/>
+        <p:txBody>
+          <a:bodyPr/>
+          <a:lstStyle/>
+          <a:p>
+            <a:r>
+              <a:rPr lang="de-AT" dirty="0" smtClean="0"/>
+              <a:t>Background </a:t>
+            </a:r>
+            <a:r>
+              <a:rPr lang="de-AT" dirty="0" err="1" smtClean="0"/>
+              <a:t>Sync</a:t>
+            </a:r>
+            <a:endParaRPr lang="de-AT" dirty="0"/>
+          </a:p>
+        </p:txBody>
+      </p:sp>
+      <p:sp>
+        <p:nvSpPr>
+          <p:cNvPr id="4" name="Rechteck 3"/>
+          <p:cNvSpPr/>
+          <p:nvPr/>
+        </p:nvSpPr>
+        <p:spPr>
+          <a:xfrm>
+            <a:off x="4706711" y="1690688"/>
+            <a:ext cx="1671609" cy="1248403"/>
+          </a:xfrm>
+          <a:prstGeom prst="rect">
+            <a:avLst/>
+          </a:prstGeom>
+        </p:spPr>
+        <p:style>
+          <a:lnRef idx="2">
+            <a:schemeClr val="accent6">
+              <a:shade val="50000"/>
+            </a:schemeClr>
+          </a:lnRef>
+          <a:fillRef idx="1">
+            <a:schemeClr val="accent6"/>
+          </a:fillRef>
+          <a:effectRef idx="0">
+            <a:schemeClr val="accent6"/>
+          </a:effectRef>
+          <a:fontRef idx="minor">
+            <a:schemeClr val="lt1"/>
+          </a:fontRef>
+        </p:style>
+        <p:txBody>
+          <a:bodyPr rtlCol="0" anchor="ctr"/>
+          <a:lstStyle/>
+          <a:p>
+            <a:pPr algn="ctr"/>
+            <a:r>
+              <a:rPr lang="de-AT" dirty="0" smtClean="0"/>
+              <a:t>App</a:t>
+            </a:r>
+            <a:endParaRPr lang="de-AT" dirty="0"/>
+          </a:p>
+        </p:txBody>
+      </p:sp>
+      <p:sp>
+        <p:nvSpPr>
+          <p:cNvPr id="5" name="Rechteck 4"/>
+          <p:cNvSpPr/>
+          <p:nvPr/>
+        </p:nvSpPr>
+        <p:spPr>
+          <a:xfrm>
+            <a:off x="7126860" y="4942362"/>
+            <a:ext cx="1664080" cy="1248403"/>
+          </a:xfrm>
+          <a:prstGeom prst="rect">
+            <a:avLst/>
+          </a:prstGeom>
+        </p:spPr>
+        <p:style>
+          <a:lnRef idx="2">
+            <a:schemeClr val="accent5">
+              <a:shade val="50000"/>
+            </a:schemeClr>
+          </a:lnRef>
+          <a:fillRef idx="1">
+            <a:schemeClr val="accent5"/>
+          </a:fillRef>
+          <a:effectRef idx="0">
+            <a:schemeClr val="accent5"/>
+          </a:effectRef>
+          <a:fontRef idx="minor">
+            <a:schemeClr val="lt1"/>
+          </a:fontRef>
+        </p:style>
+        <p:txBody>
+          <a:bodyPr rtlCol="0" anchor="ctr"/>
+          <a:lstStyle/>
+          <a:p>
+            <a:pPr algn="ctr"/>
+            <a:r>
+              <a:rPr lang="de-AT" dirty="0" smtClean="0"/>
+              <a:t>Server</a:t>
+            </a:r>
+          </a:p>
+          <a:p>
+            <a:pPr algn="ctr"/>
+            <a:r>
+              <a:rPr lang="de-AT" dirty="0" smtClean="0"/>
+              <a:t>(API…)</a:t>
+            </a:r>
+            <a:endParaRPr lang="de-AT" dirty="0"/>
+          </a:p>
+        </p:txBody>
+      </p:sp>
+      <p:sp>
+        <p:nvSpPr>
+          <p:cNvPr id="8" name="Ellipse 7"/>
+          <p:cNvSpPr/>
+          <p:nvPr/>
+        </p:nvSpPr>
+        <p:spPr>
+          <a:xfrm>
+            <a:off x="6620153" y="1901493"/>
+            <a:ext cx="2677494" cy="826793"/>
+          </a:xfrm>
+          <a:prstGeom prst="ellipse">
+            <a:avLst/>
+          </a:prstGeom>
+        </p:spPr>
+        <p:style>
+          <a:lnRef idx="2">
+            <a:schemeClr val="accent1">
+              <a:shade val="50000"/>
+            </a:schemeClr>
+          </a:lnRef>
+          <a:fillRef idx="1">
+            <a:schemeClr val="accent1"/>
+          </a:fillRef>
+          <a:effectRef idx="0">
+            <a:schemeClr val="accent1"/>
+          </a:effectRef>
+          <a:fontRef idx="minor">
+            <a:schemeClr val="lt1"/>
+          </a:fontRef>
+        </p:style>
+        <p:txBody>
+          <a:bodyPr rtlCol="0" anchor="ctr"/>
+          <a:lstStyle/>
+          <a:p>
+            <a:pPr algn="ctr"/>
+            <a:r>
+              <a:rPr lang="de-AT" dirty="0" err="1" smtClean="0"/>
+              <a:t>Wants</a:t>
+            </a:r>
+            <a:r>
+              <a:rPr lang="de-AT" dirty="0" smtClean="0"/>
+              <a:t> </a:t>
+            </a:r>
+            <a:r>
+              <a:rPr lang="de-AT" dirty="0" err="1" smtClean="0"/>
+              <a:t>to</a:t>
+            </a:r>
+            <a:r>
+              <a:rPr lang="de-AT" dirty="0" smtClean="0"/>
+              <a:t> send </a:t>
+            </a:r>
+            <a:r>
+              <a:rPr lang="de-AT" dirty="0" err="1" smtClean="0"/>
+              <a:t>data</a:t>
+            </a:r>
+            <a:r>
+              <a:rPr lang="de-AT" dirty="0" smtClean="0"/>
+              <a:t> </a:t>
+            </a:r>
+            <a:r>
+              <a:rPr lang="de-AT" dirty="0" err="1" smtClean="0"/>
+              <a:t>to</a:t>
+            </a:r>
+            <a:r>
+              <a:rPr lang="de-AT" dirty="0" smtClean="0"/>
+              <a:t> </a:t>
+            </a:r>
+            <a:r>
+              <a:rPr lang="de-AT" dirty="0" err="1" smtClean="0"/>
+              <a:t>the</a:t>
+            </a:r>
+            <a:r>
+              <a:rPr lang="de-AT" dirty="0" smtClean="0"/>
+              <a:t> </a:t>
+            </a:r>
+            <a:r>
+              <a:rPr lang="de-AT" dirty="0" err="1" smtClean="0"/>
+              <a:t>server</a:t>
+            </a:r>
+            <a:endParaRPr lang="de-AT" dirty="0"/>
+          </a:p>
+        </p:txBody>
+      </p:sp>
+      <p:cxnSp>
+        <p:nvCxnSpPr>
+          <p:cNvPr id="10" name="Gewinkelte Verbindung 9"/>
+          <p:cNvCxnSpPr>
+            <a:stCxn id="4" idx="3"/>
+            <a:endCxn id="5" idx="0"/>
+          </p:cNvCxnSpPr>
+          <p:nvPr/>
+        </p:nvCxnSpPr>
+        <p:spPr>
+          <a:xfrm>
+            <a:off x="6378320" y="2314890"/>
+            <a:ext cx="1580580" cy="2627472"/>
+          </a:xfrm>
+          <a:prstGeom prst="bentConnector2">
+            <a:avLst/>
+          </a:prstGeom>
+          <a:ln>
+            <a:tailEnd type="triangle"/>
+          </a:ln>
+        </p:spPr>
+        <p:style>
+          <a:lnRef idx="1">
+            <a:schemeClr val="accent1"/>
+          </a:lnRef>
+          <a:fillRef idx="0">
+            <a:schemeClr val="accent1"/>
+          </a:fillRef>
+          <a:effectRef idx="0">
+            <a:schemeClr val="accent1"/>
+          </a:effectRef>
+          <a:fontRef idx="minor">
+            <a:schemeClr val="tx1"/>
+          </a:fontRef>
+        </p:style>
+      </p:cxnSp>
+      <p:sp>
+        <p:nvSpPr>
+          <p:cNvPr id="11" name="Gewitterblitz 10"/>
+          <p:cNvSpPr/>
+          <p:nvPr/>
+        </p:nvSpPr>
+        <p:spPr>
+          <a:xfrm>
+            <a:off x="7293298" y="4221571"/>
+            <a:ext cx="1204599" cy="1204599"/>
+          </a:xfrm>
+          <a:prstGeom prst="lightningBolt">
+            <a:avLst/>
+          </a:prstGeom>
+        </p:spPr>
+        <p:style>
+          <a:lnRef idx="2">
+            <a:schemeClr val="accent1">
+              <a:shade val="50000"/>
+            </a:schemeClr>
+          </a:lnRef>
+          <a:fillRef idx="1">
+            <a:schemeClr val="accent1"/>
+          </a:fillRef>
+          <a:effectRef idx="0">
+            <a:schemeClr val="accent1"/>
+          </a:effectRef>
+          <a:fontRef idx="minor">
+            <a:schemeClr val="lt1"/>
+          </a:fontRef>
+        </p:style>
+        <p:txBody>
+          <a:bodyPr rtlCol="0" anchor="ctr"/>
+          <a:lstStyle/>
+          <a:p>
+            <a:pPr algn="ctr"/>
+            <a:endParaRPr lang="de-AT"/>
+          </a:p>
+        </p:txBody>
+      </p:sp>
+      <p:sp>
+        <p:nvSpPr>
+          <p:cNvPr id="12" name="Textfeld 11"/>
+          <p:cNvSpPr txBox="1"/>
+          <p:nvPr/>
+        </p:nvSpPr>
+        <p:spPr>
+          <a:xfrm>
+            <a:off x="8196747" y="4084685"/>
+            <a:ext cx="2365006" cy="369332"/>
+          </a:xfrm>
+          <a:prstGeom prst="rect">
+            <a:avLst/>
+          </a:prstGeom>
+          <a:noFill/>
+        </p:spPr>
+        <p:txBody>
+          <a:bodyPr wrap="none" rtlCol="0">
+            <a:spAutoFit/>
+          </a:bodyPr>
+          <a:lstStyle/>
+          <a:p>
+            <a:r>
+              <a:rPr lang="de-AT" dirty="0" err="1" smtClean="0"/>
+              <a:t>No</a:t>
+            </a:r>
+            <a:r>
+              <a:rPr lang="de-AT" dirty="0" smtClean="0"/>
+              <a:t> </a:t>
+            </a:r>
+            <a:r>
+              <a:rPr lang="de-AT" dirty="0" err="1" smtClean="0"/>
+              <a:t>internet</a:t>
+            </a:r>
+            <a:r>
+              <a:rPr lang="de-AT" dirty="0" smtClean="0"/>
+              <a:t> </a:t>
+            </a:r>
+            <a:r>
+              <a:rPr lang="de-AT" dirty="0" err="1" smtClean="0"/>
+              <a:t>connection</a:t>
+            </a:r>
+            <a:endParaRPr lang="de-AT" dirty="0"/>
+          </a:p>
+        </p:txBody>
+      </p:sp>
+      <p:sp>
+        <p:nvSpPr>
+          <p:cNvPr id="13" name="Rechteck 12"/>
+          <p:cNvSpPr/>
+          <p:nvPr/>
+        </p:nvSpPr>
+        <p:spPr>
+          <a:xfrm>
+            <a:off x="2379645" y="4942361"/>
+            <a:ext cx="1664080" cy="1248403"/>
+          </a:xfrm>
+          <a:prstGeom prst="rect">
+            <a:avLst/>
+          </a:prstGeom>
+        </p:spPr>
+        <p:style>
+          <a:lnRef idx="2">
+            <a:schemeClr val="accent5">
+              <a:shade val="50000"/>
+            </a:schemeClr>
+          </a:lnRef>
+          <a:fillRef idx="1">
+            <a:schemeClr val="accent5"/>
+          </a:fillRef>
+          <a:effectRef idx="0">
+            <a:schemeClr val="accent5"/>
+          </a:effectRef>
+          <a:fontRef idx="minor">
+            <a:schemeClr val="lt1"/>
+          </a:fontRef>
+        </p:style>
+        <p:txBody>
+          <a:bodyPr rtlCol="0" anchor="ctr"/>
+          <a:lstStyle/>
+          <a:p>
+            <a:pPr algn="ctr"/>
+            <a:r>
+              <a:rPr lang="de-AT" dirty="0" smtClean="0"/>
+              <a:t>Service Worker</a:t>
+            </a:r>
+            <a:endParaRPr lang="de-AT" dirty="0"/>
+          </a:p>
+        </p:txBody>
+      </p:sp>
+      <p:cxnSp>
+        <p:nvCxnSpPr>
+          <p:cNvPr id="15" name="Gewinkelte Verbindung 14"/>
+          <p:cNvCxnSpPr>
+            <a:stCxn id="4" idx="1"/>
+            <a:endCxn id="13" idx="0"/>
+          </p:cNvCxnSpPr>
+          <p:nvPr/>
+        </p:nvCxnSpPr>
+        <p:spPr>
+          <a:xfrm rot="10800000" flipV="1">
+            <a:off x="3211685" y="2314889"/>
+            <a:ext cx="1495026" cy="2627471"/>
+          </a:xfrm>
+          <a:prstGeom prst="bentConnector2">
+            <a:avLst/>
+          </a:prstGeom>
+          <a:ln>
+            <a:tailEnd type="triangle"/>
+          </a:ln>
+        </p:spPr>
+        <p:style>
+          <a:lnRef idx="1">
+            <a:schemeClr val="accent1"/>
+          </a:lnRef>
+          <a:fillRef idx="0">
+            <a:schemeClr val="accent1"/>
+          </a:fillRef>
+          <a:effectRef idx="0">
+            <a:schemeClr val="accent1"/>
+          </a:effectRef>
+          <a:fontRef idx="minor">
+            <a:schemeClr val="tx1"/>
+          </a:fontRef>
+        </p:style>
+      </p:cxnSp>
+      <p:sp>
+        <p:nvSpPr>
+          <p:cNvPr id="16" name="Ellipse 15"/>
+          <p:cNvSpPr/>
+          <p:nvPr/>
+        </p:nvSpPr>
+        <p:spPr>
+          <a:xfrm>
+            <a:off x="1872937" y="3215227"/>
+            <a:ext cx="2677494" cy="826793"/>
+          </a:xfrm>
+          <a:prstGeom prst="ellipse">
+            <a:avLst/>
+          </a:prstGeom>
+        </p:spPr>
+        <p:style>
+          <a:lnRef idx="2">
+            <a:schemeClr val="accent1">
+              <a:shade val="50000"/>
+            </a:schemeClr>
+          </a:lnRef>
+          <a:fillRef idx="1">
+            <a:schemeClr val="accent1"/>
+          </a:fillRef>
+          <a:effectRef idx="0">
+            <a:schemeClr val="accent1"/>
+          </a:effectRef>
+          <a:fontRef idx="minor">
+            <a:schemeClr val="lt1"/>
+          </a:fontRef>
+        </p:style>
+        <p:txBody>
+          <a:bodyPr rtlCol="0" anchor="ctr"/>
+          <a:lstStyle/>
+          <a:p>
+            <a:pPr algn="ctr"/>
+            <a:r>
+              <a:rPr lang="de-AT" dirty="0" smtClean="0"/>
+              <a:t>Register </a:t>
+            </a:r>
+            <a:r>
+              <a:rPr lang="de-AT" dirty="0" err="1" smtClean="0"/>
+              <a:t>sync</a:t>
+            </a:r>
+            <a:r>
+              <a:rPr lang="de-AT" dirty="0" smtClean="0"/>
+              <a:t> </a:t>
+            </a:r>
+            <a:r>
+              <a:rPr lang="de-AT" dirty="0" err="1" smtClean="0"/>
+              <a:t>task</a:t>
+            </a:r>
+            <a:endParaRPr lang="de-AT" dirty="0"/>
+          </a:p>
+        </p:txBody>
+      </p:sp>
+      <p:sp>
+        <p:nvSpPr>
+          <p:cNvPr id="17" name="Rechteck 16"/>
+          <p:cNvSpPr/>
+          <p:nvPr/>
+        </p:nvSpPr>
+        <p:spPr>
+          <a:xfrm>
+            <a:off x="522555" y="4942357"/>
+            <a:ext cx="1664080" cy="1248403"/>
+          </a:xfrm>
+          <a:prstGeom prst="rect">
+            <a:avLst/>
+          </a:prstGeom>
+        </p:spPr>
+        <p:style>
+          <a:lnRef idx="2">
+            <a:schemeClr val="accent5">
+              <a:shade val="50000"/>
+            </a:schemeClr>
+          </a:lnRef>
+          <a:fillRef idx="1">
+            <a:schemeClr val="accent5"/>
+          </a:fillRef>
+          <a:effectRef idx="0">
+            <a:schemeClr val="accent5"/>
+          </a:effectRef>
+          <a:fontRef idx="minor">
+            <a:schemeClr val="lt1"/>
+          </a:fontRef>
+        </p:style>
+        <p:txBody>
+          <a:bodyPr rtlCol="0" anchor="ctr"/>
+          <a:lstStyle/>
+          <a:p>
+            <a:pPr algn="ctr"/>
+            <a:r>
+              <a:rPr lang="de-AT" dirty="0" err="1" smtClean="0"/>
+              <a:t>Indexed</a:t>
+            </a:r>
+            <a:r>
+              <a:rPr lang="de-AT" dirty="0" smtClean="0"/>
+              <a:t> DB</a:t>
+            </a:r>
+            <a:endParaRPr lang="de-AT" dirty="0"/>
+          </a:p>
+        </p:txBody>
+      </p:sp>
+      <p:cxnSp>
+        <p:nvCxnSpPr>
+          <p:cNvPr id="19" name="Gewinkelte Verbindung 18"/>
+          <p:cNvCxnSpPr>
+            <a:stCxn id="4" idx="1"/>
+            <a:endCxn id="17" idx="0"/>
+          </p:cNvCxnSpPr>
+          <p:nvPr/>
+        </p:nvCxnSpPr>
+        <p:spPr>
+          <a:xfrm rot="10800000" flipV="1">
+            <a:off x="1354595" y="2314889"/>
+            <a:ext cx="3352116" cy="2627467"/>
+          </a:xfrm>
+          <a:prstGeom prst="bentConnector2">
+            <a:avLst/>
+          </a:prstGeom>
+          <a:ln>
+            <a:tailEnd type="triangle"/>
+          </a:ln>
+        </p:spPr>
+        <p:style>
+          <a:lnRef idx="1">
+            <a:schemeClr val="accent1"/>
+          </a:lnRef>
+          <a:fillRef idx="0">
+            <a:schemeClr val="accent1"/>
+          </a:fillRef>
+          <a:effectRef idx="0">
+            <a:schemeClr val="accent1"/>
+          </a:effectRef>
+          <a:fontRef idx="minor">
+            <a:schemeClr val="tx1"/>
+          </a:fontRef>
+        </p:style>
+      </p:cxnSp>
+      <p:sp>
+        <p:nvSpPr>
+          <p:cNvPr id="20" name="Textfeld 19"/>
+          <p:cNvSpPr txBox="1"/>
+          <p:nvPr/>
+        </p:nvSpPr>
+        <p:spPr>
+          <a:xfrm>
+            <a:off x="439697" y="2569759"/>
+            <a:ext cx="2171172" cy="369332"/>
+          </a:xfrm>
+          <a:prstGeom prst="rect">
+            <a:avLst/>
+          </a:prstGeom>
+          <a:noFill/>
+        </p:spPr>
+        <p:txBody>
+          <a:bodyPr wrap="none" rtlCol="0">
+            <a:spAutoFit/>
+          </a:bodyPr>
+          <a:lstStyle/>
+          <a:p>
+            <a:r>
+              <a:rPr lang="de-AT" dirty="0" err="1" smtClean="0"/>
+              <a:t>temporary</a:t>
+            </a:r>
+            <a:r>
+              <a:rPr lang="de-AT" dirty="0" smtClean="0"/>
+              <a:t> </a:t>
+            </a:r>
+            <a:r>
+              <a:rPr lang="de-AT" dirty="0" err="1" smtClean="0"/>
+              <a:t>store</a:t>
+            </a:r>
+            <a:r>
+              <a:rPr lang="de-AT" dirty="0" smtClean="0"/>
+              <a:t> </a:t>
+            </a:r>
+            <a:r>
+              <a:rPr lang="de-AT" dirty="0" err="1" smtClean="0"/>
+              <a:t>data</a:t>
+            </a:r>
+            <a:endParaRPr lang="de-AT" dirty="0"/>
+          </a:p>
+        </p:txBody>
+      </p:sp>
+      <p:sp>
+        <p:nvSpPr>
+          <p:cNvPr id="21" name="Ellipse 20"/>
+          <p:cNvSpPr/>
+          <p:nvPr/>
+        </p:nvSpPr>
+        <p:spPr>
+          <a:xfrm>
+            <a:off x="5128093" y="5914515"/>
+            <a:ext cx="2677494" cy="826793"/>
+          </a:xfrm>
+          <a:prstGeom prst="ellipse">
+            <a:avLst/>
+          </a:prstGeom>
+        </p:spPr>
+        <p:style>
+          <a:lnRef idx="2">
+            <a:schemeClr val="accent1">
+              <a:shade val="50000"/>
+            </a:schemeClr>
+          </a:lnRef>
+          <a:fillRef idx="1">
+            <a:schemeClr val="accent1"/>
+          </a:fillRef>
+          <a:effectRef idx="0">
+            <a:schemeClr val="accent1"/>
+          </a:effectRef>
+          <a:fontRef idx="minor">
+            <a:schemeClr val="lt1"/>
+          </a:fontRef>
+        </p:style>
+        <p:txBody>
+          <a:bodyPr rtlCol="0" anchor="ctr"/>
+          <a:lstStyle/>
+          <a:p>
+            <a:pPr algn="ctr"/>
+            <a:r>
+              <a:rPr lang="de-AT" dirty="0" smtClean="0"/>
+              <a:t>Connectivity (</a:t>
+            </a:r>
+            <a:r>
+              <a:rPr lang="de-AT" dirty="0" err="1" smtClean="0"/>
+              <a:t>re</a:t>
+            </a:r>
+            <a:r>
+              <a:rPr lang="de-AT" dirty="0" smtClean="0"/>
+              <a:t>)</a:t>
+            </a:r>
+            <a:r>
+              <a:rPr lang="de-AT" dirty="0" err="1" smtClean="0"/>
+              <a:t>established</a:t>
+            </a:r>
+            <a:endParaRPr lang="de-AT" dirty="0"/>
+          </a:p>
+        </p:txBody>
+      </p:sp>
+      <p:cxnSp>
+        <p:nvCxnSpPr>
+          <p:cNvPr id="23" name="Gewinkelte Verbindung 22"/>
+          <p:cNvCxnSpPr>
+            <a:stCxn id="21" idx="2"/>
+            <a:endCxn id="26" idx="6"/>
+          </p:cNvCxnSpPr>
+          <p:nvPr/>
+        </p:nvCxnSpPr>
+        <p:spPr>
+          <a:xfrm rot="10800000">
+            <a:off x="4813029" y="5007076"/>
+            <a:ext cx="315064" cy="1320837"/>
+          </a:xfrm>
+          <a:prstGeom prst="bentConnector3">
+            <a:avLst>
+              <a:gd name="adj1" fmla="val 50000"/>
+            </a:avLst>
+          </a:prstGeom>
+          <a:ln>
+            <a:tailEnd type="triangle"/>
+          </a:ln>
+        </p:spPr>
+        <p:style>
+          <a:lnRef idx="1">
+            <a:schemeClr val="accent1"/>
+          </a:lnRef>
+          <a:fillRef idx="0">
+            <a:schemeClr val="accent1"/>
+          </a:fillRef>
+          <a:effectRef idx="0">
+            <a:schemeClr val="accent1"/>
+          </a:effectRef>
+          <a:fontRef idx="minor">
+            <a:schemeClr val="tx1"/>
+          </a:fontRef>
+        </p:style>
+      </p:cxnSp>
+      <p:sp>
+        <p:nvSpPr>
+          <p:cNvPr id="26" name="Ellipse 25"/>
+          <p:cNvSpPr/>
+          <p:nvPr/>
+        </p:nvSpPr>
+        <p:spPr>
+          <a:xfrm>
+            <a:off x="3395109" y="4606380"/>
+            <a:ext cx="1417920" cy="801389"/>
+          </a:xfrm>
+          <a:prstGeom prst="ellipse">
+            <a:avLst/>
+          </a:prstGeom>
+        </p:spPr>
+        <p:style>
+          <a:lnRef idx="2">
+            <a:schemeClr val="accent6">
+              <a:shade val="50000"/>
+            </a:schemeClr>
+          </a:lnRef>
+          <a:fillRef idx="1">
+            <a:schemeClr val="accent6"/>
+          </a:fillRef>
+          <a:effectRef idx="0">
+            <a:schemeClr val="accent6"/>
+          </a:effectRef>
+          <a:fontRef idx="minor">
+            <a:schemeClr val="lt1"/>
+          </a:fontRef>
+        </p:style>
+        <p:txBody>
+          <a:bodyPr rtlCol="0" anchor="ctr"/>
+          <a:lstStyle/>
+          <a:p>
+            <a:pPr algn="ctr"/>
+            <a:r>
+              <a:rPr lang="de-AT" dirty="0" smtClean="0"/>
+              <a:t>SYNC EVENT</a:t>
+            </a:r>
+            <a:endParaRPr lang="de-AT" dirty="0"/>
+          </a:p>
+        </p:txBody>
+      </p:sp>
+    </p:spTree>
+    <p:extLst>
+      <p:ext uri="{BB962C8B-B14F-4D97-AF65-F5344CB8AC3E}">
+        <p14:creationId xmlns:p14="http://schemas.microsoft.com/office/powerpoint/2010/main" val="3462056597"/>
+      </p:ext>
+    </p:extLst>
+  </p:cSld>
+  <p:clrMapOvr>
+    <a:masterClrMapping/>
+  </p:clrMapOvr>
+</p:sld>
+</file>
+
+<file path=ppt/slides/slide73.xml><?xml version="1.0" encoding="utf-8"?>
+<p:sld xmlns:a="http://schemas.openxmlformats.org/drawingml/2006/main" xmlns:r="http://schemas.openxmlformats.org/officeDocument/2006/relationships" xmlns:p="http://schemas.openxmlformats.org/presentationml/2006/main">
+  <p:cSld>
+    <p:spTree>
+      <p:nvGrpSpPr>
+        <p:cNvPr id="1" name=""/>
+        <p:cNvGrpSpPr/>
+        <p:nvPr/>
+      </p:nvGrpSpPr>
+      <p:grpSpPr>
+        <a:xfrm>
+          <a:off x="0" y="0"/>
+          <a:ext cx="0" cy="0"/>
+          <a:chOff x="0" y="0"/>
+          <a:chExt cx="0" cy="0"/>
+        </a:xfrm>
+      </p:grpSpPr>
+      <p:sp>
+        <p:nvSpPr>
+          <p:cNvPr id="2" name="Titel 1"/>
+          <p:cNvSpPr>
+            <a:spLocks noGrp="1"/>
+          </p:cNvSpPr>
+          <p:nvPr>
+            <p:ph type="title"/>
+          </p:nvPr>
+        </p:nvSpPr>
+        <p:spPr/>
+        <p:txBody>
+          <a:bodyPr/>
+          <a:lstStyle/>
+          <a:p>
+            <a:r>
+              <a:rPr lang="de-AT" dirty="0" smtClean="0"/>
+              <a:t>Implementation</a:t>
+            </a:r>
+            <a:endParaRPr lang="de-AT" dirty="0"/>
+          </a:p>
+        </p:txBody>
+      </p:sp>
+      <p:sp>
+        <p:nvSpPr>
+          <p:cNvPr id="3" name="Inhaltsplatzhalter 2"/>
+          <p:cNvSpPr>
+            <a:spLocks noGrp="1"/>
+          </p:cNvSpPr>
+          <p:nvPr>
+            <p:ph idx="1"/>
+          </p:nvPr>
+        </p:nvSpPr>
+        <p:spPr/>
+        <p:txBody>
+          <a:bodyPr>
+            <a:normAutofit lnSpcReduction="10000"/>
+          </a:bodyPr>
+          <a:lstStyle/>
+          <a:p>
+            <a:r>
+              <a:rPr lang="de-AT" dirty="0" err="1"/>
+              <a:t>r</a:t>
+            </a:r>
+            <a:r>
+              <a:rPr lang="de-AT" dirty="0" err="1" smtClean="0"/>
+              <a:t>egister</a:t>
+            </a:r>
+            <a:r>
+              <a:rPr lang="de-AT" dirty="0" smtClean="0"/>
+              <a:t> </a:t>
+            </a:r>
+            <a:r>
+              <a:rPr lang="de-AT" dirty="0" err="1" smtClean="0"/>
+              <a:t>submit</a:t>
+            </a:r>
+            <a:r>
+              <a:rPr lang="de-AT" dirty="0" smtClean="0"/>
+              <a:t> </a:t>
+            </a:r>
+            <a:r>
+              <a:rPr lang="de-AT" dirty="0" err="1" smtClean="0"/>
+              <a:t>listener</a:t>
+            </a:r>
+            <a:r>
+              <a:rPr lang="de-AT" dirty="0" smtClean="0"/>
+              <a:t> on form</a:t>
+            </a:r>
+          </a:p>
+          <a:p>
+            <a:r>
+              <a:rPr lang="de-AT" dirty="0" err="1" smtClean="0"/>
+              <a:t>event.preventDefault</a:t>
+            </a:r>
+            <a:endParaRPr lang="de-AT" dirty="0" smtClean="0"/>
+          </a:p>
+          <a:p>
+            <a:r>
+              <a:rPr lang="de-AT" dirty="0" smtClean="0"/>
+              <a:t>check </a:t>
+            </a:r>
+            <a:r>
+              <a:rPr lang="de-AT" dirty="0" err="1" smtClean="0"/>
+              <a:t>for</a:t>
+            </a:r>
+            <a:r>
+              <a:rPr lang="de-AT" dirty="0" smtClean="0"/>
+              <a:t> </a:t>
+            </a:r>
+            <a:r>
+              <a:rPr lang="de-AT" dirty="0" err="1" smtClean="0"/>
+              <a:t>data</a:t>
+            </a:r>
+            <a:endParaRPr lang="de-AT" dirty="0" smtClean="0"/>
+          </a:p>
+          <a:p>
+            <a:r>
+              <a:rPr lang="de-AT" dirty="0" err="1"/>
+              <a:t>r</a:t>
+            </a:r>
+            <a:r>
+              <a:rPr lang="de-AT" dirty="0" err="1" smtClean="0"/>
+              <a:t>egister</a:t>
+            </a:r>
+            <a:r>
+              <a:rPr lang="de-AT" dirty="0" smtClean="0"/>
+              <a:t> </a:t>
+            </a:r>
+            <a:r>
+              <a:rPr lang="de-AT" dirty="0" err="1" smtClean="0"/>
+              <a:t>background</a:t>
+            </a:r>
+            <a:r>
+              <a:rPr lang="de-AT" dirty="0" smtClean="0"/>
+              <a:t> </a:t>
+            </a:r>
+            <a:r>
+              <a:rPr lang="de-AT" dirty="0" err="1" smtClean="0"/>
+              <a:t>sync</a:t>
+            </a:r>
+            <a:r>
+              <a:rPr lang="de-AT" dirty="0" smtClean="0"/>
+              <a:t> </a:t>
+            </a:r>
+            <a:r>
+              <a:rPr lang="de-AT" dirty="0" err="1" smtClean="0"/>
+              <a:t>task</a:t>
+            </a:r>
+            <a:r>
+              <a:rPr lang="de-AT" dirty="0" smtClean="0"/>
+              <a:t> (Chrome </a:t>
+            </a:r>
+            <a:r>
+              <a:rPr lang="de-AT" dirty="0" err="1" smtClean="0"/>
+              <a:t>and</a:t>
+            </a:r>
+            <a:r>
+              <a:rPr lang="de-AT" dirty="0" smtClean="0"/>
+              <a:t> Edge)</a:t>
+            </a:r>
+          </a:p>
+          <a:p>
+            <a:r>
+              <a:rPr lang="de-AT" dirty="0" err="1" smtClean="0"/>
+              <a:t>create</a:t>
+            </a:r>
+            <a:r>
+              <a:rPr lang="de-AT" dirty="0" smtClean="0"/>
+              <a:t> </a:t>
+            </a:r>
+            <a:r>
+              <a:rPr lang="de-AT" dirty="0" err="1" smtClean="0"/>
+              <a:t>new</a:t>
+            </a:r>
+            <a:r>
+              <a:rPr lang="de-AT" dirty="0" smtClean="0"/>
+              <a:t> </a:t>
+            </a:r>
+            <a:r>
+              <a:rPr lang="de-AT" dirty="0" err="1" smtClean="0"/>
+              <a:t>store</a:t>
+            </a:r>
+            <a:r>
+              <a:rPr lang="de-AT" dirty="0" smtClean="0"/>
+              <a:t> in </a:t>
+            </a:r>
+            <a:r>
+              <a:rPr lang="de-AT" dirty="0" err="1" smtClean="0"/>
+              <a:t>IndexedDB</a:t>
+            </a:r>
+            <a:endParaRPr lang="de-AT" dirty="0" smtClean="0"/>
+          </a:p>
+          <a:p>
+            <a:r>
+              <a:rPr lang="de-AT" dirty="0" err="1" smtClean="0"/>
+              <a:t>write</a:t>
+            </a:r>
+            <a:r>
+              <a:rPr lang="de-AT" dirty="0" smtClean="0"/>
+              <a:t> </a:t>
+            </a:r>
+            <a:r>
+              <a:rPr lang="de-AT" dirty="0" err="1" smtClean="0"/>
+              <a:t>data</a:t>
+            </a:r>
+            <a:endParaRPr lang="de-AT" dirty="0" smtClean="0"/>
+          </a:p>
+          <a:p>
+            <a:r>
+              <a:rPr lang="de-AT" dirty="0" err="1" smtClean="0"/>
+              <a:t>show</a:t>
+            </a:r>
+            <a:r>
+              <a:rPr lang="de-AT" dirty="0" smtClean="0"/>
+              <a:t> </a:t>
+            </a:r>
+            <a:r>
+              <a:rPr lang="de-AT" dirty="0" err="1" smtClean="0"/>
+              <a:t>something</a:t>
+            </a:r>
+            <a:r>
+              <a:rPr lang="de-AT" dirty="0" smtClean="0"/>
+              <a:t>?</a:t>
+            </a:r>
+          </a:p>
+          <a:p>
+            <a:r>
+              <a:rPr lang="de-AT" dirty="0" err="1" smtClean="0"/>
+              <a:t>if</a:t>
+            </a:r>
+            <a:r>
+              <a:rPr lang="de-AT" dirty="0" smtClean="0"/>
+              <a:t> </a:t>
+            </a:r>
+            <a:r>
+              <a:rPr lang="de-AT" dirty="0" err="1" smtClean="0"/>
+              <a:t>sw</a:t>
+            </a:r>
+            <a:r>
+              <a:rPr lang="de-AT" dirty="0" smtClean="0"/>
+              <a:t> </a:t>
+            </a:r>
+            <a:r>
+              <a:rPr lang="de-AT" dirty="0" err="1" smtClean="0"/>
+              <a:t>or</a:t>
+            </a:r>
+            <a:r>
+              <a:rPr lang="de-AT" dirty="0" smtClean="0"/>
+              <a:t> </a:t>
+            </a:r>
+            <a:r>
+              <a:rPr lang="de-AT" dirty="0" err="1" smtClean="0"/>
+              <a:t>sm</a:t>
+            </a:r>
+            <a:r>
+              <a:rPr lang="de-AT" dirty="0" smtClean="0"/>
+              <a:t> </a:t>
+            </a:r>
+            <a:r>
+              <a:rPr lang="de-AT" dirty="0" err="1" smtClean="0"/>
+              <a:t>is</a:t>
+            </a:r>
+            <a:r>
+              <a:rPr lang="de-AT" dirty="0" smtClean="0"/>
+              <a:t> not </a:t>
+            </a:r>
+            <a:r>
+              <a:rPr lang="de-AT" dirty="0" err="1" smtClean="0"/>
+              <a:t>supported</a:t>
+            </a:r>
+            <a:r>
+              <a:rPr lang="de-AT" dirty="0" smtClean="0"/>
+              <a:t> -&gt; </a:t>
+            </a:r>
+            <a:r>
+              <a:rPr lang="de-AT" dirty="0" err="1" smtClean="0"/>
+              <a:t>create</a:t>
+            </a:r>
+            <a:r>
+              <a:rPr lang="de-AT" dirty="0" smtClean="0"/>
+              <a:t> </a:t>
+            </a:r>
+            <a:r>
+              <a:rPr lang="de-AT" dirty="0" err="1" smtClean="0"/>
+              <a:t>else</a:t>
+            </a:r>
+            <a:endParaRPr lang="de-AT" dirty="0" smtClean="0"/>
+          </a:p>
+          <a:p>
+            <a:r>
+              <a:rPr lang="de-AT" dirty="0" err="1" smtClean="0">
+                <a:solidFill>
+                  <a:schemeClr val="accent6">
+                    <a:lumMod val="60000"/>
+                    <a:lumOff val="40000"/>
+                  </a:schemeClr>
+                </a:solidFill>
+              </a:rPr>
+              <a:t>register</a:t>
+            </a:r>
+            <a:r>
+              <a:rPr lang="de-AT" dirty="0" smtClean="0">
+                <a:solidFill>
+                  <a:schemeClr val="accent6">
+                    <a:lumMod val="60000"/>
+                    <a:lumOff val="40000"/>
+                  </a:schemeClr>
+                </a:solidFill>
+              </a:rPr>
+              <a:t> ‚</a:t>
+            </a:r>
+            <a:r>
+              <a:rPr lang="de-AT" dirty="0" err="1" smtClean="0">
+                <a:solidFill>
+                  <a:schemeClr val="accent6">
+                    <a:lumMod val="60000"/>
+                    <a:lumOff val="40000"/>
+                  </a:schemeClr>
+                </a:solidFill>
+              </a:rPr>
+              <a:t>sync</a:t>
+            </a:r>
+            <a:r>
+              <a:rPr lang="de-AT" dirty="0" smtClean="0">
+                <a:solidFill>
+                  <a:schemeClr val="accent6">
+                    <a:lumMod val="60000"/>
+                    <a:lumOff val="40000"/>
+                  </a:schemeClr>
+                </a:solidFill>
+              </a:rPr>
+              <a:t>‘ </a:t>
+            </a:r>
+            <a:r>
+              <a:rPr lang="de-AT" dirty="0" err="1" smtClean="0">
+                <a:solidFill>
+                  <a:schemeClr val="accent6">
+                    <a:lumMod val="60000"/>
+                    <a:lumOff val="40000"/>
+                  </a:schemeClr>
+                </a:solidFill>
+              </a:rPr>
+              <a:t>event</a:t>
+            </a:r>
+            <a:r>
+              <a:rPr lang="de-AT" dirty="0" smtClean="0">
+                <a:solidFill>
+                  <a:schemeClr val="accent6">
+                    <a:lumMod val="60000"/>
+                    <a:lumOff val="40000"/>
+                  </a:schemeClr>
+                </a:solidFill>
+              </a:rPr>
+              <a:t> in </a:t>
+            </a:r>
+            <a:r>
+              <a:rPr lang="de-AT" dirty="0" err="1" smtClean="0">
+                <a:solidFill>
+                  <a:schemeClr val="accent6">
+                    <a:lumMod val="60000"/>
+                    <a:lumOff val="40000"/>
+                  </a:schemeClr>
+                </a:solidFill>
+              </a:rPr>
+              <a:t>service</a:t>
+            </a:r>
+            <a:r>
+              <a:rPr lang="de-AT" dirty="0" smtClean="0">
+                <a:solidFill>
+                  <a:schemeClr val="accent6">
+                    <a:lumMod val="60000"/>
+                    <a:lumOff val="40000"/>
+                  </a:schemeClr>
+                </a:solidFill>
+              </a:rPr>
+              <a:t> </a:t>
+            </a:r>
+            <a:r>
+              <a:rPr lang="de-AT" dirty="0" err="1" smtClean="0">
+                <a:solidFill>
+                  <a:schemeClr val="accent6">
+                    <a:lumMod val="60000"/>
+                    <a:lumOff val="40000"/>
+                  </a:schemeClr>
+                </a:solidFill>
+              </a:rPr>
+              <a:t>worker</a:t>
+            </a:r>
+            <a:endParaRPr lang="de-AT" dirty="0">
+              <a:solidFill>
+                <a:schemeClr val="accent6">
+                  <a:lumMod val="60000"/>
+                  <a:lumOff val="40000"/>
+                </a:schemeClr>
+              </a:solidFill>
+            </a:endParaRPr>
+          </a:p>
+        </p:txBody>
+      </p:sp>
+    </p:spTree>
+    <p:extLst>
+      <p:ext uri="{BB962C8B-B14F-4D97-AF65-F5344CB8AC3E}">
+        <p14:creationId xmlns:p14="http://schemas.microsoft.com/office/powerpoint/2010/main" val="949762976"/>
+      </p:ext>
+    </p:extLst>
+  </p:cSld>
+  <p:clrMapOvr>
+    <a:masterClrMapping/>
+  </p:clrMapOvr>
+</p:sld>
+</file>
+
+<file path=ppt/slides/slide74.xml><?xml version="1.0" encoding="utf-8"?>
+<p:sld xmlns:a="http://schemas.openxmlformats.org/drawingml/2006/main" xmlns:r="http://schemas.openxmlformats.org/officeDocument/2006/relationships" xmlns:p="http://schemas.openxmlformats.org/presentationml/2006/main">
+  <p:cSld>
+    <p:spTree>
+      <p:nvGrpSpPr>
+        <p:cNvPr id="1" name=""/>
+        <p:cNvGrpSpPr/>
+        <p:nvPr/>
+      </p:nvGrpSpPr>
+      <p:grpSpPr>
+        <a:xfrm>
+          <a:off x="0" y="0"/>
+          <a:ext cx="0" cy="0"/>
+          <a:chOff x="0" y="0"/>
+          <a:chExt cx="0" cy="0"/>
+        </a:xfrm>
+      </p:grpSpPr>
+      <p:sp>
+        <p:nvSpPr>
+          <p:cNvPr id="2" name="Titel 1"/>
+          <p:cNvSpPr>
+            <a:spLocks noGrp="1"/>
+          </p:cNvSpPr>
+          <p:nvPr>
+            <p:ph type="title"/>
+          </p:nvPr>
+        </p:nvSpPr>
+        <p:spPr/>
+        <p:txBody>
+          <a:bodyPr/>
+          <a:lstStyle/>
+          <a:p>
+            <a:r>
+              <a:rPr lang="de-AT" dirty="0"/>
+              <a:t>Outline</a:t>
+            </a:r>
+          </a:p>
+        </p:txBody>
+      </p:sp>
+      <p:sp>
+        <p:nvSpPr>
+          <p:cNvPr id="3" name="Inhaltsplatzhalter 2"/>
+          <p:cNvSpPr>
+            <a:spLocks noGrp="1"/>
+          </p:cNvSpPr>
+          <p:nvPr>
+            <p:ph idx="1"/>
+          </p:nvPr>
+        </p:nvSpPr>
+        <p:spPr/>
+        <p:txBody>
+          <a:bodyPr>
+            <a:normAutofit lnSpcReduction="10000"/>
+          </a:bodyPr>
+          <a:lstStyle/>
+          <a:p>
+            <a:pPr marL="514350" indent="-514350">
+              <a:buFont typeface="+mj-lt"/>
+              <a:buAutoNum type="arabicPeriod"/>
+            </a:pPr>
+            <a:r>
+              <a:rPr lang="de-AT" dirty="0">
+                <a:solidFill>
+                  <a:schemeClr val="accent6">
+                    <a:lumMod val="60000"/>
+                    <a:lumOff val="40000"/>
+                  </a:schemeClr>
+                </a:solidFill>
+              </a:rPr>
+              <a:t>Basics</a:t>
+            </a:r>
+          </a:p>
+          <a:p>
+            <a:pPr marL="971550" lvl="1" indent="-514350">
+              <a:buFont typeface="+mj-lt"/>
+              <a:buAutoNum type="arabicPeriod"/>
+            </a:pPr>
+            <a:r>
+              <a:rPr lang="de-AT" dirty="0">
+                <a:solidFill>
+                  <a:schemeClr val="accent6">
+                    <a:lumMod val="60000"/>
+                    <a:lumOff val="40000"/>
+                  </a:schemeClr>
+                </a:solidFill>
+              </a:rPr>
+              <a:t>App Manifest </a:t>
+            </a:r>
+          </a:p>
+          <a:p>
+            <a:pPr marL="971550" lvl="1" indent="-514350">
+              <a:buFont typeface="+mj-lt"/>
+              <a:buAutoNum type="arabicPeriod"/>
+            </a:pPr>
+            <a:r>
+              <a:rPr lang="de-AT" dirty="0">
+                <a:solidFill>
+                  <a:schemeClr val="accent6">
+                    <a:lumMod val="60000"/>
+                    <a:lumOff val="40000"/>
+                  </a:schemeClr>
+                </a:solidFill>
+              </a:rPr>
+              <a:t>Service </a:t>
+            </a:r>
+            <a:r>
+              <a:rPr lang="de-AT" dirty="0" err="1">
+                <a:solidFill>
+                  <a:schemeClr val="accent6">
+                    <a:lumMod val="60000"/>
+                    <a:lumOff val="40000"/>
+                  </a:schemeClr>
+                </a:solidFill>
+              </a:rPr>
+              <a:t>Workers</a:t>
+            </a:r>
+            <a:endParaRPr lang="de-AT" dirty="0">
+              <a:solidFill>
+                <a:schemeClr val="accent6">
+                  <a:lumMod val="60000"/>
+                  <a:lumOff val="40000"/>
+                </a:schemeClr>
+              </a:solidFill>
+            </a:endParaRPr>
+          </a:p>
+          <a:p>
+            <a:pPr marL="971550" lvl="1" indent="-514350">
+              <a:buFont typeface="+mj-lt"/>
+              <a:buAutoNum type="arabicPeriod"/>
+            </a:pPr>
+            <a:r>
+              <a:rPr lang="de-AT" dirty="0">
+                <a:solidFill>
+                  <a:schemeClr val="accent6">
+                    <a:lumMod val="60000"/>
+                    <a:lumOff val="40000"/>
+                  </a:schemeClr>
+                </a:solidFill>
+              </a:rPr>
+              <a:t>Installation</a:t>
+            </a:r>
+          </a:p>
+          <a:p>
+            <a:pPr marL="514350" indent="-514350">
+              <a:buFont typeface="+mj-lt"/>
+              <a:buAutoNum type="arabicPeriod"/>
+            </a:pPr>
+            <a:r>
+              <a:rPr lang="de-AT" dirty="0" err="1">
+                <a:solidFill>
+                  <a:schemeClr val="accent6">
+                    <a:lumMod val="60000"/>
+                    <a:lumOff val="40000"/>
+                  </a:schemeClr>
+                </a:solidFill>
+              </a:rPr>
+              <a:t>Promise</a:t>
+            </a:r>
+            <a:r>
+              <a:rPr lang="de-AT" dirty="0">
+                <a:solidFill>
+                  <a:schemeClr val="accent6">
+                    <a:lumMod val="60000"/>
+                    <a:lumOff val="40000"/>
+                  </a:schemeClr>
+                </a:solidFill>
+              </a:rPr>
+              <a:t> </a:t>
+            </a:r>
+            <a:r>
+              <a:rPr lang="de-AT" dirty="0" err="1">
+                <a:solidFill>
+                  <a:schemeClr val="accent6">
+                    <a:lumMod val="60000"/>
+                    <a:lumOff val="40000"/>
+                  </a:schemeClr>
+                </a:solidFill>
+              </a:rPr>
+              <a:t>and</a:t>
+            </a:r>
+            <a:r>
+              <a:rPr lang="de-AT" dirty="0">
+                <a:solidFill>
+                  <a:schemeClr val="accent6">
+                    <a:lumMod val="60000"/>
+                    <a:lumOff val="40000"/>
+                  </a:schemeClr>
+                </a:solidFill>
+              </a:rPr>
+              <a:t> </a:t>
+            </a:r>
+            <a:r>
+              <a:rPr lang="de-AT" dirty="0" err="1">
+                <a:solidFill>
+                  <a:schemeClr val="accent6">
+                    <a:lumMod val="60000"/>
+                    <a:lumOff val="40000"/>
+                  </a:schemeClr>
+                </a:solidFill>
+              </a:rPr>
+              <a:t>Fetch</a:t>
+            </a:r>
+            <a:r>
+              <a:rPr lang="de-AT" dirty="0">
+                <a:solidFill>
+                  <a:schemeClr val="accent6">
+                    <a:lumMod val="60000"/>
+                    <a:lumOff val="40000"/>
+                  </a:schemeClr>
+                </a:solidFill>
+              </a:rPr>
+              <a:t>, Service Worker Caching</a:t>
+            </a:r>
+          </a:p>
+          <a:p>
+            <a:pPr marL="514350" indent="-514350">
+              <a:buFont typeface="+mj-lt"/>
+              <a:buAutoNum type="arabicPeriod"/>
+            </a:pPr>
+            <a:r>
+              <a:rPr lang="de-AT" dirty="0" err="1">
+                <a:solidFill>
+                  <a:schemeClr val="accent6">
+                    <a:lumMod val="60000"/>
+                    <a:lumOff val="40000"/>
+                  </a:schemeClr>
+                </a:solidFill>
+              </a:rPr>
+              <a:t>Advanced</a:t>
+            </a:r>
+            <a:r>
+              <a:rPr lang="de-AT" dirty="0">
+                <a:solidFill>
+                  <a:schemeClr val="accent6">
+                    <a:lumMod val="60000"/>
+                    <a:lumOff val="40000"/>
+                  </a:schemeClr>
+                </a:solidFill>
+              </a:rPr>
+              <a:t> Caching, </a:t>
+            </a:r>
+            <a:r>
+              <a:rPr lang="de-AT" dirty="0" err="1">
+                <a:solidFill>
+                  <a:schemeClr val="accent6">
+                    <a:lumMod val="60000"/>
+                    <a:lumOff val="40000"/>
+                  </a:schemeClr>
+                </a:solidFill>
+              </a:rPr>
+              <a:t>Indexed</a:t>
+            </a:r>
+            <a:r>
+              <a:rPr lang="de-AT" dirty="0">
+                <a:solidFill>
+                  <a:schemeClr val="accent6">
+                    <a:lumMod val="60000"/>
+                    <a:lumOff val="40000"/>
+                  </a:schemeClr>
+                </a:solidFill>
+              </a:rPr>
+              <a:t> DB </a:t>
+            </a:r>
+            <a:r>
+              <a:rPr lang="de-AT" dirty="0" err="1">
+                <a:solidFill>
+                  <a:schemeClr val="accent6">
+                    <a:lumMod val="60000"/>
+                    <a:lumOff val="40000"/>
+                  </a:schemeClr>
+                </a:solidFill>
+              </a:rPr>
+              <a:t>and</a:t>
+            </a:r>
+            <a:r>
+              <a:rPr lang="de-AT" dirty="0">
+                <a:solidFill>
+                  <a:schemeClr val="accent6">
+                    <a:lumMod val="60000"/>
+                    <a:lumOff val="40000"/>
+                  </a:schemeClr>
+                </a:solidFill>
+              </a:rPr>
+              <a:t> Dynamic Data</a:t>
+            </a:r>
+          </a:p>
+          <a:p>
+            <a:pPr marL="514350" indent="-514350">
+              <a:buFont typeface="+mj-lt"/>
+              <a:buAutoNum type="arabicPeriod"/>
+            </a:pPr>
+            <a:r>
+              <a:rPr lang="de-AT" dirty="0" err="1">
+                <a:solidFill>
+                  <a:schemeClr val="accent6">
+                    <a:lumMod val="60000"/>
+                    <a:lumOff val="40000"/>
+                  </a:schemeClr>
+                </a:solidFill>
+              </a:rPr>
+              <a:t>Responsive</a:t>
+            </a:r>
+            <a:r>
+              <a:rPr lang="de-AT" dirty="0">
+                <a:solidFill>
+                  <a:schemeClr val="accent6">
+                    <a:lumMod val="60000"/>
+                    <a:lumOff val="40000"/>
+                  </a:schemeClr>
+                </a:solidFill>
+              </a:rPr>
+              <a:t> UI, Background </a:t>
+            </a:r>
+            <a:r>
+              <a:rPr lang="de-AT" dirty="0" err="1">
+                <a:solidFill>
+                  <a:schemeClr val="accent6">
+                    <a:lumMod val="60000"/>
+                    <a:lumOff val="40000"/>
+                  </a:schemeClr>
+                </a:solidFill>
+              </a:rPr>
+              <a:t>Sync</a:t>
+            </a:r>
+            <a:r>
+              <a:rPr lang="de-AT" dirty="0">
+                <a:solidFill>
+                  <a:schemeClr val="accent6">
+                    <a:lumMod val="60000"/>
+                    <a:lumOff val="40000"/>
+                  </a:schemeClr>
+                </a:solidFill>
+              </a:rPr>
+              <a:t> </a:t>
+            </a:r>
+          </a:p>
+          <a:p>
+            <a:pPr marL="514350" indent="-514350">
+              <a:buFont typeface="+mj-lt"/>
+              <a:buAutoNum type="arabicPeriod"/>
+            </a:pPr>
+            <a:r>
+              <a:rPr lang="de-AT" dirty="0"/>
+              <a:t>Web Push </a:t>
+            </a:r>
+            <a:r>
+              <a:rPr lang="de-AT" dirty="0" err="1"/>
+              <a:t>Notifications</a:t>
+            </a:r>
+            <a:r>
+              <a:rPr lang="de-AT" dirty="0"/>
+              <a:t> </a:t>
+            </a:r>
+          </a:p>
+          <a:p>
+            <a:pPr marL="514350" indent="-514350">
+              <a:buFont typeface="+mj-lt"/>
+              <a:buAutoNum type="arabicPeriod"/>
+            </a:pPr>
+            <a:r>
+              <a:rPr lang="de-AT" dirty="0">
+                <a:solidFill>
+                  <a:schemeClr val="bg1">
+                    <a:lumMod val="85000"/>
+                  </a:schemeClr>
+                </a:solidFill>
+              </a:rPr>
+              <a:t>Native Device Features</a:t>
+            </a:r>
+          </a:p>
+          <a:p>
+            <a:pPr marL="514350" indent="-514350">
+              <a:buFont typeface="+mj-lt"/>
+              <a:buAutoNum type="arabicPeriod"/>
+            </a:pPr>
+            <a:r>
+              <a:rPr lang="de-AT" dirty="0">
+                <a:solidFill>
+                  <a:schemeClr val="bg1">
+                    <a:lumMod val="85000"/>
+                  </a:schemeClr>
+                </a:solidFill>
+              </a:rPr>
+              <a:t>Round </a:t>
+            </a:r>
+            <a:r>
+              <a:rPr lang="de-AT" dirty="0" err="1">
+                <a:solidFill>
+                  <a:schemeClr val="bg1">
+                    <a:lumMod val="85000"/>
+                  </a:schemeClr>
+                </a:solidFill>
+              </a:rPr>
+              <a:t>Up</a:t>
+            </a:r>
+            <a:r>
+              <a:rPr lang="de-AT" dirty="0">
+                <a:solidFill>
+                  <a:schemeClr val="bg1">
+                    <a:lumMod val="85000"/>
+                  </a:schemeClr>
+                </a:solidFill>
+              </a:rPr>
+              <a:t> &amp; Quiz</a:t>
+            </a:r>
+          </a:p>
+          <a:p>
+            <a:endParaRPr lang="de-AT" dirty="0"/>
+          </a:p>
+        </p:txBody>
+      </p:sp>
+    </p:spTree>
+    <p:extLst>
+      <p:ext uri="{BB962C8B-B14F-4D97-AF65-F5344CB8AC3E}">
+        <p14:creationId xmlns:p14="http://schemas.microsoft.com/office/powerpoint/2010/main" val="2621541282"/>
+      </p:ext>
+    </p:extLst>
+  </p:cSld>
+  <p:clrMapOvr>
+    <a:masterClrMapping/>
+  </p:clrMapOvr>
+</p:sld>
+</file>
+
+<file path=ppt/slides/slide75.xml><?xml version="1.0" encoding="utf-8"?>
+<p:sld xmlns:a="http://schemas.openxmlformats.org/drawingml/2006/main" xmlns:r="http://schemas.openxmlformats.org/officeDocument/2006/relationships" xmlns:p="http://schemas.openxmlformats.org/presentationml/2006/main">
+  <p:cSld>
+    <p:spTree>
+      <p:nvGrpSpPr>
+        <p:cNvPr id="1" name=""/>
+        <p:cNvGrpSpPr/>
+        <p:nvPr/>
+      </p:nvGrpSpPr>
+      <p:grpSpPr>
+        <a:xfrm>
+          <a:off x="0" y="0"/>
+          <a:ext cx="0" cy="0"/>
+          <a:chOff x="0" y="0"/>
+          <a:chExt cx="0" cy="0"/>
+        </a:xfrm>
+      </p:grpSpPr>
+      <p:sp>
+        <p:nvSpPr>
+          <p:cNvPr id="2" name="Titel 1"/>
+          <p:cNvSpPr>
+            <a:spLocks noGrp="1"/>
+          </p:cNvSpPr>
+          <p:nvPr>
+            <p:ph type="title"/>
+          </p:nvPr>
+        </p:nvSpPr>
+        <p:spPr/>
+        <p:txBody>
+          <a:bodyPr/>
+          <a:lstStyle/>
+          <a:p>
+            <a:r>
+              <a:rPr lang="de-AT" dirty="0"/>
+              <a:t>Outline</a:t>
+            </a:r>
+          </a:p>
+        </p:txBody>
+      </p:sp>
+      <p:sp>
+        <p:nvSpPr>
+          <p:cNvPr id="3" name="Inhaltsplatzhalter 2"/>
+          <p:cNvSpPr>
+            <a:spLocks noGrp="1"/>
+          </p:cNvSpPr>
+          <p:nvPr>
+            <p:ph idx="1"/>
+          </p:nvPr>
+        </p:nvSpPr>
+        <p:spPr/>
+        <p:txBody>
+          <a:bodyPr>
+            <a:normAutofit lnSpcReduction="10000"/>
+          </a:bodyPr>
+          <a:lstStyle/>
+          <a:p>
+            <a:pPr marL="514350" indent="-514350">
+              <a:buFont typeface="+mj-lt"/>
+              <a:buAutoNum type="arabicPeriod"/>
+            </a:pPr>
+            <a:r>
+              <a:rPr lang="de-AT" dirty="0">
+                <a:solidFill>
+                  <a:schemeClr val="accent6">
+                    <a:lumMod val="60000"/>
+                    <a:lumOff val="40000"/>
+                  </a:schemeClr>
+                </a:solidFill>
+              </a:rPr>
+              <a:t>Basics</a:t>
+            </a:r>
+          </a:p>
+          <a:p>
+            <a:pPr marL="971550" lvl="1" indent="-514350">
+              <a:buFont typeface="+mj-lt"/>
+              <a:buAutoNum type="arabicPeriod"/>
+            </a:pPr>
+            <a:r>
+              <a:rPr lang="de-AT" dirty="0">
+                <a:solidFill>
+                  <a:schemeClr val="accent6">
+                    <a:lumMod val="60000"/>
+                    <a:lumOff val="40000"/>
+                  </a:schemeClr>
+                </a:solidFill>
+              </a:rPr>
+              <a:t>App Manifest </a:t>
+            </a:r>
+          </a:p>
+          <a:p>
+            <a:pPr marL="971550" lvl="1" indent="-514350">
+              <a:buFont typeface="+mj-lt"/>
+              <a:buAutoNum type="arabicPeriod"/>
+            </a:pPr>
+            <a:r>
+              <a:rPr lang="de-AT" dirty="0">
+                <a:solidFill>
+                  <a:schemeClr val="accent6">
+                    <a:lumMod val="60000"/>
+                    <a:lumOff val="40000"/>
+                  </a:schemeClr>
+                </a:solidFill>
+              </a:rPr>
+              <a:t>Service </a:t>
+            </a:r>
+            <a:r>
+              <a:rPr lang="de-AT" dirty="0" err="1">
+                <a:solidFill>
+                  <a:schemeClr val="accent6">
+                    <a:lumMod val="60000"/>
+                    <a:lumOff val="40000"/>
+                  </a:schemeClr>
+                </a:solidFill>
+              </a:rPr>
+              <a:t>Workers</a:t>
+            </a:r>
+            <a:endParaRPr lang="de-AT" dirty="0">
+              <a:solidFill>
+                <a:schemeClr val="accent6">
+                  <a:lumMod val="60000"/>
+                  <a:lumOff val="40000"/>
+                </a:schemeClr>
+              </a:solidFill>
+            </a:endParaRPr>
+          </a:p>
+          <a:p>
+            <a:pPr marL="971550" lvl="1" indent="-514350">
+              <a:buFont typeface="+mj-lt"/>
+              <a:buAutoNum type="arabicPeriod"/>
+            </a:pPr>
+            <a:r>
+              <a:rPr lang="de-AT" dirty="0">
+                <a:solidFill>
+                  <a:schemeClr val="accent6">
+                    <a:lumMod val="60000"/>
+                    <a:lumOff val="40000"/>
+                  </a:schemeClr>
+                </a:solidFill>
+              </a:rPr>
+              <a:t>Installation</a:t>
+            </a:r>
+          </a:p>
+          <a:p>
+            <a:pPr marL="514350" indent="-514350">
+              <a:buFont typeface="+mj-lt"/>
+              <a:buAutoNum type="arabicPeriod"/>
+            </a:pPr>
+            <a:r>
+              <a:rPr lang="de-AT" dirty="0" err="1">
+                <a:solidFill>
+                  <a:schemeClr val="accent6">
+                    <a:lumMod val="60000"/>
+                    <a:lumOff val="40000"/>
+                  </a:schemeClr>
+                </a:solidFill>
+              </a:rPr>
+              <a:t>Promise</a:t>
+            </a:r>
+            <a:r>
+              <a:rPr lang="de-AT" dirty="0">
+                <a:solidFill>
+                  <a:schemeClr val="accent6">
+                    <a:lumMod val="60000"/>
+                    <a:lumOff val="40000"/>
+                  </a:schemeClr>
+                </a:solidFill>
+              </a:rPr>
+              <a:t> </a:t>
+            </a:r>
+            <a:r>
+              <a:rPr lang="de-AT" dirty="0" err="1">
+                <a:solidFill>
+                  <a:schemeClr val="accent6">
+                    <a:lumMod val="60000"/>
+                    <a:lumOff val="40000"/>
+                  </a:schemeClr>
+                </a:solidFill>
+              </a:rPr>
+              <a:t>and</a:t>
+            </a:r>
+            <a:r>
+              <a:rPr lang="de-AT" dirty="0">
+                <a:solidFill>
+                  <a:schemeClr val="accent6">
+                    <a:lumMod val="60000"/>
+                    <a:lumOff val="40000"/>
+                  </a:schemeClr>
+                </a:solidFill>
+              </a:rPr>
+              <a:t> </a:t>
+            </a:r>
+            <a:r>
+              <a:rPr lang="de-AT" dirty="0" err="1">
+                <a:solidFill>
+                  <a:schemeClr val="accent6">
+                    <a:lumMod val="60000"/>
+                    <a:lumOff val="40000"/>
+                  </a:schemeClr>
+                </a:solidFill>
+              </a:rPr>
+              <a:t>Fetch</a:t>
+            </a:r>
+            <a:r>
+              <a:rPr lang="de-AT" dirty="0">
+                <a:solidFill>
+                  <a:schemeClr val="accent6">
+                    <a:lumMod val="60000"/>
+                    <a:lumOff val="40000"/>
+                  </a:schemeClr>
+                </a:solidFill>
+              </a:rPr>
+              <a:t>, Service Worker Caching</a:t>
+            </a:r>
+          </a:p>
+          <a:p>
+            <a:pPr marL="514350" indent="-514350">
+              <a:buFont typeface="+mj-lt"/>
+              <a:buAutoNum type="arabicPeriod"/>
+            </a:pPr>
+            <a:r>
+              <a:rPr lang="de-AT" dirty="0" err="1">
+                <a:solidFill>
+                  <a:schemeClr val="accent6">
+                    <a:lumMod val="60000"/>
+                    <a:lumOff val="40000"/>
+                  </a:schemeClr>
+                </a:solidFill>
+              </a:rPr>
+              <a:t>Advanced</a:t>
+            </a:r>
+            <a:r>
+              <a:rPr lang="de-AT" dirty="0">
+                <a:solidFill>
+                  <a:schemeClr val="accent6">
+                    <a:lumMod val="60000"/>
+                    <a:lumOff val="40000"/>
+                  </a:schemeClr>
+                </a:solidFill>
+              </a:rPr>
+              <a:t> Caching, </a:t>
+            </a:r>
+            <a:r>
+              <a:rPr lang="de-AT" dirty="0" err="1">
+                <a:solidFill>
+                  <a:schemeClr val="accent6">
+                    <a:lumMod val="60000"/>
+                    <a:lumOff val="40000"/>
+                  </a:schemeClr>
+                </a:solidFill>
+              </a:rPr>
+              <a:t>Indexed</a:t>
+            </a:r>
+            <a:r>
+              <a:rPr lang="de-AT" dirty="0">
+                <a:solidFill>
+                  <a:schemeClr val="accent6">
+                    <a:lumMod val="60000"/>
+                    <a:lumOff val="40000"/>
+                  </a:schemeClr>
+                </a:solidFill>
+              </a:rPr>
+              <a:t> DB </a:t>
+            </a:r>
+            <a:r>
+              <a:rPr lang="de-AT" dirty="0" err="1">
+                <a:solidFill>
+                  <a:schemeClr val="accent6">
+                    <a:lumMod val="60000"/>
+                    <a:lumOff val="40000"/>
+                  </a:schemeClr>
+                </a:solidFill>
+              </a:rPr>
+              <a:t>and</a:t>
+            </a:r>
+            <a:r>
+              <a:rPr lang="de-AT" dirty="0">
+                <a:solidFill>
+                  <a:schemeClr val="accent6">
+                    <a:lumMod val="60000"/>
+                    <a:lumOff val="40000"/>
+                  </a:schemeClr>
+                </a:solidFill>
+              </a:rPr>
+              <a:t> Dynamic Data</a:t>
+            </a:r>
+          </a:p>
+          <a:p>
+            <a:pPr marL="514350" indent="-514350">
+              <a:buFont typeface="+mj-lt"/>
+              <a:buAutoNum type="arabicPeriod"/>
+            </a:pPr>
+            <a:r>
+              <a:rPr lang="de-AT" dirty="0" err="1">
+                <a:solidFill>
+                  <a:schemeClr val="accent6">
+                    <a:lumMod val="60000"/>
+                    <a:lumOff val="40000"/>
+                  </a:schemeClr>
+                </a:solidFill>
+              </a:rPr>
+              <a:t>Responsive</a:t>
+            </a:r>
+            <a:r>
+              <a:rPr lang="de-AT" dirty="0">
+                <a:solidFill>
+                  <a:schemeClr val="accent6">
+                    <a:lumMod val="60000"/>
+                    <a:lumOff val="40000"/>
+                  </a:schemeClr>
+                </a:solidFill>
+              </a:rPr>
+              <a:t> UI, Background </a:t>
+            </a:r>
+            <a:r>
+              <a:rPr lang="de-AT" dirty="0" err="1">
+                <a:solidFill>
+                  <a:schemeClr val="accent6">
+                    <a:lumMod val="60000"/>
+                    <a:lumOff val="40000"/>
+                  </a:schemeClr>
+                </a:solidFill>
+              </a:rPr>
+              <a:t>Sync</a:t>
+            </a:r>
+            <a:r>
+              <a:rPr lang="de-AT" dirty="0">
+                <a:solidFill>
+                  <a:schemeClr val="accent6">
+                    <a:lumMod val="60000"/>
+                    <a:lumOff val="40000"/>
+                  </a:schemeClr>
+                </a:solidFill>
+              </a:rPr>
+              <a:t> </a:t>
+            </a:r>
+          </a:p>
+          <a:p>
+            <a:pPr marL="514350" indent="-514350">
+              <a:buFont typeface="+mj-lt"/>
+              <a:buAutoNum type="arabicPeriod"/>
+            </a:pPr>
+            <a:r>
+              <a:rPr lang="de-AT" dirty="0">
+                <a:solidFill>
+                  <a:schemeClr val="accent6">
+                    <a:lumMod val="60000"/>
+                    <a:lumOff val="40000"/>
+                  </a:schemeClr>
+                </a:solidFill>
+              </a:rPr>
+              <a:t>Web Push </a:t>
+            </a:r>
+            <a:r>
+              <a:rPr lang="de-AT" dirty="0" err="1">
+                <a:solidFill>
+                  <a:schemeClr val="accent6">
+                    <a:lumMod val="60000"/>
+                    <a:lumOff val="40000"/>
+                  </a:schemeClr>
+                </a:solidFill>
+              </a:rPr>
+              <a:t>Notifications</a:t>
+            </a:r>
+            <a:r>
+              <a:rPr lang="de-AT" dirty="0">
+                <a:solidFill>
+                  <a:schemeClr val="accent6">
+                    <a:lumMod val="60000"/>
+                    <a:lumOff val="40000"/>
+                  </a:schemeClr>
+                </a:solidFill>
+              </a:rPr>
+              <a:t> </a:t>
+            </a:r>
+          </a:p>
+          <a:p>
+            <a:pPr marL="514350" indent="-514350">
+              <a:buFont typeface="+mj-lt"/>
+              <a:buAutoNum type="arabicPeriod"/>
+            </a:pPr>
+            <a:r>
+              <a:rPr lang="de-AT" dirty="0"/>
+              <a:t>Native Device Features</a:t>
+            </a:r>
+          </a:p>
+          <a:p>
+            <a:pPr marL="514350" indent="-514350">
+              <a:buFont typeface="+mj-lt"/>
+              <a:buAutoNum type="arabicPeriod"/>
+            </a:pPr>
+            <a:r>
+              <a:rPr lang="de-AT" dirty="0">
+                <a:solidFill>
+                  <a:schemeClr val="bg1">
+                    <a:lumMod val="85000"/>
+                  </a:schemeClr>
+                </a:solidFill>
+              </a:rPr>
+              <a:t>Round </a:t>
+            </a:r>
+            <a:r>
+              <a:rPr lang="de-AT" dirty="0" err="1">
+                <a:solidFill>
+                  <a:schemeClr val="bg1">
+                    <a:lumMod val="85000"/>
+                  </a:schemeClr>
+                </a:solidFill>
+              </a:rPr>
+              <a:t>Up</a:t>
+            </a:r>
+            <a:r>
+              <a:rPr lang="de-AT" dirty="0">
+                <a:solidFill>
+                  <a:schemeClr val="bg1">
+                    <a:lumMod val="85000"/>
+                  </a:schemeClr>
+                </a:solidFill>
+              </a:rPr>
+              <a:t> &amp; Quiz</a:t>
+            </a:r>
+          </a:p>
+          <a:p>
+            <a:endParaRPr lang="de-AT" dirty="0"/>
+          </a:p>
+        </p:txBody>
+      </p:sp>
+    </p:spTree>
+    <p:extLst>
+      <p:ext uri="{BB962C8B-B14F-4D97-AF65-F5344CB8AC3E}">
+        <p14:creationId xmlns:p14="http://schemas.microsoft.com/office/powerpoint/2010/main" val="1796238282"/>
+      </p:ext>
+    </p:extLst>
+  </p:cSld>
+  <p:clrMapOvr>
+    <a:masterClrMapping/>
+  </p:clrMapOvr>
+</p:sld>
+</file>
+
+<file path=ppt/slides/slide76.xml><?xml version="1.0" encoding="utf-8"?>
+<p:sld xmlns:a="http://schemas.openxmlformats.org/drawingml/2006/main" xmlns:r="http://schemas.openxmlformats.org/officeDocument/2006/relationships" xmlns:p="http://schemas.openxmlformats.org/presentationml/2006/main">
+  <p:cSld>
+    <p:spTree>
+      <p:nvGrpSpPr>
+        <p:cNvPr id="1" name=""/>
+        <p:cNvGrpSpPr/>
+        <p:nvPr/>
+      </p:nvGrpSpPr>
+      <p:grpSpPr>
+        <a:xfrm>
+          <a:off x="0" y="0"/>
+          <a:ext cx="0" cy="0"/>
+          <a:chOff x="0" y="0"/>
+          <a:chExt cx="0" cy="0"/>
+        </a:xfrm>
+      </p:grpSpPr>
+      <p:sp>
+        <p:nvSpPr>
+          <p:cNvPr id="2" name="Titel 1"/>
+          <p:cNvSpPr>
+            <a:spLocks noGrp="1"/>
+          </p:cNvSpPr>
+          <p:nvPr>
+            <p:ph type="title"/>
+          </p:nvPr>
+        </p:nvSpPr>
+        <p:spPr/>
+        <p:txBody>
+          <a:bodyPr/>
+          <a:lstStyle/>
+          <a:p>
+            <a:r>
               <a:rPr lang="de-AT" dirty="0"/>
               <a:t>Outline</a:t>
             </a:r>
@@ -27958,7 +30850,7 @@
 </p:sld>
 </file>
 
-<file path=ppt/slides/slide71.xml><?xml version="1.0" encoding="utf-8"?>
+<file path=ppt/slides/slide77.xml><?xml version="1.0" encoding="utf-8"?>
 <p:sld xmlns:a="http://schemas.openxmlformats.org/drawingml/2006/main" xmlns:r="http://schemas.openxmlformats.org/officeDocument/2006/relationships" xmlns:p="http://schemas.openxmlformats.org/presentationml/2006/main">
   <p:cSld>
     <p:spTree>

--- a/course/Progressive Web Apps.pptx
+++ b/course/Progressive Web Apps.pptx
@@ -80,8 +80,12 @@
     <p:sldId id="336" r:id="rId74"/>
     <p:sldId id="288" r:id="rId75"/>
     <p:sldId id="289" r:id="rId76"/>
-    <p:sldId id="286" r:id="rId77"/>
-    <p:sldId id="265" r:id="rId78"/>
+    <p:sldId id="338" r:id="rId77"/>
+    <p:sldId id="339" r:id="rId78"/>
+    <p:sldId id="341" r:id="rId79"/>
+    <p:sldId id="340" r:id="rId80"/>
+    <p:sldId id="286" r:id="rId81"/>
+    <p:sldId id="265" r:id="rId82"/>
   </p:sldIdLst>
   <p:sldSz cx="12192000" cy="6858000"/>
   <p:notesSz cx="6858000" cy="9144000"/>
@@ -272,6 +276,10 @@
           <p14:sldIdLst>
             <p14:sldId id="288"/>
             <p14:sldId id="289"/>
+            <p14:sldId id="338"/>
+            <p14:sldId id="339"/>
+            <p14:sldId id="341"/>
+            <p14:sldId id="340"/>
             <p14:sldId id="286"/>
             <p14:sldId id="265"/>
           </p14:sldIdLst>
@@ -3989,7 +3997,7 @@
           <a:p>
             <a:fld id="{79699155-1715-4116-AA3E-91126DDAD825}" type="datetimeFigureOut">
               <a:rPr lang="de-AT" smtClean="0"/>
-              <a:t>28.04.2022</a:t>
+              <a:t>03.05.2022</a:t>
             </a:fld>
             <a:endParaRPr lang="de-AT"/>
           </a:p>
@@ -4159,7 +4167,7 @@
           <a:p>
             <a:fld id="{79699155-1715-4116-AA3E-91126DDAD825}" type="datetimeFigureOut">
               <a:rPr lang="de-AT" smtClean="0"/>
-              <a:t>28.04.2022</a:t>
+              <a:t>03.05.2022</a:t>
             </a:fld>
             <a:endParaRPr lang="de-AT"/>
           </a:p>
@@ -4339,7 +4347,7 @@
           <a:p>
             <a:fld id="{79699155-1715-4116-AA3E-91126DDAD825}" type="datetimeFigureOut">
               <a:rPr lang="de-AT" smtClean="0"/>
-              <a:t>28.04.2022</a:t>
+              <a:t>03.05.2022</a:t>
             </a:fld>
             <a:endParaRPr lang="de-AT"/>
           </a:p>
@@ -4509,7 +4517,7 @@
           <a:p>
             <a:fld id="{79699155-1715-4116-AA3E-91126DDAD825}" type="datetimeFigureOut">
               <a:rPr lang="de-AT" smtClean="0"/>
-              <a:t>28.04.2022</a:t>
+              <a:t>03.05.2022</a:t>
             </a:fld>
             <a:endParaRPr lang="de-AT"/>
           </a:p>
@@ -4755,7 +4763,7 @@
           <a:p>
             <a:fld id="{79699155-1715-4116-AA3E-91126DDAD825}" type="datetimeFigureOut">
               <a:rPr lang="de-AT" smtClean="0"/>
-              <a:t>28.04.2022</a:t>
+              <a:t>03.05.2022</a:t>
             </a:fld>
             <a:endParaRPr lang="de-AT"/>
           </a:p>
@@ -4987,7 +4995,7 @@
           <a:p>
             <a:fld id="{79699155-1715-4116-AA3E-91126DDAD825}" type="datetimeFigureOut">
               <a:rPr lang="de-AT" smtClean="0"/>
-              <a:t>28.04.2022</a:t>
+              <a:t>03.05.2022</a:t>
             </a:fld>
             <a:endParaRPr lang="de-AT"/>
           </a:p>
@@ -5354,7 +5362,7 @@
           <a:p>
             <a:fld id="{79699155-1715-4116-AA3E-91126DDAD825}" type="datetimeFigureOut">
               <a:rPr lang="de-AT" smtClean="0"/>
-              <a:t>28.04.2022</a:t>
+              <a:t>03.05.2022</a:t>
             </a:fld>
             <a:endParaRPr lang="de-AT"/>
           </a:p>
@@ -5472,7 +5480,7 @@
           <a:p>
             <a:fld id="{79699155-1715-4116-AA3E-91126DDAD825}" type="datetimeFigureOut">
               <a:rPr lang="de-AT" smtClean="0"/>
-              <a:t>28.04.2022</a:t>
+              <a:t>03.05.2022</a:t>
             </a:fld>
             <a:endParaRPr lang="de-AT"/>
           </a:p>
@@ -5567,7 +5575,7 @@
           <a:p>
             <a:fld id="{79699155-1715-4116-AA3E-91126DDAD825}" type="datetimeFigureOut">
               <a:rPr lang="de-AT" smtClean="0"/>
-              <a:t>28.04.2022</a:t>
+              <a:t>03.05.2022</a:t>
             </a:fld>
             <a:endParaRPr lang="de-AT"/>
           </a:p>
@@ -5844,7 +5852,7 @@
           <a:p>
             <a:fld id="{79699155-1715-4116-AA3E-91126DDAD825}" type="datetimeFigureOut">
               <a:rPr lang="de-AT" smtClean="0"/>
-              <a:t>28.04.2022</a:t>
+              <a:t>03.05.2022</a:t>
             </a:fld>
             <a:endParaRPr lang="de-AT"/>
           </a:p>
@@ -6097,7 +6105,7 @@
           <a:p>
             <a:fld id="{79699155-1715-4116-AA3E-91126DDAD825}" type="datetimeFigureOut">
               <a:rPr lang="de-AT" smtClean="0"/>
-              <a:t>28.04.2022</a:t>
+              <a:t>03.05.2022</a:t>
             </a:fld>
             <a:endParaRPr lang="de-AT"/>
           </a:p>
@@ -6310,7 +6318,7 @@
           <a:p>
             <a:fld id="{79699155-1715-4116-AA3E-91126DDAD825}" type="datetimeFigureOut">
               <a:rPr lang="de-AT" smtClean="0"/>
-              <a:t>28.04.2022</a:t>
+              <a:t>03.05.2022</a:t>
             </a:fld>
             <a:endParaRPr lang="de-AT"/>
           </a:p>
@@ -6837,21 +6845,21 @@
                 <a:gridCol w="1804416">
                   <a:extLst>
                     <a:ext uri="{9D8B030D-6E8A-4147-A177-3AD203B41FA5}">
-                      <a16:colId xmlns:a16="http://schemas.microsoft.com/office/drawing/2014/main" xmlns="" val="20000"/>
+                      <a16:colId xmlns="" xmlns:a16="http://schemas.microsoft.com/office/drawing/2014/main" val="20000"/>
                     </a:ext>
                   </a:extLst>
                 </a:gridCol>
                 <a:gridCol w="3936492">
                   <a:extLst>
                     <a:ext uri="{9D8B030D-6E8A-4147-A177-3AD203B41FA5}">
-                      <a16:colId xmlns:a16="http://schemas.microsoft.com/office/drawing/2014/main" xmlns="" val="20001"/>
+                      <a16:colId xmlns="" xmlns:a16="http://schemas.microsoft.com/office/drawing/2014/main" val="20001"/>
                     </a:ext>
                   </a:extLst>
                 </a:gridCol>
                 <a:gridCol w="4774692">
                   <a:extLst>
                     <a:ext uri="{9D8B030D-6E8A-4147-A177-3AD203B41FA5}">
-                      <a16:colId xmlns:a16="http://schemas.microsoft.com/office/drawing/2014/main" xmlns="" val="20002"/>
+                      <a16:colId xmlns="" xmlns:a16="http://schemas.microsoft.com/office/drawing/2014/main" val="20002"/>
                     </a:ext>
                   </a:extLst>
                 </a:gridCol>
@@ -6989,7 +6997,7 @@
                 </a:tc>
                 <a:extLst>
                   <a:ext uri="{0D108BD9-81ED-4DB2-BD59-A6C34878D82A}">
-                    <a16:rowId xmlns:a16="http://schemas.microsoft.com/office/drawing/2014/main" xmlns="" val="10000"/>
+                    <a16:rowId xmlns="" xmlns:a16="http://schemas.microsoft.com/office/drawing/2014/main" val="10000"/>
                   </a:ext>
                 </a:extLst>
               </a:tr>
@@ -7128,7 +7136,7 @@
                 </a:tc>
                 <a:extLst>
                   <a:ext uri="{0D108BD9-81ED-4DB2-BD59-A6C34878D82A}">
-                    <a16:rowId xmlns:a16="http://schemas.microsoft.com/office/drawing/2014/main" xmlns="" val="10001"/>
+                    <a16:rowId xmlns="" xmlns:a16="http://schemas.microsoft.com/office/drawing/2014/main" val="10001"/>
                   </a:ext>
                 </a:extLst>
               </a:tr>
@@ -7272,7 +7280,7 @@
                 </a:tc>
                 <a:extLst>
                   <a:ext uri="{0D108BD9-81ED-4DB2-BD59-A6C34878D82A}">
-                    <a16:rowId xmlns:a16="http://schemas.microsoft.com/office/drawing/2014/main" xmlns="" val="10002"/>
+                    <a16:rowId xmlns="" xmlns:a16="http://schemas.microsoft.com/office/drawing/2014/main" val="10002"/>
                   </a:ext>
                 </a:extLst>
               </a:tr>
@@ -7422,7 +7430,7 @@
                 </a:tc>
                 <a:extLst>
                   <a:ext uri="{0D108BD9-81ED-4DB2-BD59-A6C34878D82A}">
-                    <a16:rowId xmlns:a16="http://schemas.microsoft.com/office/drawing/2014/main" xmlns="" val="10003"/>
+                    <a16:rowId xmlns="" xmlns:a16="http://schemas.microsoft.com/office/drawing/2014/main" val="10003"/>
                   </a:ext>
                 </a:extLst>
               </a:tr>
@@ -13139,14 +13147,14 @@
                 <a:gridCol w="3101961">
                   <a:extLst>
                     <a:ext uri="{9D8B030D-6E8A-4147-A177-3AD203B41FA5}">
-                      <a16:colId xmlns:a16="http://schemas.microsoft.com/office/drawing/2014/main" xmlns="" val="20000"/>
+                      <a16:colId xmlns="" xmlns:a16="http://schemas.microsoft.com/office/drawing/2014/main" val="20000"/>
                     </a:ext>
                   </a:extLst>
                 </a:gridCol>
                 <a:gridCol w="7413639">
                   <a:extLst>
                     <a:ext uri="{9D8B030D-6E8A-4147-A177-3AD203B41FA5}">
-                      <a16:colId xmlns:a16="http://schemas.microsoft.com/office/drawing/2014/main" xmlns="" val="20001"/>
+                      <a16:colId xmlns="" xmlns:a16="http://schemas.microsoft.com/office/drawing/2014/main" val="20001"/>
                     </a:ext>
                   </a:extLst>
                 </a:gridCol>
@@ -13180,7 +13188,7 @@
                 </a:tc>
                 <a:extLst>
                   <a:ext uri="{0D108BD9-81ED-4DB2-BD59-A6C34878D82A}">
-                    <a16:rowId xmlns:a16="http://schemas.microsoft.com/office/drawing/2014/main" xmlns="" val="10000"/>
+                    <a16:rowId xmlns="" xmlns:a16="http://schemas.microsoft.com/office/drawing/2014/main" val="10000"/>
                   </a:ext>
                 </a:extLst>
               </a:tr>
@@ -13266,7 +13274,7 @@
                 </a:tc>
                 <a:extLst>
                   <a:ext uri="{0D108BD9-81ED-4DB2-BD59-A6C34878D82A}">
-                    <a16:rowId xmlns:a16="http://schemas.microsoft.com/office/drawing/2014/main" xmlns="" val="10001"/>
+                    <a16:rowId xmlns="" xmlns:a16="http://schemas.microsoft.com/office/drawing/2014/main" val="10001"/>
                   </a:ext>
                 </a:extLst>
               </a:tr>
@@ -13324,7 +13332,7 @@
                 </a:tc>
                 <a:extLst>
                   <a:ext uri="{0D108BD9-81ED-4DB2-BD59-A6C34878D82A}">
-                    <a16:rowId xmlns:a16="http://schemas.microsoft.com/office/drawing/2014/main" xmlns="" val="10002"/>
+                    <a16:rowId xmlns="" xmlns:a16="http://schemas.microsoft.com/office/drawing/2014/main" val="10002"/>
                   </a:ext>
                 </a:extLst>
               </a:tr>
@@ -13391,7 +13399,7 @@
                 </a:tc>
                 <a:extLst>
                   <a:ext uri="{0D108BD9-81ED-4DB2-BD59-A6C34878D82A}">
-                    <a16:rowId xmlns:a16="http://schemas.microsoft.com/office/drawing/2014/main" xmlns="" val="10003"/>
+                    <a16:rowId xmlns="" xmlns:a16="http://schemas.microsoft.com/office/drawing/2014/main" val="10003"/>
                   </a:ext>
                 </a:extLst>
               </a:tr>
@@ -13482,7 +13490,7 @@
                 </a:tc>
                 <a:extLst>
                   <a:ext uri="{0D108BD9-81ED-4DB2-BD59-A6C34878D82A}">
-                    <a16:rowId xmlns:a16="http://schemas.microsoft.com/office/drawing/2014/main" xmlns="" val="10004"/>
+                    <a16:rowId xmlns="" xmlns:a16="http://schemas.microsoft.com/office/drawing/2014/main" val="10004"/>
                   </a:ext>
                 </a:extLst>
               </a:tr>
@@ -13512,7 +13520,7 @@
                 </a:tc>
                 <a:extLst>
                   <a:ext uri="{0D108BD9-81ED-4DB2-BD59-A6C34878D82A}">
-                    <a16:rowId xmlns:a16="http://schemas.microsoft.com/office/drawing/2014/main" xmlns="" val="10005"/>
+                    <a16:rowId xmlns="" xmlns:a16="http://schemas.microsoft.com/office/drawing/2014/main" val="10005"/>
                   </a:ext>
                 </a:extLst>
               </a:tr>
@@ -17863,7 +17871,7 @@
           <p:cNvPr id="2" name="Titel 1">
             <a:extLst>
               <a:ext uri="{FF2B5EF4-FFF2-40B4-BE49-F238E27FC236}">
-                <a16:creationId xmlns:a16="http://schemas.microsoft.com/office/drawing/2014/main" xmlns="" id="{7C74C4CE-CEBC-4725-9C59-28B4B7B750F9}"/>
+                <a16:creationId xmlns="" xmlns:a16="http://schemas.microsoft.com/office/drawing/2014/main" id="{7C74C4CE-CEBC-4725-9C59-28B4B7B750F9}"/>
               </a:ext>
             </a:extLst>
           </p:cNvPr>
@@ -17892,7 +17900,7 @@
           <p:cNvPr id="3" name="Inhaltsplatzhalter 2">
             <a:extLst>
               <a:ext uri="{FF2B5EF4-FFF2-40B4-BE49-F238E27FC236}">
-                <a16:creationId xmlns:a16="http://schemas.microsoft.com/office/drawing/2014/main" xmlns="" id="{8433872D-38EC-42CA-9561-0492F1E3670E}"/>
+                <a16:creationId xmlns="" xmlns:a16="http://schemas.microsoft.com/office/drawing/2014/main" id="{8433872D-38EC-42CA-9561-0492F1E3670E}"/>
               </a:ext>
             </a:extLst>
           </p:cNvPr>
@@ -27459,21 +27467,21 @@
                 <a:gridCol w="3505200">
                   <a:extLst>
                     <a:ext uri="{9D8B030D-6E8A-4147-A177-3AD203B41FA5}">
-                      <a16:colId xmlns:a16="http://schemas.microsoft.com/office/drawing/2014/main" xmlns="" val="20000"/>
+                      <a16:colId xmlns="" xmlns:a16="http://schemas.microsoft.com/office/drawing/2014/main" val="20000"/>
                     </a:ext>
                   </a:extLst>
                 </a:gridCol>
                 <a:gridCol w="3505200">
                   <a:extLst>
                     <a:ext uri="{9D8B030D-6E8A-4147-A177-3AD203B41FA5}">
-                      <a16:colId xmlns:a16="http://schemas.microsoft.com/office/drawing/2014/main" xmlns="" val="20001"/>
+                      <a16:colId xmlns="" xmlns:a16="http://schemas.microsoft.com/office/drawing/2014/main" val="20001"/>
                     </a:ext>
                   </a:extLst>
                 </a:gridCol>
                 <a:gridCol w="3505200">
                   <a:extLst>
                     <a:ext uri="{9D8B030D-6E8A-4147-A177-3AD203B41FA5}">
-                      <a16:colId xmlns:a16="http://schemas.microsoft.com/office/drawing/2014/main" xmlns="" val="20002"/>
+                      <a16:colId xmlns="" xmlns:a16="http://schemas.microsoft.com/office/drawing/2014/main" val="20002"/>
                     </a:ext>
                   </a:extLst>
                 </a:gridCol>
@@ -27528,7 +27536,7 @@
                 </a:tc>
                 <a:extLst>
                   <a:ext uri="{0D108BD9-81ED-4DB2-BD59-A6C34878D82A}">
-                    <a16:rowId xmlns:a16="http://schemas.microsoft.com/office/drawing/2014/main" xmlns="" val="10000"/>
+                    <a16:rowId xmlns="" xmlns:a16="http://schemas.microsoft.com/office/drawing/2014/main" val="10000"/>
                   </a:ext>
                 </a:extLst>
               </a:tr>
@@ -27615,7 +27623,7 @@
                 </a:tc>
                 <a:extLst>
                   <a:ext uri="{0D108BD9-81ED-4DB2-BD59-A6C34878D82A}">
-                    <a16:rowId xmlns:a16="http://schemas.microsoft.com/office/drawing/2014/main" xmlns="" val="10001"/>
+                    <a16:rowId xmlns="" xmlns:a16="http://schemas.microsoft.com/office/drawing/2014/main" val="10001"/>
                   </a:ext>
                 </a:extLst>
               </a:tr>
@@ -27716,7 +27724,7 @@
                 </a:tc>
                 <a:extLst>
                   <a:ext uri="{0D108BD9-81ED-4DB2-BD59-A6C34878D82A}">
-                    <a16:rowId xmlns:a16="http://schemas.microsoft.com/office/drawing/2014/main" xmlns="" val="10002"/>
+                    <a16:rowId xmlns="" xmlns:a16="http://schemas.microsoft.com/office/drawing/2014/main" val="10002"/>
                   </a:ext>
                 </a:extLst>
               </a:tr>
@@ -27808,7 +27816,7 @@
                 </a:tc>
                 <a:extLst>
                   <a:ext uri="{0D108BD9-81ED-4DB2-BD59-A6C34878D82A}">
-                    <a16:rowId xmlns:a16="http://schemas.microsoft.com/office/drawing/2014/main" xmlns="" val="10003"/>
+                    <a16:rowId xmlns="" xmlns:a16="http://schemas.microsoft.com/office/drawing/2014/main" val="10003"/>
                   </a:ext>
                 </a:extLst>
               </a:tr>
@@ -30327,9 +30335,8 @@
             <a:r>
               <a:rPr lang="de-AT" dirty="0">
                 <a:solidFill>
-                  <a:schemeClr val="accent6">
-                    <a:lumMod val="60000"/>
-                    <a:lumOff val="40000"/>
+                  <a:schemeClr val="bg2">
+                    <a:lumMod val="90000"/>
                   </a:schemeClr>
                 </a:solidFill>
               </a:rPr>
@@ -30338,9 +30345,8 @@
             <a:r>
               <a:rPr lang="de-AT" dirty="0" err="1">
                 <a:solidFill>
-                  <a:schemeClr val="accent6">
-                    <a:lumMod val="60000"/>
-                    <a:lumOff val="40000"/>
+                  <a:schemeClr val="bg2">
+                    <a:lumMod val="90000"/>
                   </a:schemeClr>
                 </a:solidFill>
               </a:rPr>
@@ -30349,9 +30355,8 @@
             <a:r>
               <a:rPr lang="de-AT" dirty="0">
                 <a:solidFill>
-                  <a:schemeClr val="accent6">
-                    <a:lumMod val="60000"/>
-                    <a:lumOff val="40000"/>
+                  <a:schemeClr val="bg2">
+                    <a:lumMod val="90000"/>
                   </a:schemeClr>
                 </a:solidFill>
               </a:rPr>
@@ -30455,9 +30460,22 @@
           <a:lstStyle/>
           <a:p>
             <a:r>
-              <a:rPr lang="de-AT" dirty="0"/>
-              <a:t>Outline</a:t>
-            </a:r>
+              <a:rPr lang="de-AT" dirty="0" smtClean="0"/>
+              <a:t>Native </a:t>
+            </a:r>
+            <a:r>
+              <a:rPr lang="de-AT" dirty="0" err="1" smtClean="0"/>
+              <a:t>device</a:t>
+            </a:r>
+            <a:r>
+              <a:rPr lang="de-AT" dirty="0" smtClean="0"/>
+              <a:t> </a:t>
+            </a:r>
+            <a:r>
+              <a:rPr lang="de-AT" dirty="0" err="1" smtClean="0"/>
+              <a:t>features</a:t>
+            </a:r>
+            <a:endParaRPr lang="de-AT" dirty="0"/>
           </a:p>
         </p:txBody>
       </p:sp>
@@ -30473,374 +30491,87 @@
         </p:nvSpPr>
         <p:spPr/>
         <p:txBody>
-          <a:bodyPr>
-            <a:normAutofit lnSpcReduction="10000"/>
-          </a:bodyPr>
+          <a:bodyPr/>
           <a:lstStyle/>
           <a:p>
-            <a:pPr marL="514350" indent="-514350">
-              <a:buFont typeface="+mj-lt"/>
-              <a:buAutoNum type="arabicPeriod"/>
+            <a:r>
+              <a:rPr lang="de-AT" dirty="0" err="1" smtClean="0"/>
+              <a:t>What</a:t>
+            </a:r>
+            <a:r>
+              <a:rPr lang="de-AT" dirty="0" smtClean="0"/>
+              <a:t> </a:t>
+            </a:r>
+            <a:r>
+              <a:rPr lang="de-AT" dirty="0" err="1" smtClean="0"/>
+              <a:t>are</a:t>
+            </a:r>
+            <a:r>
+              <a:rPr lang="de-AT" dirty="0" smtClean="0"/>
+              <a:t> native </a:t>
+            </a:r>
+            <a:r>
+              <a:rPr lang="de-AT" dirty="0" err="1" smtClean="0"/>
+              <a:t>device</a:t>
+            </a:r>
+            <a:r>
+              <a:rPr lang="de-AT" dirty="0" smtClean="0"/>
+              <a:t> </a:t>
+            </a:r>
+            <a:r>
+              <a:rPr lang="de-AT" dirty="0" err="1" smtClean="0"/>
+              <a:t>features</a:t>
+            </a:r>
+            <a:r>
+              <a:rPr lang="de-AT" dirty="0" smtClean="0"/>
+              <a:t>?</a:t>
+            </a:r>
+          </a:p>
+          <a:p>
+            <a:pPr lvl="1"/>
+            <a:r>
+              <a:rPr lang="de-AT" dirty="0" err="1" smtClean="0"/>
+              <a:t>Camera</a:t>
+            </a:r>
+            <a:r>
+              <a:rPr lang="de-AT" dirty="0" smtClean="0"/>
+              <a:t>, </a:t>
+            </a:r>
+            <a:r>
+              <a:rPr lang="de-AT" dirty="0" err="1" smtClean="0"/>
+              <a:t>Geolocation</a:t>
+            </a:r>
+            <a:r>
+              <a:rPr lang="de-AT" dirty="0" smtClean="0"/>
+              <a:t>, </a:t>
+            </a:r>
+            <a:r>
+              <a:rPr lang="de-AT" dirty="0" err="1" smtClean="0"/>
+              <a:t>Compass</a:t>
+            </a:r>
+            <a:r>
+              <a:rPr lang="de-AT" dirty="0" smtClean="0"/>
+              <a:t>…</a:t>
+            </a:r>
+          </a:p>
+          <a:p>
+            <a:endParaRPr lang="de-AT" dirty="0" smtClean="0"/>
+          </a:p>
+          <a:p>
+            <a:pPr marL="457200" lvl="1" indent="0">
+              <a:buNone/>
             </a:pPr>
             <a:r>
-              <a:rPr lang="de-AT" dirty="0">
-                <a:solidFill>
-                  <a:schemeClr val="accent6">
-                    <a:lumMod val="60000"/>
-                    <a:lumOff val="40000"/>
-                  </a:schemeClr>
-                </a:solidFill>
-              </a:rPr>
-              <a:t>Basics</a:t>
-            </a:r>
-          </a:p>
-          <a:p>
-            <a:pPr marL="971550" lvl="1" indent="-514350">
-              <a:buFont typeface="+mj-lt"/>
-              <a:buAutoNum type="arabicPeriod"/>
-            </a:pPr>
-            <a:r>
-              <a:rPr lang="de-AT" dirty="0">
-                <a:solidFill>
-                  <a:schemeClr val="accent6">
-                    <a:lumMod val="60000"/>
-                    <a:lumOff val="40000"/>
-                  </a:schemeClr>
-                </a:solidFill>
-              </a:rPr>
-              <a:t>App Manifest </a:t>
-            </a:r>
-          </a:p>
-          <a:p>
-            <a:pPr marL="971550" lvl="1" indent="-514350">
-              <a:buFont typeface="+mj-lt"/>
-              <a:buAutoNum type="arabicPeriod"/>
-            </a:pPr>
-            <a:r>
-              <a:rPr lang="de-AT" dirty="0">
-                <a:solidFill>
-                  <a:schemeClr val="accent6">
-                    <a:lumMod val="60000"/>
-                    <a:lumOff val="40000"/>
-                  </a:schemeClr>
-                </a:solidFill>
-              </a:rPr>
-              <a:t>Service </a:t>
-            </a:r>
-            <a:r>
-              <a:rPr lang="de-AT" dirty="0" err="1">
-                <a:solidFill>
-                  <a:schemeClr val="accent6">
-                    <a:lumMod val="60000"/>
-                    <a:lumOff val="40000"/>
-                  </a:schemeClr>
-                </a:solidFill>
-              </a:rPr>
-              <a:t>Workers</a:t>
-            </a:r>
-            <a:endParaRPr lang="de-AT" dirty="0">
-              <a:solidFill>
-                <a:schemeClr val="accent6">
-                  <a:lumMod val="60000"/>
-                  <a:lumOff val="40000"/>
-                </a:schemeClr>
-              </a:solidFill>
-            </a:endParaRPr>
-          </a:p>
-          <a:p>
-            <a:pPr marL="971550" lvl="1" indent="-514350">
-              <a:buFont typeface="+mj-lt"/>
-              <a:buAutoNum type="arabicPeriod"/>
-            </a:pPr>
-            <a:r>
-              <a:rPr lang="de-AT" dirty="0">
-                <a:solidFill>
-                  <a:schemeClr val="accent6">
-                    <a:lumMod val="60000"/>
-                    <a:lumOff val="40000"/>
-                  </a:schemeClr>
-                </a:solidFill>
-              </a:rPr>
-              <a:t>Installation</a:t>
-            </a:r>
-          </a:p>
-          <a:p>
-            <a:pPr marL="514350" indent="-514350">
-              <a:buFont typeface="+mj-lt"/>
-              <a:buAutoNum type="arabicPeriod"/>
-            </a:pPr>
-            <a:r>
-              <a:rPr lang="de-AT" dirty="0" err="1">
-                <a:solidFill>
-                  <a:schemeClr val="accent6">
-                    <a:lumMod val="60000"/>
-                    <a:lumOff val="40000"/>
-                  </a:schemeClr>
-                </a:solidFill>
-              </a:rPr>
-              <a:t>Promise</a:t>
-            </a:r>
-            <a:r>
-              <a:rPr lang="de-AT" dirty="0">
-                <a:solidFill>
-                  <a:schemeClr val="accent6">
-                    <a:lumMod val="60000"/>
-                    <a:lumOff val="40000"/>
-                  </a:schemeClr>
-                </a:solidFill>
-              </a:rPr>
-              <a:t> </a:t>
-            </a:r>
-            <a:r>
-              <a:rPr lang="de-AT" dirty="0" err="1">
-                <a:solidFill>
-                  <a:schemeClr val="accent6">
-                    <a:lumMod val="60000"/>
-                    <a:lumOff val="40000"/>
-                  </a:schemeClr>
-                </a:solidFill>
-              </a:rPr>
-              <a:t>and</a:t>
-            </a:r>
-            <a:r>
-              <a:rPr lang="de-AT" dirty="0">
-                <a:solidFill>
-                  <a:schemeClr val="accent6">
-                    <a:lumMod val="60000"/>
-                    <a:lumOff val="40000"/>
-                  </a:schemeClr>
-                </a:solidFill>
-              </a:rPr>
-              <a:t> </a:t>
-            </a:r>
-            <a:r>
-              <a:rPr lang="de-AT" dirty="0" err="1">
-                <a:solidFill>
-                  <a:schemeClr val="accent6">
-                    <a:lumMod val="60000"/>
-                    <a:lumOff val="40000"/>
-                  </a:schemeClr>
-                </a:solidFill>
-              </a:rPr>
-              <a:t>Fetch</a:t>
-            </a:r>
-            <a:r>
-              <a:rPr lang="de-AT" dirty="0">
-                <a:solidFill>
-                  <a:schemeClr val="accent6">
-                    <a:lumMod val="60000"/>
-                    <a:lumOff val="40000"/>
-                  </a:schemeClr>
-                </a:solidFill>
-              </a:rPr>
-              <a:t>, Service Worker Caching</a:t>
-            </a:r>
-          </a:p>
-          <a:p>
-            <a:pPr marL="514350" indent="-514350">
-              <a:buFont typeface="+mj-lt"/>
-              <a:buAutoNum type="arabicPeriod"/>
-            </a:pPr>
-            <a:r>
-              <a:rPr lang="de-AT" dirty="0" err="1">
-                <a:solidFill>
-                  <a:schemeClr val="accent6">
-                    <a:lumMod val="60000"/>
-                    <a:lumOff val="40000"/>
-                  </a:schemeClr>
-                </a:solidFill>
-              </a:rPr>
-              <a:t>Advanced</a:t>
-            </a:r>
-            <a:r>
-              <a:rPr lang="de-AT" dirty="0">
-                <a:solidFill>
-                  <a:schemeClr val="accent6">
-                    <a:lumMod val="60000"/>
-                    <a:lumOff val="40000"/>
-                  </a:schemeClr>
-                </a:solidFill>
-              </a:rPr>
-              <a:t> Caching, </a:t>
-            </a:r>
-            <a:r>
-              <a:rPr lang="de-AT" dirty="0" err="1">
-                <a:solidFill>
-                  <a:schemeClr val="accent6">
-                    <a:lumMod val="60000"/>
-                    <a:lumOff val="40000"/>
-                  </a:schemeClr>
-                </a:solidFill>
-              </a:rPr>
-              <a:t>Indexed</a:t>
-            </a:r>
-            <a:r>
-              <a:rPr lang="de-AT" dirty="0">
-                <a:solidFill>
-                  <a:schemeClr val="accent6">
-                    <a:lumMod val="60000"/>
-                    <a:lumOff val="40000"/>
-                  </a:schemeClr>
-                </a:solidFill>
-              </a:rPr>
-              <a:t> DB </a:t>
-            </a:r>
-            <a:r>
-              <a:rPr lang="de-AT" dirty="0" err="1">
-                <a:solidFill>
-                  <a:schemeClr val="accent6">
-                    <a:lumMod val="60000"/>
-                    <a:lumOff val="40000"/>
-                  </a:schemeClr>
-                </a:solidFill>
-              </a:rPr>
-              <a:t>and</a:t>
-            </a:r>
-            <a:r>
-              <a:rPr lang="de-AT" dirty="0">
-                <a:solidFill>
-                  <a:schemeClr val="accent6">
-                    <a:lumMod val="60000"/>
-                    <a:lumOff val="40000"/>
-                  </a:schemeClr>
-                </a:solidFill>
-              </a:rPr>
-              <a:t> Dynamic Data</a:t>
-            </a:r>
-          </a:p>
-          <a:p>
-            <a:pPr marL="514350" indent="-514350">
-              <a:buFont typeface="+mj-lt"/>
-              <a:buAutoNum type="arabicPeriod"/>
-            </a:pPr>
-            <a:r>
-              <a:rPr lang="de-AT" dirty="0" err="1">
-                <a:solidFill>
-                  <a:schemeClr val="accent6">
-                    <a:lumMod val="60000"/>
-                    <a:lumOff val="40000"/>
-                  </a:schemeClr>
-                </a:solidFill>
-              </a:rPr>
-              <a:t>Responsive</a:t>
-            </a:r>
-            <a:r>
-              <a:rPr lang="de-AT" dirty="0">
-                <a:solidFill>
-                  <a:schemeClr val="accent6">
-                    <a:lumMod val="60000"/>
-                    <a:lumOff val="40000"/>
-                  </a:schemeClr>
-                </a:solidFill>
-              </a:rPr>
-              <a:t> UI, Background </a:t>
-            </a:r>
-            <a:r>
-              <a:rPr lang="de-AT" dirty="0" err="1">
-                <a:solidFill>
-                  <a:schemeClr val="accent6">
-                    <a:lumMod val="60000"/>
-                    <a:lumOff val="40000"/>
-                  </a:schemeClr>
-                </a:solidFill>
-              </a:rPr>
-              <a:t>Sync</a:t>
-            </a:r>
-            <a:r>
-              <a:rPr lang="de-AT" dirty="0">
-                <a:solidFill>
-                  <a:schemeClr val="accent6">
-                    <a:lumMod val="60000"/>
-                    <a:lumOff val="40000"/>
-                  </a:schemeClr>
-                </a:solidFill>
-              </a:rPr>
-              <a:t> </a:t>
-            </a:r>
-          </a:p>
-          <a:p>
-            <a:pPr marL="514350" indent="-514350">
-              <a:buFont typeface="+mj-lt"/>
-              <a:buAutoNum type="arabicPeriod"/>
-            </a:pPr>
-            <a:r>
-              <a:rPr lang="de-AT" dirty="0">
-                <a:solidFill>
-                  <a:schemeClr val="accent6">
-                    <a:lumMod val="60000"/>
-                    <a:lumOff val="40000"/>
-                  </a:schemeClr>
-                </a:solidFill>
-              </a:rPr>
-              <a:t>Web Push </a:t>
-            </a:r>
-            <a:r>
-              <a:rPr lang="de-AT" dirty="0" err="1">
-                <a:solidFill>
-                  <a:schemeClr val="accent6">
-                    <a:lumMod val="60000"/>
-                    <a:lumOff val="40000"/>
-                  </a:schemeClr>
-                </a:solidFill>
-              </a:rPr>
-              <a:t>Notifications</a:t>
-            </a:r>
-            <a:r>
-              <a:rPr lang="de-AT" dirty="0">
-                <a:solidFill>
-                  <a:schemeClr val="accent6">
-                    <a:lumMod val="60000"/>
-                    <a:lumOff val="40000"/>
-                  </a:schemeClr>
-                </a:solidFill>
-              </a:rPr>
-              <a:t> </a:t>
-            </a:r>
-          </a:p>
-          <a:p>
-            <a:pPr marL="514350" indent="-514350">
-              <a:buFont typeface="+mj-lt"/>
-              <a:buAutoNum type="arabicPeriod"/>
-            </a:pPr>
-            <a:r>
-              <a:rPr lang="de-AT" dirty="0">
-                <a:solidFill>
-                  <a:schemeClr val="accent6">
-                    <a:lumMod val="60000"/>
-                    <a:lumOff val="40000"/>
-                  </a:schemeClr>
-                </a:solidFill>
-              </a:rPr>
-              <a:t>Native Device Features</a:t>
-            </a:r>
-          </a:p>
-          <a:p>
-            <a:pPr marL="514350" indent="-514350">
-              <a:buFont typeface="+mj-lt"/>
-              <a:buAutoNum type="arabicPeriod"/>
-            </a:pPr>
-            <a:r>
               <a:rPr lang="de-AT" dirty="0"/>
-              <a:t>Round </a:t>
-            </a:r>
-            <a:r>
-              <a:rPr lang="de-AT" dirty="0" err="1"/>
-              <a:t>Up</a:t>
-            </a:r>
-            <a:r>
-              <a:rPr lang="de-AT" dirty="0"/>
-              <a:t> &amp; Quiz</a:t>
-            </a:r>
-          </a:p>
-          <a:p>
-            <a:endParaRPr lang="de-AT" dirty="0"/>
+              <a:t>	</a:t>
+            </a:r>
           </a:p>
         </p:txBody>
       </p:sp>
     </p:spTree>
     <p:extLst>
       <p:ext uri="{BB962C8B-B14F-4D97-AF65-F5344CB8AC3E}">
-        <p14:creationId xmlns:p14="http://schemas.microsoft.com/office/powerpoint/2010/main" val="2022339406"/>
+        <p14:creationId xmlns:p14="http://schemas.microsoft.com/office/powerpoint/2010/main" val="2663935610"/>
       </p:ext>
     </p:extLst>
   </p:cSld>
@@ -30883,9 +30614,30 @@
           <a:lstStyle/>
           <a:p>
             <a:r>
-              <a:rPr lang="de-AT" dirty="0"/>
-              <a:t>Backend</a:t>
-            </a:r>
+              <a:rPr lang="de-AT" dirty="0" smtClean="0"/>
+              <a:t>Native </a:t>
+            </a:r>
+            <a:r>
+              <a:rPr lang="de-AT" dirty="0" err="1" smtClean="0"/>
+              <a:t>Recipe</a:t>
+            </a:r>
+            <a:r>
+              <a:rPr lang="de-AT" dirty="0" smtClean="0"/>
+              <a:t> </a:t>
+            </a:r>
+            <a:r>
+              <a:rPr lang="de-AT" dirty="0" err="1" smtClean="0"/>
+              <a:t>For</a:t>
+            </a:r>
+            <a:r>
+              <a:rPr lang="de-AT" dirty="0" smtClean="0"/>
+              <a:t> </a:t>
+            </a:r>
+            <a:r>
+              <a:rPr lang="de-AT" dirty="0" err="1" smtClean="0"/>
+              <a:t>Camera</a:t>
+            </a:r>
+            <a:endParaRPr lang="de-AT" dirty="0"/>
           </a:p>
         </p:txBody>
       </p:sp>
@@ -30901,110 +30653,571 @@
         </p:nvSpPr>
         <p:spPr/>
         <p:txBody>
-          <a:bodyPr/>
+          <a:bodyPr>
+            <a:normAutofit/>
+          </a:bodyPr>
           <a:lstStyle/>
           <a:p>
             <a:r>
+              <a:rPr lang="de-AT" dirty="0" smtClean="0"/>
+              <a:t>Add HTML</a:t>
+            </a:r>
+          </a:p>
+          <a:p>
+            <a:pPr lvl="1"/>
+            <a:r>
+              <a:rPr lang="de-AT" dirty="0" smtClean="0"/>
+              <a:t>Video, </a:t>
+            </a:r>
+            <a:r>
+              <a:rPr lang="de-AT" dirty="0" err="1" smtClean="0"/>
+              <a:t>canvas</a:t>
+            </a:r>
+            <a:r>
+              <a:rPr lang="de-AT" dirty="0" smtClean="0"/>
+              <a:t> </a:t>
+            </a:r>
+            <a:r>
+              <a:rPr lang="de-AT" dirty="0" err="1" smtClean="0"/>
+              <a:t>and</a:t>
+            </a:r>
+            <a:r>
+              <a:rPr lang="de-AT" dirty="0" smtClean="0"/>
+              <a:t> </a:t>
+            </a:r>
+            <a:r>
+              <a:rPr lang="de-AT" dirty="0" err="1" smtClean="0"/>
+              <a:t>button</a:t>
+            </a:r>
+            <a:endParaRPr lang="de-AT" dirty="0" smtClean="0"/>
+          </a:p>
+          <a:p>
+            <a:pPr lvl="1"/>
+            <a:r>
+              <a:rPr lang="de-AT" dirty="0" err="1" smtClean="0"/>
+              <a:t>Graceful</a:t>
+            </a:r>
+            <a:r>
+              <a:rPr lang="de-AT" dirty="0" smtClean="0"/>
+              <a:t> </a:t>
+            </a:r>
+            <a:r>
+              <a:rPr lang="de-AT" dirty="0" err="1" smtClean="0"/>
+              <a:t>degrade</a:t>
+            </a:r>
+            <a:r>
+              <a:rPr lang="de-AT" dirty="0" smtClean="0"/>
+              <a:t> </a:t>
+            </a:r>
+            <a:r>
+              <a:rPr lang="de-AT" dirty="0" err="1" smtClean="0"/>
+              <a:t>with</a:t>
+            </a:r>
+            <a:r>
+              <a:rPr lang="de-AT" dirty="0" smtClean="0"/>
+              <a:t> pick </a:t>
+            </a:r>
+            <a:r>
+              <a:rPr lang="de-AT" dirty="0" err="1" smtClean="0"/>
+              <a:t>image</a:t>
+            </a:r>
+            <a:r>
+              <a:rPr lang="de-AT" dirty="0" smtClean="0"/>
+              <a:t> </a:t>
+            </a:r>
+            <a:r>
+              <a:rPr lang="de-AT" dirty="0" err="1" smtClean="0"/>
+              <a:t>instead</a:t>
+            </a:r>
+            <a:endParaRPr lang="de-AT" dirty="0" smtClean="0"/>
+          </a:p>
+          <a:p>
+            <a:r>
+              <a:rPr lang="de-AT" dirty="0" smtClean="0"/>
+              <a:t>Add </a:t>
+            </a:r>
+            <a:r>
+              <a:rPr lang="de-AT" dirty="0" err="1" smtClean="0"/>
+              <a:t>code</a:t>
+            </a:r>
+            <a:endParaRPr lang="de-AT" dirty="0" smtClean="0"/>
+          </a:p>
+          <a:p>
+            <a:pPr lvl="1"/>
+            <a:r>
+              <a:rPr lang="de-AT" dirty="0" err="1" smtClean="0"/>
+              <a:t>Implement</a:t>
+            </a:r>
+            <a:r>
+              <a:rPr lang="de-AT" dirty="0" smtClean="0"/>
+              <a:t> </a:t>
+            </a:r>
+            <a:r>
+              <a:rPr lang="de-AT" dirty="0" err="1" smtClean="0"/>
+              <a:t>getUserMedia</a:t>
+            </a:r>
+            <a:r>
+              <a:rPr lang="de-AT" dirty="0" smtClean="0"/>
+              <a:t> (</a:t>
+            </a:r>
+            <a:r>
+              <a:rPr lang="de-AT" dirty="0" err="1" smtClean="0"/>
+              <a:t>for</a:t>
+            </a:r>
+            <a:r>
+              <a:rPr lang="de-AT" dirty="0" smtClean="0"/>
+              <a:t> all </a:t>
+            </a:r>
+            <a:r>
+              <a:rPr lang="de-AT" dirty="0" err="1" smtClean="0"/>
+              <a:t>browsers</a:t>
+            </a:r>
+            <a:r>
+              <a:rPr lang="de-AT" dirty="0" smtClean="0"/>
+              <a:t>)</a:t>
+            </a:r>
+          </a:p>
+          <a:p>
+            <a:pPr lvl="1"/>
+            <a:r>
+              <a:rPr lang="de-AT" dirty="0" smtClean="0"/>
+              <a:t>Hook </a:t>
+            </a:r>
+            <a:r>
+              <a:rPr lang="de-AT" dirty="0" err="1" smtClean="0"/>
+              <a:t>stream</a:t>
+            </a:r>
+            <a:r>
+              <a:rPr lang="de-AT" dirty="0" smtClean="0"/>
+              <a:t> </a:t>
+            </a:r>
+            <a:r>
+              <a:rPr lang="de-AT" dirty="0" err="1" smtClean="0"/>
+              <a:t>to</a:t>
+            </a:r>
+            <a:r>
+              <a:rPr lang="de-AT" dirty="0" smtClean="0"/>
+              <a:t> </a:t>
+            </a:r>
+            <a:r>
+              <a:rPr lang="de-AT" dirty="0" err="1" smtClean="0"/>
+              <a:t>canvas</a:t>
+            </a:r>
+            <a:r>
+              <a:rPr lang="de-AT" dirty="0" smtClean="0"/>
+              <a:t> </a:t>
+            </a:r>
+            <a:r>
+              <a:rPr lang="de-AT" dirty="0" err="1" smtClean="0"/>
+              <a:t>with</a:t>
+            </a:r>
+            <a:r>
+              <a:rPr lang="de-AT" dirty="0" smtClean="0"/>
+              <a:t> </a:t>
+            </a:r>
+            <a:r>
+              <a:rPr lang="de-AT" dirty="0" err="1" smtClean="0"/>
+              <a:t>capture</a:t>
+            </a:r>
+            <a:r>
+              <a:rPr lang="de-AT" dirty="0" smtClean="0"/>
+              <a:t> </a:t>
+            </a:r>
+            <a:r>
+              <a:rPr lang="de-AT" dirty="0" err="1" smtClean="0"/>
+              <a:t>button</a:t>
+            </a:r>
+            <a:endParaRPr lang="de-AT" dirty="0" smtClean="0"/>
+          </a:p>
+          <a:p>
+            <a:pPr lvl="1"/>
+            <a:r>
+              <a:rPr lang="de-AT" dirty="0" smtClean="0">
+                <a:solidFill>
+                  <a:schemeClr val="bg2">
+                    <a:lumMod val="90000"/>
+                  </a:schemeClr>
+                </a:solidFill>
+              </a:rPr>
+              <a:t>Upload </a:t>
+            </a:r>
+            <a:r>
+              <a:rPr lang="de-AT" dirty="0" err="1" smtClean="0">
+                <a:solidFill>
+                  <a:schemeClr val="bg2">
+                    <a:lumMod val="90000"/>
+                  </a:schemeClr>
+                </a:solidFill>
+              </a:rPr>
+              <a:t>image</a:t>
+            </a:r>
+            <a:r>
+              <a:rPr lang="de-AT" dirty="0" smtClean="0">
+                <a:solidFill>
+                  <a:schemeClr val="bg2">
+                    <a:lumMod val="90000"/>
+                  </a:schemeClr>
+                </a:solidFill>
+              </a:rPr>
+              <a:t> </a:t>
+            </a:r>
+            <a:r>
+              <a:rPr lang="de-AT" dirty="0" err="1" smtClean="0">
+                <a:solidFill>
+                  <a:schemeClr val="bg2">
+                    <a:lumMod val="90000"/>
+                  </a:schemeClr>
+                </a:solidFill>
+              </a:rPr>
+              <a:t>to</a:t>
+            </a:r>
+            <a:r>
+              <a:rPr lang="de-AT" dirty="0" smtClean="0">
+                <a:solidFill>
+                  <a:schemeClr val="bg2">
+                    <a:lumMod val="90000"/>
+                  </a:schemeClr>
+                </a:solidFill>
+              </a:rPr>
+              <a:t> </a:t>
+            </a:r>
+            <a:r>
+              <a:rPr lang="de-AT" dirty="0" err="1" smtClean="0">
+                <a:solidFill>
+                  <a:schemeClr val="bg2">
+                    <a:lumMod val="90000"/>
+                  </a:schemeClr>
+                </a:solidFill>
+              </a:rPr>
+              <a:t>server</a:t>
+            </a:r>
+            <a:r>
+              <a:rPr lang="de-AT" dirty="0">
+                <a:solidFill>
+                  <a:schemeClr val="bg2">
+                    <a:lumMod val="90000"/>
+                  </a:schemeClr>
+                </a:solidFill>
+              </a:rPr>
+              <a:t> </a:t>
+            </a:r>
+            <a:r>
+              <a:rPr lang="de-AT" dirty="0" smtClean="0">
+                <a:solidFill>
+                  <a:schemeClr val="bg2">
+                    <a:lumMod val="90000"/>
+                  </a:schemeClr>
+                </a:solidFill>
+              </a:rPr>
+              <a:t>(base64 </a:t>
+            </a:r>
+            <a:r>
+              <a:rPr lang="de-AT" dirty="0" err="1" smtClean="0">
+                <a:solidFill>
+                  <a:schemeClr val="bg2">
+                    <a:lumMod val="90000"/>
+                  </a:schemeClr>
+                </a:solidFill>
+              </a:rPr>
+              <a:t>to</a:t>
+            </a:r>
+            <a:r>
+              <a:rPr lang="de-AT" dirty="0" smtClean="0">
+                <a:solidFill>
+                  <a:schemeClr val="bg2">
+                    <a:lumMod val="90000"/>
+                  </a:schemeClr>
+                </a:solidFill>
+              </a:rPr>
+              <a:t> </a:t>
+            </a:r>
+            <a:r>
+              <a:rPr lang="de-AT" dirty="0" err="1" smtClean="0">
+                <a:solidFill>
+                  <a:schemeClr val="bg2">
+                    <a:lumMod val="90000"/>
+                  </a:schemeClr>
+                </a:solidFill>
+              </a:rPr>
+              <a:t>blob</a:t>
+            </a:r>
+            <a:r>
+              <a:rPr lang="de-AT" dirty="0" smtClean="0">
+                <a:solidFill>
+                  <a:schemeClr val="bg2">
+                    <a:lumMod val="90000"/>
+                  </a:schemeClr>
+                </a:solidFill>
+              </a:rPr>
+              <a:t>)</a:t>
+            </a:r>
+          </a:p>
+          <a:p>
+            <a:pPr marL="457200" lvl="1" indent="0">
+              <a:buNone/>
+            </a:pPr>
+            <a:endParaRPr lang="de-AT" dirty="0" smtClean="0"/>
+          </a:p>
+          <a:p>
+            <a:pPr lvl="1"/>
+            <a:endParaRPr lang="de-AT" dirty="0" smtClean="0"/>
+          </a:p>
+          <a:p>
+            <a:pPr marL="457200" lvl="1" indent="0">
+              <a:buNone/>
+            </a:pPr>
+            <a:r>
               <a:rPr lang="de-AT" dirty="0"/>
-              <a:t>Google </a:t>
-            </a:r>
-            <a:r>
-              <a:rPr lang="de-AT" dirty="0" err="1"/>
-              <a:t>Firebase</a:t>
-            </a:r>
+              <a:t>	</a:t>
+            </a:r>
+            <a:endParaRPr lang="de-AT" dirty="0" smtClean="0"/>
+          </a:p>
+          <a:p>
             <a:endParaRPr lang="de-AT" dirty="0"/>
-          </a:p>
-          <a:p>
-            <a:r>
-              <a:rPr lang="de-AT" dirty="0"/>
-              <a:t>Realtime Database</a:t>
-            </a:r>
-          </a:p>
-          <a:p>
-            <a:r>
-              <a:rPr lang="de-AT" dirty="0" err="1">
-                <a:solidFill>
-                  <a:srgbClr val="FF0000"/>
-                </a:solidFill>
-              </a:rPr>
-              <a:t>No</a:t>
-            </a:r>
-            <a:r>
-              <a:rPr lang="de-AT" dirty="0">
-                <a:solidFill>
-                  <a:srgbClr val="FF0000"/>
-                </a:solidFill>
-              </a:rPr>
-              <a:t> </a:t>
-            </a:r>
-            <a:r>
-              <a:rPr lang="de-AT" dirty="0" err="1">
-                <a:solidFill>
-                  <a:srgbClr val="FF0000"/>
-                </a:solidFill>
-              </a:rPr>
-              <a:t>authentication</a:t>
-            </a:r>
-            <a:r>
-              <a:rPr lang="de-AT" dirty="0">
-                <a:solidFill>
-                  <a:srgbClr val="FF0000"/>
-                </a:solidFill>
-              </a:rPr>
-              <a:t> </a:t>
-            </a:r>
-            <a:r>
-              <a:rPr lang="de-AT" dirty="0" err="1">
-                <a:solidFill>
-                  <a:srgbClr val="FF0000"/>
-                </a:solidFill>
-              </a:rPr>
-              <a:t>for</a:t>
-            </a:r>
-            <a:r>
-              <a:rPr lang="de-AT" dirty="0">
-                <a:solidFill>
-                  <a:srgbClr val="FF0000"/>
-                </a:solidFill>
-              </a:rPr>
-              <a:t> </a:t>
-            </a:r>
-            <a:r>
-              <a:rPr lang="de-AT" dirty="0" err="1">
-                <a:solidFill>
-                  <a:srgbClr val="FF0000"/>
-                </a:solidFill>
-              </a:rPr>
-              <a:t>this</a:t>
-            </a:r>
-            <a:r>
-              <a:rPr lang="de-AT" dirty="0">
-                <a:solidFill>
-                  <a:srgbClr val="FF0000"/>
-                </a:solidFill>
-              </a:rPr>
-              <a:t> </a:t>
-            </a:r>
-            <a:r>
-              <a:rPr lang="de-AT" dirty="0" err="1">
-                <a:solidFill>
-                  <a:srgbClr val="FF0000"/>
-                </a:solidFill>
-              </a:rPr>
-              <a:t>purpose</a:t>
-            </a:r>
-            <a:endParaRPr lang="de-AT" dirty="0">
-              <a:solidFill>
-                <a:srgbClr val="FF0000"/>
-              </a:solidFill>
-            </a:endParaRPr>
           </a:p>
         </p:txBody>
       </p:sp>
     </p:spTree>
     <p:extLst>
       <p:ext uri="{BB962C8B-B14F-4D97-AF65-F5344CB8AC3E}">
-        <p14:creationId xmlns:p14="http://schemas.microsoft.com/office/powerpoint/2010/main" val="753469658"/>
+        <p14:creationId xmlns:p14="http://schemas.microsoft.com/office/powerpoint/2010/main" val="2454698890"/>
+      </p:ext>
+    </p:extLst>
+  </p:cSld>
+  <p:clrMapOvr>
+    <a:masterClrMapping/>
+  </p:clrMapOvr>
+</p:sld>
+</file>
+
+<file path=ppt/slides/slide78.xml><?xml version="1.0" encoding="utf-8"?>
+<p:sld xmlns:a="http://schemas.openxmlformats.org/drawingml/2006/main" xmlns:r="http://schemas.openxmlformats.org/officeDocument/2006/relationships" xmlns:p="http://schemas.openxmlformats.org/presentationml/2006/main">
+  <p:cSld>
+    <p:spTree>
+      <p:nvGrpSpPr>
+        <p:cNvPr id="1" name=""/>
+        <p:cNvGrpSpPr/>
+        <p:nvPr/>
+      </p:nvGrpSpPr>
+      <p:grpSpPr>
+        <a:xfrm>
+          <a:off x="0" y="0"/>
+          <a:ext cx="0" cy="0"/>
+          <a:chOff x="0" y="0"/>
+          <a:chExt cx="0" cy="0"/>
+        </a:xfrm>
+      </p:grpSpPr>
+      <p:sp>
+        <p:nvSpPr>
+          <p:cNvPr id="2" name="Titel 1"/>
+          <p:cNvSpPr>
+            <a:spLocks noGrp="1"/>
+          </p:cNvSpPr>
+          <p:nvPr>
+            <p:ph type="title"/>
+          </p:nvPr>
+        </p:nvSpPr>
+        <p:spPr/>
+        <p:txBody>
+          <a:bodyPr/>
+          <a:lstStyle/>
+          <a:p>
+            <a:r>
+              <a:rPr lang="de-AT" dirty="0" smtClean="0"/>
+              <a:t>Native </a:t>
+            </a:r>
+            <a:r>
+              <a:rPr lang="de-AT" dirty="0" err="1" smtClean="0"/>
+              <a:t>Recipe</a:t>
+            </a:r>
+            <a:r>
+              <a:rPr lang="de-AT" dirty="0" smtClean="0"/>
+              <a:t> </a:t>
+            </a:r>
+            <a:r>
+              <a:rPr lang="de-AT" dirty="0" err="1" smtClean="0"/>
+              <a:t>For</a:t>
+            </a:r>
+            <a:r>
+              <a:rPr lang="de-AT" dirty="0" smtClean="0"/>
+              <a:t> Position</a:t>
+            </a:r>
+            <a:endParaRPr lang="de-AT" dirty="0"/>
+          </a:p>
+        </p:txBody>
+      </p:sp>
+      <p:sp>
+        <p:nvSpPr>
+          <p:cNvPr id="3" name="Inhaltsplatzhalter 2"/>
+          <p:cNvSpPr>
+            <a:spLocks noGrp="1"/>
+          </p:cNvSpPr>
+          <p:nvPr>
+            <p:ph idx="1"/>
+          </p:nvPr>
+        </p:nvSpPr>
+        <p:spPr/>
+        <p:txBody>
+          <a:bodyPr/>
+          <a:lstStyle/>
+          <a:p>
+            <a:r>
+              <a:rPr lang="de-AT" dirty="0" smtClean="0"/>
+              <a:t>Add HTML</a:t>
+            </a:r>
+          </a:p>
+          <a:p>
+            <a:pPr lvl="1"/>
+            <a:r>
+              <a:rPr lang="de-AT" dirty="0" smtClean="0"/>
+              <a:t>Button</a:t>
+            </a:r>
+            <a:endParaRPr lang="de-AT" dirty="0"/>
+          </a:p>
+          <a:p>
+            <a:r>
+              <a:rPr lang="de-AT" dirty="0" smtClean="0"/>
+              <a:t>Add </a:t>
+            </a:r>
+            <a:r>
+              <a:rPr lang="de-AT" dirty="0" err="1" smtClean="0"/>
+              <a:t>code</a:t>
+            </a:r>
+            <a:endParaRPr lang="de-AT" dirty="0" smtClean="0"/>
+          </a:p>
+          <a:p>
+            <a:pPr lvl="1"/>
+            <a:r>
+              <a:rPr lang="de-AT" dirty="0" err="1" smtClean="0"/>
+              <a:t>Navigator.geolocation</a:t>
+            </a:r>
+            <a:endParaRPr lang="de-AT" dirty="0" smtClean="0"/>
+          </a:p>
+        </p:txBody>
+      </p:sp>
+    </p:spTree>
+    <p:extLst>
+      <p:ext uri="{BB962C8B-B14F-4D97-AF65-F5344CB8AC3E}">
+        <p14:creationId xmlns:p14="http://schemas.microsoft.com/office/powerpoint/2010/main" val="1313899771"/>
+      </p:ext>
+    </p:extLst>
+  </p:cSld>
+  <p:clrMapOvr>
+    <a:masterClrMapping/>
+  </p:clrMapOvr>
+</p:sld>
+</file>
+
+<file path=ppt/slides/slide79.xml><?xml version="1.0" encoding="utf-8"?>
+<p:sld xmlns:a="http://schemas.openxmlformats.org/drawingml/2006/main" xmlns:r="http://schemas.openxmlformats.org/officeDocument/2006/relationships" xmlns:p="http://schemas.openxmlformats.org/presentationml/2006/main">
+  <p:cSld>
+    <p:spTree>
+      <p:nvGrpSpPr>
+        <p:cNvPr id="1" name=""/>
+        <p:cNvGrpSpPr/>
+        <p:nvPr/>
+      </p:nvGrpSpPr>
+      <p:grpSpPr>
+        <a:xfrm>
+          <a:off x="0" y="0"/>
+          <a:ext cx="0" cy="0"/>
+          <a:chOff x="0" y="0"/>
+          <a:chExt cx="0" cy="0"/>
+        </a:xfrm>
+      </p:grpSpPr>
+      <p:sp>
+        <p:nvSpPr>
+          <p:cNvPr id="2" name="Titel 1"/>
+          <p:cNvSpPr>
+            <a:spLocks noGrp="1"/>
+          </p:cNvSpPr>
+          <p:nvPr>
+            <p:ph type="title"/>
+          </p:nvPr>
+        </p:nvSpPr>
+        <p:spPr/>
+        <p:txBody>
+          <a:bodyPr/>
+          <a:lstStyle/>
+          <a:p>
+            <a:r>
+              <a:rPr lang="de-AT" dirty="0" smtClean="0"/>
+              <a:t>Links</a:t>
+            </a:r>
+            <a:endParaRPr lang="de-AT" dirty="0"/>
+          </a:p>
+        </p:txBody>
+      </p:sp>
+      <p:sp>
+        <p:nvSpPr>
+          <p:cNvPr id="3" name="Inhaltsplatzhalter 2"/>
+          <p:cNvSpPr>
+            <a:spLocks noGrp="1"/>
+          </p:cNvSpPr>
+          <p:nvPr>
+            <p:ph idx="1"/>
+          </p:nvPr>
+        </p:nvSpPr>
+        <p:spPr/>
+        <p:txBody>
+          <a:bodyPr/>
+          <a:lstStyle/>
+          <a:p>
+            <a:r>
+              <a:rPr lang="en-US" dirty="0"/>
+              <a:t>More about the Media Stream API on MDN: </a:t>
+            </a:r>
+            <a:r>
+              <a:rPr lang="en-US" dirty="0">
+                <a:hlinkClick r:id="rId2"/>
+              </a:rPr>
+              <a:t>https://developer.mozilla.org/en-US/docs/Web/API/Media_Streams_API/Constraints</a:t>
+            </a:r>
+            <a:endParaRPr lang="en-US" dirty="0"/>
+          </a:p>
+          <a:p>
+            <a:r>
+              <a:rPr lang="en-US" dirty="0"/>
+              <a:t>More about </a:t>
+            </a:r>
+            <a:r>
+              <a:rPr lang="en-US" dirty="0" err="1"/>
+              <a:t>getUserMedia</a:t>
+            </a:r>
+            <a:r>
+              <a:rPr lang="en-US" dirty="0"/>
+              <a:t>: </a:t>
+            </a:r>
+            <a:r>
+              <a:rPr lang="en-US" dirty="0">
+                <a:hlinkClick r:id="rId3"/>
+              </a:rPr>
+              <a:t>https://developer.mozilla.org/en-US/docs/Web/API/MediaDevices/getUserMedia</a:t>
+            </a:r>
+            <a:endParaRPr lang="en-US" dirty="0"/>
+          </a:p>
+          <a:p>
+            <a:r>
+              <a:rPr lang="en-US" dirty="0"/>
+              <a:t>How to use geolocation: </a:t>
+            </a:r>
+            <a:r>
+              <a:rPr lang="en-US" dirty="0">
+                <a:hlinkClick r:id="rId4"/>
+              </a:rPr>
+              <a:t>https://developer.mozilla.org/en-US/docs/Web/API/Geolocation/Using_geolocation</a:t>
+            </a:r>
+            <a:endParaRPr lang="en-US" dirty="0"/>
+          </a:p>
+          <a:p>
+            <a:endParaRPr lang="de-AT" dirty="0"/>
+          </a:p>
+        </p:txBody>
+      </p:sp>
+    </p:spTree>
+    <p:extLst>
+      <p:ext uri="{BB962C8B-B14F-4D97-AF65-F5344CB8AC3E}">
+        <p14:creationId xmlns:p14="http://schemas.microsoft.com/office/powerpoint/2010/main" val="202925844"/>
       </p:ext>
     </p:extLst>
   </p:cSld>
@@ -31203,6 +31416,598 @@
     <p:extLst>
       <p:ext uri="{BB962C8B-B14F-4D97-AF65-F5344CB8AC3E}">
         <p14:creationId xmlns:p14="http://schemas.microsoft.com/office/powerpoint/2010/main" val="775921924"/>
+      </p:ext>
+    </p:extLst>
+  </p:cSld>
+  <p:clrMapOvr>
+    <a:masterClrMapping/>
+  </p:clrMapOvr>
+</p:sld>
+</file>
+
+<file path=ppt/slides/slide80.xml><?xml version="1.0" encoding="utf-8"?>
+<p:sld xmlns:a="http://schemas.openxmlformats.org/drawingml/2006/main" xmlns:r="http://schemas.openxmlformats.org/officeDocument/2006/relationships" xmlns:p="http://schemas.openxmlformats.org/presentationml/2006/main">
+  <p:cSld>
+    <p:spTree>
+      <p:nvGrpSpPr>
+        <p:cNvPr id="1" name=""/>
+        <p:cNvGrpSpPr/>
+        <p:nvPr/>
+      </p:nvGrpSpPr>
+      <p:grpSpPr>
+        <a:xfrm>
+          <a:off x="0" y="0"/>
+          <a:ext cx="0" cy="0"/>
+          <a:chOff x="0" y="0"/>
+          <a:chExt cx="0" cy="0"/>
+        </a:xfrm>
+      </p:grpSpPr>
+      <p:sp>
+        <p:nvSpPr>
+          <p:cNvPr id="2" name="Titel 1"/>
+          <p:cNvSpPr>
+            <a:spLocks noGrp="1"/>
+          </p:cNvSpPr>
+          <p:nvPr>
+            <p:ph type="title"/>
+          </p:nvPr>
+        </p:nvSpPr>
+        <p:spPr/>
+        <p:txBody>
+          <a:bodyPr/>
+          <a:lstStyle/>
+          <a:p>
+            <a:r>
+              <a:rPr lang="de-AT" dirty="0"/>
+              <a:t>Outline</a:t>
+            </a:r>
+          </a:p>
+        </p:txBody>
+      </p:sp>
+      <p:sp>
+        <p:nvSpPr>
+          <p:cNvPr id="3" name="Inhaltsplatzhalter 2"/>
+          <p:cNvSpPr>
+            <a:spLocks noGrp="1"/>
+          </p:cNvSpPr>
+          <p:nvPr>
+            <p:ph idx="1"/>
+          </p:nvPr>
+        </p:nvSpPr>
+        <p:spPr/>
+        <p:txBody>
+          <a:bodyPr>
+            <a:normAutofit lnSpcReduction="10000"/>
+          </a:bodyPr>
+          <a:lstStyle/>
+          <a:p>
+            <a:pPr marL="514350" indent="-514350">
+              <a:buFont typeface="+mj-lt"/>
+              <a:buAutoNum type="arabicPeriod"/>
+            </a:pPr>
+            <a:r>
+              <a:rPr lang="de-AT" dirty="0">
+                <a:solidFill>
+                  <a:schemeClr val="accent6">
+                    <a:lumMod val="60000"/>
+                    <a:lumOff val="40000"/>
+                  </a:schemeClr>
+                </a:solidFill>
+              </a:rPr>
+              <a:t>Basics</a:t>
+            </a:r>
+          </a:p>
+          <a:p>
+            <a:pPr marL="971550" lvl="1" indent="-514350">
+              <a:buFont typeface="+mj-lt"/>
+              <a:buAutoNum type="arabicPeriod"/>
+            </a:pPr>
+            <a:r>
+              <a:rPr lang="de-AT" dirty="0">
+                <a:solidFill>
+                  <a:schemeClr val="accent6">
+                    <a:lumMod val="60000"/>
+                    <a:lumOff val="40000"/>
+                  </a:schemeClr>
+                </a:solidFill>
+              </a:rPr>
+              <a:t>App Manifest </a:t>
+            </a:r>
+          </a:p>
+          <a:p>
+            <a:pPr marL="971550" lvl="1" indent="-514350">
+              <a:buFont typeface="+mj-lt"/>
+              <a:buAutoNum type="arabicPeriod"/>
+            </a:pPr>
+            <a:r>
+              <a:rPr lang="de-AT" dirty="0">
+                <a:solidFill>
+                  <a:schemeClr val="accent6">
+                    <a:lumMod val="60000"/>
+                    <a:lumOff val="40000"/>
+                  </a:schemeClr>
+                </a:solidFill>
+              </a:rPr>
+              <a:t>Service </a:t>
+            </a:r>
+            <a:r>
+              <a:rPr lang="de-AT" dirty="0" err="1">
+                <a:solidFill>
+                  <a:schemeClr val="accent6">
+                    <a:lumMod val="60000"/>
+                    <a:lumOff val="40000"/>
+                  </a:schemeClr>
+                </a:solidFill>
+              </a:rPr>
+              <a:t>Workers</a:t>
+            </a:r>
+            <a:endParaRPr lang="de-AT" dirty="0">
+              <a:solidFill>
+                <a:schemeClr val="accent6">
+                  <a:lumMod val="60000"/>
+                  <a:lumOff val="40000"/>
+                </a:schemeClr>
+              </a:solidFill>
+            </a:endParaRPr>
+          </a:p>
+          <a:p>
+            <a:pPr marL="971550" lvl="1" indent="-514350">
+              <a:buFont typeface="+mj-lt"/>
+              <a:buAutoNum type="arabicPeriod"/>
+            </a:pPr>
+            <a:r>
+              <a:rPr lang="de-AT" dirty="0">
+                <a:solidFill>
+                  <a:schemeClr val="accent6">
+                    <a:lumMod val="60000"/>
+                    <a:lumOff val="40000"/>
+                  </a:schemeClr>
+                </a:solidFill>
+              </a:rPr>
+              <a:t>Installation</a:t>
+            </a:r>
+          </a:p>
+          <a:p>
+            <a:pPr marL="514350" indent="-514350">
+              <a:buFont typeface="+mj-lt"/>
+              <a:buAutoNum type="arabicPeriod"/>
+            </a:pPr>
+            <a:r>
+              <a:rPr lang="de-AT" dirty="0" err="1">
+                <a:solidFill>
+                  <a:schemeClr val="accent6">
+                    <a:lumMod val="60000"/>
+                    <a:lumOff val="40000"/>
+                  </a:schemeClr>
+                </a:solidFill>
+              </a:rPr>
+              <a:t>Promise</a:t>
+            </a:r>
+            <a:r>
+              <a:rPr lang="de-AT" dirty="0">
+                <a:solidFill>
+                  <a:schemeClr val="accent6">
+                    <a:lumMod val="60000"/>
+                    <a:lumOff val="40000"/>
+                  </a:schemeClr>
+                </a:solidFill>
+              </a:rPr>
+              <a:t> </a:t>
+            </a:r>
+            <a:r>
+              <a:rPr lang="de-AT" dirty="0" err="1">
+                <a:solidFill>
+                  <a:schemeClr val="accent6">
+                    <a:lumMod val="60000"/>
+                    <a:lumOff val="40000"/>
+                  </a:schemeClr>
+                </a:solidFill>
+              </a:rPr>
+              <a:t>and</a:t>
+            </a:r>
+            <a:r>
+              <a:rPr lang="de-AT" dirty="0">
+                <a:solidFill>
+                  <a:schemeClr val="accent6">
+                    <a:lumMod val="60000"/>
+                    <a:lumOff val="40000"/>
+                  </a:schemeClr>
+                </a:solidFill>
+              </a:rPr>
+              <a:t> </a:t>
+            </a:r>
+            <a:r>
+              <a:rPr lang="de-AT" dirty="0" err="1">
+                <a:solidFill>
+                  <a:schemeClr val="accent6">
+                    <a:lumMod val="60000"/>
+                    <a:lumOff val="40000"/>
+                  </a:schemeClr>
+                </a:solidFill>
+              </a:rPr>
+              <a:t>Fetch</a:t>
+            </a:r>
+            <a:r>
+              <a:rPr lang="de-AT" dirty="0">
+                <a:solidFill>
+                  <a:schemeClr val="accent6">
+                    <a:lumMod val="60000"/>
+                    <a:lumOff val="40000"/>
+                  </a:schemeClr>
+                </a:solidFill>
+              </a:rPr>
+              <a:t>, Service Worker Caching</a:t>
+            </a:r>
+          </a:p>
+          <a:p>
+            <a:pPr marL="514350" indent="-514350">
+              <a:buFont typeface="+mj-lt"/>
+              <a:buAutoNum type="arabicPeriod"/>
+            </a:pPr>
+            <a:r>
+              <a:rPr lang="de-AT" dirty="0" err="1">
+                <a:solidFill>
+                  <a:schemeClr val="accent6">
+                    <a:lumMod val="60000"/>
+                    <a:lumOff val="40000"/>
+                  </a:schemeClr>
+                </a:solidFill>
+              </a:rPr>
+              <a:t>Advanced</a:t>
+            </a:r>
+            <a:r>
+              <a:rPr lang="de-AT" dirty="0">
+                <a:solidFill>
+                  <a:schemeClr val="accent6">
+                    <a:lumMod val="60000"/>
+                    <a:lumOff val="40000"/>
+                  </a:schemeClr>
+                </a:solidFill>
+              </a:rPr>
+              <a:t> Caching, </a:t>
+            </a:r>
+            <a:r>
+              <a:rPr lang="de-AT" dirty="0" err="1">
+                <a:solidFill>
+                  <a:schemeClr val="accent6">
+                    <a:lumMod val="60000"/>
+                    <a:lumOff val="40000"/>
+                  </a:schemeClr>
+                </a:solidFill>
+              </a:rPr>
+              <a:t>Indexed</a:t>
+            </a:r>
+            <a:r>
+              <a:rPr lang="de-AT" dirty="0">
+                <a:solidFill>
+                  <a:schemeClr val="accent6">
+                    <a:lumMod val="60000"/>
+                    <a:lumOff val="40000"/>
+                  </a:schemeClr>
+                </a:solidFill>
+              </a:rPr>
+              <a:t> DB </a:t>
+            </a:r>
+            <a:r>
+              <a:rPr lang="de-AT" dirty="0" err="1">
+                <a:solidFill>
+                  <a:schemeClr val="accent6">
+                    <a:lumMod val="60000"/>
+                    <a:lumOff val="40000"/>
+                  </a:schemeClr>
+                </a:solidFill>
+              </a:rPr>
+              <a:t>and</a:t>
+            </a:r>
+            <a:r>
+              <a:rPr lang="de-AT" dirty="0">
+                <a:solidFill>
+                  <a:schemeClr val="accent6">
+                    <a:lumMod val="60000"/>
+                    <a:lumOff val="40000"/>
+                  </a:schemeClr>
+                </a:solidFill>
+              </a:rPr>
+              <a:t> Dynamic Data</a:t>
+            </a:r>
+          </a:p>
+          <a:p>
+            <a:pPr marL="514350" indent="-514350">
+              <a:buFont typeface="+mj-lt"/>
+              <a:buAutoNum type="arabicPeriod"/>
+            </a:pPr>
+            <a:r>
+              <a:rPr lang="de-AT" dirty="0" err="1">
+                <a:solidFill>
+                  <a:schemeClr val="accent6">
+                    <a:lumMod val="60000"/>
+                    <a:lumOff val="40000"/>
+                  </a:schemeClr>
+                </a:solidFill>
+              </a:rPr>
+              <a:t>Responsive</a:t>
+            </a:r>
+            <a:r>
+              <a:rPr lang="de-AT" dirty="0">
+                <a:solidFill>
+                  <a:schemeClr val="accent6">
+                    <a:lumMod val="60000"/>
+                    <a:lumOff val="40000"/>
+                  </a:schemeClr>
+                </a:solidFill>
+              </a:rPr>
+              <a:t> UI, Background </a:t>
+            </a:r>
+            <a:r>
+              <a:rPr lang="de-AT" dirty="0" err="1">
+                <a:solidFill>
+                  <a:schemeClr val="accent6">
+                    <a:lumMod val="60000"/>
+                    <a:lumOff val="40000"/>
+                  </a:schemeClr>
+                </a:solidFill>
+              </a:rPr>
+              <a:t>Sync</a:t>
+            </a:r>
+            <a:r>
+              <a:rPr lang="de-AT" dirty="0">
+                <a:solidFill>
+                  <a:schemeClr val="accent6">
+                    <a:lumMod val="60000"/>
+                    <a:lumOff val="40000"/>
+                  </a:schemeClr>
+                </a:solidFill>
+              </a:rPr>
+              <a:t> </a:t>
+            </a:r>
+          </a:p>
+          <a:p>
+            <a:pPr marL="514350" indent="-514350">
+              <a:buFont typeface="+mj-lt"/>
+              <a:buAutoNum type="arabicPeriod"/>
+            </a:pPr>
+            <a:r>
+              <a:rPr lang="de-AT" dirty="0">
+                <a:solidFill>
+                  <a:schemeClr val="accent6">
+                    <a:lumMod val="60000"/>
+                    <a:lumOff val="40000"/>
+                  </a:schemeClr>
+                </a:solidFill>
+              </a:rPr>
+              <a:t>Web Push </a:t>
+            </a:r>
+            <a:r>
+              <a:rPr lang="de-AT" dirty="0" err="1">
+                <a:solidFill>
+                  <a:schemeClr val="accent6">
+                    <a:lumMod val="60000"/>
+                    <a:lumOff val="40000"/>
+                  </a:schemeClr>
+                </a:solidFill>
+              </a:rPr>
+              <a:t>Notifications</a:t>
+            </a:r>
+            <a:r>
+              <a:rPr lang="de-AT" dirty="0">
+                <a:solidFill>
+                  <a:schemeClr val="accent6">
+                    <a:lumMod val="60000"/>
+                    <a:lumOff val="40000"/>
+                  </a:schemeClr>
+                </a:solidFill>
+              </a:rPr>
+              <a:t> </a:t>
+            </a:r>
+          </a:p>
+          <a:p>
+            <a:pPr marL="514350" indent="-514350">
+              <a:buFont typeface="+mj-lt"/>
+              <a:buAutoNum type="arabicPeriod"/>
+            </a:pPr>
+            <a:r>
+              <a:rPr lang="de-AT" dirty="0">
+                <a:solidFill>
+                  <a:schemeClr val="accent6">
+                    <a:lumMod val="60000"/>
+                    <a:lumOff val="40000"/>
+                  </a:schemeClr>
+                </a:solidFill>
+              </a:rPr>
+              <a:t>Native Device Features</a:t>
+            </a:r>
+          </a:p>
+          <a:p>
+            <a:pPr marL="514350" indent="-514350">
+              <a:buFont typeface="+mj-lt"/>
+              <a:buAutoNum type="arabicPeriod"/>
+            </a:pPr>
+            <a:r>
+              <a:rPr lang="de-AT" dirty="0"/>
+              <a:t>Round </a:t>
+            </a:r>
+            <a:r>
+              <a:rPr lang="de-AT" dirty="0" err="1"/>
+              <a:t>Up</a:t>
+            </a:r>
+            <a:r>
+              <a:rPr lang="de-AT" dirty="0"/>
+              <a:t> &amp; Quiz</a:t>
+            </a:r>
+          </a:p>
+          <a:p>
+            <a:endParaRPr lang="de-AT" dirty="0"/>
+          </a:p>
+        </p:txBody>
+      </p:sp>
+    </p:spTree>
+    <p:extLst>
+      <p:ext uri="{BB962C8B-B14F-4D97-AF65-F5344CB8AC3E}">
+        <p14:creationId xmlns:p14="http://schemas.microsoft.com/office/powerpoint/2010/main" val="2022339406"/>
+      </p:ext>
+    </p:extLst>
+  </p:cSld>
+  <p:clrMapOvr>
+    <a:masterClrMapping/>
+  </p:clrMapOvr>
+</p:sld>
+</file>
+
+<file path=ppt/slides/slide81.xml><?xml version="1.0" encoding="utf-8"?>
+<p:sld xmlns:a="http://schemas.openxmlformats.org/drawingml/2006/main" xmlns:r="http://schemas.openxmlformats.org/officeDocument/2006/relationships" xmlns:p="http://schemas.openxmlformats.org/presentationml/2006/main">
+  <p:cSld>
+    <p:spTree>
+      <p:nvGrpSpPr>
+        <p:cNvPr id="1" name=""/>
+        <p:cNvGrpSpPr/>
+        <p:nvPr/>
+      </p:nvGrpSpPr>
+      <p:grpSpPr>
+        <a:xfrm>
+          <a:off x="0" y="0"/>
+          <a:ext cx="0" cy="0"/>
+          <a:chOff x="0" y="0"/>
+          <a:chExt cx="0" cy="0"/>
+        </a:xfrm>
+      </p:grpSpPr>
+      <p:sp>
+        <p:nvSpPr>
+          <p:cNvPr id="2" name="Titel 1"/>
+          <p:cNvSpPr>
+            <a:spLocks noGrp="1"/>
+          </p:cNvSpPr>
+          <p:nvPr>
+            <p:ph type="title"/>
+          </p:nvPr>
+        </p:nvSpPr>
+        <p:spPr/>
+        <p:txBody>
+          <a:bodyPr/>
+          <a:lstStyle/>
+          <a:p>
+            <a:r>
+              <a:rPr lang="de-AT" dirty="0"/>
+              <a:t>Backend</a:t>
+            </a:r>
+          </a:p>
+        </p:txBody>
+      </p:sp>
+      <p:sp>
+        <p:nvSpPr>
+          <p:cNvPr id="3" name="Inhaltsplatzhalter 2"/>
+          <p:cNvSpPr>
+            <a:spLocks noGrp="1"/>
+          </p:cNvSpPr>
+          <p:nvPr>
+            <p:ph idx="1"/>
+          </p:nvPr>
+        </p:nvSpPr>
+        <p:spPr/>
+        <p:txBody>
+          <a:bodyPr/>
+          <a:lstStyle/>
+          <a:p>
+            <a:r>
+              <a:rPr lang="de-AT" dirty="0"/>
+              <a:t>Google </a:t>
+            </a:r>
+            <a:r>
+              <a:rPr lang="de-AT" dirty="0" err="1"/>
+              <a:t>Firebase</a:t>
+            </a:r>
+            <a:endParaRPr lang="de-AT" dirty="0"/>
+          </a:p>
+          <a:p>
+            <a:r>
+              <a:rPr lang="de-AT" dirty="0"/>
+              <a:t>Realtime Database</a:t>
+            </a:r>
+          </a:p>
+          <a:p>
+            <a:r>
+              <a:rPr lang="de-AT" dirty="0" err="1">
+                <a:solidFill>
+                  <a:srgbClr val="FF0000"/>
+                </a:solidFill>
+              </a:rPr>
+              <a:t>No</a:t>
+            </a:r>
+            <a:r>
+              <a:rPr lang="de-AT" dirty="0">
+                <a:solidFill>
+                  <a:srgbClr val="FF0000"/>
+                </a:solidFill>
+              </a:rPr>
+              <a:t> </a:t>
+            </a:r>
+            <a:r>
+              <a:rPr lang="de-AT" dirty="0" err="1">
+                <a:solidFill>
+                  <a:srgbClr val="FF0000"/>
+                </a:solidFill>
+              </a:rPr>
+              <a:t>authentication</a:t>
+            </a:r>
+            <a:r>
+              <a:rPr lang="de-AT" dirty="0">
+                <a:solidFill>
+                  <a:srgbClr val="FF0000"/>
+                </a:solidFill>
+              </a:rPr>
+              <a:t> </a:t>
+            </a:r>
+            <a:r>
+              <a:rPr lang="de-AT" dirty="0" err="1">
+                <a:solidFill>
+                  <a:srgbClr val="FF0000"/>
+                </a:solidFill>
+              </a:rPr>
+              <a:t>for</a:t>
+            </a:r>
+            <a:r>
+              <a:rPr lang="de-AT" dirty="0">
+                <a:solidFill>
+                  <a:srgbClr val="FF0000"/>
+                </a:solidFill>
+              </a:rPr>
+              <a:t> </a:t>
+            </a:r>
+            <a:r>
+              <a:rPr lang="de-AT" dirty="0" err="1">
+                <a:solidFill>
+                  <a:srgbClr val="FF0000"/>
+                </a:solidFill>
+              </a:rPr>
+              <a:t>this</a:t>
+            </a:r>
+            <a:r>
+              <a:rPr lang="de-AT" dirty="0">
+                <a:solidFill>
+                  <a:srgbClr val="FF0000"/>
+                </a:solidFill>
+              </a:rPr>
+              <a:t> </a:t>
+            </a:r>
+            <a:r>
+              <a:rPr lang="de-AT" dirty="0" err="1">
+                <a:solidFill>
+                  <a:srgbClr val="FF0000"/>
+                </a:solidFill>
+              </a:rPr>
+              <a:t>purpose</a:t>
+            </a:r>
+            <a:endParaRPr lang="de-AT" dirty="0">
+              <a:solidFill>
+                <a:srgbClr val="FF0000"/>
+              </a:solidFill>
+            </a:endParaRPr>
+          </a:p>
+        </p:txBody>
+      </p:sp>
+    </p:spTree>
+    <p:extLst>
+      <p:ext uri="{BB962C8B-B14F-4D97-AF65-F5344CB8AC3E}">
+        <p14:creationId xmlns:p14="http://schemas.microsoft.com/office/powerpoint/2010/main" val="753469658"/>
       </p:ext>
     </p:extLst>
   </p:cSld>
